--- a/Pandas_Training_Slides.pptx
+++ b/Pandas_Training_Slides.pptx
@@ -5,15 +5,16 @@
     <p:sldMasterId id="2147483648" r:id="rId1"/>
   </p:sldMasterIdLst>
   <p:notesMasterIdLst>
-    <p:notesMasterId r:id="rId8"/>
+    <p:notesMasterId r:id="rId9"/>
   </p:notesMasterIdLst>
   <p:sldIdLst>
-    <p:sldId id="256" r:id="rId2"/>
-    <p:sldId id="257" r:id="rId3"/>
-    <p:sldId id="260" r:id="rId4"/>
-    <p:sldId id="262" r:id="rId5"/>
-    <p:sldId id="258" r:id="rId6"/>
-    <p:sldId id="259" r:id="rId7"/>
+    <p:sldId id="263" r:id="rId2"/>
+    <p:sldId id="256" r:id="rId3"/>
+    <p:sldId id="257" r:id="rId4"/>
+    <p:sldId id="260" r:id="rId5"/>
+    <p:sldId id="262" r:id="rId6"/>
+    <p:sldId id="258" r:id="rId7"/>
+    <p:sldId id="259" r:id="rId8"/>
   </p:sldIdLst>
   <p:sldSz cx="12192000" cy="6858000"/>
   <p:notesSz cx="6858000" cy="9144000"/>
@@ -201,7 +202,7 @@
           </a:lstStyle>
           <a:p>
             <a:fld id="{E57A08F2-BB89-A243-B58E-EF977EF4C386}" type="datetimeFigureOut">
-              <a:t>06/01/2021</a:t>
+              <a:t>08/01/2021</a:t>
             </a:fld>
             <a:endParaRPr lang="en-NL"/>
           </a:p>
@@ -535,7 +536,7 @@
           <a:lstStyle/>
           <a:p>
             <a:fld id="{182B101C-A8DC-374B-816A-E743FC59D6B0}" type="slidenum">
-              <a:t>1</a:t>
+              <a:t>2</a:t>
             </a:fld>
             <a:endParaRPr lang="en-NL"/>
           </a:p>
@@ -621,7 +622,7 @@
           <a:lstStyle/>
           <a:p>
             <a:fld id="{182B101C-A8DC-374B-816A-E743FC59D6B0}" type="slidenum">
-              <a:t>2</a:t>
+              <a:t>3</a:t>
             </a:fld>
             <a:endParaRPr lang="en-NL"/>
           </a:p>
@@ -707,7 +708,7 @@
           <a:lstStyle/>
           <a:p>
             <a:fld id="{182B101C-A8DC-374B-816A-E743FC59D6B0}" type="slidenum">
-              <a:t>5</a:t>
+              <a:t>6</a:t>
             </a:fld>
             <a:endParaRPr lang="en-NL"/>
           </a:p>
@@ -793,7 +794,7 @@
           <a:lstStyle/>
           <a:p>
             <a:fld id="{182B101C-A8DC-374B-816A-E743FC59D6B0}" type="slidenum">
-              <a:t>6</a:t>
+              <a:t>7</a:t>
             </a:fld>
             <a:endParaRPr lang="en-NL"/>
           </a:p>
@@ -960,7 +961,7 @@
           <a:lstStyle/>
           <a:p>
             <a:fld id="{595B5CFB-66E7-284C-9A5B-718B2335AB36}" type="datetimeFigureOut">
-              <a:t>06/01/2021</a:t>
+              <a:t>08/01/2021</a:t>
             </a:fld>
             <a:endParaRPr lang="en-NL"/>
           </a:p>
@@ -1158,7 +1159,7 @@
           <a:lstStyle/>
           <a:p>
             <a:fld id="{595B5CFB-66E7-284C-9A5B-718B2335AB36}" type="datetimeFigureOut">
-              <a:t>06/01/2021</a:t>
+              <a:t>08/01/2021</a:t>
             </a:fld>
             <a:endParaRPr lang="en-NL"/>
           </a:p>
@@ -1366,7 +1367,7 @@
           <a:lstStyle/>
           <a:p>
             <a:fld id="{595B5CFB-66E7-284C-9A5B-718B2335AB36}" type="datetimeFigureOut">
-              <a:t>06/01/2021</a:t>
+              <a:t>08/01/2021</a:t>
             </a:fld>
             <a:endParaRPr lang="en-NL"/>
           </a:p>
@@ -1564,7 +1565,7 @@
           <a:lstStyle/>
           <a:p>
             <a:fld id="{595B5CFB-66E7-284C-9A5B-718B2335AB36}" type="datetimeFigureOut">
-              <a:t>06/01/2021</a:t>
+              <a:t>08/01/2021</a:t>
             </a:fld>
             <a:endParaRPr lang="en-NL"/>
           </a:p>
@@ -1838,7 +1839,7 @@
           <a:lstStyle/>
           <a:p>
             <a:fld id="{595B5CFB-66E7-284C-9A5B-718B2335AB36}" type="datetimeFigureOut">
-              <a:t>06/01/2021</a:t>
+              <a:t>08/01/2021</a:t>
             </a:fld>
             <a:endParaRPr lang="en-NL"/>
           </a:p>
@@ -2104,7 +2105,7 @@
           <a:lstStyle/>
           <a:p>
             <a:fld id="{595B5CFB-66E7-284C-9A5B-718B2335AB36}" type="datetimeFigureOut">
-              <a:t>06/01/2021</a:t>
+              <a:t>08/01/2021</a:t>
             </a:fld>
             <a:endParaRPr lang="en-NL"/>
           </a:p>
@@ -2517,7 +2518,7 @@
           <a:lstStyle/>
           <a:p>
             <a:fld id="{595B5CFB-66E7-284C-9A5B-718B2335AB36}" type="datetimeFigureOut">
-              <a:t>06/01/2021</a:t>
+              <a:t>08/01/2021</a:t>
             </a:fld>
             <a:endParaRPr lang="en-NL"/>
           </a:p>
@@ -2657,7 +2658,7 @@
           <a:lstStyle/>
           <a:p>
             <a:fld id="{595B5CFB-66E7-284C-9A5B-718B2335AB36}" type="datetimeFigureOut">
-              <a:t>06/01/2021</a:t>
+              <a:t>08/01/2021</a:t>
             </a:fld>
             <a:endParaRPr lang="en-NL"/>
           </a:p>
@@ -2768,7 +2769,7 @@
           <a:lstStyle/>
           <a:p>
             <a:fld id="{595B5CFB-66E7-284C-9A5B-718B2335AB36}" type="datetimeFigureOut">
-              <a:t>06/01/2021</a:t>
+              <a:t>08/01/2021</a:t>
             </a:fld>
             <a:endParaRPr lang="en-NL"/>
           </a:p>
@@ -3079,7 +3080,7 @@
           <a:lstStyle/>
           <a:p>
             <a:fld id="{595B5CFB-66E7-284C-9A5B-718B2335AB36}" type="datetimeFigureOut">
-              <a:t>06/01/2021</a:t>
+              <a:t>08/01/2021</a:t>
             </a:fld>
             <a:endParaRPr lang="en-NL"/>
           </a:p>
@@ -3366,7 +3367,7 @@
           <a:lstStyle/>
           <a:p>
             <a:fld id="{595B5CFB-66E7-284C-9A5B-718B2335AB36}" type="datetimeFigureOut">
-              <a:t>06/01/2021</a:t>
+              <a:t>08/01/2021</a:t>
             </a:fld>
             <a:endParaRPr lang="en-NL"/>
           </a:p>
@@ -3607,7 +3608,7 @@
           </a:lstStyle>
           <a:p>
             <a:fld id="{595B5CFB-66E7-284C-9A5B-718B2335AB36}" type="datetimeFigureOut">
-              <a:t>06/01/2021</a:t>
+              <a:t>08/01/2021</a:t>
             </a:fld>
             <a:endParaRPr lang="en-NL"/>
           </a:p>
@@ -4033,6 +4034,270 @@
       </p:grpSpPr>
       <p:sp>
         <p:nvSpPr>
+          <p:cNvPr id="2" name="Title 1">
+            <a:extLst>
+              <a:ext uri="{FF2B5EF4-FFF2-40B4-BE49-F238E27FC236}">
+                <a16:creationId xmlns:a16="http://schemas.microsoft.com/office/drawing/2014/main" id="{7542C562-6C8A-EA4C-AA34-115B8EFE2331}"/>
+              </a:ext>
+            </a:extLst>
+          </p:cNvPr>
+          <p:cNvSpPr>
+            <a:spLocks noGrp="1"/>
+          </p:cNvSpPr>
+          <p:nvPr>
+            <p:ph type="title"/>
+          </p:nvPr>
+        </p:nvSpPr>
+        <p:spPr>
+          <a:xfrm>
+            <a:off x="0" y="18255"/>
+            <a:ext cx="12192000" cy="1325563"/>
+          </a:xfrm>
+          <a:solidFill>
+            <a:schemeClr val="bg1"/>
+          </a:solidFill>
+        </p:spPr>
+        <p:txBody>
+          <a:bodyPr/>
+          <a:lstStyle/>
+          <a:p>
+            <a:pPr algn="ctr"/>
+            <a:r>
+              <a:rPr lang="en-NL"/>
+              <a:t>Wat we gaan doen de komende 2 dagen</a:t>
+            </a:r>
+          </a:p>
+        </p:txBody>
+      </p:sp>
+      <p:sp>
+        <p:nvSpPr>
+          <p:cNvPr id="3" name="Content Placeholder 2">
+            <a:extLst>
+              <a:ext uri="{FF2B5EF4-FFF2-40B4-BE49-F238E27FC236}">
+                <a16:creationId xmlns:a16="http://schemas.microsoft.com/office/drawing/2014/main" id="{6193BE97-E656-F74F-9B05-8B879B054C6F}"/>
+              </a:ext>
+            </a:extLst>
+          </p:cNvPr>
+          <p:cNvSpPr>
+            <a:spLocks noGrp="1"/>
+          </p:cNvSpPr>
+          <p:nvPr>
+            <p:ph idx="1"/>
+          </p:nvPr>
+        </p:nvSpPr>
+        <p:spPr>
+          <a:xfrm>
+            <a:off x="783771" y="1843314"/>
+            <a:ext cx="10570029" cy="4775200"/>
+          </a:xfrm>
+          <a:solidFill>
+            <a:schemeClr val="bg1"/>
+          </a:solidFill>
+        </p:spPr>
+        <p:txBody>
+          <a:bodyPr>
+            <a:normAutofit fontScale="70000" lnSpcReduction="20000"/>
+          </a:bodyPr>
+          <a:lstStyle/>
+          <a:p>
+            <a:r>
+              <a:rPr lang="en-NL" sz="2600"/>
+              <a:t>Introductie: </a:t>
+            </a:r>
+          </a:p>
+          <a:p>
+            <a:pPr lvl="1">
+              <a:buFont typeface="Courier New" panose="02070309020205020404" pitchFamily="49" charset="0"/>
+              <a:buChar char="o"/>
+            </a:pPr>
+            <a:r>
+              <a:rPr lang="en-NL" sz="2100"/>
+              <a:t>waar werk je nu, </a:t>
+            </a:r>
+          </a:p>
+          <a:p>
+            <a:pPr lvl="1">
+              <a:buFont typeface="Courier New" panose="02070309020205020404" pitchFamily="49" charset="0"/>
+              <a:buChar char="o"/>
+            </a:pPr>
+            <a:r>
+              <a:rPr lang="en-NL" sz="2100"/>
+              <a:t>met welke software, </a:t>
+            </a:r>
+          </a:p>
+          <a:p>
+            <a:pPr lvl="1">
+              <a:buFont typeface="Courier New" panose="02070309020205020404" pitchFamily="49" charset="0"/>
+              <a:buChar char="o"/>
+            </a:pPr>
+            <a:r>
+              <a:rPr lang="en-NL" sz="2100"/>
+              <a:t>gebruik je nu Python, </a:t>
+            </a:r>
+          </a:p>
+          <a:p>
+            <a:pPr lvl="1">
+              <a:buFont typeface="Courier New" panose="02070309020205020404" pitchFamily="49" charset="0"/>
+              <a:buChar char="o"/>
+            </a:pPr>
+            <a:r>
+              <a:rPr lang="en-NL" sz="2100"/>
+              <a:t>en: wat wil je vandaag leren</a:t>
+            </a:r>
+          </a:p>
+          <a:p>
+            <a:pPr marL="0" indent="0">
+              <a:buNone/>
+            </a:pPr>
+            <a:endParaRPr lang="en-NL" sz="2500"/>
+          </a:p>
+          <a:p>
+            <a:r>
+              <a:rPr lang="en-NL" sz="2600"/>
+              <a:t>Highover uitleg Python, Pandas en belangrijkste Python data libraries</a:t>
+            </a:r>
+          </a:p>
+          <a:p>
+            <a:r>
+              <a:rPr lang="en-NL" sz="2600"/>
+              <a:t>Intro Jupyter Notebook + Python refresher + opstarten VM</a:t>
+            </a:r>
+          </a:p>
+          <a:p>
+            <a:r>
+              <a:rPr lang="en-NL" sz="2600"/>
+              <a:t>Data inlezen   			---&gt; pd.read_csv()</a:t>
+            </a:r>
+          </a:p>
+          <a:p>
+            <a:r>
+              <a:rPr lang="en-NL" sz="2600"/>
+              <a:t>Data inspectie 			---&gt; pd.info()   pd.head()    pd.describe()</a:t>
+            </a:r>
+          </a:p>
+          <a:p>
+            <a:r>
+              <a:rPr lang="en-NL" sz="2600"/>
+              <a:t>Data selectie 			---&gt; df[df.column == ‘value’]   df.loc[df.column == ‘value’]  df.query()</a:t>
+            </a:r>
+          </a:p>
+          <a:p>
+            <a:r>
+              <a:rPr lang="en-NL" sz="2600"/>
+              <a:t>Data wrangling 	                                   ---&gt; df[‘column’].fillna()  of df.drop_duplicates()</a:t>
+            </a:r>
+          </a:p>
+          <a:p>
+            <a:r>
+              <a:rPr lang="en-NL" sz="2600"/>
+              <a:t>Data joinen   		                  ---&gt; df.merge(df2)</a:t>
+            </a:r>
+          </a:p>
+          <a:p>
+            <a:r>
+              <a:rPr lang="en-NL" sz="2600"/>
+              <a:t>Data visualisatie 	                     	</a:t>
+            </a:r>
+            <a:r>
+              <a:rPr lang="en-NL" sz="2600">
+                <a:sym typeface="Wingdings" pitchFamily="2" charset="2"/>
+              </a:rPr>
+              <a:t>---&gt; </a:t>
+            </a:r>
+            <a:r>
+              <a:rPr lang="en-NL" sz="2600"/>
+              <a:t>df.plot()</a:t>
+            </a:r>
+          </a:p>
+          <a:p>
+            <a:r>
+              <a:rPr lang="en-NL" sz="2600"/>
+              <a:t>Eigen functies toepassen              	-</a:t>
+            </a:r>
+            <a:r>
+              <a:rPr lang="en-NL" sz="2600">
+                <a:sym typeface="Wingdings" pitchFamily="2" charset="2"/>
+              </a:rPr>
+              <a:t>--&gt; </a:t>
+            </a:r>
+            <a:r>
+              <a:rPr lang="en-NL" sz="2600"/>
+              <a:t>df.apply(my_own_function)</a:t>
+            </a:r>
+          </a:p>
+          <a:p>
+            <a:endParaRPr lang="en-NL"/>
+          </a:p>
+          <a:p>
+            <a:pPr lvl="1">
+              <a:buFont typeface="Courier New" panose="02070309020205020404" pitchFamily="49" charset="0"/>
+              <a:buChar char="o"/>
+            </a:pPr>
+            <a:endParaRPr lang="en-NL"/>
+          </a:p>
+          <a:p>
+            <a:pPr lvl="1">
+              <a:buFont typeface="Courier New" panose="02070309020205020404" pitchFamily="49" charset="0"/>
+              <a:buChar char="o"/>
+            </a:pPr>
+            <a:endParaRPr lang="en-NL"/>
+          </a:p>
+          <a:p>
+            <a:pPr lvl="1">
+              <a:buFont typeface="Courier New" panose="02070309020205020404" pitchFamily="49" charset="0"/>
+              <a:buChar char="o"/>
+            </a:pPr>
+            <a:endParaRPr lang="en-NL"/>
+          </a:p>
+          <a:p>
+            <a:pPr lvl="1">
+              <a:buFont typeface="Courier New" panose="02070309020205020404" pitchFamily="49" charset="0"/>
+              <a:buChar char="o"/>
+            </a:pPr>
+            <a:endParaRPr lang="en-NL"/>
+          </a:p>
+        </p:txBody>
+      </p:sp>
+    </p:spTree>
+    <p:extLst>
+      <p:ext uri="{BB962C8B-B14F-4D97-AF65-F5344CB8AC3E}">
+        <p14:creationId xmlns:p14="http://schemas.microsoft.com/office/powerpoint/2010/main" val="1512373698"/>
+      </p:ext>
+    </p:extLst>
+  </p:cSld>
+  <p:clrMapOvr>
+    <a:masterClrMapping/>
+  </p:clrMapOvr>
+</p:sld>
+</file>
+
+<file path=ppt/slides/slide2.xml><?xml version="1.0" encoding="utf-8"?>
+<p:sld xmlns:a="http://schemas.openxmlformats.org/drawingml/2006/main" xmlns:r="http://schemas.openxmlformats.org/officeDocument/2006/relationships" xmlns:p="http://schemas.openxmlformats.org/presentationml/2006/main">
+  <p:cSld>
+    <p:bg>
+      <p:bgPr>
+        <a:solidFill>
+          <a:schemeClr val="bg2"/>
+        </a:solidFill>
+        <a:effectLst/>
+      </p:bgPr>
+    </p:bg>
+    <p:spTree>
+      <p:nvGrpSpPr>
+        <p:cNvPr id="1" name=""/>
+        <p:cNvGrpSpPr/>
+        <p:nvPr/>
+      </p:nvGrpSpPr>
+      <p:grpSpPr>
+        <a:xfrm>
+          <a:off x="0" y="0"/>
+          <a:ext cx="0" cy="0"/>
+          <a:chOff x="0" y="0"/>
+          <a:chExt cx="0" cy="0"/>
+        </a:xfrm>
+      </p:grpSpPr>
+      <p:sp>
+        <p:nvSpPr>
           <p:cNvPr id="13" name="Rectangle 15">
             <a:extLst>
               <a:ext uri="{FF2B5EF4-FFF2-40B4-BE49-F238E27FC236}">
@@ -4357,7 +4622,7 @@
 </p:sld>
 </file>
 
-<file path=ppt/slides/slide2.xml><?xml version="1.0" encoding="utf-8"?>
+<file path=ppt/slides/slide3.xml><?xml version="1.0" encoding="utf-8"?>
 <p:sld xmlns:a="http://schemas.openxmlformats.org/drawingml/2006/main" xmlns:r="http://schemas.openxmlformats.org/officeDocument/2006/relationships" xmlns:p="http://schemas.openxmlformats.org/presentationml/2006/main">
   <p:cSld>
     <p:bg>
@@ -4612,7 +4877,7 @@
 </p:sld>
 </file>
 
-<file path=ppt/slides/slide3.xml><?xml version="1.0" encoding="utf-8"?>
+<file path=ppt/slides/slide4.xml><?xml version="1.0" encoding="utf-8"?>
 <p:sld xmlns:a="http://schemas.openxmlformats.org/drawingml/2006/main" xmlns:r="http://schemas.openxmlformats.org/officeDocument/2006/relationships" xmlns:p="http://schemas.openxmlformats.org/presentationml/2006/main">
   <p:cSld>
     <p:bg>
@@ -4909,7 +5174,7 @@
 </p:sld>
 </file>
 
-<file path=ppt/slides/slide4.xml><?xml version="1.0" encoding="utf-8"?>
+<file path=ppt/slides/slide5.xml><?xml version="1.0" encoding="utf-8"?>
 <p:sld xmlns:a="http://schemas.openxmlformats.org/drawingml/2006/main" xmlns:r="http://schemas.openxmlformats.org/officeDocument/2006/relationships" xmlns:p="http://schemas.openxmlformats.org/presentationml/2006/main">
   <p:cSld>
     <p:bg>
@@ -5251,7 +5516,7 @@
 </p:sld>
 </file>
 
-<file path=ppt/slides/slide5.xml><?xml version="1.0" encoding="utf-8"?>
+<file path=ppt/slides/slide6.xml><?xml version="1.0" encoding="utf-8"?>
 <p:sld xmlns:a="http://schemas.openxmlformats.org/drawingml/2006/main" xmlns:r="http://schemas.openxmlformats.org/officeDocument/2006/relationships" xmlns:p="http://schemas.openxmlformats.org/presentationml/2006/main">
   <p:cSld>
     <p:bg>
@@ -5495,7 +5760,7 @@
 </p:sld>
 </file>
 
-<file path=ppt/slides/slide6.xml><?xml version="1.0" encoding="utf-8"?>
+<file path=ppt/slides/slide7.xml><?xml version="1.0" encoding="utf-8"?>
 <p:sld xmlns:a="http://schemas.openxmlformats.org/drawingml/2006/main" xmlns:r="http://schemas.openxmlformats.org/officeDocument/2006/relationships" xmlns:p="http://schemas.openxmlformats.org/presentationml/2006/main">
   <p:cSld>
     <p:bg>

--- a/Pandas_Training_Slides.pptx
+++ b/Pandas_Training_Slides.pptx
@@ -5,7 +5,7 @@
     <p:sldMasterId id="2147483648" r:id="rId1"/>
   </p:sldMasterIdLst>
   <p:notesMasterIdLst>
-    <p:notesMasterId r:id="rId9"/>
+    <p:notesMasterId r:id="rId11"/>
   </p:notesMasterIdLst>
   <p:sldIdLst>
     <p:sldId id="263" r:id="rId2"/>
@@ -13,8 +13,10 @@
     <p:sldId id="257" r:id="rId4"/>
     <p:sldId id="260" r:id="rId5"/>
     <p:sldId id="262" r:id="rId6"/>
-    <p:sldId id="258" r:id="rId7"/>
-    <p:sldId id="259" r:id="rId8"/>
+    <p:sldId id="264" r:id="rId7"/>
+    <p:sldId id="258" r:id="rId8"/>
+    <p:sldId id="259" r:id="rId9"/>
+    <p:sldId id="265" r:id="rId10"/>
   </p:sldIdLst>
   <p:sldSz cx="12192000" cy="6858000"/>
   <p:notesSz cx="6858000" cy="9144000"/>
@@ -202,7 +204,7 @@
           </a:lstStyle>
           <a:p>
             <a:fld id="{E57A08F2-BB89-A243-B58E-EF977EF4C386}" type="datetimeFigureOut">
-              <a:t>08/01/2021</a:t>
+              <a:t>11/01/2021</a:t>
             </a:fld>
             <a:endParaRPr lang="en-NL"/>
           </a:p>
@@ -515,7 +517,7 @@
           <a:p>
             <a:r>
               <a:rPr lang="en-NL"/>
-              <a:t>but also easy way to access api’s etc.</a:t>
+              <a:t>but also easy way to access api’s, scheduling using Airflow, webscraping with beautifulsoup, scrapy etc.</a:t>
             </a:r>
           </a:p>
         </p:txBody>
@@ -687,7 +689,7 @@
           <a:p>
             <a:r>
               <a:rPr lang="en-NL"/>
-              <a:t>pandas series are just one column of your data, they are 1 dimensional</a:t>
+              <a:t>jupyter notebook for commenting and interactive data analysis, IDE is handier for writing production code, although Microsoft also makes it a lot easier to use Visual Studio as a notebook environment</a:t>
             </a:r>
           </a:p>
         </p:txBody>
@@ -708,7 +710,8 @@
           <a:lstStyle/>
           <a:p>
             <a:fld id="{182B101C-A8DC-374B-816A-E743FC59D6B0}" type="slidenum">
-              <a:t>6</a:t>
+              <a:rPr lang="en-NL"/>
+              <a:t>4</a:t>
             </a:fld>
             <a:endParaRPr lang="en-NL"/>
           </a:p>
@@ -717,7 +720,7 @@
     </p:spTree>
     <p:extLst>
       <p:ext uri="{BB962C8B-B14F-4D97-AF65-F5344CB8AC3E}">
-        <p14:creationId xmlns:p14="http://schemas.microsoft.com/office/powerpoint/2010/main" val="2094711334"/>
+        <p14:creationId xmlns:p14="http://schemas.microsoft.com/office/powerpoint/2010/main" val="2866973064"/>
       </p:ext>
     </p:extLst>
   </p:cSld>
@@ -773,8 +776,110 @@
           <a:p>
             <a:r>
               <a:rPr lang="en-NL"/>
+              <a:t>pandas mostly excels in data wrangling and analysis. Visualization could also be done in PowerBI or Tableau. I use SQL to get data and pandas to wrangle.</a:t>
+            </a:r>
+          </a:p>
+        </p:txBody>
+      </p:sp>
+      <p:sp>
+        <p:nvSpPr>
+          <p:cNvPr id="4" name="Slide Number Placeholder 3"/>
+          <p:cNvSpPr>
+            <a:spLocks noGrp="1"/>
+          </p:cNvSpPr>
+          <p:nvPr>
+            <p:ph type="sldNum" sz="quarter" idx="5"/>
+          </p:nvPr>
+        </p:nvSpPr>
+        <p:spPr/>
+        <p:txBody>
+          <a:bodyPr/>
+          <a:lstStyle/>
+          <a:p>
+            <a:fld id="{182B101C-A8DC-374B-816A-E743FC59D6B0}" type="slidenum">
+              <a:rPr lang="en-NL"/>
+              <a:t>6</a:t>
+            </a:fld>
+            <a:endParaRPr lang="en-NL"/>
+          </a:p>
+        </p:txBody>
+      </p:sp>
+    </p:spTree>
+    <p:extLst>
+      <p:ext uri="{BB962C8B-B14F-4D97-AF65-F5344CB8AC3E}">
+        <p14:creationId xmlns:p14="http://schemas.microsoft.com/office/powerpoint/2010/main" val="2237721319"/>
+      </p:ext>
+    </p:extLst>
+  </p:cSld>
+  <p:clrMapOvr>
+    <a:masterClrMapping/>
+  </p:clrMapOvr>
+</p:notes>
+</file>
+
+<file path=ppt/notesSlides/notesSlide5.xml><?xml version="1.0" encoding="utf-8"?>
+<p:notes xmlns:a="http://schemas.openxmlformats.org/drawingml/2006/main" xmlns:r="http://schemas.openxmlformats.org/officeDocument/2006/relationships" xmlns:p="http://schemas.openxmlformats.org/presentationml/2006/main">
+  <p:cSld>
+    <p:spTree>
+      <p:nvGrpSpPr>
+        <p:cNvPr id="1" name=""/>
+        <p:cNvGrpSpPr/>
+        <p:nvPr/>
+      </p:nvGrpSpPr>
+      <p:grpSpPr>
+        <a:xfrm>
+          <a:off x="0" y="0"/>
+          <a:ext cx="0" cy="0"/>
+          <a:chOff x="0" y="0"/>
+          <a:chExt cx="0" cy="0"/>
+        </a:xfrm>
+      </p:grpSpPr>
+      <p:sp>
+        <p:nvSpPr>
+          <p:cNvPr id="2" name="Slide Image Placeholder 1"/>
+          <p:cNvSpPr>
+            <a:spLocks noGrp="1" noRot="1" noChangeAspect="1"/>
+          </p:cNvSpPr>
+          <p:nvPr>
+            <p:ph type="sldImg"/>
+          </p:nvPr>
+        </p:nvSpPr>
+        <p:spPr/>
+      </p:sp>
+      <p:sp>
+        <p:nvSpPr>
+          <p:cNvPr id="3" name="Notes Placeholder 2"/>
+          <p:cNvSpPr>
+            <a:spLocks noGrp="1"/>
+          </p:cNvSpPr>
+          <p:nvPr>
+            <p:ph type="body" idx="1"/>
+          </p:nvPr>
+        </p:nvSpPr>
+        <p:spPr/>
+        <p:txBody>
+          <a:bodyPr/>
+          <a:lstStyle/>
+          <a:p>
+            <a:r>
+              <a:rPr lang="en-NL"/>
               <a:t>pandas series are just one column of your data, they are 1 dimensional</a:t>
             </a:r>
+          </a:p>
+          <a:p>
+            <a:endParaRPr lang="en-NL"/>
+          </a:p>
+          <a:p>
+            <a:r>
+              <a:rPr lang="en-NL"/>
+              <a:t>columns can contain mixed datatypes</a:t>
+            </a:r>
+          </a:p>
+          <a:p>
+            <a:endParaRPr lang="en-NL"/>
+          </a:p>
+          <a:p>
+            <a:endParaRPr lang="en-NL"/>
           </a:p>
         </p:txBody>
       </p:sp>
@@ -795,6 +900,92 @@
           <a:p>
             <a:fld id="{182B101C-A8DC-374B-816A-E743FC59D6B0}" type="slidenum">
               <a:t>7</a:t>
+            </a:fld>
+            <a:endParaRPr lang="en-NL"/>
+          </a:p>
+        </p:txBody>
+      </p:sp>
+    </p:spTree>
+    <p:extLst>
+      <p:ext uri="{BB962C8B-B14F-4D97-AF65-F5344CB8AC3E}">
+        <p14:creationId xmlns:p14="http://schemas.microsoft.com/office/powerpoint/2010/main" val="2094711334"/>
+      </p:ext>
+    </p:extLst>
+  </p:cSld>
+  <p:clrMapOvr>
+    <a:masterClrMapping/>
+  </p:clrMapOvr>
+</p:notes>
+</file>
+
+<file path=ppt/notesSlides/notesSlide6.xml><?xml version="1.0" encoding="utf-8"?>
+<p:notes xmlns:a="http://schemas.openxmlformats.org/drawingml/2006/main" xmlns:r="http://schemas.openxmlformats.org/officeDocument/2006/relationships" xmlns:p="http://schemas.openxmlformats.org/presentationml/2006/main">
+  <p:cSld>
+    <p:spTree>
+      <p:nvGrpSpPr>
+        <p:cNvPr id="1" name=""/>
+        <p:cNvGrpSpPr/>
+        <p:nvPr/>
+      </p:nvGrpSpPr>
+      <p:grpSpPr>
+        <a:xfrm>
+          <a:off x="0" y="0"/>
+          <a:ext cx="0" cy="0"/>
+          <a:chOff x="0" y="0"/>
+          <a:chExt cx="0" cy="0"/>
+        </a:xfrm>
+      </p:grpSpPr>
+      <p:sp>
+        <p:nvSpPr>
+          <p:cNvPr id="2" name="Slide Image Placeholder 1"/>
+          <p:cNvSpPr>
+            <a:spLocks noGrp="1" noRot="1" noChangeAspect="1"/>
+          </p:cNvSpPr>
+          <p:nvPr>
+            <p:ph type="sldImg"/>
+          </p:nvPr>
+        </p:nvSpPr>
+        <p:spPr/>
+      </p:sp>
+      <p:sp>
+        <p:nvSpPr>
+          <p:cNvPr id="3" name="Notes Placeholder 2"/>
+          <p:cNvSpPr>
+            <a:spLocks noGrp="1"/>
+          </p:cNvSpPr>
+          <p:nvPr>
+            <p:ph type="body" idx="1"/>
+          </p:nvPr>
+        </p:nvSpPr>
+        <p:spPr/>
+        <p:txBody>
+          <a:bodyPr/>
+          <a:lstStyle/>
+          <a:p>
+            <a:r>
+              <a:rPr lang="en-NL"/>
+              <a:t>pandas series are just one column of your data, they are 1 dimensional</a:t>
+            </a:r>
+          </a:p>
+        </p:txBody>
+      </p:sp>
+      <p:sp>
+        <p:nvSpPr>
+          <p:cNvPr id="4" name="Slide Number Placeholder 3"/>
+          <p:cNvSpPr>
+            <a:spLocks noGrp="1"/>
+          </p:cNvSpPr>
+          <p:nvPr>
+            <p:ph type="sldNum" sz="quarter" idx="5"/>
+          </p:nvPr>
+        </p:nvSpPr>
+        <p:spPr/>
+        <p:txBody>
+          <a:bodyPr/>
+          <a:lstStyle/>
+          <a:p>
+            <a:fld id="{182B101C-A8DC-374B-816A-E743FC59D6B0}" type="slidenum">
+              <a:t>8</a:t>
             </a:fld>
             <a:endParaRPr lang="en-NL"/>
           </a:p>
@@ -961,7 +1152,7 @@
           <a:lstStyle/>
           <a:p>
             <a:fld id="{595B5CFB-66E7-284C-9A5B-718B2335AB36}" type="datetimeFigureOut">
-              <a:t>08/01/2021</a:t>
+              <a:t>11/01/2021</a:t>
             </a:fld>
             <a:endParaRPr lang="en-NL"/>
           </a:p>
@@ -1159,7 +1350,7 @@
           <a:lstStyle/>
           <a:p>
             <a:fld id="{595B5CFB-66E7-284C-9A5B-718B2335AB36}" type="datetimeFigureOut">
-              <a:t>08/01/2021</a:t>
+              <a:t>11/01/2021</a:t>
             </a:fld>
             <a:endParaRPr lang="en-NL"/>
           </a:p>
@@ -1367,7 +1558,7 @@
           <a:lstStyle/>
           <a:p>
             <a:fld id="{595B5CFB-66E7-284C-9A5B-718B2335AB36}" type="datetimeFigureOut">
-              <a:t>08/01/2021</a:t>
+              <a:t>11/01/2021</a:t>
             </a:fld>
             <a:endParaRPr lang="en-NL"/>
           </a:p>
@@ -1565,7 +1756,7 @@
           <a:lstStyle/>
           <a:p>
             <a:fld id="{595B5CFB-66E7-284C-9A5B-718B2335AB36}" type="datetimeFigureOut">
-              <a:t>08/01/2021</a:t>
+              <a:t>11/01/2021</a:t>
             </a:fld>
             <a:endParaRPr lang="en-NL"/>
           </a:p>
@@ -1839,7 +2030,7 @@
           <a:lstStyle/>
           <a:p>
             <a:fld id="{595B5CFB-66E7-284C-9A5B-718B2335AB36}" type="datetimeFigureOut">
-              <a:t>08/01/2021</a:t>
+              <a:t>11/01/2021</a:t>
             </a:fld>
             <a:endParaRPr lang="en-NL"/>
           </a:p>
@@ -2105,7 +2296,7 @@
           <a:lstStyle/>
           <a:p>
             <a:fld id="{595B5CFB-66E7-284C-9A5B-718B2335AB36}" type="datetimeFigureOut">
-              <a:t>08/01/2021</a:t>
+              <a:t>11/01/2021</a:t>
             </a:fld>
             <a:endParaRPr lang="en-NL"/>
           </a:p>
@@ -2518,7 +2709,7 @@
           <a:lstStyle/>
           <a:p>
             <a:fld id="{595B5CFB-66E7-284C-9A5B-718B2335AB36}" type="datetimeFigureOut">
-              <a:t>08/01/2021</a:t>
+              <a:t>11/01/2021</a:t>
             </a:fld>
             <a:endParaRPr lang="en-NL"/>
           </a:p>
@@ -2658,7 +2849,7 @@
           <a:lstStyle/>
           <a:p>
             <a:fld id="{595B5CFB-66E7-284C-9A5B-718B2335AB36}" type="datetimeFigureOut">
-              <a:t>08/01/2021</a:t>
+              <a:t>11/01/2021</a:t>
             </a:fld>
             <a:endParaRPr lang="en-NL"/>
           </a:p>
@@ -2769,7 +2960,7 @@
           <a:lstStyle/>
           <a:p>
             <a:fld id="{595B5CFB-66E7-284C-9A5B-718B2335AB36}" type="datetimeFigureOut">
-              <a:t>08/01/2021</a:t>
+              <a:t>11/01/2021</a:t>
             </a:fld>
             <a:endParaRPr lang="en-NL"/>
           </a:p>
@@ -3080,7 +3271,7 @@
           <a:lstStyle/>
           <a:p>
             <a:fld id="{595B5CFB-66E7-284C-9A5B-718B2335AB36}" type="datetimeFigureOut">
-              <a:t>08/01/2021</a:t>
+              <a:t>11/01/2021</a:t>
             </a:fld>
             <a:endParaRPr lang="en-NL"/>
           </a:p>
@@ -3367,7 +3558,7 @@
           <a:lstStyle/>
           <a:p>
             <a:fld id="{595B5CFB-66E7-284C-9A5B-718B2335AB36}" type="datetimeFigureOut">
-              <a:t>08/01/2021</a:t>
+              <a:t>11/01/2021</a:t>
             </a:fld>
             <a:endParaRPr lang="en-NL"/>
           </a:p>
@@ -3608,7 +3799,7 @@
           </a:lstStyle>
           <a:p>
             <a:fld id="{595B5CFB-66E7-284C-9A5B-718B2335AB36}" type="datetimeFigureOut">
-              <a:t>08/01/2021</a:t>
+              <a:t>11/01/2021</a:t>
             </a:fld>
             <a:endParaRPr lang="en-NL"/>
           </a:p>
@@ -4172,7 +4363,7 @@
           <a:p>
             <a:r>
               <a:rPr lang="en-NL" sz="2600"/>
-              <a:t>Data inspectie 			---&gt; pd.info()   pd.head()    pd.describe()</a:t>
+              <a:t>Data inspectie 			---&gt; df.info()   df.head()    df.describe()</a:t>
             </a:r>
           </a:p>
           <a:p>
@@ -4499,8 +4690,8 @@
         </p:nvSpPr>
         <p:spPr>
           <a:xfrm>
-            <a:off x="4823254" y="1104610"/>
-            <a:ext cx="2545492" cy="568411"/>
+            <a:off x="5123542" y="1083782"/>
+            <a:ext cx="1944915" cy="568411"/>
           </a:xfrm>
           <a:prstGeom prst="rect">
             <a:avLst/>
@@ -4527,7 +4718,7 @@
             <a:pPr algn="ctr"/>
             <a:r>
               <a:rPr lang="en-NL"/>
-              <a:t>Data Science</a:t>
+              <a:t>Data Science / Data Engineering</a:t>
             </a:r>
           </a:p>
         </p:txBody>
@@ -4546,8 +4737,8 @@
         </p:nvSpPr>
         <p:spPr>
           <a:xfrm>
-            <a:off x="8403321" y="1100691"/>
-            <a:ext cx="2545492" cy="568411"/>
+            <a:off x="8611932" y="1100691"/>
+            <a:ext cx="2207643" cy="568411"/>
           </a:xfrm>
           <a:prstGeom prst="rect">
             <a:avLst/>
@@ -5118,7 +5309,7 @@
           <p:nvPr/>
         </p:nvPicPr>
         <p:blipFill rotWithShape="1">
-          <a:blip r:embed="rId2"/>
+          <a:blip r:embed="rId3"/>
           <a:srcRect r="9841" b="-3"/>
           <a:stretch/>
         </p:blipFill>
@@ -5147,7 +5338,7 @@
           <p:nvPr/>
         </p:nvPicPr>
         <p:blipFill rotWithShape="1">
-          <a:blip r:embed="rId3"/>
+          <a:blip r:embed="rId4"/>
           <a:srcRect t="4013" r="-2" b="-2"/>
           <a:stretch/>
         </p:blipFill>
@@ -5543,6 +5734,156 @@
       </p:grpSpPr>
       <p:sp>
         <p:nvSpPr>
+          <p:cNvPr id="2" name="Title 1">
+            <a:extLst>
+              <a:ext uri="{FF2B5EF4-FFF2-40B4-BE49-F238E27FC236}">
+                <a16:creationId xmlns:a16="http://schemas.microsoft.com/office/drawing/2014/main" id="{FC3C466B-06F5-B84D-A8D3-0B638E77F456}"/>
+              </a:ext>
+            </a:extLst>
+          </p:cNvPr>
+          <p:cNvSpPr>
+            <a:spLocks noGrp="1"/>
+          </p:cNvSpPr>
+          <p:nvPr>
+            <p:ph type="title"/>
+          </p:nvPr>
+        </p:nvSpPr>
+        <p:spPr>
+          <a:xfrm>
+            <a:off x="0" y="1"/>
+            <a:ext cx="12192000" cy="1690688"/>
+          </a:xfrm>
+          <a:solidFill>
+            <a:schemeClr val="bg1"/>
+          </a:solidFill>
+        </p:spPr>
+        <p:txBody>
+          <a:bodyPr/>
+          <a:lstStyle/>
+          <a:p>
+            <a:r>
+              <a:rPr lang="en-NL"/>
+              <a:t>Wat is pandas?</a:t>
+            </a:r>
+          </a:p>
+        </p:txBody>
+      </p:sp>
+      <p:pic>
+        <p:nvPicPr>
+          <p:cNvPr id="5" name="Content Placeholder 4" descr="Text&#10;&#10;Description automatically generated">
+            <a:extLst>
+              <a:ext uri="{FF2B5EF4-FFF2-40B4-BE49-F238E27FC236}">
+                <a16:creationId xmlns:a16="http://schemas.microsoft.com/office/drawing/2014/main" id="{9F5F247A-2656-594C-A237-894E5FEE8718}"/>
+              </a:ext>
+            </a:extLst>
+          </p:cNvPr>
+          <p:cNvPicPr>
+            <a:picLocks noGrp="1" noChangeAspect="1"/>
+          </p:cNvPicPr>
+          <p:nvPr>
+            <p:ph idx="1"/>
+          </p:nvPr>
+        </p:nvPicPr>
+        <p:blipFill>
+          <a:blip r:embed="rId3"/>
+          <a:stretch>
+            <a:fillRect/>
+          </a:stretch>
+        </p:blipFill>
+        <p:spPr>
+          <a:xfrm>
+            <a:off x="143164" y="4066543"/>
+            <a:ext cx="11905671" cy="2089825"/>
+          </a:xfrm>
+        </p:spPr>
+      </p:pic>
+      <p:pic>
+        <p:nvPicPr>
+          <p:cNvPr id="1026" name="Picture 2" descr="pandas (software) - Wikipedia">
+            <a:extLst>
+              <a:ext uri="{FF2B5EF4-FFF2-40B4-BE49-F238E27FC236}">
+                <a16:creationId xmlns:a16="http://schemas.microsoft.com/office/drawing/2014/main" id="{A0C9A81B-8796-4048-8EF3-6CE8AA3CF185}"/>
+              </a:ext>
+            </a:extLst>
+          </p:cNvPr>
+          <p:cNvPicPr>
+            <a:picLocks noChangeAspect="1" noChangeArrowheads="1"/>
+          </p:cNvPicPr>
+          <p:nvPr/>
+        </p:nvPicPr>
+        <p:blipFill>
+          <a:blip r:embed="rId4">
+            <a:extLst>
+              <a:ext uri="{28A0092B-C50C-407E-A947-70E740481C1C}">
+                <a14:useLocalDpi xmlns:a14="http://schemas.microsoft.com/office/drawing/2010/main" val="0"/>
+              </a:ext>
+            </a:extLst>
+          </a:blip>
+          <a:srcRect/>
+          <a:stretch>
+            <a:fillRect/>
+          </a:stretch>
+        </p:blipFill>
+        <p:spPr bwMode="auto">
+          <a:xfrm>
+            <a:off x="0" y="1615986"/>
+            <a:ext cx="6096000" cy="2463800"/>
+          </a:xfrm>
+          <a:prstGeom prst="rect">
+            <a:avLst/>
+          </a:prstGeom>
+          <a:noFill/>
+          <a:extLst>
+            <a:ext uri="{909E8E84-426E-40DD-AFC4-6F175D3DCCD1}">
+              <a14:hiddenFill xmlns:a14="http://schemas.microsoft.com/office/drawing/2010/main">
+                <a:solidFill>
+                  <a:srgbClr val="FFFFFF"/>
+                </a:solidFill>
+              </a14:hiddenFill>
+            </a:ext>
+          </a:extLst>
+        </p:spPr>
+      </p:pic>
+    </p:spTree>
+    <p:extLst>
+      <p:ext uri="{BB962C8B-B14F-4D97-AF65-F5344CB8AC3E}">
+        <p14:creationId xmlns:p14="http://schemas.microsoft.com/office/powerpoint/2010/main" val="1499705360"/>
+      </p:ext>
+    </p:extLst>
+  </p:cSld>
+  <p:clrMapOvr>
+    <a:masterClrMapping/>
+  </p:clrMapOvr>
+</p:sld>
+</file>
+
+<file path=ppt/slides/slide7.xml><?xml version="1.0" encoding="utf-8"?>
+<p:sld xmlns:a="http://schemas.openxmlformats.org/drawingml/2006/main" xmlns:r="http://schemas.openxmlformats.org/officeDocument/2006/relationships" xmlns:p="http://schemas.openxmlformats.org/presentationml/2006/main">
+  <p:cSld>
+    <p:bg>
+      <p:bgPr>
+        <a:solidFill>
+          <a:schemeClr val="bg2"/>
+        </a:solidFill>
+        <a:effectLst/>
+      </p:bgPr>
+    </p:bg>
+    <p:spTree>
+      <p:nvGrpSpPr>
+        <p:cNvPr id="1" name=""/>
+        <p:cNvGrpSpPr/>
+        <p:nvPr/>
+      </p:nvGrpSpPr>
+      <p:grpSpPr>
+        <a:xfrm>
+          <a:off x="0" y="0"/>
+          <a:ext cx="0" cy="0"/>
+          <a:chOff x="0" y="0"/>
+          <a:chExt cx="0" cy="0"/>
+        </a:xfrm>
+      </p:grpSpPr>
+      <p:sp>
+        <p:nvSpPr>
           <p:cNvPr id="10" name="Rectangle 9">
             <a:extLst>
               <a:ext uri="{FF2B5EF4-FFF2-40B4-BE49-F238E27FC236}">
@@ -5636,7 +5977,7 @@
           <a:p>
             <a:r>
               <a:rPr lang="en-US"/>
-              <a:t>Most important concept is the DataFrame</a:t>
+              <a:t>Most important concept is a DataFrame</a:t>
             </a:r>
           </a:p>
         </p:txBody>
@@ -5760,7 +6101,7 @@
 </p:sld>
 </file>
 
-<file path=ppt/slides/slide7.xml><?xml version="1.0" encoding="utf-8"?>
+<file path=ppt/slides/slide8.xml><?xml version="1.0" encoding="utf-8"?>
 <p:sld xmlns:a="http://schemas.openxmlformats.org/drawingml/2006/main" xmlns:r="http://schemas.openxmlformats.org/officeDocument/2006/relationships" xmlns:p="http://schemas.openxmlformats.org/presentationml/2006/main">
   <p:cSld>
     <p:bg>
@@ -5992,6 +6333,86 @@
     <p:extLst>
       <p:ext uri="{BB962C8B-B14F-4D97-AF65-F5344CB8AC3E}">
         <p14:creationId xmlns:p14="http://schemas.microsoft.com/office/powerpoint/2010/main" val="2530735211"/>
+      </p:ext>
+    </p:extLst>
+  </p:cSld>
+  <p:clrMapOvr>
+    <a:masterClrMapping/>
+  </p:clrMapOvr>
+</p:sld>
+</file>
+
+<file path=ppt/slides/slide9.xml><?xml version="1.0" encoding="utf-8"?>
+<p:sld xmlns:a="http://schemas.openxmlformats.org/drawingml/2006/main" xmlns:r="http://schemas.openxmlformats.org/officeDocument/2006/relationships" xmlns:p="http://schemas.openxmlformats.org/presentationml/2006/main">
+  <p:cSld>
+    <p:spTree>
+      <p:nvGrpSpPr>
+        <p:cNvPr id="1" name=""/>
+        <p:cNvGrpSpPr/>
+        <p:nvPr/>
+      </p:nvGrpSpPr>
+      <p:grpSpPr>
+        <a:xfrm>
+          <a:off x="0" y="0"/>
+          <a:ext cx="0" cy="0"/>
+          <a:chOff x="0" y="0"/>
+          <a:chExt cx="0" cy="0"/>
+        </a:xfrm>
+      </p:grpSpPr>
+      <p:sp>
+        <p:nvSpPr>
+          <p:cNvPr id="2" name="Title 1">
+            <a:extLst>
+              <a:ext uri="{FF2B5EF4-FFF2-40B4-BE49-F238E27FC236}">
+                <a16:creationId xmlns:a16="http://schemas.microsoft.com/office/drawing/2014/main" id="{C8163A18-D894-FF42-A3CF-D81F0CB8B8FF}"/>
+              </a:ext>
+            </a:extLst>
+          </p:cNvPr>
+          <p:cNvSpPr>
+            <a:spLocks noGrp="1"/>
+          </p:cNvSpPr>
+          <p:nvPr>
+            <p:ph type="title"/>
+          </p:nvPr>
+        </p:nvSpPr>
+        <p:spPr/>
+        <p:txBody>
+          <a:bodyPr/>
+          <a:lstStyle/>
+          <a:p>
+            <a:endParaRPr lang="en-NL"/>
+          </a:p>
+        </p:txBody>
+      </p:sp>
+      <p:sp>
+        <p:nvSpPr>
+          <p:cNvPr id="3" name="Content Placeholder 2">
+            <a:extLst>
+              <a:ext uri="{FF2B5EF4-FFF2-40B4-BE49-F238E27FC236}">
+                <a16:creationId xmlns:a16="http://schemas.microsoft.com/office/drawing/2014/main" id="{A862A42A-6411-234E-B760-651D87AF8D16}"/>
+              </a:ext>
+            </a:extLst>
+          </p:cNvPr>
+          <p:cNvSpPr>
+            <a:spLocks noGrp="1"/>
+          </p:cNvSpPr>
+          <p:nvPr>
+            <p:ph idx="1"/>
+          </p:nvPr>
+        </p:nvSpPr>
+        <p:spPr/>
+        <p:txBody>
+          <a:bodyPr/>
+          <a:lstStyle/>
+          <a:p>
+            <a:endParaRPr lang="en-NL"/>
+          </a:p>
+        </p:txBody>
+      </p:sp>
+    </p:spTree>
+    <p:extLst>
+      <p:ext uri="{BB962C8B-B14F-4D97-AF65-F5344CB8AC3E}">
+        <p14:creationId xmlns:p14="http://schemas.microsoft.com/office/powerpoint/2010/main" val="1500885899"/>
       </p:ext>
     </p:extLst>
   </p:cSld>

--- a/Pandas_Training_Slides.pptx
+++ b/Pandas_Training_Slides.pptx
@@ -5,7 +5,7 @@
     <p:sldMasterId id="2147483648" r:id="rId1"/>
   </p:sldMasterIdLst>
   <p:notesMasterIdLst>
-    <p:notesMasterId r:id="rId11"/>
+    <p:notesMasterId r:id="rId13"/>
   </p:notesMasterIdLst>
   <p:sldIdLst>
     <p:sldId id="263" r:id="rId2"/>
@@ -16,7 +16,9 @@
     <p:sldId id="264" r:id="rId7"/>
     <p:sldId id="258" r:id="rId8"/>
     <p:sldId id="259" r:id="rId9"/>
-    <p:sldId id="265" r:id="rId10"/>
+    <p:sldId id="266" r:id="rId10"/>
+    <p:sldId id="267" r:id="rId11"/>
+    <p:sldId id="265" r:id="rId12"/>
   </p:sldIdLst>
   <p:sldSz cx="12192000" cy="6858000"/>
   <p:notesSz cx="6858000" cy="9144000"/>
@@ -204,7 +206,7 @@
           </a:lstStyle>
           <a:p>
             <a:fld id="{E57A08F2-BB89-A243-B58E-EF977EF4C386}" type="datetimeFigureOut">
-              <a:t>11/01/2021</a:t>
+              <a:t>14/01/2021</a:t>
             </a:fld>
             <a:endParaRPr lang="en-NL"/>
           </a:p>
@@ -517,7 +519,7 @@
           <a:p>
             <a:r>
               <a:rPr lang="en-NL"/>
-              <a:t>but also easy way to access api’s, scheduling using Airflow, webscraping with beautifulsoup, scrapy etc.</a:t>
+              <a:t>ik heb geprobeerd de cursus terug te brengen tot de bare essentials</a:t>
             </a:r>
           </a:p>
         </p:txBody>
@@ -538,7 +540,8 @@
           <a:lstStyle/>
           <a:p>
             <a:fld id="{182B101C-A8DC-374B-816A-E743FC59D6B0}" type="slidenum">
-              <a:t>2</a:t>
+              <a:rPr lang="en-NL"/>
+              <a:t>1</a:t>
             </a:fld>
             <a:endParaRPr lang="en-NL"/>
           </a:p>
@@ -547,7 +550,7 @@
     </p:spTree>
     <p:extLst>
       <p:ext uri="{BB962C8B-B14F-4D97-AF65-F5344CB8AC3E}">
-        <p14:creationId xmlns:p14="http://schemas.microsoft.com/office/powerpoint/2010/main" val="1639698602"/>
+        <p14:creationId xmlns:p14="http://schemas.microsoft.com/office/powerpoint/2010/main" val="3094612982"/>
       </p:ext>
     </p:extLst>
   </p:cSld>
@@ -603,7 +606,7 @@
           <a:p>
             <a:r>
               <a:rPr lang="en-NL"/>
-              <a:t>grote voordeel: 1 library die ergens heel erg goed in is</a:t>
+              <a:t>but also easy way to access api’s, scheduling using Airflow, webscraping with beautifulsoup, scrapy etc.</a:t>
             </a:r>
           </a:p>
         </p:txBody>
@@ -624,7 +627,7 @@
           <a:lstStyle/>
           <a:p>
             <a:fld id="{182B101C-A8DC-374B-816A-E743FC59D6B0}" type="slidenum">
-              <a:t>3</a:t>
+              <a:t>2</a:t>
             </a:fld>
             <a:endParaRPr lang="en-NL"/>
           </a:p>
@@ -633,7 +636,7 @@
     </p:spTree>
     <p:extLst>
       <p:ext uri="{BB962C8B-B14F-4D97-AF65-F5344CB8AC3E}">
-        <p14:creationId xmlns:p14="http://schemas.microsoft.com/office/powerpoint/2010/main" val="3081927841"/>
+        <p14:creationId xmlns:p14="http://schemas.microsoft.com/office/powerpoint/2010/main" val="1639698602"/>
       </p:ext>
     </p:extLst>
   </p:cSld>
@@ -689,7 +692,7 @@
           <a:p>
             <a:r>
               <a:rPr lang="en-NL"/>
-              <a:t>jupyter notebook for commenting and interactive data analysis, IDE is handier for writing production code, although Microsoft also makes it a lot easier to use Visual Studio as a notebook environment</a:t>
+              <a:t>grote voordeel: 1 library die ergens heel erg goed in is</a:t>
             </a:r>
           </a:p>
         </p:txBody>
@@ -710,8 +713,7 @@
           <a:lstStyle/>
           <a:p>
             <a:fld id="{182B101C-A8DC-374B-816A-E743FC59D6B0}" type="slidenum">
-              <a:rPr lang="en-NL"/>
-              <a:t>4</a:t>
+              <a:t>3</a:t>
             </a:fld>
             <a:endParaRPr lang="en-NL"/>
           </a:p>
@@ -720,7 +722,7 @@
     </p:spTree>
     <p:extLst>
       <p:ext uri="{BB962C8B-B14F-4D97-AF65-F5344CB8AC3E}">
-        <p14:creationId xmlns:p14="http://schemas.microsoft.com/office/powerpoint/2010/main" val="2866973064"/>
+        <p14:creationId xmlns:p14="http://schemas.microsoft.com/office/powerpoint/2010/main" val="3081927841"/>
       </p:ext>
     </p:extLst>
   </p:cSld>
@@ -776,7 +778,7 @@
           <a:p>
             <a:r>
               <a:rPr lang="en-NL"/>
-              <a:t>pandas mostly excels in data wrangling and analysis. Visualization could also be done in PowerBI or Tableau. I use SQL to get data and pandas to wrangle.</a:t>
+              <a:t>jupyter notebook for commenting and interactive data analysis, IDE is handier for writing production code, although Microsoft also makes it a lot easier to use Visual Studio as a notebook environment</a:t>
             </a:r>
           </a:p>
         </p:txBody>
@@ -798,7 +800,7 @@
           <a:p>
             <a:fld id="{182B101C-A8DC-374B-816A-E743FC59D6B0}" type="slidenum">
               <a:rPr lang="en-NL"/>
-              <a:t>6</a:t>
+              <a:t>4</a:t>
             </a:fld>
             <a:endParaRPr lang="en-NL"/>
           </a:p>
@@ -807,7 +809,7 @@
     </p:spTree>
     <p:extLst>
       <p:ext uri="{BB962C8B-B14F-4D97-AF65-F5344CB8AC3E}">
-        <p14:creationId xmlns:p14="http://schemas.microsoft.com/office/powerpoint/2010/main" val="2237721319"/>
+        <p14:creationId xmlns:p14="http://schemas.microsoft.com/office/powerpoint/2010/main" val="2866973064"/>
       </p:ext>
     </p:extLst>
   </p:cSld>
@@ -863,6 +865,93 @@
           <a:p>
             <a:r>
               <a:rPr lang="en-NL"/>
+              <a:t>pandas mostly excels in data wrangling and analysis. Visualization could also be done in PowerBI or Tableau. I use SQL to get data and pandas to wrangle.</a:t>
+            </a:r>
+          </a:p>
+        </p:txBody>
+      </p:sp>
+      <p:sp>
+        <p:nvSpPr>
+          <p:cNvPr id="4" name="Slide Number Placeholder 3"/>
+          <p:cNvSpPr>
+            <a:spLocks noGrp="1"/>
+          </p:cNvSpPr>
+          <p:nvPr>
+            <p:ph type="sldNum" sz="quarter" idx="5"/>
+          </p:nvPr>
+        </p:nvSpPr>
+        <p:spPr/>
+        <p:txBody>
+          <a:bodyPr/>
+          <a:lstStyle/>
+          <a:p>
+            <a:fld id="{182B101C-A8DC-374B-816A-E743FC59D6B0}" type="slidenum">
+              <a:rPr lang="en-NL"/>
+              <a:t>6</a:t>
+            </a:fld>
+            <a:endParaRPr lang="en-NL"/>
+          </a:p>
+        </p:txBody>
+      </p:sp>
+    </p:spTree>
+    <p:extLst>
+      <p:ext uri="{BB962C8B-B14F-4D97-AF65-F5344CB8AC3E}">
+        <p14:creationId xmlns:p14="http://schemas.microsoft.com/office/powerpoint/2010/main" val="2237721319"/>
+      </p:ext>
+    </p:extLst>
+  </p:cSld>
+  <p:clrMapOvr>
+    <a:masterClrMapping/>
+  </p:clrMapOvr>
+</p:notes>
+</file>
+
+<file path=ppt/notesSlides/notesSlide6.xml><?xml version="1.0" encoding="utf-8"?>
+<p:notes xmlns:a="http://schemas.openxmlformats.org/drawingml/2006/main" xmlns:r="http://schemas.openxmlformats.org/officeDocument/2006/relationships" xmlns:p="http://schemas.openxmlformats.org/presentationml/2006/main">
+  <p:cSld>
+    <p:spTree>
+      <p:nvGrpSpPr>
+        <p:cNvPr id="1" name=""/>
+        <p:cNvGrpSpPr/>
+        <p:nvPr/>
+      </p:nvGrpSpPr>
+      <p:grpSpPr>
+        <a:xfrm>
+          <a:off x="0" y="0"/>
+          <a:ext cx="0" cy="0"/>
+          <a:chOff x="0" y="0"/>
+          <a:chExt cx="0" cy="0"/>
+        </a:xfrm>
+      </p:grpSpPr>
+      <p:sp>
+        <p:nvSpPr>
+          <p:cNvPr id="2" name="Slide Image Placeholder 1"/>
+          <p:cNvSpPr>
+            <a:spLocks noGrp="1" noRot="1" noChangeAspect="1"/>
+          </p:cNvSpPr>
+          <p:nvPr>
+            <p:ph type="sldImg"/>
+          </p:nvPr>
+        </p:nvSpPr>
+        <p:spPr/>
+      </p:sp>
+      <p:sp>
+        <p:nvSpPr>
+          <p:cNvPr id="3" name="Notes Placeholder 2"/>
+          <p:cNvSpPr>
+            <a:spLocks noGrp="1"/>
+          </p:cNvSpPr>
+          <p:nvPr>
+            <p:ph type="body" idx="1"/>
+          </p:nvPr>
+        </p:nvSpPr>
+        <p:spPr/>
+        <p:txBody>
+          <a:bodyPr/>
+          <a:lstStyle/>
+          <a:p>
+            <a:r>
+              <a:rPr lang="en-NL"/>
               <a:t>pandas series are just one column of your data, they are 1 dimensional</a:t>
             </a:r>
           </a:p>
@@ -918,7 +1007,7 @@
 </p:notes>
 </file>
 
-<file path=ppt/notesSlides/notesSlide6.xml><?xml version="1.0" encoding="utf-8"?>
+<file path=ppt/notesSlides/notesSlide7.xml><?xml version="1.0" encoding="utf-8"?>
 <p:notes xmlns:a="http://schemas.openxmlformats.org/drawingml/2006/main" xmlns:r="http://schemas.openxmlformats.org/officeDocument/2006/relationships" xmlns:p="http://schemas.openxmlformats.org/presentationml/2006/main">
   <p:cSld>
     <p:spTree>
@@ -1152,7 +1241,7 @@
           <a:lstStyle/>
           <a:p>
             <a:fld id="{595B5CFB-66E7-284C-9A5B-718B2335AB36}" type="datetimeFigureOut">
-              <a:t>11/01/2021</a:t>
+              <a:t>14/01/2021</a:t>
             </a:fld>
             <a:endParaRPr lang="en-NL"/>
           </a:p>
@@ -1350,7 +1439,7 @@
           <a:lstStyle/>
           <a:p>
             <a:fld id="{595B5CFB-66E7-284C-9A5B-718B2335AB36}" type="datetimeFigureOut">
-              <a:t>11/01/2021</a:t>
+              <a:t>14/01/2021</a:t>
             </a:fld>
             <a:endParaRPr lang="en-NL"/>
           </a:p>
@@ -1558,7 +1647,7 @@
           <a:lstStyle/>
           <a:p>
             <a:fld id="{595B5CFB-66E7-284C-9A5B-718B2335AB36}" type="datetimeFigureOut">
-              <a:t>11/01/2021</a:t>
+              <a:t>14/01/2021</a:t>
             </a:fld>
             <a:endParaRPr lang="en-NL"/>
           </a:p>
@@ -1756,7 +1845,7 @@
           <a:lstStyle/>
           <a:p>
             <a:fld id="{595B5CFB-66E7-284C-9A5B-718B2335AB36}" type="datetimeFigureOut">
-              <a:t>11/01/2021</a:t>
+              <a:t>14/01/2021</a:t>
             </a:fld>
             <a:endParaRPr lang="en-NL"/>
           </a:p>
@@ -2030,7 +2119,7 @@
           <a:lstStyle/>
           <a:p>
             <a:fld id="{595B5CFB-66E7-284C-9A5B-718B2335AB36}" type="datetimeFigureOut">
-              <a:t>11/01/2021</a:t>
+              <a:t>14/01/2021</a:t>
             </a:fld>
             <a:endParaRPr lang="en-NL"/>
           </a:p>
@@ -2296,7 +2385,7 @@
           <a:lstStyle/>
           <a:p>
             <a:fld id="{595B5CFB-66E7-284C-9A5B-718B2335AB36}" type="datetimeFigureOut">
-              <a:t>11/01/2021</a:t>
+              <a:t>14/01/2021</a:t>
             </a:fld>
             <a:endParaRPr lang="en-NL"/>
           </a:p>
@@ -2709,7 +2798,7 @@
           <a:lstStyle/>
           <a:p>
             <a:fld id="{595B5CFB-66E7-284C-9A5B-718B2335AB36}" type="datetimeFigureOut">
-              <a:t>11/01/2021</a:t>
+              <a:t>14/01/2021</a:t>
             </a:fld>
             <a:endParaRPr lang="en-NL"/>
           </a:p>
@@ -2849,7 +2938,7 @@
           <a:lstStyle/>
           <a:p>
             <a:fld id="{595B5CFB-66E7-284C-9A5B-718B2335AB36}" type="datetimeFigureOut">
-              <a:t>11/01/2021</a:t>
+              <a:t>14/01/2021</a:t>
             </a:fld>
             <a:endParaRPr lang="en-NL"/>
           </a:p>
@@ -2960,7 +3049,7 @@
           <a:lstStyle/>
           <a:p>
             <a:fld id="{595B5CFB-66E7-284C-9A5B-718B2335AB36}" type="datetimeFigureOut">
-              <a:t>11/01/2021</a:t>
+              <a:t>14/01/2021</a:t>
             </a:fld>
             <a:endParaRPr lang="en-NL"/>
           </a:p>
@@ -3271,7 +3360,7 @@
           <a:lstStyle/>
           <a:p>
             <a:fld id="{595B5CFB-66E7-284C-9A5B-718B2335AB36}" type="datetimeFigureOut">
-              <a:t>11/01/2021</a:t>
+              <a:t>14/01/2021</a:t>
             </a:fld>
             <a:endParaRPr lang="en-NL"/>
           </a:p>
@@ -3558,7 +3647,7 @@
           <a:lstStyle/>
           <a:p>
             <a:fld id="{595B5CFB-66E7-284C-9A5B-718B2335AB36}" type="datetimeFigureOut">
-              <a:t>11/01/2021</a:t>
+              <a:t>14/01/2021</a:t>
             </a:fld>
             <a:endParaRPr lang="en-NL"/>
           </a:p>
@@ -3799,7 +3888,7 @@
           </a:lstStyle>
           <a:p>
             <a:fld id="{595B5CFB-66E7-284C-9A5B-718B2335AB36}" type="datetimeFigureOut">
-              <a:t>11/01/2021</a:t>
+              <a:t>14/01/2021</a:t>
             </a:fld>
             <a:endParaRPr lang="en-NL"/>
           </a:p>
@@ -4357,37 +4446,37 @@
           <a:p>
             <a:r>
               <a:rPr lang="en-NL" sz="2600"/>
-              <a:t>Data inlezen   			---&gt; pd.read_csv()</a:t>
+              <a:t>Data inlezen   				---&gt; pd.read_csv()</a:t>
             </a:r>
           </a:p>
           <a:p>
             <a:r>
               <a:rPr lang="en-NL" sz="2600"/>
-              <a:t>Data inspectie 			---&gt; df.info()   df.head()    df.describe()</a:t>
+              <a:t>Data inspectie 				---&gt; df.info()   df.head()    df.describe()</a:t>
             </a:r>
           </a:p>
           <a:p>
             <a:r>
               <a:rPr lang="en-NL" sz="2600"/>
-              <a:t>Data selectie 			---&gt; df[df.column == ‘value’]   df.loc[df.column == ‘value’]  df.query()</a:t>
+              <a:t>Data selectie 				---&gt; df[df.column == ‘value’]   df.loc[df.column == ‘value’, :]</a:t>
             </a:r>
           </a:p>
           <a:p>
             <a:r>
               <a:rPr lang="en-NL" sz="2600"/>
-              <a:t>Data wrangling 	                                   ---&gt; df[‘column’].fillna()  of df.drop_duplicates()</a:t>
+              <a:t>Data wrangling 	                                   	---&gt; df[‘column’].fillna()  of df.drop_duplicates()</a:t>
             </a:r>
           </a:p>
           <a:p>
             <a:r>
               <a:rPr lang="en-NL" sz="2600"/>
-              <a:t>Data joinen   		                  ---&gt; df.merge(df2)</a:t>
+              <a:t>Data joinen   		                 		 ---&gt; df.merge(df2)</a:t>
             </a:r>
           </a:p>
           <a:p>
             <a:r>
               <a:rPr lang="en-NL" sz="2600"/>
-              <a:t>Data visualisatie 	                     	</a:t>
+              <a:t>Data visualisatie 	                     		</a:t>
             </a:r>
             <a:r>
               <a:rPr lang="en-NL" sz="2600">
@@ -4403,7 +4492,7 @@
           <a:p>
             <a:r>
               <a:rPr lang="en-NL" sz="2600"/>
-              <a:t>Eigen functies toepassen              	-</a:t>
+              <a:t>Eigen functies toepassen              		-</a:t>
             </a:r>
             <a:r>
               <a:rPr lang="en-NL" sz="2600">
@@ -4415,6 +4504,19 @@
               <a:rPr lang="en-NL" sz="2600"/>
               <a:t>df.apply(my_own_function)</a:t>
             </a:r>
+          </a:p>
+          <a:p>
+            <a:r>
+              <a:rPr lang="en-NL" sz="2600"/>
+              <a:t>Installeren Jupyter + Python + Pandas	-</a:t>
+            </a:r>
+            <a:r>
+              <a:rPr lang="en-NL" sz="2600">
+                <a:sym typeface="Wingdings" pitchFamily="2" charset="2"/>
+              </a:rPr>
+              <a:t>--&gt; pip install pandas</a:t>
+            </a:r>
+            <a:endParaRPr lang="en-NL" sz="2600"/>
           </a:p>
           <a:p>
             <a:endParaRPr lang="en-NL"/>
@@ -4453,6 +4555,1404 @@
     <p:extLst>
       <p:ext uri="{BB962C8B-B14F-4D97-AF65-F5344CB8AC3E}">
         <p14:creationId xmlns:p14="http://schemas.microsoft.com/office/powerpoint/2010/main" val="1512373698"/>
+      </p:ext>
+    </p:extLst>
+  </p:cSld>
+  <p:clrMapOvr>
+    <a:masterClrMapping/>
+  </p:clrMapOvr>
+</p:sld>
+</file>
+
+<file path=ppt/slides/slide10.xml><?xml version="1.0" encoding="utf-8"?>
+<p:sld xmlns:a="http://schemas.openxmlformats.org/drawingml/2006/main" xmlns:r="http://schemas.openxmlformats.org/officeDocument/2006/relationships" xmlns:p="http://schemas.openxmlformats.org/presentationml/2006/main">
+  <p:cSld>
+    <p:bg>
+      <p:bgPr>
+        <a:solidFill>
+          <a:schemeClr val="bg2"/>
+        </a:solidFill>
+        <a:effectLst/>
+      </p:bgPr>
+    </p:bg>
+    <p:spTree>
+      <p:nvGrpSpPr>
+        <p:cNvPr id="1" name=""/>
+        <p:cNvGrpSpPr/>
+        <p:nvPr/>
+      </p:nvGrpSpPr>
+      <p:grpSpPr>
+        <a:xfrm>
+          <a:off x="0" y="0"/>
+          <a:ext cx="0" cy="0"/>
+          <a:chOff x="0" y="0"/>
+          <a:chExt cx="0" cy="0"/>
+        </a:xfrm>
+      </p:grpSpPr>
+      <p:sp useBgFill="1">
+        <p:nvSpPr>
+          <p:cNvPr id="10" name="Rectangle 9">
+            <a:extLst>
+              <a:ext uri="{FF2B5EF4-FFF2-40B4-BE49-F238E27FC236}">
+                <a16:creationId xmlns:a16="http://schemas.microsoft.com/office/drawing/2014/main" id="{53F29798-D584-4792-9B62-3F5F5C36D619}"/>
+              </a:ext>
+              <a:ext uri="{C183D7F6-B498-43B3-948B-1728B52AA6E4}">
+                <adec:decorative xmlns:adec="http://schemas.microsoft.com/office/drawing/2017/decorative" val="1"/>
+              </a:ext>
+            </a:extLst>
+          </p:cNvPr>
+          <p:cNvSpPr>
+            <a:spLocks noGrp="1" noRot="1" noChangeAspect="1" noMove="1" noResize="1" noEditPoints="1" noAdjustHandles="1" noChangeArrowheads="1" noChangeShapeType="1" noTextEdit="1"/>
+          </p:cNvSpPr>
+          <p:nvPr>
+            <p:extLst>
+              <p:ext uri="{386F3935-93C4-4BCD-93E2-E3B085C9AB24}">
+                <p16:designElem xmlns:p16="http://schemas.microsoft.com/office/powerpoint/2015/main" val="1"/>
+              </p:ext>
+            </p:extLst>
+          </p:nvPr>
+        </p:nvSpPr>
+        <p:spPr>
+          <a:xfrm>
+            <a:off x="0" y="0"/>
+            <a:ext cx="12188952" cy="6858000"/>
+          </a:xfrm>
+          <a:prstGeom prst="rect">
+            <a:avLst/>
+          </a:prstGeom>
+          <a:ln>
+            <a:noFill/>
+          </a:ln>
+        </p:spPr>
+        <p:style>
+          <a:lnRef idx="2">
+            <a:schemeClr val="accent1">
+              <a:shade val="50000"/>
+            </a:schemeClr>
+          </a:lnRef>
+          <a:fillRef idx="1">
+            <a:schemeClr val="accent1"/>
+          </a:fillRef>
+          <a:effectRef idx="0">
+            <a:schemeClr val="accent1"/>
+          </a:effectRef>
+          <a:fontRef idx="minor">
+            <a:schemeClr val="lt1"/>
+          </a:fontRef>
+        </p:style>
+        <p:txBody>
+          <a:bodyPr rtlCol="0" anchor="ctr"/>
+          <a:lstStyle/>
+          <a:p>
+            <a:pPr algn="ctr"/>
+            <a:endParaRPr lang="en-US"/>
+          </a:p>
+        </p:txBody>
+      </p:sp>
+      <p:sp>
+        <p:nvSpPr>
+          <p:cNvPr id="47" name="Rectangle 46">
+            <a:extLst>
+              <a:ext uri="{FF2B5EF4-FFF2-40B4-BE49-F238E27FC236}">
+                <a16:creationId xmlns:a16="http://schemas.microsoft.com/office/drawing/2014/main" id="{E689BA12-C726-A842-A5F4-20EBD6F99509}"/>
+              </a:ext>
+            </a:extLst>
+          </p:cNvPr>
+          <p:cNvSpPr/>
+          <p:nvPr/>
+        </p:nvSpPr>
+        <p:spPr>
+          <a:xfrm>
+            <a:off x="6897919" y="1901369"/>
+            <a:ext cx="4840504" cy="4838649"/>
+          </a:xfrm>
+          <a:prstGeom prst="rect">
+            <a:avLst/>
+          </a:prstGeom>
+          <a:solidFill>
+            <a:schemeClr val="bg1"/>
+          </a:solidFill>
+        </p:spPr>
+        <p:style>
+          <a:lnRef idx="2">
+            <a:schemeClr val="accent1">
+              <a:shade val="50000"/>
+            </a:schemeClr>
+          </a:lnRef>
+          <a:fillRef idx="1">
+            <a:schemeClr val="accent1"/>
+          </a:fillRef>
+          <a:effectRef idx="0">
+            <a:schemeClr val="accent1"/>
+          </a:effectRef>
+          <a:fontRef idx="minor">
+            <a:schemeClr val="lt1"/>
+          </a:fontRef>
+        </p:style>
+        <p:txBody>
+          <a:bodyPr rtlCol="0" anchor="ctr"/>
+          <a:lstStyle/>
+          <a:p>
+            <a:pPr algn="ctr"/>
+            <a:endParaRPr lang="en-NL"/>
+          </a:p>
+        </p:txBody>
+      </p:sp>
+      <p:sp>
+        <p:nvSpPr>
+          <p:cNvPr id="41" name="Rectangle 40">
+            <a:extLst>
+              <a:ext uri="{FF2B5EF4-FFF2-40B4-BE49-F238E27FC236}">
+                <a16:creationId xmlns:a16="http://schemas.microsoft.com/office/drawing/2014/main" id="{B61828AE-5574-C14E-9CC2-15205B96045C}"/>
+              </a:ext>
+            </a:extLst>
+          </p:cNvPr>
+          <p:cNvSpPr/>
+          <p:nvPr/>
+        </p:nvSpPr>
+        <p:spPr>
+          <a:xfrm>
+            <a:off x="435427" y="1901370"/>
+            <a:ext cx="4840504" cy="4838649"/>
+          </a:xfrm>
+          <a:prstGeom prst="rect">
+            <a:avLst/>
+          </a:prstGeom>
+          <a:solidFill>
+            <a:schemeClr val="bg1"/>
+          </a:solidFill>
+        </p:spPr>
+        <p:style>
+          <a:lnRef idx="2">
+            <a:schemeClr val="accent1">
+              <a:shade val="50000"/>
+            </a:schemeClr>
+          </a:lnRef>
+          <a:fillRef idx="1">
+            <a:schemeClr val="accent1"/>
+          </a:fillRef>
+          <a:effectRef idx="0">
+            <a:schemeClr val="accent1"/>
+          </a:effectRef>
+          <a:fontRef idx="minor">
+            <a:schemeClr val="lt1"/>
+          </a:fontRef>
+        </p:style>
+        <p:txBody>
+          <a:bodyPr rtlCol="0" anchor="ctr"/>
+          <a:lstStyle/>
+          <a:p>
+            <a:pPr algn="ctr"/>
+            <a:endParaRPr lang="en-NL"/>
+          </a:p>
+        </p:txBody>
+      </p:sp>
+      <p:sp>
+        <p:nvSpPr>
+          <p:cNvPr id="2" name="Title 1">
+            <a:extLst>
+              <a:ext uri="{FF2B5EF4-FFF2-40B4-BE49-F238E27FC236}">
+                <a16:creationId xmlns:a16="http://schemas.microsoft.com/office/drawing/2014/main" id="{C8163A18-D894-FF42-A3CF-D81F0CB8B8FF}"/>
+              </a:ext>
+            </a:extLst>
+          </p:cNvPr>
+          <p:cNvSpPr>
+            <a:spLocks noGrp="1"/>
+          </p:cNvSpPr>
+          <p:nvPr>
+            <p:ph type="title"/>
+          </p:nvPr>
+        </p:nvSpPr>
+        <p:spPr>
+          <a:xfrm>
+            <a:off x="0" y="1"/>
+            <a:ext cx="12192000" cy="1690688"/>
+          </a:xfrm>
+          <a:solidFill>
+            <a:schemeClr val="bg1"/>
+          </a:solidFill>
+        </p:spPr>
+        <p:txBody>
+          <a:bodyPr vert="horz" lIns="91440" tIns="45720" rIns="91440" bIns="45720" rtlCol="0" anchor="ctr">
+            <a:normAutofit/>
+          </a:bodyPr>
+          <a:lstStyle/>
+          <a:p>
+            <a:pPr algn="ctr"/>
+            <a:r>
+              <a:rPr lang="en-US" sz="5200"/>
+              <a:t>So my advice is: only focus on these</a:t>
+            </a:r>
+          </a:p>
+        </p:txBody>
+      </p:sp>
+      <p:sp>
+        <p:nvSpPr>
+          <p:cNvPr id="4" name="Rounded Rectangle 3">
+            <a:extLst>
+              <a:ext uri="{FF2B5EF4-FFF2-40B4-BE49-F238E27FC236}">
+                <a16:creationId xmlns:a16="http://schemas.microsoft.com/office/drawing/2014/main" id="{5BE37FEB-4068-7849-B48A-BFC661116E64}"/>
+              </a:ext>
+            </a:extLst>
+          </p:cNvPr>
+          <p:cNvSpPr/>
+          <p:nvPr/>
+        </p:nvSpPr>
+        <p:spPr>
+          <a:xfrm>
+            <a:off x="769257" y="2119085"/>
+            <a:ext cx="4209143" cy="740229"/>
+          </a:xfrm>
+          <a:prstGeom prst="roundRect">
+            <a:avLst/>
+          </a:prstGeom>
+          <a:solidFill>
+            <a:schemeClr val="bg1"/>
+          </a:solidFill>
+        </p:spPr>
+        <p:style>
+          <a:lnRef idx="2">
+            <a:schemeClr val="accent1">
+              <a:shade val="50000"/>
+            </a:schemeClr>
+          </a:lnRef>
+          <a:fillRef idx="1">
+            <a:schemeClr val="accent1"/>
+          </a:fillRef>
+          <a:effectRef idx="0">
+            <a:schemeClr val="accent1"/>
+          </a:effectRef>
+          <a:fontRef idx="minor">
+            <a:schemeClr val="lt1"/>
+          </a:fontRef>
+        </p:style>
+        <p:txBody>
+          <a:bodyPr rtlCol="0" anchor="ctr"/>
+          <a:lstStyle/>
+          <a:p>
+            <a:pPr algn="ctr"/>
+            <a:r>
+              <a:rPr lang="en-NL">
+                <a:solidFill>
+                  <a:schemeClr val="tx1"/>
+                </a:solidFill>
+              </a:rPr>
+              <a:t>STATIC PLOTTING</a:t>
+            </a:r>
+          </a:p>
+        </p:txBody>
+      </p:sp>
+      <p:sp>
+        <p:nvSpPr>
+          <p:cNvPr id="7" name="Rounded Rectangle 6">
+            <a:extLst>
+              <a:ext uri="{FF2B5EF4-FFF2-40B4-BE49-F238E27FC236}">
+                <a16:creationId xmlns:a16="http://schemas.microsoft.com/office/drawing/2014/main" id="{917E8403-B738-424E-B6D5-752827693347}"/>
+              </a:ext>
+            </a:extLst>
+          </p:cNvPr>
+          <p:cNvSpPr/>
+          <p:nvPr/>
+        </p:nvSpPr>
+        <p:spPr>
+          <a:xfrm>
+            <a:off x="7213600" y="2119084"/>
+            <a:ext cx="4209143" cy="740229"/>
+          </a:xfrm>
+          <a:prstGeom prst="roundRect">
+            <a:avLst/>
+          </a:prstGeom>
+          <a:solidFill>
+            <a:schemeClr val="bg1"/>
+          </a:solidFill>
+        </p:spPr>
+        <p:style>
+          <a:lnRef idx="2">
+            <a:schemeClr val="accent1">
+              <a:shade val="50000"/>
+            </a:schemeClr>
+          </a:lnRef>
+          <a:fillRef idx="1">
+            <a:schemeClr val="accent1"/>
+          </a:fillRef>
+          <a:effectRef idx="0">
+            <a:schemeClr val="accent1"/>
+          </a:effectRef>
+          <a:fontRef idx="minor">
+            <a:schemeClr val="lt1"/>
+          </a:fontRef>
+        </p:style>
+        <p:txBody>
+          <a:bodyPr rtlCol="0" anchor="ctr"/>
+          <a:lstStyle/>
+          <a:p>
+            <a:pPr algn="ctr"/>
+            <a:r>
+              <a:rPr lang="en-NL">
+                <a:solidFill>
+                  <a:schemeClr val="tx1"/>
+                </a:solidFill>
+              </a:rPr>
+              <a:t>INTERACTIVE PLOTTING</a:t>
+            </a:r>
+          </a:p>
+        </p:txBody>
+      </p:sp>
+      <p:sp>
+        <p:nvSpPr>
+          <p:cNvPr id="8" name="Rounded Rectangle 7">
+            <a:extLst>
+              <a:ext uri="{FF2B5EF4-FFF2-40B4-BE49-F238E27FC236}">
+                <a16:creationId xmlns:a16="http://schemas.microsoft.com/office/drawing/2014/main" id="{606054F4-B789-3E47-9289-3EF05404C167}"/>
+              </a:ext>
+            </a:extLst>
+          </p:cNvPr>
+          <p:cNvSpPr/>
+          <p:nvPr/>
+        </p:nvSpPr>
+        <p:spPr>
+          <a:xfrm>
+            <a:off x="1988456" y="3812949"/>
+            <a:ext cx="1770743" cy="740229"/>
+          </a:xfrm>
+          <a:prstGeom prst="roundRect">
+            <a:avLst/>
+          </a:prstGeom>
+          <a:solidFill>
+            <a:schemeClr val="bg1"/>
+          </a:solidFill>
+        </p:spPr>
+        <p:style>
+          <a:lnRef idx="2">
+            <a:schemeClr val="accent1">
+              <a:shade val="50000"/>
+            </a:schemeClr>
+          </a:lnRef>
+          <a:fillRef idx="1">
+            <a:schemeClr val="accent1"/>
+          </a:fillRef>
+          <a:effectRef idx="0">
+            <a:schemeClr val="accent1"/>
+          </a:effectRef>
+          <a:fontRef idx="minor">
+            <a:schemeClr val="lt1"/>
+          </a:fontRef>
+        </p:style>
+        <p:txBody>
+          <a:bodyPr rtlCol="0" anchor="ctr"/>
+          <a:lstStyle/>
+          <a:p>
+            <a:pPr algn="ctr"/>
+            <a:r>
+              <a:rPr lang="en-NL">
+                <a:solidFill>
+                  <a:schemeClr val="tx1"/>
+                </a:solidFill>
+              </a:rPr>
+              <a:t>Matplotlib</a:t>
+            </a:r>
+          </a:p>
+        </p:txBody>
+      </p:sp>
+      <p:sp>
+        <p:nvSpPr>
+          <p:cNvPr id="11" name="Rounded Rectangle 10">
+            <a:extLst>
+              <a:ext uri="{FF2B5EF4-FFF2-40B4-BE49-F238E27FC236}">
+                <a16:creationId xmlns:a16="http://schemas.microsoft.com/office/drawing/2014/main" id="{B9F9B856-E690-DC47-8B21-875974C2DA33}"/>
+              </a:ext>
+            </a:extLst>
+          </p:cNvPr>
+          <p:cNvSpPr/>
+          <p:nvPr/>
+        </p:nvSpPr>
+        <p:spPr>
+          <a:xfrm>
+            <a:off x="769257" y="5168787"/>
+            <a:ext cx="1770743" cy="740229"/>
+          </a:xfrm>
+          <a:prstGeom prst="roundRect">
+            <a:avLst/>
+          </a:prstGeom>
+          <a:solidFill>
+            <a:schemeClr val="bg1"/>
+          </a:solidFill>
+        </p:spPr>
+        <p:style>
+          <a:lnRef idx="2">
+            <a:schemeClr val="accent1">
+              <a:shade val="50000"/>
+            </a:schemeClr>
+          </a:lnRef>
+          <a:fillRef idx="1">
+            <a:schemeClr val="accent1"/>
+          </a:fillRef>
+          <a:effectRef idx="0">
+            <a:schemeClr val="accent1"/>
+          </a:effectRef>
+          <a:fontRef idx="minor">
+            <a:schemeClr val="lt1"/>
+          </a:fontRef>
+        </p:style>
+        <p:txBody>
+          <a:bodyPr rtlCol="0" anchor="ctr"/>
+          <a:lstStyle/>
+          <a:p>
+            <a:pPr algn="ctr"/>
+            <a:r>
+              <a:rPr lang="en-NL">
+                <a:solidFill>
+                  <a:schemeClr val="tx1"/>
+                </a:solidFill>
+              </a:rPr>
+              <a:t>Seaborn</a:t>
+            </a:r>
+          </a:p>
+        </p:txBody>
+      </p:sp>
+      <p:sp>
+        <p:nvSpPr>
+          <p:cNvPr id="12" name="Rounded Rectangle 11">
+            <a:extLst>
+              <a:ext uri="{FF2B5EF4-FFF2-40B4-BE49-F238E27FC236}">
+                <a16:creationId xmlns:a16="http://schemas.microsoft.com/office/drawing/2014/main" id="{71BF929F-F7E7-7B46-A249-20543D5CE3C7}"/>
+              </a:ext>
+            </a:extLst>
+          </p:cNvPr>
+          <p:cNvSpPr/>
+          <p:nvPr/>
+        </p:nvSpPr>
+        <p:spPr>
+          <a:xfrm>
+            <a:off x="3207657" y="5168786"/>
+            <a:ext cx="1770743" cy="740229"/>
+          </a:xfrm>
+          <a:prstGeom prst="roundRect">
+            <a:avLst/>
+          </a:prstGeom>
+          <a:solidFill>
+            <a:schemeClr val="bg1"/>
+          </a:solidFill>
+        </p:spPr>
+        <p:style>
+          <a:lnRef idx="2">
+            <a:schemeClr val="accent1">
+              <a:shade val="50000"/>
+            </a:schemeClr>
+          </a:lnRef>
+          <a:fillRef idx="1">
+            <a:schemeClr val="accent1"/>
+          </a:fillRef>
+          <a:effectRef idx="0">
+            <a:schemeClr val="accent1"/>
+          </a:effectRef>
+          <a:fontRef idx="minor">
+            <a:schemeClr val="lt1"/>
+          </a:fontRef>
+        </p:style>
+        <p:txBody>
+          <a:bodyPr rtlCol="0" anchor="ctr"/>
+          <a:lstStyle/>
+          <a:p>
+            <a:pPr algn="ctr"/>
+            <a:r>
+              <a:rPr lang="en-NL">
+                <a:solidFill>
+                  <a:schemeClr val="tx1"/>
+                </a:solidFill>
+              </a:rPr>
+              <a:t>Pandas plotting</a:t>
+            </a:r>
+          </a:p>
+          <a:p>
+            <a:pPr algn="ctr"/>
+            <a:r>
+              <a:rPr lang="en-NL">
+                <a:solidFill>
+                  <a:schemeClr val="tx1"/>
+                </a:solidFill>
+              </a:rPr>
+              <a:t>df.plot()</a:t>
+            </a:r>
+          </a:p>
+        </p:txBody>
+      </p:sp>
+      <p:sp>
+        <p:nvSpPr>
+          <p:cNvPr id="13" name="Rounded Rectangle 12">
+            <a:extLst>
+              <a:ext uri="{FF2B5EF4-FFF2-40B4-BE49-F238E27FC236}">
+                <a16:creationId xmlns:a16="http://schemas.microsoft.com/office/drawing/2014/main" id="{18D8AA26-A088-FA4A-BFD8-69B20285BE7D}"/>
+              </a:ext>
+            </a:extLst>
+          </p:cNvPr>
+          <p:cNvSpPr/>
+          <p:nvPr/>
+        </p:nvSpPr>
+        <p:spPr>
+          <a:xfrm>
+            <a:off x="7213599" y="3816804"/>
+            <a:ext cx="1770743" cy="740229"/>
+          </a:xfrm>
+          <a:prstGeom prst="roundRect">
+            <a:avLst/>
+          </a:prstGeom>
+          <a:solidFill>
+            <a:schemeClr val="bg1"/>
+          </a:solidFill>
+        </p:spPr>
+        <p:style>
+          <a:lnRef idx="2">
+            <a:schemeClr val="accent1">
+              <a:shade val="50000"/>
+            </a:schemeClr>
+          </a:lnRef>
+          <a:fillRef idx="1">
+            <a:schemeClr val="accent1"/>
+          </a:fillRef>
+          <a:effectRef idx="0">
+            <a:schemeClr val="accent1"/>
+          </a:effectRef>
+          <a:fontRef idx="minor">
+            <a:schemeClr val="lt1"/>
+          </a:fontRef>
+        </p:style>
+        <p:txBody>
+          <a:bodyPr rtlCol="0" anchor="ctr"/>
+          <a:lstStyle/>
+          <a:p>
+            <a:pPr algn="ctr"/>
+            <a:r>
+              <a:rPr lang="en-NL">
+                <a:solidFill>
+                  <a:schemeClr val="tx1"/>
+                </a:solidFill>
+              </a:rPr>
+              <a:t>Plotly</a:t>
+            </a:r>
+          </a:p>
+        </p:txBody>
+      </p:sp>
+      <p:sp>
+        <p:nvSpPr>
+          <p:cNvPr id="14" name="Rounded Rectangle 13">
+            <a:extLst>
+              <a:ext uri="{FF2B5EF4-FFF2-40B4-BE49-F238E27FC236}">
+                <a16:creationId xmlns:a16="http://schemas.microsoft.com/office/drawing/2014/main" id="{B9F361CF-44BE-D247-A0CA-45DFA7FC17B1}"/>
+              </a:ext>
+            </a:extLst>
+          </p:cNvPr>
+          <p:cNvSpPr/>
+          <p:nvPr/>
+        </p:nvSpPr>
+        <p:spPr>
+          <a:xfrm>
+            <a:off x="9651998" y="3812949"/>
+            <a:ext cx="1770743" cy="740229"/>
+          </a:xfrm>
+          <a:prstGeom prst="roundRect">
+            <a:avLst/>
+          </a:prstGeom>
+          <a:solidFill>
+            <a:schemeClr val="bg1"/>
+          </a:solidFill>
+        </p:spPr>
+        <p:style>
+          <a:lnRef idx="2">
+            <a:schemeClr val="accent1">
+              <a:shade val="50000"/>
+            </a:schemeClr>
+          </a:lnRef>
+          <a:fillRef idx="1">
+            <a:schemeClr val="accent1"/>
+          </a:fillRef>
+          <a:effectRef idx="0">
+            <a:schemeClr val="accent1"/>
+          </a:effectRef>
+          <a:fontRef idx="minor">
+            <a:schemeClr val="lt1"/>
+          </a:fontRef>
+        </p:style>
+        <p:txBody>
+          <a:bodyPr rtlCol="0" anchor="ctr"/>
+          <a:lstStyle/>
+          <a:p>
+            <a:pPr algn="ctr"/>
+            <a:r>
+              <a:rPr lang="en-NL">
+                <a:solidFill>
+                  <a:schemeClr val="tx1"/>
+                </a:solidFill>
+              </a:rPr>
+              <a:t>Bokeh</a:t>
+            </a:r>
+          </a:p>
+        </p:txBody>
+      </p:sp>
+      <p:sp>
+        <p:nvSpPr>
+          <p:cNvPr id="15" name="Rounded Rectangle 14">
+            <a:extLst>
+              <a:ext uri="{FF2B5EF4-FFF2-40B4-BE49-F238E27FC236}">
+                <a16:creationId xmlns:a16="http://schemas.microsoft.com/office/drawing/2014/main" id="{C4B8F932-65C0-364C-A1F8-065FC81624F1}"/>
+              </a:ext>
+            </a:extLst>
+          </p:cNvPr>
+          <p:cNvSpPr/>
+          <p:nvPr/>
+        </p:nvSpPr>
+        <p:spPr>
+          <a:xfrm>
+            <a:off x="7213599" y="5168785"/>
+            <a:ext cx="1770743" cy="740229"/>
+          </a:xfrm>
+          <a:prstGeom prst="roundRect">
+            <a:avLst/>
+          </a:prstGeom>
+          <a:solidFill>
+            <a:schemeClr val="bg1"/>
+          </a:solidFill>
+        </p:spPr>
+        <p:style>
+          <a:lnRef idx="2">
+            <a:schemeClr val="accent1">
+              <a:shade val="50000"/>
+            </a:schemeClr>
+          </a:lnRef>
+          <a:fillRef idx="1">
+            <a:schemeClr val="accent1"/>
+          </a:fillRef>
+          <a:effectRef idx="0">
+            <a:schemeClr val="accent1"/>
+          </a:effectRef>
+          <a:fontRef idx="minor">
+            <a:schemeClr val="lt1"/>
+          </a:fontRef>
+        </p:style>
+        <p:txBody>
+          <a:bodyPr rtlCol="0" anchor="ctr"/>
+          <a:lstStyle/>
+          <a:p>
+            <a:pPr algn="ctr"/>
+            <a:r>
+              <a:rPr lang="en-NL">
+                <a:solidFill>
+                  <a:schemeClr val="tx1"/>
+                </a:solidFill>
+              </a:rPr>
+              <a:t>Plotly Express</a:t>
+            </a:r>
+          </a:p>
+        </p:txBody>
+      </p:sp>
+      <p:sp>
+        <p:nvSpPr>
+          <p:cNvPr id="16" name="Rounded Rectangle 15">
+            <a:extLst>
+              <a:ext uri="{FF2B5EF4-FFF2-40B4-BE49-F238E27FC236}">
+                <a16:creationId xmlns:a16="http://schemas.microsoft.com/office/drawing/2014/main" id="{115A7820-65D8-A14E-8E3F-BA4ABE5F3D4A}"/>
+              </a:ext>
+            </a:extLst>
+          </p:cNvPr>
+          <p:cNvSpPr/>
+          <p:nvPr/>
+        </p:nvSpPr>
+        <p:spPr>
+          <a:xfrm>
+            <a:off x="9651999" y="5168785"/>
+            <a:ext cx="1770743" cy="740229"/>
+          </a:xfrm>
+          <a:prstGeom prst="roundRect">
+            <a:avLst/>
+          </a:prstGeom>
+          <a:solidFill>
+            <a:schemeClr val="bg1"/>
+          </a:solidFill>
+        </p:spPr>
+        <p:style>
+          <a:lnRef idx="2">
+            <a:schemeClr val="accent1">
+              <a:shade val="50000"/>
+            </a:schemeClr>
+          </a:lnRef>
+          <a:fillRef idx="1">
+            <a:schemeClr val="accent1"/>
+          </a:fillRef>
+          <a:effectRef idx="0">
+            <a:schemeClr val="accent1"/>
+          </a:effectRef>
+          <a:fontRef idx="minor">
+            <a:schemeClr val="lt1"/>
+          </a:fontRef>
+        </p:style>
+        <p:txBody>
+          <a:bodyPr rtlCol="0" anchor="ctr"/>
+          <a:lstStyle/>
+          <a:p>
+            <a:pPr algn="ctr"/>
+            <a:r>
+              <a:rPr lang="en-NL">
+                <a:solidFill>
+                  <a:schemeClr val="tx1"/>
+                </a:solidFill>
+              </a:rPr>
+              <a:t>hvPlot</a:t>
+            </a:r>
+          </a:p>
+        </p:txBody>
+      </p:sp>
+      <p:cxnSp>
+        <p:nvCxnSpPr>
+          <p:cNvPr id="17" name="Straight Arrow Connector 16">
+            <a:extLst>
+              <a:ext uri="{FF2B5EF4-FFF2-40B4-BE49-F238E27FC236}">
+                <a16:creationId xmlns:a16="http://schemas.microsoft.com/office/drawing/2014/main" id="{A95021F4-308D-674F-A809-986678EEC2FA}"/>
+              </a:ext>
+            </a:extLst>
+          </p:cNvPr>
+          <p:cNvCxnSpPr>
+            <a:stCxn id="8" idx="2"/>
+            <a:endCxn id="11" idx="0"/>
+          </p:cNvCxnSpPr>
+          <p:nvPr/>
+        </p:nvCxnSpPr>
+        <p:spPr>
+          <a:xfrm flipH="1">
+            <a:off x="1654629" y="4553178"/>
+            <a:ext cx="1219199" cy="615609"/>
+          </a:xfrm>
+          <a:prstGeom prst="straightConnector1">
+            <a:avLst/>
+          </a:prstGeom>
+          <a:ln w="25400">
+            <a:tailEnd type="triangle"/>
+          </a:ln>
+        </p:spPr>
+        <p:style>
+          <a:lnRef idx="1">
+            <a:schemeClr val="accent1"/>
+          </a:lnRef>
+          <a:fillRef idx="0">
+            <a:schemeClr val="accent1"/>
+          </a:fillRef>
+          <a:effectRef idx="0">
+            <a:schemeClr val="accent1"/>
+          </a:effectRef>
+          <a:fontRef idx="minor">
+            <a:schemeClr val="tx1"/>
+          </a:fontRef>
+        </p:style>
+      </p:cxnSp>
+      <p:cxnSp>
+        <p:nvCxnSpPr>
+          <p:cNvPr id="20" name="Straight Arrow Connector 19">
+            <a:extLst>
+              <a:ext uri="{FF2B5EF4-FFF2-40B4-BE49-F238E27FC236}">
+                <a16:creationId xmlns:a16="http://schemas.microsoft.com/office/drawing/2014/main" id="{B2B3B61C-5960-2C43-AA68-365281AC531C}"/>
+              </a:ext>
+            </a:extLst>
+          </p:cNvPr>
+          <p:cNvCxnSpPr>
+            <a:cxnSpLocks/>
+            <a:stCxn id="8" idx="2"/>
+            <a:endCxn id="12" idx="0"/>
+          </p:cNvCxnSpPr>
+          <p:nvPr/>
+        </p:nvCxnSpPr>
+        <p:spPr>
+          <a:xfrm>
+            <a:off x="2873828" y="4553178"/>
+            <a:ext cx="1219201" cy="615608"/>
+          </a:xfrm>
+          <a:prstGeom prst="straightConnector1">
+            <a:avLst/>
+          </a:prstGeom>
+          <a:ln w="25400">
+            <a:tailEnd type="triangle"/>
+          </a:ln>
+        </p:spPr>
+        <p:style>
+          <a:lnRef idx="1">
+            <a:schemeClr val="accent1"/>
+          </a:lnRef>
+          <a:fillRef idx="0">
+            <a:schemeClr val="accent1"/>
+          </a:fillRef>
+          <a:effectRef idx="0">
+            <a:schemeClr val="accent1"/>
+          </a:effectRef>
+          <a:fontRef idx="minor">
+            <a:schemeClr val="tx1"/>
+          </a:fontRef>
+        </p:style>
+      </p:cxnSp>
+      <p:cxnSp>
+        <p:nvCxnSpPr>
+          <p:cNvPr id="23" name="Straight Arrow Connector 22">
+            <a:extLst>
+              <a:ext uri="{FF2B5EF4-FFF2-40B4-BE49-F238E27FC236}">
+                <a16:creationId xmlns:a16="http://schemas.microsoft.com/office/drawing/2014/main" id="{2E9CC23E-C945-7141-9F86-4E3951FD2235}"/>
+              </a:ext>
+            </a:extLst>
+          </p:cNvPr>
+          <p:cNvCxnSpPr>
+            <a:cxnSpLocks/>
+            <a:stCxn id="4" idx="2"/>
+            <a:endCxn id="8" idx="0"/>
+          </p:cNvCxnSpPr>
+          <p:nvPr/>
+        </p:nvCxnSpPr>
+        <p:spPr>
+          <a:xfrm flipH="1">
+            <a:off x="2873828" y="2859314"/>
+            <a:ext cx="1" cy="953635"/>
+          </a:xfrm>
+          <a:prstGeom prst="straightConnector1">
+            <a:avLst/>
+          </a:prstGeom>
+          <a:ln w="25400">
+            <a:tailEnd type="triangle"/>
+          </a:ln>
+        </p:spPr>
+        <p:style>
+          <a:lnRef idx="1">
+            <a:schemeClr val="accent1"/>
+          </a:lnRef>
+          <a:fillRef idx="0">
+            <a:schemeClr val="accent1"/>
+          </a:fillRef>
+          <a:effectRef idx="0">
+            <a:schemeClr val="accent1"/>
+          </a:effectRef>
+          <a:fontRef idx="minor">
+            <a:schemeClr val="tx1"/>
+          </a:fontRef>
+        </p:style>
+      </p:cxnSp>
+      <p:cxnSp>
+        <p:nvCxnSpPr>
+          <p:cNvPr id="26" name="Straight Arrow Connector 25">
+            <a:extLst>
+              <a:ext uri="{FF2B5EF4-FFF2-40B4-BE49-F238E27FC236}">
+                <a16:creationId xmlns:a16="http://schemas.microsoft.com/office/drawing/2014/main" id="{2DCCB25D-9827-E44C-85B4-8546030450D4}"/>
+              </a:ext>
+            </a:extLst>
+          </p:cNvPr>
+          <p:cNvCxnSpPr>
+            <a:cxnSpLocks/>
+            <a:stCxn id="7" idx="2"/>
+            <a:endCxn id="13" idx="0"/>
+          </p:cNvCxnSpPr>
+          <p:nvPr/>
+        </p:nvCxnSpPr>
+        <p:spPr>
+          <a:xfrm flipH="1">
+            <a:off x="8098971" y="2859313"/>
+            <a:ext cx="1219201" cy="957491"/>
+          </a:xfrm>
+          <a:prstGeom prst="straightConnector1">
+            <a:avLst/>
+          </a:prstGeom>
+          <a:ln w="25400">
+            <a:tailEnd type="triangle"/>
+          </a:ln>
+        </p:spPr>
+        <p:style>
+          <a:lnRef idx="1">
+            <a:schemeClr val="accent1"/>
+          </a:lnRef>
+          <a:fillRef idx="0">
+            <a:schemeClr val="accent1"/>
+          </a:fillRef>
+          <a:effectRef idx="0">
+            <a:schemeClr val="accent1"/>
+          </a:effectRef>
+          <a:fontRef idx="minor">
+            <a:schemeClr val="tx1"/>
+          </a:fontRef>
+        </p:style>
+      </p:cxnSp>
+      <p:cxnSp>
+        <p:nvCxnSpPr>
+          <p:cNvPr id="29" name="Straight Arrow Connector 28">
+            <a:extLst>
+              <a:ext uri="{FF2B5EF4-FFF2-40B4-BE49-F238E27FC236}">
+                <a16:creationId xmlns:a16="http://schemas.microsoft.com/office/drawing/2014/main" id="{3DA5E321-77E3-DC4A-A990-B34AC963D47C}"/>
+              </a:ext>
+            </a:extLst>
+          </p:cNvPr>
+          <p:cNvCxnSpPr>
+            <a:cxnSpLocks/>
+            <a:stCxn id="13" idx="2"/>
+            <a:endCxn id="15" idx="0"/>
+          </p:cNvCxnSpPr>
+          <p:nvPr/>
+        </p:nvCxnSpPr>
+        <p:spPr>
+          <a:xfrm>
+            <a:off x="8098971" y="4557033"/>
+            <a:ext cx="0" cy="611752"/>
+          </a:xfrm>
+          <a:prstGeom prst="straightConnector1">
+            <a:avLst/>
+          </a:prstGeom>
+          <a:ln w="25400">
+            <a:tailEnd type="triangle"/>
+          </a:ln>
+        </p:spPr>
+        <p:style>
+          <a:lnRef idx="1">
+            <a:schemeClr val="accent1"/>
+          </a:lnRef>
+          <a:fillRef idx="0">
+            <a:schemeClr val="accent1"/>
+          </a:fillRef>
+          <a:effectRef idx="0">
+            <a:schemeClr val="accent1"/>
+          </a:effectRef>
+          <a:fontRef idx="minor">
+            <a:schemeClr val="tx1"/>
+          </a:fontRef>
+        </p:style>
+      </p:cxnSp>
+      <p:cxnSp>
+        <p:nvCxnSpPr>
+          <p:cNvPr id="32" name="Straight Arrow Connector 31">
+            <a:extLst>
+              <a:ext uri="{FF2B5EF4-FFF2-40B4-BE49-F238E27FC236}">
+                <a16:creationId xmlns:a16="http://schemas.microsoft.com/office/drawing/2014/main" id="{50642BE9-05E2-3B41-8204-80E2B59480FB}"/>
+              </a:ext>
+            </a:extLst>
+          </p:cNvPr>
+          <p:cNvCxnSpPr>
+            <a:cxnSpLocks/>
+            <a:stCxn id="7" idx="2"/>
+            <a:endCxn id="14" idx="0"/>
+          </p:cNvCxnSpPr>
+          <p:nvPr/>
+        </p:nvCxnSpPr>
+        <p:spPr>
+          <a:xfrm>
+            <a:off x="9318172" y="2859313"/>
+            <a:ext cx="1219198" cy="953636"/>
+          </a:xfrm>
+          <a:prstGeom prst="straightConnector1">
+            <a:avLst/>
+          </a:prstGeom>
+          <a:ln w="25400">
+            <a:tailEnd type="triangle"/>
+          </a:ln>
+        </p:spPr>
+        <p:style>
+          <a:lnRef idx="1">
+            <a:schemeClr val="accent1"/>
+          </a:lnRef>
+          <a:fillRef idx="0">
+            <a:schemeClr val="accent1"/>
+          </a:fillRef>
+          <a:effectRef idx="0">
+            <a:schemeClr val="accent1"/>
+          </a:effectRef>
+          <a:fontRef idx="minor">
+            <a:schemeClr val="tx1"/>
+          </a:fontRef>
+        </p:style>
+      </p:cxnSp>
+      <p:cxnSp>
+        <p:nvCxnSpPr>
+          <p:cNvPr id="35" name="Straight Arrow Connector 34">
+            <a:extLst>
+              <a:ext uri="{FF2B5EF4-FFF2-40B4-BE49-F238E27FC236}">
+                <a16:creationId xmlns:a16="http://schemas.microsoft.com/office/drawing/2014/main" id="{4961CF21-4703-E04E-8F50-9D28559BEC4F}"/>
+              </a:ext>
+            </a:extLst>
+          </p:cNvPr>
+          <p:cNvCxnSpPr>
+            <a:cxnSpLocks/>
+            <a:stCxn id="14" idx="2"/>
+            <a:endCxn id="16" idx="0"/>
+          </p:cNvCxnSpPr>
+          <p:nvPr/>
+        </p:nvCxnSpPr>
+        <p:spPr>
+          <a:xfrm>
+            <a:off x="10537370" y="4553178"/>
+            <a:ext cx="1" cy="615607"/>
+          </a:xfrm>
+          <a:prstGeom prst="straightConnector1">
+            <a:avLst/>
+          </a:prstGeom>
+          <a:ln w="25400">
+            <a:tailEnd type="triangle"/>
+          </a:ln>
+        </p:spPr>
+        <p:style>
+          <a:lnRef idx="1">
+            <a:schemeClr val="accent1"/>
+          </a:lnRef>
+          <a:fillRef idx="0">
+            <a:schemeClr val="accent1"/>
+          </a:fillRef>
+          <a:effectRef idx="0">
+            <a:schemeClr val="accent1"/>
+          </a:effectRef>
+          <a:fontRef idx="minor">
+            <a:schemeClr val="tx1"/>
+          </a:fontRef>
+        </p:style>
+      </p:cxnSp>
+      <p:pic>
+        <p:nvPicPr>
+          <p:cNvPr id="1026" name="Picture 2" descr="Plotly - Wikipedia">
+            <a:extLst>
+              <a:ext uri="{FF2B5EF4-FFF2-40B4-BE49-F238E27FC236}">
+                <a16:creationId xmlns:a16="http://schemas.microsoft.com/office/drawing/2014/main" id="{5257B108-9086-864A-AD1B-DEFB47CF360E}"/>
+              </a:ext>
+            </a:extLst>
+          </p:cNvPr>
+          <p:cNvPicPr>
+            <a:picLocks noChangeAspect="1" noChangeArrowheads="1"/>
+          </p:cNvPicPr>
+          <p:nvPr/>
+        </p:nvPicPr>
+        <p:blipFill>
+          <a:blip r:embed="rId2">
+            <a:extLst>
+              <a:ext uri="{28A0092B-C50C-407E-A947-70E740481C1C}">
+                <a14:useLocalDpi xmlns:a14="http://schemas.microsoft.com/office/drawing/2010/main" val="0"/>
+              </a:ext>
+            </a:extLst>
+          </a:blip>
+          <a:srcRect/>
+          <a:stretch>
+            <a:fillRect/>
+          </a:stretch>
+        </p:blipFill>
+        <p:spPr bwMode="auto">
+          <a:xfrm>
+            <a:off x="7228113" y="6092307"/>
+            <a:ext cx="1756229" cy="582400"/>
+          </a:xfrm>
+          <a:prstGeom prst="rect">
+            <a:avLst/>
+          </a:prstGeom>
+          <a:noFill/>
+          <a:extLst>
+            <a:ext uri="{909E8E84-426E-40DD-AFC4-6F175D3DCCD1}">
+              <a14:hiddenFill xmlns:a14="http://schemas.microsoft.com/office/drawing/2010/main">
+                <a:solidFill>
+                  <a:srgbClr val="FFFFFF"/>
+                </a:solidFill>
+              </a14:hiddenFill>
+            </a:ext>
+          </a:extLst>
+        </p:spPr>
+      </p:pic>
+      <p:pic>
+        <p:nvPicPr>
+          <p:cNvPr id="1030" name="Picture 6" descr="hvPlot 0.7.0 documentation">
+            <a:extLst>
+              <a:ext uri="{FF2B5EF4-FFF2-40B4-BE49-F238E27FC236}">
+                <a16:creationId xmlns:a16="http://schemas.microsoft.com/office/drawing/2014/main" id="{DD961E71-3DF6-0F4B-8679-DB7B2C767F15}"/>
+              </a:ext>
+            </a:extLst>
+          </p:cNvPr>
+          <p:cNvPicPr>
+            <a:picLocks noChangeAspect="1" noChangeArrowheads="1"/>
+          </p:cNvPicPr>
+          <p:nvPr/>
+        </p:nvPicPr>
+        <p:blipFill>
+          <a:blip r:embed="rId3">
+            <a:extLst>
+              <a:ext uri="{28A0092B-C50C-407E-A947-70E740481C1C}">
+                <a14:useLocalDpi xmlns:a14="http://schemas.microsoft.com/office/drawing/2010/main" val="0"/>
+              </a:ext>
+            </a:extLst>
+          </a:blip>
+          <a:srcRect/>
+          <a:stretch>
+            <a:fillRect/>
+          </a:stretch>
+        </p:blipFill>
+        <p:spPr bwMode="auto">
+          <a:xfrm>
+            <a:off x="9753597" y="6122421"/>
+            <a:ext cx="1567545" cy="486211"/>
+          </a:xfrm>
+          <a:prstGeom prst="rect">
+            <a:avLst/>
+          </a:prstGeom>
+          <a:noFill/>
+          <a:extLst>
+            <a:ext uri="{909E8E84-426E-40DD-AFC4-6F175D3DCCD1}">
+              <a14:hiddenFill xmlns:a14="http://schemas.microsoft.com/office/drawing/2010/main">
+                <a:solidFill>
+                  <a:srgbClr val="FFFFFF"/>
+                </a:solidFill>
+              </a14:hiddenFill>
+            </a:ext>
+          </a:extLst>
+        </p:spPr>
+      </p:pic>
+      <p:pic>
+        <p:nvPicPr>
+          <p:cNvPr id="1032" name="Picture 8" descr="pandas (software) - Wikipedia">
+            <a:extLst>
+              <a:ext uri="{FF2B5EF4-FFF2-40B4-BE49-F238E27FC236}">
+                <a16:creationId xmlns:a16="http://schemas.microsoft.com/office/drawing/2014/main" id="{200A321B-48E5-4245-8232-20DC348555E1}"/>
+              </a:ext>
+            </a:extLst>
+          </p:cNvPr>
+          <p:cNvPicPr>
+            <a:picLocks noChangeAspect="1" noChangeArrowheads="1"/>
+          </p:cNvPicPr>
+          <p:nvPr/>
+        </p:nvPicPr>
+        <p:blipFill>
+          <a:blip r:embed="rId4">
+            <a:extLst>
+              <a:ext uri="{28A0092B-C50C-407E-A947-70E740481C1C}">
+                <a14:useLocalDpi xmlns:a14="http://schemas.microsoft.com/office/drawing/2010/main" val="0"/>
+              </a:ext>
+            </a:extLst>
+          </a:blip>
+          <a:srcRect/>
+          <a:stretch>
+            <a:fillRect/>
+          </a:stretch>
+        </p:blipFill>
+        <p:spPr bwMode="auto">
+          <a:xfrm>
+            <a:off x="3372534" y="6026232"/>
+            <a:ext cx="1440989" cy="582400"/>
+          </a:xfrm>
+          <a:prstGeom prst="rect">
+            <a:avLst/>
+          </a:prstGeom>
+          <a:solidFill>
+            <a:schemeClr val="bg1"/>
+          </a:solidFill>
+        </p:spPr>
+      </p:pic>
+      <p:pic>
+        <p:nvPicPr>
+          <p:cNvPr id="1034" name="Picture 10" descr="seaborn: statistical data visualization — seaborn 0.11.1 documentation">
+            <a:extLst>
+              <a:ext uri="{FF2B5EF4-FFF2-40B4-BE49-F238E27FC236}">
+                <a16:creationId xmlns:a16="http://schemas.microsoft.com/office/drawing/2014/main" id="{9E658D67-A7D2-6547-8108-60398FF58448}"/>
+              </a:ext>
+            </a:extLst>
+          </p:cNvPr>
+          <p:cNvPicPr>
+            <a:picLocks noChangeAspect="1" noChangeArrowheads="1"/>
+          </p:cNvPicPr>
+          <p:nvPr/>
+        </p:nvPicPr>
+        <p:blipFill>
+          <a:blip r:embed="rId5">
+            <a:extLst>
+              <a:ext uri="{28A0092B-C50C-407E-A947-70E740481C1C}">
+                <a14:useLocalDpi xmlns:a14="http://schemas.microsoft.com/office/drawing/2010/main" val="0"/>
+              </a:ext>
+            </a:extLst>
+          </a:blip>
+          <a:srcRect/>
+          <a:stretch>
+            <a:fillRect/>
+          </a:stretch>
+        </p:blipFill>
+        <p:spPr bwMode="auto">
+          <a:xfrm>
+            <a:off x="769261" y="6083773"/>
+            <a:ext cx="1770739" cy="505925"/>
+          </a:xfrm>
+          <a:prstGeom prst="rect">
+            <a:avLst/>
+          </a:prstGeom>
+          <a:noFill/>
+          <a:extLst>
+            <a:ext uri="{909E8E84-426E-40DD-AFC4-6F175D3DCCD1}">
+              <a14:hiddenFill xmlns:a14="http://schemas.microsoft.com/office/drawing/2010/main">
+                <a:solidFill>
+                  <a:srgbClr val="FFFFFF"/>
+                </a:solidFill>
+              </a14:hiddenFill>
+            </a:ext>
+          </a:extLst>
+        </p:spPr>
+      </p:pic>
+    </p:spTree>
+    <p:extLst>
+      <p:ext uri="{BB962C8B-B14F-4D97-AF65-F5344CB8AC3E}">
+        <p14:creationId xmlns:p14="http://schemas.microsoft.com/office/powerpoint/2010/main" val="1735477267"/>
+      </p:ext>
+    </p:extLst>
+  </p:cSld>
+  <p:clrMapOvr>
+    <a:masterClrMapping/>
+  </p:clrMapOvr>
+</p:sld>
+</file>
+
+<file path=ppt/slides/slide11.xml><?xml version="1.0" encoding="utf-8"?>
+<p:sld xmlns:a="http://schemas.openxmlformats.org/drawingml/2006/main" xmlns:r="http://schemas.openxmlformats.org/officeDocument/2006/relationships" xmlns:p="http://schemas.openxmlformats.org/presentationml/2006/main">
+  <p:cSld>
+    <p:bg>
+      <p:bgPr>
+        <a:solidFill>
+          <a:schemeClr val="bg2"/>
+        </a:solidFill>
+        <a:effectLst/>
+      </p:bgPr>
+    </p:bg>
+    <p:spTree>
+      <p:nvGrpSpPr>
+        <p:cNvPr id="1" name=""/>
+        <p:cNvGrpSpPr/>
+        <p:nvPr/>
+      </p:nvGrpSpPr>
+      <p:grpSpPr>
+        <a:xfrm>
+          <a:off x="0" y="0"/>
+          <a:ext cx="0" cy="0"/>
+          <a:chOff x="0" y="0"/>
+          <a:chExt cx="0" cy="0"/>
+        </a:xfrm>
+      </p:grpSpPr>
+      <p:sp useBgFill="1">
+        <p:nvSpPr>
+          <p:cNvPr id="10" name="Rectangle 9">
+            <a:extLst>
+              <a:ext uri="{FF2B5EF4-FFF2-40B4-BE49-F238E27FC236}">
+                <a16:creationId xmlns:a16="http://schemas.microsoft.com/office/drawing/2014/main" id="{53F29798-D584-4792-9B62-3F5F5C36D619}"/>
+              </a:ext>
+              <a:ext uri="{C183D7F6-B498-43B3-948B-1728B52AA6E4}">
+                <adec:decorative xmlns:adec="http://schemas.microsoft.com/office/drawing/2017/decorative" val="1"/>
+              </a:ext>
+            </a:extLst>
+          </p:cNvPr>
+          <p:cNvSpPr>
+            <a:spLocks noGrp="1" noRot="1" noChangeAspect="1" noMove="1" noResize="1" noEditPoints="1" noAdjustHandles="1" noChangeArrowheads="1" noChangeShapeType="1" noTextEdit="1"/>
+          </p:cNvSpPr>
+          <p:nvPr>
+            <p:extLst>
+              <p:ext uri="{386F3935-93C4-4BCD-93E2-E3B085C9AB24}">
+                <p16:designElem xmlns:p16="http://schemas.microsoft.com/office/powerpoint/2015/main" val="1"/>
+              </p:ext>
+            </p:extLst>
+          </p:nvPr>
+        </p:nvSpPr>
+        <p:spPr>
+          <a:xfrm>
+            <a:off x="0" y="0"/>
+            <a:ext cx="12188952" cy="6858000"/>
+          </a:xfrm>
+          <a:prstGeom prst="rect">
+            <a:avLst/>
+          </a:prstGeom>
+          <a:ln>
+            <a:noFill/>
+          </a:ln>
+        </p:spPr>
+        <p:style>
+          <a:lnRef idx="2">
+            <a:schemeClr val="accent1">
+              <a:shade val="50000"/>
+            </a:schemeClr>
+          </a:lnRef>
+          <a:fillRef idx="1">
+            <a:schemeClr val="accent1"/>
+          </a:fillRef>
+          <a:effectRef idx="0">
+            <a:schemeClr val="accent1"/>
+          </a:effectRef>
+          <a:fontRef idx="minor">
+            <a:schemeClr val="lt1"/>
+          </a:fontRef>
+        </p:style>
+        <p:txBody>
+          <a:bodyPr rtlCol="0" anchor="ctr"/>
+          <a:lstStyle/>
+          <a:p>
+            <a:pPr algn="ctr"/>
+            <a:endParaRPr lang="en-US"/>
+          </a:p>
+        </p:txBody>
+      </p:sp>
+      <p:sp>
+        <p:nvSpPr>
+          <p:cNvPr id="2" name="Title 1">
+            <a:extLst>
+              <a:ext uri="{FF2B5EF4-FFF2-40B4-BE49-F238E27FC236}">
+                <a16:creationId xmlns:a16="http://schemas.microsoft.com/office/drawing/2014/main" id="{C8163A18-D894-FF42-A3CF-D81F0CB8B8FF}"/>
+              </a:ext>
+            </a:extLst>
+          </p:cNvPr>
+          <p:cNvSpPr>
+            <a:spLocks noGrp="1"/>
+          </p:cNvSpPr>
+          <p:nvPr>
+            <p:ph type="title"/>
+          </p:nvPr>
+        </p:nvSpPr>
+        <p:spPr>
+          <a:xfrm>
+            <a:off x="0" y="1"/>
+            <a:ext cx="12192000" cy="1690688"/>
+          </a:xfrm>
+          <a:solidFill>
+            <a:schemeClr val="bg1"/>
+          </a:solidFill>
+        </p:spPr>
+        <p:txBody>
+          <a:bodyPr vert="horz" lIns="91440" tIns="45720" rIns="91440" bIns="45720" rtlCol="0" anchor="ctr">
+            <a:normAutofit/>
+          </a:bodyPr>
+          <a:lstStyle/>
+          <a:p>
+            <a:pPr algn="ctr"/>
+            <a:r>
+              <a:rPr lang="en-US" sz="5200"/>
+              <a:t>How groupby() works</a:t>
+            </a:r>
+          </a:p>
+        </p:txBody>
+      </p:sp>
+      <p:pic>
+        <p:nvPicPr>
+          <p:cNvPr id="9" name="Picture 8" descr="Graphical user interface&#10;&#10;Description automatically generated with low confidence">
+            <a:extLst>
+              <a:ext uri="{FF2B5EF4-FFF2-40B4-BE49-F238E27FC236}">
+                <a16:creationId xmlns:a16="http://schemas.microsoft.com/office/drawing/2014/main" id="{06B6FDF8-3F40-AA43-8EAC-15638AAD834D}"/>
+              </a:ext>
+            </a:extLst>
+          </p:cNvPr>
+          <p:cNvPicPr>
+            <a:picLocks noChangeAspect="1"/>
+          </p:cNvPicPr>
+          <p:nvPr/>
+        </p:nvPicPr>
+        <p:blipFill>
+          <a:blip r:embed="rId2"/>
+          <a:stretch>
+            <a:fillRect/>
+          </a:stretch>
+        </p:blipFill>
+        <p:spPr>
+          <a:xfrm>
+            <a:off x="946295" y="1916615"/>
+            <a:ext cx="10296361" cy="4715459"/>
+          </a:xfrm>
+          <a:prstGeom prst="rect">
+            <a:avLst/>
+          </a:prstGeom>
+        </p:spPr>
+      </p:pic>
+    </p:spTree>
+    <p:extLst>
+      <p:ext uri="{BB962C8B-B14F-4D97-AF65-F5344CB8AC3E}">
+        <p14:creationId xmlns:p14="http://schemas.microsoft.com/office/powerpoint/2010/main" val="1500885899"/>
       </p:ext>
     </p:extLst>
   </p:cSld>
@@ -5055,6 +6555,194 @@
           <a:effectLst/>
         </p:spPr>
       </p:pic>
+      <p:pic>
+        <p:nvPicPr>
+          <p:cNvPr id="2050" name="Picture 2" descr="Apache Airflow - Wikipedia">
+            <a:extLst>
+              <a:ext uri="{FF2B5EF4-FFF2-40B4-BE49-F238E27FC236}">
+                <a16:creationId xmlns:a16="http://schemas.microsoft.com/office/drawing/2014/main" id="{0125145F-4612-7744-AD0F-1A8154A3BBDE}"/>
+              </a:ext>
+            </a:extLst>
+          </p:cNvPr>
+          <p:cNvPicPr>
+            <a:picLocks noChangeAspect="1" noChangeArrowheads="1"/>
+          </p:cNvPicPr>
+          <p:nvPr/>
+        </p:nvPicPr>
+        <p:blipFill>
+          <a:blip r:embed="rId4">
+            <a:extLst>
+              <a:ext uri="{28A0092B-C50C-407E-A947-70E740481C1C}">
+                <a14:useLocalDpi xmlns:a14="http://schemas.microsoft.com/office/drawing/2010/main" val="0"/>
+              </a:ext>
+            </a:extLst>
+          </a:blip>
+          <a:srcRect/>
+          <a:stretch>
+            <a:fillRect/>
+          </a:stretch>
+        </p:blipFill>
+        <p:spPr bwMode="auto">
+          <a:xfrm>
+            <a:off x="10789902" y="3203878"/>
+            <a:ext cx="1172577" cy="450244"/>
+          </a:xfrm>
+          <a:prstGeom prst="rect">
+            <a:avLst/>
+          </a:prstGeom>
+          <a:noFill/>
+          <a:extLst>
+            <a:ext uri="{909E8E84-426E-40DD-AFC4-6F175D3DCCD1}">
+              <a14:hiddenFill xmlns:a14="http://schemas.microsoft.com/office/drawing/2010/main">
+                <a:solidFill>
+                  <a:srgbClr val="FFFFFF"/>
+                </a:solidFill>
+              </a14:hiddenFill>
+            </a:ext>
+          </a:extLst>
+        </p:spPr>
+      </p:pic>
+      <p:pic>
+        <p:nvPicPr>
+          <p:cNvPr id="2056" name="Picture 8">
+            <a:extLst>
+              <a:ext uri="{FF2B5EF4-FFF2-40B4-BE49-F238E27FC236}">
+                <a16:creationId xmlns:a16="http://schemas.microsoft.com/office/drawing/2014/main" id="{C798E593-BE81-D84E-9C9A-113BE0F1C23A}"/>
+              </a:ext>
+            </a:extLst>
+          </p:cNvPr>
+          <p:cNvPicPr>
+            <a:picLocks noChangeAspect="1" noChangeArrowheads="1"/>
+          </p:cNvPicPr>
+          <p:nvPr/>
+        </p:nvPicPr>
+        <p:blipFill>
+          <a:blip r:embed="rId5">
+            <a:extLst>
+              <a:ext uri="{28A0092B-C50C-407E-A947-70E740481C1C}">
+                <a14:useLocalDpi xmlns:a14="http://schemas.microsoft.com/office/drawing/2010/main" val="0"/>
+              </a:ext>
+            </a:extLst>
+          </a:blip>
+          <a:srcRect/>
+          <a:stretch>
+            <a:fillRect/>
+          </a:stretch>
+        </p:blipFill>
+        <p:spPr bwMode="auto">
+          <a:xfrm>
+            <a:off x="5402074" y="804672"/>
+            <a:ext cx="693926" cy="807356"/>
+          </a:xfrm>
+          <a:prstGeom prst="rect">
+            <a:avLst/>
+          </a:prstGeom>
+          <a:noFill/>
+          <a:extLst>
+            <a:ext uri="{909E8E84-426E-40DD-AFC4-6F175D3DCCD1}">
+              <a14:hiddenFill xmlns:a14="http://schemas.microsoft.com/office/drawing/2010/main">
+                <a:solidFill>
+                  <a:srgbClr val="FFFFFF"/>
+                </a:solidFill>
+              </a14:hiddenFill>
+            </a:ext>
+          </a:extLst>
+        </p:spPr>
+      </p:pic>
+      <p:pic>
+        <p:nvPicPr>
+          <p:cNvPr id="2058" name="Picture 10" descr="Unit Testing with PySpark. By David Illes, Vice President at… | by  Cambridge Spark | Cambridge Spark">
+            <a:extLst>
+              <a:ext uri="{FF2B5EF4-FFF2-40B4-BE49-F238E27FC236}">
+                <a16:creationId xmlns:a16="http://schemas.microsoft.com/office/drawing/2014/main" id="{ABB51496-6CBC-BC40-BA06-D75D4A194F2B}"/>
+              </a:ext>
+            </a:extLst>
+          </p:cNvPr>
+          <p:cNvPicPr>
+            <a:picLocks noChangeAspect="1" noChangeArrowheads="1"/>
+          </p:cNvPicPr>
+          <p:nvPr/>
+        </p:nvPicPr>
+        <p:blipFill>
+          <a:blip r:embed="rId6">
+            <a:extLst>
+              <a:ext uri="{28A0092B-C50C-407E-A947-70E740481C1C}">
+                <a14:useLocalDpi xmlns:a14="http://schemas.microsoft.com/office/drawing/2010/main" val="0"/>
+              </a:ext>
+            </a:extLst>
+          </a:blip>
+          <a:srcRect/>
+          <a:stretch>
+            <a:fillRect/>
+          </a:stretch>
+        </p:blipFill>
+        <p:spPr bwMode="auto">
+          <a:xfrm>
+            <a:off x="10087140" y="804672"/>
+            <a:ext cx="1289050" cy="724282"/>
+          </a:xfrm>
+          <a:prstGeom prst="rect">
+            <a:avLst/>
+          </a:prstGeom>
+          <a:noFill/>
+          <a:extLst>
+            <a:ext uri="{909E8E84-426E-40DD-AFC4-6F175D3DCCD1}">
+              <a14:hiddenFill xmlns:a14="http://schemas.microsoft.com/office/drawing/2010/main">
+                <a:solidFill>
+                  <a:srgbClr val="FFFFFF"/>
+                </a:solidFill>
+              </a14:hiddenFill>
+            </a:ext>
+          </a:extLst>
+        </p:spPr>
+      </p:pic>
+      <p:pic>
+        <p:nvPicPr>
+          <p:cNvPr id="11" name="Picture 10" descr="seaborn: statistical data visualization — seaborn 0.11.1 documentation">
+            <a:extLst>
+              <a:ext uri="{FF2B5EF4-FFF2-40B4-BE49-F238E27FC236}">
+                <a16:creationId xmlns:a16="http://schemas.microsoft.com/office/drawing/2014/main" id="{1FD05B8E-F514-6446-9020-81F21A8B7DFB}"/>
+              </a:ext>
+            </a:extLst>
+          </p:cNvPr>
+          <p:cNvPicPr>
+            <a:picLocks noChangeAspect="1" noChangeArrowheads="1"/>
+          </p:cNvPicPr>
+          <p:nvPr/>
+        </p:nvPicPr>
+        <p:blipFill>
+          <a:blip r:embed="rId7">
+            <a:extLst>
+              <a:ext uri="{28A0092B-C50C-407E-A947-70E740481C1C}">
+                <a14:useLocalDpi xmlns:a14="http://schemas.microsoft.com/office/drawing/2010/main" val="0"/>
+              </a:ext>
+            </a:extLst>
+          </a:blip>
+          <a:srcRect/>
+          <a:stretch>
+            <a:fillRect/>
+          </a:stretch>
+        </p:blipFill>
+        <p:spPr bwMode="auto">
+          <a:xfrm>
+            <a:off x="5749037" y="2644644"/>
+            <a:ext cx="885370" cy="252963"/>
+          </a:xfrm>
+          <a:prstGeom prst="rect">
+            <a:avLst/>
+          </a:prstGeom>
+          <a:noFill/>
+          <a:extLst>
+            <a:ext uri="{909E8E84-426E-40DD-AFC4-6F175D3DCCD1}">
+              <a14:hiddenFill xmlns:a14="http://schemas.microsoft.com/office/drawing/2010/main">
+                <a:solidFill>
+                  <a:srgbClr val="FFFFFF"/>
+                </a:solidFill>
+              </a14:hiddenFill>
+            </a:ext>
+          </a:extLst>
+        </p:spPr>
+      </p:pic>
     </p:spTree>
     <p:extLst>
       <p:ext uri="{BB962C8B-B14F-4D97-AF65-F5344CB8AC3E}">
@@ -5761,6 +7449,7 @@
           <a:bodyPr/>
           <a:lstStyle/>
           <a:p>
+            <a:pPr algn="ctr"/>
             <a:r>
               <a:rPr lang="en-NL"/>
               <a:t>Wat is pandas?</a:t>
@@ -5965,9 +7654,12 @@
         </p:nvSpPr>
         <p:spPr>
           <a:xfrm>
-            <a:off x="838200" y="365125"/>
-            <a:ext cx="10515600" cy="1325563"/>
-          </a:xfrm>
+            <a:off x="0" y="0"/>
+            <a:ext cx="12192000" cy="1690688"/>
+          </a:xfrm>
+          <a:solidFill>
+            <a:schemeClr val="bg1"/>
+          </a:solidFill>
         </p:spPr>
         <p:txBody>
           <a:bodyPr vert="horz" lIns="91440" tIns="45720" rIns="91440" bIns="45720" rtlCol="0" anchor="ctr">
@@ -5975,6 +7667,7 @@
           </a:bodyPr>
           <a:lstStyle/>
           <a:p>
+            <a:pPr algn="ctr"/>
             <a:r>
               <a:rPr lang="en-US"/>
               <a:t>Most important concept is a DataFrame</a:t>
@@ -6209,9 +7902,12 @@
         </p:nvSpPr>
         <p:spPr>
           <a:xfrm>
-            <a:off x="838200" y="365125"/>
-            <a:ext cx="10515600" cy="1325563"/>
-          </a:xfrm>
+            <a:off x="0" y="1"/>
+            <a:ext cx="12192000" cy="1690688"/>
+          </a:xfrm>
+          <a:solidFill>
+            <a:schemeClr val="bg1"/>
+          </a:solidFill>
         </p:spPr>
         <p:txBody>
           <a:bodyPr vert="horz" lIns="91440" tIns="45720" rIns="91440" bIns="45720" rtlCol="0" anchor="ctr">
@@ -6219,6 +7915,7 @@
           </a:bodyPr>
           <a:lstStyle/>
           <a:p>
+            <a:pPr algn="ctr"/>
             <a:r>
               <a:rPr lang="en-US"/>
               <a:t>Example of a Pandas Series</a:t>
@@ -6345,6 +8042,14 @@
 <file path=ppt/slides/slide9.xml><?xml version="1.0" encoding="utf-8"?>
 <p:sld xmlns:a="http://schemas.openxmlformats.org/drawingml/2006/main" xmlns:r="http://schemas.openxmlformats.org/officeDocument/2006/relationships" xmlns:p="http://schemas.openxmlformats.org/presentationml/2006/main">
   <p:cSld>
+    <p:bg>
+      <p:bgPr>
+        <a:solidFill>
+          <a:schemeClr val="bg2"/>
+        </a:solidFill>
+        <a:effectLst/>
+      </p:bgPr>
+    </p:bg>
     <p:spTree>
       <p:nvGrpSpPr>
         <p:cNvPr id="1" name=""/>
@@ -6359,6 +8064,66 @@
           <a:chExt cx="0" cy="0"/>
         </a:xfrm>
       </p:grpSpPr>
+      <p:sp useBgFill="1">
+        <p:nvSpPr>
+          <p:cNvPr id="10" name="Rectangle 9">
+            <a:extLst>
+              <a:ext uri="{FF2B5EF4-FFF2-40B4-BE49-F238E27FC236}">
+                <a16:creationId xmlns:a16="http://schemas.microsoft.com/office/drawing/2014/main" id="{53F29798-D584-4792-9B62-3F5F5C36D619}"/>
+              </a:ext>
+              <a:ext uri="{C183D7F6-B498-43B3-948B-1728B52AA6E4}">
+                <adec:decorative xmlns:adec="http://schemas.microsoft.com/office/drawing/2017/decorative" val="1"/>
+              </a:ext>
+            </a:extLst>
+          </p:cNvPr>
+          <p:cNvSpPr>
+            <a:spLocks noGrp="1" noRot="1" noChangeAspect="1" noMove="1" noResize="1" noEditPoints="1" noAdjustHandles="1" noChangeArrowheads="1" noChangeShapeType="1" noTextEdit="1"/>
+          </p:cNvSpPr>
+          <p:nvPr>
+            <p:extLst>
+              <p:ext uri="{386F3935-93C4-4BCD-93E2-E3B085C9AB24}">
+                <p16:designElem xmlns:p16="http://schemas.microsoft.com/office/powerpoint/2015/main" val="1"/>
+              </p:ext>
+            </p:extLst>
+          </p:nvPr>
+        </p:nvSpPr>
+        <p:spPr>
+          <a:xfrm>
+            <a:off x="0" y="0"/>
+            <a:ext cx="12188952" cy="6858000"/>
+          </a:xfrm>
+          <a:prstGeom prst="rect">
+            <a:avLst/>
+          </a:prstGeom>
+          <a:ln>
+            <a:noFill/>
+          </a:ln>
+        </p:spPr>
+        <p:style>
+          <a:lnRef idx="2">
+            <a:schemeClr val="accent1">
+              <a:shade val="50000"/>
+            </a:schemeClr>
+          </a:lnRef>
+          <a:fillRef idx="1">
+            <a:schemeClr val="accent1"/>
+          </a:fillRef>
+          <a:effectRef idx="0">
+            <a:schemeClr val="accent1"/>
+          </a:effectRef>
+          <a:fontRef idx="minor">
+            <a:schemeClr val="lt1"/>
+          </a:fontRef>
+        </p:style>
+        <p:txBody>
+          <a:bodyPr rtlCol="0" anchor="ctr"/>
+          <a:lstStyle/>
+          <a:p>
+            <a:pPr algn="ctr"/>
+            <a:endParaRPr lang="en-US"/>
+          </a:p>
+        </p:txBody>
+      </p:sp>
       <p:sp>
         <p:nvSpPr>
           <p:cNvPr id="2" name="Title 1">
@@ -6375,44 +8140,63 @@
             <p:ph type="title"/>
           </p:nvPr>
         </p:nvSpPr>
-        <p:spPr/>
-        <p:txBody>
-          <a:bodyPr/>
-          <a:lstStyle/>
-          <a:p>
-            <a:endParaRPr lang="en-NL"/>
-          </a:p>
-        </p:txBody>
-      </p:sp>
-      <p:sp>
-        <p:nvSpPr>
-          <p:cNvPr id="3" name="Content Placeholder 2">
-            <a:extLst>
-              <a:ext uri="{FF2B5EF4-FFF2-40B4-BE49-F238E27FC236}">
-                <a16:creationId xmlns:a16="http://schemas.microsoft.com/office/drawing/2014/main" id="{A862A42A-6411-234E-B760-651D87AF8D16}"/>
-              </a:ext>
-            </a:extLst>
-          </p:cNvPr>
-          <p:cNvSpPr>
-            <a:spLocks noGrp="1"/>
-          </p:cNvSpPr>
-          <p:nvPr>
-            <p:ph idx="1"/>
-          </p:nvPr>
-        </p:nvSpPr>
-        <p:spPr/>
-        <p:txBody>
-          <a:bodyPr/>
-          <a:lstStyle/>
-          <a:p>
-            <a:endParaRPr lang="en-NL"/>
-          </a:p>
-        </p:txBody>
-      </p:sp>
+        <p:spPr>
+          <a:xfrm>
+            <a:off x="0" y="1"/>
+            <a:ext cx="12192000" cy="1690688"/>
+          </a:xfrm>
+          <a:solidFill>
+            <a:schemeClr val="bg1"/>
+          </a:solidFill>
+        </p:spPr>
+        <p:txBody>
+          <a:bodyPr vert="horz" lIns="91440" tIns="45720" rIns="91440" bIns="45720" rtlCol="0" anchor="ctr">
+            <a:normAutofit/>
+          </a:bodyPr>
+          <a:lstStyle/>
+          <a:p>
+            <a:pPr algn="ctr"/>
+            <a:r>
+              <a:rPr lang="en-US" sz="5200"/>
+              <a:t>There are too many plotting packages</a:t>
+            </a:r>
+          </a:p>
+        </p:txBody>
+      </p:sp>
+      <p:pic>
+        <p:nvPicPr>
+          <p:cNvPr id="6" name="Picture 5" descr="Diagram&#10;&#10;Description automatically generated">
+            <a:extLst>
+              <a:ext uri="{FF2B5EF4-FFF2-40B4-BE49-F238E27FC236}">
+                <a16:creationId xmlns:a16="http://schemas.microsoft.com/office/drawing/2014/main" id="{CDEA112E-9883-2D4C-A588-CBB48AE23B30}"/>
+              </a:ext>
+            </a:extLst>
+          </p:cNvPr>
+          <p:cNvPicPr>
+            <a:picLocks noChangeAspect="1"/>
+          </p:cNvPicPr>
+          <p:nvPr/>
+        </p:nvPicPr>
+        <p:blipFill>
+          <a:blip r:embed="rId2"/>
+          <a:stretch>
+            <a:fillRect/>
+          </a:stretch>
+        </p:blipFill>
+        <p:spPr>
+          <a:xfrm>
+            <a:off x="1443555" y="1945715"/>
+            <a:ext cx="8977703" cy="4564736"/>
+          </a:xfrm>
+          <a:prstGeom prst="rect">
+            <a:avLst/>
+          </a:prstGeom>
+        </p:spPr>
+      </p:pic>
     </p:spTree>
     <p:extLst>
       <p:ext uri="{BB962C8B-B14F-4D97-AF65-F5344CB8AC3E}">
-        <p14:creationId xmlns:p14="http://schemas.microsoft.com/office/powerpoint/2010/main" val="1500885899"/>
+        <p14:creationId xmlns:p14="http://schemas.microsoft.com/office/powerpoint/2010/main" val="3851740515"/>
       </p:ext>
     </p:extLst>
   </p:cSld>

--- a/Pandas_Training_Slides.pptx
+++ b/Pandas_Training_Slides.pptx
@@ -5,7 +5,7 @@
     <p:sldMasterId id="2147483648" r:id="rId1"/>
   </p:sldMasterIdLst>
   <p:notesMasterIdLst>
-    <p:notesMasterId r:id="rId13"/>
+    <p:notesMasterId r:id="rId14"/>
   </p:notesMasterIdLst>
   <p:sldIdLst>
     <p:sldId id="263" r:id="rId2"/>
@@ -19,6 +19,7 @@
     <p:sldId id="266" r:id="rId10"/>
     <p:sldId id="267" r:id="rId11"/>
     <p:sldId id="265" r:id="rId12"/>
+    <p:sldId id="269" r:id="rId13"/>
   </p:sldIdLst>
   <p:sldSz cx="12192000" cy="6858000"/>
   <p:notesSz cx="6858000" cy="9144000"/>
@@ -206,7 +207,7 @@
           </a:lstStyle>
           <a:p>
             <a:fld id="{E57A08F2-BB89-A243-B58E-EF977EF4C386}" type="datetimeFigureOut">
-              <a:t>14/01/2021</a:t>
+              <a:t>25/01/2021</a:t>
             </a:fld>
             <a:endParaRPr lang="en-NL"/>
           </a:p>
@@ -1241,7 +1242,7 @@
           <a:lstStyle/>
           <a:p>
             <a:fld id="{595B5CFB-66E7-284C-9A5B-718B2335AB36}" type="datetimeFigureOut">
-              <a:t>14/01/2021</a:t>
+              <a:t>25/01/2021</a:t>
             </a:fld>
             <a:endParaRPr lang="en-NL"/>
           </a:p>
@@ -1439,7 +1440,7 @@
           <a:lstStyle/>
           <a:p>
             <a:fld id="{595B5CFB-66E7-284C-9A5B-718B2335AB36}" type="datetimeFigureOut">
-              <a:t>14/01/2021</a:t>
+              <a:t>25/01/2021</a:t>
             </a:fld>
             <a:endParaRPr lang="en-NL"/>
           </a:p>
@@ -1647,7 +1648,7 @@
           <a:lstStyle/>
           <a:p>
             <a:fld id="{595B5CFB-66E7-284C-9A5B-718B2335AB36}" type="datetimeFigureOut">
-              <a:t>14/01/2021</a:t>
+              <a:t>25/01/2021</a:t>
             </a:fld>
             <a:endParaRPr lang="en-NL"/>
           </a:p>
@@ -1845,7 +1846,7 @@
           <a:lstStyle/>
           <a:p>
             <a:fld id="{595B5CFB-66E7-284C-9A5B-718B2335AB36}" type="datetimeFigureOut">
-              <a:t>14/01/2021</a:t>
+              <a:t>25/01/2021</a:t>
             </a:fld>
             <a:endParaRPr lang="en-NL"/>
           </a:p>
@@ -2119,7 +2120,7 @@
           <a:lstStyle/>
           <a:p>
             <a:fld id="{595B5CFB-66E7-284C-9A5B-718B2335AB36}" type="datetimeFigureOut">
-              <a:t>14/01/2021</a:t>
+              <a:t>25/01/2021</a:t>
             </a:fld>
             <a:endParaRPr lang="en-NL"/>
           </a:p>
@@ -2385,7 +2386,7 @@
           <a:lstStyle/>
           <a:p>
             <a:fld id="{595B5CFB-66E7-284C-9A5B-718B2335AB36}" type="datetimeFigureOut">
-              <a:t>14/01/2021</a:t>
+              <a:t>25/01/2021</a:t>
             </a:fld>
             <a:endParaRPr lang="en-NL"/>
           </a:p>
@@ -2798,7 +2799,7 @@
           <a:lstStyle/>
           <a:p>
             <a:fld id="{595B5CFB-66E7-284C-9A5B-718B2335AB36}" type="datetimeFigureOut">
-              <a:t>14/01/2021</a:t>
+              <a:t>25/01/2021</a:t>
             </a:fld>
             <a:endParaRPr lang="en-NL"/>
           </a:p>
@@ -2938,7 +2939,7 @@
           <a:lstStyle/>
           <a:p>
             <a:fld id="{595B5CFB-66E7-284C-9A5B-718B2335AB36}" type="datetimeFigureOut">
-              <a:t>14/01/2021</a:t>
+              <a:t>25/01/2021</a:t>
             </a:fld>
             <a:endParaRPr lang="en-NL"/>
           </a:p>
@@ -3049,7 +3050,7 @@
           <a:lstStyle/>
           <a:p>
             <a:fld id="{595B5CFB-66E7-284C-9A5B-718B2335AB36}" type="datetimeFigureOut">
-              <a:t>14/01/2021</a:t>
+              <a:t>25/01/2021</a:t>
             </a:fld>
             <a:endParaRPr lang="en-NL"/>
           </a:p>
@@ -3360,7 +3361,7 @@
           <a:lstStyle/>
           <a:p>
             <a:fld id="{595B5CFB-66E7-284C-9A5B-718B2335AB36}" type="datetimeFigureOut">
-              <a:t>14/01/2021</a:t>
+              <a:t>25/01/2021</a:t>
             </a:fld>
             <a:endParaRPr lang="en-NL"/>
           </a:p>
@@ -3647,7 +3648,7 @@
           <a:lstStyle/>
           <a:p>
             <a:fld id="{595B5CFB-66E7-284C-9A5B-718B2335AB36}" type="datetimeFigureOut">
-              <a:t>14/01/2021</a:t>
+              <a:t>25/01/2021</a:t>
             </a:fld>
             <a:endParaRPr lang="en-NL"/>
           </a:p>
@@ -3888,7 +3889,7 @@
           </a:lstStyle>
           <a:p>
             <a:fld id="{595B5CFB-66E7-284C-9A5B-718B2335AB36}" type="datetimeFigureOut">
-              <a:t>14/01/2021</a:t>
+              <a:t>25/01/2021</a:t>
             </a:fld>
             <a:endParaRPr lang="en-NL"/>
           </a:p>
@@ -5962,6 +5963,401 @@
 </p:sld>
 </file>
 
+<file path=ppt/slides/slide12.xml><?xml version="1.0" encoding="utf-8"?>
+<p:sld xmlns:a="http://schemas.openxmlformats.org/drawingml/2006/main" xmlns:r="http://schemas.openxmlformats.org/officeDocument/2006/relationships" xmlns:p="http://schemas.openxmlformats.org/presentationml/2006/main">
+  <p:cSld>
+    <p:spTree>
+      <p:nvGrpSpPr>
+        <p:cNvPr id="1" name=""/>
+        <p:cNvGrpSpPr/>
+        <p:nvPr/>
+      </p:nvGrpSpPr>
+      <p:grpSpPr>
+        <a:xfrm>
+          <a:off x="0" y="0"/>
+          <a:ext cx="0" cy="0"/>
+          <a:chOff x="0" y="0"/>
+          <a:chExt cx="0" cy="0"/>
+        </a:xfrm>
+      </p:grpSpPr>
+      <p:sp>
+        <p:nvSpPr>
+          <p:cNvPr id="2" name="Title 1">
+            <a:extLst>
+              <a:ext uri="{FF2B5EF4-FFF2-40B4-BE49-F238E27FC236}">
+                <a16:creationId xmlns:a16="http://schemas.microsoft.com/office/drawing/2014/main" id="{9C875679-4635-8D4A-9122-A34E64C4B8FB}"/>
+              </a:ext>
+            </a:extLst>
+          </p:cNvPr>
+          <p:cNvSpPr>
+            <a:spLocks noGrp="1"/>
+          </p:cNvSpPr>
+          <p:nvPr>
+            <p:ph type="title"/>
+          </p:nvPr>
+        </p:nvSpPr>
+        <p:spPr>
+          <a:xfrm>
+            <a:off x="0" y="1"/>
+            <a:ext cx="12192000" cy="760946"/>
+          </a:xfrm>
+        </p:spPr>
+        <p:txBody>
+          <a:bodyPr/>
+          <a:lstStyle/>
+          <a:p>
+            <a:pPr algn="ctr"/>
+            <a:r>
+              <a:rPr lang="en-US"/>
+              <a:t>Joining tables with df.merge()</a:t>
+            </a:r>
+            <a:endParaRPr lang="en-NL"/>
+          </a:p>
+        </p:txBody>
+      </p:sp>
+      <p:pic>
+        <p:nvPicPr>
+          <p:cNvPr id="15" name="Picture 14" descr="Table&#10;&#10;Description automatically generated">
+            <a:extLst>
+              <a:ext uri="{FF2B5EF4-FFF2-40B4-BE49-F238E27FC236}">
+                <a16:creationId xmlns:a16="http://schemas.microsoft.com/office/drawing/2014/main" id="{51575A50-8DBA-9D48-B45E-816768855A18}"/>
+              </a:ext>
+            </a:extLst>
+          </p:cNvPr>
+          <p:cNvPicPr>
+            <a:picLocks noChangeAspect="1"/>
+          </p:cNvPicPr>
+          <p:nvPr/>
+        </p:nvPicPr>
+        <p:blipFill>
+          <a:blip r:embed="rId2"/>
+          <a:stretch>
+            <a:fillRect/>
+          </a:stretch>
+        </p:blipFill>
+        <p:spPr>
+          <a:xfrm>
+            <a:off x="6095999" y="775611"/>
+            <a:ext cx="2859316" cy="1524969"/>
+          </a:xfrm>
+          <a:prstGeom prst="rect">
+            <a:avLst/>
+          </a:prstGeom>
+        </p:spPr>
+      </p:pic>
+      <p:pic>
+        <p:nvPicPr>
+          <p:cNvPr id="17" name="Picture 16" descr="Diagram&#10;&#10;Description automatically generated">
+            <a:extLst>
+              <a:ext uri="{FF2B5EF4-FFF2-40B4-BE49-F238E27FC236}">
+                <a16:creationId xmlns:a16="http://schemas.microsoft.com/office/drawing/2014/main" id="{64B65442-3C39-B94E-B10E-BB788DAB0F9B}"/>
+              </a:ext>
+            </a:extLst>
+          </p:cNvPr>
+          <p:cNvPicPr>
+            <a:picLocks noChangeAspect="1"/>
+          </p:cNvPicPr>
+          <p:nvPr/>
+        </p:nvPicPr>
+        <p:blipFill>
+          <a:blip r:embed="rId3"/>
+          <a:stretch>
+            <a:fillRect/>
+          </a:stretch>
+        </p:blipFill>
+        <p:spPr>
+          <a:xfrm>
+            <a:off x="239485" y="2365559"/>
+            <a:ext cx="11713029" cy="2324375"/>
+          </a:xfrm>
+          <a:prstGeom prst="rect">
+            <a:avLst/>
+          </a:prstGeom>
+        </p:spPr>
+      </p:pic>
+      <p:pic>
+        <p:nvPicPr>
+          <p:cNvPr id="19" name="Picture 18" descr="Table&#10;&#10;Description automatically generated with medium confidence">
+            <a:extLst>
+              <a:ext uri="{FF2B5EF4-FFF2-40B4-BE49-F238E27FC236}">
+                <a16:creationId xmlns:a16="http://schemas.microsoft.com/office/drawing/2014/main" id="{92FDE4AF-DE66-4647-AC97-B831C957AA71}"/>
+              </a:ext>
+            </a:extLst>
+          </p:cNvPr>
+          <p:cNvPicPr>
+            <a:picLocks noChangeAspect="1"/>
+          </p:cNvPicPr>
+          <p:nvPr/>
+        </p:nvPicPr>
+        <p:blipFill>
+          <a:blip r:embed="rId4"/>
+          <a:stretch>
+            <a:fillRect/>
+          </a:stretch>
+        </p:blipFill>
+        <p:spPr>
+          <a:xfrm>
+            <a:off x="3724595" y="1004976"/>
+            <a:ext cx="1718128" cy="1171451"/>
+          </a:xfrm>
+          <a:prstGeom prst="rect">
+            <a:avLst/>
+          </a:prstGeom>
+        </p:spPr>
+      </p:pic>
+      <p:pic>
+        <p:nvPicPr>
+          <p:cNvPr id="21" name="Picture 20" descr="Table&#10;&#10;Description automatically generated">
+            <a:extLst>
+              <a:ext uri="{FF2B5EF4-FFF2-40B4-BE49-F238E27FC236}">
+                <a16:creationId xmlns:a16="http://schemas.microsoft.com/office/drawing/2014/main" id="{B944551A-D74F-284E-83DC-B4913095FB1D}"/>
+              </a:ext>
+            </a:extLst>
+          </p:cNvPr>
+          <p:cNvPicPr>
+            <a:picLocks noChangeAspect="1"/>
+          </p:cNvPicPr>
+          <p:nvPr/>
+        </p:nvPicPr>
+        <p:blipFill>
+          <a:blip r:embed="rId5"/>
+          <a:stretch>
+            <a:fillRect/>
+          </a:stretch>
+        </p:blipFill>
+        <p:spPr>
+          <a:xfrm>
+            <a:off x="6095999" y="4754914"/>
+            <a:ext cx="2631876" cy="1020728"/>
+          </a:xfrm>
+          <a:prstGeom prst="rect">
+            <a:avLst/>
+          </a:prstGeom>
+        </p:spPr>
+      </p:pic>
+      <p:pic>
+        <p:nvPicPr>
+          <p:cNvPr id="30" name="Picture 29" descr="Table&#10;&#10;Description automatically generated">
+            <a:extLst>
+              <a:ext uri="{FF2B5EF4-FFF2-40B4-BE49-F238E27FC236}">
+                <a16:creationId xmlns:a16="http://schemas.microsoft.com/office/drawing/2014/main" id="{86FACDFA-550A-D247-8C22-1BDFCB08D421}"/>
+              </a:ext>
+            </a:extLst>
+          </p:cNvPr>
+          <p:cNvPicPr>
+            <a:picLocks noChangeAspect="1"/>
+          </p:cNvPicPr>
+          <p:nvPr/>
+        </p:nvPicPr>
+        <p:blipFill>
+          <a:blip r:embed="rId6"/>
+          <a:stretch>
+            <a:fillRect/>
+          </a:stretch>
+        </p:blipFill>
+        <p:spPr>
+          <a:xfrm>
+            <a:off x="0" y="4755821"/>
+            <a:ext cx="2360740" cy="1114550"/>
+          </a:xfrm>
+          <a:prstGeom prst="rect">
+            <a:avLst/>
+          </a:prstGeom>
+        </p:spPr>
+      </p:pic>
+      <p:pic>
+        <p:nvPicPr>
+          <p:cNvPr id="32" name="Picture 31" descr="Table&#10;&#10;Description automatically generated">
+            <a:extLst>
+              <a:ext uri="{FF2B5EF4-FFF2-40B4-BE49-F238E27FC236}">
+                <a16:creationId xmlns:a16="http://schemas.microsoft.com/office/drawing/2014/main" id="{89CCCCD2-BEB3-5247-AF84-0F1A03AD5ED2}"/>
+              </a:ext>
+            </a:extLst>
+          </p:cNvPr>
+          <p:cNvPicPr>
+            <a:picLocks noChangeAspect="1"/>
+          </p:cNvPicPr>
+          <p:nvPr/>
+        </p:nvPicPr>
+        <p:blipFill>
+          <a:blip r:embed="rId7"/>
+          <a:stretch>
+            <a:fillRect/>
+          </a:stretch>
+        </p:blipFill>
+        <p:spPr>
+          <a:xfrm>
+            <a:off x="2871360" y="4754914"/>
+            <a:ext cx="2571363" cy="1114550"/>
+          </a:xfrm>
+          <a:prstGeom prst="rect">
+            <a:avLst/>
+          </a:prstGeom>
+        </p:spPr>
+      </p:pic>
+      <p:pic>
+        <p:nvPicPr>
+          <p:cNvPr id="34" name="Picture 33">
+            <a:extLst>
+              <a:ext uri="{FF2B5EF4-FFF2-40B4-BE49-F238E27FC236}">
+                <a16:creationId xmlns:a16="http://schemas.microsoft.com/office/drawing/2014/main" id="{2EF50AA4-FC45-0043-BB69-17FA310964C5}"/>
+              </a:ext>
+            </a:extLst>
+          </p:cNvPr>
+          <p:cNvPicPr>
+            <a:picLocks noChangeAspect="1"/>
+          </p:cNvPicPr>
+          <p:nvPr/>
+        </p:nvPicPr>
+        <p:blipFill>
+          <a:blip r:embed="rId8"/>
+          <a:stretch>
+            <a:fillRect/>
+          </a:stretch>
+        </p:blipFill>
+        <p:spPr>
+          <a:xfrm>
+            <a:off x="9157321" y="4689934"/>
+            <a:ext cx="2795193" cy="1487611"/>
+          </a:xfrm>
+          <a:prstGeom prst="rect">
+            <a:avLst/>
+          </a:prstGeom>
+        </p:spPr>
+      </p:pic>
+      <p:pic>
+        <p:nvPicPr>
+          <p:cNvPr id="38" name="Picture 37">
+            <a:extLst>
+              <a:ext uri="{FF2B5EF4-FFF2-40B4-BE49-F238E27FC236}">
+                <a16:creationId xmlns:a16="http://schemas.microsoft.com/office/drawing/2014/main" id="{EDA5F37D-6241-5140-82DD-CE6DCB978C13}"/>
+              </a:ext>
+            </a:extLst>
+          </p:cNvPr>
+          <p:cNvPicPr>
+            <a:picLocks noChangeAspect="1"/>
+          </p:cNvPicPr>
+          <p:nvPr/>
+        </p:nvPicPr>
+        <p:blipFill>
+          <a:blip r:embed="rId9"/>
+          <a:stretch>
+            <a:fillRect/>
+          </a:stretch>
+        </p:blipFill>
+        <p:spPr>
+          <a:xfrm>
+            <a:off x="9157321" y="6439807"/>
+            <a:ext cx="2897700" cy="113487"/>
+          </a:xfrm>
+          <a:prstGeom prst="rect">
+            <a:avLst/>
+          </a:prstGeom>
+        </p:spPr>
+      </p:pic>
+      <p:pic>
+        <p:nvPicPr>
+          <p:cNvPr id="40" name="Picture 39">
+            <a:extLst>
+              <a:ext uri="{FF2B5EF4-FFF2-40B4-BE49-F238E27FC236}">
+                <a16:creationId xmlns:a16="http://schemas.microsoft.com/office/drawing/2014/main" id="{B45236B5-891A-4441-A5EB-A0A2C42EA80D}"/>
+              </a:ext>
+            </a:extLst>
+          </p:cNvPr>
+          <p:cNvPicPr>
+            <a:picLocks noChangeAspect="1"/>
+          </p:cNvPicPr>
+          <p:nvPr/>
+        </p:nvPicPr>
+        <p:blipFill>
+          <a:blip r:embed="rId10"/>
+          <a:stretch>
+            <a:fillRect/>
+          </a:stretch>
+        </p:blipFill>
+        <p:spPr>
+          <a:xfrm>
+            <a:off x="2871360" y="6452324"/>
+            <a:ext cx="2571363" cy="100970"/>
+          </a:xfrm>
+          <a:prstGeom prst="rect">
+            <a:avLst/>
+          </a:prstGeom>
+        </p:spPr>
+      </p:pic>
+      <p:pic>
+        <p:nvPicPr>
+          <p:cNvPr id="42" name="Picture 41">
+            <a:extLst>
+              <a:ext uri="{FF2B5EF4-FFF2-40B4-BE49-F238E27FC236}">
+                <a16:creationId xmlns:a16="http://schemas.microsoft.com/office/drawing/2014/main" id="{7A2A76C6-5018-FB46-B031-AB9B451E94AF}"/>
+              </a:ext>
+            </a:extLst>
+          </p:cNvPr>
+          <p:cNvPicPr>
+            <a:picLocks noChangeAspect="1"/>
+          </p:cNvPicPr>
+          <p:nvPr/>
+        </p:nvPicPr>
+        <p:blipFill>
+          <a:blip r:embed="rId11"/>
+          <a:stretch>
+            <a:fillRect/>
+          </a:stretch>
+        </p:blipFill>
+        <p:spPr>
+          <a:xfrm>
+            <a:off x="0" y="6452837"/>
+            <a:ext cx="2360740" cy="100457"/>
+          </a:xfrm>
+          <a:prstGeom prst="rect">
+            <a:avLst/>
+          </a:prstGeom>
+        </p:spPr>
+      </p:pic>
+      <p:pic>
+        <p:nvPicPr>
+          <p:cNvPr id="44" name="Picture 43">
+            <a:extLst>
+              <a:ext uri="{FF2B5EF4-FFF2-40B4-BE49-F238E27FC236}">
+                <a16:creationId xmlns:a16="http://schemas.microsoft.com/office/drawing/2014/main" id="{C000BAA9-1193-454D-A8DB-33E79C8D8F0D}"/>
+              </a:ext>
+            </a:extLst>
+          </p:cNvPr>
+          <p:cNvPicPr>
+            <a:picLocks noChangeAspect="1"/>
+          </p:cNvPicPr>
+          <p:nvPr/>
+        </p:nvPicPr>
+        <p:blipFill>
+          <a:blip r:embed="rId12"/>
+          <a:stretch>
+            <a:fillRect/>
+          </a:stretch>
+        </p:blipFill>
+        <p:spPr>
+          <a:xfrm>
+            <a:off x="6095999" y="6439807"/>
+            <a:ext cx="2631876" cy="115912"/>
+          </a:xfrm>
+          <a:prstGeom prst="rect">
+            <a:avLst/>
+          </a:prstGeom>
+        </p:spPr>
+      </p:pic>
+    </p:spTree>
+    <p:extLst>
+      <p:ext uri="{BB962C8B-B14F-4D97-AF65-F5344CB8AC3E}">
+        <p14:creationId xmlns:p14="http://schemas.microsoft.com/office/powerpoint/2010/main" val="3166028957"/>
+      </p:ext>
+    </p:extLst>
+  </p:cSld>
+  <p:clrMapOvr>
+    <a:masterClrMapping/>
+  </p:clrMapOvr>
+</p:sld>
+</file>
+
 <file path=ppt/slides/slide2.xml><?xml version="1.0" encoding="utf-8"?>
 <p:sld xmlns:a="http://schemas.openxmlformats.org/drawingml/2006/main" xmlns:r="http://schemas.openxmlformats.org/officeDocument/2006/relationships" xmlns:p="http://schemas.openxmlformats.org/presentationml/2006/main">
   <p:cSld>
@@ -7294,7 +7690,7 @@
         <p:spPr>
           <a:xfrm>
             <a:off x="769257" y="2714171"/>
-            <a:ext cx="10580914" cy="3416320"/>
+            <a:ext cx="10580914" cy="3139321"/>
           </a:xfrm>
           <a:prstGeom prst="rect">
             <a:avLst/>
@@ -7312,7 +7708,7 @@
               <a:buChar char="•"/>
             </a:pPr>
             <a:r>
-              <a:rPr lang="en-NL" sz="2400"/>
+              <a:rPr lang="en-NL"/>
               <a:t>Shift + Enter to run code</a:t>
             </a:r>
           </a:p>
@@ -7321,7 +7717,7 @@
               <a:buFont typeface="Arial" panose="020B0604020202020204" pitchFamily="34" charset="0"/>
               <a:buChar char="•"/>
             </a:pPr>
-            <a:endParaRPr lang="en-NL" sz="2400"/>
+            <a:endParaRPr lang="en-NL"/>
           </a:p>
           <a:p>
             <a:pPr marL="285750" indent="-285750">
@@ -7329,12 +7725,25 @@
               <a:buChar char="•"/>
             </a:pPr>
             <a:r>
-              <a:rPr lang="en-NL" sz="2400"/>
+              <a:rPr lang="en-NL"/>
               <a:t>Tab completion</a:t>
             </a:r>
           </a:p>
           <a:p>
-            <a:endParaRPr lang="en-NL" sz="2400"/>
+            <a:endParaRPr lang="en-NL"/>
+          </a:p>
+          <a:p>
+            <a:pPr marL="342900" indent="-342900">
+              <a:buFont typeface="Arial" panose="020B0604020202020204" pitchFamily="34" charset="0"/>
+              <a:buChar char="•"/>
+            </a:pPr>
+            <a:r>
+              <a:rPr lang="en-NL"/>
+              <a:t>Nieuwe cell: Escape gevolgd door a (above) of b (below) of dd (delete)</a:t>
+            </a:r>
+          </a:p>
+          <a:p>
+            <a:endParaRPr lang="en-NL"/>
           </a:p>
           <a:p>
             <a:pPr marL="285750" indent="-285750">
@@ -7342,41 +7751,37 @@
               <a:buChar char="•"/>
             </a:pPr>
             <a:r>
-              <a:rPr lang="en-NL" sz="2400"/>
+              <a:rPr lang="en-NL"/>
               <a:t>Shift Tab to see arguments and information about methods, functions or classes</a:t>
             </a:r>
+          </a:p>
+          <a:p>
+            <a:endParaRPr lang="en-NL"/>
           </a:p>
           <a:p>
             <a:pPr marL="285750" indent="-285750">
               <a:buFont typeface="Arial" panose="020B0604020202020204" pitchFamily="34" charset="0"/>
               <a:buChar char="•"/>
             </a:pPr>
-            <a:endParaRPr lang="en-NL" sz="2400"/>
+            <a:r>
+              <a:rPr lang="en-NL"/>
+              <a:t>Magic commands, such as ls</a:t>
+            </a:r>
           </a:p>
           <a:p>
             <a:pPr marL="285750" indent="-285750">
               <a:buFont typeface="Arial" panose="020B0604020202020204" pitchFamily="34" charset="0"/>
               <a:buChar char="•"/>
             </a:pPr>
-            <a:r>
-              <a:rPr lang="en-NL" sz="2400"/>
-              <a:t>Magic commands, such as ls</a:t>
-            </a:r>
+            <a:endParaRPr lang="en-NL"/>
           </a:p>
           <a:p>
             <a:pPr marL="285750" indent="-285750">
               <a:buFont typeface="Arial" panose="020B0604020202020204" pitchFamily="34" charset="0"/>
               <a:buChar char="•"/>
             </a:pPr>
-            <a:endParaRPr lang="en-NL" sz="2400"/>
-          </a:p>
-          <a:p>
-            <a:pPr marL="285750" indent="-285750">
-              <a:buFont typeface="Arial" panose="020B0604020202020204" pitchFamily="34" charset="0"/>
-              <a:buChar char="•"/>
-            </a:pPr>
-            <a:r>
-              <a:rPr lang="en-NL" sz="2400"/>
+            <a:r>
+              <a:rPr lang="en-NL"/>
               <a:t>? or ?? to get extra help and info</a:t>
             </a:r>
           </a:p>

--- a/Pandas_Training_Slides.pptx
+++ b/Pandas_Training_Slides.pptx
@@ -5,21 +5,26 @@
     <p:sldMasterId id="2147483648" r:id="rId1"/>
   </p:sldMasterIdLst>
   <p:notesMasterIdLst>
-    <p:notesMasterId r:id="rId14"/>
+    <p:notesMasterId r:id="rId19"/>
   </p:notesMasterIdLst>
   <p:sldIdLst>
-    <p:sldId id="263" r:id="rId2"/>
-    <p:sldId id="256" r:id="rId3"/>
-    <p:sldId id="257" r:id="rId4"/>
-    <p:sldId id="260" r:id="rId5"/>
-    <p:sldId id="262" r:id="rId6"/>
-    <p:sldId id="264" r:id="rId7"/>
-    <p:sldId id="258" r:id="rId8"/>
-    <p:sldId id="259" r:id="rId9"/>
-    <p:sldId id="266" r:id="rId10"/>
-    <p:sldId id="267" r:id="rId11"/>
-    <p:sldId id="265" r:id="rId12"/>
-    <p:sldId id="269" r:id="rId13"/>
+    <p:sldId id="272" r:id="rId2"/>
+    <p:sldId id="263" r:id="rId3"/>
+    <p:sldId id="270" r:id="rId4"/>
+    <p:sldId id="273" r:id="rId5"/>
+    <p:sldId id="271" r:id="rId6"/>
+    <p:sldId id="256" r:id="rId7"/>
+    <p:sldId id="257" r:id="rId8"/>
+    <p:sldId id="260" r:id="rId9"/>
+    <p:sldId id="262" r:id="rId10"/>
+    <p:sldId id="274" r:id="rId11"/>
+    <p:sldId id="264" r:id="rId12"/>
+    <p:sldId id="258" r:id="rId13"/>
+    <p:sldId id="259" r:id="rId14"/>
+    <p:sldId id="266" r:id="rId15"/>
+    <p:sldId id="267" r:id="rId16"/>
+    <p:sldId id="265" r:id="rId17"/>
+    <p:sldId id="269" r:id="rId18"/>
   </p:sldIdLst>
   <p:sldSz cx="12192000" cy="6858000"/>
   <p:notesSz cx="6858000" cy="9144000"/>
@@ -207,7 +212,7 @@
           </a:lstStyle>
           <a:p>
             <a:fld id="{E57A08F2-BB89-A243-B58E-EF977EF4C386}" type="datetimeFigureOut">
-              <a:t>25/01/2021</a:t>
+              <a:t>26/01/2021</a:t>
             </a:fld>
             <a:endParaRPr lang="en-NL"/>
           </a:p>
@@ -542,7 +547,7 @@
           <a:p>
             <a:fld id="{182B101C-A8DC-374B-816A-E743FC59D6B0}" type="slidenum">
               <a:rPr lang="en-NL"/>
-              <a:t>1</a:t>
+              <a:t>2</a:t>
             </a:fld>
             <a:endParaRPr lang="en-NL"/>
           </a:p>
@@ -628,7 +633,7 @@
           <a:lstStyle/>
           <a:p>
             <a:fld id="{182B101C-A8DC-374B-816A-E743FC59D6B0}" type="slidenum">
-              <a:t>2</a:t>
+              <a:t>6</a:t>
             </a:fld>
             <a:endParaRPr lang="en-NL"/>
           </a:p>
@@ -714,7 +719,7 @@
           <a:lstStyle/>
           <a:p>
             <a:fld id="{182B101C-A8DC-374B-816A-E743FC59D6B0}" type="slidenum">
-              <a:t>3</a:t>
+              <a:t>7</a:t>
             </a:fld>
             <a:endParaRPr lang="en-NL"/>
           </a:p>
@@ -801,7 +806,7 @@
           <a:p>
             <a:fld id="{182B101C-A8DC-374B-816A-E743FC59D6B0}" type="slidenum">
               <a:rPr lang="en-NL"/>
-              <a:t>4</a:t>
+              <a:t>8</a:t>
             </a:fld>
             <a:endParaRPr lang="en-NL"/>
           </a:p>
@@ -888,7 +893,7 @@
           <a:p>
             <a:fld id="{182B101C-A8DC-374B-816A-E743FC59D6B0}" type="slidenum">
               <a:rPr lang="en-NL"/>
-              <a:t>6</a:t>
+              <a:t>11</a:t>
             </a:fld>
             <a:endParaRPr lang="en-NL"/>
           </a:p>
@@ -989,7 +994,7 @@
           <a:lstStyle/>
           <a:p>
             <a:fld id="{182B101C-A8DC-374B-816A-E743FC59D6B0}" type="slidenum">
-              <a:t>7</a:t>
+              <a:t>12</a:t>
             </a:fld>
             <a:endParaRPr lang="en-NL"/>
           </a:p>
@@ -1075,7 +1080,7 @@
           <a:lstStyle/>
           <a:p>
             <a:fld id="{182B101C-A8DC-374B-816A-E743FC59D6B0}" type="slidenum">
-              <a:t>8</a:t>
+              <a:t>13</a:t>
             </a:fld>
             <a:endParaRPr lang="en-NL"/>
           </a:p>
@@ -1242,7 +1247,7 @@
           <a:lstStyle/>
           <a:p>
             <a:fld id="{595B5CFB-66E7-284C-9A5B-718B2335AB36}" type="datetimeFigureOut">
-              <a:t>25/01/2021</a:t>
+              <a:t>26/01/2021</a:t>
             </a:fld>
             <a:endParaRPr lang="en-NL"/>
           </a:p>
@@ -1440,7 +1445,7 @@
           <a:lstStyle/>
           <a:p>
             <a:fld id="{595B5CFB-66E7-284C-9A5B-718B2335AB36}" type="datetimeFigureOut">
-              <a:t>25/01/2021</a:t>
+              <a:t>26/01/2021</a:t>
             </a:fld>
             <a:endParaRPr lang="en-NL"/>
           </a:p>
@@ -1648,7 +1653,7 @@
           <a:lstStyle/>
           <a:p>
             <a:fld id="{595B5CFB-66E7-284C-9A5B-718B2335AB36}" type="datetimeFigureOut">
-              <a:t>25/01/2021</a:t>
+              <a:t>26/01/2021</a:t>
             </a:fld>
             <a:endParaRPr lang="en-NL"/>
           </a:p>
@@ -1846,7 +1851,7 @@
           <a:lstStyle/>
           <a:p>
             <a:fld id="{595B5CFB-66E7-284C-9A5B-718B2335AB36}" type="datetimeFigureOut">
-              <a:t>25/01/2021</a:t>
+              <a:t>26/01/2021</a:t>
             </a:fld>
             <a:endParaRPr lang="en-NL"/>
           </a:p>
@@ -2120,7 +2125,7 @@
           <a:lstStyle/>
           <a:p>
             <a:fld id="{595B5CFB-66E7-284C-9A5B-718B2335AB36}" type="datetimeFigureOut">
-              <a:t>25/01/2021</a:t>
+              <a:t>26/01/2021</a:t>
             </a:fld>
             <a:endParaRPr lang="en-NL"/>
           </a:p>
@@ -2386,7 +2391,7 @@
           <a:lstStyle/>
           <a:p>
             <a:fld id="{595B5CFB-66E7-284C-9A5B-718B2335AB36}" type="datetimeFigureOut">
-              <a:t>25/01/2021</a:t>
+              <a:t>26/01/2021</a:t>
             </a:fld>
             <a:endParaRPr lang="en-NL"/>
           </a:p>
@@ -2799,7 +2804,7 @@
           <a:lstStyle/>
           <a:p>
             <a:fld id="{595B5CFB-66E7-284C-9A5B-718B2335AB36}" type="datetimeFigureOut">
-              <a:t>25/01/2021</a:t>
+              <a:t>26/01/2021</a:t>
             </a:fld>
             <a:endParaRPr lang="en-NL"/>
           </a:p>
@@ -2939,7 +2944,7 @@
           <a:lstStyle/>
           <a:p>
             <a:fld id="{595B5CFB-66E7-284C-9A5B-718B2335AB36}" type="datetimeFigureOut">
-              <a:t>25/01/2021</a:t>
+              <a:t>26/01/2021</a:t>
             </a:fld>
             <a:endParaRPr lang="en-NL"/>
           </a:p>
@@ -3050,7 +3055,7 @@
           <a:lstStyle/>
           <a:p>
             <a:fld id="{595B5CFB-66E7-284C-9A5B-718B2335AB36}" type="datetimeFigureOut">
-              <a:t>25/01/2021</a:t>
+              <a:t>26/01/2021</a:t>
             </a:fld>
             <a:endParaRPr lang="en-NL"/>
           </a:p>
@@ -3361,7 +3366,7 @@
           <a:lstStyle/>
           <a:p>
             <a:fld id="{595B5CFB-66E7-284C-9A5B-718B2335AB36}" type="datetimeFigureOut">
-              <a:t>25/01/2021</a:t>
+              <a:t>26/01/2021</a:t>
             </a:fld>
             <a:endParaRPr lang="en-NL"/>
           </a:p>
@@ -3648,7 +3653,7 @@
           <a:lstStyle/>
           <a:p>
             <a:fld id="{595B5CFB-66E7-284C-9A5B-718B2335AB36}" type="datetimeFigureOut">
-              <a:t>25/01/2021</a:t>
+              <a:t>26/01/2021</a:t>
             </a:fld>
             <a:endParaRPr lang="en-NL"/>
           </a:p>
@@ -3889,7 +3894,7 @@
           </a:lstStyle>
           <a:p>
             <a:fld id="{595B5CFB-66E7-284C-9A5B-718B2335AB36}" type="datetimeFigureOut">
-              <a:t>25/01/2021</a:t>
+              <a:t>26/01/2021</a:t>
             </a:fld>
             <a:endParaRPr lang="en-NL"/>
           </a:p>
@@ -4315,315 +4320,27 @@
       </p:grpSpPr>
       <p:sp>
         <p:nvSpPr>
-          <p:cNvPr id="2" name="Title 1">
-            <a:extLst>
-              <a:ext uri="{FF2B5EF4-FFF2-40B4-BE49-F238E27FC236}">
-                <a16:creationId xmlns:a16="http://schemas.microsoft.com/office/drawing/2014/main" id="{7542C562-6C8A-EA4C-AA34-115B8EFE2331}"/>
-              </a:ext>
-            </a:extLst>
-          </p:cNvPr>
-          <p:cNvSpPr>
-            <a:spLocks noGrp="1"/>
-          </p:cNvSpPr>
-          <p:nvPr>
-            <p:ph type="title"/>
-          </p:nvPr>
-        </p:nvSpPr>
-        <p:spPr>
-          <a:xfrm>
-            <a:off x="0" y="18255"/>
-            <a:ext cx="12192000" cy="1325563"/>
-          </a:xfrm>
+          <p:cNvPr id="8" name="Rectangle 7">
+            <a:extLst>
+              <a:ext uri="{FF2B5EF4-FFF2-40B4-BE49-F238E27FC236}">
+                <a16:creationId xmlns:a16="http://schemas.microsoft.com/office/drawing/2014/main" id="{9BE3BFC1-A4A9-0A4A-A2FE-E1EC7999A20A}"/>
+              </a:ext>
+            </a:extLst>
+          </p:cNvPr>
+          <p:cNvSpPr/>
+          <p:nvPr/>
+        </p:nvSpPr>
+        <p:spPr>
+          <a:xfrm>
+            <a:off x="2206171" y="1960621"/>
+            <a:ext cx="7779657" cy="3759200"/>
+          </a:xfrm>
+          <a:prstGeom prst="rect">
+            <a:avLst/>
+          </a:prstGeom>
           <a:solidFill>
             <a:schemeClr val="bg1"/>
           </a:solidFill>
-        </p:spPr>
-        <p:txBody>
-          <a:bodyPr/>
-          <a:lstStyle/>
-          <a:p>
-            <a:pPr algn="ctr"/>
-            <a:r>
-              <a:rPr lang="en-NL"/>
-              <a:t>Wat we gaan doen de komende 2 dagen</a:t>
-            </a:r>
-          </a:p>
-        </p:txBody>
-      </p:sp>
-      <p:sp>
-        <p:nvSpPr>
-          <p:cNvPr id="3" name="Content Placeholder 2">
-            <a:extLst>
-              <a:ext uri="{FF2B5EF4-FFF2-40B4-BE49-F238E27FC236}">
-                <a16:creationId xmlns:a16="http://schemas.microsoft.com/office/drawing/2014/main" id="{6193BE97-E656-F74F-9B05-8B879B054C6F}"/>
-              </a:ext>
-            </a:extLst>
-          </p:cNvPr>
-          <p:cNvSpPr>
-            <a:spLocks noGrp="1"/>
-          </p:cNvSpPr>
-          <p:nvPr>
-            <p:ph idx="1"/>
-          </p:nvPr>
-        </p:nvSpPr>
-        <p:spPr>
-          <a:xfrm>
-            <a:off x="783771" y="1843314"/>
-            <a:ext cx="10570029" cy="4775200"/>
-          </a:xfrm>
-          <a:solidFill>
-            <a:schemeClr val="bg1"/>
-          </a:solidFill>
-        </p:spPr>
-        <p:txBody>
-          <a:bodyPr>
-            <a:normAutofit fontScale="70000" lnSpcReduction="20000"/>
-          </a:bodyPr>
-          <a:lstStyle/>
-          <a:p>
-            <a:r>
-              <a:rPr lang="en-NL" sz="2600"/>
-              <a:t>Introductie: </a:t>
-            </a:r>
-          </a:p>
-          <a:p>
-            <a:pPr lvl="1">
-              <a:buFont typeface="Courier New" panose="02070309020205020404" pitchFamily="49" charset="0"/>
-              <a:buChar char="o"/>
-            </a:pPr>
-            <a:r>
-              <a:rPr lang="en-NL" sz="2100"/>
-              <a:t>waar werk je nu, </a:t>
-            </a:r>
-          </a:p>
-          <a:p>
-            <a:pPr lvl="1">
-              <a:buFont typeface="Courier New" panose="02070309020205020404" pitchFamily="49" charset="0"/>
-              <a:buChar char="o"/>
-            </a:pPr>
-            <a:r>
-              <a:rPr lang="en-NL" sz="2100"/>
-              <a:t>met welke software, </a:t>
-            </a:r>
-          </a:p>
-          <a:p>
-            <a:pPr lvl="1">
-              <a:buFont typeface="Courier New" panose="02070309020205020404" pitchFamily="49" charset="0"/>
-              <a:buChar char="o"/>
-            </a:pPr>
-            <a:r>
-              <a:rPr lang="en-NL" sz="2100"/>
-              <a:t>gebruik je nu Python, </a:t>
-            </a:r>
-          </a:p>
-          <a:p>
-            <a:pPr lvl="1">
-              <a:buFont typeface="Courier New" panose="02070309020205020404" pitchFamily="49" charset="0"/>
-              <a:buChar char="o"/>
-            </a:pPr>
-            <a:r>
-              <a:rPr lang="en-NL" sz="2100"/>
-              <a:t>en: wat wil je vandaag leren</a:t>
-            </a:r>
-          </a:p>
-          <a:p>
-            <a:pPr marL="0" indent="0">
-              <a:buNone/>
-            </a:pPr>
-            <a:endParaRPr lang="en-NL" sz="2500"/>
-          </a:p>
-          <a:p>
-            <a:r>
-              <a:rPr lang="en-NL" sz="2600"/>
-              <a:t>Highover uitleg Python, Pandas en belangrijkste Python data libraries</a:t>
-            </a:r>
-          </a:p>
-          <a:p>
-            <a:r>
-              <a:rPr lang="en-NL" sz="2600"/>
-              <a:t>Intro Jupyter Notebook + Python refresher + opstarten VM</a:t>
-            </a:r>
-          </a:p>
-          <a:p>
-            <a:r>
-              <a:rPr lang="en-NL" sz="2600"/>
-              <a:t>Data inlezen   				---&gt; pd.read_csv()</a:t>
-            </a:r>
-          </a:p>
-          <a:p>
-            <a:r>
-              <a:rPr lang="en-NL" sz="2600"/>
-              <a:t>Data inspectie 				---&gt; df.info()   df.head()    df.describe()</a:t>
-            </a:r>
-          </a:p>
-          <a:p>
-            <a:r>
-              <a:rPr lang="en-NL" sz="2600"/>
-              <a:t>Data selectie 				---&gt; df[df.column == ‘value’]   df.loc[df.column == ‘value’, :]</a:t>
-            </a:r>
-          </a:p>
-          <a:p>
-            <a:r>
-              <a:rPr lang="en-NL" sz="2600"/>
-              <a:t>Data wrangling 	                                   	---&gt; df[‘column’].fillna()  of df.drop_duplicates()</a:t>
-            </a:r>
-          </a:p>
-          <a:p>
-            <a:r>
-              <a:rPr lang="en-NL" sz="2600"/>
-              <a:t>Data joinen   		                 		 ---&gt; df.merge(df2)</a:t>
-            </a:r>
-          </a:p>
-          <a:p>
-            <a:r>
-              <a:rPr lang="en-NL" sz="2600"/>
-              <a:t>Data visualisatie 	                     		</a:t>
-            </a:r>
-            <a:r>
-              <a:rPr lang="en-NL" sz="2600">
-                <a:sym typeface="Wingdings" pitchFamily="2" charset="2"/>
-              </a:rPr>
-              <a:t>---&gt; </a:t>
-            </a:r>
-            <a:r>
-              <a:rPr lang="en-NL" sz="2600"/>
-              <a:t>df.plot()</a:t>
-            </a:r>
-          </a:p>
-          <a:p>
-            <a:r>
-              <a:rPr lang="en-NL" sz="2600"/>
-              <a:t>Eigen functies toepassen              		-</a:t>
-            </a:r>
-            <a:r>
-              <a:rPr lang="en-NL" sz="2600">
-                <a:sym typeface="Wingdings" pitchFamily="2" charset="2"/>
-              </a:rPr>
-              <a:t>--&gt; </a:t>
-            </a:r>
-            <a:r>
-              <a:rPr lang="en-NL" sz="2600"/>
-              <a:t>df.apply(my_own_function)</a:t>
-            </a:r>
-          </a:p>
-          <a:p>
-            <a:r>
-              <a:rPr lang="en-NL" sz="2600"/>
-              <a:t>Installeren Jupyter + Python + Pandas	-</a:t>
-            </a:r>
-            <a:r>
-              <a:rPr lang="en-NL" sz="2600">
-                <a:sym typeface="Wingdings" pitchFamily="2" charset="2"/>
-              </a:rPr>
-              <a:t>--&gt; pip install pandas</a:t>
-            </a:r>
-            <a:endParaRPr lang="en-NL" sz="2600"/>
-          </a:p>
-          <a:p>
-            <a:endParaRPr lang="en-NL"/>
-          </a:p>
-          <a:p>
-            <a:pPr lvl="1">
-              <a:buFont typeface="Courier New" panose="02070309020205020404" pitchFamily="49" charset="0"/>
-              <a:buChar char="o"/>
-            </a:pPr>
-            <a:endParaRPr lang="en-NL"/>
-          </a:p>
-          <a:p>
-            <a:pPr lvl="1">
-              <a:buFont typeface="Courier New" panose="02070309020205020404" pitchFamily="49" charset="0"/>
-              <a:buChar char="o"/>
-            </a:pPr>
-            <a:endParaRPr lang="en-NL"/>
-          </a:p>
-          <a:p>
-            <a:pPr lvl="1">
-              <a:buFont typeface="Courier New" panose="02070309020205020404" pitchFamily="49" charset="0"/>
-              <a:buChar char="o"/>
-            </a:pPr>
-            <a:endParaRPr lang="en-NL"/>
-          </a:p>
-          <a:p>
-            <a:pPr lvl="1">
-              <a:buFont typeface="Courier New" panose="02070309020205020404" pitchFamily="49" charset="0"/>
-              <a:buChar char="o"/>
-            </a:pPr>
-            <a:endParaRPr lang="en-NL"/>
-          </a:p>
-        </p:txBody>
-      </p:sp>
-    </p:spTree>
-    <p:extLst>
-      <p:ext uri="{BB962C8B-B14F-4D97-AF65-F5344CB8AC3E}">
-        <p14:creationId xmlns:p14="http://schemas.microsoft.com/office/powerpoint/2010/main" val="1512373698"/>
-      </p:ext>
-    </p:extLst>
-  </p:cSld>
-  <p:clrMapOvr>
-    <a:masterClrMapping/>
-  </p:clrMapOvr>
-</p:sld>
-</file>
-
-<file path=ppt/slides/slide10.xml><?xml version="1.0" encoding="utf-8"?>
-<p:sld xmlns:a="http://schemas.openxmlformats.org/drawingml/2006/main" xmlns:r="http://schemas.openxmlformats.org/officeDocument/2006/relationships" xmlns:p="http://schemas.openxmlformats.org/presentationml/2006/main">
-  <p:cSld>
-    <p:bg>
-      <p:bgPr>
-        <a:solidFill>
-          <a:schemeClr val="bg2"/>
-        </a:solidFill>
-        <a:effectLst/>
-      </p:bgPr>
-    </p:bg>
-    <p:spTree>
-      <p:nvGrpSpPr>
-        <p:cNvPr id="1" name=""/>
-        <p:cNvGrpSpPr/>
-        <p:nvPr/>
-      </p:nvGrpSpPr>
-      <p:grpSpPr>
-        <a:xfrm>
-          <a:off x="0" y="0"/>
-          <a:ext cx="0" cy="0"/>
-          <a:chOff x="0" y="0"/>
-          <a:chExt cx="0" cy="0"/>
-        </a:xfrm>
-      </p:grpSpPr>
-      <p:sp useBgFill="1">
-        <p:nvSpPr>
-          <p:cNvPr id="10" name="Rectangle 9">
-            <a:extLst>
-              <a:ext uri="{FF2B5EF4-FFF2-40B4-BE49-F238E27FC236}">
-                <a16:creationId xmlns:a16="http://schemas.microsoft.com/office/drawing/2014/main" id="{53F29798-D584-4792-9B62-3F5F5C36D619}"/>
-              </a:ext>
-              <a:ext uri="{C183D7F6-B498-43B3-948B-1728B52AA6E4}">
-                <adec:decorative xmlns:adec="http://schemas.microsoft.com/office/drawing/2017/decorative" val="1"/>
-              </a:ext>
-            </a:extLst>
-          </p:cNvPr>
-          <p:cNvSpPr>
-            <a:spLocks noGrp="1" noRot="1" noChangeAspect="1" noMove="1" noResize="1" noEditPoints="1" noAdjustHandles="1" noChangeArrowheads="1" noChangeShapeType="1" noTextEdit="1"/>
-          </p:cNvSpPr>
-          <p:nvPr>
-            <p:extLst>
-              <p:ext uri="{386F3935-93C4-4BCD-93E2-E3B085C9AB24}">
-                <p16:designElem xmlns:p16="http://schemas.microsoft.com/office/powerpoint/2015/main" val="1"/>
-              </p:ext>
-            </p:extLst>
-          </p:nvPr>
-        </p:nvSpPr>
-        <p:spPr>
-          <a:xfrm>
-            <a:off x="0" y="0"/>
-            <a:ext cx="12188952" cy="6858000"/>
-          </a:xfrm>
-          <a:prstGeom prst="rect">
-            <a:avLst/>
-          </a:prstGeom>
-          <a:ln>
-            <a:noFill/>
-          </a:ln>
         </p:spPr>
         <p:style>
           <a:lnRef idx="2">
@@ -4646,1147 +4363,233 @@
           <a:lstStyle/>
           <a:p>
             <a:pPr algn="ctr"/>
-            <a:endParaRPr lang="en-US"/>
-          </a:p>
-        </p:txBody>
-      </p:sp>
-      <p:sp>
-        <p:nvSpPr>
-          <p:cNvPr id="47" name="Rectangle 46">
-            <a:extLst>
-              <a:ext uri="{FF2B5EF4-FFF2-40B4-BE49-F238E27FC236}">
-                <a16:creationId xmlns:a16="http://schemas.microsoft.com/office/drawing/2014/main" id="{E689BA12-C726-A842-A5F4-20EBD6F99509}"/>
-              </a:ext>
-            </a:extLst>
-          </p:cNvPr>
-          <p:cNvSpPr/>
-          <p:nvPr/>
-        </p:nvSpPr>
-        <p:spPr>
-          <a:xfrm>
-            <a:off x="6897919" y="1901369"/>
-            <a:ext cx="4840504" cy="4838649"/>
-          </a:xfrm>
-          <a:prstGeom prst="rect">
-            <a:avLst/>
-          </a:prstGeom>
+            <a:endParaRPr lang="en-NL"/>
+          </a:p>
+        </p:txBody>
+      </p:sp>
+      <p:sp>
+        <p:nvSpPr>
+          <p:cNvPr id="2" name="Title 1">
+            <a:extLst>
+              <a:ext uri="{FF2B5EF4-FFF2-40B4-BE49-F238E27FC236}">
+                <a16:creationId xmlns:a16="http://schemas.microsoft.com/office/drawing/2014/main" id="{1EC5AA6A-CC8E-F349-AFE8-C16A1DCEBA0F}"/>
+              </a:ext>
+            </a:extLst>
+          </p:cNvPr>
+          <p:cNvSpPr>
+            <a:spLocks noGrp="1"/>
+          </p:cNvSpPr>
+          <p:nvPr>
+            <p:ph type="title"/>
+          </p:nvPr>
+        </p:nvSpPr>
+        <p:spPr>
+          <a:xfrm>
+            <a:off x="0" y="0"/>
+            <a:ext cx="12192000" cy="1643966"/>
+          </a:xfrm>
           <a:solidFill>
             <a:schemeClr val="bg1"/>
           </a:solidFill>
         </p:spPr>
-        <p:style>
-          <a:lnRef idx="2">
-            <a:schemeClr val="accent1">
-              <a:shade val="50000"/>
-            </a:schemeClr>
-          </a:lnRef>
-          <a:fillRef idx="1">
-            <a:schemeClr val="accent1"/>
-          </a:fillRef>
-          <a:effectRef idx="0">
-            <a:schemeClr val="accent1"/>
-          </a:effectRef>
-          <a:fontRef idx="minor">
-            <a:schemeClr val="lt1"/>
-          </a:fontRef>
-        </p:style>
-        <p:txBody>
-          <a:bodyPr rtlCol="0" anchor="ctr"/>
+        <p:txBody>
+          <a:bodyPr/>
           <a:lstStyle/>
           <a:p>
             <a:pPr algn="ctr"/>
-            <a:endParaRPr lang="en-NL"/>
-          </a:p>
-        </p:txBody>
-      </p:sp>
-      <p:sp>
-        <p:nvSpPr>
-          <p:cNvPr id="41" name="Rectangle 40">
-            <a:extLst>
-              <a:ext uri="{FF2B5EF4-FFF2-40B4-BE49-F238E27FC236}">
-                <a16:creationId xmlns:a16="http://schemas.microsoft.com/office/drawing/2014/main" id="{B61828AE-5574-C14E-9CC2-15205B96045C}"/>
-              </a:ext>
-            </a:extLst>
-          </p:cNvPr>
-          <p:cNvSpPr/>
-          <p:nvPr/>
-        </p:nvSpPr>
-        <p:spPr>
-          <a:xfrm>
-            <a:off x="435427" y="1901370"/>
-            <a:ext cx="4840504" cy="4838649"/>
-          </a:xfrm>
-          <a:prstGeom prst="rect">
-            <a:avLst/>
-          </a:prstGeom>
-          <a:solidFill>
-            <a:schemeClr val="bg1"/>
-          </a:solidFill>
-        </p:spPr>
-        <p:style>
-          <a:lnRef idx="2">
-            <a:schemeClr val="accent1">
-              <a:shade val="50000"/>
-            </a:schemeClr>
-          </a:lnRef>
-          <a:fillRef idx="1">
-            <a:schemeClr val="accent1"/>
-          </a:fillRef>
-          <a:effectRef idx="0">
-            <a:schemeClr val="accent1"/>
-          </a:effectRef>
-          <a:fontRef idx="minor">
-            <a:schemeClr val="lt1"/>
-          </a:fontRef>
-        </p:style>
-        <p:txBody>
-          <a:bodyPr rtlCol="0" anchor="ctr"/>
-          <a:lstStyle/>
-          <a:p>
-            <a:pPr algn="ctr"/>
-            <a:endParaRPr lang="en-NL"/>
-          </a:p>
-        </p:txBody>
-      </p:sp>
-      <p:sp>
-        <p:nvSpPr>
-          <p:cNvPr id="2" name="Title 1">
-            <a:extLst>
-              <a:ext uri="{FF2B5EF4-FFF2-40B4-BE49-F238E27FC236}">
-                <a16:creationId xmlns:a16="http://schemas.microsoft.com/office/drawing/2014/main" id="{C8163A18-D894-FF42-A3CF-D81F0CB8B8FF}"/>
-              </a:ext>
-            </a:extLst>
-          </p:cNvPr>
-          <p:cNvSpPr>
-            <a:spLocks noGrp="1"/>
-          </p:cNvSpPr>
-          <p:nvPr>
-            <p:ph type="title"/>
-          </p:nvPr>
-        </p:nvSpPr>
-        <p:spPr>
-          <a:xfrm>
-            <a:off x="0" y="1"/>
-            <a:ext cx="12192000" cy="1690688"/>
-          </a:xfrm>
-          <a:solidFill>
-            <a:schemeClr val="bg1"/>
-          </a:solidFill>
-        </p:spPr>
-        <p:txBody>
-          <a:bodyPr vert="horz" lIns="91440" tIns="45720" rIns="91440" bIns="45720" rtlCol="0" anchor="ctr">
-            <a:normAutofit/>
-          </a:bodyPr>
-          <a:lstStyle/>
-          <a:p>
-            <a:pPr algn="ctr"/>
-            <a:r>
-              <a:rPr lang="en-US" sz="5200"/>
-              <a:t>So my advice is: only focus on these</a:t>
-            </a:r>
-          </a:p>
-        </p:txBody>
-      </p:sp>
-      <p:sp>
-        <p:nvSpPr>
-          <p:cNvPr id="4" name="Rounded Rectangle 3">
-            <a:extLst>
-              <a:ext uri="{FF2B5EF4-FFF2-40B4-BE49-F238E27FC236}">
-                <a16:creationId xmlns:a16="http://schemas.microsoft.com/office/drawing/2014/main" id="{5BE37FEB-4068-7849-B48A-BFC661116E64}"/>
-              </a:ext>
-            </a:extLst>
-          </p:cNvPr>
-          <p:cNvSpPr/>
-          <p:nvPr/>
-        </p:nvSpPr>
-        <p:spPr>
-          <a:xfrm>
-            <a:off x="769257" y="2119085"/>
-            <a:ext cx="4209143" cy="740229"/>
-          </a:xfrm>
-          <a:prstGeom prst="roundRect">
-            <a:avLst/>
-          </a:prstGeom>
-          <a:solidFill>
-            <a:schemeClr val="bg1"/>
-          </a:solidFill>
-        </p:spPr>
-        <p:style>
-          <a:lnRef idx="2">
-            <a:schemeClr val="accent1">
-              <a:shade val="50000"/>
-            </a:schemeClr>
-          </a:lnRef>
-          <a:fillRef idx="1">
-            <a:schemeClr val="accent1"/>
-          </a:fillRef>
-          <a:effectRef idx="0">
-            <a:schemeClr val="accent1"/>
-          </a:effectRef>
-          <a:fontRef idx="minor">
-            <a:schemeClr val="lt1"/>
-          </a:fontRef>
-        </p:style>
-        <p:txBody>
-          <a:bodyPr rtlCol="0" anchor="ctr"/>
-          <a:lstStyle/>
-          <a:p>
-            <a:pPr algn="ctr"/>
-            <a:r>
-              <a:rPr lang="en-NL">
-                <a:solidFill>
-                  <a:schemeClr val="tx1"/>
-                </a:solidFill>
-              </a:rPr>
-              <a:t>STATIC PLOTTING</a:t>
-            </a:r>
-          </a:p>
-        </p:txBody>
-      </p:sp>
-      <p:sp>
-        <p:nvSpPr>
-          <p:cNvPr id="7" name="Rounded Rectangle 6">
-            <a:extLst>
-              <a:ext uri="{FF2B5EF4-FFF2-40B4-BE49-F238E27FC236}">
-                <a16:creationId xmlns:a16="http://schemas.microsoft.com/office/drawing/2014/main" id="{917E8403-B738-424E-B6D5-752827693347}"/>
-              </a:ext>
-            </a:extLst>
-          </p:cNvPr>
-          <p:cNvSpPr/>
-          <p:nvPr/>
-        </p:nvSpPr>
-        <p:spPr>
-          <a:xfrm>
-            <a:off x="7213600" y="2119084"/>
-            <a:ext cx="4209143" cy="740229"/>
-          </a:xfrm>
-          <a:prstGeom prst="roundRect">
-            <a:avLst/>
-          </a:prstGeom>
-          <a:solidFill>
-            <a:schemeClr val="bg1"/>
-          </a:solidFill>
-        </p:spPr>
-        <p:style>
-          <a:lnRef idx="2">
-            <a:schemeClr val="accent1">
-              <a:shade val="50000"/>
-            </a:schemeClr>
-          </a:lnRef>
-          <a:fillRef idx="1">
-            <a:schemeClr val="accent1"/>
-          </a:fillRef>
-          <a:effectRef idx="0">
-            <a:schemeClr val="accent1"/>
-          </a:effectRef>
-          <a:fontRef idx="minor">
-            <a:schemeClr val="lt1"/>
-          </a:fontRef>
-        </p:style>
-        <p:txBody>
-          <a:bodyPr rtlCol="0" anchor="ctr"/>
-          <a:lstStyle/>
-          <a:p>
-            <a:pPr algn="ctr"/>
-            <a:r>
-              <a:rPr lang="en-NL">
-                <a:solidFill>
-                  <a:schemeClr val="tx1"/>
-                </a:solidFill>
-              </a:rPr>
-              <a:t>INTERACTIVE PLOTTING</a:t>
-            </a:r>
-          </a:p>
-        </p:txBody>
-      </p:sp>
-      <p:sp>
-        <p:nvSpPr>
-          <p:cNvPr id="8" name="Rounded Rectangle 7">
-            <a:extLst>
-              <a:ext uri="{FF2B5EF4-FFF2-40B4-BE49-F238E27FC236}">
-                <a16:creationId xmlns:a16="http://schemas.microsoft.com/office/drawing/2014/main" id="{606054F4-B789-3E47-9289-3EF05404C167}"/>
-              </a:ext>
-            </a:extLst>
-          </p:cNvPr>
-          <p:cNvSpPr/>
-          <p:nvPr/>
-        </p:nvSpPr>
-        <p:spPr>
-          <a:xfrm>
-            <a:off x="1988456" y="3812949"/>
-            <a:ext cx="1770743" cy="740229"/>
-          </a:xfrm>
-          <a:prstGeom prst="roundRect">
-            <a:avLst/>
-          </a:prstGeom>
-          <a:solidFill>
-            <a:schemeClr val="bg1"/>
-          </a:solidFill>
-        </p:spPr>
-        <p:style>
-          <a:lnRef idx="2">
-            <a:schemeClr val="accent1">
-              <a:shade val="50000"/>
-            </a:schemeClr>
-          </a:lnRef>
-          <a:fillRef idx="1">
-            <a:schemeClr val="accent1"/>
-          </a:fillRef>
-          <a:effectRef idx="0">
-            <a:schemeClr val="accent1"/>
-          </a:effectRef>
-          <a:fontRef idx="minor">
-            <a:schemeClr val="lt1"/>
-          </a:fontRef>
-        </p:style>
-        <p:txBody>
-          <a:bodyPr rtlCol="0" anchor="ctr"/>
-          <a:lstStyle/>
-          <a:p>
-            <a:pPr algn="ctr"/>
-            <a:r>
-              <a:rPr lang="en-NL">
-                <a:solidFill>
-                  <a:schemeClr val="tx1"/>
-                </a:solidFill>
-              </a:rPr>
-              <a:t>Matplotlib</a:t>
-            </a:r>
-          </a:p>
-        </p:txBody>
-      </p:sp>
-      <p:sp>
-        <p:nvSpPr>
-          <p:cNvPr id="11" name="Rounded Rectangle 10">
-            <a:extLst>
-              <a:ext uri="{FF2B5EF4-FFF2-40B4-BE49-F238E27FC236}">
-                <a16:creationId xmlns:a16="http://schemas.microsoft.com/office/drawing/2014/main" id="{B9F9B856-E690-DC47-8B21-875974C2DA33}"/>
-              </a:ext>
-            </a:extLst>
-          </p:cNvPr>
-          <p:cNvSpPr/>
-          <p:nvPr/>
-        </p:nvSpPr>
-        <p:spPr>
-          <a:xfrm>
-            <a:off x="769257" y="5168787"/>
-            <a:ext cx="1770743" cy="740229"/>
-          </a:xfrm>
-          <a:prstGeom prst="roundRect">
-            <a:avLst/>
-          </a:prstGeom>
-          <a:solidFill>
-            <a:schemeClr val="bg1"/>
-          </a:solidFill>
-        </p:spPr>
-        <p:style>
-          <a:lnRef idx="2">
-            <a:schemeClr val="accent1">
-              <a:shade val="50000"/>
-            </a:schemeClr>
-          </a:lnRef>
-          <a:fillRef idx="1">
-            <a:schemeClr val="accent1"/>
-          </a:fillRef>
-          <a:effectRef idx="0">
-            <a:schemeClr val="accent1"/>
-          </a:effectRef>
-          <a:fontRef idx="minor">
-            <a:schemeClr val="lt1"/>
-          </a:fontRef>
-        </p:style>
-        <p:txBody>
-          <a:bodyPr rtlCol="0" anchor="ctr"/>
-          <a:lstStyle/>
-          <a:p>
-            <a:pPr algn="ctr"/>
-            <a:r>
-              <a:rPr lang="en-NL">
-                <a:solidFill>
-                  <a:schemeClr val="tx1"/>
-                </a:solidFill>
-              </a:rPr>
-              <a:t>Seaborn</a:t>
-            </a:r>
-          </a:p>
-        </p:txBody>
-      </p:sp>
-      <p:sp>
-        <p:nvSpPr>
-          <p:cNvPr id="12" name="Rounded Rectangle 11">
-            <a:extLst>
-              <a:ext uri="{FF2B5EF4-FFF2-40B4-BE49-F238E27FC236}">
-                <a16:creationId xmlns:a16="http://schemas.microsoft.com/office/drawing/2014/main" id="{71BF929F-F7E7-7B46-A249-20543D5CE3C7}"/>
-              </a:ext>
-            </a:extLst>
-          </p:cNvPr>
-          <p:cNvSpPr/>
-          <p:nvPr/>
-        </p:nvSpPr>
-        <p:spPr>
-          <a:xfrm>
-            <a:off x="3207657" y="5168786"/>
-            <a:ext cx="1770743" cy="740229"/>
-          </a:xfrm>
-          <a:prstGeom prst="roundRect">
-            <a:avLst/>
-          </a:prstGeom>
-          <a:solidFill>
-            <a:schemeClr val="bg1"/>
-          </a:solidFill>
-        </p:spPr>
-        <p:style>
-          <a:lnRef idx="2">
-            <a:schemeClr val="accent1">
-              <a:shade val="50000"/>
-            </a:schemeClr>
-          </a:lnRef>
-          <a:fillRef idx="1">
-            <a:schemeClr val="accent1"/>
-          </a:fillRef>
-          <a:effectRef idx="0">
-            <a:schemeClr val="accent1"/>
-          </a:effectRef>
-          <a:fontRef idx="minor">
-            <a:schemeClr val="lt1"/>
-          </a:fontRef>
-        </p:style>
-        <p:txBody>
-          <a:bodyPr rtlCol="0" anchor="ctr"/>
-          <a:lstStyle/>
-          <a:p>
-            <a:pPr algn="ctr"/>
-            <a:r>
-              <a:rPr lang="en-NL">
-                <a:solidFill>
-                  <a:schemeClr val="tx1"/>
-                </a:solidFill>
-              </a:rPr>
-              <a:t>Pandas plotting</a:t>
-            </a:r>
-          </a:p>
-          <a:p>
-            <a:pPr algn="ctr"/>
-            <a:r>
-              <a:rPr lang="en-NL">
-                <a:solidFill>
-                  <a:schemeClr val="tx1"/>
-                </a:solidFill>
-              </a:rPr>
-              <a:t>df.plot()</a:t>
-            </a:r>
-          </a:p>
-        </p:txBody>
-      </p:sp>
-      <p:sp>
-        <p:nvSpPr>
-          <p:cNvPr id="13" name="Rounded Rectangle 12">
-            <a:extLst>
-              <a:ext uri="{FF2B5EF4-FFF2-40B4-BE49-F238E27FC236}">
-                <a16:creationId xmlns:a16="http://schemas.microsoft.com/office/drawing/2014/main" id="{18D8AA26-A088-FA4A-BFD8-69B20285BE7D}"/>
-              </a:ext>
-            </a:extLst>
-          </p:cNvPr>
-          <p:cNvSpPr/>
-          <p:nvPr/>
-        </p:nvSpPr>
-        <p:spPr>
-          <a:xfrm>
-            <a:off x="7213599" y="3816804"/>
-            <a:ext cx="1770743" cy="740229"/>
-          </a:xfrm>
-          <a:prstGeom prst="roundRect">
-            <a:avLst/>
-          </a:prstGeom>
-          <a:solidFill>
-            <a:schemeClr val="bg1"/>
-          </a:solidFill>
-        </p:spPr>
-        <p:style>
-          <a:lnRef idx="2">
-            <a:schemeClr val="accent1">
-              <a:shade val="50000"/>
-            </a:schemeClr>
-          </a:lnRef>
-          <a:fillRef idx="1">
-            <a:schemeClr val="accent1"/>
-          </a:fillRef>
-          <a:effectRef idx="0">
-            <a:schemeClr val="accent1"/>
-          </a:effectRef>
-          <a:fontRef idx="minor">
-            <a:schemeClr val="lt1"/>
-          </a:fontRef>
-        </p:style>
-        <p:txBody>
-          <a:bodyPr rtlCol="0" anchor="ctr"/>
-          <a:lstStyle/>
-          <a:p>
-            <a:pPr algn="ctr"/>
-            <a:r>
-              <a:rPr lang="en-NL">
-                <a:solidFill>
-                  <a:schemeClr val="tx1"/>
-                </a:solidFill>
-              </a:rPr>
-              <a:t>Plotly</a:t>
-            </a:r>
-          </a:p>
-        </p:txBody>
-      </p:sp>
-      <p:sp>
-        <p:nvSpPr>
-          <p:cNvPr id="14" name="Rounded Rectangle 13">
-            <a:extLst>
-              <a:ext uri="{FF2B5EF4-FFF2-40B4-BE49-F238E27FC236}">
-                <a16:creationId xmlns:a16="http://schemas.microsoft.com/office/drawing/2014/main" id="{B9F361CF-44BE-D247-A0CA-45DFA7FC17B1}"/>
-              </a:ext>
-            </a:extLst>
-          </p:cNvPr>
-          <p:cNvSpPr/>
-          <p:nvPr/>
-        </p:nvSpPr>
-        <p:spPr>
-          <a:xfrm>
-            <a:off x="9651998" y="3812949"/>
-            <a:ext cx="1770743" cy="740229"/>
-          </a:xfrm>
-          <a:prstGeom prst="roundRect">
-            <a:avLst/>
-          </a:prstGeom>
-          <a:solidFill>
-            <a:schemeClr val="bg1"/>
-          </a:solidFill>
-        </p:spPr>
-        <p:style>
-          <a:lnRef idx="2">
-            <a:schemeClr val="accent1">
-              <a:shade val="50000"/>
-            </a:schemeClr>
-          </a:lnRef>
-          <a:fillRef idx="1">
-            <a:schemeClr val="accent1"/>
-          </a:fillRef>
-          <a:effectRef idx="0">
-            <a:schemeClr val="accent1"/>
-          </a:effectRef>
-          <a:fontRef idx="minor">
-            <a:schemeClr val="lt1"/>
-          </a:fontRef>
-        </p:style>
-        <p:txBody>
-          <a:bodyPr rtlCol="0" anchor="ctr"/>
-          <a:lstStyle/>
-          <a:p>
-            <a:pPr algn="ctr"/>
-            <a:r>
-              <a:rPr lang="en-NL">
-                <a:solidFill>
-                  <a:schemeClr val="tx1"/>
-                </a:solidFill>
-              </a:rPr>
-              <a:t>Bokeh</a:t>
-            </a:r>
-          </a:p>
-        </p:txBody>
-      </p:sp>
-      <p:sp>
-        <p:nvSpPr>
-          <p:cNvPr id="15" name="Rounded Rectangle 14">
-            <a:extLst>
-              <a:ext uri="{FF2B5EF4-FFF2-40B4-BE49-F238E27FC236}">
-                <a16:creationId xmlns:a16="http://schemas.microsoft.com/office/drawing/2014/main" id="{C4B8F932-65C0-364C-A1F8-065FC81624F1}"/>
-              </a:ext>
-            </a:extLst>
-          </p:cNvPr>
-          <p:cNvSpPr/>
-          <p:nvPr/>
-        </p:nvSpPr>
-        <p:spPr>
-          <a:xfrm>
-            <a:off x="7213599" y="5168785"/>
-            <a:ext cx="1770743" cy="740229"/>
-          </a:xfrm>
-          <a:prstGeom prst="roundRect">
-            <a:avLst/>
-          </a:prstGeom>
-          <a:solidFill>
-            <a:schemeClr val="bg1"/>
-          </a:solidFill>
-        </p:spPr>
-        <p:style>
-          <a:lnRef idx="2">
-            <a:schemeClr val="accent1">
-              <a:shade val="50000"/>
-            </a:schemeClr>
-          </a:lnRef>
-          <a:fillRef idx="1">
-            <a:schemeClr val="accent1"/>
-          </a:fillRef>
-          <a:effectRef idx="0">
-            <a:schemeClr val="accent1"/>
-          </a:effectRef>
-          <a:fontRef idx="minor">
-            <a:schemeClr val="lt1"/>
-          </a:fontRef>
-        </p:style>
-        <p:txBody>
-          <a:bodyPr rtlCol="0" anchor="ctr"/>
-          <a:lstStyle/>
-          <a:p>
-            <a:pPr algn="ctr"/>
-            <a:r>
-              <a:rPr lang="en-NL">
-                <a:solidFill>
-                  <a:schemeClr val="tx1"/>
-                </a:solidFill>
-              </a:rPr>
-              <a:t>Plotly Express</a:t>
-            </a:r>
-          </a:p>
-        </p:txBody>
-      </p:sp>
-      <p:sp>
-        <p:nvSpPr>
-          <p:cNvPr id="16" name="Rounded Rectangle 15">
-            <a:extLst>
-              <a:ext uri="{FF2B5EF4-FFF2-40B4-BE49-F238E27FC236}">
-                <a16:creationId xmlns:a16="http://schemas.microsoft.com/office/drawing/2014/main" id="{115A7820-65D8-A14E-8E3F-BA4ABE5F3D4A}"/>
-              </a:ext>
-            </a:extLst>
-          </p:cNvPr>
-          <p:cNvSpPr/>
-          <p:nvPr/>
-        </p:nvSpPr>
-        <p:spPr>
-          <a:xfrm>
-            <a:off x="9651999" y="5168785"/>
-            <a:ext cx="1770743" cy="740229"/>
-          </a:xfrm>
-          <a:prstGeom prst="roundRect">
-            <a:avLst/>
-          </a:prstGeom>
-          <a:solidFill>
-            <a:schemeClr val="bg1"/>
-          </a:solidFill>
-        </p:spPr>
-        <p:style>
-          <a:lnRef idx="2">
-            <a:schemeClr val="accent1">
-              <a:shade val="50000"/>
-            </a:schemeClr>
-          </a:lnRef>
-          <a:fillRef idx="1">
-            <a:schemeClr val="accent1"/>
-          </a:fillRef>
-          <a:effectRef idx="0">
-            <a:schemeClr val="accent1"/>
-          </a:effectRef>
-          <a:fontRef idx="minor">
-            <a:schemeClr val="lt1"/>
-          </a:fontRef>
-        </p:style>
-        <p:txBody>
-          <a:bodyPr rtlCol="0" anchor="ctr"/>
-          <a:lstStyle/>
-          <a:p>
-            <a:pPr algn="ctr"/>
-            <a:r>
-              <a:rPr lang="en-NL">
-                <a:solidFill>
-                  <a:schemeClr val="tx1"/>
-                </a:solidFill>
-              </a:rPr>
-              <a:t>hvPlot</a:t>
-            </a:r>
-          </a:p>
-        </p:txBody>
-      </p:sp>
-      <p:cxnSp>
-        <p:nvCxnSpPr>
-          <p:cNvPr id="17" name="Straight Arrow Connector 16">
-            <a:extLst>
-              <a:ext uri="{FF2B5EF4-FFF2-40B4-BE49-F238E27FC236}">
-                <a16:creationId xmlns:a16="http://schemas.microsoft.com/office/drawing/2014/main" id="{A95021F4-308D-674F-A809-986678EEC2FA}"/>
-              </a:ext>
-            </a:extLst>
-          </p:cNvPr>
-          <p:cNvCxnSpPr>
-            <a:stCxn id="8" idx="2"/>
-            <a:endCxn id="11" idx="0"/>
-          </p:cNvCxnSpPr>
-          <p:nvPr/>
-        </p:nvCxnSpPr>
-        <p:spPr>
-          <a:xfrm flipH="1">
-            <a:off x="1654629" y="4553178"/>
-            <a:ext cx="1219199" cy="615609"/>
-          </a:xfrm>
-          <a:prstGeom prst="straightConnector1">
-            <a:avLst/>
-          </a:prstGeom>
-          <a:ln w="25400">
-            <a:tailEnd type="triangle"/>
-          </a:ln>
-        </p:spPr>
-        <p:style>
-          <a:lnRef idx="1">
-            <a:schemeClr val="accent1"/>
-          </a:lnRef>
-          <a:fillRef idx="0">
-            <a:schemeClr val="accent1"/>
-          </a:fillRef>
-          <a:effectRef idx="0">
-            <a:schemeClr val="accent1"/>
-          </a:effectRef>
-          <a:fontRef idx="minor">
-            <a:schemeClr val="tx1"/>
-          </a:fontRef>
-        </p:style>
-      </p:cxnSp>
-      <p:cxnSp>
-        <p:nvCxnSpPr>
-          <p:cNvPr id="20" name="Straight Arrow Connector 19">
-            <a:extLst>
-              <a:ext uri="{FF2B5EF4-FFF2-40B4-BE49-F238E27FC236}">
-                <a16:creationId xmlns:a16="http://schemas.microsoft.com/office/drawing/2014/main" id="{B2B3B61C-5960-2C43-AA68-365281AC531C}"/>
-              </a:ext>
-            </a:extLst>
-          </p:cNvPr>
-          <p:cNvCxnSpPr>
-            <a:cxnSpLocks/>
-            <a:stCxn id="8" idx="2"/>
-            <a:endCxn id="12" idx="0"/>
-          </p:cNvCxnSpPr>
-          <p:nvPr/>
-        </p:nvCxnSpPr>
-        <p:spPr>
-          <a:xfrm>
-            <a:off x="2873828" y="4553178"/>
-            <a:ext cx="1219201" cy="615608"/>
-          </a:xfrm>
-          <a:prstGeom prst="straightConnector1">
-            <a:avLst/>
-          </a:prstGeom>
-          <a:ln w="25400">
-            <a:tailEnd type="triangle"/>
-          </a:ln>
-        </p:spPr>
-        <p:style>
-          <a:lnRef idx="1">
-            <a:schemeClr val="accent1"/>
-          </a:lnRef>
-          <a:fillRef idx="0">
-            <a:schemeClr val="accent1"/>
-          </a:fillRef>
-          <a:effectRef idx="0">
-            <a:schemeClr val="accent1"/>
-          </a:effectRef>
-          <a:fontRef idx="minor">
-            <a:schemeClr val="tx1"/>
-          </a:fontRef>
-        </p:style>
-      </p:cxnSp>
-      <p:cxnSp>
-        <p:nvCxnSpPr>
-          <p:cNvPr id="23" name="Straight Arrow Connector 22">
-            <a:extLst>
-              <a:ext uri="{FF2B5EF4-FFF2-40B4-BE49-F238E27FC236}">
-                <a16:creationId xmlns:a16="http://schemas.microsoft.com/office/drawing/2014/main" id="{2E9CC23E-C945-7141-9F86-4E3951FD2235}"/>
-              </a:ext>
-            </a:extLst>
-          </p:cNvPr>
-          <p:cNvCxnSpPr>
-            <a:cxnSpLocks/>
-            <a:stCxn id="4" idx="2"/>
-            <a:endCxn id="8" idx="0"/>
-          </p:cNvCxnSpPr>
-          <p:nvPr/>
-        </p:nvCxnSpPr>
-        <p:spPr>
-          <a:xfrm flipH="1">
-            <a:off x="2873828" y="2859314"/>
-            <a:ext cx="1" cy="953635"/>
-          </a:xfrm>
-          <a:prstGeom prst="straightConnector1">
-            <a:avLst/>
-          </a:prstGeom>
-          <a:ln w="25400">
-            <a:tailEnd type="triangle"/>
-          </a:ln>
-        </p:spPr>
-        <p:style>
-          <a:lnRef idx="1">
-            <a:schemeClr val="accent1"/>
-          </a:lnRef>
-          <a:fillRef idx="0">
-            <a:schemeClr val="accent1"/>
-          </a:fillRef>
-          <a:effectRef idx="0">
-            <a:schemeClr val="accent1"/>
-          </a:effectRef>
-          <a:fontRef idx="minor">
-            <a:schemeClr val="tx1"/>
-          </a:fontRef>
-        </p:style>
-      </p:cxnSp>
-      <p:cxnSp>
-        <p:nvCxnSpPr>
-          <p:cNvPr id="26" name="Straight Arrow Connector 25">
-            <a:extLst>
-              <a:ext uri="{FF2B5EF4-FFF2-40B4-BE49-F238E27FC236}">
-                <a16:creationId xmlns:a16="http://schemas.microsoft.com/office/drawing/2014/main" id="{2DCCB25D-9827-E44C-85B4-8546030450D4}"/>
-              </a:ext>
-            </a:extLst>
-          </p:cNvPr>
-          <p:cNvCxnSpPr>
-            <a:cxnSpLocks/>
-            <a:stCxn id="7" idx="2"/>
-            <a:endCxn id="13" idx="0"/>
-          </p:cNvCxnSpPr>
-          <p:nvPr/>
-        </p:nvCxnSpPr>
-        <p:spPr>
-          <a:xfrm flipH="1">
-            <a:off x="8098971" y="2859313"/>
-            <a:ext cx="1219201" cy="957491"/>
-          </a:xfrm>
-          <a:prstGeom prst="straightConnector1">
-            <a:avLst/>
-          </a:prstGeom>
-          <a:ln w="25400">
-            <a:tailEnd type="triangle"/>
-          </a:ln>
-        </p:spPr>
-        <p:style>
-          <a:lnRef idx="1">
-            <a:schemeClr val="accent1"/>
-          </a:lnRef>
-          <a:fillRef idx="0">
-            <a:schemeClr val="accent1"/>
-          </a:fillRef>
-          <a:effectRef idx="0">
-            <a:schemeClr val="accent1"/>
-          </a:effectRef>
-          <a:fontRef idx="minor">
-            <a:schemeClr val="tx1"/>
-          </a:fontRef>
-        </p:style>
-      </p:cxnSp>
-      <p:cxnSp>
-        <p:nvCxnSpPr>
-          <p:cNvPr id="29" name="Straight Arrow Connector 28">
-            <a:extLst>
-              <a:ext uri="{FF2B5EF4-FFF2-40B4-BE49-F238E27FC236}">
-                <a16:creationId xmlns:a16="http://schemas.microsoft.com/office/drawing/2014/main" id="{3DA5E321-77E3-DC4A-A990-B34AC963D47C}"/>
-              </a:ext>
-            </a:extLst>
-          </p:cNvPr>
-          <p:cNvCxnSpPr>
-            <a:cxnSpLocks/>
-            <a:stCxn id="13" idx="2"/>
-            <a:endCxn id="15" idx="0"/>
-          </p:cNvCxnSpPr>
-          <p:nvPr/>
-        </p:nvCxnSpPr>
-        <p:spPr>
-          <a:xfrm>
-            <a:off x="8098971" y="4557033"/>
-            <a:ext cx="0" cy="611752"/>
-          </a:xfrm>
-          <a:prstGeom prst="straightConnector1">
-            <a:avLst/>
-          </a:prstGeom>
-          <a:ln w="25400">
-            <a:tailEnd type="triangle"/>
-          </a:ln>
-        </p:spPr>
-        <p:style>
-          <a:lnRef idx="1">
-            <a:schemeClr val="accent1"/>
-          </a:lnRef>
-          <a:fillRef idx="0">
-            <a:schemeClr val="accent1"/>
-          </a:fillRef>
-          <a:effectRef idx="0">
-            <a:schemeClr val="accent1"/>
-          </a:effectRef>
-          <a:fontRef idx="minor">
-            <a:schemeClr val="tx1"/>
-          </a:fontRef>
-        </p:style>
-      </p:cxnSp>
-      <p:cxnSp>
-        <p:nvCxnSpPr>
-          <p:cNvPr id="32" name="Straight Arrow Connector 31">
-            <a:extLst>
-              <a:ext uri="{FF2B5EF4-FFF2-40B4-BE49-F238E27FC236}">
-                <a16:creationId xmlns:a16="http://schemas.microsoft.com/office/drawing/2014/main" id="{50642BE9-05E2-3B41-8204-80E2B59480FB}"/>
-              </a:ext>
-            </a:extLst>
-          </p:cNvPr>
-          <p:cNvCxnSpPr>
-            <a:cxnSpLocks/>
-            <a:stCxn id="7" idx="2"/>
-            <a:endCxn id="14" idx="0"/>
-          </p:cNvCxnSpPr>
-          <p:nvPr/>
-        </p:nvCxnSpPr>
-        <p:spPr>
-          <a:xfrm>
-            <a:off x="9318172" y="2859313"/>
-            <a:ext cx="1219198" cy="953636"/>
-          </a:xfrm>
-          <a:prstGeom prst="straightConnector1">
-            <a:avLst/>
-          </a:prstGeom>
-          <a:ln w="25400">
-            <a:tailEnd type="triangle"/>
-          </a:ln>
-        </p:spPr>
-        <p:style>
-          <a:lnRef idx="1">
-            <a:schemeClr val="accent1"/>
-          </a:lnRef>
-          <a:fillRef idx="0">
-            <a:schemeClr val="accent1"/>
-          </a:fillRef>
-          <a:effectRef idx="0">
-            <a:schemeClr val="accent1"/>
-          </a:effectRef>
-          <a:fontRef idx="minor">
-            <a:schemeClr val="tx1"/>
-          </a:fontRef>
-        </p:style>
-      </p:cxnSp>
-      <p:cxnSp>
-        <p:nvCxnSpPr>
-          <p:cNvPr id="35" name="Straight Arrow Connector 34">
-            <a:extLst>
-              <a:ext uri="{FF2B5EF4-FFF2-40B4-BE49-F238E27FC236}">
-                <a16:creationId xmlns:a16="http://schemas.microsoft.com/office/drawing/2014/main" id="{4961CF21-4703-E04E-8F50-9D28559BEC4F}"/>
-              </a:ext>
-            </a:extLst>
-          </p:cNvPr>
-          <p:cNvCxnSpPr>
-            <a:cxnSpLocks/>
-            <a:stCxn id="14" idx="2"/>
-            <a:endCxn id="16" idx="0"/>
-          </p:cNvCxnSpPr>
-          <p:nvPr/>
-        </p:nvCxnSpPr>
-        <p:spPr>
-          <a:xfrm>
-            <a:off x="10537370" y="4553178"/>
-            <a:ext cx="1" cy="615607"/>
-          </a:xfrm>
-          <a:prstGeom prst="straightConnector1">
-            <a:avLst/>
-          </a:prstGeom>
-          <a:ln w="25400">
-            <a:tailEnd type="triangle"/>
-          </a:ln>
-        </p:spPr>
-        <p:style>
-          <a:lnRef idx="1">
-            <a:schemeClr val="accent1"/>
-          </a:lnRef>
-          <a:fillRef idx="0">
-            <a:schemeClr val="accent1"/>
-          </a:fillRef>
-          <a:effectRef idx="0">
-            <a:schemeClr val="accent1"/>
-          </a:effectRef>
-          <a:fontRef idx="minor">
-            <a:schemeClr val="tx1"/>
-          </a:fontRef>
-        </p:style>
-      </p:cxnSp>
+            <a:r>
+              <a:rPr lang="en-NL"/>
+              <a:t>PYTHON / PANDAS FOR DATA ANALYSIS</a:t>
+            </a:r>
+          </a:p>
+        </p:txBody>
+      </p:sp>
       <p:pic>
         <p:nvPicPr>
-          <p:cNvPr id="1026" name="Picture 2" descr="Plotly - Wikipedia">
-            <a:extLst>
-              <a:ext uri="{FF2B5EF4-FFF2-40B4-BE49-F238E27FC236}">
-                <a16:creationId xmlns:a16="http://schemas.microsoft.com/office/drawing/2014/main" id="{5257B108-9086-864A-AD1B-DEFB47CF360E}"/>
+          <p:cNvPr id="5" name="Content Placeholder 4" descr="Text&#10;&#10;Description automatically generated with low confidence">
+            <a:extLst>
+              <a:ext uri="{FF2B5EF4-FFF2-40B4-BE49-F238E27FC236}">
+                <a16:creationId xmlns:a16="http://schemas.microsoft.com/office/drawing/2014/main" id="{992A7576-6444-7941-8A38-3F087E701092}"/>
               </a:ext>
             </a:extLst>
           </p:cNvPr>
           <p:cNvPicPr>
-            <a:picLocks noChangeAspect="1" noChangeArrowheads="1"/>
+            <a:picLocks noGrp="1" noChangeAspect="1"/>
+          </p:cNvPicPr>
+          <p:nvPr>
+            <p:ph idx="1"/>
+          </p:nvPr>
+        </p:nvPicPr>
+        <p:blipFill>
+          <a:blip r:embed="rId2"/>
+          <a:stretch>
+            <a:fillRect/>
+          </a:stretch>
+        </p:blipFill>
+        <p:spPr>
+          <a:xfrm>
+            <a:off x="9753600" y="6036476"/>
+            <a:ext cx="2350283" cy="698104"/>
+          </a:xfrm>
+        </p:spPr>
+      </p:pic>
+      <p:pic>
+        <p:nvPicPr>
+          <p:cNvPr id="7" name="Picture 6" descr="Graphical user interface, application&#10;&#10;Description automatically generated with medium confidence">
+            <a:extLst>
+              <a:ext uri="{FF2B5EF4-FFF2-40B4-BE49-F238E27FC236}">
+                <a16:creationId xmlns:a16="http://schemas.microsoft.com/office/drawing/2014/main" id="{97EBB5C9-E089-D44D-9C0F-371B68F00AC3}"/>
+              </a:ext>
+            </a:extLst>
+          </p:cNvPr>
+          <p:cNvPicPr>
+            <a:picLocks noChangeAspect="1"/>
           </p:cNvPicPr>
           <p:nvPr/>
         </p:nvPicPr>
         <p:blipFill>
-          <a:blip r:embed="rId2">
-            <a:extLst>
-              <a:ext uri="{28A0092B-C50C-407E-A947-70E740481C1C}">
-                <a14:useLocalDpi xmlns:a14="http://schemas.microsoft.com/office/drawing/2010/main" val="0"/>
-              </a:ext>
-            </a:extLst>
-          </a:blip>
-          <a:srcRect/>
+          <a:blip r:embed="rId3"/>
           <a:stretch>
             <a:fillRect/>
           </a:stretch>
         </p:blipFill>
-        <p:spPr bwMode="auto">
-          <a:xfrm>
-            <a:off x="7228113" y="6092307"/>
-            <a:ext cx="1756229" cy="582400"/>
+        <p:spPr>
+          <a:xfrm>
+            <a:off x="3079749" y="2608321"/>
+            <a:ext cx="6032500" cy="2463800"/>
+          </a:xfrm>
+          <a:prstGeom prst="rect">
+            <a:avLst/>
+          </a:prstGeom>
+        </p:spPr>
+      </p:pic>
+      <p:sp>
+        <p:nvSpPr>
+          <p:cNvPr id="9" name="TextBox 8">
+            <a:extLst>
+              <a:ext uri="{FF2B5EF4-FFF2-40B4-BE49-F238E27FC236}">
+                <a16:creationId xmlns:a16="http://schemas.microsoft.com/office/drawing/2014/main" id="{2C7A3176-1D8F-6F42-B3E3-2F758CEFBC7C}"/>
+              </a:ext>
+            </a:extLst>
+          </p:cNvPr>
+          <p:cNvSpPr txBox="1"/>
+          <p:nvPr/>
+        </p:nvSpPr>
+        <p:spPr>
+          <a:xfrm>
+            <a:off x="3945165" y="6385528"/>
+            <a:ext cx="4301670" cy="369332"/>
           </a:xfrm>
           <a:prstGeom prst="rect">
             <a:avLst/>
           </a:prstGeom>
           <a:noFill/>
-          <a:extLst>
-            <a:ext uri="{909E8E84-426E-40DD-AFC4-6F175D3DCCD1}">
-              <a14:hiddenFill xmlns:a14="http://schemas.microsoft.com/office/drawing/2010/main">
-                <a:solidFill>
-                  <a:srgbClr val="FFFFFF"/>
-                </a:solidFill>
-              </a14:hiddenFill>
-            </a:ext>
-          </a:extLst>
-        </p:spPr>
-      </p:pic>
+        </p:spPr>
+        <p:txBody>
+          <a:bodyPr wrap="square" rtlCol="0">
+            <a:spAutoFit/>
+          </a:bodyPr>
+          <a:lstStyle/>
+          <a:p>
+            <a:r>
+              <a:rPr lang="en-NL"/>
+              <a:t>Sander van den Oord - Data Scientist </a:t>
+            </a:r>
+          </a:p>
+        </p:txBody>
+      </p:sp>
+    </p:spTree>
+    <p:extLst>
+      <p:ext uri="{BB962C8B-B14F-4D97-AF65-F5344CB8AC3E}">
+        <p14:creationId xmlns:p14="http://schemas.microsoft.com/office/powerpoint/2010/main" val="707893289"/>
+      </p:ext>
+    </p:extLst>
+  </p:cSld>
+  <p:clrMapOvr>
+    <a:masterClrMapping/>
+  </p:clrMapOvr>
+</p:sld>
+</file>
+
+<file path=ppt/slides/slide10.xml><?xml version="1.0" encoding="utf-8"?>
+<p:sld xmlns:a="http://schemas.openxmlformats.org/drawingml/2006/main" xmlns:r="http://schemas.openxmlformats.org/officeDocument/2006/relationships" xmlns:p="http://schemas.openxmlformats.org/presentationml/2006/main">
+  <p:cSld>
+    <p:spTree>
+      <p:nvGrpSpPr>
+        <p:cNvPr id="1" name=""/>
+        <p:cNvGrpSpPr/>
+        <p:nvPr/>
+      </p:nvGrpSpPr>
+      <p:grpSpPr>
+        <a:xfrm>
+          <a:off x="0" y="0"/>
+          <a:ext cx="0" cy="0"/>
+          <a:chOff x="0" y="0"/>
+          <a:chExt cx="0" cy="0"/>
+        </a:xfrm>
+      </p:grpSpPr>
+      <p:sp>
+        <p:nvSpPr>
+          <p:cNvPr id="2" name="Title 1">
+            <a:extLst>
+              <a:ext uri="{FF2B5EF4-FFF2-40B4-BE49-F238E27FC236}">
+                <a16:creationId xmlns:a16="http://schemas.microsoft.com/office/drawing/2014/main" id="{1A0B9C69-F2B0-E049-BB65-E08141333E13}"/>
+              </a:ext>
+            </a:extLst>
+          </p:cNvPr>
+          <p:cNvSpPr>
+            <a:spLocks noGrp="1"/>
+          </p:cNvSpPr>
+          <p:nvPr>
+            <p:ph type="title"/>
+          </p:nvPr>
+        </p:nvSpPr>
+        <p:spPr/>
+        <p:txBody>
+          <a:bodyPr/>
+          <a:lstStyle/>
+          <a:p>
+            <a:pPr algn="ctr"/>
+            <a:r>
+              <a:rPr lang="en-NL"/>
+              <a:t>Python data types</a:t>
+            </a:r>
+          </a:p>
+        </p:txBody>
+      </p:sp>
       <p:pic>
         <p:nvPicPr>
-          <p:cNvPr id="1030" name="Picture 6" descr="hvPlot 0.7.0 documentation">
-            <a:extLst>
-              <a:ext uri="{FF2B5EF4-FFF2-40B4-BE49-F238E27FC236}">
-                <a16:creationId xmlns:a16="http://schemas.microsoft.com/office/drawing/2014/main" id="{DD961E71-3DF6-0F4B-8679-DB7B2C767F15}"/>
+          <p:cNvPr id="5" name="Content Placeholder 4">
+            <a:extLst>
+              <a:ext uri="{FF2B5EF4-FFF2-40B4-BE49-F238E27FC236}">
+                <a16:creationId xmlns:a16="http://schemas.microsoft.com/office/drawing/2014/main" id="{85E6EB53-EEB2-7543-A9D7-2205F32D2D09}"/>
               </a:ext>
             </a:extLst>
           </p:cNvPr>
           <p:cNvPicPr>
-            <a:picLocks noChangeAspect="1" noChangeArrowheads="1"/>
+            <a:picLocks noGrp="1" noChangeAspect="1"/>
           </p:cNvPicPr>
-          <p:nvPr/>
+          <p:nvPr>
+            <p:ph idx="1"/>
+          </p:nvPr>
         </p:nvPicPr>
         <p:blipFill>
-          <a:blip r:embed="rId3">
-            <a:extLst>
-              <a:ext uri="{28A0092B-C50C-407E-A947-70E740481C1C}">
-                <a14:useLocalDpi xmlns:a14="http://schemas.microsoft.com/office/drawing/2010/main" val="0"/>
-              </a:ext>
-            </a:extLst>
-          </a:blip>
-          <a:srcRect/>
+          <a:blip r:embed="rId2"/>
           <a:stretch>
             <a:fillRect/>
           </a:stretch>
         </p:blipFill>
-        <p:spPr bwMode="auto">
-          <a:xfrm>
-            <a:off x="9753597" y="6122421"/>
-            <a:ext cx="1567545" cy="486211"/>
-          </a:xfrm>
-          <a:prstGeom prst="rect">
-            <a:avLst/>
-          </a:prstGeom>
-          <a:noFill/>
-          <a:extLst>
-            <a:ext uri="{909E8E84-426E-40DD-AFC4-6F175D3DCCD1}">
-              <a14:hiddenFill xmlns:a14="http://schemas.microsoft.com/office/drawing/2010/main">
-                <a:solidFill>
-                  <a:srgbClr val="FFFFFF"/>
-                </a:solidFill>
-              </a14:hiddenFill>
-            </a:ext>
-          </a:extLst>
-        </p:spPr>
-      </p:pic>
-      <p:pic>
-        <p:nvPicPr>
-          <p:cNvPr id="1032" name="Picture 8" descr="pandas (software) - Wikipedia">
-            <a:extLst>
-              <a:ext uri="{FF2B5EF4-FFF2-40B4-BE49-F238E27FC236}">
-                <a16:creationId xmlns:a16="http://schemas.microsoft.com/office/drawing/2014/main" id="{200A321B-48E5-4245-8232-20DC348555E1}"/>
-              </a:ext>
-            </a:extLst>
-          </p:cNvPr>
-          <p:cNvPicPr>
-            <a:picLocks noChangeAspect="1" noChangeArrowheads="1"/>
-          </p:cNvPicPr>
-          <p:nvPr/>
-        </p:nvPicPr>
-        <p:blipFill>
-          <a:blip r:embed="rId4">
-            <a:extLst>
-              <a:ext uri="{28A0092B-C50C-407E-A947-70E740481C1C}">
-                <a14:useLocalDpi xmlns:a14="http://schemas.microsoft.com/office/drawing/2010/main" val="0"/>
-              </a:ext>
-            </a:extLst>
-          </a:blip>
-          <a:srcRect/>
-          <a:stretch>
-            <a:fillRect/>
-          </a:stretch>
-        </p:blipFill>
-        <p:spPr bwMode="auto">
-          <a:xfrm>
-            <a:off x="3372534" y="6026232"/>
-            <a:ext cx="1440989" cy="582400"/>
-          </a:xfrm>
-          <a:prstGeom prst="rect">
-            <a:avLst/>
-          </a:prstGeom>
-          <a:solidFill>
-            <a:schemeClr val="bg1"/>
-          </a:solidFill>
-        </p:spPr>
-      </p:pic>
-      <p:pic>
-        <p:nvPicPr>
-          <p:cNvPr id="1034" name="Picture 10" descr="seaborn: statistical data visualization — seaborn 0.11.1 documentation">
-            <a:extLst>
-              <a:ext uri="{FF2B5EF4-FFF2-40B4-BE49-F238E27FC236}">
-                <a16:creationId xmlns:a16="http://schemas.microsoft.com/office/drawing/2014/main" id="{9E658D67-A7D2-6547-8108-60398FF58448}"/>
-              </a:ext>
-            </a:extLst>
-          </p:cNvPr>
-          <p:cNvPicPr>
-            <a:picLocks noChangeAspect="1" noChangeArrowheads="1"/>
-          </p:cNvPicPr>
-          <p:nvPr/>
-        </p:nvPicPr>
-        <p:blipFill>
-          <a:blip r:embed="rId5">
-            <a:extLst>
-              <a:ext uri="{28A0092B-C50C-407E-A947-70E740481C1C}">
-                <a14:useLocalDpi xmlns:a14="http://schemas.microsoft.com/office/drawing/2010/main" val="0"/>
-              </a:ext>
-            </a:extLst>
-          </a:blip>
-          <a:srcRect/>
-          <a:stretch>
-            <a:fillRect/>
-          </a:stretch>
-        </p:blipFill>
-        <p:spPr bwMode="auto">
-          <a:xfrm>
-            <a:off x="769261" y="6083773"/>
-            <a:ext cx="1770739" cy="505925"/>
-          </a:xfrm>
-          <a:prstGeom prst="rect">
-            <a:avLst/>
-          </a:prstGeom>
-          <a:noFill/>
-          <a:extLst>
-            <a:ext uri="{909E8E84-426E-40DD-AFC4-6F175D3DCCD1}">
-              <a14:hiddenFill xmlns:a14="http://schemas.microsoft.com/office/drawing/2010/main">
-                <a:solidFill>
-                  <a:srgbClr val="FFFFFF"/>
-                </a:solidFill>
-              </a14:hiddenFill>
-            </a:ext>
-          </a:extLst>
+        <p:spPr>
+          <a:xfrm>
+            <a:off x="1364348" y="1825625"/>
+            <a:ext cx="9463303" cy="4351338"/>
+          </a:xfrm>
         </p:spPr>
       </p:pic>
     </p:spTree>
     <p:extLst>
       <p:ext uri="{BB962C8B-B14F-4D97-AF65-F5344CB8AC3E}">
-        <p14:creationId xmlns:p14="http://schemas.microsoft.com/office/powerpoint/2010/main" val="1735477267"/>
+        <p14:creationId xmlns:p14="http://schemas.microsoft.com/office/powerpoint/2010/main" val="2365306113"/>
       </p:ext>
     </p:extLst>
   </p:cSld>
@@ -5821,12 +4624,163 @@
           <a:chExt cx="0" cy="0"/>
         </a:xfrm>
       </p:grpSpPr>
-      <p:sp useBgFill="1">
+      <p:sp>
+        <p:nvSpPr>
+          <p:cNvPr id="2" name="Title 1">
+            <a:extLst>
+              <a:ext uri="{FF2B5EF4-FFF2-40B4-BE49-F238E27FC236}">
+                <a16:creationId xmlns:a16="http://schemas.microsoft.com/office/drawing/2014/main" id="{FC3C466B-06F5-B84D-A8D3-0B638E77F456}"/>
+              </a:ext>
+            </a:extLst>
+          </p:cNvPr>
+          <p:cNvSpPr>
+            <a:spLocks noGrp="1"/>
+          </p:cNvSpPr>
+          <p:nvPr>
+            <p:ph type="title"/>
+          </p:nvPr>
+        </p:nvSpPr>
+        <p:spPr>
+          <a:xfrm>
+            <a:off x="0" y="1"/>
+            <a:ext cx="12192000" cy="1690688"/>
+          </a:xfrm>
+          <a:solidFill>
+            <a:schemeClr val="bg1"/>
+          </a:solidFill>
+        </p:spPr>
+        <p:txBody>
+          <a:bodyPr/>
+          <a:lstStyle/>
+          <a:p>
+            <a:pPr algn="ctr"/>
+            <a:r>
+              <a:rPr lang="en-NL"/>
+              <a:t>Wat is pandas?</a:t>
+            </a:r>
+          </a:p>
+        </p:txBody>
+      </p:sp>
+      <p:pic>
+        <p:nvPicPr>
+          <p:cNvPr id="5" name="Content Placeholder 4" descr="Text&#10;&#10;Description automatically generated">
+            <a:extLst>
+              <a:ext uri="{FF2B5EF4-FFF2-40B4-BE49-F238E27FC236}">
+                <a16:creationId xmlns:a16="http://schemas.microsoft.com/office/drawing/2014/main" id="{9F5F247A-2656-594C-A237-894E5FEE8718}"/>
+              </a:ext>
+            </a:extLst>
+          </p:cNvPr>
+          <p:cNvPicPr>
+            <a:picLocks noGrp="1" noChangeAspect="1"/>
+          </p:cNvPicPr>
+          <p:nvPr>
+            <p:ph idx="1"/>
+          </p:nvPr>
+        </p:nvPicPr>
+        <p:blipFill>
+          <a:blip r:embed="rId3"/>
+          <a:stretch>
+            <a:fillRect/>
+          </a:stretch>
+        </p:blipFill>
+        <p:spPr>
+          <a:xfrm>
+            <a:off x="143164" y="4066543"/>
+            <a:ext cx="11905671" cy="2089825"/>
+          </a:xfrm>
+        </p:spPr>
+      </p:pic>
+      <p:pic>
+        <p:nvPicPr>
+          <p:cNvPr id="1026" name="Picture 2" descr="pandas (software) - Wikipedia">
+            <a:extLst>
+              <a:ext uri="{FF2B5EF4-FFF2-40B4-BE49-F238E27FC236}">
+                <a16:creationId xmlns:a16="http://schemas.microsoft.com/office/drawing/2014/main" id="{A0C9A81B-8796-4048-8EF3-6CE8AA3CF185}"/>
+              </a:ext>
+            </a:extLst>
+          </p:cNvPr>
+          <p:cNvPicPr>
+            <a:picLocks noChangeAspect="1" noChangeArrowheads="1"/>
+          </p:cNvPicPr>
+          <p:nvPr/>
+        </p:nvPicPr>
+        <p:blipFill>
+          <a:blip r:embed="rId4">
+            <a:extLst>
+              <a:ext uri="{28A0092B-C50C-407E-A947-70E740481C1C}">
+                <a14:useLocalDpi xmlns:a14="http://schemas.microsoft.com/office/drawing/2010/main" val="0"/>
+              </a:ext>
+            </a:extLst>
+          </a:blip>
+          <a:srcRect/>
+          <a:stretch>
+            <a:fillRect/>
+          </a:stretch>
+        </p:blipFill>
+        <p:spPr bwMode="auto">
+          <a:xfrm>
+            <a:off x="0" y="1615986"/>
+            <a:ext cx="6096000" cy="2463800"/>
+          </a:xfrm>
+          <a:prstGeom prst="rect">
+            <a:avLst/>
+          </a:prstGeom>
+          <a:noFill/>
+          <a:extLst>
+            <a:ext uri="{909E8E84-426E-40DD-AFC4-6F175D3DCCD1}">
+              <a14:hiddenFill xmlns:a14="http://schemas.microsoft.com/office/drawing/2010/main">
+                <a:solidFill>
+                  <a:srgbClr val="FFFFFF"/>
+                </a:solidFill>
+              </a14:hiddenFill>
+            </a:ext>
+          </a:extLst>
+        </p:spPr>
+      </p:pic>
+    </p:spTree>
+    <p:extLst>
+      <p:ext uri="{BB962C8B-B14F-4D97-AF65-F5344CB8AC3E}">
+        <p14:creationId xmlns:p14="http://schemas.microsoft.com/office/powerpoint/2010/main" val="1499705360"/>
+      </p:ext>
+    </p:extLst>
+  </p:cSld>
+  <p:clrMapOvr>
+    <a:masterClrMapping/>
+  </p:clrMapOvr>
+</p:sld>
+</file>
+
+<file path=ppt/slides/slide12.xml><?xml version="1.0" encoding="utf-8"?>
+<p:sld xmlns:a="http://schemas.openxmlformats.org/drawingml/2006/main" xmlns:r="http://schemas.openxmlformats.org/officeDocument/2006/relationships" xmlns:p="http://schemas.openxmlformats.org/presentationml/2006/main">
+  <p:cSld>
+    <p:bg>
+      <p:bgPr>
+        <a:solidFill>
+          <a:schemeClr val="bg2"/>
+        </a:solidFill>
+        <a:effectLst/>
+      </p:bgPr>
+    </p:bg>
+    <p:spTree>
+      <p:nvGrpSpPr>
+        <p:cNvPr id="1" name=""/>
+        <p:cNvGrpSpPr/>
+        <p:nvPr/>
+      </p:nvGrpSpPr>
+      <p:grpSpPr>
+        <a:xfrm>
+          <a:off x="0" y="0"/>
+          <a:ext cx="0" cy="0"/>
+          <a:chOff x="0" y="0"/>
+          <a:chExt cx="0" cy="0"/>
+        </a:xfrm>
+      </p:grpSpPr>
+      <p:sp>
         <p:nvSpPr>
           <p:cNvPr id="10" name="Rectangle 9">
             <a:extLst>
               <a:ext uri="{FF2B5EF4-FFF2-40B4-BE49-F238E27FC236}">
-                <a16:creationId xmlns:a16="http://schemas.microsoft.com/office/drawing/2014/main" id="{53F29798-D584-4792-9B62-3F5F5C36D619}"/>
+                <a16:creationId xmlns:a16="http://schemas.microsoft.com/office/drawing/2014/main" id="{D35D61A1-8484-4749-8AD0-A3455E0753C5}"/>
               </a:ext>
               <a:ext uri="{C183D7F6-B498-43B3-948B-1728B52AA6E4}">
                 <adec:decorative xmlns:adec="http://schemas.microsoft.com/office/drawing/2017/decorative" val="1"/>
@@ -5847,11 +4801,16 @@
         <p:spPr>
           <a:xfrm>
             <a:off x="0" y="0"/>
-            <a:ext cx="12188952" cy="6858000"/>
+            <a:ext cx="12192000" cy="6858000"/>
           </a:xfrm>
           <a:prstGeom prst="rect">
             <a:avLst/>
           </a:prstGeom>
+          <a:solidFill>
+            <a:schemeClr val="bg1">
+              <a:lumMod val="85000"/>
+            </a:schemeClr>
+          </a:solidFill>
           <a:ln>
             <a:noFill/>
           </a:ln>
@@ -5886,6 +4845,1892 @@
           <p:cNvPr id="2" name="Title 1">
             <a:extLst>
               <a:ext uri="{FF2B5EF4-FFF2-40B4-BE49-F238E27FC236}">
+                <a16:creationId xmlns:a16="http://schemas.microsoft.com/office/drawing/2014/main" id="{361185AD-FE89-1B48-B35F-2A9219F7EA5B}"/>
+              </a:ext>
+            </a:extLst>
+          </p:cNvPr>
+          <p:cNvSpPr>
+            <a:spLocks noGrp="1"/>
+          </p:cNvSpPr>
+          <p:nvPr>
+            <p:ph type="title"/>
+          </p:nvPr>
+        </p:nvSpPr>
+        <p:spPr>
+          <a:xfrm>
+            <a:off x="0" y="0"/>
+            <a:ext cx="12192000" cy="1690688"/>
+          </a:xfrm>
+          <a:solidFill>
+            <a:schemeClr val="bg1"/>
+          </a:solidFill>
+        </p:spPr>
+        <p:txBody>
+          <a:bodyPr vert="horz" lIns="91440" tIns="45720" rIns="91440" bIns="45720" rtlCol="0" anchor="ctr">
+            <a:normAutofit/>
+          </a:bodyPr>
+          <a:lstStyle/>
+          <a:p>
+            <a:pPr algn="ctr"/>
+            <a:r>
+              <a:rPr lang="en-US"/>
+              <a:t>Most important concept is a DataFrame</a:t>
+            </a:r>
+          </a:p>
+        </p:txBody>
+      </p:sp>
+      <p:sp>
+        <p:nvSpPr>
+          <p:cNvPr id="12" name="Rounded Rectangle 5">
+            <a:extLst>
+              <a:ext uri="{FF2B5EF4-FFF2-40B4-BE49-F238E27FC236}">
+                <a16:creationId xmlns:a16="http://schemas.microsoft.com/office/drawing/2014/main" id="{1447903E-2B66-479D-959B-F2EBB2CC901F}"/>
+              </a:ext>
+              <a:ext uri="{C183D7F6-B498-43B3-948B-1728B52AA6E4}">
+                <adec:decorative xmlns:adec="http://schemas.microsoft.com/office/drawing/2017/decorative" val="1"/>
+              </a:ext>
+            </a:extLst>
+          </p:cNvPr>
+          <p:cNvSpPr>
+            <a:spLocks noGrp="1" noRot="1" noChangeAspect="1" noMove="1" noResize="1" noEditPoints="1" noAdjustHandles="1" noChangeArrowheads="1" noChangeShapeType="1" noTextEdit="1"/>
+          </p:cNvSpPr>
+          <p:nvPr>
+            <p:extLst>
+              <p:ext uri="{386F3935-93C4-4BCD-93E2-E3B085C9AB24}">
+                <p16:designElem xmlns:p16="http://schemas.microsoft.com/office/powerpoint/2015/main" val="1"/>
+              </p:ext>
+            </p:extLst>
+          </p:nvPr>
+        </p:nvSpPr>
+        <p:spPr>
+          <a:xfrm>
+            <a:off x="838200" y="1828801"/>
+            <a:ext cx="10515600" cy="4362450"/>
+          </a:xfrm>
+          <a:prstGeom prst="roundRect">
+            <a:avLst>
+              <a:gd name="adj" fmla="val 0"/>
+            </a:avLst>
+          </a:prstGeom>
+          <a:solidFill>
+            <a:srgbClr val="FFFFFF"/>
+          </a:solidFill>
+          <a:ln w="9525">
+            <a:solidFill>
+              <a:srgbClr val="C8CACA"/>
+            </a:solidFill>
+          </a:ln>
+          <a:effectLst>
+            <a:outerShdw blurRad="57150" dist="19050" dir="5400000" algn="t" rotWithShape="0">
+              <a:prstClr val="black">
+                <a:alpha val="63000"/>
+              </a:prstClr>
+            </a:outerShdw>
+          </a:effectLst>
+        </p:spPr>
+        <p:style>
+          <a:lnRef idx="2">
+            <a:schemeClr val="accent1">
+              <a:shade val="50000"/>
+            </a:schemeClr>
+          </a:lnRef>
+          <a:fillRef idx="1">
+            <a:schemeClr val="accent1"/>
+          </a:fillRef>
+          <a:effectRef idx="0">
+            <a:schemeClr val="accent1"/>
+          </a:effectRef>
+          <a:fontRef idx="minor">
+            <a:schemeClr val="lt1"/>
+          </a:fontRef>
+        </p:style>
+        <p:txBody>
+          <a:bodyPr rtlCol="0" anchor="ctr"/>
+          <a:lstStyle/>
+          <a:p>
+            <a:pPr algn="ctr"/>
+            <a:endParaRPr lang="en-US"/>
+          </a:p>
+        </p:txBody>
+      </p:sp>
+      <p:pic>
+        <p:nvPicPr>
+          <p:cNvPr id="5" name="Content Placeholder 4" descr="Graphical user interface, application, table&#10;&#10;Description automatically generated">
+            <a:extLst>
+              <a:ext uri="{FF2B5EF4-FFF2-40B4-BE49-F238E27FC236}">
+                <a16:creationId xmlns:a16="http://schemas.microsoft.com/office/drawing/2014/main" id="{45D7D62E-AC53-D044-A987-5654775898B3}"/>
+              </a:ext>
+            </a:extLst>
+          </p:cNvPr>
+          <p:cNvPicPr>
+            <a:picLocks noGrp="1" noChangeAspect="1"/>
+          </p:cNvPicPr>
+          <p:nvPr>
+            <p:ph idx="1"/>
+          </p:nvPr>
+        </p:nvPicPr>
+        <p:blipFill rotWithShape="1">
+          <a:blip r:embed="rId3"/>
+          <a:srcRect t="2784" r="1" b="6953"/>
+          <a:stretch/>
+        </p:blipFill>
+        <p:spPr>
+          <a:xfrm>
+            <a:off x="932350" y="2055813"/>
+            <a:ext cx="10349274" cy="3900143"/>
+          </a:xfrm>
+          <a:prstGeom prst="rect">
+            <a:avLst/>
+          </a:prstGeom>
+          <a:effectLst/>
+        </p:spPr>
+      </p:pic>
+    </p:spTree>
+    <p:extLst>
+      <p:ext uri="{BB962C8B-B14F-4D97-AF65-F5344CB8AC3E}">
+        <p14:creationId xmlns:p14="http://schemas.microsoft.com/office/powerpoint/2010/main" val="2322239271"/>
+      </p:ext>
+    </p:extLst>
+  </p:cSld>
+  <p:clrMapOvr>
+    <a:masterClrMapping/>
+  </p:clrMapOvr>
+</p:sld>
+</file>
+
+<file path=ppt/slides/slide13.xml><?xml version="1.0" encoding="utf-8"?>
+<p:sld xmlns:a="http://schemas.openxmlformats.org/drawingml/2006/main" xmlns:r="http://schemas.openxmlformats.org/officeDocument/2006/relationships" xmlns:p="http://schemas.openxmlformats.org/presentationml/2006/main">
+  <p:cSld>
+    <p:bg>
+      <p:bgPr>
+        <a:solidFill>
+          <a:schemeClr val="bg2"/>
+        </a:solidFill>
+        <a:effectLst/>
+      </p:bgPr>
+    </p:bg>
+    <p:spTree>
+      <p:nvGrpSpPr>
+        <p:cNvPr id="1" name=""/>
+        <p:cNvGrpSpPr/>
+        <p:nvPr/>
+      </p:nvGrpSpPr>
+      <p:grpSpPr>
+        <a:xfrm>
+          <a:off x="0" y="0"/>
+          <a:ext cx="0" cy="0"/>
+          <a:chOff x="0" y="0"/>
+          <a:chExt cx="0" cy="0"/>
+        </a:xfrm>
+      </p:grpSpPr>
+      <p:sp>
+        <p:nvSpPr>
+          <p:cNvPr id="17" name="Rectangle 16">
+            <a:extLst>
+              <a:ext uri="{FF2B5EF4-FFF2-40B4-BE49-F238E27FC236}">
+                <a16:creationId xmlns:a16="http://schemas.microsoft.com/office/drawing/2014/main" id="{D35D61A1-8484-4749-8AD0-A3455E0753C5}"/>
+              </a:ext>
+              <a:ext uri="{C183D7F6-B498-43B3-948B-1728B52AA6E4}">
+                <adec:decorative xmlns:adec="http://schemas.microsoft.com/office/drawing/2017/decorative" val="1"/>
+              </a:ext>
+            </a:extLst>
+          </p:cNvPr>
+          <p:cNvSpPr>
+            <a:spLocks noGrp="1" noRot="1" noChangeAspect="1" noMove="1" noResize="1" noEditPoints="1" noAdjustHandles="1" noChangeArrowheads="1" noChangeShapeType="1" noTextEdit="1"/>
+          </p:cNvSpPr>
+          <p:nvPr>
+            <p:extLst>
+              <p:ext uri="{386F3935-93C4-4BCD-93E2-E3B085C9AB24}">
+                <p16:designElem xmlns:p16="http://schemas.microsoft.com/office/powerpoint/2015/main" val="1"/>
+              </p:ext>
+            </p:extLst>
+          </p:nvPr>
+        </p:nvSpPr>
+        <p:spPr>
+          <a:xfrm>
+            <a:off x="0" y="0"/>
+            <a:ext cx="12192000" cy="6858000"/>
+          </a:xfrm>
+          <a:prstGeom prst="rect">
+            <a:avLst/>
+          </a:prstGeom>
+          <a:solidFill>
+            <a:schemeClr val="bg1">
+              <a:lumMod val="85000"/>
+            </a:schemeClr>
+          </a:solidFill>
+          <a:ln>
+            <a:noFill/>
+          </a:ln>
+        </p:spPr>
+        <p:style>
+          <a:lnRef idx="2">
+            <a:schemeClr val="accent1">
+              <a:shade val="50000"/>
+            </a:schemeClr>
+          </a:lnRef>
+          <a:fillRef idx="1">
+            <a:schemeClr val="accent1"/>
+          </a:fillRef>
+          <a:effectRef idx="0">
+            <a:schemeClr val="accent1"/>
+          </a:effectRef>
+          <a:fontRef idx="minor">
+            <a:schemeClr val="lt1"/>
+          </a:fontRef>
+        </p:style>
+        <p:txBody>
+          <a:bodyPr rtlCol="0" anchor="ctr"/>
+          <a:lstStyle/>
+          <a:p>
+            <a:pPr algn="ctr"/>
+            <a:endParaRPr lang="en-US"/>
+          </a:p>
+        </p:txBody>
+      </p:sp>
+      <p:sp>
+        <p:nvSpPr>
+          <p:cNvPr id="2" name="Title 1">
+            <a:extLst>
+              <a:ext uri="{FF2B5EF4-FFF2-40B4-BE49-F238E27FC236}">
+                <a16:creationId xmlns:a16="http://schemas.microsoft.com/office/drawing/2014/main" id="{361185AD-FE89-1B48-B35F-2A9219F7EA5B}"/>
+              </a:ext>
+            </a:extLst>
+          </p:cNvPr>
+          <p:cNvSpPr>
+            <a:spLocks noGrp="1"/>
+          </p:cNvSpPr>
+          <p:nvPr>
+            <p:ph type="title"/>
+          </p:nvPr>
+        </p:nvSpPr>
+        <p:spPr>
+          <a:xfrm>
+            <a:off x="0" y="1"/>
+            <a:ext cx="12192000" cy="1690688"/>
+          </a:xfrm>
+          <a:solidFill>
+            <a:schemeClr val="bg1"/>
+          </a:solidFill>
+        </p:spPr>
+        <p:txBody>
+          <a:bodyPr vert="horz" lIns="91440" tIns="45720" rIns="91440" bIns="45720" rtlCol="0" anchor="ctr">
+            <a:normAutofit/>
+          </a:bodyPr>
+          <a:lstStyle/>
+          <a:p>
+            <a:pPr algn="ctr"/>
+            <a:r>
+              <a:rPr lang="en-US"/>
+              <a:t>Example of a Pandas Series</a:t>
+            </a:r>
+          </a:p>
+        </p:txBody>
+      </p:sp>
+      <p:sp>
+        <p:nvSpPr>
+          <p:cNvPr id="19" name="Rounded Rectangle 5">
+            <a:extLst>
+              <a:ext uri="{FF2B5EF4-FFF2-40B4-BE49-F238E27FC236}">
+                <a16:creationId xmlns:a16="http://schemas.microsoft.com/office/drawing/2014/main" id="{1447903E-2B66-479D-959B-F2EBB2CC901F}"/>
+              </a:ext>
+              <a:ext uri="{C183D7F6-B498-43B3-948B-1728B52AA6E4}">
+                <adec:decorative xmlns:adec="http://schemas.microsoft.com/office/drawing/2017/decorative" val="1"/>
+              </a:ext>
+            </a:extLst>
+          </p:cNvPr>
+          <p:cNvSpPr>
+            <a:spLocks noGrp="1" noRot="1" noChangeAspect="1" noMove="1" noResize="1" noEditPoints="1" noAdjustHandles="1" noChangeArrowheads="1" noChangeShapeType="1" noTextEdit="1"/>
+          </p:cNvSpPr>
+          <p:nvPr>
+            <p:extLst>
+              <p:ext uri="{386F3935-93C4-4BCD-93E2-E3B085C9AB24}">
+                <p16:designElem xmlns:p16="http://schemas.microsoft.com/office/powerpoint/2015/main" val="1"/>
+              </p:ext>
+            </p:extLst>
+          </p:nvPr>
+        </p:nvSpPr>
+        <p:spPr>
+          <a:xfrm>
+            <a:off x="838200" y="1828801"/>
+            <a:ext cx="10515600" cy="4362450"/>
+          </a:xfrm>
+          <a:prstGeom prst="roundRect">
+            <a:avLst>
+              <a:gd name="adj" fmla="val 0"/>
+            </a:avLst>
+          </a:prstGeom>
+          <a:solidFill>
+            <a:srgbClr val="FFFFFF"/>
+          </a:solidFill>
+          <a:ln w="9525">
+            <a:solidFill>
+              <a:srgbClr val="C8CACA"/>
+            </a:solidFill>
+          </a:ln>
+          <a:effectLst>
+            <a:outerShdw blurRad="57150" dist="19050" dir="5400000" algn="t" rotWithShape="0">
+              <a:prstClr val="black">
+                <a:alpha val="63000"/>
+              </a:prstClr>
+            </a:outerShdw>
+          </a:effectLst>
+        </p:spPr>
+        <p:style>
+          <a:lnRef idx="2">
+            <a:schemeClr val="accent1">
+              <a:shade val="50000"/>
+            </a:schemeClr>
+          </a:lnRef>
+          <a:fillRef idx="1">
+            <a:schemeClr val="accent1"/>
+          </a:fillRef>
+          <a:effectRef idx="0">
+            <a:schemeClr val="accent1"/>
+          </a:effectRef>
+          <a:fontRef idx="minor">
+            <a:schemeClr val="lt1"/>
+          </a:fontRef>
+        </p:style>
+        <p:txBody>
+          <a:bodyPr rtlCol="0" anchor="ctr"/>
+          <a:lstStyle/>
+          <a:p>
+            <a:pPr algn="ctr"/>
+            <a:endParaRPr lang="en-US"/>
+          </a:p>
+        </p:txBody>
+      </p:sp>
+      <p:pic>
+        <p:nvPicPr>
+          <p:cNvPr id="18" name="Content Placeholder 17" descr="Table&#10;&#10;Description automatically generated with medium confidence">
+            <a:extLst>
+              <a:ext uri="{FF2B5EF4-FFF2-40B4-BE49-F238E27FC236}">
+                <a16:creationId xmlns:a16="http://schemas.microsoft.com/office/drawing/2014/main" id="{1C3CE786-D82A-F447-A24F-8B84860D9EFC}"/>
+              </a:ext>
+            </a:extLst>
+          </p:cNvPr>
+          <p:cNvPicPr>
+            <a:picLocks noGrp="1" noChangeAspect="1"/>
+          </p:cNvPicPr>
+          <p:nvPr>
+            <p:ph idx="1"/>
+          </p:nvPr>
+        </p:nvPicPr>
+        <p:blipFill>
+          <a:blip r:embed="rId3"/>
+          <a:stretch>
+            <a:fillRect/>
+          </a:stretch>
+        </p:blipFill>
+        <p:spPr>
+          <a:xfrm>
+            <a:off x="2687215" y="1986871"/>
+            <a:ext cx="6935756" cy="4045857"/>
+          </a:xfrm>
+        </p:spPr>
+      </p:pic>
+    </p:spTree>
+    <p:extLst>
+      <p:ext uri="{BB962C8B-B14F-4D97-AF65-F5344CB8AC3E}">
+        <p14:creationId xmlns:p14="http://schemas.microsoft.com/office/powerpoint/2010/main" val="2530735211"/>
+      </p:ext>
+    </p:extLst>
+  </p:cSld>
+  <p:clrMapOvr>
+    <a:masterClrMapping/>
+  </p:clrMapOvr>
+</p:sld>
+</file>
+
+<file path=ppt/slides/slide14.xml><?xml version="1.0" encoding="utf-8"?>
+<p:sld xmlns:a="http://schemas.openxmlformats.org/drawingml/2006/main" xmlns:r="http://schemas.openxmlformats.org/officeDocument/2006/relationships" xmlns:p="http://schemas.openxmlformats.org/presentationml/2006/main">
+  <p:cSld>
+    <p:bg>
+      <p:bgPr>
+        <a:solidFill>
+          <a:schemeClr val="bg2"/>
+        </a:solidFill>
+        <a:effectLst/>
+      </p:bgPr>
+    </p:bg>
+    <p:spTree>
+      <p:nvGrpSpPr>
+        <p:cNvPr id="1" name=""/>
+        <p:cNvGrpSpPr/>
+        <p:nvPr/>
+      </p:nvGrpSpPr>
+      <p:grpSpPr>
+        <a:xfrm>
+          <a:off x="0" y="0"/>
+          <a:ext cx="0" cy="0"/>
+          <a:chOff x="0" y="0"/>
+          <a:chExt cx="0" cy="0"/>
+        </a:xfrm>
+      </p:grpSpPr>
+      <p:sp useBgFill="1">
+        <p:nvSpPr>
+          <p:cNvPr id="10" name="Rectangle 9">
+            <a:extLst>
+              <a:ext uri="{FF2B5EF4-FFF2-40B4-BE49-F238E27FC236}">
+                <a16:creationId xmlns:a16="http://schemas.microsoft.com/office/drawing/2014/main" id="{53F29798-D584-4792-9B62-3F5F5C36D619}"/>
+              </a:ext>
+              <a:ext uri="{C183D7F6-B498-43B3-948B-1728B52AA6E4}">
+                <adec:decorative xmlns:adec="http://schemas.microsoft.com/office/drawing/2017/decorative" val="1"/>
+              </a:ext>
+            </a:extLst>
+          </p:cNvPr>
+          <p:cNvSpPr>
+            <a:spLocks noGrp="1" noRot="1" noChangeAspect="1" noMove="1" noResize="1" noEditPoints="1" noAdjustHandles="1" noChangeArrowheads="1" noChangeShapeType="1" noTextEdit="1"/>
+          </p:cNvSpPr>
+          <p:nvPr>
+            <p:extLst>
+              <p:ext uri="{386F3935-93C4-4BCD-93E2-E3B085C9AB24}">
+                <p16:designElem xmlns:p16="http://schemas.microsoft.com/office/powerpoint/2015/main" val="1"/>
+              </p:ext>
+            </p:extLst>
+          </p:nvPr>
+        </p:nvSpPr>
+        <p:spPr>
+          <a:xfrm>
+            <a:off x="0" y="0"/>
+            <a:ext cx="12188952" cy="6858000"/>
+          </a:xfrm>
+          <a:prstGeom prst="rect">
+            <a:avLst/>
+          </a:prstGeom>
+          <a:ln>
+            <a:noFill/>
+          </a:ln>
+        </p:spPr>
+        <p:style>
+          <a:lnRef idx="2">
+            <a:schemeClr val="accent1">
+              <a:shade val="50000"/>
+            </a:schemeClr>
+          </a:lnRef>
+          <a:fillRef idx="1">
+            <a:schemeClr val="accent1"/>
+          </a:fillRef>
+          <a:effectRef idx="0">
+            <a:schemeClr val="accent1"/>
+          </a:effectRef>
+          <a:fontRef idx="minor">
+            <a:schemeClr val="lt1"/>
+          </a:fontRef>
+        </p:style>
+        <p:txBody>
+          <a:bodyPr rtlCol="0" anchor="ctr"/>
+          <a:lstStyle/>
+          <a:p>
+            <a:pPr algn="ctr"/>
+            <a:endParaRPr lang="en-US"/>
+          </a:p>
+        </p:txBody>
+      </p:sp>
+      <p:sp>
+        <p:nvSpPr>
+          <p:cNvPr id="2" name="Title 1">
+            <a:extLst>
+              <a:ext uri="{FF2B5EF4-FFF2-40B4-BE49-F238E27FC236}">
+                <a16:creationId xmlns:a16="http://schemas.microsoft.com/office/drawing/2014/main" id="{C8163A18-D894-FF42-A3CF-D81F0CB8B8FF}"/>
+              </a:ext>
+            </a:extLst>
+          </p:cNvPr>
+          <p:cNvSpPr>
+            <a:spLocks noGrp="1"/>
+          </p:cNvSpPr>
+          <p:nvPr>
+            <p:ph type="title"/>
+          </p:nvPr>
+        </p:nvSpPr>
+        <p:spPr>
+          <a:xfrm>
+            <a:off x="0" y="1"/>
+            <a:ext cx="12192000" cy="1690688"/>
+          </a:xfrm>
+          <a:solidFill>
+            <a:schemeClr val="bg1"/>
+          </a:solidFill>
+        </p:spPr>
+        <p:txBody>
+          <a:bodyPr vert="horz" lIns="91440" tIns="45720" rIns="91440" bIns="45720" rtlCol="0" anchor="ctr">
+            <a:normAutofit/>
+          </a:bodyPr>
+          <a:lstStyle/>
+          <a:p>
+            <a:pPr algn="ctr"/>
+            <a:r>
+              <a:rPr lang="en-US" sz="5200"/>
+              <a:t>There are too many plotting packages</a:t>
+            </a:r>
+          </a:p>
+        </p:txBody>
+      </p:sp>
+      <p:pic>
+        <p:nvPicPr>
+          <p:cNvPr id="6" name="Picture 5" descr="Diagram&#10;&#10;Description automatically generated">
+            <a:extLst>
+              <a:ext uri="{FF2B5EF4-FFF2-40B4-BE49-F238E27FC236}">
+                <a16:creationId xmlns:a16="http://schemas.microsoft.com/office/drawing/2014/main" id="{CDEA112E-9883-2D4C-A588-CBB48AE23B30}"/>
+              </a:ext>
+            </a:extLst>
+          </p:cNvPr>
+          <p:cNvPicPr>
+            <a:picLocks noChangeAspect="1"/>
+          </p:cNvPicPr>
+          <p:nvPr/>
+        </p:nvPicPr>
+        <p:blipFill>
+          <a:blip r:embed="rId2"/>
+          <a:stretch>
+            <a:fillRect/>
+          </a:stretch>
+        </p:blipFill>
+        <p:spPr>
+          <a:xfrm>
+            <a:off x="1443555" y="1945715"/>
+            <a:ext cx="8977703" cy="4564736"/>
+          </a:xfrm>
+          <a:prstGeom prst="rect">
+            <a:avLst/>
+          </a:prstGeom>
+        </p:spPr>
+      </p:pic>
+    </p:spTree>
+    <p:extLst>
+      <p:ext uri="{BB962C8B-B14F-4D97-AF65-F5344CB8AC3E}">
+        <p14:creationId xmlns:p14="http://schemas.microsoft.com/office/powerpoint/2010/main" val="3851740515"/>
+      </p:ext>
+    </p:extLst>
+  </p:cSld>
+  <p:clrMapOvr>
+    <a:masterClrMapping/>
+  </p:clrMapOvr>
+</p:sld>
+</file>
+
+<file path=ppt/slides/slide15.xml><?xml version="1.0" encoding="utf-8"?>
+<p:sld xmlns:a="http://schemas.openxmlformats.org/drawingml/2006/main" xmlns:r="http://schemas.openxmlformats.org/officeDocument/2006/relationships" xmlns:p="http://schemas.openxmlformats.org/presentationml/2006/main">
+  <p:cSld>
+    <p:bg>
+      <p:bgPr>
+        <a:solidFill>
+          <a:schemeClr val="bg2"/>
+        </a:solidFill>
+        <a:effectLst/>
+      </p:bgPr>
+    </p:bg>
+    <p:spTree>
+      <p:nvGrpSpPr>
+        <p:cNvPr id="1" name=""/>
+        <p:cNvGrpSpPr/>
+        <p:nvPr/>
+      </p:nvGrpSpPr>
+      <p:grpSpPr>
+        <a:xfrm>
+          <a:off x="0" y="0"/>
+          <a:ext cx="0" cy="0"/>
+          <a:chOff x="0" y="0"/>
+          <a:chExt cx="0" cy="0"/>
+        </a:xfrm>
+      </p:grpSpPr>
+      <p:sp useBgFill="1">
+        <p:nvSpPr>
+          <p:cNvPr id="10" name="Rectangle 9">
+            <a:extLst>
+              <a:ext uri="{FF2B5EF4-FFF2-40B4-BE49-F238E27FC236}">
+                <a16:creationId xmlns:a16="http://schemas.microsoft.com/office/drawing/2014/main" id="{53F29798-D584-4792-9B62-3F5F5C36D619}"/>
+              </a:ext>
+              <a:ext uri="{C183D7F6-B498-43B3-948B-1728B52AA6E4}">
+                <adec:decorative xmlns:adec="http://schemas.microsoft.com/office/drawing/2017/decorative" val="1"/>
+              </a:ext>
+            </a:extLst>
+          </p:cNvPr>
+          <p:cNvSpPr>
+            <a:spLocks noGrp="1" noRot="1" noChangeAspect="1" noMove="1" noResize="1" noEditPoints="1" noAdjustHandles="1" noChangeArrowheads="1" noChangeShapeType="1" noTextEdit="1"/>
+          </p:cNvSpPr>
+          <p:nvPr>
+            <p:extLst>
+              <p:ext uri="{386F3935-93C4-4BCD-93E2-E3B085C9AB24}">
+                <p16:designElem xmlns:p16="http://schemas.microsoft.com/office/powerpoint/2015/main" val="1"/>
+              </p:ext>
+            </p:extLst>
+          </p:nvPr>
+        </p:nvSpPr>
+        <p:spPr>
+          <a:xfrm>
+            <a:off x="0" y="0"/>
+            <a:ext cx="12188952" cy="6858000"/>
+          </a:xfrm>
+          <a:prstGeom prst="rect">
+            <a:avLst/>
+          </a:prstGeom>
+          <a:ln>
+            <a:noFill/>
+          </a:ln>
+        </p:spPr>
+        <p:style>
+          <a:lnRef idx="2">
+            <a:schemeClr val="accent1">
+              <a:shade val="50000"/>
+            </a:schemeClr>
+          </a:lnRef>
+          <a:fillRef idx="1">
+            <a:schemeClr val="accent1"/>
+          </a:fillRef>
+          <a:effectRef idx="0">
+            <a:schemeClr val="accent1"/>
+          </a:effectRef>
+          <a:fontRef idx="minor">
+            <a:schemeClr val="lt1"/>
+          </a:fontRef>
+        </p:style>
+        <p:txBody>
+          <a:bodyPr rtlCol="0" anchor="ctr"/>
+          <a:lstStyle/>
+          <a:p>
+            <a:pPr algn="ctr"/>
+            <a:endParaRPr lang="en-US"/>
+          </a:p>
+        </p:txBody>
+      </p:sp>
+      <p:sp>
+        <p:nvSpPr>
+          <p:cNvPr id="47" name="Rectangle 46">
+            <a:extLst>
+              <a:ext uri="{FF2B5EF4-FFF2-40B4-BE49-F238E27FC236}">
+                <a16:creationId xmlns:a16="http://schemas.microsoft.com/office/drawing/2014/main" id="{E689BA12-C726-A842-A5F4-20EBD6F99509}"/>
+              </a:ext>
+            </a:extLst>
+          </p:cNvPr>
+          <p:cNvSpPr/>
+          <p:nvPr/>
+        </p:nvSpPr>
+        <p:spPr>
+          <a:xfrm>
+            <a:off x="6897919" y="1901369"/>
+            <a:ext cx="4840504" cy="4838649"/>
+          </a:xfrm>
+          <a:prstGeom prst="rect">
+            <a:avLst/>
+          </a:prstGeom>
+          <a:solidFill>
+            <a:schemeClr val="bg1"/>
+          </a:solidFill>
+        </p:spPr>
+        <p:style>
+          <a:lnRef idx="2">
+            <a:schemeClr val="accent1">
+              <a:shade val="50000"/>
+            </a:schemeClr>
+          </a:lnRef>
+          <a:fillRef idx="1">
+            <a:schemeClr val="accent1"/>
+          </a:fillRef>
+          <a:effectRef idx="0">
+            <a:schemeClr val="accent1"/>
+          </a:effectRef>
+          <a:fontRef idx="minor">
+            <a:schemeClr val="lt1"/>
+          </a:fontRef>
+        </p:style>
+        <p:txBody>
+          <a:bodyPr rtlCol="0" anchor="ctr"/>
+          <a:lstStyle/>
+          <a:p>
+            <a:pPr algn="ctr"/>
+            <a:endParaRPr lang="en-NL"/>
+          </a:p>
+        </p:txBody>
+      </p:sp>
+      <p:sp>
+        <p:nvSpPr>
+          <p:cNvPr id="41" name="Rectangle 40">
+            <a:extLst>
+              <a:ext uri="{FF2B5EF4-FFF2-40B4-BE49-F238E27FC236}">
+                <a16:creationId xmlns:a16="http://schemas.microsoft.com/office/drawing/2014/main" id="{B61828AE-5574-C14E-9CC2-15205B96045C}"/>
+              </a:ext>
+            </a:extLst>
+          </p:cNvPr>
+          <p:cNvSpPr/>
+          <p:nvPr/>
+        </p:nvSpPr>
+        <p:spPr>
+          <a:xfrm>
+            <a:off x="435427" y="1901370"/>
+            <a:ext cx="4840504" cy="4838649"/>
+          </a:xfrm>
+          <a:prstGeom prst="rect">
+            <a:avLst/>
+          </a:prstGeom>
+          <a:solidFill>
+            <a:schemeClr val="bg1"/>
+          </a:solidFill>
+        </p:spPr>
+        <p:style>
+          <a:lnRef idx="2">
+            <a:schemeClr val="accent1">
+              <a:shade val="50000"/>
+            </a:schemeClr>
+          </a:lnRef>
+          <a:fillRef idx="1">
+            <a:schemeClr val="accent1"/>
+          </a:fillRef>
+          <a:effectRef idx="0">
+            <a:schemeClr val="accent1"/>
+          </a:effectRef>
+          <a:fontRef idx="minor">
+            <a:schemeClr val="lt1"/>
+          </a:fontRef>
+        </p:style>
+        <p:txBody>
+          <a:bodyPr rtlCol="0" anchor="ctr"/>
+          <a:lstStyle/>
+          <a:p>
+            <a:pPr algn="ctr"/>
+            <a:endParaRPr lang="en-NL"/>
+          </a:p>
+        </p:txBody>
+      </p:sp>
+      <p:sp>
+        <p:nvSpPr>
+          <p:cNvPr id="2" name="Title 1">
+            <a:extLst>
+              <a:ext uri="{FF2B5EF4-FFF2-40B4-BE49-F238E27FC236}">
+                <a16:creationId xmlns:a16="http://schemas.microsoft.com/office/drawing/2014/main" id="{C8163A18-D894-FF42-A3CF-D81F0CB8B8FF}"/>
+              </a:ext>
+            </a:extLst>
+          </p:cNvPr>
+          <p:cNvSpPr>
+            <a:spLocks noGrp="1"/>
+          </p:cNvSpPr>
+          <p:nvPr>
+            <p:ph type="title"/>
+          </p:nvPr>
+        </p:nvSpPr>
+        <p:spPr>
+          <a:xfrm>
+            <a:off x="0" y="1"/>
+            <a:ext cx="12192000" cy="1690688"/>
+          </a:xfrm>
+          <a:solidFill>
+            <a:schemeClr val="bg1"/>
+          </a:solidFill>
+        </p:spPr>
+        <p:txBody>
+          <a:bodyPr vert="horz" lIns="91440" tIns="45720" rIns="91440" bIns="45720" rtlCol="0" anchor="ctr">
+            <a:normAutofit/>
+          </a:bodyPr>
+          <a:lstStyle/>
+          <a:p>
+            <a:pPr algn="ctr"/>
+            <a:r>
+              <a:rPr lang="en-US" sz="5200"/>
+              <a:t>So my advice is: only focus on these</a:t>
+            </a:r>
+          </a:p>
+        </p:txBody>
+      </p:sp>
+      <p:sp>
+        <p:nvSpPr>
+          <p:cNvPr id="4" name="Rounded Rectangle 3">
+            <a:extLst>
+              <a:ext uri="{FF2B5EF4-FFF2-40B4-BE49-F238E27FC236}">
+                <a16:creationId xmlns:a16="http://schemas.microsoft.com/office/drawing/2014/main" id="{5BE37FEB-4068-7849-B48A-BFC661116E64}"/>
+              </a:ext>
+            </a:extLst>
+          </p:cNvPr>
+          <p:cNvSpPr/>
+          <p:nvPr/>
+        </p:nvSpPr>
+        <p:spPr>
+          <a:xfrm>
+            <a:off x="769257" y="2119085"/>
+            <a:ext cx="4209143" cy="740229"/>
+          </a:xfrm>
+          <a:prstGeom prst="roundRect">
+            <a:avLst/>
+          </a:prstGeom>
+          <a:solidFill>
+            <a:schemeClr val="bg1"/>
+          </a:solidFill>
+        </p:spPr>
+        <p:style>
+          <a:lnRef idx="2">
+            <a:schemeClr val="accent1">
+              <a:shade val="50000"/>
+            </a:schemeClr>
+          </a:lnRef>
+          <a:fillRef idx="1">
+            <a:schemeClr val="accent1"/>
+          </a:fillRef>
+          <a:effectRef idx="0">
+            <a:schemeClr val="accent1"/>
+          </a:effectRef>
+          <a:fontRef idx="minor">
+            <a:schemeClr val="lt1"/>
+          </a:fontRef>
+        </p:style>
+        <p:txBody>
+          <a:bodyPr rtlCol="0" anchor="ctr"/>
+          <a:lstStyle/>
+          <a:p>
+            <a:pPr algn="ctr"/>
+            <a:r>
+              <a:rPr lang="en-NL">
+                <a:solidFill>
+                  <a:schemeClr val="tx1"/>
+                </a:solidFill>
+              </a:rPr>
+              <a:t>STATIC PLOTTING</a:t>
+            </a:r>
+          </a:p>
+        </p:txBody>
+      </p:sp>
+      <p:sp>
+        <p:nvSpPr>
+          <p:cNvPr id="7" name="Rounded Rectangle 6">
+            <a:extLst>
+              <a:ext uri="{FF2B5EF4-FFF2-40B4-BE49-F238E27FC236}">
+                <a16:creationId xmlns:a16="http://schemas.microsoft.com/office/drawing/2014/main" id="{917E8403-B738-424E-B6D5-752827693347}"/>
+              </a:ext>
+            </a:extLst>
+          </p:cNvPr>
+          <p:cNvSpPr/>
+          <p:nvPr/>
+        </p:nvSpPr>
+        <p:spPr>
+          <a:xfrm>
+            <a:off x="7213600" y="2119084"/>
+            <a:ext cx="4209143" cy="740229"/>
+          </a:xfrm>
+          <a:prstGeom prst="roundRect">
+            <a:avLst/>
+          </a:prstGeom>
+          <a:solidFill>
+            <a:schemeClr val="bg1"/>
+          </a:solidFill>
+        </p:spPr>
+        <p:style>
+          <a:lnRef idx="2">
+            <a:schemeClr val="accent1">
+              <a:shade val="50000"/>
+            </a:schemeClr>
+          </a:lnRef>
+          <a:fillRef idx="1">
+            <a:schemeClr val="accent1"/>
+          </a:fillRef>
+          <a:effectRef idx="0">
+            <a:schemeClr val="accent1"/>
+          </a:effectRef>
+          <a:fontRef idx="minor">
+            <a:schemeClr val="lt1"/>
+          </a:fontRef>
+        </p:style>
+        <p:txBody>
+          <a:bodyPr rtlCol="0" anchor="ctr"/>
+          <a:lstStyle/>
+          <a:p>
+            <a:pPr algn="ctr"/>
+            <a:r>
+              <a:rPr lang="en-NL">
+                <a:solidFill>
+                  <a:schemeClr val="tx1"/>
+                </a:solidFill>
+              </a:rPr>
+              <a:t>INTERACTIVE PLOTTING</a:t>
+            </a:r>
+          </a:p>
+        </p:txBody>
+      </p:sp>
+      <p:sp>
+        <p:nvSpPr>
+          <p:cNvPr id="8" name="Rounded Rectangle 7">
+            <a:extLst>
+              <a:ext uri="{FF2B5EF4-FFF2-40B4-BE49-F238E27FC236}">
+                <a16:creationId xmlns:a16="http://schemas.microsoft.com/office/drawing/2014/main" id="{606054F4-B789-3E47-9289-3EF05404C167}"/>
+              </a:ext>
+            </a:extLst>
+          </p:cNvPr>
+          <p:cNvSpPr/>
+          <p:nvPr/>
+        </p:nvSpPr>
+        <p:spPr>
+          <a:xfrm>
+            <a:off x="1988456" y="3812949"/>
+            <a:ext cx="1770743" cy="740229"/>
+          </a:xfrm>
+          <a:prstGeom prst="roundRect">
+            <a:avLst/>
+          </a:prstGeom>
+          <a:solidFill>
+            <a:schemeClr val="bg1"/>
+          </a:solidFill>
+        </p:spPr>
+        <p:style>
+          <a:lnRef idx="2">
+            <a:schemeClr val="accent1">
+              <a:shade val="50000"/>
+            </a:schemeClr>
+          </a:lnRef>
+          <a:fillRef idx="1">
+            <a:schemeClr val="accent1"/>
+          </a:fillRef>
+          <a:effectRef idx="0">
+            <a:schemeClr val="accent1"/>
+          </a:effectRef>
+          <a:fontRef idx="minor">
+            <a:schemeClr val="lt1"/>
+          </a:fontRef>
+        </p:style>
+        <p:txBody>
+          <a:bodyPr rtlCol="0" anchor="ctr"/>
+          <a:lstStyle/>
+          <a:p>
+            <a:pPr algn="ctr"/>
+            <a:r>
+              <a:rPr lang="en-NL">
+                <a:solidFill>
+                  <a:schemeClr val="tx1"/>
+                </a:solidFill>
+              </a:rPr>
+              <a:t>Matplotlib</a:t>
+            </a:r>
+          </a:p>
+        </p:txBody>
+      </p:sp>
+      <p:sp>
+        <p:nvSpPr>
+          <p:cNvPr id="11" name="Rounded Rectangle 10">
+            <a:extLst>
+              <a:ext uri="{FF2B5EF4-FFF2-40B4-BE49-F238E27FC236}">
+                <a16:creationId xmlns:a16="http://schemas.microsoft.com/office/drawing/2014/main" id="{B9F9B856-E690-DC47-8B21-875974C2DA33}"/>
+              </a:ext>
+            </a:extLst>
+          </p:cNvPr>
+          <p:cNvSpPr/>
+          <p:nvPr/>
+        </p:nvSpPr>
+        <p:spPr>
+          <a:xfrm>
+            <a:off x="769257" y="5168787"/>
+            <a:ext cx="1770743" cy="740229"/>
+          </a:xfrm>
+          <a:prstGeom prst="roundRect">
+            <a:avLst/>
+          </a:prstGeom>
+          <a:solidFill>
+            <a:schemeClr val="bg1"/>
+          </a:solidFill>
+        </p:spPr>
+        <p:style>
+          <a:lnRef idx="2">
+            <a:schemeClr val="accent1">
+              <a:shade val="50000"/>
+            </a:schemeClr>
+          </a:lnRef>
+          <a:fillRef idx="1">
+            <a:schemeClr val="accent1"/>
+          </a:fillRef>
+          <a:effectRef idx="0">
+            <a:schemeClr val="accent1"/>
+          </a:effectRef>
+          <a:fontRef idx="minor">
+            <a:schemeClr val="lt1"/>
+          </a:fontRef>
+        </p:style>
+        <p:txBody>
+          <a:bodyPr rtlCol="0" anchor="ctr"/>
+          <a:lstStyle/>
+          <a:p>
+            <a:pPr algn="ctr"/>
+            <a:r>
+              <a:rPr lang="en-NL">
+                <a:solidFill>
+                  <a:schemeClr val="tx1"/>
+                </a:solidFill>
+              </a:rPr>
+              <a:t>Seaborn</a:t>
+            </a:r>
+          </a:p>
+        </p:txBody>
+      </p:sp>
+      <p:sp>
+        <p:nvSpPr>
+          <p:cNvPr id="12" name="Rounded Rectangle 11">
+            <a:extLst>
+              <a:ext uri="{FF2B5EF4-FFF2-40B4-BE49-F238E27FC236}">
+                <a16:creationId xmlns:a16="http://schemas.microsoft.com/office/drawing/2014/main" id="{71BF929F-F7E7-7B46-A249-20543D5CE3C7}"/>
+              </a:ext>
+            </a:extLst>
+          </p:cNvPr>
+          <p:cNvSpPr/>
+          <p:nvPr/>
+        </p:nvSpPr>
+        <p:spPr>
+          <a:xfrm>
+            <a:off x="3207657" y="5168786"/>
+            <a:ext cx="1770743" cy="740229"/>
+          </a:xfrm>
+          <a:prstGeom prst="roundRect">
+            <a:avLst/>
+          </a:prstGeom>
+          <a:solidFill>
+            <a:schemeClr val="bg1"/>
+          </a:solidFill>
+        </p:spPr>
+        <p:style>
+          <a:lnRef idx="2">
+            <a:schemeClr val="accent1">
+              <a:shade val="50000"/>
+            </a:schemeClr>
+          </a:lnRef>
+          <a:fillRef idx="1">
+            <a:schemeClr val="accent1"/>
+          </a:fillRef>
+          <a:effectRef idx="0">
+            <a:schemeClr val="accent1"/>
+          </a:effectRef>
+          <a:fontRef idx="minor">
+            <a:schemeClr val="lt1"/>
+          </a:fontRef>
+        </p:style>
+        <p:txBody>
+          <a:bodyPr rtlCol="0" anchor="ctr"/>
+          <a:lstStyle/>
+          <a:p>
+            <a:pPr algn="ctr"/>
+            <a:r>
+              <a:rPr lang="en-NL">
+                <a:solidFill>
+                  <a:schemeClr val="tx1"/>
+                </a:solidFill>
+              </a:rPr>
+              <a:t>Pandas plotting</a:t>
+            </a:r>
+          </a:p>
+          <a:p>
+            <a:pPr algn="ctr"/>
+            <a:r>
+              <a:rPr lang="en-NL">
+                <a:solidFill>
+                  <a:schemeClr val="tx1"/>
+                </a:solidFill>
+              </a:rPr>
+              <a:t>df.plot()</a:t>
+            </a:r>
+          </a:p>
+        </p:txBody>
+      </p:sp>
+      <p:sp>
+        <p:nvSpPr>
+          <p:cNvPr id="13" name="Rounded Rectangle 12">
+            <a:extLst>
+              <a:ext uri="{FF2B5EF4-FFF2-40B4-BE49-F238E27FC236}">
+                <a16:creationId xmlns:a16="http://schemas.microsoft.com/office/drawing/2014/main" id="{18D8AA26-A088-FA4A-BFD8-69B20285BE7D}"/>
+              </a:ext>
+            </a:extLst>
+          </p:cNvPr>
+          <p:cNvSpPr/>
+          <p:nvPr/>
+        </p:nvSpPr>
+        <p:spPr>
+          <a:xfrm>
+            <a:off x="7213599" y="3816804"/>
+            <a:ext cx="1770743" cy="740229"/>
+          </a:xfrm>
+          <a:prstGeom prst="roundRect">
+            <a:avLst/>
+          </a:prstGeom>
+          <a:solidFill>
+            <a:schemeClr val="bg1"/>
+          </a:solidFill>
+        </p:spPr>
+        <p:style>
+          <a:lnRef idx="2">
+            <a:schemeClr val="accent1">
+              <a:shade val="50000"/>
+            </a:schemeClr>
+          </a:lnRef>
+          <a:fillRef idx="1">
+            <a:schemeClr val="accent1"/>
+          </a:fillRef>
+          <a:effectRef idx="0">
+            <a:schemeClr val="accent1"/>
+          </a:effectRef>
+          <a:fontRef idx="minor">
+            <a:schemeClr val="lt1"/>
+          </a:fontRef>
+        </p:style>
+        <p:txBody>
+          <a:bodyPr rtlCol="0" anchor="ctr"/>
+          <a:lstStyle/>
+          <a:p>
+            <a:pPr algn="ctr"/>
+            <a:r>
+              <a:rPr lang="en-NL">
+                <a:solidFill>
+                  <a:schemeClr val="tx1"/>
+                </a:solidFill>
+              </a:rPr>
+              <a:t>Plotly</a:t>
+            </a:r>
+          </a:p>
+        </p:txBody>
+      </p:sp>
+      <p:sp>
+        <p:nvSpPr>
+          <p:cNvPr id="14" name="Rounded Rectangle 13">
+            <a:extLst>
+              <a:ext uri="{FF2B5EF4-FFF2-40B4-BE49-F238E27FC236}">
+                <a16:creationId xmlns:a16="http://schemas.microsoft.com/office/drawing/2014/main" id="{B9F361CF-44BE-D247-A0CA-45DFA7FC17B1}"/>
+              </a:ext>
+            </a:extLst>
+          </p:cNvPr>
+          <p:cNvSpPr/>
+          <p:nvPr/>
+        </p:nvSpPr>
+        <p:spPr>
+          <a:xfrm>
+            <a:off x="9651998" y="3812949"/>
+            <a:ext cx="1770743" cy="740229"/>
+          </a:xfrm>
+          <a:prstGeom prst="roundRect">
+            <a:avLst/>
+          </a:prstGeom>
+          <a:solidFill>
+            <a:schemeClr val="bg1"/>
+          </a:solidFill>
+        </p:spPr>
+        <p:style>
+          <a:lnRef idx="2">
+            <a:schemeClr val="accent1">
+              <a:shade val="50000"/>
+            </a:schemeClr>
+          </a:lnRef>
+          <a:fillRef idx="1">
+            <a:schemeClr val="accent1"/>
+          </a:fillRef>
+          <a:effectRef idx="0">
+            <a:schemeClr val="accent1"/>
+          </a:effectRef>
+          <a:fontRef idx="minor">
+            <a:schemeClr val="lt1"/>
+          </a:fontRef>
+        </p:style>
+        <p:txBody>
+          <a:bodyPr rtlCol="0" anchor="ctr"/>
+          <a:lstStyle/>
+          <a:p>
+            <a:pPr algn="ctr"/>
+            <a:r>
+              <a:rPr lang="en-NL">
+                <a:solidFill>
+                  <a:schemeClr val="tx1"/>
+                </a:solidFill>
+              </a:rPr>
+              <a:t>Bokeh</a:t>
+            </a:r>
+          </a:p>
+        </p:txBody>
+      </p:sp>
+      <p:sp>
+        <p:nvSpPr>
+          <p:cNvPr id="15" name="Rounded Rectangle 14">
+            <a:extLst>
+              <a:ext uri="{FF2B5EF4-FFF2-40B4-BE49-F238E27FC236}">
+                <a16:creationId xmlns:a16="http://schemas.microsoft.com/office/drawing/2014/main" id="{C4B8F932-65C0-364C-A1F8-065FC81624F1}"/>
+              </a:ext>
+            </a:extLst>
+          </p:cNvPr>
+          <p:cNvSpPr/>
+          <p:nvPr/>
+        </p:nvSpPr>
+        <p:spPr>
+          <a:xfrm>
+            <a:off x="7213599" y="5168785"/>
+            <a:ext cx="1770743" cy="740229"/>
+          </a:xfrm>
+          <a:prstGeom prst="roundRect">
+            <a:avLst/>
+          </a:prstGeom>
+          <a:solidFill>
+            <a:schemeClr val="bg1"/>
+          </a:solidFill>
+        </p:spPr>
+        <p:style>
+          <a:lnRef idx="2">
+            <a:schemeClr val="accent1">
+              <a:shade val="50000"/>
+            </a:schemeClr>
+          </a:lnRef>
+          <a:fillRef idx="1">
+            <a:schemeClr val="accent1"/>
+          </a:fillRef>
+          <a:effectRef idx="0">
+            <a:schemeClr val="accent1"/>
+          </a:effectRef>
+          <a:fontRef idx="minor">
+            <a:schemeClr val="lt1"/>
+          </a:fontRef>
+        </p:style>
+        <p:txBody>
+          <a:bodyPr rtlCol="0" anchor="ctr"/>
+          <a:lstStyle/>
+          <a:p>
+            <a:pPr algn="ctr"/>
+            <a:r>
+              <a:rPr lang="en-NL">
+                <a:solidFill>
+                  <a:schemeClr val="tx1"/>
+                </a:solidFill>
+              </a:rPr>
+              <a:t>Plotly Express</a:t>
+            </a:r>
+          </a:p>
+        </p:txBody>
+      </p:sp>
+      <p:sp>
+        <p:nvSpPr>
+          <p:cNvPr id="16" name="Rounded Rectangle 15">
+            <a:extLst>
+              <a:ext uri="{FF2B5EF4-FFF2-40B4-BE49-F238E27FC236}">
+                <a16:creationId xmlns:a16="http://schemas.microsoft.com/office/drawing/2014/main" id="{115A7820-65D8-A14E-8E3F-BA4ABE5F3D4A}"/>
+              </a:ext>
+            </a:extLst>
+          </p:cNvPr>
+          <p:cNvSpPr/>
+          <p:nvPr/>
+        </p:nvSpPr>
+        <p:spPr>
+          <a:xfrm>
+            <a:off x="9651999" y="5168785"/>
+            <a:ext cx="1770743" cy="740229"/>
+          </a:xfrm>
+          <a:prstGeom prst="roundRect">
+            <a:avLst/>
+          </a:prstGeom>
+          <a:solidFill>
+            <a:schemeClr val="bg1"/>
+          </a:solidFill>
+        </p:spPr>
+        <p:style>
+          <a:lnRef idx="2">
+            <a:schemeClr val="accent1">
+              <a:shade val="50000"/>
+            </a:schemeClr>
+          </a:lnRef>
+          <a:fillRef idx="1">
+            <a:schemeClr val="accent1"/>
+          </a:fillRef>
+          <a:effectRef idx="0">
+            <a:schemeClr val="accent1"/>
+          </a:effectRef>
+          <a:fontRef idx="minor">
+            <a:schemeClr val="lt1"/>
+          </a:fontRef>
+        </p:style>
+        <p:txBody>
+          <a:bodyPr rtlCol="0" anchor="ctr"/>
+          <a:lstStyle/>
+          <a:p>
+            <a:pPr algn="ctr"/>
+            <a:r>
+              <a:rPr lang="en-NL">
+                <a:solidFill>
+                  <a:schemeClr val="tx1"/>
+                </a:solidFill>
+              </a:rPr>
+              <a:t>hvPlot</a:t>
+            </a:r>
+          </a:p>
+        </p:txBody>
+      </p:sp>
+      <p:cxnSp>
+        <p:nvCxnSpPr>
+          <p:cNvPr id="17" name="Straight Arrow Connector 16">
+            <a:extLst>
+              <a:ext uri="{FF2B5EF4-FFF2-40B4-BE49-F238E27FC236}">
+                <a16:creationId xmlns:a16="http://schemas.microsoft.com/office/drawing/2014/main" id="{A95021F4-308D-674F-A809-986678EEC2FA}"/>
+              </a:ext>
+            </a:extLst>
+          </p:cNvPr>
+          <p:cNvCxnSpPr>
+            <a:stCxn id="8" idx="2"/>
+            <a:endCxn id="11" idx="0"/>
+          </p:cNvCxnSpPr>
+          <p:nvPr/>
+        </p:nvCxnSpPr>
+        <p:spPr>
+          <a:xfrm flipH="1">
+            <a:off x="1654629" y="4553178"/>
+            <a:ext cx="1219199" cy="615609"/>
+          </a:xfrm>
+          <a:prstGeom prst="straightConnector1">
+            <a:avLst/>
+          </a:prstGeom>
+          <a:ln w="25400">
+            <a:tailEnd type="triangle"/>
+          </a:ln>
+        </p:spPr>
+        <p:style>
+          <a:lnRef idx="1">
+            <a:schemeClr val="accent1"/>
+          </a:lnRef>
+          <a:fillRef idx="0">
+            <a:schemeClr val="accent1"/>
+          </a:fillRef>
+          <a:effectRef idx="0">
+            <a:schemeClr val="accent1"/>
+          </a:effectRef>
+          <a:fontRef idx="minor">
+            <a:schemeClr val="tx1"/>
+          </a:fontRef>
+        </p:style>
+      </p:cxnSp>
+      <p:cxnSp>
+        <p:nvCxnSpPr>
+          <p:cNvPr id="20" name="Straight Arrow Connector 19">
+            <a:extLst>
+              <a:ext uri="{FF2B5EF4-FFF2-40B4-BE49-F238E27FC236}">
+                <a16:creationId xmlns:a16="http://schemas.microsoft.com/office/drawing/2014/main" id="{B2B3B61C-5960-2C43-AA68-365281AC531C}"/>
+              </a:ext>
+            </a:extLst>
+          </p:cNvPr>
+          <p:cNvCxnSpPr>
+            <a:cxnSpLocks/>
+            <a:stCxn id="8" idx="2"/>
+            <a:endCxn id="12" idx="0"/>
+          </p:cNvCxnSpPr>
+          <p:nvPr/>
+        </p:nvCxnSpPr>
+        <p:spPr>
+          <a:xfrm>
+            <a:off x="2873828" y="4553178"/>
+            <a:ext cx="1219201" cy="615608"/>
+          </a:xfrm>
+          <a:prstGeom prst="straightConnector1">
+            <a:avLst/>
+          </a:prstGeom>
+          <a:ln w="25400">
+            <a:tailEnd type="triangle"/>
+          </a:ln>
+        </p:spPr>
+        <p:style>
+          <a:lnRef idx="1">
+            <a:schemeClr val="accent1"/>
+          </a:lnRef>
+          <a:fillRef idx="0">
+            <a:schemeClr val="accent1"/>
+          </a:fillRef>
+          <a:effectRef idx="0">
+            <a:schemeClr val="accent1"/>
+          </a:effectRef>
+          <a:fontRef idx="minor">
+            <a:schemeClr val="tx1"/>
+          </a:fontRef>
+        </p:style>
+      </p:cxnSp>
+      <p:cxnSp>
+        <p:nvCxnSpPr>
+          <p:cNvPr id="23" name="Straight Arrow Connector 22">
+            <a:extLst>
+              <a:ext uri="{FF2B5EF4-FFF2-40B4-BE49-F238E27FC236}">
+                <a16:creationId xmlns:a16="http://schemas.microsoft.com/office/drawing/2014/main" id="{2E9CC23E-C945-7141-9F86-4E3951FD2235}"/>
+              </a:ext>
+            </a:extLst>
+          </p:cNvPr>
+          <p:cNvCxnSpPr>
+            <a:cxnSpLocks/>
+            <a:stCxn id="4" idx="2"/>
+            <a:endCxn id="8" idx="0"/>
+          </p:cNvCxnSpPr>
+          <p:nvPr/>
+        </p:nvCxnSpPr>
+        <p:spPr>
+          <a:xfrm flipH="1">
+            <a:off x="2873828" y="2859314"/>
+            <a:ext cx="1" cy="953635"/>
+          </a:xfrm>
+          <a:prstGeom prst="straightConnector1">
+            <a:avLst/>
+          </a:prstGeom>
+          <a:ln w="25400">
+            <a:tailEnd type="triangle"/>
+          </a:ln>
+        </p:spPr>
+        <p:style>
+          <a:lnRef idx="1">
+            <a:schemeClr val="accent1"/>
+          </a:lnRef>
+          <a:fillRef idx="0">
+            <a:schemeClr val="accent1"/>
+          </a:fillRef>
+          <a:effectRef idx="0">
+            <a:schemeClr val="accent1"/>
+          </a:effectRef>
+          <a:fontRef idx="minor">
+            <a:schemeClr val="tx1"/>
+          </a:fontRef>
+        </p:style>
+      </p:cxnSp>
+      <p:cxnSp>
+        <p:nvCxnSpPr>
+          <p:cNvPr id="26" name="Straight Arrow Connector 25">
+            <a:extLst>
+              <a:ext uri="{FF2B5EF4-FFF2-40B4-BE49-F238E27FC236}">
+                <a16:creationId xmlns:a16="http://schemas.microsoft.com/office/drawing/2014/main" id="{2DCCB25D-9827-E44C-85B4-8546030450D4}"/>
+              </a:ext>
+            </a:extLst>
+          </p:cNvPr>
+          <p:cNvCxnSpPr>
+            <a:cxnSpLocks/>
+            <a:stCxn id="7" idx="2"/>
+            <a:endCxn id="13" idx="0"/>
+          </p:cNvCxnSpPr>
+          <p:nvPr/>
+        </p:nvCxnSpPr>
+        <p:spPr>
+          <a:xfrm flipH="1">
+            <a:off x="8098971" y="2859313"/>
+            <a:ext cx="1219201" cy="957491"/>
+          </a:xfrm>
+          <a:prstGeom prst="straightConnector1">
+            <a:avLst/>
+          </a:prstGeom>
+          <a:ln w="25400">
+            <a:tailEnd type="triangle"/>
+          </a:ln>
+        </p:spPr>
+        <p:style>
+          <a:lnRef idx="1">
+            <a:schemeClr val="accent1"/>
+          </a:lnRef>
+          <a:fillRef idx="0">
+            <a:schemeClr val="accent1"/>
+          </a:fillRef>
+          <a:effectRef idx="0">
+            <a:schemeClr val="accent1"/>
+          </a:effectRef>
+          <a:fontRef idx="minor">
+            <a:schemeClr val="tx1"/>
+          </a:fontRef>
+        </p:style>
+      </p:cxnSp>
+      <p:cxnSp>
+        <p:nvCxnSpPr>
+          <p:cNvPr id="29" name="Straight Arrow Connector 28">
+            <a:extLst>
+              <a:ext uri="{FF2B5EF4-FFF2-40B4-BE49-F238E27FC236}">
+                <a16:creationId xmlns:a16="http://schemas.microsoft.com/office/drawing/2014/main" id="{3DA5E321-77E3-DC4A-A990-B34AC963D47C}"/>
+              </a:ext>
+            </a:extLst>
+          </p:cNvPr>
+          <p:cNvCxnSpPr>
+            <a:cxnSpLocks/>
+            <a:stCxn id="13" idx="2"/>
+            <a:endCxn id="15" idx="0"/>
+          </p:cNvCxnSpPr>
+          <p:nvPr/>
+        </p:nvCxnSpPr>
+        <p:spPr>
+          <a:xfrm>
+            <a:off x="8098971" y="4557033"/>
+            <a:ext cx="0" cy="611752"/>
+          </a:xfrm>
+          <a:prstGeom prst="straightConnector1">
+            <a:avLst/>
+          </a:prstGeom>
+          <a:ln w="25400">
+            <a:tailEnd type="triangle"/>
+          </a:ln>
+        </p:spPr>
+        <p:style>
+          <a:lnRef idx="1">
+            <a:schemeClr val="accent1"/>
+          </a:lnRef>
+          <a:fillRef idx="0">
+            <a:schemeClr val="accent1"/>
+          </a:fillRef>
+          <a:effectRef idx="0">
+            <a:schemeClr val="accent1"/>
+          </a:effectRef>
+          <a:fontRef idx="minor">
+            <a:schemeClr val="tx1"/>
+          </a:fontRef>
+        </p:style>
+      </p:cxnSp>
+      <p:cxnSp>
+        <p:nvCxnSpPr>
+          <p:cNvPr id="32" name="Straight Arrow Connector 31">
+            <a:extLst>
+              <a:ext uri="{FF2B5EF4-FFF2-40B4-BE49-F238E27FC236}">
+                <a16:creationId xmlns:a16="http://schemas.microsoft.com/office/drawing/2014/main" id="{50642BE9-05E2-3B41-8204-80E2B59480FB}"/>
+              </a:ext>
+            </a:extLst>
+          </p:cNvPr>
+          <p:cNvCxnSpPr>
+            <a:cxnSpLocks/>
+            <a:stCxn id="7" idx="2"/>
+            <a:endCxn id="14" idx="0"/>
+          </p:cNvCxnSpPr>
+          <p:nvPr/>
+        </p:nvCxnSpPr>
+        <p:spPr>
+          <a:xfrm>
+            <a:off x="9318172" y="2859313"/>
+            <a:ext cx="1219198" cy="953636"/>
+          </a:xfrm>
+          <a:prstGeom prst="straightConnector1">
+            <a:avLst/>
+          </a:prstGeom>
+          <a:ln w="25400">
+            <a:tailEnd type="triangle"/>
+          </a:ln>
+        </p:spPr>
+        <p:style>
+          <a:lnRef idx="1">
+            <a:schemeClr val="accent1"/>
+          </a:lnRef>
+          <a:fillRef idx="0">
+            <a:schemeClr val="accent1"/>
+          </a:fillRef>
+          <a:effectRef idx="0">
+            <a:schemeClr val="accent1"/>
+          </a:effectRef>
+          <a:fontRef idx="minor">
+            <a:schemeClr val="tx1"/>
+          </a:fontRef>
+        </p:style>
+      </p:cxnSp>
+      <p:cxnSp>
+        <p:nvCxnSpPr>
+          <p:cNvPr id="35" name="Straight Arrow Connector 34">
+            <a:extLst>
+              <a:ext uri="{FF2B5EF4-FFF2-40B4-BE49-F238E27FC236}">
+                <a16:creationId xmlns:a16="http://schemas.microsoft.com/office/drawing/2014/main" id="{4961CF21-4703-E04E-8F50-9D28559BEC4F}"/>
+              </a:ext>
+            </a:extLst>
+          </p:cNvPr>
+          <p:cNvCxnSpPr>
+            <a:cxnSpLocks/>
+            <a:stCxn id="14" idx="2"/>
+            <a:endCxn id="16" idx="0"/>
+          </p:cNvCxnSpPr>
+          <p:nvPr/>
+        </p:nvCxnSpPr>
+        <p:spPr>
+          <a:xfrm>
+            <a:off x="10537370" y="4553178"/>
+            <a:ext cx="1" cy="615607"/>
+          </a:xfrm>
+          <a:prstGeom prst="straightConnector1">
+            <a:avLst/>
+          </a:prstGeom>
+          <a:ln w="25400">
+            <a:tailEnd type="triangle"/>
+          </a:ln>
+        </p:spPr>
+        <p:style>
+          <a:lnRef idx="1">
+            <a:schemeClr val="accent1"/>
+          </a:lnRef>
+          <a:fillRef idx="0">
+            <a:schemeClr val="accent1"/>
+          </a:fillRef>
+          <a:effectRef idx="0">
+            <a:schemeClr val="accent1"/>
+          </a:effectRef>
+          <a:fontRef idx="minor">
+            <a:schemeClr val="tx1"/>
+          </a:fontRef>
+        </p:style>
+      </p:cxnSp>
+      <p:pic>
+        <p:nvPicPr>
+          <p:cNvPr id="1026" name="Picture 2" descr="Plotly - Wikipedia">
+            <a:extLst>
+              <a:ext uri="{FF2B5EF4-FFF2-40B4-BE49-F238E27FC236}">
+                <a16:creationId xmlns:a16="http://schemas.microsoft.com/office/drawing/2014/main" id="{5257B108-9086-864A-AD1B-DEFB47CF360E}"/>
+              </a:ext>
+            </a:extLst>
+          </p:cNvPr>
+          <p:cNvPicPr>
+            <a:picLocks noChangeAspect="1" noChangeArrowheads="1"/>
+          </p:cNvPicPr>
+          <p:nvPr/>
+        </p:nvPicPr>
+        <p:blipFill>
+          <a:blip r:embed="rId2">
+            <a:extLst>
+              <a:ext uri="{28A0092B-C50C-407E-A947-70E740481C1C}">
+                <a14:useLocalDpi xmlns:a14="http://schemas.microsoft.com/office/drawing/2010/main" val="0"/>
+              </a:ext>
+            </a:extLst>
+          </a:blip>
+          <a:srcRect/>
+          <a:stretch>
+            <a:fillRect/>
+          </a:stretch>
+        </p:blipFill>
+        <p:spPr bwMode="auto">
+          <a:xfrm>
+            <a:off x="7228113" y="6092307"/>
+            <a:ext cx="1756229" cy="582400"/>
+          </a:xfrm>
+          <a:prstGeom prst="rect">
+            <a:avLst/>
+          </a:prstGeom>
+          <a:noFill/>
+          <a:extLst>
+            <a:ext uri="{909E8E84-426E-40DD-AFC4-6F175D3DCCD1}">
+              <a14:hiddenFill xmlns:a14="http://schemas.microsoft.com/office/drawing/2010/main">
+                <a:solidFill>
+                  <a:srgbClr val="FFFFFF"/>
+                </a:solidFill>
+              </a14:hiddenFill>
+            </a:ext>
+          </a:extLst>
+        </p:spPr>
+      </p:pic>
+      <p:pic>
+        <p:nvPicPr>
+          <p:cNvPr id="1030" name="Picture 6" descr="hvPlot 0.7.0 documentation">
+            <a:extLst>
+              <a:ext uri="{FF2B5EF4-FFF2-40B4-BE49-F238E27FC236}">
+                <a16:creationId xmlns:a16="http://schemas.microsoft.com/office/drawing/2014/main" id="{DD961E71-3DF6-0F4B-8679-DB7B2C767F15}"/>
+              </a:ext>
+            </a:extLst>
+          </p:cNvPr>
+          <p:cNvPicPr>
+            <a:picLocks noChangeAspect="1" noChangeArrowheads="1"/>
+          </p:cNvPicPr>
+          <p:nvPr/>
+        </p:nvPicPr>
+        <p:blipFill>
+          <a:blip r:embed="rId3">
+            <a:extLst>
+              <a:ext uri="{28A0092B-C50C-407E-A947-70E740481C1C}">
+                <a14:useLocalDpi xmlns:a14="http://schemas.microsoft.com/office/drawing/2010/main" val="0"/>
+              </a:ext>
+            </a:extLst>
+          </a:blip>
+          <a:srcRect/>
+          <a:stretch>
+            <a:fillRect/>
+          </a:stretch>
+        </p:blipFill>
+        <p:spPr bwMode="auto">
+          <a:xfrm>
+            <a:off x="9753597" y="6122421"/>
+            <a:ext cx="1567545" cy="486211"/>
+          </a:xfrm>
+          <a:prstGeom prst="rect">
+            <a:avLst/>
+          </a:prstGeom>
+          <a:noFill/>
+          <a:extLst>
+            <a:ext uri="{909E8E84-426E-40DD-AFC4-6F175D3DCCD1}">
+              <a14:hiddenFill xmlns:a14="http://schemas.microsoft.com/office/drawing/2010/main">
+                <a:solidFill>
+                  <a:srgbClr val="FFFFFF"/>
+                </a:solidFill>
+              </a14:hiddenFill>
+            </a:ext>
+          </a:extLst>
+        </p:spPr>
+      </p:pic>
+      <p:pic>
+        <p:nvPicPr>
+          <p:cNvPr id="1032" name="Picture 8" descr="pandas (software) - Wikipedia">
+            <a:extLst>
+              <a:ext uri="{FF2B5EF4-FFF2-40B4-BE49-F238E27FC236}">
+                <a16:creationId xmlns:a16="http://schemas.microsoft.com/office/drawing/2014/main" id="{200A321B-48E5-4245-8232-20DC348555E1}"/>
+              </a:ext>
+            </a:extLst>
+          </p:cNvPr>
+          <p:cNvPicPr>
+            <a:picLocks noChangeAspect="1" noChangeArrowheads="1"/>
+          </p:cNvPicPr>
+          <p:nvPr/>
+        </p:nvPicPr>
+        <p:blipFill>
+          <a:blip r:embed="rId4">
+            <a:extLst>
+              <a:ext uri="{28A0092B-C50C-407E-A947-70E740481C1C}">
+                <a14:useLocalDpi xmlns:a14="http://schemas.microsoft.com/office/drawing/2010/main" val="0"/>
+              </a:ext>
+            </a:extLst>
+          </a:blip>
+          <a:srcRect/>
+          <a:stretch>
+            <a:fillRect/>
+          </a:stretch>
+        </p:blipFill>
+        <p:spPr bwMode="auto">
+          <a:xfrm>
+            <a:off x="3372534" y="6026232"/>
+            <a:ext cx="1440989" cy="582400"/>
+          </a:xfrm>
+          <a:prstGeom prst="rect">
+            <a:avLst/>
+          </a:prstGeom>
+          <a:solidFill>
+            <a:schemeClr val="bg1"/>
+          </a:solidFill>
+        </p:spPr>
+      </p:pic>
+      <p:pic>
+        <p:nvPicPr>
+          <p:cNvPr id="1034" name="Picture 10" descr="seaborn: statistical data visualization — seaborn 0.11.1 documentation">
+            <a:extLst>
+              <a:ext uri="{FF2B5EF4-FFF2-40B4-BE49-F238E27FC236}">
+                <a16:creationId xmlns:a16="http://schemas.microsoft.com/office/drawing/2014/main" id="{9E658D67-A7D2-6547-8108-60398FF58448}"/>
+              </a:ext>
+            </a:extLst>
+          </p:cNvPr>
+          <p:cNvPicPr>
+            <a:picLocks noChangeAspect="1" noChangeArrowheads="1"/>
+          </p:cNvPicPr>
+          <p:nvPr/>
+        </p:nvPicPr>
+        <p:blipFill>
+          <a:blip r:embed="rId5">
+            <a:extLst>
+              <a:ext uri="{28A0092B-C50C-407E-A947-70E740481C1C}">
+                <a14:useLocalDpi xmlns:a14="http://schemas.microsoft.com/office/drawing/2010/main" val="0"/>
+              </a:ext>
+            </a:extLst>
+          </a:blip>
+          <a:srcRect/>
+          <a:stretch>
+            <a:fillRect/>
+          </a:stretch>
+        </p:blipFill>
+        <p:spPr bwMode="auto">
+          <a:xfrm>
+            <a:off x="769261" y="6083773"/>
+            <a:ext cx="1770739" cy="505925"/>
+          </a:xfrm>
+          <a:prstGeom prst="rect">
+            <a:avLst/>
+          </a:prstGeom>
+          <a:noFill/>
+          <a:extLst>
+            <a:ext uri="{909E8E84-426E-40DD-AFC4-6F175D3DCCD1}">
+              <a14:hiddenFill xmlns:a14="http://schemas.microsoft.com/office/drawing/2010/main">
+                <a:solidFill>
+                  <a:srgbClr val="FFFFFF"/>
+                </a:solidFill>
+              </a14:hiddenFill>
+            </a:ext>
+          </a:extLst>
+        </p:spPr>
+      </p:pic>
+    </p:spTree>
+    <p:extLst>
+      <p:ext uri="{BB962C8B-B14F-4D97-AF65-F5344CB8AC3E}">
+        <p14:creationId xmlns:p14="http://schemas.microsoft.com/office/powerpoint/2010/main" val="1735477267"/>
+      </p:ext>
+    </p:extLst>
+  </p:cSld>
+  <p:clrMapOvr>
+    <a:masterClrMapping/>
+  </p:clrMapOvr>
+</p:sld>
+</file>
+
+<file path=ppt/slides/slide16.xml><?xml version="1.0" encoding="utf-8"?>
+<p:sld xmlns:a="http://schemas.openxmlformats.org/drawingml/2006/main" xmlns:r="http://schemas.openxmlformats.org/officeDocument/2006/relationships" xmlns:p="http://schemas.openxmlformats.org/presentationml/2006/main">
+  <p:cSld>
+    <p:bg>
+      <p:bgPr>
+        <a:solidFill>
+          <a:schemeClr val="bg2"/>
+        </a:solidFill>
+        <a:effectLst/>
+      </p:bgPr>
+    </p:bg>
+    <p:spTree>
+      <p:nvGrpSpPr>
+        <p:cNvPr id="1" name=""/>
+        <p:cNvGrpSpPr/>
+        <p:nvPr/>
+      </p:nvGrpSpPr>
+      <p:grpSpPr>
+        <a:xfrm>
+          <a:off x="0" y="0"/>
+          <a:ext cx="0" cy="0"/>
+          <a:chOff x="0" y="0"/>
+          <a:chExt cx="0" cy="0"/>
+        </a:xfrm>
+      </p:grpSpPr>
+      <p:sp useBgFill="1">
+        <p:nvSpPr>
+          <p:cNvPr id="10" name="Rectangle 9">
+            <a:extLst>
+              <a:ext uri="{FF2B5EF4-FFF2-40B4-BE49-F238E27FC236}">
+                <a16:creationId xmlns:a16="http://schemas.microsoft.com/office/drawing/2014/main" id="{53F29798-D584-4792-9B62-3F5F5C36D619}"/>
+              </a:ext>
+              <a:ext uri="{C183D7F6-B498-43B3-948B-1728B52AA6E4}">
+                <adec:decorative xmlns:adec="http://schemas.microsoft.com/office/drawing/2017/decorative" val="1"/>
+              </a:ext>
+            </a:extLst>
+          </p:cNvPr>
+          <p:cNvSpPr>
+            <a:spLocks noGrp="1" noRot="1" noChangeAspect="1" noMove="1" noResize="1" noEditPoints="1" noAdjustHandles="1" noChangeArrowheads="1" noChangeShapeType="1" noTextEdit="1"/>
+          </p:cNvSpPr>
+          <p:nvPr>
+            <p:extLst>
+              <p:ext uri="{386F3935-93C4-4BCD-93E2-E3B085C9AB24}">
+                <p16:designElem xmlns:p16="http://schemas.microsoft.com/office/powerpoint/2015/main" val="1"/>
+              </p:ext>
+            </p:extLst>
+          </p:nvPr>
+        </p:nvSpPr>
+        <p:spPr>
+          <a:xfrm>
+            <a:off x="0" y="0"/>
+            <a:ext cx="12188952" cy="6858000"/>
+          </a:xfrm>
+          <a:prstGeom prst="rect">
+            <a:avLst/>
+          </a:prstGeom>
+          <a:ln>
+            <a:noFill/>
+          </a:ln>
+        </p:spPr>
+        <p:style>
+          <a:lnRef idx="2">
+            <a:schemeClr val="accent1">
+              <a:shade val="50000"/>
+            </a:schemeClr>
+          </a:lnRef>
+          <a:fillRef idx="1">
+            <a:schemeClr val="accent1"/>
+          </a:fillRef>
+          <a:effectRef idx="0">
+            <a:schemeClr val="accent1"/>
+          </a:effectRef>
+          <a:fontRef idx="minor">
+            <a:schemeClr val="lt1"/>
+          </a:fontRef>
+        </p:style>
+        <p:txBody>
+          <a:bodyPr rtlCol="0" anchor="ctr"/>
+          <a:lstStyle/>
+          <a:p>
+            <a:pPr algn="ctr"/>
+            <a:endParaRPr lang="en-US"/>
+          </a:p>
+        </p:txBody>
+      </p:sp>
+      <p:sp>
+        <p:nvSpPr>
+          <p:cNvPr id="2" name="Title 1">
+            <a:extLst>
+              <a:ext uri="{FF2B5EF4-FFF2-40B4-BE49-F238E27FC236}">
                 <a16:creationId xmlns:a16="http://schemas.microsoft.com/office/drawing/2014/main" id="{C8163A18-D894-FF42-A3CF-D81F0CB8B8FF}"/>
               </a:ext>
             </a:extLst>
@@ -5963,7 +6808,7 @@
 </p:sld>
 </file>
 
-<file path=ppt/slides/slide12.xml><?xml version="1.0" encoding="utf-8"?>
+<file path=ppt/slides/slide17.xml><?xml version="1.0" encoding="utf-8"?>
 <p:sld xmlns:a="http://schemas.openxmlformats.org/drawingml/2006/main" xmlns:r="http://schemas.openxmlformats.org/officeDocument/2006/relationships" xmlns:p="http://schemas.openxmlformats.org/presentationml/2006/main">
   <p:cSld>
     <p:spTree>
@@ -6385,321 +7230,247 @@
       </p:grpSpPr>
       <p:sp>
         <p:nvSpPr>
-          <p:cNvPr id="13" name="Rectangle 15">
-            <a:extLst>
-              <a:ext uri="{FF2B5EF4-FFF2-40B4-BE49-F238E27FC236}">
-                <a16:creationId xmlns:a16="http://schemas.microsoft.com/office/drawing/2014/main" id="{BEE73255-8084-4DF9-BB0B-15EAC92E2CB9}"/>
-              </a:ext>
-              <a:ext uri="{C183D7F6-B498-43B3-948B-1728B52AA6E4}">
-                <adec:decorative xmlns:adec="http://schemas.microsoft.com/office/drawing/2017/decorative" val="1"/>
-              </a:ext>
-            </a:extLst>
-          </p:cNvPr>
-          <p:cNvSpPr>
-            <a:spLocks noGrp="1" noRot="1" noChangeAspect="1" noMove="1" noResize="1" noEditPoints="1" noAdjustHandles="1" noChangeArrowheads="1" noChangeShapeType="1" noTextEdit="1"/>
-          </p:cNvSpPr>
-          <p:nvPr>
-            <p:extLst>
-              <p:ext uri="{386F3935-93C4-4BCD-93E2-E3B085C9AB24}">
-                <p16:designElem xmlns:p16="http://schemas.microsoft.com/office/powerpoint/2015/main" val="1"/>
-              </p:ext>
-            </p:extLst>
-          </p:nvPr>
-        </p:nvSpPr>
-        <p:spPr>
-          <a:xfrm>
-            <a:off x="0" y="0"/>
-            <a:ext cx="12192000" cy="6858000"/>
-          </a:xfrm>
-          <a:prstGeom prst="rect">
-            <a:avLst/>
-          </a:prstGeom>
+          <p:cNvPr id="2" name="Title 1">
+            <a:extLst>
+              <a:ext uri="{FF2B5EF4-FFF2-40B4-BE49-F238E27FC236}">
+                <a16:creationId xmlns:a16="http://schemas.microsoft.com/office/drawing/2014/main" id="{7542C562-6C8A-EA4C-AA34-115B8EFE2331}"/>
+              </a:ext>
+            </a:extLst>
+          </p:cNvPr>
+          <p:cNvSpPr>
+            <a:spLocks noGrp="1"/>
+          </p:cNvSpPr>
+          <p:nvPr>
+            <p:ph type="title"/>
+          </p:nvPr>
+        </p:nvSpPr>
+        <p:spPr>
+          <a:xfrm>
+            <a:off x="0" y="18255"/>
+            <a:ext cx="12192000" cy="1325563"/>
+          </a:xfrm>
           <a:solidFill>
-            <a:srgbClr val="C8CACA"/>
+            <a:schemeClr val="bg1"/>
           </a:solidFill>
-          <a:ln>
-            <a:noFill/>
-          </a:ln>
-        </p:spPr>
-        <p:style>
-          <a:lnRef idx="2">
-            <a:schemeClr val="accent1">
-              <a:shade val="50000"/>
-            </a:schemeClr>
-          </a:lnRef>
-          <a:fillRef idx="1">
-            <a:schemeClr val="accent1"/>
-          </a:fillRef>
-          <a:effectRef idx="0">
-            <a:schemeClr val="accent1"/>
-          </a:effectRef>
-          <a:fontRef idx="minor">
-            <a:schemeClr val="lt1"/>
-          </a:fontRef>
-        </p:style>
-        <p:txBody>
-          <a:bodyPr rtlCol="0" anchor="ctr"/>
+        </p:spPr>
+        <p:txBody>
+          <a:bodyPr/>
           <a:lstStyle/>
           <a:p>
             <a:pPr algn="ctr"/>
-            <a:endParaRPr lang="en-US"/>
-          </a:p>
-        </p:txBody>
-      </p:sp>
-      <p:sp>
-        <p:nvSpPr>
-          <p:cNvPr id="7" name="TextBox 6">
-            <a:extLst>
-              <a:ext uri="{FF2B5EF4-FFF2-40B4-BE49-F238E27FC236}">
-                <a16:creationId xmlns:a16="http://schemas.microsoft.com/office/drawing/2014/main" id="{AA36F465-9DE2-D246-B562-24C196A6B2F5}"/>
-              </a:ext>
-            </a:extLst>
-          </p:cNvPr>
-          <p:cNvSpPr txBox="1"/>
-          <p:nvPr/>
-        </p:nvSpPr>
-        <p:spPr>
-          <a:xfrm>
-            <a:off x="603938" y="640081"/>
-            <a:ext cx="2608655" cy="5257799"/>
-          </a:xfrm>
-          <a:prstGeom prst="rect">
-            <a:avLst/>
-          </a:prstGeom>
-        </p:spPr>
-        <p:txBody>
-          <a:bodyPr vert="horz" lIns="91440" tIns="45720" rIns="91440" bIns="45720" rtlCol="0" anchor="ctr">
-            <a:normAutofit/>
+            <a:r>
+              <a:rPr lang="en-NL"/>
+              <a:t>Wat we gaan doen de komende 2 dagen</a:t>
+            </a:r>
+          </a:p>
+        </p:txBody>
+      </p:sp>
+      <p:sp>
+        <p:nvSpPr>
+          <p:cNvPr id="3" name="Content Placeholder 2">
+            <a:extLst>
+              <a:ext uri="{FF2B5EF4-FFF2-40B4-BE49-F238E27FC236}">
+                <a16:creationId xmlns:a16="http://schemas.microsoft.com/office/drawing/2014/main" id="{6193BE97-E656-F74F-9B05-8B879B054C6F}"/>
+              </a:ext>
+            </a:extLst>
+          </p:cNvPr>
+          <p:cNvSpPr>
+            <a:spLocks noGrp="1"/>
+          </p:cNvSpPr>
+          <p:nvPr>
+            <p:ph idx="1"/>
+          </p:nvPr>
+        </p:nvSpPr>
+        <p:spPr>
+          <a:xfrm>
+            <a:off x="783771" y="1843314"/>
+            <a:ext cx="10570029" cy="4775200"/>
+          </a:xfrm>
+          <a:solidFill>
+            <a:schemeClr val="bg1"/>
+          </a:solidFill>
+        </p:spPr>
+        <p:txBody>
+          <a:bodyPr>
+            <a:normAutofit fontScale="70000" lnSpcReduction="20000"/>
           </a:bodyPr>
           <a:lstStyle/>
           <a:p>
-            <a:pPr>
-              <a:lnSpc>
-                <a:spcPct val="90000"/>
-              </a:lnSpc>
-              <a:spcBef>
-                <a:spcPct val="0"/>
-              </a:spcBef>
-              <a:spcAft>
-                <a:spcPts val="600"/>
-              </a:spcAft>
+            <a:r>
+              <a:rPr lang="en-NL" sz="2600"/>
+              <a:t>Introductie: </a:t>
+            </a:r>
+          </a:p>
+          <a:p>
+            <a:pPr lvl="1">
+              <a:buFont typeface="Courier New" panose="02070309020205020404" pitchFamily="49" charset="0"/>
+              <a:buChar char="o"/>
             </a:pPr>
             <a:r>
-              <a:rPr lang="en-US" sz="3600">
-                <a:solidFill>
-                  <a:srgbClr val="2C2C2C"/>
-                </a:solidFill>
-                <a:latin typeface="+mj-lt"/>
-                <a:ea typeface="+mj-ea"/>
-                <a:cs typeface="+mj-cs"/>
+              <a:rPr lang="en-NL" sz="2100"/>
+              <a:t>waar werk je nu, </a:t>
+            </a:r>
+          </a:p>
+          <a:p>
+            <a:pPr lvl="1">
+              <a:buFont typeface="Courier New" panose="02070309020205020404" pitchFamily="49" charset="0"/>
+              <a:buChar char="o"/>
+            </a:pPr>
+            <a:r>
+              <a:rPr lang="en-NL" sz="2100"/>
+              <a:t>met welke software, </a:t>
+            </a:r>
+          </a:p>
+          <a:p>
+            <a:pPr lvl="1">
+              <a:buFont typeface="Courier New" panose="02070309020205020404" pitchFamily="49" charset="0"/>
+              <a:buChar char="o"/>
+            </a:pPr>
+            <a:r>
+              <a:rPr lang="en-NL" sz="2100"/>
+              <a:t>gebruik je nu Python, </a:t>
+            </a:r>
+          </a:p>
+          <a:p>
+            <a:pPr lvl="1">
+              <a:buFont typeface="Courier New" panose="02070309020205020404" pitchFamily="49" charset="0"/>
+              <a:buChar char="o"/>
+            </a:pPr>
+            <a:r>
+              <a:rPr lang="en-NL" sz="2100"/>
+              <a:t>en: wat wil je vandaag leren</a:t>
+            </a:r>
+          </a:p>
+          <a:p>
+            <a:pPr marL="0" indent="0">
+              <a:buNone/>
+            </a:pPr>
+            <a:endParaRPr lang="en-NL" sz="2500"/>
+          </a:p>
+          <a:p>
+            <a:r>
+              <a:rPr lang="en-NL" sz="2600"/>
+              <a:t>Highover uitleg Python, Pandas en belangrijkste Python data libraries</a:t>
+            </a:r>
+          </a:p>
+          <a:p>
+            <a:r>
+              <a:rPr lang="en-NL" sz="2600"/>
+              <a:t>Intro Jupyter Notebook + Python refresher + opstarten VM</a:t>
+            </a:r>
+          </a:p>
+          <a:p>
+            <a:r>
+              <a:rPr lang="en-NL" sz="2600"/>
+              <a:t>Data inlezen   				---&gt; pd.read_csv()</a:t>
+            </a:r>
+          </a:p>
+          <a:p>
+            <a:r>
+              <a:rPr lang="en-NL" sz="2600"/>
+              <a:t>Data inspectie 				---&gt; df.info()   df.head()    df.describe()</a:t>
+            </a:r>
+          </a:p>
+          <a:p>
+            <a:r>
+              <a:rPr lang="en-NL" sz="2600"/>
+              <a:t>Data selectie 				---&gt; df[df.column == ‘value’]   df.loc[df.column == ‘value’, :]</a:t>
+            </a:r>
+          </a:p>
+          <a:p>
+            <a:r>
+              <a:rPr lang="en-NL" sz="2600"/>
+              <a:t>Data wrangling 	                                   	---&gt; df[‘column’].fillna()  of df.drop_duplicates()</a:t>
+            </a:r>
+          </a:p>
+          <a:p>
+            <a:r>
+              <a:rPr lang="en-NL" sz="2600"/>
+              <a:t>Data joinen   		                 		---&gt; df.merge(df2)</a:t>
+            </a:r>
+          </a:p>
+          <a:p>
+            <a:r>
+              <a:rPr lang="en-NL" sz="2600"/>
+              <a:t>Data visualisatie 	                     		</a:t>
+            </a:r>
+            <a:r>
+              <a:rPr lang="en-NL" sz="2600">
+                <a:sym typeface="Wingdings" pitchFamily="2" charset="2"/>
               </a:rPr>
-              <a:t>Twee wegen die naar Python leiden</a:t>
-            </a:r>
-          </a:p>
-        </p:txBody>
-      </p:sp>
-      <p:sp>
-        <p:nvSpPr>
-          <p:cNvPr id="18" name="Rounded Rectangle 9">
-            <a:extLst>
-              <a:ext uri="{FF2B5EF4-FFF2-40B4-BE49-F238E27FC236}">
-                <a16:creationId xmlns:a16="http://schemas.microsoft.com/office/drawing/2014/main" id="{67048353-8981-459A-9BC6-9711CE462E06}"/>
-              </a:ext>
-              <a:ext uri="{C183D7F6-B498-43B3-948B-1728B52AA6E4}">
-                <adec:decorative xmlns:adec="http://schemas.microsoft.com/office/drawing/2017/decorative" val="1"/>
-              </a:ext>
-            </a:extLst>
-          </p:cNvPr>
-          <p:cNvSpPr>
-            <a:spLocks noGrp="1" noRot="1" noChangeAspect="1" noMove="1" noResize="1" noEditPoints="1" noAdjustHandles="1" noChangeArrowheads="1" noChangeShapeType="1" noTextEdit="1"/>
-          </p:cNvSpPr>
-          <p:nvPr>
-            <p:extLst>
-              <p:ext uri="{386F3935-93C4-4BCD-93E2-E3B085C9AB24}">
-                <p16:designElem xmlns:p16="http://schemas.microsoft.com/office/powerpoint/2015/main" val="1"/>
-              </p:ext>
-            </p:extLst>
-          </p:nvPr>
-        </p:nvSpPr>
-        <p:spPr>
-          <a:xfrm>
-            <a:off x="3580067" y="484632"/>
-            <a:ext cx="8129016" cy="5724144"/>
-          </a:xfrm>
-          <a:prstGeom prst="roundRect">
-            <a:avLst>
-              <a:gd name="adj" fmla="val 0"/>
-            </a:avLst>
-          </a:prstGeom>
-          <a:solidFill>
-            <a:srgbClr val="FFFFFF"/>
-          </a:solidFill>
-          <a:ln w="9525">
-            <a:solidFill>
-              <a:srgbClr val="C8CACA"/>
-            </a:solidFill>
-          </a:ln>
-          <a:effectLst>
-            <a:outerShdw blurRad="57150" dist="19050" dir="5400000" algn="t" rotWithShape="0">
-              <a:prstClr val="black">
-                <a:alpha val="63000"/>
-              </a:prstClr>
-            </a:outerShdw>
-          </a:effectLst>
-        </p:spPr>
-        <p:style>
-          <a:lnRef idx="2">
-            <a:schemeClr val="accent1">
-              <a:shade val="50000"/>
-            </a:schemeClr>
-          </a:lnRef>
-          <a:fillRef idx="1">
-            <a:schemeClr val="accent1"/>
-          </a:fillRef>
-          <a:effectRef idx="0">
-            <a:schemeClr val="accent1"/>
-          </a:effectRef>
-          <a:fontRef idx="minor">
-            <a:schemeClr val="lt1"/>
-          </a:fontRef>
-        </p:style>
-        <p:txBody>
-          <a:bodyPr rtlCol="0" anchor="ctr"/>
-          <a:lstStyle/>
-          <a:p>
-            <a:pPr algn="ctr"/>
-            <a:endParaRPr lang="en-US"/>
-          </a:p>
-        </p:txBody>
-      </p:sp>
-      <p:sp>
-        <p:nvSpPr>
-          <p:cNvPr id="17" name="Rectangle 16">
-            <a:extLst>
-              <a:ext uri="{FF2B5EF4-FFF2-40B4-BE49-F238E27FC236}">
-                <a16:creationId xmlns:a16="http://schemas.microsoft.com/office/drawing/2014/main" id="{B9D3F121-50F4-AB4E-B6AD-8A44B417D09C}"/>
-              </a:ext>
-            </a:extLst>
-          </p:cNvPr>
-          <p:cNvSpPr/>
-          <p:nvPr/>
-        </p:nvSpPr>
-        <p:spPr>
-          <a:xfrm>
-            <a:off x="5123542" y="1083782"/>
-            <a:ext cx="1944915" cy="568411"/>
-          </a:xfrm>
-          <a:prstGeom prst="rect">
-            <a:avLst/>
-          </a:prstGeom>
-        </p:spPr>
-        <p:style>
-          <a:lnRef idx="2">
-            <a:schemeClr val="accent6"/>
-          </a:lnRef>
-          <a:fillRef idx="1">
-            <a:schemeClr val="lt1"/>
-          </a:fillRef>
-          <a:effectRef idx="0">
-            <a:schemeClr val="accent6"/>
-          </a:effectRef>
-          <a:fontRef idx="minor">
-            <a:schemeClr val="dk1"/>
-          </a:fontRef>
-        </p:style>
-        <p:txBody>
-          <a:bodyPr rtlCol="0" anchor="ctr"/>
-          <a:lstStyle/>
-          <a:p>
-            <a:pPr algn="ctr"/>
-            <a:r>
-              <a:rPr lang="en-NL"/>
-              <a:t>Data Science / Data Engineering</a:t>
-            </a:r>
-          </a:p>
-        </p:txBody>
-      </p:sp>
-      <p:sp>
-        <p:nvSpPr>
-          <p:cNvPr id="19" name="Rectangle 18">
-            <a:extLst>
-              <a:ext uri="{FF2B5EF4-FFF2-40B4-BE49-F238E27FC236}">
-                <a16:creationId xmlns:a16="http://schemas.microsoft.com/office/drawing/2014/main" id="{6C028D48-9D05-FB47-92E7-D55C77AB2E71}"/>
-              </a:ext>
-            </a:extLst>
-          </p:cNvPr>
-          <p:cNvSpPr/>
-          <p:nvPr/>
-        </p:nvSpPr>
-        <p:spPr>
-          <a:xfrm>
-            <a:off x="8611932" y="1100691"/>
-            <a:ext cx="2207643" cy="568411"/>
-          </a:xfrm>
-          <a:prstGeom prst="rect">
-            <a:avLst/>
-          </a:prstGeom>
-        </p:spPr>
-        <p:style>
-          <a:lnRef idx="2">
-            <a:schemeClr val="accent6"/>
-          </a:lnRef>
-          <a:fillRef idx="1">
-            <a:schemeClr val="lt1"/>
-          </a:fillRef>
-          <a:effectRef idx="0">
-            <a:schemeClr val="accent6"/>
-          </a:effectRef>
-          <a:fontRef idx="minor">
-            <a:schemeClr val="dk1"/>
-          </a:fontRef>
-        </p:style>
-        <p:txBody>
-          <a:bodyPr rtlCol="0" anchor="ctr"/>
-          <a:lstStyle/>
-          <a:p>
-            <a:pPr algn="ctr"/>
-            <a:r>
-              <a:rPr lang="en-NL"/>
-              <a:t>Backend Web Development</a:t>
-            </a:r>
-          </a:p>
-        </p:txBody>
-      </p:sp>
-      <p:pic>
-        <p:nvPicPr>
-          <p:cNvPr id="21" name="Picture 20" descr="Text, map&#10;&#10;Description automatically generated">
-            <a:extLst>
-              <a:ext uri="{FF2B5EF4-FFF2-40B4-BE49-F238E27FC236}">
-                <a16:creationId xmlns:a16="http://schemas.microsoft.com/office/drawing/2014/main" id="{2F429831-F587-D841-AD9D-A16BBA925871}"/>
-              </a:ext>
-            </a:extLst>
-          </p:cNvPr>
-          <p:cNvPicPr>
-            <a:picLocks noChangeAspect="1"/>
-          </p:cNvPicPr>
-          <p:nvPr/>
-        </p:nvPicPr>
-        <p:blipFill>
-          <a:blip r:embed="rId3"/>
-          <a:stretch>
-            <a:fillRect/>
-          </a:stretch>
-        </p:blipFill>
-        <p:spPr>
-          <a:xfrm>
-            <a:off x="4469575" y="1711375"/>
-            <a:ext cx="6350000" cy="3810000"/>
-          </a:xfrm>
-          <a:prstGeom prst="rect">
-            <a:avLst/>
-          </a:prstGeom>
-        </p:spPr>
-      </p:pic>
+              <a:t>---&gt; </a:t>
+            </a:r>
+            <a:r>
+              <a:rPr lang="en-NL" sz="2600"/>
+              <a:t>df.plot()</a:t>
+            </a:r>
+          </a:p>
+          <a:p>
+            <a:r>
+              <a:rPr lang="en-NL" sz="2600"/>
+              <a:t>Eigen functies toepassen              		-</a:t>
+            </a:r>
+            <a:r>
+              <a:rPr lang="en-NL" sz="2600">
+                <a:sym typeface="Wingdings" pitchFamily="2" charset="2"/>
+              </a:rPr>
+              <a:t>--&gt; </a:t>
+            </a:r>
+            <a:r>
+              <a:rPr lang="en-NL" sz="2600"/>
+              <a:t>df.apply(my_own_function)</a:t>
+            </a:r>
+          </a:p>
+          <a:p>
+            <a:r>
+              <a:rPr lang="en-NL" sz="2600"/>
+              <a:t>Installeren Jupyter + Python + Pandas	-</a:t>
+            </a:r>
+            <a:r>
+              <a:rPr lang="en-NL" sz="2600">
+                <a:sym typeface="Wingdings" pitchFamily="2" charset="2"/>
+              </a:rPr>
+              <a:t>--&gt; pip install pandas</a:t>
+            </a:r>
+            <a:endParaRPr lang="en-NL" sz="2600"/>
+          </a:p>
+          <a:p>
+            <a:endParaRPr lang="en-NL"/>
+          </a:p>
+          <a:p>
+            <a:pPr lvl="1">
+              <a:buFont typeface="Courier New" panose="02070309020205020404" pitchFamily="49" charset="0"/>
+              <a:buChar char="o"/>
+            </a:pPr>
+            <a:endParaRPr lang="en-NL"/>
+          </a:p>
+          <a:p>
+            <a:pPr lvl="1">
+              <a:buFont typeface="Courier New" panose="02070309020205020404" pitchFamily="49" charset="0"/>
+              <a:buChar char="o"/>
+            </a:pPr>
+            <a:endParaRPr lang="en-NL"/>
+          </a:p>
+          <a:p>
+            <a:pPr lvl="1">
+              <a:buFont typeface="Courier New" panose="02070309020205020404" pitchFamily="49" charset="0"/>
+              <a:buChar char="o"/>
+            </a:pPr>
+            <a:endParaRPr lang="en-NL"/>
+          </a:p>
+          <a:p>
+            <a:pPr lvl="1">
+              <a:buFont typeface="Courier New" panose="02070309020205020404" pitchFamily="49" charset="0"/>
+              <a:buChar char="o"/>
+            </a:pPr>
+            <a:endParaRPr lang="en-NL"/>
+          </a:p>
+        </p:txBody>
+      </p:sp>
     </p:spTree>
     <p:extLst>
       <p:ext uri="{BB962C8B-B14F-4D97-AF65-F5344CB8AC3E}">
-        <p14:creationId xmlns:p14="http://schemas.microsoft.com/office/powerpoint/2010/main" val="3152156881"/>
+        <p14:creationId xmlns:p14="http://schemas.microsoft.com/office/powerpoint/2010/main" val="1512373698"/>
       </p:ext>
     </p:extLst>
   </p:cSld>
@@ -6715,7 +7486,7 @@
     <p:bg>
       <p:bgPr>
         <a:solidFill>
-          <a:schemeClr val="bg1"/>
+          <a:schemeClr val="bg2"/>
         </a:solidFill>
         <a:effectLst/>
       </p:bgPr>
@@ -6736,413 +7507,142 @@
       </p:grpSpPr>
       <p:sp>
         <p:nvSpPr>
-          <p:cNvPr id="7" name="TextBox 6">
-            <a:extLst>
-              <a:ext uri="{FF2B5EF4-FFF2-40B4-BE49-F238E27FC236}">
-                <a16:creationId xmlns:a16="http://schemas.microsoft.com/office/drawing/2014/main" id="{AA36F465-9DE2-D246-B562-24C196A6B2F5}"/>
-              </a:ext>
-            </a:extLst>
-          </p:cNvPr>
-          <p:cNvSpPr txBox="1"/>
-          <p:nvPr/>
-        </p:nvSpPr>
-        <p:spPr>
-          <a:xfrm>
-            <a:off x="645859" y="640081"/>
-            <a:ext cx="3494341" cy="3793488"/>
-          </a:xfrm>
-          <a:prstGeom prst="rect">
-            <a:avLst/>
-          </a:prstGeom>
-          <a:noFill/>
-        </p:spPr>
-        <p:txBody>
-          <a:bodyPr vert="horz" lIns="91440" tIns="45720" rIns="91440" bIns="45720" rtlCol="0" anchor="b">
-            <a:normAutofit/>
+          <p:cNvPr id="2" name="Title 1">
+            <a:extLst>
+              <a:ext uri="{FF2B5EF4-FFF2-40B4-BE49-F238E27FC236}">
+                <a16:creationId xmlns:a16="http://schemas.microsoft.com/office/drawing/2014/main" id="{84C5209A-0C9B-4A42-ABE6-6C5A9CEB6F51}"/>
+              </a:ext>
+            </a:extLst>
+          </p:cNvPr>
+          <p:cNvSpPr>
+            <a:spLocks noGrp="1"/>
+          </p:cNvSpPr>
+          <p:nvPr>
+            <p:ph type="title"/>
+          </p:nvPr>
+        </p:nvSpPr>
+        <p:spPr>
+          <a:xfrm>
+            <a:off x="0" y="0"/>
+            <a:ext cx="12192000" cy="1532238"/>
+          </a:xfrm>
+          <a:solidFill>
+            <a:schemeClr val="bg1"/>
+          </a:solidFill>
+        </p:spPr>
+        <p:txBody>
+          <a:bodyPr/>
+          <a:lstStyle/>
+          <a:p>
+            <a:r>
+              <a:rPr lang="en-NL"/>
+              <a:t>Why is it handy to know some python / pandas?</a:t>
+            </a:r>
+          </a:p>
+        </p:txBody>
+      </p:sp>
+      <p:sp>
+        <p:nvSpPr>
+          <p:cNvPr id="3" name="Content Placeholder 2">
+            <a:extLst>
+              <a:ext uri="{FF2B5EF4-FFF2-40B4-BE49-F238E27FC236}">
+                <a16:creationId xmlns:a16="http://schemas.microsoft.com/office/drawing/2014/main" id="{5B70B87F-8D1E-F04B-9D7C-D2C77F873AE9}"/>
+              </a:ext>
+            </a:extLst>
+          </p:cNvPr>
+          <p:cNvSpPr>
+            <a:spLocks noGrp="1"/>
+          </p:cNvSpPr>
+          <p:nvPr>
+            <p:ph idx="1"/>
+          </p:nvPr>
+        </p:nvSpPr>
+        <p:spPr>
+          <a:xfrm>
+            <a:off x="838200" y="2023333"/>
+            <a:ext cx="10515600" cy="4351338"/>
+          </a:xfrm>
+          <a:solidFill>
+            <a:schemeClr val="bg1"/>
+          </a:solidFill>
+        </p:spPr>
+        <p:txBody>
+          <a:bodyPr>
+            <a:normAutofit fontScale="92500" lnSpcReduction="10000"/>
           </a:bodyPr>
           <a:lstStyle/>
           <a:p>
-            <a:pPr>
-              <a:lnSpc>
-                <a:spcPct val="90000"/>
-              </a:lnSpc>
-              <a:spcBef>
-                <a:spcPct val="0"/>
-              </a:spcBef>
-              <a:spcAft>
-                <a:spcPts val="600"/>
-              </a:spcAft>
+            <a:r>
+              <a:rPr lang="en-NL"/>
+              <a:t>veel gebruikt voor data analysis en machine learning</a:t>
+            </a:r>
+          </a:p>
+          <a:p>
+            <a:r>
+              <a:rPr lang="en-NL"/>
+              <a:t>steeds vaker ingezet voor data engineering: pandas en python zijn zeer flexibel voor data wrangling</a:t>
+            </a:r>
+          </a:p>
+          <a:p>
+            <a:r>
+              <a:rPr lang="en-NL"/>
+              <a:t>als je de pandas API enigszins kent, dan helpt dat bijv. ook weer met databricks / pyspark</a:t>
+            </a:r>
+          </a:p>
+          <a:p>
+            <a:r>
+              <a:rPr lang="en-NL"/>
+              <a:t>steeds groter Python data ecosystem, bijv. scheduling met Airflow</a:t>
+            </a:r>
+          </a:p>
+          <a:p>
+            <a:r>
+              <a:rPr lang="en-NL"/>
+              <a:t>makkelijk om met python API’s aan te spreken</a:t>
+            </a:r>
+          </a:p>
+          <a:p>
+            <a:r>
+              <a:rPr lang="en-NL"/>
+              <a:t>websites scrapen</a:t>
+            </a:r>
+          </a:p>
+          <a:p>
+            <a:r>
+              <a:rPr lang="en-NL"/>
+              <a:t>zeer leesbare code (relatief)</a:t>
+            </a:r>
+          </a:p>
+          <a:p>
+            <a:r>
+              <a:rPr lang="en-NL"/>
+              <a:t>en hopelijk: leuk om wat nieuws te leren </a:t>
+            </a:r>
+          </a:p>
+          <a:p>
+            <a:endParaRPr lang="en-NL"/>
+          </a:p>
+          <a:p>
+            <a:endParaRPr lang="en-NL"/>
+          </a:p>
+          <a:p>
+            <a:endParaRPr lang="en-NL"/>
+          </a:p>
+          <a:p>
+            <a:pPr marL="0" indent="0">
+              <a:buNone/>
             </a:pPr>
-            <a:r>
-              <a:rPr lang="en-US" sz="4600">
-                <a:latin typeface="+mj-lt"/>
-                <a:ea typeface="+mj-ea"/>
-                <a:cs typeface="+mj-cs"/>
-              </a:rPr>
-              <a:t>Python Data Science Libraries</a:t>
-            </a:r>
-          </a:p>
-        </p:txBody>
-      </p:sp>
-      <p:sp>
-        <p:nvSpPr>
-          <p:cNvPr id="12" name="Rectangle 11">
-            <a:extLst>
-              <a:ext uri="{FF2B5EF4-FFF2-40B4-BE49-F238E27FC236}">
-                <a16:creationId xmlns:a16="http://schemas.microsoft.com/office/drawing/2014/main" id="{71FC7D98-7B8B-402A-90FC-F027482F2142}"/>
-              </a:ext>
-              <a:ext uri="{C183D7F6-B498-43B3-948B-1728B52AA6E4}">
-                <adec:decorative xmlns:adec="http://schemas.microsoft.com/office/drawing/2017/decorative" val="1"/>
-              </a:ext>
-            </a:extLst>
-          </p:cNvPr>
-          <p:cNvSpPr>
-            <a:spLocks noGrp="1" noRot="1" noChangeAspect="1" noMove="1" noResize="1" noEditPoints="1" noAdjustHandles="1" noChangeArrowheads="1" noChangeShapeType="1" noTextEdit="1"/>
-          </p:cNvSpPr>
-          <p:nvPr>
-            <p:extLst>
-              <p:ext uri="{386F3935-93C4-4BCD-93E2-E3B085C9AB24}">
-                <p16:designElem xmlns:p16="http://schemas.microsoft.com/office/powerpoint/2015/main" val="1"/>
-              </p:ext>
-            </p:extLst>
-          </p:nvPr>
-        </p:nvSpPr>
-        <p:spPr>
-          <a:xfrm>
-            <a:off x="4625926" y="0"/>
-            <a:ext cx="7566074" cy="6858000"/>
-          </a:xfrm>
-          <a:prstGeom prst="rect">
-            <a:avLst/>
-          </a:prstGeom>
-          <a:solidFill>
-            <a:srgbClr val="C8CACA"/>
-          </a:solidFill>
-          <a:ln>
-            <a:noFill/>
-          </a:ln>
-        </p:spPr>
-        <p:style>
-          <a:lnRef idx="2">
-            <a:schemeClr val="accent1">
-              <a:shade val="50000"/>
-            </a:schemeClr>
-          </a:lnRef>
-          <a:fillRef idx="1">
-            <a:schemeClr val="accent1"/>
-          </a:fillRef>
-          <a:effectRef idx="0">
-            <a:schemeClr val="accent1"/>
-          </a:effectRef>
-          <a:fontRef idx="minor">
-            <a:schemeClr val="lt1"/>
-          </a:fontRef>
-        </p:style>
-        <p:txBody>
-          <a:bodyPr rtlCol="0" anchor="ctr"/>
-          <a:lstStyle/>
-          <a:p>
-            <a:pPr algn="ctr"/>
-            <a:endParaRPr lang="en-US"/>
-          </a:p>
-        </p:txBody>
-      </p:sp>
-      <p:sp>
-        <p:nvSpPr>
-          <p:cNvPr id="14" name="Rounded Rectangle 28">
-            <a:extLst>
-              <a:ext uri="{FF2B5EF4-FFF2-40B4-BE49-F238E27FC236}">
-                <a16:creationId xmlns:a16="http://schemas.microsoft.com/office/drawing/2014/main" id="{AD7356EA-285B-4E5D-8FEC-104659A4FD2C}"/>
-              </a:ext>
-              <a:ext uri="{C183D7F6-B498-43B3-948B-1728B52AA6E4}">
-                <adec:decorative xmlns:adec="http://schemas.microsoft.com/office/drawing/2017/decorative" val="1"/>
-              </a:ext>
-            </a:extLst>
-          </p:cNvPr>
-          <p:cNvSpPr>
-            <a:spLocks noGrp="1" noRot="1" noChangeAspect="1" noMove="1" noResize="1" noEditPoints="1" noAdjustHandles="1" noChangeArrowheads="1" noChangeShapeType="1" noTextEdit="1"/>
-          </p:cNvSpPr>
-          <p:nvPr>
-            <p:extLst>
-              <p:ext uri="{386F3935-93C4-4BCD-93E2-E3B085C9AB24}">
-                <p16:designElem xmlns:p16="http://schemas.microsoft.com/office/powerpoint/2015/main" val="1"/>
-              </p:ext>
-            </p:extLst>
-          </p:nvPr>
-        </p:nvSpPr>
-        <p:spPr>
-          <a:xfrm>
-            <a:off x="5275903" y="640091"/>
-            <a:ext cx="6266120" cy="5577818"/>
-          </a:xfrm>
-          <a:prstGeom prst="roundRect">
-            <a:avLst>
-              <a:gd name="adj" fmla="val 0"/>
-            </a:avLst>
-          </a:prstGeom>
-          <a:solidFill>
-            <a:srgbClr val="FFFFFF"/>
-          </a:solidFill>
-          <a:ln w="9525">
-            <a:solidFill>
-              <a:srgbClr val="C8CACA"/>
-            </a:solidFill>
-          </a:ln>
-          <a:effectLst>
-            <a:outerShdw blurRad="57150" dist="19050" dir="5400000" algn="t" rotWithShape="0">
-              <a:prstClr val="black">
-                <a:alpha val="63000"/>
-              </a:prstClr>
-            </a:outerShdw>
-          </a:effectLst>
-        </p:spPr>
-        <p:style>
-          <a:lnRef idx="2">
-            <a:schemeClr val="accent1">
-              <a:shade val="50000"/>
-            </a:schemeClr>
-          </a:lnRef>
-          <a:fillRef idx="1">
-            <a:schemeClr val="accent1"/>
-          </a:fillRef>
-          <a:effectRef idx="0">
-            <a:schemeClr val="accent1"/>
-          </a:effectRef>
-          <a:fontRef idx="minor">
-            <a:schemeClr val="lt1"/>
-          </a:fontRef>
-        </p:style>
-        <p:txBody>
-          <a:bodyPr rtlCol="0" anchor="ctr"/>
-          <a:lstStyle/>
-          <a:p>
-            <a:pPr algn="ctr"/>
-            <a:endParaRPr lang="en-US"/>
-          </a:p>
-        </p:txBody>
-      </p:sp>
-      <p:pic>
-        <p:nvPicPr>
-          <p:cNvPr id="3" name="Picture 2" descr="A picture containing diagram&#10;&#10;Description automatically generated">
-            <a:extLst>
-              <a:ext uri="{FF2B5EF4-FFF2-40B4-BE49-F238E27FC236}">
-                <a16:creationId xmlns:a16="http://schemas.microsoft.com/office/drawing/2014/main" id="{0A5DDF88-DAD1-E345-86DF-FAADDBFB57FD}"/>
-              </a:ext>
-            </a:extLst>
-          </p:cNvPr>
-          <p:cNvPicPr>
-            <a:picLocks noChangeAspect="1"/>
-          </p:cNvPicPr>
-          <p:nvPr/>
-        </p:nvPicPr>
-        <p:blipFill rotWithShape="1">
-          <a:blip r:embed="rId3"/>
-          <a:srcRect l="3611"/>
-          <a:stretch/>
-        </p:blipFill>
-        <p:spPr>
-          <a:xfrm>
-            <a:off x="5441735" y="804672"/>
-            <a:ext cx="5934456" cy="5248656"/>
-          </a:xfrm>
-          <a:prstGeom prst="rect">
-            <a:avLst/>
-          </a:prstGeom>
-          <a:effectLst/>
-        </p:spPr>
-      </p:pic>
-      <p:pic>
-        <p:nvPicPr>
-          <p:cNvPr id="2050" name="Picture 2" descr="Apache Airflow - Wikipedia">
-            <a:extLst>
-              <a:ext uri="{FF2B5EF4-FFF2-40B4-BE49-F238E27FC236}">
-                <a16:creationId xmlns:a16="http://schemas.microsoft.com/office/drawing/2014/main" id="{0125145F-4612-7744-AD0F-1A8154A3BBDE}"/>
-              </a:ext>
-            </a:extLst>
-          </p:cNvPr>
-          <p:cNvPicPr>
-            <a:picLocks noChangeAspect="1" noChangeArrowheads="1"/>
-          </p:cNvPicPr>
-          <p:nvPr/>
-        </p:nvPicPr>
-        <p:blipFill>
-          <a:blip r:embed="rId4">
-            <a:extLst>
-              <a:ext uri="{28A0092B-C50C-407E-A947-70E740481C1C}">
-                <a14:useLocalDpi xmlns:a14="http://schemas.microsoft.com/office/drawing/2010/main" val="0"/>
-              </a:ext>
-            </a:extLst>
-          </a:blip>
-          <a:srcRect/>
-          <a:stretch>
-            <a:fillRect/>
-          </a:stretch>
-        </p:blipFill>
-        <p:spPr bwMode="auto">
-          <a:xfrm>
-            <a:off x="10789902" y="3203878"/>
-            <a:ext cx="1172577" cy="450244"/>
-          </a:xfrm>
-          <a:prstGeom prst="rect">
-            <a:avLst/>
-          </a:prstGeom>
-          <a:noFill/>
-          <a:extLst>
-            <a:ext uri="{909E8E84-426E-40DD-AFC4-6F175D3DCCD1}">
-              <a14:hiddenFill xmlns:a14="http://schemas.microsoft.com/office/drawing/2010/main">
-                <a:solidFill>
-                  <a:srgbClr val="FFFFFF"/>
-                </a:solidFill>
-              </a14:hiddenFill>
-            </a:ext>
-          </a:extLst>
-        </p:spPr>
-      </p:pic>
-      <p:pic>
-        <p:nvPicPr>
-          <p:cNvPr id="2056" name="Picture 8">
-            <a:extLst>
-              <a:ext uri="{FF2B5EF4-FFF2-40B4-BE49-F238E27FC236}">
-                <a16:creationId xmlns:a16="http://schemas.microsoft.com/office/drawing/2014/main" id="{C798E593-BE81-D84E-9C9A-113BE0F1C23A}"/>
-              </a:ext>
-            </a:extLst>
-          </p:cNvPr>
-          <p:cNvPicPr>
-            <a:picLocks noChangeAspect="1" noChangeArrowheads="1"/>
-          </p:cNvPicPr>
-          <p:nvPr/>
-        </p:nvPicPr>
-        <p:blipFill>
-          <a:blip r:embed="rId5">
-            <a:extLst>
-              <a:ext uri="{28A0092B-C50C-407E-A947-70E740481C1C}">
-                <a14:useLocalDpi xmlns:a14="http://schemas.microsoft.com/office/drawing/2010/main" val="0"/>
-              </a:ext>
-            </a:extLst>
-          </a:blip>
-          <a:srcRect/>
-          <a:stretch>
-            <a:fillRect/>
-          </a:stretch>
-        </p:blipFill>
-        <p:spPr bwMode="auto">
-          <a:xfrm>
-            <a:off x="5402074" y="804672"/>
-            <a:ext cx="693926" cy="807356"/>
-          </a:xfrm>
-          <a:prstGeom prst="rect">
-            <a:avLst/>
-          </a:prstGeom>
-          <a:noFill/>
-          <a:extLst>
-            <a:ext uri="{909E8E84-426E-40DD-AFC4-6F175D3DCCD1}">
-              <a14:hiddenFill xmlns:a14="http://schemas.microsoft.com/office/drawing/2010/main">
-                <a:solidFill>
-                  <a:srgbClr val="FFFFFF"/>
-                </a:solidFill>
-              </a14:hiddenFill>
-            </a:ext>
-          </a:extLst>
-        </p:spPr>
-      </p:pic>
-      <p:pic>
-        <p:nvPicPr>
-          <p:cNvPr id="2058" name="Picture 10" descr="Unit Testing with PySpark. By David Illes, Vice President at… | by  Cambridge Spark | Cambridge Spark">
-            <a:extLst>
-              <a:ext uri="{FF2B5EF4-FFF2-40B4-BE49-F238E27FC236}">
-                <a16:creationId xmlns:a16="http://schemas.microsoft.com/office/drawing/2014/main" id="{ABB51496-6CBC-BC40-BA06-D75D4A194F2B}"/>
-              </a:ext>
-            </a:extLst>
-          </p:cNvPr>
-          <p:cNvPicPr>
-            <a:picLocks noChangeAspect="1" noChangeArrowheads="1"/>
-          </p:cNvPicPr>
-          <p:nvPr/>
-        </p:nvPicPr>
-        <p:blipFill>
-          <a:blip r:embed="rId6">
-            <a:extLst>
-              <a:ext uri="{28A0092B-C50C-407E-A947-70E740481C1C}">
-                <a14:useLocalDpi xmlns:a14="http://schemas.microsoft.com/office/drawing/2010/main" val="0"/>
-              </a:ext>
-            </a:extLst>
-          </a:blip>
-          <a:srcRect/>
-          <a:stretch>
-            <a:fillRect/>
-          </a:stretch>
-        </p:blipFill>
-        <p:spPr bwMode="auto">
-          <a:xfrm>
-            <a:off x="10087140" y="804672"/>
-            <a:ext cx="1289050" cy="724282"/>
-          </a:xfrm>
-          <a:prstGeom prst="rect">
-            <a:avLst/>
-          </a:prstGeom>
-          <a:noFill/>
-          <a:extLst>
-            <a:ext uri="{909E8E84-426E-40DD-AFC4-6F175D3DCCD1}">
-              <a14:hiddenFill xmlns:a14="http://schemas.microsoft.com/office/drawing/2010/main">
-                <a:solidFill>
-                  <a:srgbClr val="FFFFFF"/>
-                </a:solidFill>
-              </a14:hiddenFill>
-            </a:ext>
-          </a:extLst>
-        </p:spPr>
-      </p:pic>
-      <p:pic>
-        <p:nvPicPr>
-          <p:cNvPr id="11" name="Picture 10" descr="seaborn: statistical data visualization — seaborn 0.11.1 documentation">
-            <a:extLst>
-              <a:ext uri="{FF2B5EF4-FFF2-40B4-BE49-F238E27FC236}">
-                <a16:creationId xmlns:a16="http://schemas.microsoft.com/office/drawing/2014/main" id="{1FD05B8E-F514-6446-9020-81F21A8B7DFB}"/>
-              </a:ext>
-            </a:extLst>
-          </p:cNvPr>
-          <p:cNvPicPr>
-            <a:picLocks noChangeAspect="1" noChangeArrowheads="1"/>
-          </p:cNvPicPr>
-          <p:nvPr/>
-        </p:nvPicPr>
-        <p:blipFill>
-          <a:blip r:embed="rId7">
-            <a:extLst>
-              <a:ext uri="{28A0092B-C50C-407E-A947-70E740481C1C}">
-                <a14:useLocalDpi xmlns:a14="http://schemas.microsoft.com/office/drawing/2010/main" val="0"/>
-              </a:ext>
-            </a:extLst>
-          </a:blip>
-          <a:srcRect/>
-          <a:stretch>
-            <a:fillRect/>
-          </a:stretch>
-        </p:blipFill>
-        <p:spPr bwMode="auto">
-          <a:xfrm>
-            <a:off x="5749037" y="2644644"/>
-            <a:ext cx="885370" cy="252963"/>
-          </a:xfrm>
-          <a:prstGeom prst="rect">
-            <a:avLst/>
-          </a:prstGeom>
-          <a:noFill/>
-          <a:extLst>
-            <a:ext uri="{909E8E84-426E-40DD-AFC4-6F175D3DCCD1}">
-              <a14:hiddenFill xmlns:a14="http://schemas.microsoft.com/office/drawing/2010/main">
-                <a:solidFill>
-                  <a:srgbClr val="FFFFFF"/>
-                </a:solidFill>
-              </a14:hiddenFill>
-            </a:ext>
-          </a:extLst>
-        </p:spPr>
-      </p:pic>
+            <a:endParaRPr lang="en-NL"/>
+          </a:p>
+          <a:p>
+            <a:endParaRPr lang="en-NL"/>
+          </a:p>
+        </p:txBody>
+      </p:sp>
     </p:spTree>
     <p:extLst>
       <p:ext uri="{BB962C8B-B14F-4D97-AF65-F5344CB8AC3E}">
-        <p14:creationId xmlns:p14="http://schemas.microsoft.com/office/powerpoint/2010/main" val="2112928636"/>
+        <p14:creationId xmlns:p14="http://schemas.microsoft.com/office/powerpoint/2010/main" val="2818774513"/>
       </p:ext>
     </p:extLst>
   </p:cSld>
@@ -7158,7 +7658,7 @@
     <p:bg>
       <p:bgPr>
         <a:solidFill>
-          <a:schemeClr val="bg1"/>
+          <a:schemeClr val="bg2"/>
         </a:solidFill>
         <a:effectLst/>
       </p:bgPr>
@@ -7182,7 +7682,7 @@
           <p:cNvPr id="2" name="Title 1">
             <a:extLst>
               <a:ext uri="{FF2B5EF4-FFF2-40B4-BE49-F238E27FC236}">
-                <a16:creationId xmlns:a16="http://schemas.microsoft.com/office/drawing/2014/main" id="{1DE2D4B7-80C3-D443-8EFB-FFF4DF86F342}"/>
+                <a16:creationId xmlns:a16="http://schemas.microsoft.com/office/drawing/2014/main" id="{84C5209A-0C9B-4A42-ABE6-6C5A9CEB6F51}"/>
               </a:ext>
             </a:extLst>
           </p:cNvPr>
@@ -7195,195 +7695,30 @@
         </p:nvSpPr>
         <p:spPr>
           <a:xfrm>
-            <a:off x="648928" y="338328"/>
-            <a:ext cx="10899944" cy="1608328"/>
-          </a:xfrm>
-        </p:spPr>
-        <p:txBody>
-          <a:bodyPr>
-            <a:normAutofit/>
-          </a:bodyPr>
-          <a:lstStyle/>
-          <a:p>
-            <a:r>
-              <a:rPr lang="en-NL" sz="3600"/>
-              <a:t>Jupyter Notebooks               vs          Visual Studio Code   </a:t>
-            </a:r>
-          </a:p>
-        </p:txBody>
-      </p:sp>
-      <p:sp>
-        <p:nvSpPr>
-          <p:cNvPr id="14" name="Rectangle 13">
-            <a:extLst>
-              <a:ext uri="{FF2B5EF4-FFF2-40B4-BE49-F238E27FC236}">
-                <a16:creationId xmlns:a16="http://schemas.microsoft.com/office/drawing/2014/main" id="{5AAE9118-0436-4488-AC4A-C14DF6A7B6B1}"/>
-              </a:ext>
-              <a:ext uri="{C183D7F6-B498-43B3-948B-1728B52AA6E4}">
-                <adec:decorative xmlns:adec="http://schemas.microsoft.com/office/drawing/2017/decorative" val="1"/>
-              </a:ext>
-            </a:extLst>
-          </p:cNvPr>
-          <p:cNvSpPr>
-            <a:spLocks noGrp="1" noRot="1" noChangeAspect="1" noMove="1" noResize="1" noEditPoints="1" noAdjustHandles="1" noChangeArrowheads="1" noChangeShapeType="1" noTextEdit="1"/>
-          </p:cNvSpPr>
-          <p:nvPr>
-            <p:extLst>
-              <p:ext uri="{386F3935-93C4-4BCD-93E2-E3B085C9AB24}">
-                <p16:designElem xmlns:p16="http://schemas.microsoft.com/office/powerpoint/2015/main" val="1"/>
-              </p:ext>
-            </p:extLst>
-          </p:nvPr>
-        </p:nvSpPr>
-        <p:spPr>
-          <a:xfrm>
-            <a:off x="-2" y="2211010"/>
-            <a:ext cx="12192002" cy="4646990"/>
-          </a:xfrm>
-          <a:prstGeom prst="rect">
-            <a:avLst/>
-          </a:prstGeom>
+            <a:off x="0" y="0"/>
+            <a:ext cx="12192000" cy="1532238"/>
+          </a:xfrm>
           <a:solidFill>
-            <a:srgbClr val="C8CACA"/>
+            <a:schemeClr val="bg1"/>
           </a:solidFill>
-          <a:ln>
-            <a:noFill/>
-          </a:ln>
-        </p:spPr>
-        <p:style>
-          <a:lnRef idx="2">
-            <a:schemeClr val="accent1">
-              <a:shade val="50000"/>
-            </a:schemeClr>
-          </a:lnRef>
-          <a:fillRef idx="1">
-            <a:schemeClr val="accent1"/>
-          </a:fillRef>
-          <a:effectRef idx="0">
-            <a:schemeClr val="accent1"/>
-          </a:effectRef>
-          <a:fontRef idx="minor">
-            <a:schemeClr val="lt1"/>
-          </a:fontRef>
-        </p:style>
-        <p:txBody>
-          <a:bodyPr rtlCol="0" anchor="ctr"/>
-          <a:lstStyle/>
-          <a:p>
-            <a:pPr marL="0" marR="0" lvl="0" indent="0" algn="ctr" defTabSz="914400" rtl="0" eaLnBrk="1" fontAlgn="auto" latinLnBrk="0" hangingPunct="1">
-              <a:lnSpc>
-                <a:spcPct val="100000"/>
-              </a:lnSpc>
-              <a:spcBef>
-                <a:spcPts val="0"/>
-              </a:spcBef>
-              <a:spcAft>
-                <a:spcPts val="0"/>
-              </a:spcAft>
-              <a:buClrTx/>
-              <a:buSzTx/>
-              <a:buFontTx/>
-              <a:buNone/>
-              <a:tabLst/>
-              <a:defRPr/>
-            </a:pPr>
-            <a:endParaRPr kumimoji="0" lang="en-US" sz="1800" b="0" i="0" u="none" strike="noStrike" kern="1200" cap="none" spc="0" normalizeH="0" baseline="0" noProof="0">
-              <a:ln>
-                <a:noFill/>
-              </a:ln>
-              <a:solidFill>
-                <a:prstClr val="white"/>
-              </a:solidFill>
-              <a:effectLst/>
-              <a:uLnTx/>
-              <a:uFillTx/>
-              <a:latin typeface="Calibri" panose="020F0502020204030204"/>
-              <a:ea typeface="+mn-ea"/>
-              <a:cs typeface="+mn-cs"/>
-            </a:endParaRPr>
-          </a:p>
-        </p:txBody>
-      </p:sp>
-      <p:sp>
-        <p:nvSpPr>
-          <p:cNvPr id="16" name="Rounded Rectangle 26">
-            <a:extLst>
-              <a:ext uri="{FF2B5EF4-FFF2-40B4-BE49-F238E27FC236}">
-                <a16:creationId xmlns:a16="http://schemas.microsoft.com/office/drawing/2014/main" id="{48AADC38-41AB-482C-B8C3-6B9CD91B678A}"/>
-              </a:ext>
-              <a:ext uri="{C183D7F6-B498-43B3-948B-1728B52AA6E4}">
-                <adec:decorative xmlns:adec="http://schemas.microsoft.com/office/drawing/2017/decorative" val="1"/>
-              </a:ext>
-            </a:extLst>
-          </p:cNvPr>
-          <p:cNvSpPr>
-            <a:spLocks noGrp="1" noRot="1" noChangeAspect="1" noMove="1" noResize="1" noEditPoints="1" noAdjustHandles="1" noChangeArrowheads="1" noChangeShapeType="1" noTextEdit="1"/>
-          </p:cNvSpPr>
-          <p:nvPr>
-            <p:extLst>
-              <p:ext uri="{386F3935-93C4-4BCD-93E2-E3B085C9AB24}">
-                <p16:designElem xmlns:p16="http://schemas.microsoft.com/office/powerpoint/2015/main" val="1"/>
-              </p:ext>
-            </p:extLst>
-          </p:nvPr>
-        </p:nvSpPr>
-        <p:spPr>
-          <a:xfrm>
-            <a:off x="321564" y="2426035"/>
-            <a:ext cx="11548872" cy="3930315"/>
-          </a:xfrm>
-          <a:prstGeom prst="roundRect">
-            <a:avLst>
-              <a:gd name="adj" fmla="val 0"/>
-            </a:avLst>
-          </a:prstGeom>
-          <a:solidFill>
-            <a:srgbClr val="FFFFFF"/>
-          </a:solidFill>
-          <a:ln w="9525">
-            <a:solidFill>
-              <a:srgbClr val="C8CACA"/>
-            </a:solidFill>
-          </a:ln>
-          <a:effectLst>
-            <a:outerShdw blurRad="57150" dist="19050" dir="5400000" algn="t" rotWithShape="0">
-              <a:prstClr val="black">
-                <a:alpha val="63000"/>
-              </a:prstClr>
-            </a:outerShdw>
-          </a:effectLst>
-        </p:spPr>
-        <p:style>
-          <a:lnRef idx="2">
-            <a:schemeClr val="accent1">
-              <a:shade val="50000"/>
-            </a:schemeClr>
-          </a:lnRef>
-          <a:fillRef idx="1">
-            <a:schemeClr val="accent1"/>
-          </a:fillRef>
-          <a:effectRef idx="0">
-            <a:schemeClr val="accent1"/>
-          </a:effectRef>
-          <a:fontRef idx="minor">
-            <a:schemeClr val="lt1"/>
-          </a:fontRef>
-        </p:style>
-        <p:txBody>
-          <a:bodyPr rtlCol="0" anchor="ctr"/>
-          <a:lstStyle/>
-          <a:p>
-            <a:pPr algn="ctr"/>
-            <a:endParaRPr lang="en-US"/>
+        </p:spPr>
+        <p:txBody>
+          <a:bodyPr/>
+          <a:lstStyle/>
+          <a:p>
+            <a:r>
+              <a:rPr lang="en-NL"/>
+              <a:t>Python is eating the world</a:t>
+            </a:r>
           </a:p>
         </p:txBody>
       </p:sp>
       <p:pic>
         <p:nvPicPr>
-          <p:cNvPr id="5" name="Content Placeholder 4" descr="Graphical user interface, text, application&#10;&#10;Description automatically generated">
-            <a:extLst>
-              <a:ext uri="{FF2B5EF4-FFF2-40B4-BE49-F238E27FC236}">
-                <a16:creationId xmlns:a16="http://schemas.microsoft.com/office/drawing/2014/main" id="{384CA356-7F85-FD40-B3B6-4837AE989AA6}"/>
+          <p:cNvPr id="6" name="Picture 5" descr="Chart, line chart&#10;&#10;Description automatically generated">
+            <a:extLst>
+              <a:ext uri="{FF2B5EF4-FFF2-40B4-BE49-F238E27FC236}">
+                <a16:creationId xmlns:a16="http://schemas.microsoft.com/office/drawing/2014/main" id="{679BC395-9075-024C-8B09-DF3B11C4998D}"/>
               </a:ext>
             </a:extLst>
           </p:cNvPr>
@@ -7392,44 +7727,16 @@
           </p:cNvPicPr>
           <p:nvPr/>
         </p:nvPicPr>
-        <p:blipFill rotWithShape="1">
-          <a:blip r:embed="rId3"/>
-          <a:srcRect r="9841" b="-3"/>
-          <a:stretch/>
+        <p:blipFill>
+          <a:blip r:embed="rId2"/>
+          <a:stretch>
+            <a:fillRect/>
+          </a:stretch>
         </p:blipFill>
         <p:spPr>
           <a:xfrm>
-            <a:off x="643128" y="3082753"/>
-            <a:ext cx="4783038" cy="2984218"/>
-          </a:xfrm>
-          <a:prstGeom prst="rect">
-            <a:avLst/>
-          </a:prstGeom>
-        </p:spPr>
-      </p:pic>
-      <p:pic>
-        <p:nvPicPr>
-          <p:cNvPr id="7" name="Picture 6" descr="A screenshot of a computer&#10;&#10;Description automatically generated with medium confidence">
-            <a:extLst>
-              <a:ext uri="{FF2B5EF4-FFF2-40B4-BE49-F238E27FC236}">
-                <a16:creationId xmlns:a16="http://schemas.microsoft.com/office/drawing/2014/main" id="{1284C0E4-3462-8442-8BFF-5F8225C5CC99}"/>
-              </a:ext>
-            </a:extLst>
-          </p:cNvPr>
-          <p:cNvPicPr>
-            <a:picLocks noChangeAspect="1"/>
-          </p:cNvPicPr>
-          <p:nvPr/>
-        </p:nvPicPr>
-        <p:blipFill rotWithShape="1">
-          <a:blip r:embed="rId4"/>
-          <a:srcRect t="4013" r="-2" b="-2"/>
-          <a:stretch/>
-        </p:blipFill>
-        <p:spPr>
-          <a:xfrm>
-            <a:off x="6765834" y="3082753"/>
-            <a:ext cx="4783038" cy="2984218"/>
+            <a:off x="2036734" y="1677344"/>
+            <a:ext cx="8118531" cy="4921164"/>
           </a:xfrm>
           <a:prstGeom prst="rect">
             <a:avLst/>
@@ -7439,7 +7746,7 @@
     </p:spTree>
     <p:extLst>
       <p:ext uri="{BB962C8B-B14F-4D97-AF65-F5344CB8AC3E}">
-        <p14:creationId xmlns:p14="http://schemas.microsoft.com/office/powerpoint/2010/main" val="1164312314"/>
+        <p14:creationId xmlns:p14="http://schemas.microsoft.com/office/powerpoint/2010/main" val="3748415639"/>
       </p:ext>
     </p:extLst>
   </p:cSld>
@@ -7455,7 +7762,7 @@
     <p:bg>
       <p:bgPr>
         <a:solidFill>
-          <a:schemeClr val="bg1"/>
+          <a:schemeClr val="bg2"/>
         </a:solidFill>
         <a:effectLst/>
       </p:bgPr>
@@ -7479,7 +7786,7 @@
           <p:cNvPr id="2" name="Title 1">
             <a:extLst>
               <a:ext uri="{FF2B5EF4-FFF2-40B4-BE49-F238E27FC236}">
-                <a16:creationId xmlns:a16="http://schemas.microsoft.com/office/drawing/2014/main" id="{1DE2D4B7-80C3-D443-8EFB-FFF4DF86F342}"/>
+                <a16:creationId xmlns:a16="http://schemas.microsoft.com/office/drawing/2014/main" id="{84C5209A-0C9B-4A42-ABE6-6C5A9CEB6F51}"/>
               </a:ext>
             </a:extLst>
           </p:cNvPr>
@@ -7492,9 +7799,48 @@
         </p:nvSpPr>
         <p:spPr>
           <a:xfrm>
-            <a:off x="648928" y="338328"/>
-            <a:ext cx="10899944" cy="1608328"/>
-          </a:xfrm>
+            <a:off x="0" y="0"/>
+            <a:ext cx="12192000" cy="1532238"/>
+          </a:xfrm>
+          <a:solidFill>
+            <a:schemeClr val="bg1"/>
+          </a:solidFill>
+        </p:spPr>
+        <p:txBody>
+          <a:bodyPr/>
+          <a:lstStyle/>
+          <a:p>
+            <a:r>
+              <a:rPr lang="en-NL"/>
+              <a:t>Main disadvantages of python / pandas</a:t>
+            </a:r>
+          </a:p>
+        </p:txBody>
+      </p:sp>
+      <p:sp>
+        <p:nvSpPr>
+          <p:cNvPr id="3" name="Content Placeholder 2">
+            <a:extLst>
+              <a:ext uri="{FF2B5EF4-FFF2-40B4-BE49-F238E27FC236}">
+                <a16:creationId xmlns:a16="http://schemas.microsoft.com/office/drawing/2014/main" id="{5B70B87F-8D1E-F04B-9D7C-D2C77F873AE9}"/>
+              </a:ext>
+            </a:extLst>
+          </p:cNvPr>
+          <p:cNvSpPr>
+            <a:spLocks noGrp="1"/>
+          </p:cNvSpPr>
+          <p:nvPr>
+            <p:ph idx="1"/>
+          </p:nvPr>
+        </p:nvSpPr>
+        <p:spPr>
+          <a:xfrm>
+            <a:off x="838200" y="2023333"/>
+            <a:ext cx="10515600" cy="4351338"/>
+          </a:xfrm>
+          <a:solidFill>
+            <a:schemeClr val="bg1"/>
+          </a:solidFill>
         </p:spPr>
         <p:txBody>
           <a:bodyPr>
@@ -7502,295 +7848,59 @@
           </a:bodyPr>
           <a:lstStyle/>
           <a:p>
-            <a:r>
-              <a:rPr lang="en-NL" sz="3600"/>
-              <a:t>Jupyter Notebooks tips and tricks</a:t>
-            </a:r>
-          </a:p>
-        </p:txBody>
-      </p:sp>
-      <p:sp>
-        <p:nvSpPr>
-          <p:cNvPr id="14" name="Rectangle 13">
-            <a:extLst>
-              <a:ext uri="{FF2B5EF4-FFF2-40B4-BE49-F238E27FC236}">
-                <a16:creationId xmlns:a16="http://schemas.microsoft.com/office/drawing/2014/main" id="{5AAE9118-0436-4488-AC4A-C14DF6A7B6B1}"/>
-              </a:ext>
-              <a:ext uri="{C183D7F6-B498-43B3-948B-1728B52AA6E4}">
-                <adec:decorative xmlns:adec="http://schemas.microsoft.com/office/drawing/2017/decorative" val="1"/>
-              </a:ext>
-            </a:extLst>
-          </p:cNvPr>
-          <p:cNvSpPr>
-            <a:spLocks noGrp="1" noRot="1" noChangeAspect="1" noMove="1" noResize="1" noEditPoints="1" noAdjustHandles="1" noChangeArrowheads="1" noChangeShapeType="1" noTextEdit="1"/>
-          </p:cNvSpPr>
-          <p:nvPr>
-            <p:extLst>
-              <p:ext uri="{386F3935-93C4-4BCD-93E2-E3B085C9AB24}">
-                <p16:designElem xmlns:p16="http://schemas.microsoft.com/office/powerpoint/2015/main" val="1"/>
-              </p:ext>
-            </p:extLst>
-          </p:nvPr>
-        </p:nvSpPr>
-        <p:spPr>
-          <a:xfrm>
-            <a:off x="-2" y="2211010"/>
-            <a:ext cx="12192002" cy="4646990"/>
-          </a:xfrm>
-          <a:prstGeom prst="rect">
-            <a:avLst/>
-          </a:prstGeom>
-          <a:solidFill>
-            <a:srgbClr val="C8CACA"/>
-          </a:solidFill>
-          <a:ln>
-            <a:noFill/>
-          </a:ln>
-        </p:spPr>
-        <p:style>
-          <a:lnRef idx="2">
-            <a:schemeClr val="accent1">
-              <a:shade val="50000"/>
-            </a:schemeClr>
-          </a:lnRef>
-          <a:fillRef idx="1">
-            <a:schemeClr val="accent1"/>
-          </a:fillRef>
-          <a:effectRef idx="0">
-            <a:schemeClr val="accent1"/>
-          </a:effectRef>
-          <a:fontRef idx="minor">
-            <a:schemeClr val="lt1"/>
-          </a:fontRef>
-        </p:style>
-        <p:txBody>
-          <a:bodyPr rtlCol="0" anchor="ctr"/>
-          <a:lstStyle/>
-          <a:p>
-            <a:pPr marL="0" marR="0" lvl="0" indent="0" algn="ctr" defTabSz="914400" rtl="0" eaLnBrk="1" fontAlgn="auto" latinLnBrk="0" hangingPunct="1">
-              <a:lnSpc>
-                <a:spcPct val="100000"/>
-              </a:lnSpc>
-              <a:spcBef>
-                <a:spcPts val="0"/>
-              </a:spcBef>
-              <a:spcAft>
-                <a:spcPts val="0"/>
-              </a:spcAft>
-              <a:buClrTx/>
-              <a:buSzTx/>
-              <a:buFontTx/>
+            <a:endParaRPr lang="en-NL"/>
+          </a:p>
+          <a:p>
+            <a:r>
+              <a:rPr lang="en-NL"/>
+              <a:t>pandas doet alles in-memory, dus voor gedistribueerde oplossingen heb je bijv. Spark of Dask nodig</a:t>
+            </a:r>
+          </a:p>
+          <a:p>
+            <a:endParaRPr lang="en-NL"/>
+          </a:p>
+          <a:p>
+            <a:r>
+              <a:rPr lang="en-NL"/>
+              <a:t>higher-level language: gebouwd bovenop C. Omdat het higher-level is, is het ook langzamer</a:t>
+            </a:r>
+          </a:p>
+          <a:p>
+            <a:pPr marL="0" indent="0">
               <a:buNone/>
-              <a:tabLst/>
-              <a:defRPr/>
             </a:pPr>
-            <a:endParaRPr kumimoji="0" lang="en-US" sz="1800" b="0" i="0" u="none" strike="noStrike" kern="1200" cap="none" spc="0" normalizeH="0" baseline="0" noProof="0">
-              <a:ln>
-                <a:noFill/>
-              </a:ln>
-              <a:solidFill>
-                <a:prstClr val="white"/>
-              </a:solidFill>
-              <a:effectLst/>
-              <a:uLnTx/>
-              <a:uFillTx/>
-              <a:latin typeface="Calibri" panose="020F0502020204030204"/>
-              <a:ea typeface="+mn-ea"/>
-              <a:cs typeface="+mn-cs"/>
-            </a:endParaRPr>
-          </a:p>
-        </p:txBody>
-      </p:sp>
-      <p:sp>
-        <p:nvSpPr>
-          <p:cNvPr id="16" name="Rounded Rectangle 26">
-            <a:extLst>
-              <a:ext uri="{FF2B5EF4-FFF2-40B4-BE49-F238E27FC236}">
-                <a16:creationId xmlns:a16="http://schemas.microsoft.com/office/drawing/2014/main" id="{48AADC38-41AB-482C-B8C3-6B9CD91B678A}"/>
-              </a:ext>
-              <a:ext uri="{C183D7F6-B498-43B3-948B-1728B52AA6E4}">
-                <adec:decorative xmlns:adec="http://schemas.microsoft.com/office/drawing/2017/decorative" val="1"/>
-              </a:ext>
-            </a:extLst>
-          </p:cNvPr>
-          <p:cNvSpPr>
-            <a:spLocks noGrp="1" noRot="1" noChangeAspect="1" noMove="1" noResize="1" noEditPoints="1" noAdjustHandles="1" noChangeArrowheads="1" noChangeShapeType="1" noTextEdit="1"/>
-          </p:cNvSpPr>
-          <p:nvPr>
-            <p:extLst>
-              <p:ext uri="{386F3935-93C4-4BCD-93E2-E3B085C9AB24}">
-                <p16:designElem xmlns:p16="http://schemas.microsoft.com/office/powerpoint/2015/main" val="1"/>
-              </p:ext>
-            </p:extLst>
-          </p:nvPr>
-        </p:nvSpPr>
-        <p:spPr>
-          <a:xfrm>
-            <a:off x="321564" y="2426035"/>
-            <a:ext cx="11548872" cy="3930315"/>
-          </a:xfrm>
-          <a:prstGeom prst="roundRect">
-            <a:avLst>
-              <a:gd name="adj" fmla="val 0"/>
-            </a:avLst>
-          </a:prstGeom>
-          <a:solidFill>
-            <a:srgbClr val="FFFFFF"/>
-          </a:solidFill>
-          <a:ln w="9525">
-            <a:solidFill>
-              <a:srgbClr val="C8CACA"/>
-            </a:solidFill>
-          </a:ln>
-          <a:effectLst>
-            <a:outerShdw blurRad="57150" dist="19050" dir="5400000" algn="t" rotWithShape="0">
-              <a:prstClr val="black">
-                <a:alpha val="63000"/>
-              </a:prstClr>
-            </a:outerShdw>
-          </a:effectLst>
-        </p:spPr>
-        <p:style>
-          <a:lnRef idx="2">
-            <a:schemeClr val="accent1">
-              <a:shade val="50000"/>
-            </a:schemeClr>
-          </a:lnRef>
-          <a:fillRef idx="1">
-            <a:schemeClr val="accent1"/>
-          </a:fillRef>
-          <a:effectRef idx="0">
-            <a:schemeClr val="accent1"/>
-          </a:effectRef>
-          <a:fontRef idx="minor">
-            <a:schemeClr val="lt1"/>
-          </a:fontRef>
-        </p:style>
-        <p:txBody>
-          <a:bodyPr rtlCol="0" anchor="ctr"/>
-          <a:lstStyle/>
-          <a:p>
-            <a:pPr algn="ctr"/>
-            <a:endParaRPr lang="en-US"/>
-          </a:p>
-        </p:txBody>
-      </p:sp>
-      <p:sp>
-        <p:nvSpPr>
-          <p:cNvPr id="3" name="TextBox 2">
-            <a:extLst>
-              <a:ext uri="{FF2B5EF4-FFF2-40B4-BE49-F238E27FC236}">
-                <a16:creationId xmlns:a16="http://schemas.microsoft.com/office/drawing/2014/main" id="{AED121E7-ABF1-1D4F-9FE2-C91E5F3BCB4A}"/>
-              </a:ext>
-            </a:extLst>
-          </p:cNvPr>
-          <p:cNvSpPr txBox="1"/>
-          <p:nvPr/>
-        </p:nvSpPr>
-        <p:spPr>
-          <a:xfrm>
-            <a:off x="769257" y="2714171"/>
-            <a:ext cx="10580914" cy="3139321"/>
-          </a:xfrm>
-          <a:prstGeom prst="rect">
-            <a:avLst/>
-          </a:prstGeom>
-          <a:noFill/>
-        </p:spPr>
-        <p:txBody>
-          <a:bodyPr wrap="square" rtlCol="0">
-            <a:spAutoFit/>
-          </a:bodyPr>
-          <a:lstStyle/>
-          <a:p>
-            <a:pPr marL="285750" indent="-285750">
-              <a:buFont typeface="Arial" panose="020B0604020202020204" pitchFamily="34" charset="0"/>
-              <a:buChar char="•"/>
+            <a:endParaRPr lang="en-NL"/>
+          </a:p>
+          <a:p>
+            <a:r>
+              <a:rPr lang="en-NL"/>
+              <a:t>niet geschikt voor mobile development</a:t>
+            </a:r>
+          </a:p>
+          <a:p>
+            <a:endParaRPr lang="en-NL"/>
+          </a:p>
+          <a:p>
+            <a:endParaRPr lang="en-NL"/>
+          </a:p>
+          <a:p>
+            <a:endParaRPr lang="en-NL"/>
+          </a:p>
+          <a:p>
+            <a:pPr marL="0" indent="0">
+              <a:buNone/>
             </a:pPr>
-            <a:r>
-              <a:rPr lang="en-NL"/>
-              <a:t>Shift + Enter to run code</a:t>
-            </a:r>
-          </a:p>
-          <a:p>
-            <a:pPr marL="285750" indent="-285750">
-              <a:buFont typeface="Arial" panose="020B0604020202020204" pitchFamily="34" charset="0"/>
-              <a:buChar char="•"/>
-            </a:pPr>
-            <a:endParaRPr lang="en-NL"/>
-          </a:p>
-          <a:p>
-            <a:pPr marL="285750" indent="-285750">
-              <a:buFont typeface="Arial" panose="020B0604020202020204" pitchFamily="34" charset="0"/>
-              <a:buChar char="•"/>
-            </a:pPr>
-            <a:r>
-              <a:rPr lang="en-NL"/>
-              <a:t>Tab completion</a:t>
-            </a:r>
-          </a:p>
-          <a:p>
-            <a:endParaRPr lang="en-NL"/>
-          </a:p>
-          <a:p>
-            <a:pPr marL="342900" indent="-342900">
-              <a:buFont typeface="Arial" panose="020B0604020202020204" pitchFamily="34" charset="0"/>
-              <a:buChar char="•"/>
-            </a:pPr>
-            <a:r>
-              <a:rPr lang="en-NL"/>
-              <a:t>Nieuwe cell: Escape gevolgd door a (above) of b (below) of dd (delete)</a:t>
-            </a:r>
-          </a:p>
-          <a:p>
-            <a:endParaRPr lang="en-NL"/>
-          </a:p>
-          <a:p>
-            <a:pPr marL="285750" indent="-285750">
-              <a:buFont typeface="Arial" panose="020B0604020202020204" pitchFamily="34" charset="0"/>
-              <a:buChar char="•"/>
-            </a:pPr>
-            <a:r>
-              <a:rPr lang="en-NL"/>
-              <a:t>Shift Tab to see arguments and information about methods, functions or classes</a:t>
-            </a:r>
-          </a:p>
-          <a:p>
-            <a:endParaRPr lang="en-NL"/>
-          </a:p>
-          <a:p>
-            <a:pPr marL="285750" indent="-285750">
-              <a:buFont typeface="Arial" panose="020B0604020202020204" pitchFamily="34" charset="0"/>
-              <a:buChar char="•"/>
-            </a:pPr>
-            <a:r>
-              <a:rPr lang="en-NL"/>
-              <a:t>Magic commands, such as ls</a:t>
-            </a:r>
-          </a:p>
-          <a:p>
-            <a:pPr marL="285750" indent="-285750">
-              <a:buFont typeface="Arial" panose="020B0604020202020204" pitchFamily="34" charset="0"/>
-              <a:buChar char="•"/>
-            </a:pPr>
-            <a:endParaRPr lang="en-NL"/>
-          </a:p>
-          <a:p>
-            <a:pPr marL="285750" indent="-285750">
-              <a:buFont typeface="Arial" panose="020B0604020202020204" pitchFamily="34" charset="0"/>
-              <a:buChar char="•"/>
-            </a:pPr>
-            <a:r>
-              <a:rPr lang="en-NL"/>
-              <a:t>? or ?? to get extra help and info</a:t>
-            </a:r>
+            <a:endParaRPr lang="en-NL"/>
+          </a:p>
+          <a:p>
+            <a:endParaRPr lang="en-NL"/>
           </a:p>
         </p:txBody>
       </p:sp>
     </p:spTree>
     <p:extLst>
       <p:ext uri="{BB962C8B-B14F-4D97-AF65-F5344CB8AC3E}">
-        <p14:creationId xmlns:p14="http://schemas.microsoft.com/office/powerpoint/2010/main" val="2485366165"/>
+        <p14:creationId xmlns:p14="http://schemas.microsoft.com/office/powerpoint/2010/main" val="3600264871"/>
       </p:ext>
     </p:extLst>
   </p:cSld>
@@ -7827,161 +7937,10 @@
       </p:grpSpPr>
       <p:sp>
         <p:nvSpPr>
-          <p:cNvPr id="2" name="Title 1">
-            <a:extLst>
-              <a:ext uri="{FF2B5EF4-FFF2-40B4-BE49-F238E27FC236}">
-                <a16:creationId xmlns:a16="http://schemas.microsoft.com/office/drawing/2014/main" id="{FC3C466B-06F5-B84D-A8D3-0B638E77F456}"/>
-              </a:ext>
-            </a:extLst>
-          </p:cNvPr>
-          <p:cNvSpPr>
-            <a:spLocks noGrp="1"/>
-          </p:cNvSpPr>
-          <p:nvPr>
-            <p:ph type="title"/>
-          </p:nvPr>
-        </p:nvSpPr>
-        <p:spPr>
-          <a:xfrm>
-            <a:off x="0" y="1"/>
-            <a:ext cx="12192000" cy="1690688"/>
-          </a:xfrm>
-          <a:solidFill>
-            <a:schemeClr val="bg1"/>
-          </a:solidFill>
-        </p:spPr>
-        <p:txBody>
-          <a:bodyPr/>
-          <a:lstStyle/>
-          <a:p>
-            <a:pPr algn="ctr"/>
-            <a:r>
-              <a:rPr lang="en-NL"/>
-              <a:t>Wat is pandas?</a:t>
-            </a:r>
-          </a:p>
-        </p:txBody>
-      </p:sp>
-      <p:pic>
-        <p:nvPicPr>
-          <p:cNvPr id="5" name="Content Placeholder 4" descr="Text&#10;&#10;Description automatically generated">
-            <a:extLst>
-              <a:ext uri="{FF2B5EF4-FFF2-40B4-BE49-F238E27FC236}">
-                <a16:creationId xmlns:a16="http://schemas.microsoft.com/office/drawing/2014/main" id="{9F5F247A-2656-594C-A237-894E5FEE8718}"/>
-              </a:ext>
-            </a:extLst>
-          </p:cNvPr>
-          <p:cNvPicPr>
-            <a:picLocks noGrp="1" noChangeAspect="1"/>
-          </p:cNvPicPr>
-          <p:nvPr>
-            <p:ph idx="1"/>
-          </p:nvPr>
-        </p:nvPicPr>
-        <p:blipFill>
-          <a:blip r:embed="rId3"/>
-          <a:stretch>
-            <a:fillRect/>
-          </a:stretch>
-        </p:blipFill>
-        <p:spPr>
-          <a:xfrm>
-            <a:off x="143164" y="4066543"/>
-            <a:ext cx="11905671" cy="2089825"/>
-          </a:xfrm>
-        </p:spPr>
-      </p:pic>
-      <p:pic>
-        <p:nvPicPr>
-          <p:cNvPr id="1026" name="Picture 2" descr="pandas (software) - Wikipedia">
-            <a:extLst>
-              <a:ext uri="{FF2B5EF4-FFF2-40B4-BE49-F238E27FC236}">
-                <a16:creationId xmlns:a16="http://schemas.microsoft.com/office/drawing/2014/main" id="{A0C9A81B-8796-4048-8EF3-6CE8AA3CF185}"/>
-              </a:ext>
-            </a:extLst>
-          </p:cNvPr>
-          <p:cNvPicPr>
-            <a:picLocks noChangeAspect="1" noChangeArrowheads="1"/>
-          </p:cNvPicPr>
-          <p:nvPr/>
-        </p:nvPicPr>
-        <p:blipFill>
-          <a:blip r:embed="rId4">
-            <a:extLst>
-              <a:ext uri="{28A0092B-C50C-407E-A947-70E740481C1C}">
-                <a14:useLocalDpi xmlns:a14="http://schemas.microsoft.com/office/drawing/2010/main" val="0"/>
-              </a:ext>
-            </a:extLst>
-          </a:blip>
-          <a:srcRect/>
-          <a:stretch>
-            <a:fillRect/>
-          </a:stretch>
-        </p:blipFill>
-        <p:spPr bwMode="auto">
-          <a:xfrm>
-            <a:off x="0" y="1615986"/>
-            <a:ext cx="6096000" cy="2463800"/>
-          </a:xfrm>
-          <a:prstGeom prst="rect">
-            <a:avLst/>
-          </a:prstGeom>
-          <a:noFill/>
-          <a:extLst>
-            <a:ext uri="{909E8E84-426E-40DD-AFC4-6F175D3DCCD1}">
-              <a14:hiddenFill xmlns:a14="http://schemas.microsoft.com/office/drawing/2010/main">
-                <a:solidFill>
-                  <a:srgbClr val="FFFFFF"/>
-                </a:solidFill>
-              </a14:hiddenFill>
-            </a:ext>
-          </a:extLst>
-        </p:spPr>
-      </p:pic>
-    </p:spTree>
-    <p:extLst>
-      <p:ext uri="{BB962C8B-B14F-4D97-AF65-F5344CB8AC3E}">
-        <p14:creationId xmlns:p14="http://schemas.microsoft.com/office/powerpoint/2010/main" val="1499705360"/>
-      </p:ext>
-    </p:extLst>
-  </p:cSld>
-  <p:clrMapOvr>
-    <a:masterClrMapping/>
-  </p:clrMapOvr>
-</p:sld>
-</file>
-
-<file path=ppt/slides/slide7.xml><?xml version="1.0" encoding="utf-8"?>
-<p:sld xmlns:a="http://schemas.openxmlformats.org/drawingml/2006/main" xmlns:r="http://schemas.openxmlformats.org/officeDocument/2006/relationships" xmlns:p="http://schemas.openxmlformats.org/presentationml/2006/main">
-  <p:cSld>
-    <p:bg>
-      <p:bgPr>
-        <a:solidFill>
-          <a:schemeClr val="bg2"/>
-        </a:solidFill>
-        <a:effectLst/>
-      </p:bgPr>
-    </p:bg>
-    <p:spTree>
-      <p:nvGrpSpPr>
-        <p:cNvPr id="1" name=""/>
-        <p:cNvGrpSpPr/>
-        <p:nvPr/>
-      </p:nvGrpSpPr>
-      <p:grpSpPr>
-        <a:xfrm>
-          <a:off x="0" y="0"/>
-          <a:ext cx="0" cy="0"/>
-          <a:chOff x="0" y="0"/>
-          <a:chExt cx="0" cy="0"/>
-        </a:xfrm>
-      </p:grpSpPr>
-      <p:sp>
-        <p:nvSpPr>
-          <p:cNvPr id="10" name="Rectangle 9">
-            <a:extLst>
-              <a:ext uri="{FF2B5EF4-FFF2-40B4-BE49-F238E27FC236}">
-                <a16:creationId xmlns:a16="http://schemas.microsoft.com/office/drawing/2014/main" id="{D35D61A1-8484-4749-8AD0-A3455E0753C5}"/>
+          <p:cNvPr id="13" name="Rectangle 15">
+            <a:extLst>
+              <a:ext uri="{FF2B5EF4-FFF2-40B4-BE49-F238E27FC236}">
+                <a16:creationId xmlns:a16="http://schemas.microsoft.com/office/drawing/2014/main" id="{BEE73255-8084-4DF9-BB0B-15EAC92E2CB9}"/>
               </a:ext>
               <a:ext uri="{C183D7F6-B498-43B3-948B-1728B52AA6E4}">
                 <adec:decorative xmlns:adec="http://schemas.microsoft.com/office/drawing/2017/decorative" val="1"/>
@@ -8008,9 +7967,7 @@
             <a:avLst/>
           </a:prstGeom>
           <a:solidFill>
-            <a:schemeClr val="bg1">
-              <a:lumMod val="85000"/>
-            </a:schemeClr>
+            <a:srgbClr val="C8CACA"/>
           </a:solidFill>
           <a:ln>
             <a:noFill/>
@@ -8043,28 +8000,24 @@
       </p:sp>
       <p:sp>
         <p:nvSpPr>
-          <p:cNvPr id="2" name="Title 1">
-            <a:extLst>
-              <a:ext uri="{FF2B5EF4-FFF2-40B4-BE49-F238E27FC236}">
-                <a16:creationId xmlns:a16="http://schemas.microsoft.com/office/drawing/2014/main" id="{361185AD-FE89-1B48-B35F-2A9219F7EA5B}"/>
-              </a:ext>
-            </a:extLst>
-          </p:cNvPr>
-          <p:cNvSpPr>
-            <a:spLocks noGrp="1"/>
-          </p:cNvSpPr>
-          <p:nvPr>
-            <p:ph type="title"/>
-          </p:nvPr>
-        </p:nvSpPr>
-        <p:spPr>
-          <a:xfrm>
-            <a:off x="0" y="0"/>
-            <a:ext cx="12192000" cy="1690688"/>
-          </a:xfrm>
-          <a:solidFill>
-            <a:schemeClr val="bg1"/>
-          </a:solidFill>
+          <p:cNvPr id="7" name="TextBox 6">
+            <a:extLst>
+              <a:ext uri="{FF2B5EF4-FFF2-40B4-BE49-F238E27FC236}">
+                <a16:creationId xmlns:a16="http://schemas.microsoft.com/office/drawing/2014/main" id="{AA36F465-9DE2-D246-B562-24C196A6B2F5}"/>
+              </a:ext>
+            </a:extLst>
+          </p:cNvPr>
+          <p:cNvSpPr txBox="1"/>
+          <p:nvPr/>
+        </p:nvSpPr>
+        <p:spPr>
+          <a:xfrm>
+            <a:off x="603938" y="640081"/>
+            <a:ext cx="2608655" cy="5257799"/>
+          </a:xfrm>
+          <a:prstGeom prst="rect">
+            <a:avLst/>
+          </a:prstGeom>
         </p:spPr>
         <p:txBody>
           <a:bodyPr vert="horz" lIns="91440" tIns="45720" rIns="91440" bIns="45720" rtlCol="0" anchor="ctr">
@@ -8072,20 +8025,37 @@
           </a:bodyPr>
           <a:lstStyle/>
           <a:p>
-            <a:pPr algn="ctr"/>
-            <a:r>
-              <a:rPr lang="en-US"/>
-              <a:t>Most important concept is a DataFrame</a:t>
-            </a:r>
-          </a:p>
-        </p:txBody>
-      </p:sp>
-      <p:sp>
-        <p:nvSpPr>
-          <p:cNvPr id="12" name="Rounded Rectangle 5">
-            <a:extLst>
-              <a:ext uri="{FF2B5EF4-FFF2-40B4-BE49-F238E27FC236}">
-                <a16:creationId xmlns:a16="http://schemas.microsoft.com/office/drawing/2014/main" id="{1447903E-2B66-479D-959B-F2EBB2CC901F}"/>
+            <a:pPr>
+              <a:lnSpc>
+                <a:spcPct val="90000"/>
+              </a:lnSpc>
+              <a:spcBef>
+                <a:spcPct val="0"/>
+              </a:spcBef>
+              <a:spcAft>
+                <a:spcPts val="600"/>
+              </a:spcAft>
+            </a:pPr>
+            <a:r>
+              <a:rPr lang="en-US" sz="3600">
+                <a:solidFill>
+                  <a:srgbClr val="2C2C2C"/>
+                </a:solidFill>
+                <a:latin typeface="+mj-lt"/>
+                <a:ea typeface="+mj-ea"/>
+                <a:cs typeface="+mj-cs"/>
+              </a:rPr>
+              <a:t>Twee wegen die naar Python leiden</a:t>
+            </a:r>
+          </a:p>
+        </p:txBody>
+      </p:sp>
+      <p:sp>
+        <p:nvSpPr>
+          <p:cNvPr id="18" name="Rounded Rectangle 9">
+            <a:extLst>
+              <a:ext uri="{FF2B5EF4-FFF2-40B4-BE49-F238E27FC236}">
+                <a16:creationId xmlns:a16="http://schemas.microsoft.com/office/drawing/2014/main" id="{67048353-8981-459A-9BC6-9711CE462E06}"/>
               </a:ext>
               <a:ext uri="{C183D7F6-B498-43B3-948B-1728B52AA6E4}">
                 <adec:decorative xmlns:adec="http://schemas.microsoft.com/office/drawing/2017/decorative" val="1"/>
@@ -8105,8 +8075,8 @@
         </p:nvSpPr>
         <p:spPr>
           <a:xfrm>
-            <a:off x="838200" y="1828801"/>
-            <a:ext cx="10515600" cy="4362450"/>
+            <a:off x="3580067" y="484632"/>
+            <a:ext cx="8129016" cy="5724144"/>
           </a:xfrm>
           <a:prstGeom prst="roundRect">
             <a:avLst>
@@ -8154,42 +8124,134 @@
           </a:p>
         </p:txBody>
       </p:sp>
-      <p:pic>
-        <p:nvPicPr>
-          <p:cNvPr id="5" name="Content Placeholder 4" descr="Graphical user interface, application, table&#10;&#10;Description automatically generated">
-            <a:extLst>
-              <a:ext uri="{FF2B5EF4-FFF2-40B4-BE49-F238E27FC236}">
-                <a16:creationId xmlns:a16="http://schemas.microsoft.com/office/drawing/2014/main" id="{45D7D62E-AC53-D044-A987-5654775898B3}"/>
-              </a:ext>
-            </a:extLst>
-          </p:cNvPr>
-          <p:cNvPicPr>
-            <a:picLocks noGrp="1" noChangeAspect="1"/>
-          </p:cNvPicPr>
-          <p:nvPr>
-            <p:ph idx="1"/>
-          </p:nvPr>
-        </p:nvPicPr>
-        <p:blipFill rotWithShape="1">
-          <a:blip r:embed="rId3"/>
-          <a:srcRect t="2784" r="1" b="6953"/>
-          <a:stretch/>
-        </p:blipFill>
-        <p:spPr>
-          <a:xfrm>
-            <a:off x="932350" y="2055813"/>
-            <a:ext cx="10349274" cy="3900143"/>
+      <p:sp>
+        <p:nvSpPr>
+          <p:cNvPr id="17" name="Rectangle 16">
+            <a:extLst>
+              <a:ext uri="{FF2B5EF4-FFF2-40B4-BE49-F238E27FC236}">
+                <a16:creationId xmlns:a16="http://schemas.microsoft.com/office/drawing/2014/main" id="{B9D3F121-50F4-AB4E-B6AD-8A44B417D09C}"/>
+              </a:ext>
+            </a:extLst>
+          </p:cNvPr>
+          <p:cNvSpPr/>
+          <p:nvPr/>
+        </p:nvSpPr>
+        <p:spPr>
+          <a:xfrm>
+            <a:off x="5123542" y="1083782"/>
+            <a:ext cx="1944915" cy="568411"/>
           </a:xfrm>
           <a:prstGeom prst="rect">
             <a:avLst/>
           </a:prstGeom>
-          <a:effectLst/>
+        </p:spPr>
+        <p:style>
+          <a:lnRef idx="2">
+            <a:schemeClr val="accent6"/>
+          </a:lnRef>
+          <a:fillRef idx="1">
+            <a:schemeClr val="lt1"/>
+          </a:fillRef>
+          <a:effectRef idx="0">
+            <a:schemeClr val="accent6"/>
+          </a:effectRef>
+          <a:fontRef idx="minor">
+            <a:schemeClr val="dk1"/>
+          </a:fontRef>
+        </p:style>
+        <p:txBody>
+          <a:bodyPr rtlCol="0" anchor="ctr"/>
+          <a:lstStyle/>
+          <a:p>
+            <a:pPr algn="ctr"/>
+            <a:r>
+              <a:rPr lang="en-NL"/>
+              <a:t>Data Science / Data Engineering</a:t>
+            </a:r>
+          </a:p>
+        </p:txBody>
+      </p:sp>
+      <p:sp>
+        <p:nvSpPr>
+          <p:cNvPr id="19" name="Rectangle 18">
+            <a:extLst>
+              <a:ext uri="{FF2B5EF4-FFF2-40B4-BE49-F238E27FC236}">
+                <a16:creationId xmlns:a16="http://schemas.microsoft.com/office/drawing/2014/main" id="{6C028D48-9D05-FB47-92E7-D55C77AB2E71}"/>
+              </a:ext>
+            </a:extLst>
+          </p:cNvPr>
+          <p:cNvSpPr/>
+          <p:nvPr/>
+        </p:nvSpPr>
+        <p:spPr>
+          <a:xfrm>
+            <a:off x="8611932" y="1100691"/>
+            <a:ext cx="2207643" cy="568411"/>
+          </a:xfrm>
+          <a:prstGeom prst="rect">
+            <a:avLst/>
+          </a:prstGeom>
+        </p:spPr>
+        <p:style>
+          <a:lnRef idx="2">
+            <a:schemeClr val="accent6"/>
+          </a:lnRef>
+          <a:fillRef idx="1">
+            <a:schemeClr val="lt1"/>
+          </a:fillRef>
+          <a:effectRef idx="0">
+            <a:schemeClr val="accent6"/>
+          </a:effectRef>
+          <a:fontRef idx="minor">
+            <a:schemeClr val="dk1"/>
+          </a:fontRef>
+        </p:style>
+        <p:txBody>
+          <a:bodyPr rtlCol="0" anchor="ctr"/>
+          <a:lstStyle/>
+          <a:p>
+            <a:pPr algn="ctr"/>
+            <a:r>
+              <a:rPr lang="en-NL"/>
+              <a:t>Backend Web Development</a:t>
+            </a:r>
+          </a:p>
+        </p:txBody>
+      </p:sp>
+      <p:pic>
+        <p:nvPicPr>
+          <p:cNvPr id="21" name="Picture 20" descr="Text, map&#10;&#10;Description automatically generated">
+            <a:extLst>
+              <a:ext uri="{FF2B5EF4-FFF2-40B4-BE49-F238E27FC236}">
+                <a16:creationId xmlns:a16="http://schemas.microsoft.com/office/drawing/2014/main" id="{2F429831-F587-D841-AD9D-A16BBA925871}"/>
+              </a:ext>
+            </a:extLst>
+          </p:cNvPr>
+          <p:cNvPicPr>
+            <a:picLocks noChangeAspect="1"/>
+          </p:cNvPicPr>
+          <p:nvPr/>
+        </p:nvPicPr>
+        <p:blipFill>
+          <a:blip r:embed="rId3"/>
+          <a:stretch>
+            <a:fillRect/>
+          </a:stretch>
+        </p:blipFill>
+        <p:spPr>
+          <a:xfrm>
+            <a:off x="4469575" y="1711375"/>
+            <a:ext cx="6350000" cy="3810000"/>
+          </a:xfrm>
+          <a:prstGeom prst="rect">
+            <a:avLst/>
+          </a:prstGeom>
         </p:spPr>
       </p:pic>
     </p:spTree>
     <p:extLst>
       <p:ext uri="{BB962C8B-B14F-4D97-AF65-F5344CB8AC3E}">
-        <p14:creationId xmlns:p14="http://schemas.microsoft.com/office/powerpoint/2010/main" val="2322239271"/>
+        <p14:creationId xmlns:p14="http://schemas.microsoft.com/office/powerpoint/2010/main" val="3152156881"/>
       </p:ext>
     </p:extLst>
   </p:cSld>
@@ -8199,13 +8261,13 @@
 </p:sld>
 </file>
 
-<file path=ppt/slides/slide8.xml><?xml version="1.0" encoding="utf-8"?>
+<file path=ppt/slides/slide7.xml><?xml version="1.0" encoding="utf-8"?>
 <p:sld xmlns:a="http://schemas.openxmlformats.org/drawingml/2006/main" xmlns:r="http://schemas.openxmlformats.org/officeDocument/2006/relationships" xmlns:p="http://schemas.openxmlformats.org/presentationml/2006/main">
   <p:cSld>
     <p:bg>
       <p:bgPr>
         <a:solidFill>
-          <a:schemeClr val="bg2"/>
+          <a:schemeClr val="bg1"/>
         </a:solidFill>
         <a:effectLst/>
       </p:bgPr>
@@ -8226,10 +8288,60 @@
       </p:grpSpPr>
       <p:sp>
         <p:nvSpPr>
-          <p:cNvPr id="17" name="Rectangle 16">
-            <a:extLst>
-              <a:ext uri="{FF2B5EF4-FFF2-40B4-BE49-F238E27FC236}">
-                <a16:creationId xmlns:a16="http://schemas.microsoft.com/office/drawing/2014/main" id="{D35D61A1-8484-4749-8AD0-A3455E0753C5}"/>
+          <p:cNvPr id="7" name="TextBox 6">
+            <a:extLst>
+              <a:ext uri="{FF2B5EF4-FFF2-40B4-BE49-F238E27FC236}">
+                <a16:creationId xmlns:a16="http://schemas.microsoft.com/office/drawing/2014/main" id="{AA36F465-9DE2-D246-B562-24C196A6B2F5}"/>
+              </a:ext>
+            </a:extLst>
+          </p:cNvPr>
+          <p:cNvSpPr txBox="1"/>
+          <p:nvPr/>
+        </p:nvSpPr>
+        <p:spPr>
+          <a:xfrm>
+            <a:off x="645859" y="640081"/>
+            <a:ext cx="3494341" cy="3793488"/>
+          </a:xfrm>
+          <a:prstGeom prst="rect">
+            <a:avLst/>
+          </a:prstGeom>
+          <a:noFill/>
+        </p:spPr>
+        <p:txBody>
+          <a:bodyPr vert="horz" lIns="91440" tIns="45720" rIns="91440" bIns="45720" rtlCol="0" anchor="b">
+            <a:normAutofit/>
+          </a:bodyPr>
+          <a:lstStyle/>
+          <a:p>
+            <a:pPr>
+              <a:lnSpc>
+                <a:spcPct val="90000"/>
+              </a:lnSpc>
+              <a:spcBef>
+                <a:spcPct val="0"/>
+              </a:spcBef>
+              <a:spcAft>
+                <a:spcPts val="600"/>
+              </a:spcAft>
+            </a:pPr>
+            <a:r>
+              <a:rPr lang="en-US" sz="4600">
+                <a:latin typeface="+mj-lt"/>
+                <a:ea typeface="+mj-ea"/>
+                <a:cs typeface="+mj-cs"/>
+              </a:rPr>
+              <a:t>Python Data Science Libraries</a:t>
+            </a:r>
+          </a:p>
+        </p:txBody>
+      </p:sp>
+      <p:sp>
+        <p:nvSpPr>
+          <p:cNvPr id="12" name="Rectangle 11">
+            <a:extLst>
+              <a:ext uri="{FF2B5EF4-FFF2-40B4-BE49-F238E27FC236}">
+                <a16:creationId xmlns:a16="http://schemas.microsoft.com/office/drawing/2014/main" id="{71FC7D98-7B8B-402A-90FC-F027482F2142}"/>
               </a:ext>
               <a:ext uri="{C183D7F6-B498-43B3-948B-1728B52AA6E4}">
                 <adec:decorative xmlns:adec="http://schemas.microsoft.com/office/drawing/2017/decorative" val="1"/>
@@ -8249,16 +8361,14 @@
         </p:nvSpPr>
         <p:spPr>
           <a:xfrm>
-            <a:off x="0" y="0"/>
-            <a:ext cx="12192000" cy="6858000"/>
+            <a:off x="4625926" y="0"/>
+            <a:ext cx="7566074" cy="6858000"/>
           </a:xfrm>
           <a:prstGeom prst="rect">
             <a:avLst/>
           </a:prstGeom>
           <a:solidFill>
-            <a:schemeClr val="bg1">
-              <a:lumMod val="85000"/>
-            </a:schemeClr>
+            <a:srgbClr val="C8CACA"/>
           </a:solidFill>
           <a:ln>
             <a:noFill/>
@@ -8291,49 +8401,10 @@
       </p:sp>
       <p:sp>
         <p:nvSpPr>
-          <p:cNvPr id="2" name="Title 1">
-            <a:extLst>
-              <a:ext uri="{FF2B5EF4-FFF2-40B4-BE49-F238E27FC236}">
-                <a16:creationId xmlns:a16="http://schemas.microsoft.com/office/drawing/2014/main" id="{361185AD-FE89-1B48-B35F-2A9219F7EA5B}"/>
-              </a:ext>
-            </a:extLst>
-          </p:cNvPr>
-          <p:cNvSpPr>
-            <a:spLocks noGrp="1"/>
-          </p:cNvSpPr>
-          <p:nvPr>
-            <p:ph type="title"/>
-          </p:nvPr>
-        </p:nvSpPr>
-        <p:spPr>
-          <a:xfrm>
-            <a:off x="0" y="1"/>
-            <a:ext cx="12192000" cy="1690688"/>
-          </a:xfrm>
-          <a:solidFill>
-            <a:schemeClr val="bg1"/>
-          </a:solidFill>
-        </p:spPr>
-        <p:txBody>
-          <a:bodyPr vert="horz" lIns="91440" tIns="45720" rIns="91440" bIns="45720" rtlCol="0" anchor="ctr">
-            <a:normAutofit/>
-          </a:bodyPr>
-          <a:lstStyle/>
-          <a:p>
-            <a:pPr algn="ctr"/>
-            <a:r>
-              <a:rPr lang="en-US"/>
-              <a:t>Example of a Pandas Series</a:t>
-            </a:r>
-          </a:p>
-        </p:txBody>
-      </p:sp>
-      <p:sp>
-        <p:nvSpPr>
-          <p:cNvPr id="19" name="Rounded Rectangle 5">
-            <a:extLst>
-              <a:ext uri="{FF2B5EF4-FFF2-40B4-BE49-F238E27FC236}">
-                <a16:creationId xmlns:a16="http://schemas.microsoft.com/office/drawing/2014/main" id="{1447903E-2B66-479D-959B-F2EBB2CC901F}"/>
+          <p:cNvPr id="14" name="Rounded Rectangle 28">
+            <a:extLst>
+              <a:ext uri="{FF2B5EF4-FFF2-40B4-BE49-F238E27FC236}">
+                <a16:creationId xmlns:a16="http://schemas.microsoft.com/office/drawing/2014/main" id="{AD7356EA-285B-4E5D-8FEC-104659A4FD2C}"/>
               </a:ext>
               <a:ext uri="{C183D7F6-B498-43B3-948B-1728B52AA6E4}">
                 <adec:decorative xmlns:adec="http://schemas.microsoft.com/office/drawing/2017/decorative" val="1"/>
@@ -8353,8 +8424,8 @@
         </p:nvSpPr>
         <p:spPr>
           <a:xfrm>
-            <a:off x="838200" y="1828801"/>
-            <a:ext cx="10515600" cy="4362450"/>
+            <a:off x="5275903" y="640091"/>
+            <a:ext cx="6266120" cy="5577818"/>
           </a:xfrm>
           <a:prstGeom prst="roundRect">
             <a:avLst>
@@ -8404,37 +8475,226 @@
       </p:sp>
       <p:pic>
         <p:nvPicPr>
-          <p:cNvPr id="18" name="Content Placeholder 17" descr="Table&#10;&#10;Description automatically generated with medium confidence">
-            <a:extLst>
-              <a:ext uri="{FF2B5EF4-FFF2-40B4-BE49-F238E27FC236}">
-                <a16:creationId xmlns:a16="http://schemas.microsoft.com/office/drawing/2014/main" id="{1C3CE786-D82A-F447-A24F-8B84860D9EFC}"/>
+          <p:cNvPr id="3" name="Picture 2" descr="A picture containing diagram&#10;&#10;Description automatically generated">
+            <a:extLst>
+              <a:ext uri="{FF2B5EF4-FFF2-40B4-BE49-F238E27FC236}">
+                <a16:creationId xmlns:a16="http://schemas.microsoft.com/office/drawing/2014/main" id="{0A5DDF88-DAD1-E345-86DF-FAADDBFB57FD}"/>
               </a:ext>
             </a:extLst>
           </p:cNvPr>
           <p:cNvPicPr>
-            <a:picLocks noGrp="1" noChangeAspect="1"/>
+            <a:picLocks noChangeAspect="1"/>
           </p:cNvPicPr>
-          <p:nvPr>
-            <p:ph idx="1"/>
-          </p:nvPr>
+          <p:nvPr/>
+        </p:nvPicPr>
+        <p:blipFill rotWithShape="1">
+          <a:blip r:embed="rId3"/>
+          <a:srcRect l="3611"/>
+          <a:stretch/>
+        </p:blipFill>
+        <p:spPr>
+          <a:xfrm>
+            <a:off x="5441735" y="804672"/>
+            <a:ext cx="5934456" cy="5248656"/>
+          </a:xfrm>
+          <a:prstGeom prst="rect">
+            <a:avLst/>
+          </a:prstGeom>
+          <a:effectLst/>
+        </p:spPr>
+      </p:pic>
+      <p:pic>
+        <p:nvPicPr>
+          <p:cNvPr id="2050" name="Picture 2" descr="Apache Airflow - Wikipedia">
+            <a:extLst>
+              <a:ext uri="{FF2B5EF4-FFF2-40B4-BE49-F238E27FC236}">
+                <a16:creationId xmlns:a16="http://schemas.microsoft.com/office/drawing/2014/main" id="{0125145F-4612-7744-AD0F-1A8154A3BBDE}"/>
+              </a:ext>
+            </a:extLst>
+          </p:cNvPr>
+          <p:cNvPicPr>
+            <a:picLocks noChangeAspect="1" noChangeArrowheads="1"/>
+          </p:cNvPicPr>
+          <p:nvPr/>
         </p:nvPicPr>
         <p:blipFill>
-          <a:blip r:embed="rId3"/>
+          <a:blip r:embed="rId4">
+            <a:extLst>
+              <a:ext uri="{28A0092B-C50C-407E-A947-70E740481C1C}">
+                <a14:useLocalDpi xmlns:a14="http://schemas.microsoft.com/office/drawing/2010/main" val="0"/>
+              </a:ext>
+            </a:extLst>
+          </a:blip>
+          <a:srcRect/>
           <a:stretch>
             <a:fillRect/>
           </a:stretch>
         </p:blipFill>
-        <p:spPr>
-          <a:xfrm>
-            <a:off x="2687215" y="1986871"/>
-            <a:ext cx="6935756" cy="4045857"/>
-          </a:xfrm>
+        <p:spPr bwMode="auto">
+          <a:xfrm>
+            <a:off x="10789902" y="3203878"/>
+            <a:ext cx="1172577" cy="450244"/>
+          </a:xfrm>
+          <a:prstGeom prst="rect">
+            <a:avLst/>
+          </a:prstGeom>
+          <a:noFill/>
+          <a:extLst>
+            <a:ext uri="{909E8E84-426E-40DD-AFC4-6F175D3DCCD1}">
+              <a14:hiddenFill xmlns:a14="http://schemas.microsoft.com/office/drawing/2010/main">
+                <a:solidFill>
+                  <a:srgbClr val="FFFFFF"/>
+                </a:solidFill>
+              </a14:hiddenFill>
+            </a:ext>
+          </a:extLst>
+        </p:spPr>
+      </p:pic>
+      <p:pic>
+        <p:nvPicPr>
+          <p:cNvPr id="2056" name="Picture 8">
+            <a:extLst>
+              <a:ext uri="{FF2B5EF4-FFF2-40B4-BE49-F238E27FC236}">
+                <a16:creationId xmlns:a16="http://schemas.microsoft.com/office/drawing/2014/main" id="{C798E593-BE81-D84E-9C9A-113BE0F1C23A}"/>
+              </a:ext>
+            </a:extLst>
+          </p:cNvPr>
+          <p:cNvPicPr>
+            <a:picLocks noChangeAspect="1" noChangeArrowheads="1"/>
+          </p:cNvPicPr>
+          <p:nvPr/>
+        </p:nvPicPr>
+        <p:blipFill>
+          <a:blip r:embed="rId5">
+            <a:extLst>
+              <a:ext uri="{28A0092B-C50C-407E-A947-70E740481C1C}">
+                <a14:useLocalDpi xmlns:a14="http://schemas.microsoft.com/office/drawing/2010/main" val="0"/>
+              </a:ext>
+            </a:extLst>
+          </a:blip>
+          <a:srcRect/>
+          <a:stretch>
+            <a:fillRect/>
+          </a:stretch>
+        </p:blipFill>
+        <p:spPr bwMode="auto">
+          <a:xfrm>
+            <a:off x="5402074" y="804672"/>
+            <a:ext cx="693926" cy="807356"/>
+          </a:xfrm>
+          <a:prstGeom prst="rect">
+            <a:avLst/>
+          </a:prstGeom>
+          <a:noFill/>
+          <a:extLst>
+            <a:ext uri="{909E8E84-426E-40DD-AFC4-6F175D3DCCD1}">
+              <a14:hiddenFill xmlns:a14="http://schemas.microsoft.com/office/drawing/2010/main">
+                <a:solidFill>
+                  <a:srgbClr val="FFFFFF"/>
+                </a:solidFill>
+              </a14:hiddenFill>
+            </a:ext>
+          </a:extLst>
+        </p:spPr>
+      </p:pic>
+      <p:pic>
+        <p:nvPicPr>
+          <p:cNvPr id="2058" name="Picture 10" descr="Unit Testing with PySpark. By David Illes, Vice President at… | by  Cambridge Spark | Cambridge Spark">
+            <a:extLst>
+              <a:ext uri="{FF2B5EF4-FFF2-40B4-BE49-F238E27FC236}">
+                <a16:creationId xmlns:a16="http://schemas.microsoft.com/office/drawing/2014/main" id="{ABB51496-6CBC-BC40-BA06-D75D4A194F2B}"/>
+              </a:ext>
+            </a:extLst>
+          </p:cNvPr>
+          <p:cNvPicPr>
+            <a:picLocks noChangeAspect="1" noChangeArrowheads="1"/>
+          </p:cNvPicPr>
+          <p:nvPr/>
+        </p:nvPicPr>
+        <p:blipFill>
+          <a:blip r:embed="rId6">
+            <a:extLst>
+              <a:ext uri="{28A0092B-C50C-407E-A947-70E740481C1C}">
+                <a14:useLocalDpi xmlns:a14="http://schemas.microsoft.com/office/drawing/2010/main" val="0"/>
+              </a:ext>
+            </a:extLst>
+          </a:blip>
+          <a:srcRect/>
+          <a:stretch>
+            <a:fillRect/>
+          </a:stretch>
+        </p:blipFill>
+        <p:spPr bwMode="auto">
+          <a:xfrm>
+            <a:off x="10087140" y="804672"/>
+            <a:ext cx="1289050" cy="724282"/>
+          </a:xfrm>
+          <a:prstGeom prst="rect">
+            <a:avLst/>
+          </a:prstGeom>
+          <a:noFill/>
+          <a:extLst>
+            <a:ext uri="{909E8E84-426E-40DD-AFC4-6F175D3DCCD1}">
+              <a14:hiddenFill xmlns:a14="http://schemas.microsoft.com/office/drawing/2010/main">
+                <a:solidFill>
+                  <a:srgbClr val="FFFFFF"/>
+                </a:solidFill>
+              </a14:hiddenFill>
+            </a:ext>
+          </a:extLst>
+        </p:spPr>
+      </p:pic>
+      <p:pic>
+        <p:nvPicPr>
+          <p:cNvPr id="11" name="Picture 10" descr="seaborn: statistical data visualization — seaborn 0.11.1 documentation">
+            <a:extLst>
+              <a:ext uri="{FF2B5EF4-FFF2-40B4-BE49-F238E27FC236}">
+                <a16:creationId xmlns:a16="http://schemas.microsoft.com/office/drawing/2014/main" id="{1FD05B8E-F514-6446-9020-81F21A8B7DFB}"/>
+              </a:ext>
+            </a:extLst>
+          </p:cNvPr>
+          <p:cNvPicPr>
+            <a:picLocks noChangeAspect="1" noChangeArrowheads="1"/>
+          </p:cNvPicPr>
+          <p:nvPr/>
+        </p:nvPicPr>
+        <p:blipFill>
+          <a:blip r:embed="rId7">
+            <a:extLst>
+              <a:ext uri="{28A0092B-C50C-407E-A947-70E740481C1C}">
+                <a14:useLocalDpi xmlns:a14="http://schemas.microsoft.com/office/drawing/2010/main" val="0"/>
+              </a:ext>
+            </a:extLst>
+          </a:blip>
+          <a:srcRect/>
+          <a:stretch>
+            <a:fillRect/>
+          </a:stretch>
+        </p:blipFill>
+        <p:spPr bwMode="auto">
+          <a:xfrm>
+            <a:off x="5749037" y="2644644"/>
+            <a:ext cx="885370" cy="252963"/>
+          </a:xfrm>
+          <a:prstGeom prst="rect">
+            <a:avLst/>
+          </a:prstGeom>
+          <a:noFill/>
+          <a:extLst>
+            <a:ext uri="{909E8E84-426E-40DD-AFC4-6F175D3DCCD1}">
+              <a14:hiddenFill xmlns:a14="http://schemas.microsoft.com/office/drawing/2010/main">
+                <a:solidFill>
+                  <a:srgbClr val="FFFFFF"/>
+                </a:solidFill>
+              </a14:hiddenFill>
+            </a:ext>
+          </a:extLst>
         </p:spPr>
       </p:pic>
     </p:spTree>
     <p:extLst>
       <p:ext uri="{BB962C8B-B14F-4D97-AF65-F5344CB8AC3E}">
-        <p14:creationId xmlns:p14="http://schemas.microsoft.com/office/powerpoint/2010/main" val="2530735211"/>
+        <p14:creationId xmlns:p14="http://schemas.microsoft.com/office/powerpoint/2010/main" val="2112928636"/>
       </p:ext>
     </p:extLst>
   </p:cSld>
@@ -8444,13 +8704,13 @@
 </p:sld>
 </file>
 
-<file path=ppt/slides/slide9.xml><?xml version="1.0" encoding="utf-8"?>
+<file path=ppt/slides/slide8.xml><?xml version="1.0" encoding="utf-8"?>
 <p:sld xmlns:a="http://schemas.openxmlformats.org/drawingml/2006/main" xmlns:r="http://schemas.openxmlformats.org/officeDocument/2006/relationships" xmlns:p="http://schemas.openxmlformats.org/presentationml/2006/main">
   <p:cSld>
     <p:bg>
       <p:bgPr>
         <a:solidFill>
-          <a:schemeClr val="bg2"/>
+          <a:schemeClr val="bg1"/>
         </a:solidFill>
         <a:effectLst/>
       </p:bgPr>
@@ -8469,12 +8729,47 @@
           <a:chExt cx="0" cy="0"/>
         </a:xfrm>
       </p:grpSpPr>
-      <p:sp useBgFill="1">
-        <p:nvSpPr>
-          <p:cNvPr id="10" name="Rectangle 9">
-            <a:extLst>
-              <a:ext uri="{FF2B5EF4-FFF2-40B4-BE49-F238E27FC236}">
-                <a16:creationId xmlns:a16="http://schemas.microsoft.com/office/drawing/2014/main" id="{53F29798-D584-4792-9B62-3F5F5C36D619}"/>
+      <p:sp>
+        <p:nvSpPr>
+          <p:cNvPr id="2" name="Title 1">
+            <a:extLst>
+              <a:ext uri="{FF2B5EF4-FFF2-40B4-BE49-F238E27FC236}">
+                <a16:creationId xmlns:a16="http://schemas.microsoft.com/office/drawing/2014/main" id="{1DE2D4B7-80C3-D443-8EFB-FFF4DF86F342}"/>
+              </a:ext>
+            </a:extLst>
+          </p:cNvPr>
+          <p:cNvSpPr>
+            <a:spLocks noGrp="1"/>
+          </p:cNvSpPr>
+          <p:nvPr>
+            <p:ph type="title"/>
+          </p:nvPr>
+        </p:nvSpPr>
+        <p:spPr>
+          <a:xfrm>
+            <a:off x="648928" y="338328"/>
+            <a:ext cx="10899944" cy="1608328"/>
+          </a:xfrm>
+        </p:spPr>
+        <p:txBody>
+          <a:bodyPr>
+            <a:normAutofit/>
+          </a:bodyPr>
+          <a:lstStyle/>
+          <a:p>
+            <a:r>
+              <a:rPr lang="en-NL" sz="3600"/>
+              <a:t>Jupyter Notebooks               vs          Visual Studio Code   </a:t>
+            </a:r>
+          </a:p>
+        </p:txBody>
+      </p:sp>
+      <p:sp>
+        <p:nvSpPr>
+          <p:cNvPr id="14" name="Rectangle 13">
+            <a:extLst>
+              <a:ext uri="{FF2B5EF4-FFF2-40B4-BE49-F238E27FC236}">
+                <a16:creationId xmlns:a16="http://schemas.microsoft.com/office/drawing/2014/main" id="{5AAE9118-0436-4488-AC4A-C14DF6A7B6B1}"/>
               </a:ext>
               <a:ext uri="{C183D7F6-B498-43B3-948B-1728B52AA6E4}">
                 <adec:decorative xmlns:adec="http://schemas.microsoft.com/office/drawing/2017/decorative" val="1"/>
@@ -8494,12 +8789,15 @@
         </p:nvSpPr>
         <p:spPr>
           <a:xfrm>
-            <a:off x="0" y="0"/>
-            <a:ext cx="12188952" cy="6858000"/>
+            <a:off x="-2" y="2211010"/>
+            <a:ext cx="12192002" cy="4646990"/>
           </a:xfrm>
           <a:prstGeom prst="rect">
             <a:avLst/>
           </a:prstGeom>
+          <a:solidFill>
+            <a:srgbClr val="C8CACA"/>
+          </a:solidFill>
           <a:ln>
             <a:noFill/>
           </a:ln>
@@ -8524,56 +8822,120 @@
           <a:bodyPr rtlCol="0" anchor="ctr"/>
           <a:lstStyle/>
           <a:p>
+            <a:pPr marL="0" marR="0" lvl="0" indent="0" algn="ctr" defTabSz="914400" rtl="0" eaLnBrk="1" fontAlgn="auto" latinLnBrk="0" hangingPunct="1">
+              <a:lnSpc>
+                <a:spcPct val="100000"/>
+              </a:lnSpc>
+              <a:spcBef>
+                <a:spcPts val="0"/>
+              </a:spcBef>
+              <a:spcAft>
+                <a:spcPts val="0"/>
+              </a:spcAft>
+              <a:buClrTx/>
+              <a:buSzTx/>
+              <a:buFontTx/>
+              <a:buNone/>
+              <a:tabLst/>
+              <a:defRPr/>
+            </a:pPr>
+            <a:endParaRPr kumimoji="0" lang="en-US" sz="1800" b="0" i="0" u="none" strike="noStrike" kern="1200" cap="none" spc="0" normalizeH="0" baseline="0" noProof="0">
+              <a:ln>
+                <a:noFill/>
+              </a:ln>
+              <a:solidFill>
+                <a:prstClr val="white"/>
+              </a:solidFill>
+              <a:effectLst/>
+              <a:uLnTx/>
+              <a:uFillTx/>
+              <a:latin typeface="Calibri" panose="020F0502020204030204"/>
+              <a:ea typeface="+mn-ea"/>
+              <a:cs typeface="+mn-cs"/>
+            </a:endParaRPr>
+          </a:p>
+        </p:txBody>
+      </p:sp>
+      <p:sp>
+        <p:nvSpPr>
+          <p:cNvPr id="16" name="Rounded Rectangle 26">
+            <a:extLst>
+              <a:ext uri="{FF2B5EF4-FFF2-40B4-BE49-F238E27FC236}">
+                <a16:creationId xmlns:a16="http://schemas.microsoft.com/office/drawing/2014/main" id="{48AADC38-41AB-482C-B8C3-6B9CD91B678A}"/>
+              </a:ext>
+              <a:ext uri="{C183D7F6-B498-43B3-948B-1728B52AA6E4}">
+                <adec:decorative xmlns:adec="http://schemas.microsoft.com/office/drawing/2017/decorative" val="1"/>
+              </a:ext>
+            </a:extLst>
+          </p:cNvPr>
+          <p:cNvSpPr>
+            <a:spLocks noGrp="1" noRot="1" noChangeAspect="1" noMove="1" noResize="1" noEditPoints="1" noAdjustHandles="1" noChangeArrowheads="1" noChangeShapeType="1" noTextEdit="1"/>
+          </p:cNvSpPr>
+          <p:nvPr>
+            <p:extLst>
+              <p:ext uri="{386F3935-93C4-4BCD-93E2-E3B085C9AB24}">
+                <p16:designElem xmlns:p16="http://schemas.microsoft.com/office/powerpoint/2015/main" val="1"/>
+              </p:ext>
+            </p:extLst>
+          </p:nvPr>
+        </p:nvSpPr>
+        <p:spPr>
+          <a:xfrm>
+            <a:off x="321564" y="2426035"/>
+            <a:ext cx="11548872" cy="3930315"/>
+          </a:xfrm>
+          <a:prstGeom prst="roundRect">
+            <a:avLst>
+              <a:gd name="adj" fmla="val 0"/>
+            </a:avLst>
+          </a:prstGeom>
+          <a:solidFill>
+            <a:srgbClr val="FFFFFF"/>
+          </a:solidFill>
+          <a:ln w="9525">
+            <a:solidFill>
+              <a:srgbClr val="C8CACA"/>
+            </a:solidFill>
+          </a:ln>
+          <a:effectLst>
+            <a:outerShdw blurRad="57150" dist="19050" dir="5400000" algn="t" rotWithShape="0">
+              <a:prstClr val="black">
+                <a:alpha val="63000"/>
+              </a:prstClr>
+            </a:outerShdw>
+          </a:effectLst>
+        </p:spPr>
+        <p:style>
+          <a:lnRef idx="2">
+            <a:schemeClr val="accent1">
+              <a:shade val="50000"/>
+            </a:schemeClr>
+          </a:lnRef>
+          <a:fillRef idx="1">
+            <a:schemeClr val="accent1"/>
+          </a:fillRef>
+          <a:effectRef idx="0">
+            <a:schemeClr val="accent1"/>
+          </a:effectRef>
+          <a:fontRef idx="minor">
+            <a:schemeClr val="lt1"/>
+          </a:fontRef>
+        </p:style>
+        <p:txBody>
+          <a:bodyPr rtlCol="0" anchor="ctr"/>
+          <a:lstStyle/>
+          <a:p>
             <a:pPr algn="ctr"/>
             <a:endParaRPr lang="en-US"/>
           </a:p>
         </p:txBody>
       </p:sp>
-      <p:sp>
-        <p:nvSpPr>
-          <p:cNvPr id="2" name="Title 1">
-            <a:extLst>
-              <a:ext uri="{FF2B5EF4-FFF2-40B4-BE49-F238E27FC236}">
-                <a16:creationId xmlns:a16="http://schemas.microsoft.com/office/drawing/2014/main" id="{C8163A18-D894-FF42-A3CF-D81F0CB8B8FF}"/>
-              </a:ext>
-            </a:extLst>
-          </p:cNvPr>
-          <p:cNvSpPr>
-            <a:spLocks noGrp="1"/>
-          </p:cNvSpPr>
-          <p:nvPr>
-            <p:ph type="title"/>
-          </p:nvPr>
-        </p:nvSpPr>
-        <p:spPr>
-          <a:xfrm>
-            <a:off x="0" y="1"/>
-            <a:ext cx="12192000" cy="1690688"/>
-          </a:xfrm>
-          <a:solidFill>
-            <a:schemeClr val="bg1"/>
-          </a:solidFill>
-        </p:spPr>
-        <p:txBody>
-          <a:bodyPr vert="horz" lIns="91440" tIns="45720" rIns="91440" bIns="45720" rtlCol="0" anchor="ctr">
-            <a:normAutofit/>
-          </a:bodyPr>
-          <a:lstStyle/>
-          <a:p>
-            <a:pPr algn="ctr"/>
-            <a:r>
-              <a:rPr lang="en-US" sz="5200"/>
-              <a:t>There are too many plotting packages</a:t>
-            </a:r>
-          </a:p>
-        </p:txBody>
-      </p:sp>
       <p:pic>
         <p:nvPicPr>
-          <p:cNvPr id="6" name="Picture 5" descr="Diagram&#10;&#10;Description automatically generated">
-            <a:extLst>
-              <a:ext uri="{FF2B5EF4-FFF2-40B4-BE49-F238E27FC236}">
-                <a16:creationId xmlns:a16="http://schemas.microsoft.com/office/drawing/2014/main" id="{CDEA112E-9883-2D4C-A588-CBB48AE23B30}"/>
+          <p:cNvPr id="5" name="Content Placeholder 4" descr="Graphical user interface, text, application&#10;&#10;Description automatically generated">
+            <a:extLst>
+              <a:ext uri="{FF2B5EF4-FFF2-40B4-BE49-F238E27FC236}">
+                <a16:creationId xmlns:a16="http://schemas.microsoft.com/office/drawing/2014/main" id="{384CA356-7F85-FD40-B3B6-4837AE989AA6}"/>
               </a:ext>
             </a:extLst>
           </p:cNvPr>
@@ -8582,16 +8944,44 @@
           </p:cNvPicPr>
           <p:nvPr/>
         </p:nvPicPr>
-        <p:blipFill>
-          <a:blip r:embed="rId2"/>
-          <a:stretch>
-            <a:fillRect/>
-          </a:stretch>
+        <p:blipFill rotWithShape="1">
+          <a:blip r:embed="rId3"/>
+          <a:srcRect r="9841" b="-3"/>
+          <a:stretch/>
         </p:blipFill>
         <p:spPr>
           <a:xfrm>
-            <a:off x="1443555" y="1945715"/>
-            <a:ext cx="8977703" cy="4564736"/>
+            <a:off x="643128" y="3082753"/>
+            <a:ext cx="4783038" cy="2984218"/>
+          </a:xfrm>
+          <a:prstGeom prst="rect">
+            <a:avLst/>
+          </a:prstGeom>
+        </p:spPr>
+      </p:pic>
+      <p:pic>
+        <p:nvPicPr>
+          <p:cNvPr id="7" name="Picture 6" descr="A screenshot of a computer&#10;&#10;Description automatically generated with medium confidence">
+            <a:extLst>
+              <a:ext uri="{FF2B5EF4-FFF2-40B4-BE49-F238E27FC236}">
+                <a16:creationId xmlns:a16="http://schemas.microsoft.com/office/drawing/2014/main" id="{1284C0E4-3462-8442-8BFF-5F8225C5CC99}"/>
+              </a:ext>
+            </a:extLst>
+          </p:cNvPr>
+          <p:cNvPicPr>
+            <a:picLocks noChangeAspect="1"/>
+          </p:cNvPicPr>
+          <p:nvPr/>
+        </p:nvPicPr>
+        <p:blipFill rotWithShape="1">
+          <a:blip r:embed="rId4"/>
+          <a:srcRect t="4013" r="-2" b="-2"/>
+          <a:stretch/>
+        </p:blipFill>
+        <p:spPr>
+          <a:xfrm>
+            <a:off x="6765834" y="3082753"/>
+            <a:ext cx="4783038" cy="2984218"/>
           </a:xfrm>
           <a:prstGeom prst="rect">
             <a:avLst/>
@@ -8601,7 +8991,358 @@
     </p:spTree>
     <p:extLst>
       <p:ext uri="{BB962C8B-B14F-4D97-AF65-F5344CB8AC3E}">
-        <p14:creationId xmlns:p14="http://schemas.microsoft.com/office/powerpoint/2010/main" val="3851740515"/>
+        <p14:creationId xmlns:p14="http://schemas.microsoft.com/office/powerpoint/2010/main" val="1164312314"/>
+      </p:ext>
+    </p:extLst>
+  </p:cSld>
+  <p:clrMapOvr>
+    <a:masterClrMapping/>
+  </p:clrMapOvr>
+</p:sld>
+</file>
+
+<file path=ppt/slides/slide9.xml><?xml version="1.0" encoding="utf-8"?>
+<p:sld xmlns:a="http://schemas.openxmlformats.org/drawingml/2006/main" xmlns:r="http://schemas.openxmlformats.org/officeDocument/2006/relationships" xmlns:p="http://schemas.openxmlformats.org/presentationml/2006/main">
+  <p:cSld>
+    <p:bg>
+      <p:bgPr>
+        <a:solidFill>
+          <a:schemeClr val="bg1"/>
+        </a:solidFill>
+        <a:effectLst/>
+      </p:bgPr>
+    </p:bg>
+    <p:spTree>
+      <p:nvGrpSpPr>
+        <p:cNvPr id="1" name=""/>
+        <p:cNvGrpSpPr/>
+        <p:nvPr/>
+      </p:nvGrpSpPr>
+      <p:grpSpPr>
+        <a:xfrm>
+          <a:off x="0" y="0"/>
+          <a:ext cx="0" cy="0"/>
+          <a:chOff x="0" y="0"/>
+          <a:chExt cx="0" cy="0"/>
+        </a:xfrm>
+      </p:grpSpPr>
+      <p:sp>
+        <p:nvSpPr>
+          <p:cNvPr id="2" name="Title 1">
+            <a:extLst>
+              <a:ext uri="{FF2B5EF4-FFF2-40B4-BE49-F238E27FC236}">
+                <a16:creationId xmlns:a16="http://schemas.microsoft.com/office/drawing/2014/main" id="{1DE2D4B7-80C3-D443-8EFB-FFF4DF86F342}"/>
+              </a:ext>
+            </a:extLst>
+          </p:cNvPr>
+          <p:cNvSpPr>
+            <a:spLocks noGrp="1"/>
+          </p:cNvSpPr>
+          <p:nvPr>
+            <p:ph type="title"/>
+          </p:nvPr>
+        </p:nvSpPr>
+        <p:spPr>
+          <a:xfrm>
+            <a:off x="648928" y="338328"/>
+            <a:ext cx="10899944" cy="1608328"/>
+          </a:xfrm>
+        </p:spPr>
+        <p:txBody>
+          <a:bodyPr>
+            <a:normAutofit/>
+          </a:bodyPr>
+          <a:lstStyle/>
+          <a:p>
+            <a:r>
+              <a:rPr lang="en-NL" sz="3600"/>
+              <a:t>Jupyter Notebooks tips and tricks</a:t>
+            </a:r>
+          </a:p>
+        </p:txBody>
+      </p:sp>
+      <p:sp>
+        <p:nvSpPr>
+          <p:cNvPr id="14" name="Rectangle 13">
+            <a:extLst>
+              <a:ext uri="{FF2B5EF4-FFF2-40B4-BE49-F238E27FC236}">
+                <a16:creationId xmlns:a16="http://schemas.microsoft.com/office/drawing/2014/main" id="{5AAE9118-0436-4488-AC4A-C14DF6A7B6B1}"/>
+              </a:ext>
+              <a:ext uri="{C183D7F6-B498-43B3-948B-1728B52AA6E4}">
+                <adec:decorative xmlns:adec="http://schemas.microsoft.com/office/drawing/2017/decorative" val="1"/>
+              </a:ext>
+            </a:extLst>
+          </p:cNvPr>
+          <p:cNvSpPr>
+            <a:spLocks noGrp="1" noRot="1" noChangeAspect="1" noMove="1" noResize="1" noEditPoints="1" noAdjustHandles="1" noChangeArrowheads="1" noChangeShapeType="1" noTextEdit="1"/>
+          </p:cNvSpPr>
+          <p:nvPr>
+            <p:extLst>
+              <p:ext uri="{386F3935-93C4-4BCD-93E2-E3B085C9AB24}">
+                <p16:designElem xmlns:p16="http://schemas.microsoft.com/office/powerpoint/2015/main" val="1"/>
+              </p:ext>
+            </p:extLst>
+          </p:nvPr>
+        </p:nvSpPr>
+        <p:spPr>
+          <a:xfrm>
+            <a:off x="-2" y="2211010"/>
+            <a:ext cx="12192002" cy="4646990"/>
+          </a:xfrm>
+          <a:prstGeom prst="rect">
+            <a:avLst/>
+          </a:prstGeom>
+          <a:solidFill>
+            <a:srgbClr val="C8CACA"/>
+          </a:solidFill>
+          <a:ln>
+            <a:noFill/>
+          </a:ln>
+        </p:spPr>
+        <p:style>
+          <a:lnRef idx="2">
+            <a:schemeClr val="accent1">
+              <a:shade val="50000"/>
+            </a:schemeClr>
+          </a:lnRef>
+          <a:fillRef idx="1">
+            <a:schemeClr val="accent1"/>
+          </a:fillRef>
+          <a:effectRef idx="0">
+            <a:schemeClr val="accent1"/>
+          </a:effectRef>
+          <a:fontRef idx="minor">
+            <a:schemeClr val="lt1"/>
+          </a:fontRef>
+        </p:style>
+        <p:txBody>
+          <a:bodyPr rtlCol="0" anchor="ctr"/>
+          <a:lstStyle/>
+          <a:p>
+            <a:pPr marL="0" marR="0" lvl="0" indent="0" algn="ctr" defTabSz="914400" rtl="0" eaLnBrk="1" fontAlgn="auto" latinLnBrk="0" hangingPunct="1">
+              <a:lnSpc>
+                <a:spcPct val="100000"/>
+              </a:lnSpc>
+              <a:spcBef>
+                <a:spcPts val="0"/>
+              </a:spcBef>
+              <a:spcAft>
+                <a:spcPts val="0"/>
+              </a:spcAft>
+              <a:buClrTx/>
+              <a:buSzTx/>
+              <a:buFontTx/>
+              <a:buNone/>
+              <a:tabLst/>
+              <a:defRPr/>
+            </a:pPr>
+            <a:endParaRPr kumimoji="0" lang="en-US" sz="1800" b="0" i="0" u="none" strike="noStrike" kern="1200" cap="none" spc="0" normalizeH="0" baseline="0" noProof="0">
+              <a:ln>
+                <a:noFill/>
+              </a:ln>
+              <a:solidFill>
+                <a:prstClr val="white"/>
+              </a:solidFill>
+              <a:effectLst/>
+              <a:uLnTx/>
+              <a:uFillTx/>
+              <a:latin typeface="Calibri" panose="020F0502020204030204"/>
+              <a:ea typeface="+mn-ea"/>
+              <a:cs typeface="+mn-cs"/>
+            </a:endParaRPr>
+          </a:p>
+        </p:txBody>
+      </p:sp>
+      <p:sp>
+        <p:nvSpPr>
+          <p:cNvPr id="16" name="Rounded Rectangle 26">
+            <a:extLst>
+              <a:ext uri="{FF2B5EF4-FFF2-40B4-BE49-F238E27FC236}">
+                <a16:creationId xmlns:a16="http://schemas.microsoft.com/office/drawing/2014/main" id="{48AADC38-41AB-482C-B8C3-6B9CD91B678A}"/>
+              </a:ext>
+              <a:ext uri="{C183D7F6-B498-43B3-948B-1728B52AA6E4}">
+                <adec:decorative xmlns:adec="http://schemas.microsoft.com/office/drawing/2017/decorative" val="1"/>
+              </a:ext>
+            </a:extLst>
+          </p:cNvPr>
+          <p:cNvSpPr>
+            <a:spLocks noGrp="1" noRot="1" noChangeAspect="1" noMove="1" noResize="1" noEditPoints="1" noAdjustHandles="1" noChangeArrowheads="1" noChangeShapeType="1" noTextEdit="1"/>
+          </p:cNvSpPr>
+          <p:nvPr>
+            <p:extLst>
+              <p:ext uri="{386F3935-93C4-4BCD-93E2-E3B085C9AB24}">
+                <p16:designElem xmlns:p16="http://schemas.microsoft.com/office/powerpoint/2015/main" val="1"/>
+              </p:ext>
+            </p:extLst>
+          </p:nvPr>
+        </p:nvSpPr>
+        <p:spPr>
+          <a:xfrm>
+            <a:off x="321564" y="2426035"/>
+            <a:ext cx="11548872" cy="3930315"/>
+          </a:xfrm>
+          <a:prstGeom prst="roundRect">
+            <a:avLst>
+              <a:gd name="adj" fmla="val 0"/>
+            </a:avLst>
+          </a:prstGeom>
+          <a:solidFill>
+            <a:srgbClr val="FFFFFF"/>
+          </a:solidFill>
+          <a:ln w="9525">
+            <a:solidFill>
+              <a:srgbClr val="C8CACA"/>
+            </a:solidFill>
+          </a:ln>
+          <a:effectLst>
+            <a:outerShdw blurRad="57150" dist="19050" dir="5400000" algn="t" rotWithShape="0">
+              <a:prstClr val="black">
+                <a:alpha val="63000"/>
+              </a:prstClr>
+            </a:outerShdw>
+          </a:effectLst>
+        </p:spPr>
+        <p:style>
+          <a:lnRef idx="2">
+            <a:schemeClr val="accent1">
+              <a:shade val="50000"/>
+            </a:schemeClr>
+          </a:lnRef>
+          <a:fillRef idx="1">
+            <a:schemeClr val="accent1"/>
+          </a:fillRef>
+          <a:effectRef idx="0">
+            <a:schemeClr val="accent1"/>
+          </a:effectRef>
+          <a:fontRef idx="minor">
+            <a:schemeClr val="lt1"/>
+          </a:fontRef>
+        </p:style>
+        <p:txBody>
+          <a:bodyPr rtlCol="0" anchor="ctr"/>
+          <a:lstStyle/>
+          <a:p>
+            <a:pPr algn="ctr"/>
+            <a:endParaRPr lang="en-US"/>
+          </a:p>
+        </p:txBody>
+      </p:sp>
+      <p:sp>
+        <p:nvSpPr>
+          <p:cNvPr id="3" name="TextBox 2">
+            <a:extLst>
+              <a:ext uri="{FF2B5EF4-FFF2-40B4-BE49-F238E27FC236}">
+                <a16:creationId xmlns:a16="http://schemas.microsoft.com/office/drawing/2014/main" id="{AED121E7-ABF1-1D4F-9FE2-C91E5F3BCB4A}"/>
+              </a:ext>
+            </a:extLst>
+          </p:cNvPr>
+          <p:cNvSpPr txBox="1"/>
+          <p:nvPr/>
+        </p:nvSpPr>
+        <p:spPr>
+          <a:xfrm>
+            <a:off x="769257" y="2714171"/>
+            <a:ext cx="10580914" cy="3139321"/>
+          </a:xfrm>
+          <a:prstGeom prst="rect">
+            <a:avLst/>
+          </a:prstGeom>
+          <a:noFill/>
+        </p:spPr>
+        <p:txBody>
+          <a:bodyPr wrap="square" rtlCol="0">
+            <a:spAutoFit/>
+          </a:bodyPr>
+          <a:lstStyle/>
+          <a:p>
+            <a:pPr marL="285750" indent="-285750">
+              <a:buFont typeface="Arial" panose="020B0604020202020204" pitchFamily="34" charset="0"/>
+              <a:buChar char="•"/>
+            </a:pPr>
+            <a:r>
+              <a:rPr lang="en-NL"/>
+              <a:t>Shift + Enter to run code</a:t>
+            </a:r>
+          </a:p>
+          <a:p>
+            <a:pPr marL="285750" indent="-285750">
+              <a:buFont typeface="Arial" panose="020B0604020202020204" pitchFamily="34" charset="0"/>
+              <a:buChar char="•"/>
+            </a:pPr>
+            <a:endParaRPr lang="en-NL"/>
+          </a:p>
+          <a:p>
+            <a:pPr marL="285750" indent="-285750">
+              <a:buFont typeface="Arial" panose="020B0604020202020204" pitchFamily="34" charset="0"/>
+              <a:buChar char="•"/>
+            </a:pPr>
+            <a:r>
+              <a:rPr lang="en-NL"/>
+              <a:t>Tab completion</a:t>
+            </a:r>
+          </a:p>
+          <a:p>
+            <a:endParaRPr lang="en-NL"/>
+          </a:p>
+          <a:p>
+            <a:pPr marL="342900" indent="-342900">
+              <a:buFont typeface="Arial" panose="020B0604020202020204" pitchFamily="34" charset="0"/>
+              <a:buChar char="•"/>
+            </a:pPr>
+            <a:r>
+              <a:rPr lang="en-NL"/>
+              <a:t>Nieuwe cell: Escape gevolgd door a (above) of b (below) of dd (delete)</a:t>
+            </a:r>
+          </a:p>
+          <a:p>
+            <a:endParaRPr lang="en-NL"/>
+          </a:p>
+          <a:p>
+            <a:pPr marL="285750" indent="-285750">
+              <a:buFont typeface="Arial" panose="020B0604020202020204" pitchFamily="34" charset="0"/>
+              <a:buChar char="•"/>
+            </a:pPr>
+            <a:r>
+              <a:rPr lang="en-NL"/>
+              <a:t>Shift Tab to see arguments and information about methods, functions or classes</a:t>
+            </a:r>
+          </a:p>
+          <a:p>
+            <a:endParaRPr lang="en-NL"/>
+          </a:p>
+          <a:p>
+            <a:pPr marL="285750" indent="-285750">
+              <a:buFont typeface="Arial" panose="020B0604020202020204" pitchFamily="34" charset="0"/>
+              <a:buChar char="•"/>
+            </a:pPr>
+            <a:r>
+              <a:rPr lang="en-NL"/>
+              <a:t>Magic commands, such as ls</a:t>
+            </a:r>
+          </a:p>
+          <a:p>
+            <a:pPr marL="285750" indent="-285750">
+              <a:buFont typeface="Arial" panose="020B0604020202020204" pitchFamily="34" charset="0"/>
+              <a:buChar char="•"/>
+            </a:pPr>
+            <a:endParaRPr lang="en-NL"/>
+          </a:p>
+          <a:p>
+            <a:pPr marL="285750" indent="-285750">
+              <a:buFont typeface="Arial" panose="020B0604020202020204" pitchFamily="34" charset="0"/>
+              <a:buChar char="•"/>
+            </a:pPr>
+            <a:r>
+              <a:rPr lang="en-NL"/>
+              <a:t>? or ?? to get extra help and info</a:t>
+            </a:r>
+          </a:p>
+        </p:txBody>
+      </p:sp>
+    </p:spTree>
+    <p:extLst>
+      <p:ext uri="{BB962C8B-B14F-4D97-AF65-F5344CB8AC3E}">
+        <p14:creationId xmlns:p14="http://schemas.microsoft.com/office/powerpoint/2010/main" val="2485366165"/>
       </p:ext>
     </p:extLst>
   </p:cSld>

--- a/Pandas_Training_Slides.pptx
+++ b/Pandas_Training_Slides.pptx
@@ -5,26 +5,33 @@
     <p:sldMasterId id="2147483648" r:id="rId1"/>
   </p:sldMasterIdLst>
   <p:notesMasterIdLst>
-    <p:notesMasterId r:id="rId19"/>
+    <p:notesMasterId r:id="rId26"/>
   </p:notesMasterIdLst>
   <p:sldIdLst>
     <p:sldId id="272" r:id="rId2"/>
     <p:sldId id="263" r:id="rId3"/>
-    <p:sldId id="270" r:id="rId4"/>
-    <p:sldId id="273" r:id="rId5"/>
-    <p:sldId id="271" r:id="rId6"/>
-    <p:sldId id="256" r:id="rId7"/>
-    <p:sldId id="257" r:id="rId8"/>
-    <p:sldId id="260" r:id="rId9"/>
-    <p:sldId id="262" r:id="rId10"/>
-    <p:sldId id="274" r:id="rId11"/>
-    <p:sldId id="264" r:id="rId12"/>
-    <p:sldId id="258" r:id="rId13"/>
-    <p:sldId id="259" r:id="rId14"/>
-    <p:sldId id="266" r:id="rId15"/>
-    <p:sldId id="267" r:id="rId16"/>
-    <p:sldId id="265" r:id="rId17"/>
-    <p:sldId id="269" r:id="rId18"/>
+    <p:sldId id="275" r:id="rId4"/>
+    <p:sldId id="277" r:id="rId5"/>
+    <p:sldId id="273" r:id="rId6"/>
+    <p:sldId id="270" r:id="rId7"/>
+    <p:sldId id="271" r:id="rId8"/>
+    <p:sldId id="256" r:id="rId9"/>
+    <p:sldId id="257" r:id="rId10"/>
+    <p:sldId id="278" r:id="rId11"/>
+    <p:sldId id="274" r:id="rId12"/>
+    <p:sldId id="260" r:id="rId13"/>
+    <p:sldId id="262" r:id="rId14"/>
+    <p:sldId id="279" r:id="rId15"/>
+    <p:sldId id="264" r:id="rId16"/>
+    <p:sldId id="258" r:id="rId17"/>
+    <p:sldId id="259" r:id="rId18"/>
+    <p:sldId id="280" r:id="rId19"/>
+    <p:sldId id="266" r:id="rId20"/>
+    <p:sldId id="267" r:id="rId21"/>
+    <p:sldId id="281" r:id="rId22"/>
+    <p:sldId id="265" r:id="rId23"/>
+    <p:sldId id="282" r:id="rId24"/>
+    <p:sldId id="269" r:id="rId25"/>
   </p:sldIdLst>
   <p:sldSz cx="12192000" cy="6858000"/>
   <p:notesSz cx="6858000" cy="9144000"/>
@@ -566,6 +573,454 @@
 </p:notes>
 </file>
 
+<file path=ppt/notesSlides/notesSlide10.xml><?xml version="1.0" encoding="utf-8"?>
+<p:notes xmlns:a="http://schemas.openxmlformats.org/drawingml/2006/main" xmlns:r="http://schemas.openxmlformats.org/officeDocument/2006/relationships" xmlns:p="http://schemas.openxmlformats.org/presentationml/2006/main">
+  <p:cSld>
+    <p:spTree>
+      <p:nvGrpSpPr>
+        <p:cNvPr id="1" name=""/>
+        <p:cNvGrpSpPr/>
+        <p:nvPr/>
+      </p:nvGrpSpPr>
+      <p:grpSpPr>
+        <a:xfrm>
+          <a:off x="0" y="0"/>
+          <a:ext cx="0" cy="0"/>
+          <a:chOff x="0" y="0"/>
+          <a:chExt cx="0" cy="0"/>
+        </a:xfrm>
+      </p:grpSpPr>
+      <p:sp>
+        <p:nvSpPr>
+          <p:cNvPr id="2" name="Slide Image Placeholder 1"/>
+          <p:cNvSpPr>
+            <a:spLocks noGrp="1" noRot="1" noChangeAspect="1"/>
+          </p:cNvSpPr>
+          <p:nvPr>
+            <p:ph type="sldImg"/>
+          </p:nvPr>
+        </p:nvSpPr>
+        <p:spPr/>
+      </p:sp>
+      <p:sp>
+        <p:nvSpPr>
+          <p:cNvPr id="3" name="Notes Placeholder 2"/>
+          <p:cNvSpPr>
+            <a:spLocks noGrp="1"/>
+          </p:cNvSpPr>
+          <p:nvPr>
+            <p:ph type="body" idx="1"/>
+          </p:nvPr>
+        </p:nvSpPr>
+        <p:spPr/>
+        <p:txBody>
+          <a:bodyPr/>
+          <a:lstStyle/>
+          <a:p>
+            <a:r>
+              <a:rPr lang="en-NL"/>
+              <a:t>pandas series are just one column of your data, they are 1 dimensional</a:t>
+            </a:r>
+          </a:p>
+          <a:p>
+            <a:endParaRPr lang="en-NL"/>
+          </a:p>
+          <a:p>
+            <a:r>
+              <a:rPr lang="en-NL"/>
+              <a:t>columns can contain mixed datatypes</a:t>
+            </a:r>
+          </a:p>
+          <a:p>
+            <a:endParaRPr lang="en-NL"/>
+          </a:p>
+          <a:p>
+            <a:endParaRPr lang="en-NL"/>
+          </a:p>
+        </p:txBody>
+      </p:sp>
+      <p:sp>
+        <p:nvSpPr>
+          <p:cNvPr id="4" name="Slide Number Placeholder 3"/>
+          <p:cNvSpPr>
+            <a:spLocks noGrp="1"/>
+          </p:cNvSpPr>
+          <p:nvPr>
+            <p:ph type="sldNum" sz="quarter" idx="5"/>
+          </p:nvPr>
+        </p:nvSpPr>
+        <p:spPr/>
+        <p:txBody>
+          <a:bodyPr/>
+          <a:lstStyle/>
+          <a:p>
+            <a:fld id="{182B101C-A8DC-374B-816A-E743FC59D6B0}" type="slidenum">
+              <a:t>16</a:t>
+            </a:fld>
+            <a:endParaRPr lang="en-NL"/>
+          </a:p>
+        </p:txBody>
+      </p:sp>
+    </p:spTree>
+    <p:extLst>
+      <p:ext uri="{BB962C8B-B14F-4D97-AF65-F5344CB8AC3E}">
+        <p14:creationId xmlns:p14="http://schemas.microsoft.com/office/powerpoint/2010/main" val="2094711334"/>
+      </p:ext>
+    </p:extLst>
+  </p:cSld>
+  <p:clrMapOvr>
+    <a:masterClrMapping/>
+  </p:clrMapOvr>
+</p:notes>
+</file>
+
+<file path=ppt/notesSlides/notesSlide11.xml><?xml version="1.0" encoding="utf-8"?>
+<p:notes xmlns:a="http://schemas.openxmlformats.org/drawingml/2006/main" xmlns:r="http://schemas.openxmlformats.org/officeDocument/2006/relationships" xmlns:p="http://schemas.openxmlformats.org/presentationml/2006/main">
+  <p:cSld>
+    <p:spTree>
+      <p:nvGrpSpPr>
+        <p:cNvPr id="1" name=""/>
+        <p:cNvGrpSpPr/>
+        <p:nvPr/>
+      </p:nvGrpSpPr>
+      <p:grpSpPr>
+        <a:xfrm>
+          <a:off x="0" y="0"/>
+          <a:ext cx="0" cy="0"/>
+          <a:chOff x="0" y="0"/>
+          <a:chExt cx="0" cy="0"/>
+        </a:xfrm>
+      </p:grpSpPr>
+      <p:sp>
+        <p:nvSpPr>
+          <p:cNvPr id="2" name="Slide Image Placeholder 1"/>
+          <p:cNvSpPr>
+            <a:spLocks noGrp="1" noRot="1" noChangeAspect="1"/>
+          </p:cNvSpPr>
+          <p:nvPr>
+            <p:ph type="sldImg"/>
+          </p:nvPr>
+        </p:nvSpPr>
+        <p:spPr/>
+      </p:sp>
+      <p:sp>
+        <p:nvSpPr>
+          <p:cNvPr id="3" name="Notes Placeholder 2"/>
+          <p:cNvSpPr>
+            <a:spLocks noGrp="1"/>
+          </p:cNvSpPr>
+          <p:nvPr>
+            <p:ph type="body" idx="1"/>
+          </p:nvPr>
+        </p:nvSpPr>
+        <p:spPr/>
+        <p:txBody>
+          <a:bodyPr/>
+          <a:lstStyle/>
+          <a:p>
+            <a:r>
+              <a:rPr lang="en-NL"/>
+              <a:t>pandas series are just one column of your data, they are 1 dimensional</a:t>
+            </a:r>
+          </a:p>
+        </p:txBody>
+      </p:sp>
+      <p:sp>
+        <p:nvSpPr>
+          <p:cNvPr id="4" name="Slide Number Placeholder 3"/>
+          <p:cNvSpPr>
+            <a:spLocks noGrp="1"/>
+          </p:cNvSpPr>
+          <p:nvPr>
+            <p:ph type="sldNum" sz="quarter" idx="5"/>
+          </p:nvPr>
+        </p:nvSpPr>
+        <p:spPr/>
+        <p:txBody>
+          <a:bodyPr/>
+          <a:lstStyle/>
+          <a:p>
+            <a:fld id="{182B101C-A8DC-374B-816A-E743FC59D6B0}" type="slidenum">
+              <a:t>17</a:t>
+            </a:fld>
+            <a:endParaRPr lang="en-NL"/>
+          </a:p>
+        </p:txBody>
+      </p:sp>
+    </p:spTree>
+    <p:extLst>
+      <p:ext uri="{BB962C8B-B14F-4D97-AF65-F5344CB8AC3E}">
+        <p14:creationId xmlns:p14="http://schemas.microsoft.com/office/powerpoint/2010/main" val="461405244"/>
+      </p:ext>
+    </p:extLst>
+  </p:cSld>
+  <p:clrMapOvr>
+    <a:masterClrMapping/>
+  </p:clrMapOvr>
+</p:notes>
+</file>
+
+<file path=ppt/notesSlides/notesSlide12.xml><?xml version="1.0" encoding="utf-8"?>
+<p:notes xmlns:a="http://schemas.openxmlformats.org/drawingml/2006/main" xmlns:r="http://schemas.openxmlformats.org/officeDocument/2006/relationships" xmlns:p="http://schemas.openxmlformats.org/presentationml/2006/main">
+  <p:cSld>
+    <p:spTree>
+      <p:nvGrpSpPr>
+        <p:cNvPr id="1" name=""/>
+        <p:cNvGrpSpPr/>
+        <p:nvPr/>
+      </p:nvGrpSpPr>
+      <p:grpSpPr>
+        <a:xfrm>
+          <a:off x="0" y="0"/>
+          <a:ext cx="0" cy="0"/>
+          <a:chOff x="0" y="0"/>
+          <a:chExt cx="0" cy="0"/>
+        </a:xfrm>
+      </p:grpSpPr>
+      <p:sp>
+        <p:nvSpPr>
+          <p:cNvPr id="2" name="Slide Image Placeholder 1"/>
+          <p:cNvSpPr>
+            <a:spLocks noGrp="1" noRot="1" noChangeAspect="1"/>
+          </p:cNvSpPr>
+          <p:nvPr>
+            <p:ph type="sldImg"/>
+          </p:nvPr>
+        </p:nvSpPr>
+        <p:spPr/>
+      </p:sp>
+      <p:sp>
+        <p:nvSpPr>
+          <p:cNvPr id="3" name="Notes Placeholder 2"/>
+          <p:cNvSpPr>
+            <a:spLocks noGrp="1"/>
+          </p:cNvSpPr>
+          <p:nvPr>
+            <p:ph type="body" idx="1"/>
+          </p:nvPr>
+        </p:nvSpPr>
+        <p:spPr/>
+        <p:txBody>
+          <a:bodyPr/>
+          <a:lstStyle/>
+          <a:p>
+            <a:r>
+              <a:rPr lang="en-NL"/>
+              <a:t>ik heb geprobeerd de cursus terug te brengen tot de bare essentials</a:t>
+            </a:r>
+          </a:p>
+        </p:txBody>
+      </p:sp>
+      <p:sp>
+        <p:nvSpPr>
+          <p:cNvPr id="4" name="Slide Number Placeholder 3"/>
+          <p:cNvSpPr>
+            <a:spLocks noGrp="1"/>
+          </p:cNvSpPr>
+          <p:nvPr>
+            <p:ph type="sldNum" sz="quarter" idx="5"/>
+          </p:nvPr>
+        </p:nvSpPr>
+        <p:spPr/>
+        <p:txBody>
+          <a:bodyPr/>
+          <a:lstStyle/>
+          <a:p>
+            <a:fld id="{182B101C-A8DC-374B-816A-E743FC59D6B0}" type="slidenum">
+              <a:rPr lang="en-NL"/>
+              <a:t>18</a:t>
+            </a:fld>
+            <a:endParaRPr lang="en-NL"/>
+          </a:p>
+        </p:txBody>
+      </p:sp>
+    </p:spTree>
+    <p:extLst>
+      <p:ext uri="{BB962C8B-B14F-4D97-AF65-F5344CB8AC3E}">
+        <p14:creationId xmlns:p14="http://schemas.microsoft.com/office/powerpoint/2010/main" val="1665814056"/>
+      </p:ext>
+    </p:extLst>
+  </p:cSld>
+  <p:clrMapOvr>
+    <a:masterClrMapping/>
+  </p:clrMapOvr>
+</p:notes>
+</file>
+
+<file path=ppt/notesSlides/notesSlide13.xml><?xml version="1.0" encoding="utf-8"?>
+<p:notes xmlns:a="http://schemas.openxmlformats.org/drawingml/2006/main" xmlns:r="http://schemas.openxmlformats.org/officeDocument/2006/relationships" xmlns:p="http://schemas.openxmlformats.org/presentationml/2006/main">
+  <p:cSld>
+    <p:spTree>
+      <p:nvGrpSpPr>
+        <p:cNvPr id="1" name=""/>
+        <p:cNvGrpSpPr/>
+        <p:nvPr/>
+      </p:nvGrpSpPr>
+      <p:grpSpPr>
+        <a:xfrm>
+          <a:off x="0" y="0"/>
+          <a:ext cx="0" cy="0"/>
+          <a:chOff x="0" y="0"/>
+          <a:chExt cx="0" cy="0"/>
+        </a:xfrm>
+      </p:grpSpPr>
+      <p:sp>
+        <p:nvSpPr>
+          <p:cNvPr id="2" name="Slide Image Placeholder 1"/>
+          <p:cNvSpPr>
+            <a:spLocks noGrp="1" noRot="1" noChangeAspect="1"/>
+          </p:cNvSpPr>
+          <p:nvPr>
+            <p:ph type="sldImg"/>
+          </p:nvPr>
+        </p:nvSpPr>
+        <p:spPr/>
+      </p:sp>
+      <p:sp>
+        <p:nvSpPr>
+          <p:cNvPr id="3" name="Notes Placeholder 2"/>
+          <p:cNvSpPr>
+            <a:spLocks noGrp="1"/>
+          </p:cNvSpPr>
+          <p:nvPr>
+            <p:ph type="body" idx="1"/>
+          </p:nvPr>
+        </p:nvSpPr>
+        <p:spPr/>
+        <p:txBody>
+          <a:bodyPr/>
+          <a:lstStyle/>
+          <a:p>
+            <a:r>
+              <a:rPr lang="en-NL"/>
+              <a:t>ik heb geprobeerd de cursus terug te brengen tot de bare essentials</a:t>
+            </a:r>
+          </a:p>
+        </p:txBody>
+      </p:sp>
+      <p:sp>
+        <p:nvSpPr>
+          <p:cNvPr id="4" name="Slide Number Placeholder 3"/>
+          <p:cNvSpPr>
+            <a:spLocks noGrp="1"/>
+          </p:cNvSpPr>
+          <p:nvPr>
+            <p:ph type="sldNum" sz="quarter" idx="5"/>
+          </p:nvPr>
+        </p:nvSpPr>
+        <p:spPr/>
+        <p:txBody>
+          <a:bodyPr/>
+          <a:lstStyle/>
+          <a:p>
+            <a:fld id="{182B101C-A8DC-374B-816A-E743FC59D6B0}" type="slidenum">
+              <a:rPr lang="en-NL"/>
+              <a:t>21</a:t>
+            </a:fld>
+            <a:endParaRPr lang="en-NL"/>
+          </a:p>
+        </p:txBody>
+      </p:sp>
+    </p:spTree>
+    <p:extLst>
+      <p:ext uri="{BB962C8B-B14F-4D97-AF65-F5344CB8AC3E}">
+        <p14:creationId xmlns:p14="http://schemas.microsoft.com/office/powerpoint/2010/main" val="3989195415"/>
+      </p:ext>
+    </p:extLst>
+  </p:cSld>
+  <p:clrMapOvr>
+    <a:masterClrMapping/>
+  </p:clrMapOvr>
+</p:notes>
+</file>
+
+<file path=ppt/notesSlides/notesSlide14.xml><?xml version="1.0" encoding="utf-8"?>
+<p:notes xmlns:a="http://schemas.openxmlformats.org/drawingml/2006/main" xmlns:r="http://schemas.openxmlformats.org/officeDocument/2006/relationships" xmlns:p="http://schemas.openxmlformats.org/presentationml/2006/main">
+  <p:cSld>
+    <p:spTree>
+      <p:nvGrpSpPr>
+        <p:cNvPr id="1" name=""/>
+        <p:cNvGrpSpPr/>
+        <p:nvPr/>
+      </p:nvGrpSpPr>
+      <p:grpSpPr>
+        <a:xfrm>
+          <a:off x="0" y="0"/>
+          <a:ext cx="0" cy="0"/>
+          <a:chOff x="0" y="0"/>
+          <a:chExt cx="0" cy="0"/>
+        </a:xfrm>
+      </p:grpSpPr>
+      <p:sp>
+        <p:nvSpPr>
+          <p:cNvPr id="2" name="Slide Image Placeholder 1"/>
+          <p:cNvSpPr>
+            <a:spLocks noGrp="1" noRot="1" noChangeAspect="1"/>
+          </p:cNvSpPr>
+          <p:nvPr>
+            <p:ph type="sldImg"/>
+          </p:nvPr>
+        </p:nvSpPr>
+        <p:spPr/>
+      </p:sp>
+      <p:sp>
+        <p:nvSpPr>
+          <p:cNvPr id="3" name="Notes Placeholder 2"/>
+          <p:cNvSpPr>
+            <a:spLocks noGrp="1"/>
+          </p:cNvSpPr>
+          <p:nvPr>
+            <p:ph type="body" idx="1"/>
+          </p:nvPr>
+        </p:nvSpPr>
+        <p:spPr/>
+        <p:txBody>
+          <a:bodyPr/>
+          <a:lstStyle/>
+          <a:p>
+            <a:r>
+              <a:rPr lang="en-NL"/>
+              <a:t>ik heb geprobeerd de cursus terug te brengen tot de bare essentials</a:t>
+            </a:r>
+          </a:p>
+        </p:txBody>
+      </p:sp>
+      <p:sp>
+        <p:nvSpPr>
+          <p:cNvPr id="4" name="Slide Number Placeholder 3"/>
+          <p:cNvSpPr>
+            <a:spLocks noGrp="1"/>
+          </p:cNvSpPr>
+          <p:nvPr>
+            <p:ph type="sldNum" sz="quarter" idx="5"/>
+          </p:nvPr>
+        </p:nvSpPr>
+        <p:spPr/>
+        <p:txBody>
+          <a:bodyPr/>
+          <a:lstStyle/>
+          <a:p>
+            <a:fld id="{182B101C-A8DC-374B-816A-E743FC59D6B0}" type="slidenum">
+              <a:rPr lang="en-NL"/>
+              <a:t>23</a:t>
+            </a:fld>
+            <a:endParaRPr lang="en-NL"/>
+          </a:p>
+        </p:txBody>
+      </p:sp>
+    </p:spTree>
+    <p:extLst>
+      <p:ext uri="{BB962C8B-B14F-4D97-AF65-F5344CB8AC3E}">
+        <p14:creationId xmlns:p14="http://schemas.microsoft.com/office/powerpoint/2010/main" val="3077123725"/>
+      </p:ext>
+    </p:extLst>
+  </p:cSld>
+  <p:clrMapOvr>
+    <a:masterClrMapping/>
+  </p:clrMapOvr>
+</p:notes>
+</file>
+
 <file path=ppt/notesSlides/notesSlide2.xml><?xml version="1.0" encoding="utf-8"?>
 <p:notes xmlns:a="http://schemas.openxmlformats.org/drawingml/2006/main" xmlns:r="http://schemas.openxmlformats.org/officeDocument/2006/relationships" xmlns:p="http://schemas.openxmlformats.org/presentationml/2006/main">
   <p:cSld>
@@ -612,7 +1067,7 @@
           <a:p>
             <a:r>
               <a:rPr lang="en-NL"/>
-              <a:t>but also easy way to access api’s, scheduling using Airflow, webscraping with beautifulsoup, scrapy etc.</a:t>
+              <a:t>ik heb geprobeerd de cursus terug te brengen tot de bare essentials</a:t>
             </a:r>
           </a:p>
         </p:txBody>
@@ -633,7 +1088,8 @@
           <a:lstStyle/>
           <a:p>
             <a:fld id="{182B101C-A8DC-374B-816A-E743FC59D6B0}" type="slidenum">
-              <a:t>6</a:t>
+              <a:rPr lang="en-NL"/>
+              <a:t>3</a:t>
             </a:fld>
             <a:endParaRPr lang="en-NL"/>
           </a:p>
@@ -642,7 +1098,7 @@
     </p:spTree>
     <p:extLst>
       <p:ext uri="{BB962C8B-B14F-4D97-AF65-F5344CB8AC3E}">
-        <p14:creationId xmlns:p14="http://schemas.microsoft.com/office/powerpoint/2010/main" val="1639698602"/>
+        <p14:creationId xmlns:p14="http://schemas.microsoft.com/office/powerpoint/2010/main" val="40488161"/>
       </p:ext>
     </p:extLst>
   </p:cSld>
@@ -698,7 +1154,7 @@
           <a:p>
             <a:r>
               <a:rPr lang="en-NL"/>
-              <a:t>grote voordeel: 1 library die ergens heel erg goed in is</a:t>
+              <a:t>ik heb geprobeerd de cursus terug te brengen tot de bare essentials</a:t>
             </a:r>
           </a:p>
         </p:txBody>
@@ -719,7 +1175,8 @@
           <a:lstStyle/>
           <a:p>
             <a:fld id="{182B101C-A8DC-374B-816A-E743FC59D6B0}" type="slidenum">
-              <a:t>7</a:t>
+              <a:rPr lang="en-NL"/>
+              <a:t>4</a:t>
             </a:fld>
             <a:endParaRPr lang="en-NL"/>
           </a:p>
@@ -728,7 +1185,7 @@
     </p:spTree>
     <p:extLst>
       <p:ext uri="{BB962C8B-B14F-4D97-AF65-F5344CB8AC3E}">
-        <p14:creationId xmlns:p14="http://schemas.microsoft.com/office/powerpoint/2010/main" val="3081927841"/>
+        <p14:creationId xmlns:p14="http://schemas.microsoft.com/office/powerpoint/2010/main" val="2422845399"/>
       </p:ext>
     </p:extLst>
   </p:cSld>
@@ -784,7 +1241,7 @@
           <a:p>
             <a:r>
               <a:rPr lang="en-NL"/>
-              <a:t>jupyter notebook for commenting and interactive data analysis, IDE is handier for writing production code, although Microsoft also makes it a lot easier to use Visual Studio as a notebook environment</a:t>
+              <a:t>but also easy way to access api’s, scheduling using Airflow, webscraping with beautifulsoup, scrapy etc.</a:t>
             </a:r>
           </a:p>
         </p:txBody>
@@ -805,7 +1262,6 @@
           <a:lstStyle/>
           <a:p>
             <a:fld id="{182B101C-A8DC-374B-816A-E743FC59D6B0}" type="slidenum">
-              <a:rPr lang="en-NL"/>
               <a:t>8</a:t>
             </a:fld>
             <a:endParaRPr lang="en-NL"/>
@@ -815,7 +1271,7 @@
     </p:spTree>
     <p:extLst>
       <p:ext uri="{BB962C8B-B14F-4D97-AF65-F5344CB8AC3E}">
-        <p14:creationId xmlns:p14="http://schemas.microsoft.com/office/powerpoint/2010/main" val="2866973064"/>
+        <p14:creationId xmlns:p14="http://schemas.microsoft.com/office/powerpoint/2010/main" val="1639698602"/>
       </p:ext>
     </p:extLst>
   </p:cSld>
@@ -871,7 +1327,7 @@
           <a:p>
             <a:r>
               <a:rPr lang="en-NL"/>
-              <a:t>pandas mostly excels in data wrangling and analysis. Visualization could also be done in PowerBI or Tableau. I use SQL to get data and pandas to wrangle.</a:t>
+              <a:t>grote voordeel: 1 library die ergens heel erg goed in is</a:t>
             </a:r>
           </a:p>
         </p:txBody>
@@ -892,8 +1348,7 @@
           <a:lstStyle/>
           <a:p>
             <a:fld id="{182B101C-A8DC-374B-816A-E743FC59D6B0}" type="slidenum">
-              <a:rPr lang="en-NL"/>
-              <a:t>11</a:t>
+              <a:t>9</a:t>
             </a:fld>
             <a:endParaRPr lang="en-NL"/>
           </a:p>
@@ -902,7 +1357,7 @@
     </p:spTree>
     <p:extLst>
       <p:ext uri="{BB962C8B-B14F-4D97-AF65-F5344CB8AC3E}">
-        <p14:creationId xmlns:p14="http://schemas.microsoft.com/office/powerpoint/2010/main" val="2237721319"/>
+        <p14:creationId xmlns:p14="http://schemas.microsoft.com/office/powerpoint/2010/main" val="3081927841"/>
       </p:ext>
     </p:extLst>
   </p:cSld>
@@ -958,43 +1413,29 @@
           <a:p>
             <a:r>
               <a:rPr lang="en-NL"/>
-              <a:t>pandas series are just one column of your data, they are 1 dimensional</a:t>
-            </a:r>
-          </a:p>
-          <a:p>
-            <a:endParaRPr lang="en-NL"/>
-          </a:p>
-          <a:p>
-            <a:r>
+              <a:t>ik heb geprobeerd de cursus terug te brengen tot de bare essentials</a:t>
+            </a:r>
+          </a:p>
+        </p:txBody>
+      </p:sp>
+      <p:sp>
+        <p:nvSpPr>
+          <p:cNvPr id="4" name="Slide Number Placeholder 3"/>
+          <p:cNvSpPr>
+            <a:spLocks noGrp="1"/>
+          </p:cNvSpPr>
+          <p:nvPr>
+            <p:ph type="sldNum" sz="quarter" idx="5"/>
+          </p:nvPr>
+        </p:nvSpPr>
+        <p:spPr/>
+        <p:txBody>
+          <a:bodyPr/>
+          <a:lstStyle/>
+          <a:p>
+            <a:fld id="{182B101C-A8DC-374B-816A-E743FC59D6B0}" type="slidenum">
               <a:rPr lang="en-NL"/>
-              <a:t>columns can contain mixed datatypes</a:t>
-            </a:r>
-          </a:p>
-          <a:p>
-            <a:endParaRPr lang="en-NL"/>
-          </a:p>
-          <a:p>
-            <a:endParaRPr lang="en-NL"/>
-          </a:p>
-        </p:txBody>
-      </p:sp>
-      <p:sp>
-        <p:nvSpPr>
-          <p:cNvPr id="4" name="Slide Number Placeholder 3"/>
-          <p:cNvSpPr>
-            <a:spLocks noGrp="1"/>
-          </p:cNvSpPr>
-          <p:nvPr>
-            <p:ph type="sldNum" sz="quarter" idx="5"/>
-          </p:nvPr>
-        </p:nvSpPr>
-        <p:spPr/>
-        <p:txBody>
-          <a:bodyPr/>
-          <a:lstStyle/>
-          <a:p>
-            <a:fld id="{182B101C-A8DC-374B-816A-E743FC59D6B0}" type="slidenum">
-              <a:t>12</a:t>
+              <a:t>10</a:t>
             </a:fld>
             <a:endParaRPr lang="en-NL"/>
           </a:p>
@@ -1003,7 +1444,7 @@
     </p:spTree>
     <p:extLst>
       <p:ext uri="{BB962C8B-B14F-4D97-AF65-F5344CB8AC3E}">
-        <p14:creationId xmlns:p14="http://schemas.microsoft.com/office/powerpoint/2010/main" val="2094711334"/>
+        <p14:creationId xmlns:p14="http://schemas.microsoft.com/office/powerpoint/2010/main" val="13910152"/>
       </p:ext>
     </p:extLst>
   </p:cSld>
@@ -1059,7 +1500,7 @@
           <a:p>
             <a:r>
               <a:rPr lang="en-NL"/>
-              <a:t>pandas series are just one column of your data, they are 1 dimensional</a:t>
+              <a:t>jupyter notebook for commenting and interactive data analysis, IDE is handier for writing production code, although Microsoft also makes it a lot easier to use Visual Studio as a notebook environment</a:t>
             </a:r>
           </a:p>
         </p:txBody>
@@ -1080,7 +1521,8 @@
           <a:lstStyle/>
           <a:p>
             <a:fld id="{182B101C-A8DC-374B-816A-E743FC59D6B0}" type="slidenum">
-              <a:t>13</a:t>
+              <a:rPr lang="en-NL"/>
+              <a:t>12</a:t>
             </a:fld>
             <a:endParaRPr lang="en-NL"/>
           </a:p>
@@ -1089,7 +1531,181 @@
     </p:spTree>
     <p:extLst>
       <p:ext uri="{BB962C8B-B14F-4D97-AF65-F5344CB8AC3E}">
-        <p14:creationId xmlns:p14="http://schemas.microsoft.com/office/powerpoint/2010/main" val="461405244"/>
+        <p14:creationId xmlns:p14="http://schemas.microsoft.com/office/powerpoint/2010/main" val="2866973064"/>
+      </p:ext>
+    </p:extLst>
+  </p:cSld>
+  <p:clrMapOvr>
+    <a:masterClrMapping/>
+  </p:clrMapOvr>
+</p:notes>
+</file>
+
+<file path=ppt/notesSlides/notesSlide8.xml><?xml version="1.0" encoding="utf-8"?>
+<p:notes xmlns:a="http://schemas.openxmlformats.org/drawingml/2006/main" xmlns:r="http://schemas.openxmlformats.org/officeDocument/2006/relationships" xmlns:p="http://schemas.openxmlformats.org/presentationml/2006/main">
+  <p:cSld>
+    <p:spTree>
+      <p:nvGrpSpPr>
+        <p:cNvPr id="1" name=""/>
+        <p:cNvGrpSpPr/>
+        <p:nvPr/>
+      </p:nvGrpSpPr>
+      <p:grpSpPr>
+        <a:xfrm>
+          <a:off x="0" y="0"/>
+          <a:ext cx="0" cy="0"/>
+          <a:chOff x="0" y="0"/>
+          <a:chExt cx="0" cy="0"/>
+        </a:xfrm>
+      </p:grpSpPr>
+      <p:sp>
+        <p:nvSpPr>
+          <p:cNvPr id="2" name="Slide Image Placeholder 1"/>
+          <p:cNvSpPr>
+            <a:spLocks noGrp="1" noRot="1" noChangeAspect="1"/>
+          </p:cNvSpPr>
+          <p:nvPr>
+            <p:ph type="sldImg"/>
+          </p:nvPr>
+        </p:nvSpPr>
+        <p:spPr/>
+      </p:sp>
+      <p:sp>
+        <p:nvSpPr>
+          <p:cNvPr id="3" name="Notes Placeholder 2"/>
+          <p:cNvSpPr>
+            <a:spLocks noGrp="1"/>
+          </p:cNvSpPr>
+          <p:nvPr>
+            <p:ph type="body" idx="1"/>
+          </p:nvPr>
+        </p:nvSpPr>
+        <p:spPr/>
+        <p:txBody>
+          <a:bodyPr/>
+          <a:lstStyle/>
+          <a:p>
+            <a:r>
+              <a:rPr lang="en-NL"/>
+              <a:t>ik heb geprobeerd de cursus terug te brengen tot de bare essentials</a:t>
+            </a:r>
+          </a:p>
+        </p:txBody>
+      </p:sp>
+      <p:sp>
+        <p:nvSpPr>
+          <p:cNvPr id="4" name="Slide Number Placeholder 3"/>
+          <p:cNvSpPr>
+            <a:spLocks noGrp="1"/>
+          </p:cNvSpPr>
+          <p:nvPr>
+            <p:ph type="sldNum" sz="quarter" idx="5"/>
+          </p:nvPr>
+        </p:nvSpPr>
+        <p:spPr/>
+        <p:txBody>
+          <a:bodyPr/>
+          <a:lstStyle/>
+          <a:p>
+            <a:fld id="{182B101C-A8DC-374B-816A-E743FC59D6B0}" type="slidenum">
+              <a:rPr lang="en-NL"/>
+              <a:t>14</a:t>
+            </a:fld>
+            <a:endParaRPr lang="en-NL"/>
+          </a:p>
+        </p:txBody>
+      </p:sp>
+    </p:spTree>
+    <p:extLst>
+      <p:ext uri="{BB962C8B-B14F-4D97-AF65-F5344CB8AC3E}">
+        <p14:creationId xmlns:p14="http://schemas.microsoft.com/office/powerpoint/2010/main" val="107029873"/>
+      </p:ext>
+    </p:extLst>
+  </p:cSld>
+  <p:clrMapOvr>
+    <a:masterClrMapping/>
+  </p:clrMapOvr>
+</p:notes>
+</file>
+
+<file path=ppt/notesSlides/notesSlide9.xml><?xml version="1.0" encoding="utf-8"?>
+<p:notes xmlns:a="http://schemas.openxmlformats.org/drawingml/2006/main" xmlns:r="http://schemas.openxmlformats.org/officeDocument/2006/relationships" xmlns:p="http://schemas.openxmlformats.org/presentationml/2006/main">
+  <p:cSld>
+    <p:spTree>
+      <p:nvGrpSpPr>
+        <p:cNvPr id="1" name=""/>
+        <p:cNvGrpSpPr/>
+        <p:nvPr/>
+      </p:nvGrpSpPr>
+      <p:grpSpPr>
+        <a:xfrm>
+          <a:off x="0" y="0"/>
+          <a:ext cx="0" cy="0"/>
+          <a:chOff x="0" y="0"/>
+          <a:chExt cx="0" cy="0"/>
+        </a:xfrm>
+      </p:grpSpPr>
+      <p:sp>
+        <p:nvSpPr>
+          <p:cNvPr id="2" name="Slide Image Placeholder 1"/>
+          <p:cNvSpPr>
+            <a:spLocks noGrp="1" noRot="1" noChangeAspect="1"/>
+          </p:cNvSpPr>
+          <p:nvPr>
+            <p:ph type="sldImg"/>
+          </p:nvPr>
+        </p:nvSpPr>
+        <p:spPr/>
+      </p:sp>
+      <p:sp>
+        <p:nvSpPr>
+          <p:cNvPr id="3" name="Notes Placeholder 2"/>
+          <p:cNvSpPr>
+            <a:spLocks noGrp="1"/>
+          </p:cNvSpPr>
+          <p:nvPr>
+            <p:ph type="body" idx="1"/>
+          </p:nvPr>
+        </p:nvSpPr>
+        <p:spPr/>
+        <p:txBody>
+          <a:bodyPr/>
+          <a:lstStyle/>
+          <a:p>
+            <a:r>
+              <a:rPr lang="en-NL"/>
+              <a:t>pandas mostly excels in data wrangling and analysis. Visualization could also be done in PowerBI or Tableau. I use SQL to get data and pandas to wrangle.</a:t>
+            </a:r>
+          </a:p>
+        </p:txBody>
+      </p:sp>
+      <p:sp>
+        <p:nvSpPr>
+          <p:cNvPr id="4" name="Slide Number Placeholder 3"/>
+          <p:cNvSpPr>
+            <a:spLocks noGrp="1"/>
+          </p:cNvSpPr>
+          <p:nvPr>
+            <p:ph type="sldNum" sz="quarter" idx="5"/>
+          </p:nvPr>
+        </p:nvSpPr>
+        <p:spPr/>
+        <p:txBody>
+          <a:bodyPr/>
+          <a:lstStyle/>
+          <a:p>
+            <a:fld id="{182B101C-A8DC-374B-816A-E743FC59D6B0}" type="slidenum">
+              <a:rPr lang="en-NL"/>
+              <a:t>15</a:t>
+            </a:fld>
+            <a:endParaRPr lang="en-NL"/>
+          </a:p>
+        </p:txBody>
+      </p:sp>
+    </p:spTree>
+    <p:extLst>
+      <p:ext uri="{BB962C8B-B14F-4D97-AF65-F5344CB8AC3E}">
+        <p14:creationId xmlns:p14="http://schemas.microsoft.com/office/powerpoint/2010/main" val="2237721319"/>
       </p:ext>
     </p:extLst>
   </p:cSld>
@@ -4514,94 +5130,6 @@
 <file path=ppt/slides/slide10.xml><?xml version="1.0" encoding="utf-8"?>
 <p:sld xmlns:a="http://schemas.openxmlformats.org/drawingml/2006/main" xmlns:r="http://schemas.openxmlformats.org/officeDocument/2006/relationships" xmlns:p="http://schemas.openxmlformats.org/presentationml/2006/main">
   <p:cSld>
-    <p:spTree>
-      <p:nvGrpSpPr>
-        <p:cNvPr id="1" name=""/>
-        <p:cNvGrpSpPr/>
-        <p:nvPr/>
-      </p:nvGrpSpPr>
-      <p:grpSpPr>
-        <a:xfrm>
-          <a:off x="0" y="0"/>
-          <a:ext cx="0" cy="0"/>
-          <a:chOff x="0" y="0"/>
-          <a:chExt cx="0" cy="0"/>
-        </a:xfrm>
-      </p:grpSpPr>
-      <p:sp>
-        <p:nvSpPr>
-          <p:cNvPr id="2" name="Title 1">
-            <a:extLst>
-              <a:ext uri="{FF2B5EF4-FFF2-40B4-BE49-F238E27FC236}">
-                <a16:creationId xmlns:a16="http://schemas.microsoft.com/office/drawing/2014/main" id="{1A0B9C69-F2B0-E049-BB65-E08141333E13}"/>
-              </a:ext>
-            </a:extLst>
-          </p:cNvPr>
-          <p:cNvSpPr>
-            <a:spLocks noGrp="1"/>
-          </p:cNvSpPr>
-          <p:nvPr>
-            <p:ph type="title"/>
-          </p:nvPr>
-        </p:nvSpPr>
-        <p:spPr/>
-        <p:txBody>
-          <a:bodyPr/>
-          <a:lstStyle/>
-          <a:p>
-            <a:pPr algn="ctr"/>
-            <a:r>
-              <a:rPr lang="en-NL"/>
-              <a:t>Python data types</a:t>
-            </a:r>
-          </a:p>
-        </p:txBody>
-      </p:sp>
-      <p:pic>
-        <p:nvPicPr>
-          <p:cNvPr id="5" name="Content Placeholder 4">
-            <a:extLst>
-              <a:ext uri="{FF2B5EF4-FFF2-40B4-BE49-F238E27FC236}">
-                <a16:creationId xmlns:a16="http://schemas.microsoft.com/office/drawing/2014/main" id="{85E6EB53-EEB2-7543-A9D7-2205F32D2D09}"/>
-              </a:ext>
-            </a:extLst>
-          </p:cNvPr>
-          <p:cNvPicPr>
-            <a:picLocks noGrp="1" noChangeAspect="1"/>
-          </p:cNvPicPr>
-          <p:nvPr>
-            <p:ph idx="1"/>
-          </p:nvPr>
-        </p:nvPicPr>
-        <p:blipFill>
-          <a:blip r:embed="rId2"/>
-          <a:stretch>
-            <a:fillRect/>
-          </a:stretch>
-        </p:blipFill>
-        <p:spPr>
-          <a:xfrm>
-            <a:off x="1364348" y="1825625"/>
-            <a:ext cx="9463303" cy="4351338"/>
-          </a:xfrm>
-        </p:spPr>
-      </p:pic>
-    </p:spTree>
-    <p:extLst>
-      <p:ext uri="{BB962C8B-B14F-4D97-AF65-F5344CB8AC3E}">
-        <p14:creationId xmlns:p14="http://schemas.microsoft.com/office/powerpoint/2010/main" val="2365306113"/>
-      </p:ext>
-    </p:extLst>
-  </p:cSld>
-  <p:clrMapOvr>
-    <a:masterClrMapping/>
-  </p:clrMapOvr>
-</p:sld>
-</file>
-
-<file path=ppt/slides/slide11.xml><?xml version="1.0" encoding="utf-8"?>
-<p:sld xmlns:a="http://schemas.openxmlformats.org/drawingml/2006/main" xmlns:r="http://schemas.openxmlformats.org/officeDocument/2006/relationships" xmlns:p="http://schemas.openxmlformats.org/presentationml/2006/main">
-  <p:cSld>
     <p:bg>
       <p:bgPr>
         <a:solidFill>
@@ -4629,7 +5157,7 @@
           <p:cNvPr id="2" name="Title 1">
             <a:extLst>
               <a:ext uri="{FF2B5EF4-FFF2-40B4-BE49-F238E27FC236}">
-                <a16:creationId xmlns:a16="http://schemas.microsoft.com/office/drawing/2014/main" id="{FC3C466B-06F5-B84D-A8D3-0B638E77F456}"/>
+                <a16:creationId xmlns:a16="http://schemas.microsoft.com/office/drawing/2014/main" id="{7542C562-6C8A-EA4C-AA34-115B8EFE2331}"/>
               </a:ext>
             </a:extLst>
           </p:cNvPr>
@@ -4642,8 +5170,8 @@
         </p:nvSpPr>
         <p:spPr>
           <a:xfrm>
-            <a:off x="0" y="1"/>
-            <a:ext cx="12192000" cy="1690688"/>
+            <a:off x="0" y="0"/>
+            <a:ext cx="12192000" cy="1325563"/>
           </a:xfrm>
           <a:solidFill>
             <a:schemeClr val="bg1"/>
@@ -4656,17 +5184,166 @@
             <a:pPr algn="ctr"/>
             <a:r>
               <a:rPr lang="en-NL"/>
-              <a:t>Wat is pandas?</a:t>
+              <a:t>Jupyter Notebooks + Python</a:t>
+            </a:r>
+          </a:p>
+        </p:txBody>
+      </p:sp>
+      <p:sp>
+        <p:nvSpPr>
+          <p:cNvPr id="3" name="Content Placeholder 2">
+            <a:extLst>
+              <a:ext uri="{FF2B5EF4-FFF2-40B4-BE49-F238E27FC236}">
+                <a16:creationId xmlns:a16="http://schemas.microsoft.com/office/drawing/2014/main" id="{6193BE97-E656-F74F-9B05-8B879B054C6F}"/>
+              </a:ext>
+            </a:extLst>
+          </p:cNvPr>
+          <p:cNvSpPr>
+            <a:spLocks noGrp="1"/>
+          </p:cNvSpPr>
+          <p:nvPr>
+            <p:ph idx="1"/>
+          </p:nvPr>
+        </p:nvSpPr>
+        <p:spPr>
+          <a:xfrm>
+            <a:off x="783771" y="1843314"/>
+            <a:ext cx="10570029" cy="4775200"/>
+          </a:xfrm>
+          <a:solidFill>
+            <a:schemeClr val="bg1"/>
+          </a:solidFill>
+        </p:spPr>
+        <p:txBody>
+          <a:bodyPr>
+            <a:normAutofit/>
+          </a:bodyPr>
+          <a:lstStyle/>
+          <a:p>
+            <a:endParaRPr lang="en-NL" sz="2400"/>
+          </a:p>
+          <a:p>
+            <a:endParaRPr lang="en-NL" sz="2400"/>
+          </a:p>
+          <a:p>
+            <a:endParaRPr lang="en-NL" sz="2400"/>
+          </a:p>
+          <a:p>
+            <a:endParaRPr lang="en-NL" sz="2400"/>
+          </a:p>
+          <a:p>
+            <a:r>
+              <a:rPr lang="en-NL" sz="2400"/>
+              <a:t>Intro Jupyter Notebook</a:t>
+            </a:r>
+          </a:p>
+          <a:p>
+            <a:r>
+              <a:rPr lang="en-NL" sz="2400"/>
+              <a:t>Python refresher</a:t>
+            </a:r>
+          </a:p>
+          <a:p>
+            <a:r>
+              <a:rPr lang="en-NL" sz="2400"/>
+              <a:t>opstarten VM</a:t>
+            </a:r>
+          </a:p>
+          <a:p>
+            <a:endParaRPr lang="en-NL" sz="2400"/>
+          </a:p>
+          <a:p>
+            <a:pPr marL="0" indent="0">
+              <a:buNone/>
+            </a:pPr>
+            <a:endParaRPr lang="en-NL" sz="2400"/>
+          </a:p>
+          <a:p>
+            <a:pPr marL="0" indent="0">
+              <a:buNone/>
+            </a:pPr>
+            <a:endParaRPr lang="en-NL" sz="2500"/>
+          </a:p>
+          <a:p>
+            <a:pPr marL="0" indent="0">
+              <a:buNone/>
+            </a:pPr>
+            <a:endParaRPr lang="en-NL"/>
+          </a:p>
+          <a:p>
+            <a:pPr lvl="1">
+              <a:buFont typeface="Courier New" panose="02070309020205020404" pitchFamily="49" charset="0"/>
+              <a:buChar char="o"/>
+            </a:pPr>
+            <a:endParaRPr lang="en-NL"/>
+          </a:p>
+        </p:txBody>
+      </p:sp>
+    </p:spTree>
+    <p:extLst>
+      <p:ext uri="{BB962C8B-B14F-4D97-AF65-F5344CB8AC3E}">
+        <p14:creationId xmlns:p14="http://schemas.microsoft.com/office/powerpoint/2010/main" val="1804407692"/>
+      </p:ext>
+    </p:extLst>
+  </p:cSld>
+  <p:clrMapOvr>
+    <a:masterClrMapping/>
+  </p:clrMapOvr>
+</p:sld>
+</file>
+
+<file path=ppt/slides/slide11.xml><?xml version="1.0" encoding="utf-8"?>
+<p:sld xmlns:a="http://schemas.openxmlformats.org/drawingml/2006/main" xmlns:r="http://schemas.openxmlformats.org/officeDocument/2006/relationships" xmlns:p="http://schemas.openxmlformats.org/presentationml/2006/main">
+  <p:cSld>
+    <p:spTree>
+      <p:nvGrpSpPr>
+        <p:cNvPr id="1" name=""/>
+        <p:cNvGrpSpPr/>
+        <p:nvPr/>
+      </p:nvGrpSpPr>
+      <p:grpSpPr>
+        <a:xfrm>
+          <a:off x="0" y="0"/>
+          <a:ext cx="0" cy="0"/>
+          <a:chOff x="0" y="0"/>
+          <a:chExt cx="0" cy="0"/>
+        </a:xfrm>
+      </p:grpSpPr>
+      <p:sp>
+        <p:nvSpPr>
+          <p:cNvPr id="2" name="Title 1">
+            <a:extLst>
+              <a:ext uri="{FF2B5EF4-FFF2-40B4-BE49-F238E27FC236}">
+                <a16:creationId xmlns:a16="http://schemas.microsoft.com/office/drawing/2014/main" id="{1A0B9C69-F2B0-E049-BB65-E08141333E13}"/>
+              </a:ext>
+            </a:extLst>
+          </p:cNvPr>
+          <p:cNvSpPr>
+            <a:spLocks noGrp="1"/>
+          </p:cNvSpPr>
+          <p:nvPr>
+            <p:ph type="title"/>
+          </p:nvPr>
+        </p:nvSpPr>
+        <p:spPr/>
+        <p:txBody>
+          <a:bodyPr/>
+          <a:lstStyle/>
+          <a:p>
+            <a:pPr algn="ctr"/>
+            <a:r>
+              <a:rPr lang="en-NL"/>
+              <a:t>Python data types</a:t>
             </a:r>
           </a:p>
         </p:txBody>
       </p:sp>
       <p:pic>
         <p:nvPicPr>
-          <p:cNvPr id="5" name="Content Placeholder 4" descr="Text&#10;&#10;Description automatically generated">
-            <a:extLst>
-              <a:ext uri="{FF2B5EF4-FFF2-40B4-BE49-F238E27FC236}">
-                <a16:creationId xmlns:a16="http://schemas.microsoft.com/office/drawing/2014/main" id="{9F5F247A-2656-594C-A237-894E5FEE8718}"/>
+          <p:cNvPr id="5" name="Content Placeholder 4">
+            <a:extLst>
+              <a:ext uri="{FF2B5EF4-FFF2-40B4-BE49-F238E27FC236}">
+                <a16:creationId xmlns:a16="http://schemas.microsoft.com/office/drawing/2014/main" id="{85E6EB53-EEB2-7543-A9D7-2205F32D2D09}"/>
               </a:ext>
             </a:extLst>
           </p:cNvPr>
@@ -4678,69 +5355,22 @@
           </p:nvPr>
         </p:nvPicPr>
         <p:blipFill>
-          <a:blip r:embed="rId3"/>
+          <a:blip r:embed="rId2"/>
           <a:stretch>
             <a:fillRect/>
           </a:stretch>
         </p:blipFill>
         <p:spPr>
           <a:xfrm>
-            <a:off x="143164" y="4066543"/>
-            <a:ext cx="11905671" cy="2089825"/>
-          </a:xfrm>
-        </p:spPr>
-      </p:pic>
-      <p:pic>
-        <p:nvPicPr>
-          <p:cNvPr id="1026" name="Picture 2" descr="pandas (software) - Wikipedia">
-            <a:extLst>
-              <a:ext uri="{FF2B5EF4-FFF2-40B4-BE49-F238E27FC236}">
-                <a16:creationId xmlns:a16="http://schemas.microsoft.com/office/drawing/2014/main" id="{A0C9A81B-8796-4048-8EF3-6CE8AA3CF185}"/>
-              </a:ext>
-            </a:extLst>
-          </p:cNvPr>
-          <p:cNvPicPr>
-            <a:picLocks noChangeAspect="1" noChangeArrowheads="1"/>
-          </p:cNvPicPr>
-          <p:nvPr/>
-        </p:nvPicPr>
-        <p:blipFill>
-          <a:blip r:embed="rId4">
-            <a:extLst>
-              <a:ext uri="{28A0092B-C50C-407E-A947-70E740481C1C}">
-                <a14:useLocalDpi xmlns:a14="http://schemas.microsoft.com/office/drawing/2010/main" val="0"/>
-              </a:ext>
-            </a:extLst>
-          </a:blip>
-          <a:srcRect/>
-          <a:stretch>
-            <a:fillRect/>
-          </a:stretch>
-        </p:blipFill>
-        <p:spPr bwMode="auto">
-          <a:xfrm>
-            <a:off x="0" y="1615986"/>
-            <a:ext cx="6096000" cy="2463800"/>
-          </a:xfrm>
-          <a:prstGeom prst="rect">
-            <a:avLst/>
-          </a:prstGeom>
-          <a:noFill/>
-          <a:extLst>
-            <a:ext uri="{909E8E84-426E-40DD-AFC4-6F175D3DCCD1}">
-              <a14:hiddenFill xmlns:a14="http://schemas.microsoft.com/office/drawing/2010/main">
-                <a:solidFill>
-                  <a:srgbClr val="FFFFFF"/>
-                </a:solidFill>
-              </a14:hiddenFill>
-            </a:ext>
-          </a:extLst>
+            <a:off x="1364348" y="1825625"/>
+            <a:ext cx="9463303" cy="4351338"/>
+          </a:xfrm>
         </p:spPr>
       </p:pic>
     </p:spTree>
     <p:extLst>
       <p:ext uri="{BB962C8B-B14F-4D97-AF65-F5344CB8AC3E}">
-        <p14:creationId xmlns:p14="http://schemas.microsoft.com/office/powerpoint/2010/main" val="1499705360"/>
+        <p14:creationId xmlns:p14="http://schemas.microsoft.com/office/powerpoint/2010/main" val="2365306113"/>
       </p:ext>
     </p:extLst>
   </p:cSld>
@@ -4756,7 +5386,7 @@
     <p:bg>
       <p:bgPr>
         <a:solidFill>
-          <a:schemeClr val="bg2"/>
+          <a:schemeClr val="bg1"/>
         </a:solidFill>
         <a:effectLst/>
       </p:bgPr>
@@ -4777,10 +5407,45 @@
       </p:grpSpPr>
       <p:sp>
         <p:nvSpPr>
-          <p:cNvPr id="10" name="Rectangle 9">
-            <a:extLst>
-              <a:ext uri="{FF2B5EF4-FFF2-40B4-BE49-F238E27FC236}">
-                <a16:creationId xmlns:a16="http://schemas.microsoft.com/office/drawing/2014/main" id="{D35D61A1-8484-4749-8AD0-A3455E0753C5}"/>
+          <p:cNvPr id="2" name="Title 1">
+            <a:extLst>
+              <a:ext uri="{FF2B5EF4-FFF2-40B4-BE49-F238E27FC236}">
+                <a16:creationId xmlns:a16="http://schemas.microsoft.com/office/drawing/2014/main" id="{1DE2D4B7-80C3-D443-8EFB-FFF4DF86F342}"/>
+              </a:ext>
+            </a:extLst>
+          </p:cNvPr>
+          <p:cNvSpPr>
+            <a:spLocks noGrp="1"/>
+          </p:cNvSpPr>
+          <p:nvPr>
+            <p:ph type="title"/>
+          </p:nvPr>
+        </p:nvSpPr>
+        <p:spPr>
+          <a:xfrm>
+            <a:off x="648928" y="338328"/>
+            <a:ext cx="10899944" cy="1608328"/>
+          </a:xfrm>
+        </p:spPr>
+        <p:txBody>
+          <a:bodyPr>
+            <a:normAutofit/>
+          </a:bodyPr>
+          <a:lstStyle/>
+          <a:p>
+            <a:r>
+              <a:rPr lang="en-NL" sz="3600"/>
+              <a:t>Jupyter Notebooks               vs          Visual Studio Code   </a:t>
+            </a:r>
+          </a:p>
+        </p:txBody>
+      </p:sp>
+      <p:sp>
+        <p:nvSpPr>
+          <p:cNvPr id="14" name="Rectangle 13">
+            <a:extLst>
+              <a:ext uri="{FF2B5EF4-FFF2-40B4-BE49-F238E27FC236}">
+                <a16:creationId xmlns:a16="http://schemas.microsoft.com/office/drawing/2014/main" id="{5AAE9118-0436-4488-AC4A-C14DF6A7B6B1}"/>
               </a:ext>
               <a:ext uri="{C183D7F6-B498-43B3-948B-1728B52AA6E4}">
                 <adec:decorative xmlns:adec="http://schemas.microsoft.com/office/drawing/2017/decorative" val="1"/>
@@ -4800,16 +5465,14 @@
         </p:nvSpPr>
         <p:spPr>
           <a:xfrm>
-            <a:off x="0" y="0"/>
-            <a:ext cx="12192000" cy="6858000"/>
+            <a:off x="-2" y="2211010"/>
+            <a:ext cx="12192002" cy="4646990"/>
           </a:xfrm>
           <a:prstGeom prst="rect">
             <a:avLst/>
           </a:prstGeom>
           <a:solidFill>
-            <a:schemeClr val="bg1">
-              <a:lumMod val="85000"/>
-            </a:schemeClr>
+            <a:srgbClr val="C8CACA"/>
           </a:solidFill>
           <a:ln>
             <a:noFill/>
@@ -4835,56 +5498,46 @@
           <a:bodyPr rtlCol="0" anchor="ctr"/>
           <a:lstStyle/>
           <a:p>
-            <a:pPr algn="ctr"/>
-            <a:endParaRPr lang="en-US"/>
-          </a:p>
-        </p:txBody>
-      </p:sp>
-      <p:sp>
-        <p:nvSpPr>
-          <p:cNvPr id="2" name="Title 1">
-            <a:extLst>
-              <a:ext uri="{FF2B5EF4-FFF2-40B4-BE49-F238E27FC236}">
-                <a16:creationId xmlns:a16="http://schemas.microsoft.com/office/drawing/2014/main" id="{361185AD-FE89-1B48-B35F-2A9219F7EA5B}"/>
-              </a:ext>
-            </a:extLst>
-          </p:cNvPr>
-          <p:cNvSpPr>
-            <a:spLocks noGrp="1"/>
-          </p:cNvSpPr>
-          <p:nvPr>
-            <p:ph type="title"/>
-          </p:nvPr>
-        </p:nvSpPr>
-        <p:spPr>
-          <a:xfrm>
-            <a:off x="0" y="0"/>
-            <a:ext cx="12192000" cy="1690688"/>
-          </a:xfrm>
-          <a:solidFill>
-            <a:schemeClr val="bg1"/>
-          </a:solidFill>
-        </p:spPr>
-        <p:txBody>
-          <a:bodyPr vert="horz" lIns="91440" tIns="45720" rIns="91440" bIns="45720" rtlCol="0" anchor="ctr">
-            <a:normAutofit/>
-          </a:bodyPr>
-          <a:lstStyle/>
-          <a:p>
-            <a:pPr algn="ctr"/>
-            <a:r>
-              <a:rPr lang="en-US"/>
-              <a:t>Most important concept is a DataFrame</a:t>
-            </a:r>
-          </a:p>
-        </p:txBody>
-      </p:sp>
-      <p:sp>
-        <p:nvSpPr>
-          <p:cNvPr id="12" name="Rounded Rectangle 5">
-            <a:extLst>
-              <a:ext uri="{FF2B5EF4-FFF2-40B4-BE49-F238E27FC236}">
-                <a16:creationId xmlns:a16="http://schemas.microsoft.com/office/drawing/2014/main" id="{1447903E-2B66-479D-959B-F2EBB2CC901F}"/>
+            <a:pPr marL="0" marR="0" lvl="0" indent="0" algn="ctr" defTabSz="914400" rtl="0" eaLnBrk="1" fontAlgn="auto" latinLnBrk="0" hangingPunct="1">
+              <a:lnSpc>
+                <a:spcPct val="100000"/>
+              </a:lnSpc>
+              <a:spcBef>
+                <a:spcPts val="0"/>
+              </a:spcBef>
+              <a:spcAft>
+                <a:spcPts val="0"/>
+              </a:spcAft>
+              <a:buClrTx/>
+              <a:buSzTx/>
+              <a:buFontTx/>
+              <a:buNone/>
+              <a:tabLst/>
+              <a:defRPr/>
+            </a:pPr>
+            <a:endParaRPr kumimoji="0" lang="en-US" sz="1800" b="0" i="0" u="none" strike="noStrike" kern="1200" cap="none" spc="0" normalizeH="0" baseline="0" noProof="0">
+              <a:ln>
+                <a:noFill/>
+              </a:ln>
+              <a:solidFill>
+                <a:prstClr val="white"/>
+              </a:solidFill>
+              <a:effectLst/>
+              <a:uLnTx/>
+              <a:uFillTx/>
+              <a:latin typeface="Calibri" panose="020F0502020204030204"/>
+              <a:ea typeface="+mn-ea"/>
+              <a:cs typeface="+mn-cs"/>
+            </a:endParaRPr>
+          </a:p>
+        </p:txBody>
+      </p:sp>
+      <p:sp>
+        <p:nvSpPr>
+          <p:cNvPr id="16" name="Rounded Rectangle 26">
+            <a:extLst>
+              <a:ext uri="{FF2B5EF4-FFF2-40B4-BE49-F238E27FC236}">
+                <a16:creationId xmlns:a16="http://schemas.microsoft.com/office/drawing/2014/main" id="{48AADC38-41AB-482C-B8C3-6B9CD91B678A}"/>
               </a:ext>
               <a:ext uri="{C183D7F6-B498-43B3-948B-1728B52AA6E4}">
                 <adec:decorative xmlns:adec="http://schemas.microsoft.com/office/drawing/2017/decorative" val="1"/>
@@ -4904,8 +5557,8 @@
         </p:nvSpPr>
         <p:spPr>
           <a:xfrm>
-            <a:off x="838200" y="1828801"/>
-            <a:ext cx="10515600" cy="4362450"/>
+            <a:off x="321564" y="2426035"/>
+            <a:ext cx="11548872" cy="3930315"/>
           </a:xfrm>
           <a:prstGeom prst="roundRect">
             <a:avLst>
@@ -4955,40 +5608,66 @@
       </p:sp>
       <p:pic>
         <p:nvPicPr>
-          <p:cNvPr id="5" name="Content Placeholder 4" descr="Graphical user interface, application, table&#10;&#10;Description automatically generated">
-            <a:extLst>
-              <a:ext uri="{FF2B5EF4-FFF2-40B4-BE49-F238E27FC236}">
-                <a16:creationId xmlns:a16="http://schemas.microsoft.com/office/drawing/2014/main" id="{45D7D62E-AC53-D044-A987-5654775898B3}"/>
+          <p:cNvPr id="5" name="Content Placeholder 4" descr="Graphical user interface, text, application&#10;&#10;Description automatically generated">
+            <a:extLst>
+              <a:ext uri="{FF2B5EF4-FFF2-40B4-BE49-F238E27FC236}">
+                <a16:creationId xmlns:a16="http://schemas.microsoft.com/office/drawing/2014/main" id="{384CA356-7F85-FD40-B3B6-4837AE989AA6}"/>
               </a:ext>
             </a:extLst>
           </p:cNvPr>
           <p:cNvPicPr>
-            <a:picLocks noGrp="1" noChangeAspect="1"/>
+            <a:picLocks noChangeAspect="1"/>
           </p:cNvPicPr>
-          <p:nvPr>
-            <p:ph idx="1"/>
-          </p:nvPr>
+          <p:nvPr/>
         </p:nvPicPr>
         <p:blipFill rotWithShape="1">
           <a:blip r:embed="rId3"/>
-          <a:srcRect t="2784" r="1" b="6953"/>
+          <a:srcRect r="9841" b="-3"/>
           <a:stretch/>
         </p:blipFill>
         <p:spPr>
           <a:xfrm>
-            <a:off x="932350" y="2055813"/>
-            <a:ext cx="10349274" cy="3900143"/>
+            <a:off x="643128" y="3082753"/>
+            <a:ext cx="4783038" cy="2984218"/>
           </a:xfrm>
           <a:prstGeom prst="rect">
             <a:avLst/>
           </a:prstGeom>
-          <a:effectLst/>
+        </p:spPr>
+      </p:pic>
+      <p:pic>
+        <p:nvPicPr>
+          <p:cNvPr id="7" name="Picture 6" descr="A screenshot of a computer&#10;&#10;Description automatically generated with medium confidence">
+            <a:extLst>
+              <a:ext uri="{FF2B5EF4-FFF2-40B4-BE49-F238E27FC236}">
+                <a16:creationId xmlns:a16="http://schemas.microsoft.com/office/drawing/2014/main" id="{1284C0E4-3462-8442-8BFF-5F8225C5CC99}"/>
+              </a:ext>
+            </a:extLst>
+          </p:cNvPr>
+          <p:cNvPicPr>
+            <a:picLocks noChangeAspect="1"/>
+          </p:cNvPicPr>
+          <p:nvPr/>
+        </p:nvPicPr>
+        <p:blipFill rotWithShape="1">
+          <a:blip r:embed="rId4"/>
+          <a:srcRect t="4013" r="-2" b="-2"/>
+          <a:stretch/>
+        </p:blipFill>
+        <p:spPr>
+          <a:xfrm>
+            <a:off x="6765834" y="3082753"/>
+            <a:ext cx="4783038" cy="2984218"/>
+          </a:xfrm>
+          <a:prstGeom prst="rect">
+            <a:avLst/>
+          </a:prstGeom>
         </p:spPr>
       </p:pic>
     </p:spTree>
     <p:extLst>
       <p:ext uri="{BB962C8B-B14F-4D97-AF65-F5344CB8AC3E}">
-        <p14:creationId xmlns:p14="http://schemas.microsoft.com/office/powerpoint/2010/main" val="2322239271"/>
+        <p14:creationId xmlns:p14="http://schemas.microsoft.com/office/powerpoint/2010/main" val="1164312314"/>
       </p:ext>
     </p:extLst>
   </p:cSld>
@@ -5004,7 +5683,7 @@
     <p:bg>
       <p:bgPr>
         <a:solidFill>
-          <a:schemeClr val="bg2"/>
+          <a:schemeClr val="bg1"/>
         </a:solidFill>
         <a:effectLst/>
       </p:bgPr>
@@ -5025,10 +5704,46 @@
       </p:grpSpPr>
       <p:sp>
         <p:nvSpPr>
-          <p:cNvPr id="17" name="Rectangle 16">
-            <a:extLst>
-              <a:ext uri="{FF2B5EF4-FFF2-40B4-BE49-F238E27FC236}">
-                <a16:creationId xmlns:a16="http://schemas.microsoft.com/office/drawing/2014/main" id="{D35D61A1-8484-4749-8AD0-A3455E0753C5}"/>
+          <p:cNvPr id="2" name="Title 1">
+            <a:extLst>
+              <a:ext uri="{FF2B5EF4-FFF2-40B4-BE49-F238E27FC236}">
+                <a16:creationId xmlns:a16="http://schemas.microsoft.com/office/drawing/2014/main" id="{1DE2D4B7-80C3-D443-8EFB-FFF4DF86F342}"/>
+              </a:ext>
+            </a:extLst>
+          </p:cNvPr>
+          <p:cNvSpPr>
+            <a:spLocks noGrp="1"/>
+          </p:cNvSpPr>
+          <p:nvPr>
+            <p:ph type="title"/>
+          </p:nvPr>
+        </p:nvSpPr>
+        <p:spPr>
+          <a:xfrm>
+            <a:off x="648928" y="338328"/>
+            <a:ext cx="10899944" cy="1608328"/>
+          </a:xfrm>
+        </p:spPr>
+        <p:txBody>
+          <a:bodyPr>
+            <a:normAutofit/>
+          </a:bodyPr>
+          <a:lstStyle/>
+          <a:p>
+            <a:pPr algn="ctr"/>
+            <a:r>
+              <a:rPr lang="en-NL" sz="3600"/>
+              <a:t>Jupyter Notebooks tips and tricks</a:t>
+            </a:r>
+          </a:p>
+        </p:txBody>
+      </p:sp>
+      <p:sp>
+        <p:nvSpPr>
+          <p:cNvPr id="14" name="Rectangle 13">
+            <a:extLst>
+              <a:ext uri="{FF2B5EF4-FFF2-40B4-BE49-F238E27FC236}">
+                <a16:creationId xmlns:a16="http://schemas.microsoft.com/office/drawing/2014/main" id="{5AAE9118-0436-4488-AC4A-C14DF6A7B6B1}"/>
               </a:ext>
               <a:ext uri="{C183D7F6-B498-43B3-948B-1728B52AA6E4}">
                 <adec:decorative xmlns:adec="http://schemas.microsoft.com/office/drawing/2017/decorative" val="1"/>
@@ -5048,16 +5763,14 @@
         </p:nvSpPr>
         <p:spPr>
           <a:xfrm>
-            <a:off x="0" y="0"/>
-            <a:ext cx="12192000" cy="6858000"/>
+            <a:off x="-2" y="2211010"/>
+            <a:ext cx="12192002" cy="4646990"/>
           </a:xfrm>
           <a:prstGeom prst="rect">
             <a:avLst/>
           </a:prstGeom>
           <a:solidFill>
-            <a:schemeClr val="bg1">
-              <a:lumMod val="85000"/>
-            </a:schemeClr>
+            <a:srgbClr val="C8CACA"/>
           </a:solidFill>
           <a:ln>
             <a:noFill/>
@@ -5083,56 +5796,46 @@
           <a:bodyPr rtlCol="0" anchor="ctr"/>
           <a:lstStyle/>
           <a:p>
-            <a:pPr algn="ctr"/>
-            <a:endParaRPr lang="en-US"/>
-          </a:p>
-        </p:txBody>
-      </p:sp>
-      <p:sp>
-        <p:nvSpPr>
-          <p:cNvPr id="2" name="Title 1">
-            <a:extLst>
-              <a:ext uri="{FF2B5EF4-FFF2-40B4-BE49-F238E27FC236}">
-                <a16:creationId xmlns:a16="http://schemas.microsoft.com/office/drawing/2014/main" id="{361185AD-FE89-1B48-B35F-2A9219F7EA5B}"/>
-              </a:ext>
-            </a:extLst>
-          </p:cNvPr>
-          <p:cNvSpPr>
-            <a:spLocks noGrp="1"/>
-          </p:cNvSpPr>
-          <p:nvPr>
-            <p:ph type="title"/>
-          </p:nvPr>
-        </p:nvSpPr>
-        <p:spPr>
-          <a:xfrm>
-            <a:off x="0" y="1"/>
-            <a:ext cx="12192000" cy="1690688"/>
-          </a:xfrm>
-          <a:solidFill>
-            <a:schemeClr val="bg1"/>
-          </a:solidFill>
-        </p:spPr>
-        <p:txBody>
-          <a:bodyPr vert="horz" lIns="91440" tIns="45720" rIns="91440" bIns="45720" rtlCol="0" anchor="ctr">
-            <a:normAutofit/>
-          </a:bodyPr>
-          <a:lstStyle/>
-          <a:p>
-            <a:pPr algn="ctr"/>
-            <a:r>
-              <a:rPr lang="en-US"/>
-              <a:t>Example of a Pandas Series</a:t>
-            </a:r>
-          </a:p>
-        </p:txBody>
-      </p:sp>
-      <p:sp>
-        <p:nvSpPr>
-          <p:cNvPr id="19" name="Rounded Rectangle 5">
-            <a:extLst>
-              <a:ext uri="{FF2B5EF4-FFF2-40B4-BE49-F238E27FC236}">
-                <a16:creationId xmlns:a16="http://schemas.microsoft.com/office/drawing/2014/main" id="{1447903E-2B66-479D-959B-F2EBB2CC901F}"/>
+            <a:pPr marL="0" marR="0" lvl="0" indent="0" algn="ctr" defTabSz="914400" rtl="0" eaLnBrk="1" fontAlgn="auto" latinLnBrk="0" hangingPunct="1">
+              <a:lnSpc>
+                <a:spcPct val="100000"/>
+              </a:lnSpc>
+              <a:spcBef>
+                <a:spcPts val="0"/>
+              </a:spcBef>
+              <a:spcAft>
+                <a:spcPts val="0"/>
+              </a:spcAft>
+              <a:buClrTx/>
+              <a:buSzTx/>
+              <a:buFontTx/>
+              <a:buNone/>
+              <a:tabLst/>
+              <a:defRPr/>
+            </a:pPr>
+            <a:endParaRPr kumimoji="0" lang="en-US" sz="1800" b="0" i="0" u="none" strike="noStrike" kern="1200" cap="none" spc="0" normalizeH="0" baseline="0" noProof="0">
+              <a:ln>
+                <a:noFill/>
+              </a:ln>
+              <a:solidFill>
+                <a:prstClr val="white"/>
+              </a:solidFill>
+              <a:effectLst/>
+              <a:uLnTx/>
+              <a:uFillTx/>
+              <a:latin typeface="Calibri" panose="020F0502020204030204"/>
+              <a:ea typeface="+mn-ea"/>
+              <a:cs typeface="+mn-cs"/>
+            </a:endParaRPr>
+          </a:p>
+        </p:txBody>
+      </p:sp>
+      <p:sp>
+        <p:nvSpPr>
+          <p:cNvPr id="16" name="Rounded Rectangle 26">
+            <a:extLst>
+              <a:ext uri="{FF2B5EF4-FFF2-40B4-BE49-F238E27FC236}">
+                <a16:creationId xmlns:a16="http://schemas.microsoft.com/office/drawing/2014/main" id="{48AADC38-41AB-482C-B8C3-6B9CD91B678A}"/>
               </a:ext>
               <a:ext uri="{C183D7F6-B498-43B3-948B-1728B52AA6E4}">
                 <adec:decorative xmlns:adec="http://schemas.microsoft.com/office/drawing/2017/decorative" val="1"/>
@@ -5152,8 +5855,8 @@
         </p:nvSpPr>
         <p:spPr>
           <a:xfrm>
-            <a:off x="838200" y="1828801"/>
-            <a:ext cx="10515600" cy="4362450"/>
+            <a:off x="321564" y="2426035"/>
+            <a:ext cx="11548872" cy="3930315"/>
           </a:xfrm>
           <a:prstGeom prst="roundRect">
             <a:avLst>
@@ -5201,39 +5904,122 @@
           </a:p>
         </p:txBody>
       </p:sp>
-      <p:pic>
-        <p:nvPicPr>
-          <p:cNvPr id="18" name="Content Placeholder 17" descr="Table&#10;&#10;Description automatically generated with medium confidence">
-            <a:extLst>
-              <a:ext uri="{FF2B5EF4-FFF2-40B4-BE49-F238E27FC236}">
-                <a16:creationId xmlns:a16="http://schemas.microsoft.com/office/drawing/2014/main" id="{1C3CE786-D82A-F447-A24F-8B84860D9EFC}"/>
-              </a:ext>
-            </a:extLst>
-          </p:cNvPr>
-          <p:cNvPicPr>
-            <a:picLocks noGrp="1" noChangeAspect="1"/>
-          </p:cNvPicPr>
-          <p:nvPr>
-            <p:ph idx="1"/>
-          </p:nvPr>
-        </p:nvPicPr>
-        <p:blipFill>
-          <a:blip r:embed="rId3"/>
-          <a:stretch>
-            <a:fillRect/>
-          </a:stretch>
-        </p:blipFill>
-        <p:spPr>
-          <a:xfrm>
-            <a:off x="2687215" y="1986871"/>
-            <a:ext cx="6935756" cy="4045857"/>
-          </a:xfrm>
-        </p:spPr>
-      </p:pic>
+      <p:sp>
+        <p:nvSpPr>
+          <p:cNvPr id="3" name="TextBox 2">
+            <a:extLst>
+              <a:ext uri="{FF2B5EF4-FFF2-40B4-BE49-F238E27FC236}">
+                <a16:creationId xmlns:a16="http://schemas.microsoft.com/office/drawing/2014/main" id="{AED121E7-ABF1-1D4F-9FE2-C91E5F3BCB4A}"/>
+              </a:ext>
+            </a:extLst>
+          </p:cNvPr>
+          <p:cNvSpPr txBox="1"/>
+          <p:nvPr/>
+        </p:nvSpPr>
+        <p:spPr>
+          <a:xfrm>
+            <a:off x="769257" y="2714171"/>
+            <a:ext cx="10580914" cy="3139321"/>
+          </a:xfrm>
+          <a:prstGeom prst="rect">
+            <a:avLst/>
+          </a:prstGeom>
+          <a:noFill/>
+        </p:spPr>
+        <p:txBody>
+          <a:bodyPr wrap="square" rtlCol="0">
+            <a:spAutoFit/>
+          </a:bodyPr>
+          <a:lstStyle/>
+          <a:p>
+            <a:pPr marL="285750" indent="-285750">
+              <a:buFont typeface="Arial" panose="020B0604020202020204" pitchFamily="34" charset="0"/>
+              <a:buChar char="•"/>
+            </a:pPr>
+            <a:r>
+              <a:rPr lang="en-NL"/>
+              <a:t>Shift + Enter to run code</a:t>
+            </a:r>
+          </a:p>
+          <a:p>
+            <a:pPr marL="285750" indent="-285750">
+              <a:buFont typeface="Arial" panose="020B0604020202020204" pitchFamily="34" charset="0"/>
+              <a:buChar char="•"/>
+            </a:pPr>
+            <a:endParaRPr lang="en-NL"/>
+          </a:p>
+          <a:p>
+            <a:pPr marL="285750" indent="-285750">
+              <a:buFont typeface="Arial" panose="020B0604020202020204" pitchFamily="34" charset="0"/>
+              <a:buChar char="•"/>
+            </a:pPr>
+            <a:r>
+              <a:rPr lang="en-NL"/>
+              <a:t>Tab completion</a:t>
+            </a:r>
+          </a:p>
+          <a:p>
+            <a:endParaRPr lang="en-NL"/>
+          </a:p>
+          <a:p>
+            <a:pPr marL="342900" indent="-342900">
+              <a:buFont typeface="Arial" panose="020B0604020202020204" pitchFamily="34" charset="0"/>
+              <a:buChar char="•"/>
+            </a:pPr>
+            <a:r>
+              <a:rPr lang="en-NL"/>
+              <a:t>Nieuwe cell: Escape gevolgd door a (above) of b (below) of dd (delete)</a:t>
+            </a:r>
+          </a:p>
+          <a:p>
+            <a:endParaRPr lang="en-NL"/>
+          </a:p>
+          <a:p>
+            <a:pPr marL="285750" indent="-285750">
+              <a:buFont typeface="Arial" panose="020B0604020202020204" pitchFamily="34" charset="0"/>
+              <a:buChar char="•"/>
+            </a:pPr>
+            <a:r>
+              <a:rPr lang="en-NL"/>
+              <a:t>Shift Tab to see arguments and information about methods, functions or classes</a:t>
+            </a:r>
+          </a:p>
+          <a:p>
+            <a:endParaRPr lang="en-NL"/>
+          </a:p>
+          <a:p>
+            <a:pPr marL="285750" indent="-285750">
+              <a:buFont typeface="Arial" panose="020B0604020202020204" pitchFamily="34" charset="0"/>
+              <a:buChar char="•"/>
+            </a:pPr>
+            <a:r>
+              <a:rPr lang="en-NL"/>
+              <a:t>Magic commands, such as ls</a:t>
+            </a:r>
+          </a:p>
+          <a:p>
+            <a:pPr marL="285750" indent="-285750">
+              <a:buFont typeface="Arial" panose="020B0604020202020204" pitchFamily="34" charset="0"/>
+              <a:buChar char="•"/>
+            </a:pPr>
+            <a:endParaRPr lang="en-NL"/>
+          </a:p>
+          <a:p>
+            <a:pPr marL="285750" indent="-285750">
+              <a:buFont typeface="Arial" panose="020B0604020202020204" pitchFamily="34" charset="0"/>
+              <a:buChar char="•"/>
+            </a:pPr>
+            <a:r>
+              <a:rPr lang="en-NL"/>
+              <a:t>? or ?? to get extra help and info</a:t>
+            </a:r>
+          </a:p>
+        </p:txBody>
+      </p:sp>
     </p:spTree>
     <p:extLst>
       <p:ext uri="{BB962C8B-B14F-4D97-AF65-F5344CB8AC3E}">
-        <p14:creationId xmlns:p14="http://schemas.microsoft.com/office/powerpoint/2010/main" val="2530735211"/>
+        <p14:creationId xmlns:p14="http://schemas.microsoft.com/office/powerpoint/2010/main" val="2485366165"/>
       </p:ext>
     </p:extLst>
   </p:cSld>
@@ -5268,139 +6054,165 @@
           <a:chExt cx="0" cy="0"/>
         </a:xfrm>
       </p:grpSpPr>
-      <p:sp useBgFill="1">
-        <p:nvSpPr>
-          <p:cNvPr id="10" name="Rectangle 9">
-            <a:extLst>
-              <a:ext uri="{FF2B5EF4-FFF2-40B4-BE49-F238E27FC236}">
-                <a16:creationId xmlns:a16="http://schemas.microsoft.com/office/drawing/2014/main" id="{53F29798-D584-4792-9B62-3F5F5C36D619}"/>
-              </a:ext>
-              <a:ext uri="{C183D7F6-B498-43B3-948B-1728B52AA6E4}">
-                <adec:decorative xmlns:adec="http://schemas.microsoft.com/office/drawing/2017/decorative" val="1"/>
-              </a:ext>
-            </a:extLst>
-          </p:cNvPr>
-          <p:cNvSpPr>
-            <a:spLocks noGrp="1" noRot="1" noChangeAspect="1" noMove="1" noResize="1" noEditPoints="1" noAdjustHandles="1" noChangeArrowheads="1" noChangeShapeType="1" noTextEdit="1"/>
-          </p:cNvSpPr>
-          <p:nvPr>
-            <p:extLst>
-              <p:ext uri="{386F3935-93C4-4BCD-93E2-E3B085C9AB24}">
-                <p16:designElem xmlns:p16="http://schemas.microsoft.com/office/powerpoint/2015/main" val="1"/>
-              </p:ext>
-            </p:extLst>
+      <p:sp>
+        <p:nvSpPr>
+          <p:cNvPr id="2" name="Title 1">
+            <a:extLst>
+              <a:ext uri="{FF2B5EF4-FFF2-40B4-BE49-F238E27FC236}">
+                <a16:creationId xmlns:a16="http://schemas.microsoft.com/office/drawing/2014/main" id="{7542C562-6C8A-EA4C-AA34-115B8EFE2331}"/>
+              </a:ext>
+            </a:extLst>
+          </p:cNvPr>
+          <p:cNvSpPr>
+            <a:spLocks noGrp="1"/>
+          </p:cNvSpPr>
+          <p:nvPr>
+            <p:ph type="title"/>
           </p:nvPr>
         </p:nvSpPr>
         <p:spPr>
           <a:xfrm>
             <a:off x="0" y="0"/>
-            <a:ext cx="12188952" cy="6858000"/>
-          </a:xfrm>
-          <a:prstGeom prst="rect">
-            <a:avLst/>
-          </a:prstGeom>
-          <a:ln>
-            <a:noFill/>
-          </a:ln>
-        </p:spPr>
-        <p:style>
-          <a:lnRef idx="2">
-            <a:schemeClr val="accent1">
-              <a:shade val="50000"/>
-            </a:schemeClr>
-          </a:lnRef>
-          <a:fillRef idx="1">
-            <a:schemeClr val="accent1"/>
-          </a:fillRef>
-          <a:effectRef idx="0">
-            <a:schemeClr val="accent1"/>
-          </a:effectRef>
-          <a:fontRef idx="minor">
-            <a:schemeClr val="lt1"/>
-          </a:fontRef>
-        </p:style>
-        <p:txBody>
-          <a:bodyPr rtlCol="0" anchor="ctr"/>
-          <a:lstStyle/>
-          <a:p>
-            <a:pPr algn="ctr"/>
-            <a:endParaRPr lang="en-US"/>
-          </a:p>
-        </p:txBody>
-      </p:sp>
-      <p:sp>
-        <p:nvSpPr>
-          <p:cNvPr id="2" name="Title 1">
-            <a:extLst>
-              <a:ext uri="{FF2B5EF4-FFF2-40B4-BE49-F238E27FC236}">
-                <a16:creationId xmlns:a16="http://schemas.microsoft.com/office/drawing/2014/main" id="{C8163A18-D894-FF42-A3CF-D81F0CB8B8FF}"/>
-              </a:ext>
-            </a:extLst>
-          </p:cNvPr>
-          <p:cNvSpPr>
-            <a:spLocks noGrp="1"/>
-          </p:cNvSpPr>
-          <p:nvPr>
-            <p:ph type="title"/>
-          </p:nvPr>
-        </p:nvSpPr>
-        <p:spPr>
-          <a:xfrm>
-            <a:off x="0" y="1"/>
-            <a:ext cx="12192000" cy="1690688"/>
+            <a:ext cx="12192000" cy="1325563"/>
           </a:xfrm>
           <a:solidFill>
             <a:schemeClr val="bg1"/>
           </a:solidFill>
         </p:spPr>
         <p:txBody>
-          <a:bodyPr vert="horz" lIns="91440" tIns="45720" rIns="91440" bIns="45720" rtlCol="0" anchor="ctr">
+          <a:bodyPr/>
+          <a:lstStyle/>
+          <a:p>
+            <a:pPr algn="ctr"/>
+            <a:r>
+              <a:rPr lang="en-NL"/>
+              <a:t>Pandas Introductie</a:t>
+            </a:r>
+          </a:p>
+        </p:txBody>
+      </p:sp>
+      <p:sp>
+        <p:nvSpPr>
+          <p:cNvPr id="3" name="Content Placeholder 2">
+            <a:extLst>
+              <a:ext uri="{FF2B5EF4-FFF2-40B4-BE49-F238E27FC236}">
+                <a16:creationId xmlns:a16="http://schemas.microsoft.com/office/drawing/2014/main" id="{6193BE97-E656-F74F-9B05-8B879B054C6F}"/>
+              </a:ext>
+            </a:extLst>
+          </p:cNvPr>
+          <p:cNvSpPr>
+            <a:spLocks noGrp="1"/>
+          </p:cNvSpPr>
+          <p:nvPr>
+            <p:ph idx="1"/>
+          </p:nvPr>
+        </p:nvSpPr>
+        <p:spPr>
+          <a:xfrm>
+            <a:off x="783771" y="1843314"/>
+            <a:ext cx="10570029" cy="4775200"/>
+          </a:xfrm>
+          <a:solidFill>
+            <a:schemeClr val="bg1"/>
+          </a:solidFill>
+        </p:spPr>
+        <p:txBody>
+          <a:bodyPr>
             <a:normAutofit/>
           </a:bodyPr>
           <a:lstStyle/>
           <a:p>
-            <a:pPr algn="ctr"/>
-            <a:r>
-              <a:rPr lang="en-US" sz="5200"/>
-              <a:t>There are too many plotting packages</a:t>
-            </a:r>
-          </a:p>
-        </p:txBody>
-      </p:sp>
-      <p:pic>
-        <p:nvPicPr>
-          <p:cNvPr id="6" name="Picture 5" descr="Diagram&#10;&#10;Description automatically generated">
-            <a:extLst>
-              <a:ext uri="{FF2B5EF4-FFF2-40B4-BE49-F238E27FC236}">
-                <a16:creationId xmlns:a16="http://schemas.microsoft.com/office/drawing/2014/main" id="{CDEA112E-9883-2D4C-A588-CBB48AE23B30}"/>
-              </a:ext>
-            </a:extLst>
-          </p:cNvPr>
-          <p:cNvPicPr>
-            <a:picLocks noChangeAspect="1"/>
-          </p:cNvPicPr>
-          <p:nvPr/>
-        </p:nvPicPr>
-        <p:blipFill>
-          <a:blip r:embed="rId2"/>
-          <a:stretch>
-            <a:fillRect/>
-          </a:stretch>
-        </p:blipFill>
-        <p:spPr>
-          <a:xfrm>
-            <a:off x="1443555" y="1945715"/>
-            <a:ext cx="8977703" cy="4564736"/>
-          </a:xfrm>
-          <a:prstGeom prst="rect">
-            <a:avLst/>
-          </a:prstGeom>
-        </p:spPr>
-      </p:pic>
+            <a:pPr marL="0" indent="0">
+              <a:buNone/>
+            </a:pPr>
+            <a:endParaRPr lang="en-NL" sz="2400"/>
+          </a:p>
+          <a:p>
+            <a:pPr marL="0" indent="0">
+              <a:buNone/>
+            </a:pPr>
+            <a:endParaRPr lang="en-NL" sz="2400"/>
+          </a:p>
+          <a:p>
+            <a:r>
+              <a:rPr lang="en-NL" sz="2400"/>
+              <a:t>Data inlezen   	---&gt; pd.read_csv()</a:t>
+            </a:r>
+          </a:p>
+          <a:p>
+            <a:r>
+              <a:rPr lang="en-NL" sz="2400"/>
+              <a:t>Data inspectie 	---&gt; df.info()   df.head()    df.describe()</a:t>
+            </a:r>
+          </a:p>
+          <a:p>
+            <a:r>
+              <a:rPr lang="en-NL" sz="2400"/>
+              <a:t>Data selectie 	---&gt; df[df.column == ‘value’]   df.loc[df.column == ‘value’, :]</a:t>
+            </a:r>
+          </a:p>
+          <a:p>
+            <a:r>
+              <a:rPr lang="en-NL" sz="2400"/>
+              <a:t>Data wrangling 	---&gt; df[‘column’].fillna()   df.drop_duplicates()</a:t>
+            </a:r>
+          </a:p>
+          <a:p>
+            <a:r>
+              <a:rPr lang="en-NL" sz="2400"/>
+              <a:t>Data joinen                ---&gt; df.merge(df2, how=‘inner’, on=‘column_name’)</a:t>
+            </a:r>
+          </a:p>
+          <a:p>
+            <a:r>
+              <a:rPr lang="en-NL" sz="2400"/>
+              <a:t>Data visualisatie       </a:t>
+            </a:r>
+            <a:r>
+              <a:rPr lang="en-NL" sz="2400">
+                <a:sym typeface="Wingdings" pitchFamily="2" charset="2"/>
+              </a:rPr>
+              <a:t>---&gt; </a:t>
+            </a:r>
+            <a:r>
+              <a:rPr lang="en-NL" sz="2400"/>
+              <a:t>px.scatter(df, x, y)</a:t>
+            </a:r>
+          </a:p>
+          <a:p>
+            <a:endParaRPr lang="en-NL" sz="2400"/>
+          </a:p>
+          <a:p>
+            <a:pPr marL="0" indent="0">
+              <a:buNone/>
+            </a:pPr>
+            <a:endParaRPr lang="en-NL" sz="2400"/>
+          </a:p>
+          <a:p>
+            <a:pPr marL="0" indent="0">
+              <a:buNone/>
+            </a:pPr>
+            <a:endParaRPr lang="en-NL" sz="2500"/>
+          </a:p>
+          <a:p>
+            <a:pPr marL="0" indent="0">
+              <a:buNone/>
+            </a:pPr>
+            <a:endParaRPr lang="en-NL"/>
+          </a:p>
+          <a:p>
+            <a:pPr lvl="1">
+              <a:buFont typeface="Courier New" panose="02070309020205020404" pitchFamily="49" charset="0"/>
+              <a:buChar char="o"/>
+            </a:pPr>
+            <a:endParaRPr lang="en-NL"/>
+          </a:p>
+        </p:txBody>
+      </p:sp>
     </p:spTree>
     <p:extLst>
       <p:ext uri="{BB962C8B-B14F-4D97-AF65-F5344CB8AC3E}">
-        <p14:creationId xmlns:p14="http://schemas.microsoft.com/office/powerpoint/2010/main" val="3851740515"/>
+        <p14:creationId xmlns:p14="http://schemas.microsoft.com/office/powerpoint/2010/main" val="3166966469"/>
       </p:ext>
     </p:extLst>
   </p:cSld>
@@ -5435,1024 +6247,78 @@
           <a:chExt cx="0" cy="0"/>
         </a:xfrm>
       </p:grpSpPr>
-      <p:sp useBgFill="1">
-        <p:nvSpPr>
-          <p:cNvPr id="10" name="Rectangle 9">
-            <a:extLst>
-              <a:ext uri="{FF2B5EF4-FFF2-40B4-BE49-F238E27FC236}">
-                <a16:creationId xmlns:a16="http://schemas.microsoft.com/office/drawing/2014/main" id="{53F29798-D584-4792-9B62-3F5F5C36D619}"/>
-              </a:ext>
-              <a:ext uri="{C183D7F6-B498-43B3-948B-1728B52AA6E4}">
-                <adec:decorative xmlns:adec="http://schemas.microsoft.com/office/drawing/2017/decorative" val="1"/>
-              </a:ext>
-            </a:extLst>
-          </p:cNvPr>
-          <p:cNvSpPr>
-            <a:spLocks noGrp="1" noRot="1" noChangeAspect="1" noMove="1" noResize="1" noEditPoints="1" noAdjustHandles="1" noChangeArrowheads="1" noChangeShapeType="1" noTextEdit="1"/>
-          </p:cNvSpPr>
-          <p:nvPr>
-            <p:extLst>
-              <p:ext uri="{386F3935-93C4-4BCD-93E2-E3B085C9AB24}">
-                <p16:designElem xmlns:p16="http://schemas.microsoft.com/office/powerpoint/2015/main" val="1"/>
-              </p:ext>
-            </p:extLst>
-          </p:nvPr>
-        </p:nvSpPr>
-        <p:spPr>
-          <a:xfrm>
-            <a:off x="0" y="0"/>
-            <a:ext cx="12188952" cy="6858000"/>
-          </a:xfrm>
-          <a:prstGeom prst="rect">
-            <a:avLst/>
-          </a:prstGeom>
-          <a:ln>
-            <a:noFill/>
-          </a:ln>
-        </p:spPr>
-        <p:style>
-          <a:lnRef idx="2">
-            <a:schemeClr val="accent1">
-              <a:shade val="50000"/>
-            </a:schemeClr>
-          </a:lnRef>
-          <a:fillRef idx="1">
-            <a:schemeClr val="accent1"/>
-          </a:fillRef>
-          <a:effectRef idx="0">
-            <a:schemeClr val="accent1"/>
-          </a:effectRef>
-          <a:fontRef idx="minor">
-            <a:schemeClr val="lt1"/>
-          </a:fontRef>
-        </p:style>
-        <p:txBody>
-          <a:bodyPr rtlCol="0" anchor="ctr"/>
-          <a:lstStyle/>
-          <a:p>
-            <a:pPr algn="ctr"/>
-            <a:endParaRPr lang="en-US"/>
-          </a:p>
-        </p:txBody>
-      </p:sp>
-      <p:sp>
-        <p:nvSpPr>
-          <p:cNvPr id="47" name="Rectangle 46">
-            <a:extLst>
-              <a:ext uri="{FF2B5EF4-FFF2-40B4-BE49-F238E27FC236}">
-                <a16:creationId xmlns:a16="http://schemas.microsoft.com/office/drawing/2014/main" id="{E689BA12-C726-A842-A5F4-20EBD6F99509}"/>
-              </a:ext>
-            </a:extLst>
-          </p:cNvPr>
-          <p:cNvSpPr/>
-          <p:nvPr/>
-        </p:nvSpPr>
-        <p:spPr>
-          <a:xfrm>
-            <a:off x="6897919" y="1901369"/>
-            <a:ext cx="4840504" cy="4838649"/>
-          </a:xfrm>
-          <a:prstGeom prst="rect">
-            <a:avLst/>
-          </a:prstGeom>
+      <p:sp>
+        <p:nvSpPr>
+          <p:cNvPr id="2" name="Title 1">
+            <a:extLst>
+              <a:ext uri="{FF2B5EF4-FFF2-40B4-BE49-F238E27FC236}">
+                <a16:creationId xmlns:a16="http://schemas.microsoft.com/office/drawing/2014/main" id="{FC3C466B-06F5-B84D-A8D3-0B638E77F456}"/>
+              </a:ext>
+            </a:extLst>
+          </p:cNvPr>
+          <p:cNvSpPr>
+            <a:spLocks noGrp="1"/>
+          </p:cNvSpPr>
+          <p:nvPr>
+            <p:ph type="title"/>
+          </p:nvPr>
+        </p:nvSpPr>
+        <p:spPr>
+          <a:xfrm>
+            <a:off x="0" y="1"/>
+            <a:ext cx="12192000" cy="1690688"/>
+          </a:xfrm>
           <a:solidFill>
             <a:schemeClr val="bg1"/>
           </a:solidFill>
         </p:spPr>
-        <p:style>
-          <a:lnRef idx="2">
-            <a:schemeClr val="accent1">
-              <a:shade val="50000"/>
-            </a:schemeClr>
-          </a:lnRef>
-          <a:fillRef idx="1">
-            <a:schemeClr val="accent1"/>
-          </a:fillRef>
-          <a:effectRef idx="0">
-            <a:schemeClr val="accent1"/>
-          </a:effectRef>
-          <a:fontRef idx="minor">
-            <a:schemeClr val="lt1"/>
-          </a:fontRef>
-        </p:style>
-        <p:txBody>
-          <a:bodyPr rtlCol="0" anchor="ctr"/>
+        <p:txBody>
+          <a:bodyPr/>
           <a:lstStyle/>
           <a:p>
             <a:pPr algn="ctr"/>
-            <a:endParaRPr lang="en-NL"/>
-          </a:p>
-        </p:txBody>
-      </p:sp>
-      <p:sp>
-        <p:nvSpPr>
-          <p:cNvPr id="41" name="Rectangle 40">
-            <a:extLst>
-              <a:ext uri="{FF2B5EF4-FFF2-40B4-BE49-F238E27FC236}">
-                <a16:creationId xmlns:a16="http://schemas.microsoft.com/office/drawing/2014/main" id="{B61828AE-5574-C14E-9CC2-15205B96045C}"/>
-              </a:ext>
-            </a:extLst>
-          </p:cNvPr>
-          <p:cNvSpPr/>
-          <p:nvPr/>
-        </p:nvSpPr>
-        <p:spPr>
-          <a:xfrm>
-            <a:off x="435427" y="1901370"/>
-            <a:ext cx="4840504" cy="4838649"/>
-          </a:xfrm>
-          <a:prstGeom prst="rect">
-            <a:avLst/>
-          </a:prstGeom>
-          <a:solidFill>
-            <a:schemeClr val="bg1"/>
-          </a:solidFill>
-        </p:spPr>
-        <p:style>
-          <a:lnRef idx="2">
-            <a:schemeClr val="accent1">
-              <a:shade val="50000"/>
-            </a:schemeClr>
-          </a:lnRef>
-          <a:fillRef idx="1">
-            <a:schemeClr val="accent1"/>
-          </a:fillRef>
-          <a:effectRef idx="0">
-            <a:schemeClr val="accent1"/>
-          </a:effectRef>
-          <a:fontRef idx="minor">
-            <a:schemeClr val="lt1"/>
-          </a:fontRef>
-        </p:style>
-        <p:txBody>
-          <a:bodyPr rtlCol="0" anchor="ctr"/>
-          <a:lstStyle/>
-          <a:p>
-            <a:pPr algn="ctr"/>
-            <a:endParaRPr lang="en-NL"/>
-          </a:p>
-        </p:txBody>
-      </p:sp>
-      <p:sp>
-        <p:nvSpPr>
-          <p:cNvPr id="2" name="Title 1">
-            <a:extLst>
-              <a:ext uri="{FF2B5EF4-FFF2-40B4-BE49-F238E27FC236}">
-                <a16:creationId xmlns:a16="http://schemas.microsoft.com/office/drawing/2014/main" id="{C8163A18-D894-FF42-A3CF-D81F0CB8B8FF}"/>
-              </a:ext>
-            </a:extLst>
-          </p:cNvPr>
-          <p:cNvSpPr>
-            <a:spLocks noGrp="1"/>
-          </p:cNvSpPr>
-          <p:nvPr>
-            <p:ph type="title"/>
-          </p:nvPr>
-        </p:nvSpPr>
-        <p:spPr>
-          <a:xfrm>
-            <a:off x="0" y="1"/>
-            <a:ext cx="12192000" cy="1690688"/>
-          </a:xfrm>
-          <a:solidFill>
-            <a:schemeClr val="bg1"/>
-          </a:solidFill>
-        </p:spPr>
-        <p:txBody>
-          <a:bodyPr vert="horz" lIns="91440" tIns="45720" rIns="91440" bIns="45720" rtlCol="0" anchor="ctr">
-            <a:normAutofit/>
-          </a:bodyPr>
-          <a:lstStyle/>
-          <a:p>
-            <a:pPr algn="ctr"/>
-            <a:r>
-              <a:rPr lang="en-US" sz="5200"/>
-              <a:t>So my advice is: only focus on these</a:t>
-            </a:r>
-          </a:p>
-        </p:txBody>
-      </p:sp>
-      <p:sp>
-        <p:nvSpPr>
-          <p:cNvPr id="4" name="Rounded Rectangle 3">
-            <a:extLst>
-              <a:ext uri="{FF2B5EF4-FFF2-40B4-BE49-F238E27FC236}">
-                <a16:creationId xmlns:a16="http://schemas.microsoft.com/office/drawing/2014/main" id="{5BE37FEB-4068-7849-B48A-BFC661116E64}"/>
-              </a:ext>
-            </a:extLst>
-          </p:cNvPr>
-          <p:cNvSpPr/>
-          <p:nvPr/>
-        </p:nvSpPr>
-        <p:spPr>
-          <a:xfrm>
-            <a:off x="769257" y="2119085"/>
-            <a:ext cx="4209143" cy="740229"/>
-          </a:xfrm>
-          <a:prstGeom prst="roundRect">
-            <a:avLst/>
-          </a:prstGeom>
-          <a:solidFill>
-            <a:schemeClr val="bg1"/>
-          </a:solidFill>
-        </p:spPr>
-        <p:style>
-          <a:lnRef idx="2">
-            <a:schemeClr val="accent1">
-              <a:shade val="50000"/>
-            </a:schemeClr>
-          </a:lnRef>
-          <a:fillRef idx="1">
-            <a:schemeClr val="accent1"/>
-          </a:fillRef>
-          <a:effectRef idx="0">
-            <a:schemeClr val="accent1"/>
-          </a:effectRef>
-          <a:fontRef idx="minor">
-            <a:schemeClr val="lt1"/>
-          </a:fontRef>
-        </p:style>
-        <p:txBody>
-          <a:bodyPr rtlCol="0" anchor="ctr"/>
-          <a:lstStyle/>
-          <a:p>
-            <a:pPr algn="ctr"/>
-            <a:r>
-              <a:rPr lang="en-NL">
-                <a:solidFill>
-                  <a:schemeClr val="tx1"/>
-                </a:solidFill>
-              </a:rPr>
-              <a:t>STATIC PLOTTING</a:t>
-            </a:r>
-          </a:p>
-        </p:txBody>
-      </p:sp>
-      <p:sp>
-        <p:nvSpPr>
-          <p:cNvPr id="7" name="Rounded Rectangle 6">
-            <a:extLst>
-              <a:ext uri="{FF2B5EF4-FFF2-40B4-BE49-F238E27FC236}">
-                <a16:creationId xmlns:a16="http://schemas.microsoft.com/office/drawing/2014/main" id="{917E8403-B738-424E-B6D5-752827693347}"/>
-              </a:ext>
-            </a:extLst>
-          </p:cNvPr>
-          <p:cNvSpPr/>
-          <p:nvPr/>
-        </p:nvSpPr>
-        <p:spPr>
-          <a:xfrm>
-            <a:off x="7213600" y="2119084"/>
-            <a:ext cx="4209143" cy="740229"/>
-          </a:xfrm>
-          <a:prstGeom prst="roundRect">
-            <a:avLst/>
-          </a:prstGeom>
-          <a:solidFill>
-            <a:schemeClr val="bg1"/>
-          </a:solidFill>
-        </p:spPr>
-        <p:style>
-          <a:lnRef idx="2">
-            <a:schemeClr val="accent1">
-              <a:shade val="50000"/>
-            </a:schemeClr>
-          </a:lnRef>
-          <a:fillRef idx="1">
-            <a:schemeClr val="accent1"/>
-          </a:fillRef>
-          <a:effectRef idx="0">
-            <a:schemeClr val="accent1"/>
-          </a:effectRef>
-          <a:fontRef idx="minor">
-            <a:schemeClr val="lt1"/>
-          </a:fontRef>
-        </p:style>
-        <p:txBody>
-          <a:bodyPr rtlCol="0" anchor="ctr"/>
-          <a:lstStyle/>
-          <a:p>
-            <a:pPr algn="ctr"/>
-            <a:r>
-              <a:rPr lang="en-NL">
-                <a:solidFill>
-                  <a:schemeClr val="tx1"/>
-                </a:solidFill>
-              </a:rPr>
-              <a:t>INTERACTIVE PLOTTING</a:t>
-            </a:r>
-          </a:p>
-        </p:txBody>
-      </p:sp>
-      <p:sp>
-        <p:nvSpPr>
-          <p:cNvPr id="8" name="Rounded Rectangle 7">
-            <a:extLst>
-              <a:ext uri="{FF2B5EF4-FFF2-40B4-BE49-F238E27FC236}">
-                <a16:creationId xmlns:a16="http://schemas.microsoft.com/office/drawing/2014/main" id="{606054F4-B789-3E47-9289-3EF05404C167}"/>
-              </a:ext>
-            </a:extLst>
-          </p:cNvPr>
-          <p:cNvSpPr/>
-          <p:nvPr/>
-        </p:nvSpPr>
-        <p:spPr>
-          <a:xfrm>
-            <a:off x="1988456" y="3812949"/>
-            <a:ext cx="1770743" cy="740229"/>
-          </a:xfrm>
-          <a:prstGeom prst="roundRect">
-            <a:avLst/>
-          </a:prstGeom>
-          <a:solidFill>
-            <a:schemeClr val="bg1"/>
-          </a:solidFill>
-        </p:spPr>
-        <p:style>
-          <a:lnRef idx="2">
-            <a:schemeClr val="accent1">
-              <a:shade val="50000"/>
-            </a:schemeClr>
-          </a:lnRef>
-          <a:fillRef idx="1">
-            <a:schemeClr val="accent1"/>
-          </a:fillRef>
-          <a:effectRef idx="0">
-            <a:schemeClr val="accent1"/>
-          </a:effectRef>
-          <a:fontRef idx="minor">
-            <a:schemeClr val="lt1"/>
-          </a:fontRef>
-        </p:style>
-        <p:txBody>
-          <a:bodyPr rtlCol="0" anchor="ctr"/>
-          <a:lstStyle/>
-          <a:p>
-            <a:pPr algn="ctr"/>
-            <a:r>
-              <a:rPr lang="en-NL">
-                <a:solidFill>
-                  <a:schemeClr val="tx1"/>
-                </a:solidFill>
-              </a:rPr>
-              <a:t>Matplotlib</a:t>
-            </a:r>
-          </a:p>
-        </p:txBody>
-      </p:sp>
-      <p:sp>
-        <p:nvSpPr>
-          <p:cNvPr id="11" name="Rounded Rectangle 10">
-            <a:extLst>
-              <a:ext uri="{FF2B5EF4-FFF2-40B4-BE49-F238E27FC236}">
-                <a16:creationId xmlns:a16="http://schemas.microsoft.com/office/drawing/2014/main" id="{B9F9B856-E690-DC47-8B21-875974C2DA33}"/>
-              </a:ext>
-            </a:extLst>
-          </p:cNvPr>
-          <p:cNvSpPr/>
-          <p:nvPr/>
-        </p:nvSpPr>
-        <p:spPr>
-          <a:xfrm>
-            <a:off x="769257" y="5168787"/>
-            <a:ext cx="1770743" cy="740229"/>
-          </a:xfrm>
-          <a:prstGeom prst="roundRect">
-            <a:avLst/>
-          </a:prstGeom>
-          <a:solidFill>
-            <a:schemeClr val="bg1"/>
-          </a:solidFill>
-        </p:spPr>
-        <p:style>
-          <a:lnRef idx="2">
-            <a:schemeClr val="accent1">
-              <a:shade val="50000"/>
-            </a:schemeClr>
-          </a:lnRef>
-          <a:fillRef idx="1">
-            <a:schemeClr val="accent1"/>
-          </a:fillRef>
-          <a:effectRef idx="0">
-            <a:schemeClr val="accent1"/>
-          </a:effectRef>
-          <a:fontRef idx="minor">
-            <a:schemeClr val="lt1"/>
-          </a:fontRef>
-        </p:style>
-        <p:txBody>
-          <a:bodyPr rtlCol="0" anchor="ctr"/>
-          <a:lstStyle/>
-          <a:p>
-            <a:pPr algn="ctr"/>
-            <a:r>
-              <a:rPr lang="en-NL">
-                <a:solidFill>
-                  <a:schemeClr val="tx1"/>
-                </a:solidFill>
-              </a:rPr>
-              <a:t>Seaborn</a:t>
-            </a:r>
-          </a:p>
-        </p:txBody>
-      </p:sp>
-      <p:sp>
-        <p:nvSpPr>
-          <p:cNvPr id="12" name="Rounded Rectangle 11">
-            <a:extLst>
-              <a:ext uri="{FF2B5EF4-FFF2-40B4-BE49-F238E27FC236}">
-                <a16:creationId xmlns:a16="http://schemas.microsoft.com/office/drawing/2014/main" id="{71BF929F-F7E7-7B46-A249-20543D5CE3C7}"/>
-              </a:ext>
-            </a:extLst>
-          </p:cNvPr>
-          <p:cNvSpPr/>
-          <p:nvPr/>
-        </p:nvSpPr>
-        <p:spPr>
-          <a:xfrm>
-            <a:off x="3207657" y="5168786"/>
-            <a:ext cx="1770743" cy="740229"/>
-          </a:xfrm>
-          <a:prstGeom prst="roundRect">
-            <a:avLst/>
-          </a:prstGeom>
-          <a:solidFill>
-            <a:schemeClr val="bg1"/>
-          </a:solidFill>
-        </p:spPr>
-        <p:style>
-          <a:lnRef idx="2">
-            <a:schemeClr val="accent1">
-              <a:shade val="50000"/>
-            </a:schemeClr>
-          </a:lnRef>
-          <a:fillRef idx="1">
-            <a:schemeClr val="accent1"/>
-          </a:fillRef>
-          <a:effectRef idx="0">
-            <a:schemeClr val="accent1"/>
-          </a:effectRef>
-          <a:fontRef idx="minor">
-            <a:schemeClr val="lt1"/>
-          </a:fontRef>
-        </p:style>
-        <p:txBody>
-          <a:bodyPr rtlCol="0" anchor="ctr"/>
-          <a:lstStyle/>
-          <a:p>
-            <a:pPr algn="ctr"/>
-            <a:r>
-              <a:rPr lang="en-NL">
-                <a:solidFill>
-                  <a:schemeClr val="tx1"/>
-                </a:solidFill>
-              </a:rPr>
-              <a:t>Pandas plotting</a:t>
-            </a:r>
-          </a:p>
-          <a:p>
-            <a:pPr algn="ctr"/>
-            <a:r>
-              <a:rPr lang="en-NL">
-                <a:solidFill>
-                  <a:schemeClr val="tx1"/>
-                </a:solidFill>
-              </a:rPr>
-              <a:t>df.plot()</a:t>
-            </a:r>
-          </a:p>
-        </p:txBody>
-      </p:sp>
-      <p:sp>
-        <p:nvSpPr>
-          <p:cNvPr id="13" name="Rounded Rectangle 12">
-            <a:extLst>
-              <a:ext uri="{FF2B5EF4-FFF2-40B4-BE49-F238E27FC236}">
-                <a16:creationId xmlns:a16="http://schemas.microsoft.com/office/drawing/2014/main" id="{18D8AA26-A088-FA4A-BFD8-69B20285BE7D}"/>
-              </a:ext>
-            </a:extLst>
-          </p:cNvPr>
-          <p:cNvSpPr/>
-          <p:nvPr/>
-        </p:nvSpPr>
-        <p:spPr>
-          <a:xfrm>
-            <a:off x="7213599" y="3816804"/>
-            <a:ext cx="1770743" cy="740229"/>
-          </a:xfrm>
-          <a:prstGeom prst="roundRect">
-            <a:avLst/>
-          </a:prstGeom>
-          <a:solidFill>
-            <a:schemeClr val="bg1"/>
-          </a:solidFill>
-        </p:spPr>
-        <p:style>
-          <a:lnRef idx="2">
-            <a:schemeClr val="accent1">
-              <a:shade val="50000"/>
-            </a:schemeClr>
-          </a:lnRef>
-          <a:fillRef idx="1">
-            <a:schemeClr val="accent1"/>
-          </a:fillRef>
-          <a:effectRef idx="0">
-            <a:schemeClr val="accent1"/>
-          </a:effectRef>
-          <a:fontRef idx="minor">
-            <a:schemeClr val="lt1"/>
-          </a:fontRef>
-        </p:style>
-        <p:txBody>
-          <a:bodyPr rtlCol="0" anchor="ctr"/>
-          <a:lstStyle/>
-          <a:p>
-            <a:pPr algn="ctr"/>
-            <a:r>
-              <a:rPr lang="en-NL">
-                <a:solidFill>
-                  <a:schemeClr val="tx1"/>
-                </a:solidFill>
-              </a:rPr>
-              <a:t>Plotly</a:t>
-            </a:r>
-          </a:p>
-        </p:txBody>
-      </p:sp>
-      <p:sp>
-        <p:nvSpPr>
-          <p:cNvPr id="14" name="Rounded Rectangle 13">
-            <a:extLst>
-              <a:ext uri="{FF2B5EF4-FFF2-40B4-BE49-F238E27FC236}">
-                <a16:creationId xmlns:a16="http://schemas.microsoft.com/office/drawing/2014/main" id="{B9F361CF-44BE-D247-A0CA-45DFA7FC17B1}"/>
-              </a:ext>
-            </a:extLst>
-          </p:cNvPr>
-          <p:cNvSpPr/>
-          <p:nvPr/>
-        </p:nvSpPr>
-        <p:spPr>
-          <a:xfrm>
-            <a:off x="9651998" y="3812949"/>
-            <a:ext cx="1770743" cy="740229"/>
-          </a:xfrm>
-          <a:prstGeom prst="roundRect">
-            <a:avLst/>
-          </a:prstGeom>
-          <a:solidFill>
-            <a:schemeClr val="bg1"/>
-          </a:solidFill>
-        </p:spPr>
-        <p:style>
-          <a:lnRef idx="2">
-            <a:schemeClr val="accent1">
-              <a:shade val="50000"/>
-            </a:schemeClr>
-          </a:lnRef>
-          <a:fillRef idx="1">
-            <a:schemeClr val="accent1"/>
-          </a:fillRef>
-          <a:effectRef idx="0">
-            <a:schemeClr val="accent1"/>
-          </a:effectRef>
-          <a:fontRef idx="minor">
-            <a:schemeClr val="lt1"/>
-          </a:fontRef>
-        </p:style>
-        <p:txBody>
-          <a:bodyPr rtlCol="0" anchor="ctr"/>
-          <a:lstStyle/>
-          <a:p>
-            <a:pPr algn="ctr"/>
-            <a:r>
-              <a:rPr lang="en-NL">
-                <a:solidFill>
-                  <a:schemeClr val="tx1"/>
-                </a:solidFill>
-              </a:rPr>
-              <a:t>Bokeh</a:t>
-            </a:r>
-          </a:p>
-        </p:txBody>
-      </p:sp>
-      <p:sp>
-        <p:nvSpPr>
-          <p:cNvPr id="15" name="Rounded Rectangle 14">
-            <a:extLst>
-              <a:ext uri="{FF2B5EF4-FFF2-40B4-BE49-F238E27FC236}">
-                <a16:creationId xmlns:a16="http://schemas.microsoft.com/office/drawing/2014/main" id="{C4B8F932-65C0-364C-A1F8-065FC81624F1}"/>
-              </a:ext>
-            </a:extLst>
-          </p:cNvPr>
-          <p:cNvSpPr/>
-          <p:nvPr/>
-        </p:nvSpPr>
-        <p:spPr>
-          <a:xfrm>
-            <a:off x="7213599" y="5168785"/>
-            <a:ext cx="1770743" cy="740229"/>
-          </a:xfrm>
-          <a:prstGeom prst="roundRect">
-            <a:avLst/>
-          </a:prstGeom>
-          <a:solidFill>
-            <a:schemeClr val="bg1"/>
-          </a:solidFill>
-        </p:spPr>
-        <p:style>
-          <a:lnRef idx="2">
-            <a:schemeClr val="accent1">
-              <a:shade val="50000"/>
-            </a:schemeClr>
-          </a:lnRef>
-          <a:fillRef idx="1">
-            <a:schemeClr val="accent1"/>
-          </a:fillRef>
-          <a:effectRef idx="0">
-            <a:schemeClr val="accent1"/>
-          </a:effectRef>
-          <a:fontRef idx="minor">
-            <a:schemeClr val="lt1"/>
-          </a:fontRef>
-        </p:style>
-        <p:txBody>
-          <a:bodyPr rtlCol="0" anchor="ctr"/>
-          <a:lstStyle/>
-          <a:p>
-            <a:pPr algn="ctr"/>
-            <a:r>
-              <a:rPr lang="en-NL">
-                <a:solidFill>
-                  <a:schemeClr val="tx1"/>
-                </a:solidFill>
-              </a:rPr>
-              <a:t>Plotly Express</a:t>
-            </a:r>
-          </a:p>
-        </p:txBody>
-      </p:sp>
-      <p:sp>
-        <p:nvSpPr>
-          <p:cNvPr id="16" name="Rounded Rectangle 15">
-            <a:extLst>
-              <a:ext uri="{FF2B5EF4-FFF2-40B4-BE49-F238E27FC236}">
-                <a16:creationId xmlns:a16="http://schemas.microsoft.com/office/drawing/2014/main" id="{115A7820-65D8-A14E-8E3F-BA4ABE5F3D4A}"/>
-              </a:ext>
-            </a:extLst>
-          </p:cNvPr>
-          <p:cNvSpPr/>
-          <p:nvPr/>
-        </p:nvSpPr>
-        <p:spPr>
-          <a:xfrm>
-            <a:off x="9651999" y="5168785"/>
-            <a:ext cx="1770743" cy="740229"/>
-          </a:xfrm>
-          <a:prstGeom prst="roundRect">
-            <a:avLst/>
-          </a:prstGeom>
-          <a:solidFill>
-            <a:schemeClr val="bg1"/>
-          </a:solidFill>
-        </p:spPr>
-        <p:style>
-          <a:lnRef idx="2">
-            <a:schemeClr val="accent1">
-              <a:shade val="50000"/>
-            </a:schemeClr>
-          </a:lnRef>
-          <a:fillRef idx="1">
-            <a:schemeClr val="accent1"/>
-          </a:fillRef>
-          <a:effectRef idx="0">
-            <a:schemeClr val="accent1"/>
-          </a:effectRef>
-          <a:fontRef idx="minor">
-            <a:schemeClr val="lt1"/>
-          </a:fontRef>
-        </p:style>
-        <p:txBody>
-          <a:bodyPr rtlCol="0" anchor="ctr"/>
-          <a:lstStyle/>
-          <a:p>
-            <a:pPr algn="ctr"/>
-            <a:r>
-              <a:rPr lang="en-NL">
-                <a:solidFill>
-                  <a:schemeClr val="tx1"/>
-                </a:solidFill>
-              </a:rPr>
-              <a:t>hvPlot</a:t>
-            </a:r>
-          </a:p>
-        </p:txBody>
-      </p:sp>
-      <p:cxnSp>
-        <p:nvCxnSpPr>
-          <p:cNvPr id="17" name="Straight Arrow Connector 16">
-            <a:extLst>
-              <a:ext uri="{FF2B5EF4-FFF2-40B4-BE49-F238E27FC236}">
-                <a16:creationId xmlns:a16="http://schemas.microsoft.com/office/drawing/2014/main" id="{A95021F4-308D-674F-A809-986678EEC2FA}"/>
-              </a:ext>
-            </a:extLst>
-          </p:cNvPr>
-          <p:cNvCxnSpPr>
-            <a:stCxn id="8" idx="2"/>
-            <a:endCxn id="11" idx="0"/>
-          </p:cNvCxnSpPr>
-          <p:nvPr/>
-        </p:nvCxnSpPr>
-        <p:spPr>
-          <a:xfrm flipH="1">
-            <a:off x="1654629" y="4553178"/>
-            <a:ext cx="1219199" cy="615609"/>
-          </a:xfrm>
-          <a:prstGeom prst="straightConnector1">
-            <a:avLst/>
-          </a:prstGeom>
-          <a:ln w="25400">
-            <a:tailEnd type="triangle"/>
-          </a:ln>
-        </p:spPr>
-        <p:style>
-          <a:lnRef idx="1">
-            <a:schemeClr val="accent1"/>
-          </a:lnRef>
-          <a:fillRef idx="0">
-            <a:schemeClr val="accent1"/>
-          </a:fillRef>
-          <a:effectRef idx="0">
-            <a:schemeClr val="accent1"/>
-          </a:effectRef>
-          <a:fontRef idx="minor">
-            <a:schemeClr val="tx1"/>
-          </a:fontRef>
-        </p:style>
-      </p:cxnSp>
-      <p:cxnSp>
-        <p:nvCxnSpPr>
-          <p:cNvPr id="20" name="Straight Arrow Connector 19">
-            <a:extLst>
-              <a:ext uri="{FF2B5EF4-FFF2-40B4-BE49-F238E27FC236}">
-                <a16:creationId xmlns:a16="http://schemas.microsoft.com/office/drawing/2014/main" id="{B2B3B61C-5960-2C43-AA68-365281AC531C}"/>
-              </a:ext>
-            </a:extLst>
-          </p:cNvPr>
-          <p:cNvCxnSpPr>
-            <a:cxnSpLocks/>
-            <a:stCxn id="8" idx="2"/>
-            <a:endCxn id="12" idx="0"/>
-          </p:cNvCxnSpPr>
-          <p:nvPr/>
-        </p:nvCxnSpPr>
-        <p:spPr>
-          <a:xfrm>
-            <a:off x="2873828" y="4553178"/>
-            <a:ext cx="1219201" cy="615608"/>
-          </a:xfrm>
-          <a:prstGeom prst="straightConnector1">
-            <a:avLst/>
-          </a:prstGeom>
-          <a:ln w="25400">
-            <a:tailEnd type="triangle"/>
-          </a:ln>
-        </p:spPr>
-        <p:style>
-          <a:lnRef idx="1">
-            <a:schemeClr val="accent1"/>
-          </a:lnRef>
-          <a:fillRef idx="0">
-            <a:schemeClr val="accent1"/>
-          </a:fillRef>
-          <a:effectRef idx="0">
-            <a:schemeClr val="accent1"/>
-          </a:effectRef>
-          <a:fontRef idx="minor">
-            <a:schemeClr val="tx1"/>
-          </a:fontRef>
-        </p:style>
-      </p:cxnSp>
-      <p:cxnSp>
-        <p:nvCxnSpPr>
-          <p:cNvPr id="23" name="Straight Arrow Connector 22">
-            <a:extLst>
-              <a:ext uri="{FF2B5EF4-FFF2-40B4-BE49-F238E27FC236}">
-                <a16:creationId xmlns:a16="http://schemas.microsoft.com/office/drawing/2014/main" id="{2E9CC23E-C945-7141-9F86-4E3951FD2235}"/>
-              </a:ext>
-            </a:extLst>
-          </p:cNvPr>
-          <p:cNvCxnSpPr>
-            <a:cxnSpLocks/>
-            <a:stCxn id="4" idx="2"/>
-            <a:endCxn id="8" idx="0"/>
-          </p:cNvCxnSpPr>
-          <p:nvPr/>
-        </p:nvCxnSpPr>
-        <p:spPr>
-          <a:xfrm flipH="1">
-            <a:off x="2873828" y="2859314"/>
-            <a:ext cx="1" cy="953635"/>
-          </a:xfrm>
-          <a:prstGeom prst="straightConnector1">
-            <a:avLst/>
-          </a:prstGeom>
-          <a:ln w="25400">
-            <a:tailEnd type="triangle"/>
-          </a:ln>
-        </p:spPr>
-        <p:style>
-          <a:lnRef idx="1">
-            <a:schemeClr val="accent1"/>
-          </a:lnRef>
-          <a:fillRef idx="0">
-            <a:schemeClr val="accent1"/>
-          </a:fillRef>
-          <a:effectRef idx="0">
-            <a:schemeClr val="accent1"/>
-          </a:effectRef>
-          <a:fontRef idx="minor">
-            <a:schemeClr val="tx1"/>
-          </a:fontRef>
-        </p:style>
-      </p:cxnSp>
-      <p:cxnSp>
-        <p:nvCxnSpPr>
-          <p:cNvPr id="26" name="Straight Arrow Connector 25">
-            <a:extLst>
-              <a:ext uri="{FF2B5EF4-FFF2-40B4-BE49-F238E27FC236}">
-                <a16:creationId xmlns:a16="http://schemas.microsoft.com/office/drawing/2014/main" id="{2DCCB25D-9827-E44C-85B4-8546030450D4}"/>
-              </a:ext>
-            </a:extLst>
-          </p:cNvPr>
-          <p:cNvCxnSpPr>
-            <a:cxnSpLocks/>
-            <a:stCxn id="7" idx="2"/>
-            <a:endCxn id="13" idx="0"/>
-          </p:cNvCxnSpPr>
-          <p:nvPr/>
-        </p:nvCxnSpPr>
-        <p:spPr>
-          <a:xfrm flipH="1">
-            <a:off x="8098971" y="2859313"/>
-            <a:ext cx="1219201" cy="957491"/>
-          </a:xfrm>
-          <a:prstGeom prst="straightConnector1">
-            <a:avLst/>
-          </a:prstGeom>
-          <a:ln w="25400">
-            <a:tailEnd type="triangle"/>
-          </a:ln>
-        </p:spPr>
-        <p:style>
-          <a:lnRef idx="1">
-            <a:schemeClr val="accent1"/>
-          </a:lnRef>
-          <a:fillRef idx="0">
-            <a:schemeClr val="accent1"/>
-          </a:fillRef>
-          <a:effectRef idx="0">
-            <a:schemeClr val="accent1"/>
-          </a:effectRef>
-          <a:fontRef idx="minor">
-            <a:schemeClr val="tx1"/>
-          </a:fontRef>
-        </p:style>
-      </p:cxnSp>
-      <p:cxnSp>
-        <p:nvCxnSpPr>
-          <p:cNvPr id="29" name="Straight Arrow Connector 28">
-            <a:extLst>
-              <a:ext uri="{FF2B5EF4-FFF2-40B4-BE49-F238E27FC236}">
-                <a16:creationId xmlns:a16="http://schemas.microsoft.com/office/drawing/2014/main" id="{3DA5E321-77E3-DC4A-A990-B34AC963D47C}"/>
-              </a:ext>
-            </a:extLst>
-          </p:cNvPr>
-          <p:cNvCxnSpPr>
-            <a:cxnSpLocks/>
-            <a:stCxn id="13" idx="2"/>
-            <a:endCxn id="15" idx="0"/>
-          </p:cNvCxnSpPr>
-          <p:nvPr/>
-        </p:nvCxnSpPr>
-        <p:spPr>
-          <a:xfrm>
-            <a:off x="8098971" y="4557033"/>
-            <a:ext cx="0" cy="611752"/>
-          </a:xfrm>
-          <a:prstGeom prst="straightConnector1">
-            <a:avLst/>
-          </a:prstGeom>
-          <a:ln w="25400">
-            <a:tailEnd type="triangle"/>
-          </a:ln>
-        </p:spPr>
-        <p:style>
-          <a:lnRef idx="1">
-            <a:schemeClr val="accent1"/>
-          </a:lnRef>
-          <a:fillRef idx="0">
-            <a:schemeClr val="accent1"/>
-          </a:fillRef>
-          <a:effectRef idx="0">
-            <a:schemeClr val="accent1"/>
-          </a:effectRef>
-          <a:fontRef idx="minor">
-            <a:schemeClr val="tx1"/>
-          </a:fontRef>
-        </p:style>
-      </p:cxnSp>
-      <p:cxnSp>
-        <p:nvCxnSpPr>
-          <p:cNvPr id="32" name="Straight Arrow Connector 31">
-            <a:extLst>
-              <a:ext uri="{FF2B5EF4-FFF2-40B4-BE49-F238E27FC236}">
-                <a16:creationId xmlns:a16="http://schemas.microsoft.com/office/drawing/2014/main" id="{50642BE9-05E2-3B41-8204-80E2B59480FB}"/>
-              </a:ext>
-            </a:extLst>
-          </p:cNvPr>
-          <p:cNvCxnSpPr>
-            <a:cxnSpLocks/>
-            <a:stCxn id="7" idx="2"/>
-            <a:endCxn id="14" idx="0"/>
-          </p:cNvCxnSpPr>
-          <p:nvPr/>
-        </p:nvCxnSpPr>
-        <p:spPr>
-          <a:xfrm>
-            <a:off x="9318172" y="2859313"/>
-            <a:ext cx="1219198" cy="953636"/>
-          </a:xfrm>
-          <a:prstGeom prst="straightConnector1">
-            <a:avLst/>
-          </a:prstGeom>
-          <a:ln w="25400">
-            <a:tailEnd type="triangle"/>
-          </a:ln>
-        </p:spPr>
-        <p:style>
-          <a:lnRef idx="1">
-            <a:schemeClr val="accent1"/>
-          </a:lnRef>
-          <a:fillRef idx="0">
-            <a:schemeClr val="accent1"/>
-          </a:fillRef>
-          <a:effectRef idx="0">
-            <a:schemeClr val="accent1"/>
-          </a:effectRef>
-          <a:fontRef idx="minor">
-            <a:schemeClr val="tx1"/>
-          </a:fontRef>
-        </p:style>
-      </p:cxnSp>
-      <p:cxnSp>
-        <p:nvCxnSpPr>
-          <p:cNvPr id="35" name="Straight Arrow Connector 34">
-            <a:extLst>
-              <a:ext uri="{FF2B5EF4-FFF2-40B4-BE49-F238E27FC236}">
-                <a16:creationId xmlns:a16="http://schemas.microsoft.com/office/drawing/2014/main" id="{4961CF21-4703-E04E-8F50-9D28559BEC4F}"/>
-              </a:ext>
-            </a:extLst>
-          </p:cNvPr>
-          <p:cNvCxnSpPr>
-            <a:cxnSpLocks/>
-            <a:stCxn id="14" idx="2"/>
-            <a:endCxn id="16" idx="0"/>
-          </p:cNvCxnSpPr>
-          <p:nvPr/>
-        </p:nvCxnSpPr>
-        <p:spPr>
-          <a:xfrm>
-            <a:off x="10537370" y="4553178"/>
-            <a:ext cx="1" cy="615607"/>
-          </a:xfrm>
-          <a:prstGeom prst="straightConnector1">
-            <a:avLst/>
-          </a:prstGeom>
-          <a:ln w="25400">
-            <a:tailEnd type="triangle"/>
-          </a:ln>
-        </p:spPr>
-        <p:style>
-          <a:lnRef idx="1">
-            <a:schemeClr val="accent1"/>
-          </a:lnRef>
-          <a:fillRef idx="0">
-            <a:schemeClr val="accent1"/>
-          </a:fillRef>
-          <a:effectRef idx="0">
-            <a:schemeClr val="accent1"/>
-          </a:effectRef>
-          <a:fontRef idx="minor">
-            <a:schemeClr val="tx1"/>
-          </a:fontRef>
-        </p:style>
-      </p:cxnSp>
+            <a:r>
+              <a:rPr lang="en-NL"/>
+              <a:t>Wat is Pandas?</a:t>
+            </a:r>
+          </a:p>
+        </p:txBody>
+      </p:sp>
       <p:pic>
         <p:nvPicPr>
-          <p:cNvPr id="1026" name="Picture 2" descr="Plotly - Wikipedia">
-            <a:extLst>
-              <a:ext uri="{FF2B5EF4-FFF2-40B4-BE49-F238E27FC236}">
-                <a16:creationId xmlns:a16="http://schemas.microsoft.com/office/drawing/2014/main" id="{5257B108-9086-864A-AD1B-DEFB47CF360E}"/>
+          <p:cNvPr id="5" name="Content Placeholder 4" descr="Text&#10;&#10;Description automatically generated">
+            <a:extLst>
+              <a:ext uri="{FF2B5EF4-FFF2-40B4-BE49-F238E27FC236}">
+                <a16:creationId xmlns:a16="http://schemas.microsoft.com/office/drawing/2014/main" id="{9F5F247A-2656-594C-A237-894E5FEE8718}"/>
+              </a:ext>
+            </a:extLst>
+          </p:cNvPr>
+          <p:cNvPicPr>
+            <a:picLocks noGrp="1" noChangeAspect="1"/>
+          </p:cNvPicPr>
+          <p:nvPr>
+            <p:ph idx="1"/>
+          </p:nvPr>
+        </p:nvPicPr>
+        <p:blipFill>
+          <a:blip r:embed="rId3"/>
+          <a:stretch>
+            <a:fillRect/>
+          </a:stretch>
+        </p:blipFill>
+        <p:spPr>
+          <a:xfrm>
+            <a:off x="143164" y="4066543"/>
+            <a:ext cx="11905671" cy="2089825"/>
+          </a:xfrm>
+        </p:spPr>
+      </p:pic>
+      <p:pic>
+        <p:nvPicPr>
+          <p:cNvPr id="1026" name="Picture 2" descr="pandas (software) - Wikipedia">
+            <a:extLst>
+              <a:ext uri="{FF2B5EF4-FFF2-40B4-BE49-F238E27FC236}">
+                <a16:creationId xmlns:a16="http://schemas.microsoft.com/office/drawing/2014/main" id="{A0C9A81B-8796-4048-8EF3-6CE8AA3CF185}"/>
               </a:ext>
             </a:extLst>
           </p:cNvPr>
@@ -6462,7 +6328,7 @@
           <p:nvPr/>
         </p:nvPicPr>
         <p:blipFill>
-          <a:blip r:embed="rId2">
+          <a:blip r:embed="rId4">
             <a:extLst>
               <a:ext uri="{28A0092B-C50C-407E-A947-70E740481C1C}">
                 <a14:useLocalDpi xmlns:a14="http://schemas.microsoft.com/office/drawing/2010/main" val="0"/>
@@ -6476,8 +6342,8 @@
         </p:blipFill>
         <p:spPr bwMode="auto">
           <a:xfrm>
-            <a:off x="7228113" y="6092307"/>
-            <a:ext cx="1756229" cy="582400"/>
+            <a:off x="0" y="1615986"/>
+            <a:ext cx="6096000" cy="2463800"/>
           </a:xfrm>
           <a:prstGeom prst="rect">
             <a:avLst/>
@@ -6494,144 +6360,10 @@
           </a:extLst>
         </p:spPr>
       </p:pic>
-      <p:pic>
-        <p:nvPicPr>
-          <p:cNvPr id="1030" name="Picture 6" descr="hvPlot 0.7.0 documentation">
-            <a:extLst>
-              <a:ext uri="{FF2B5EF4-FFF2-40B4-BE49-F238E27FC236}">
-                <a16:creationId xmlns:a16="http://schemas.microsoft.com/office/drawing/2014/main" id="{DD961E71-3DF6-0F4B-8679-DB7B2C767F15}"/>
-              </a:ext>
-            </a:extLst>
-          </p:cNvPr>
-          <p:cNvPicPr>
-            <a:picLocks noChangeAspect="1" noChangeArrowheads="1"/>
-          </p:cNvPicPr>
-          <p:nvPr/>
-        </p:nvPicPr>
-        <p:blipFill>
-          <a:blip r:embed="rId3">
-            <a:extLst>
-              <a:ext uri="{28A0092B-C50C-407E-A947-70E740481C1C}">
-                <a14:useLocalDpi xmlns:a14="http://schemas.microsoft.com/office/drawing/2010/main" val="0"/>
-              </a:ext>
-            </a:extLst>
-          </a:blip>
-          <a:srcRect/>
-          <a:stretch>
-            <a:fillRect/>
-          </a:stretch>
-        </p:blipFill>
-        <p:spPr bwMode="auto">
-          <a:xfrm>
-            <a:off x="9753597" y="6122421"/>
-            <a:ext cx="1567545" cy="486211"/>
-          </a:xfrm>
-          <a:prstGeom prst="rect">
-            <a:avLst/>
-          </a:prstGeom>
-          <a:noFill/>
-          <a:extLst>
-            <a:ext uri="{909E8E84-426E-40DD-AFC4-6F175D3DCCD1}">
-              <a14:hiddenFill xmlns:a14="http://schemas.microsoft.com/office/drawing/2010/main">
-                <a:solidFill>
-                  <a:srgbClr val="FFFFFF"/>
-                </a:solidFill>
-              </a14:hiddenFill>
-            </a:ext>
-          </a:extLst>
-        </p:spPr>
-      </p:pic>
-      <p:pic>
-        <p:nvPicPr>
-          <p:cNvPr id="1032" name="Picture 8" descr="pandas (software) - Wikipedia">
-            <a:extLst>
-              <a:ext uri="{FF2B5EF4-FFF2-40B4-BE49-F238E27FC236}">
-                <a16:creationId xmlns:a16="http://schemas.microsoft.com/office/drawing/2014/main" id="{200A321B-48E5-4245-8232-20DC348555E1}"/>
-              </a:ext>
-            </a:extLst>
-          </p:cNvPr>
-          <p:cNvPicPr>
-            <a:picLocks noChangeAspect="1" noChangeArrowheads="1"/>
-          </p:cNvPicPr>
-          <p:nvPr/>
-        </p:nvPicPr>
-        <p:blipFill>
-          <a:blip r:embed="rId4">
-            <a:extLst>
-              <a:ext uri="{28A0092B-C50C-407E-A947-70E740481C1C}">
-                <a14:useLocalDpi xmlns:a14="http://schemas.microsoft.com/office/drawing/2010/main" val="0"/>
-              </a:ext>
-            </a:extLst>
-          </a:blip>
-          <a:srcRect/>
-          <a:stretch>
-            <a:fillRect/>
-          </a:stretch>
-        </p:blipFill>
-        <p:spPr bwMode="auto">
-          <a:xfrm>
-            <a:off x="3372534" y="6026232"/>
-            <a:ext cx="1440989" cy="582400"/>
-          </a:xfrm>
-          <a:prstGeom prst="rect">
-            <a:avLst/>
-          </a:prstGeom>
-          <a:solidFill>
-            <a:schemeClr val="bg1"/>
-          </a:solidFill>
-        </p:spPr>
-      </p:pic>
-      <p:pic>
-        <p:nvPicPr>
-          <p:cNvPr id="1034" name="Picture 10" descr="seaborn: statistical data visualization — seaborn 0.11.1 documentation">
-            <a:extLst>
-              <a:ext uri="{FF2B5EF4-FFF2-40B4-BE49-F238E27FC236}">
-                <a16:creationId xmlns:a16="http://schemas.microsoft.com/office/drawing/2014/main" id="{9E658D67-A7D2-6547-8108-60398FF58448}"/>
-              </a:ext>
-            </a:extLst>
-          </p:cNvPr>
-          <p:cNvPicPr>
-            <a:picLocks noChangeAspect="1" noChangeArrowheads="1"/>
-          </p:cNvPicPr>
-          <p:nvPr/>
-        </p:nvPicPr>
-        <p:blipFill>
-          <a:blip r:embed="rId5">
-            <a:extLst>
-              <a:ext uri="{28A0092B-C50C-407E-A947-70E740481C1C}">
-                <a14:useLocalDpi xmlns:a14="http://schemas.microsoft.com/office/drawing/2010/main" val="0"/>
-              </a:ext>
-            </a:extLst>
-          </a:blip>
-          <a:srcRect/>
-          <a:stretch>
-            <a:fillRect/>
-          </a:stretch>
-        </p:blipFill>
-        <p:spPr bwMode="auto">
-          <a:xfrm>
-            <a:off x="769261" y="6083773"/>
-            <a:ext cx="1770739" cy="505925"/>
-          </a:xfrm>
-          <a:prstGeom prst="rect">
-            <a:avLst/>
-          </a:prstGeom>
-          <a:noFill/>
-          <a:extLst>
-            <a:ext uri="{909E8E84-426E-40DD-AFC4-6F175D3DCCD1}">
-              <a14:hiddenFill xmlns:a14="http://schemas.microsoft.com/office/drawing/2010/main">
-                <a:solidFill>
-                  <a:srgbClr val="FFFFFF"/>
-                </a:solidFill>
-              </a14:hiddenFill>
-            </a:ext>
-          </a:extLst>
-        </p:spPr>
-      </p:pic>
     </p:spTree>
     <p:extLst>
       <p:ext uri="{BB962C8B-B14F-4D97-AF65-F5344CB8AC3E}">
-        <p14:creationId xmlns:p14="http://schemas.microsoft.com/office/powerpoint/2010/main" val="1735477267"/>
+        <p14:creationId xmlns:p14="http://schemas.microsoft.com/office/powerpoint/2010/main" val="1499705360"/>
       </p:ext>
     </p:extLst>
   </p:cSld>
@@ -6666,12 +6398,12 @@
           <a:chExt cx="0" cy="0"/>
         </a:xfrm>
       </p:grpSpPr>
-      <p:sp useBgFill="1">
+      <p:sp>
         <p:nvSpPr>
           <p:cNvPr id="10" name="Rectangle 9">
             <a:extLst>
               <a:ext uri="{FF2B5EF4-FFF2-40B4-BE49-F238E27FC236}">
-                <a16:creationId xmlns:a16="http://schemas.microsoft.com/office/drawing/2014/main" id="{53F29798-D584-4792-9B62-3F5F5C36D619}"/>
+                <a16:creationId xmlns:a16="http://schemas.microsoft.com/office/drawing/2014/main" id="{D35D61A1-8484-4749-8AD0-A3455E0753C5}"/>
               </a:ext>
               <a:ext uri="{C183D7F6-B498-43B3-948B-1728B52AA6E4}">
                 <adec:decorative xmlns:adec="http://schemas.microsoft.com/office/drawing/2017/decorative" val="1"/>
@@ -6692,11 +6424,16 @@
         <p:spPr>
           <a:xfrm>
             <a:off x="0" y="0"/>
-            <a:ext cx="12188952" cy="6858000"/>
+            <a:ext cx="12192000" cy="6858000"/>
           </a:xfrm>
           <a:prstGeom prst="rect">
             <a:avLst/>
           </a:prstGeom>
+          <a:solidFill>
+            <a:schemeClr val="bg1">
+              <a:lumMod val="85000"/>
+            </a:schemeClr>
+          </a:solidFill>
           <a:ln>
             <a:noFill/>
           </a:ln>
@@ -6731,7 +6468,7 @@
           <p:cNvPr id="2" name="Title 1">
             <a:extLst>
               <a:ext uri="{FF2B5EF4-FFF2-40B4-BE49-F238E27FC236}">
-                <a16:creationId xmlns:a16="http://schemas.microsoft.com/office/drawing/2014/main" id="{C8163A18-D894-FF42-A3CF-D81F0CB8B8FF}"/>
+                <a16:creationId xmlns:a16="http://schemas.microsoft.com/office/drawing/2014/main" id="{361185AD-FE89-1B48-B35F-2A9219F7EA5B}"/>
               </a:ext>
             </a:extLst>
           </p:cNvPr>
@@ -6744,7 +6481,7 @@
         </p:nvSpPr>
         <p:spPr>
           <a:xfrm>
-            <a:off x="0" y="1"/>
+            <a:off x="0" y="0"/>
             <a:ext cx="12192000" cy="1690688"/>
           </a:xfrm>
           <a:solidFill>
@@ -6759,46 +6496,122 @@
           <a:p>
             <a:pPr algn="ctr"/>
             <a:r>
-              <a:rPr lang="en-US" sz="5200"/>
-              <a:t>How groupby() works</a:t>
-            </a:r>
+              <a:rPr lang="en-US"/>
+              <a:t>Most important concept is a DataFrame</a:t>
+            </a:r>
+          </a:p>
+        </p:txBody>
+      </p:sp>
+      <p:sp>
+        <p:nvSpPr>
+          <p:cNvPr id="12" name="Rounded Rectangle 5">
+            <a:extLst>
+              <a:ext uri="{FF2B5EF4-FFF2-40B4-BE49-F238E27FC236}">
+                <a16:creationId xmlns:a16="http://schemas.microsoft.com/office/drawing/2014/main" id="{1447903E-2B66-479D-959B-F2EBB2CC901F}"/>
+              </a:ext>
+              <a:ext uri="{C183D7F6-B498-43B3-948B-1728B52AA6E4}">
+                <adec:decorative xmlns:adec="http://schemas.microsoft.com/office/drawing/2017/decorative" val="1"/>
+              </a:ext>
+            </a:extLst>
+          </p:cNvPr>
+          <p:cNvSpPr>
+            <a:spLocks noGrp="1" noRot="1" noChangeAspect="1" noMove="1" noResize="1" noEditPoints="1" noAdjustHandles="1" noChangeArrowheads="1" noChangeShapeType="1" noTextEdit="1"/>
+          </p:cNvSpPr>
+          <p:nvPr>
+            <p:extLst>
+              <p:ext uri="{386F3935-93C4-4BCD-93E2-E3B085C9AB24}">
+                <p16:designElem xmlns:p16="http://schemas.microsoft.com/office/powerpoint/2015/main" val="1"/>
+              </p:ext>
+            </p:extLst>
+          </p:nvPr>
+        </p:nvSpPr>
+        <p:spPr>
+          <a:xfrm>
+            <a:off x="838200" y="1828801"/>
+            <a:ext cx="10515600" cy="4362450"/>
+          </a:xfrm>
+          <a:prstGeom prst="roundRect">
+            <a:avLst>
+              <a:gd name="adj" fmla="val 0"/>
+            </a:avLst>
+          </a:prstGeom>
+          <a:solidFill>
+            <a:srgbClr val="FFFFFF"/>
+          </a:solidFill>
+          <a:ln w="9525">
+            <a:solidFill>
+              <a:srgbClr val="C8CACA"/>
+            </a:solidFill>
+          </a:ln>
+          <a:effectLst>
+            <a:outerShdw blurRad="57150" dist="19050" dir="5400000" algn="t" rotWithShape="0">
+              <a:prstClr val="black">
+                <a:alpha val="63000"/>
+              </a:prstClr>
+            </a:outerShdw>
+          </a:effectLst>
+        </p:spPr>
+        <p:style>
+          <a:lnRef idx="2">
+            <a:schemeClr val="accent1">
+              <a:shade val="50000"/>
+            </a:schemeClr>
+          </a:lnRef>
+          <a:fillRef idx="1">
+            <a:schemeClr val="accent1"/>
+          </a:fillRef>
+          <a:effectRef idx="0">
+            <a:schemeClr val="accent1"/>
+          </a:effectRef>
+          <a:fontRef idx="minor">
+            <a:schemeClr val="lt1"/>
+          </a:fontRef>
+        </p:style>
+        <p:txBody>
+          <a:bodyPr rtlCol="0" anchor="ctr"/>
+          <a:lstStyle/>
+          <a:p>
+            <a:pPr algn="ctr"/>
+            <a:endParaRPr lang="en-US"/>
           </a:p>
         </p:txBody>
       </p:sp>
       <p:pic>
         <p:nvPicPr>
-          <p:cNvPr id="9" name="Picture 8" descr="Graphical user interface&#10;&#10;Description automatically generated with low confidence">
-            <a:extLst>
-              <a:ext uri="{FF2B5EF4-FFF2-40B4-BE49-F238E27FC236}">
-                <a16:creationId xmlns:a16="http://schemas.microsoft.com/office/drawing/2014/main" id="{06B6FDF8-3F40-AA43-8EAC-15638AAD834D}"/>
+          <p:cNvPr id="5" name="Content Placeholder 4" descr="Graphical user interface, application, table&#10;&#10;Description automatically generated">
+            <a:extLst>
+              <a:ext uri="{FF2B5EF4-FFF2-40B4-BE49-F238E27FC236}">
+                <a16:creationId xmlns:a16="http://schemas.microsoft.com/office/drawing/2014/main" id="{45D7D62E-AC53-D044-A987-5654775898B3}"/>
               </a:ext>
             </a:extLst>
           </p:cNvPr>
           <p:cNvPicPr>
-            <a:picLocks noChangeAspect="1"/>
+            <a:picLocks noGrp="1" noChangeAspect="1"/>
           </p:cNvPicPr>
-          <p:nvPr/>
+          <p:nvPr>
+            <p:ph idx="1"/>
+          </p:nvPr>
         </p:nvPicPr>
-        <p:blipFill>
-          <a:blip r:embed="rId2"/>
-          <a:stretch>
-            <a:fillRect/>
-          </a:stretch>
+        <p:blipFill rotWithShape="1">
+          <a:blip r:embed="rId3"/>
+          <a:srcRect t="2784" r="1" b="6953"/>
+          <a:stretch/>
         </p:blipFill>
         <p:spPr>
           <a:xfrm>
-            <a:off x="946295" y="1916615"/>
-            <a:ext cx="10296361" cy="4715459"/>
+            <a:off x="932350" y="2055813"/>
+            <a:ext cx="10349274" cy="3900143"/>
           </a:xfrm>
           <a:prstGeom prst="rect">
             <a:avLst/>
           </a:prstGeom>
+          <a:effectLst/>
         </p:spPr>
       </p:pic>
     </p:spTree>
     <p:extLst>
       <p:ext uri="{BB962C8B-B14F-4D97-AF65-F5344CB8AC3E}">
-        <p14:creationId xmlns:p14="http://schemas.microsoft.com/office/powerpoint/2010/main" val="1500885899"/>
+        <p14:creationId xmlns:p14="http://schemas.microsoft.com/office/powerpoint/2010/main" val="2322239271"/>
       </p:ext>
     </p:extLst>
   </p:cSld>
@@ -6811,6 +6624,14 @@
 <file path=ppt/slides/slide17.xml><?xml version="1.0" encoding="utf-8"?>
 <p:sld xmlns:a="http://schemas.openxmlformats.org/drawingml/2006/main" xmlns:r="http://schemas.openxmlformats.org/officeDocument/2006/relationships" xmlns:p="http://schemas.openxmlformats.org/presentationml/2006/main">
   <p:cSld>
+    <p:bg>
+      <p:bgPr>
+        <a:solidFill>
+          <a:schemeClr val="bg2"/>
+        </a:solidFill>
+        <a:effectLst/>
+      </p:bgPr>
+    </p:bg>
     <p:spTree>
       <p:nvGrpSpPr>
         <p:cNvPr id="1" name=""/>
@@ -6827,10 +6648,75 @@
       </p:grpSpPr>
       <p:sp>
         <p:nvSpPr>
+          <p:cNvPr id="17" name="Rectangle 16">
+            <a:extLst>
+              <a:ext uri="{FF2B5EF4-FFF2-40B4-BE49-F238E27FC236}">
+                <a16:creationId xmlns:a16="http://schemas.microsoft.com/office/drawing/2014/main" id="{D35D61A1-8484-4749-8AD0-A3455E0753C5}"/>
+              </a:ext>
+              <a:ext uri="{C183D7F6-B498-43B3-948B-1728B52AA6E4}">
+                <adec:decorative xmlns:adec="http://schemas.microsoft.com/office/drawing/2017/decorative" val="1"/>
+              </a:ext>
+            </a:extLst>
+          </p:cNvPr>
+          <p:cNvSpPr>
+            <a:spLocks noGrp="1" noRot="1" noChangeAspect="1" noMove="1" noResize="1" noEditPoints="1" noAdjustHandles="1" noChangeArrowheads="1" noChangeShapeType="1" noTextEdit="1"/>
+          </p:cNvSpPr>
+          <p:nvPr>
+            <p:extLst>
+              <p:ext uri="{386F3935-93C4-4BCD-93E2-E3B085C9AB24}">
+                <p16:designElem xmlns:p16="http://schemas.microsoft.com/office/powerpoint/2015/main" val="1"/>
+              </p:ext>
+            </p:extLst>
+          </p:nvPr>
+        </p:nvSpPr>
+        <p:spPr>
+          <a:xfrm>
+            <a:off x="0" y="0"/>
+            <a:ext cx="12192000" cy="6858000"/>
+          </a:xfrm>
+          <a:prstGeom prst="rect">
+            <a:avLst/>
+          </a:prstGeom>
+          <a:solidFill>
+            <a:schemeClr val="bg1">
+              <a:lumMod val="85000"/>
+            </a:schemeClr>
+          </a:solidFill>
+          <a:ln>
+            <a:noFill/>
+          </a:ln>
+        </p:spPr>
+        <p:style>
+          <a:lnRef idx="2">
+            <a:schemeClr val="accent1">
+              <a:shade val="50000"/>
+            </a:schemeClr>
+          </a:lnRef>
+          <a:fillRef idx="1">
+            <a:schemeClr val="accent1"/>
+          </a:fillRef>
+          <a:effectRef idx="0">
+            <a:schemeClr val="accent1"/>
+          </a:effectRef>
+          <a:fontRef idx="minor">
+            <a:schemeClr val="lt1"/>
+          </a:fontRef>
+        </p:style>
+        <p:txBody>
+          <a:bodyPr rtlCol="0" anchor="ctr"/>
+          <a:lstStyle/>
+          <a:p>
+            <a:pPr algn="ctr"/>
+            <a:endParaRPr lang="en-US"/>
+          </a:p>
+        </p:txBody>
+      </p:sp>
+      <p:sp>
+        <p:nvSpPr>
           <p:cNvPr id="2" name="Title 1">
             <a:extLst>
               <a:ext uri="{FF2B5EF4-FFF2-40B4-BE49-F238E27FC236}">
-                <a16:creationId xmlns:a16="http://schemas.microsoft.com/office/drawing/2014/main" id="{9C875679-4635-8D4A-9122-A34E64C4B8FB}"/>
+                <a16:creationId xmlns:a16="http://schemas.microsoft.com/office/drawing/2014/main" id="{361185AD-FE89-1B48-B35F-2A9219F7EA5B}"/>
               </a:ext>
             </a:extLst>
           </p:cNvPr>
@@ -6844,28 +6730,461 @@
         <p:spPr>
           <a:xfrm>
             <a:off x="0" y="1"/>
-            <a:ext cx="12192000" cy="760946"/>
-          </a:xfrm>
-        </p:spPr>
-        <p:txBody>
-          <a:bodyPr/>
+            <a:ext cx="12192000" cy="1690688"/>
+          </a:xfrm>
+          <a:solidFill>
+            <a:schemeClr val="bg1"/>
+          </a:solidFill>
+        </p:spPr>
+        <p:txBody>
+          <a:bodyPr vert="horz" lIns="91440" tIns="45720" rIns="91440" bIns="45720" rtlCol="0" anchor="ctr">
+            <a:normAutofit/>
+          </a:bodyPr>
           <a:lstStyle/>
           <a:p>
             <a:pPr algn="ctr"/>
             <a:r>
               <a:rPr lang="en-US"/>
-              <a:t>Joining tables with df.merge()</a:t>
-            </a:r>
-            <a:endParaRPr lang="en-NL"/>
+              <a:t>Example of a Pandas Series</a:t>
+            </a:r>
+          </a:p>
+        </p:txBody>
+      </p:sp>
+      <p:sp>
+        <p:nvSpPr>
+          <p:cNvPr id="19" name="Rounded Rectangle 5">
+            <a:extLst>
+              <a:ext uri="{FF2B5EF4-FFF2-40B4-BE49-F238E27FC236}">
+                <a16:creationId xmlns:a16="http://schemas.microsoft.com/office/drawing/2014/main" id="{1447903E-2B66-479D-959B-F2EBB2CC901F}"/>
+              </a:ext>
+              <a:ext uri="{C183D7F6-B498-43B3-948B-1728B52AA6E4}">
+                <adec:decorative xmlns:adec="http://schemas.microsoft.com/office/drawing/2017/decorative" val="1"/>
+              </a:ext>
+            </a:extLst>
+          </p:cNvPr>
+          <p:cNvSpPr>
+            <a:spLocks noGrp="1" noRot="1" noChangeAspect="1" noMove="1" noResize="1" noEditPoints="1" noAdjustHandles="1" noChangeArrowheads="1" noChangeShapeType="1" noTextEdit="1"/>
+          </p:cNvSpPr>
+          <p:nvPr>
+            <p:extLst>
+              <p:ext uri="{386F3935-93C4-4BCD-93E2-E3B085C9AB24}">
+                <p16:designElem xmlns:p16="http://schemas.microsoft.com/office/powerpoint/2015/main" val="1"/>
+              </p:ext>
+            </p:extLst>
+          </p:nvPr>
+        </p:nvSpPr>
+        <p:spPr>
+          <a:xfrm>
+            <a:off x="838200" y="1828801"/>
+            <a:ext cx="10515600" cy="4362450"/>
+          </a:xfrm>
+          <a:prstGeom prst="roundRect">
+            <a:avLst>
+              <a:gd name="adj" fmla="val 0"/>
+            </a:avLst>
+          </a:prstGeom>
+          <a:solidFill>
+            <a:srgbClr val="FFFFFF"/>
+          </a:solidFill>
+          <a:ln w="9525">
+            <a:solidFill>
+              <a:srgbClr val="C8CACA"/>
+            </a:solidFill>
+          </a:ln>
+          <a:effectLst>
+            <a:outerShdw blurRad="57150" dist="19050" dir="5400000" algn="t" rotWithShape="0">
+              <a:prstClr val="black">
+                <a:alpha val="63000"/>
+              </a:prstClr>
+            </a:outerShdw>
+          </a:effectLst>
+        </p:spPr>
+        <p:style>
+          <a:lnRef idx="2">
+            <a:schemeClr val="accent1">
+              <a:shade val="50000"/>
+            </a:schemeClr>
+          </a:lnRef>
+          <a:fillRef idx="1">
+            <a:schemeClr val="accent1"/>
+          </a:fillRef>
+          <a:effectRef idx="0">
+            <a:schemeClr val="accent1"/>
+          </a:effectRef>
+          <a:fontRef idx="minor">
+            <a:schemeClr val="lt1"/>
+          </a:fontRef>
+        </p:style>
+        <p:txBody>
+          <a:bodyPr rtlCol="0" anchor="ctr"/>
+          <a:lstStyle/>
+          <a:p>
+            <a:pPr algn="ctr"/>
+            <a:endParaRPr lang="en-US"/>
           </a:p>
         </p:txBody>
       </p:sp>
       <p:pic>
         <p:nvPicPr>
-          <p:cNvPr id="15" name="Picture 14" descr="Table&#10;&#10;Description automatically generated">
-            <a:extLst>
-              <a:ext uri="{FF2B5EF4-FFF2-40B4-BE49-F238E27FC236}">
-                <a16:creationId xmlns:a16="http://schemas.microsoft.com/office/drawing/2014/main" id="{51575A50-8DBA-9D48-B45E-816768855A18}"/>
+          <p:cNvPr id="18" name="Content Placeholder 17" descr="Table&#10;&#10;Description automatically generated with medium confidence">
+            <a:extLst>
+              <a:ext uri="{FF2B5EF4-FFF2-40B4-BE49-F238E27FC236}">
+                <a16:creationId xmlns:a16="http://schemas.microsoft.com/office/drawing/2014/main" id="{1C3CE786-D82A-F447-A24F-8B84860D9EFC}"/>
+              </a:ext>
+            </a:extLst>
+          </p:cNvPr>
+          <p:cNvPicPr>
+            <a:picLocks noGrp="1" noChangeAspect="1"/>
+          </p:cNvPicPr>
+          <p:nvPr>
+            <p:ph idx="1"/>
+          </p:nvPr>
+        </p:nvPicPr>
+        <p:blipFill>
+          <a:blip r:embed="rId3"/>
+          <a:stretch>
+            <a:fillRect/>
+          </a:stretch>
+        </p:blipFill>
+        <p:spPr>
+          <a:xfrm>
+            <a:off x="2687215" y="1986871"/>
+            <a:ext cx="6935756" cy="4045857"/>
+          </a:xfrm>
+        </p:spPr>
+      </p:pic>
+    </p:spTree>
+    <p:extLst>
+      <p:ext uri="{BB962C8B-B14F-4D97-AF65-F5344CB8AC3E}">
+        <p14:creationId xmlns:p14="http://schemas.microsoft.com/office/powerpoint/2010/main" val="2530735211"/>
+      </p:ext>
+    </p:extLst>
+  </p:cSld>
+  <p:clrMapOvr>
+    <a:masterClrMapping/>
+  </p:clrMapOvr>
+</p:sld>
+</file>
+
+<file path=ppt/slides/slide18.xml><?xml version="1.0" encoding="utf-8"?>
+<p:sld xmlns:a="http://schemas.openxmlformats.org/drawingml/2006/main" xmlns:r="http://schemas.openxmlformats.org/officeDocument/2006/relationships" xmlns:p="http://schemas.openxmlformats.org/presentationml/2006/main">
+  <p:cSld>
+    <p:bg>
+      <p:bgPr>
+        <a:solidFill>
+          <a:schemeClr val="bg2"/>
+        </a:solidFill>
+        <a:effectLst/>
+      </p:bgPr>
+    </p:bg>
+    <p:spTree>
+      <p:nvGrpSpPr>
+        <p:cNvPr id="1" name=""/>
+        <p:cNvGrpSpPr/>
+        <p:nvPr/>
+      </p:nvGrpSpPr>
+      <p:grpSpPr>
+        <a:xfrm>
+          <a:off x="0" y="0"/>
+          <a:ext cx="0" cy="0"/>
+          <a:chOff x="0" y="0"/>
+          <a:chExt cx="0" cy="0"/>
+        </a:xfrm>
+      </p:grpSpPr>
+      <p:sp>
+        <p:nvSpPr>
+          <p:cNvPr id="2" name="Title 1">
+            <a:extLst>
+              <a:ext uri="{FF2B5EF4-FFF2-40B4-BE49-F238E27FC236}">
+                <a16:creationId xmlns:a16="http://schemas.microsoft.com/office/drawing/2014/main" id="{7542C562-6C8A-EA4C-AA34-115B8EFE2331}"/>
+              </a:ext>
+            </a:extLst>
+          </p:cNvPr>
+          <p:cNvSpPr>
+            <a:spLocks noGrp="1"/>
+          </p:cNvSpPr>
+          <p:nvPr>
+            <p:ph type="title"/>
+          </p:nvPr>
+        </p:nvSpPr>
+        <p:spPr>
+          <a:xfrm>
+            <a:off x="0" y="0"/>
+            <a:ext cx="12192000" cy="1325563"/>
+          </a:xfrm>
+          <a:solidFill>
+            <a:schemeClr val="bg1"/>
+          </a:solidFill>
+        </p:spPr>
+        <p:txBody>
+          <a:bodyPr/>
+          <a:lstStyle/>
+          <a:p>
+            <a:pPr algn="ctr"/>
+            <a:r>
+              <a:rPr lang="en-NL"/>
+              <a:t>Plotting</a:t>
+            </a:r>
+          </a:p>
+        </p:txBody>
+      </p:sp>
+      <p:sp>
+        <p:nvSpPr>
+          <p:cNvPr id="3" name="Content Placeholder 2">
+            <a:extLst>
+              <a:ext uri="{FF2B5EF4-FFF2-40B4-BE49-F238E27FC236}">
+                <a16:creationId xmlns:a16="http://schemas.microsoft.com/office/drawing/2014/main" id="{6193BE97-E656-F74F-9B05-8B879B054C6F}"/>
+              </a:ext>
+            </a:extLst>
+          </p:cNvPr>
+          <p:cNvSpPr>
+            <a:spLocks noGrp="1"/>
+          </p:cNvSpPr>
+          <p:nvPr>
+            <p:ph idx="1"/>
+          </p:nvPr>
+        </p:nvSpPr>
+        <p:spPr>
+          <a:xfrm>
+            <a:off x="783771" y="1843314"/>
+            <a:ext cx="10570029" cy="4775200"/>
+          </a:xfrm>
+          <a:solidFill>
+            <a:schemeClr val="bg1"/>
+          </a:solidFill>
+        </p:spPr>
+        <p:txBody>
+          <a:bodyPr>
+            <a:normAutofit/>
+          </a:bodyPr>
+          <a:lstStyle/>
+          <a:p>
+            <a:pPr marL="0" indent="0">
+              <a:buNone/>
+            </a:pPr>
+            <a:endParaRPr lang="en-NL" sz="2400"/>
+          </a:p>
+          <a:p>
+            <a:pPr marL="0" indent="0">
+              <a:buNone/>
+            </a:pPr>
+            <a:endParaRPr lang="en-NL" sz="2400"/>
+          </a:p>
+          <a:p>
+            <a:r>
+              <a:rPr lang="en-NL"/>
+              <a:t>Data visualisatie       </a:t>
+            </a:r>
+          </a:p>
+          <a:p>
+            <a:pPr marL="0" indent="0">
+              <a:buNone/>
+            </a:pPr>
+            <a:endParaRPr lang="en-NL">
+              <a:sym typeface="Wingdings" pitchFamily="2" charset="2"/>
+            </a:endParaRPr>
+          </a:p>
+          <a:p>
+            <a:pPr marL="0" indent="0">
+              <a:buNone/>
+            </a:pPr>
+            <a:r>
+              <a:rPr lang="en-NL">
+                <a:sym typeface="Wingdings" pitchFamily="2" charset="2"/>
+              </a:rPr>
+              <a:t>---&gt; </a:t>
+            </a:r>
+            <a:r>
+              <a:rPr lang="en-NL"/>
+              <a:t>px.scatter(df, x, y)</a:t>
+            </a:r>
+          </a:p>
+          <a:p>
+            <a:pPr marL="0" indent="0">
+              <a:buNone/>
+            </a:pPr>
+            <a:r>
+              <a:rPr lang="en-NL">
+                <a:sym typeface="Wingdings" pitchFamily="2" charset="2"/>
+              </a:rPr>
+              <a:t>---&gt; </a:t>
+            </a:r>
+            <a:r>
+              <a:rPr lang="en-US"/>
+              <a:t>sns.scatterplot(data=df, x, y)</a:t>
+            </a:r>
+            <a:endParaRPr lang="en-NL"/>
+          </a:p>
+          <a:p>
+            <a:pPr marL="0" indent="0">
+              <a:buNone/>
+            </a:pPr>
+            <a:endParaRPr lang="en-NL" sz="2400"/>
+          </a:p>
+          <a:p>
+            <a:pPr marL="0" indent="0">
+              <a:buNone/>
+            </a:pPr>
+            <a:endParaRPr lang="en-NL" sz="2500"/>
+          </a:p>
+          <a:p>
+            <a:pPr marL="0" indent="0">
+              <a:buNone/>
+            </a:pPr>
+            <a:endParaRPr lang="en-NL"/>
+          </a:p>
+          <a:p>
+            <a:pPr lvl="1">
+              <a:buFont typeface="Courier New" panose="02070309020205020404" pitchFamily="49" charset="0"/>
+              <a:buChar char="o"/>
+            </a:pPr>
+            <a:endParaRPr lang="en-NL"/>
+          </a:p>
+        </p:txBody>
+      </p:sp>
+    </p:spTree>
+    <p:extLst>
+      <p:ext uri="{BB962C8B-B14F-4D97-AF65-F5344CB8AC3E}">
+        <p14:creationId xmlns:p14="http://schemas.microsoft.com/office/powerpoint/2010/main" val="950888645"/>
+      </p:ext>
+    </p:extLst>
+  </p:cSld>
+  <p:clrMapOvr>
+    <a:masterClrMapping/>
+  </p:clrMapOvr>
+</p:sld>
+</file>
+
+<file path=ppt/slides/slide19.xml><?xml version="1.0" encoding="utf-8"?>
+<p:sld xmlns:a="http://schemas.openxmlformats.org/drawingml/2006/main" xmlns:r="http://schemas.openxmlformats.org/officeDocument/2006/relationships" xmlns:p="http://schemas.openxmlformats.org/presentationml/2006/main">
+  <p:cSld>
+    <p:bg>
+      <p:bgPr>
+        <a:solidFill>
+          <a:schemeClr val="bg2"/>
+        </a:solidFill>
+        <a:effectLst/>
+      </p:bgPr>
+    </p:bg>
+    <p:spTree>
+      <p:nvGrpSpPr>
+        <p:cNvPr id="1" name=""/>
+        <p:cNvGrpSpPr/>
+        <p:nvPr/>
+      </p:nvGrpSpPr>
+      <p:grpSpPr>
+        <a:xfrm>
+          <a:off x="0" y="0"/>
+          <a:ext cx="0" cy="0"/>
+          <a:chOff x="0" y="0"/>
+          <a:chExt cx="0" cy="0"/>
+        </a:xfrm>
+      </p:grpSpPr>
+      <p:sp useBgFill="1">
+        <p:nvSpPr>
+          <p:cNvPr id="10" name="Rectangle 9">
+            <a:extLst>
+              <a:ext uri="{FF2B5EF4-FFF2-40B4-BE49-F238E27FC236}">
+                <a16:creationId xmlns:a16="http://schemas.microsoft.com/office/drawing/2014/main" id="{53F29798-D584-4792-9B62-3F5F5C36D619}"/>
+              </a:ext>
+              <a:ext uri="{C183D7F6-B498-43B3-948B-1728B52AA6E4}">
+                <adec:decorative xmlns:adec="http://schemas.microsoft.com/office/drawing/2017/decorative" val="1"/>
+              </a:ext>
+            </a:extLst>
+          </p:cNvPr>
+          <p:cNvSpPr>
+            <a:spLocks noGrp="1" noRot="1" noChangeAspect="1" noMove="1" noResize="1" noEditPoints="1" noAdjustHandles="1" noChangeArrowheads="1" noChangeShapeType="1" noTextEdit="1"/>
+          </p:cNvSpPr>
+          <p:nvPr>
+            <p:extLst>
+              <p:ext uri="{386F3935-93C4-4BCD-93E2-E3B085C9AB24}">
+                <p16:designElem xmlns:p16="http://schemas.microsoft.com/office/powerpoint/2015/main" val="1"/>
+              </p:ext>
+            </p:extLst>
+          </p:nvPr>
+        </p:nvSpPr>
+        <p:spPr>
+          <a:xfrm>
+            <a:off x="0" y="0"/>
+            <a:ext cx="12188952" cy="6858000"/>
+          </a:xfrm>
+          <a:prstGeom prst="rect">
+            <a:avLst/>
+          </a:prstGeom>
+          <a:ln>
+            <a:noFill/>
+          </a:ln>
+        </p:spPr>
+        <p:style>
+          <a:lnRef idx="2">
+            <a:schemeClr val="accent1">
+              <a:shade val="50000"/>
+            </a:schemeClr>
+          </a:lnRef>
+          <a:fillRef idx="1">
+            <a:schemeClr val="accent1"/>
+          </a:fillRef>
+          <a:effectRef idx="0">
+            <a:schemeClr val="accent1"/>
+          </a:effectRef>
+          <a:fontRef idx="minor">
+            <a:schemeClr val="lt1"/>
+          </a:fontRef>
+        </p:style>
+        <p:txBody>
+          <a:bodyPr rtlCol="0" anchor="ctr"/>
+          <a:lstStyle/>
+          <a:p>
+            <a:pPr algn="ctr"/>
+            <a:endParaRPr lang="en-US"/>
+          </a:p>
+        </p:txBody>
+      </p:sp>
+      <p:sp>
+        <p:nvSpPr>
+          <p:cNvPr id="2" name="Title 1">
+            <a:extLst>
+              <a:ext uri="{FF2B5EF4-FFF2-40B4-BE49-F238E27FC236}">
+                <a16:creationId xmlns:a16="http://schemas.microsoft.com/office/drawing/2014/main" id="{C8163A18-D894-FF42-A3CF-D81F0CB8B8FF}"/>
+              </a:ext>
+            </a:extLst>
+          </p:cNvPr>
+          <p:cNvSpPr>
+            <a:spLocks noGrp="1"/>
+          </p:cNvSpPr>
+          <p:nvPr>
+            <p:ph type="title"/>
+          </p:nvPr>
+        </p:nvSpPr>
+        <p:spPr>
+          <a:xfrm>
+            <a:off x="0" y="1"/>
+            <a:ext cx="12192000" cy="1690688"/>
+          </a:xfrm>
+          <a:solidFill>
+            <a:schemeClr val="bg1"/>
+          </a:solidFill>
+        </p:spPr>
+        <p:txBody>
+          <a:bodyPr vert="horz" lIns="91440" tIns="45720" rIns="91440" bIns="45720" rtlCol="0" anchor="ctr">
+            <a:normAutofit/>
+          </a:bodyPr>
+          <a:lstStyle/>
+          <a:p>
+            <a:pPr algn="ctr"/>
+            <a:r>
+              <a:rPr lang="en-US" sz="5200"/>
+              <a:t>There are too many plotting packages</a:t>
+            </a:r>
+          </a:p>
+        </p:txBody>
+      </p:sp>
+      <p:pic>
+        <p:nvPicPr>
+          <p:cNvPr id="6" name="Picture 5" descr="Diagram&#10;&#10;Description automatically generated">
+            <a:extLst>
+              <a:ext uri="{FF2B5EF4-FFF2-40B4-BE49-F238E27FC236}">
+                <a16:creationId xmlns:a16="http://schemas.microsoft.com/office/drawing/2014/main" id="{CDEA112E-9883-2D4C-A588-CBB48AE23B30}"/>
               </a:ext>
             </a:extLst>
           </p:cNvPr>
@@ -6882,308 +7201,8 @@
         </p:blipFill>
         <p:spPr>
           <a:xfrm>
-            <a:off x="6095999" y="775611"/>
-            <a:ext cx="2859316" cy="1524969"/>
-          </a:xfrm>
-          <a:prstGeom prst="rect">
-            <a:avLst/>
-          </a:prstGeom>
-        </p:spPr>
-      </p:pic>
-      <p:pic>
-        <p:nvPicPr>
-          <p:cNvPr id="17" name="Picture 16" descr="Diagram&#10;&#10;Description automatically generated">
-            <a:extLst>
-              <a:ext uri="{FF2B5EF4-FFF2-40B4-BE49-F238E27FC236}">
-                <a16:creationId xmlns:a16="http://schemas.microsoft.com/office/drawing/2014/main" id="{64B65442-3C39-B94E-B10E-BB788DAB0F9B}"/>
-              </a:ext>
-            </a:extLst>
-          </p:cNvPr>
-          <p:cNvPicPr>
-            <a:picLocks noChangeAspect="1"/>
-          </p:cNvPicPr>
-          <p:nvPr/>
-        </p:nvPicPr>
-        <p:blipFill>
-          <a:blip r:embed="rId3"/>
-          <a:stretch>
-            <a:fillRect/>
-          </a:stretch>
-        </p:blipFill>
-        <p:spPr>
-          <a:xfrm>
-            <a:off x="239485" y="2365559"/>
-            <a:ext cx="11713029" cy="2324375"/>
-          </a:xfrm>
-          <a:prstGeom prst="rect">
-            <a:avLst/>
-          </a:prstGeom>
-        </p:spPr>
-      </p:pic>
-      <p:pic>
-        <p:nvPicPr>
-          <p:cNvPr id="19" name="Picture 18" descr="Table&#10;&#10;Description automatically generated with medium confidence">
-            <a:extLst>
-              <a:ext uri="{FF2B5EF4-FFF2-40B4-BE49-F238E27FC236}">
-                <a16:creationId xmlns:a16="http://schemas.microsoft.com/office/drawing/2014/main" id="{92FDE4AF-DE66-4647-AC97-B831C957AA71}"/>
-              </a:ext>
-            </a:extLst>
-          </p:cNvPr>
-          <p:cNvPicPr>
-            <a:picLocks noChangeAspect="1"/>
-          </p:cNvPicPr>
-          <p:nvPr/>
-        </p:nvPicPr>
-        <p:blipFill>
-          <a:blip r:embed="rId4"/>
-          <a:stretch>
-            <a:fillRect/>
-          </a:stretch>
-        </p:blipFill>
-        <p:spPr>
-          <a:xfrm>
-            <a:off x="3724595" y="1004976"/>
-            <a:ext cx="1718128" cy="1171451"/>
-          </a:xfrm>
-          <a:prstGeom prst="rect">
-            <a:avLst/>
-          </a:prstGeom>
-        </p:spPr>
-      </p:pic>
-      <p:pic>
-        <p:nvPicPr>
-          <p:cNvPr id="21" name="Picture 20" descr="Table&#10;&#10;Description automatically generated">
-            <a:extLst>
-              <a:ext uri="{FF2B5EF4-FFF2-40B4-BE49-F238E27FC236}">
-                <a16:creationId xmlns:a16="http://schemas.microsoft.com/office/drawing/2014/main" id="{B944551A-D74F-284E-83DC-B4913095FB1D}"/>
-              </a:ext>
-            </a:extLst>
-          </p:cNvPr>
-          <p:cNvPicPr>
-            <a:picLocks noChangeAspect="1"/>
-          </p:cNvPicPr>
-          <p:nvPr/>
-        </p:nvPicPr>
-        <p:blipFill>
-          <a:blip r:embed="rId5"/>
-          <a:stretch>
-            <a:fillRect/>
-          </a:stretch>
-        </p:blipFill>
-        <p:spPr>
-          <a:xfrm>
-            <a:off x="6095999" y="4754914"/>
-            <a:ext cx="2631876" cy="1020728"/>
-          </a:xfrm>
-          <a:prstGeom prst="rect">
-            <a:avLst/>
-          </a:prstGeom>
-        </p:spPr>
-      </p:pic>
-      <p:pic>
-        <p:nvPicPr>
-          <p:cNvPr id="30" name="Picture 29" descr="Table&#10;&#10;Description automatically generated">
-            <a:extLst>
-              <a:ext uri="{FF2B5EF4-FFF2-40B4-BE49-F238E27FC236}">
-                <a16:creationId xmlns:a16="http://schemas.microsoft.com/office/drawing/2014/main" id="{86FACDFA-550A-D247-8C22-1BDFCB08D421}"/>
-              </a:ext>
-            </a:extLst>
-          </p:cNvPr>
-          <p:cNvPicPr>
-            <a:picLocks noChangeAspect="1"/>
-          </p:cNvPicPr>
-          <p:nvPr/>
-        </p:nvPicPr>
-        <p:blipFill>
-          <a:blip r:embed="rId6"/>
-          <a:stretch>
-            <a:fillRect/>
-          </a:stretch>
-        </p:blipFill>
-        <p:spPr>
-          <a:xfrm>
-            <a:off x="0" y="4755821"/>
-            <a:ext cx="2360740" cy="1114550"/>
-          </a:xfrm>
-          <a:prstGeom prst="rect">
-            <a:avLst/>
-          </a:prstGeom>
-        </p:spPr>
-      </p:pic>
-      <p:pic>
-        <p:nvPicPr>
-          <p:cNvPr id="32" name="Picture 31" descr="Table&#10;&#10;Description automatically generated">
-            <a:extLst>
-              <a:ext uri="{FF2B5EF4-FFF2-40B4-BE49-F238E27FC236}">
-                <a16:creationId xmlns:a16="http://schemas.microsoft.com/office/drawing/2014/main" id="{89CCCCD2-BEB3-5247-AF84-0F1A03AD5ED2}"/>
-              </a:ext>
-            </a:extLst>
-          </p:cNvPr>
-          <p:cNvPicPr>
-            <a:picLocks noChangeAspect="1"/>
-          </p:cNvPicPr>
-          <p:nvPr/>
-        </p:nvPicPr>
-        <p:blipFill>
-          <a:blip r:embed="rId7"/>
-          <a:stretch>
-            <a:fillRect/>
-          </a:stretch>
-        </p:blipFill>
-        <p:spPr>
-          <a:xfrm>
-            <a:off x="2871360" y="4754914"/>
-            <a:ext cx="2571363" cy="1114550"/>
-          </a:xfrm>
-          <a:prstGeom prst="rect">
-            <a:avLst/>
-          </a:prstGeom>
-        </p:spPr>
-      </p:pic>
-      <p:pic>
-        <p:nvPicPr>
-          <p:cNvPr id="34" name="Picture 33">
-            <a:extLst>
-              <a:ext uri="{FF2B5EF4-FFF2-40B4-BE49-F238E27FC236}">
-                <a16:creationId xmlns:a16="http://schemas.microsoft.com/office/drawing/2014/main" id="{2EF50AA4-FC45-0043-BB69-17FA310964C5}"/>
-              </a:ext>
-            </a:extLst>
-          </p:cNvPr>
-          <p:cNvPicPr>
-            <a:picLocks noChangeAspect="1"/>
-          </p:cNvPicPr>
-          <p:nvPr/>
-        </p:nvPicPr>
-        <p:blipFill>
-          <a:blip r:embed="rId8"/>
-          <a:stretch>
-            <a:fillRect/>
-          </a:stretch>
-        </p:blipFill>
-        <p:spPr>
-          <a:xfrm>
-            <a:off x="9157321" y="4689934"/>
-            <a:ext cx="2795193" cy="1487611"/>
-          </a:xfrm>
-          <a:prstGeom prst="rect">
-            <a:avLst/>
-          </a:prstGeom>
-        </p:spPr>
-      </p:pic>
-      <p:pic>
-        <p:nvPicPr>
-          <p:cNvPr id="38" name="Picture 37">
-            <a:extLst>
-              <a:ext uri="{FF2B5EF4-FFF2-40B4-BE49-F238E27FC236}">
-                <a16:creationId xmlns:a16="http://schemas.microsoft.com/office/drawing/2014/main" id="{EDA5F37D-6241-5140-82DD-CE6DCB978C13}"/>
-              </a:ext>
-            </a:extLst>
-          </p:cNvPr>
-          <p:cNvPicPr>
-            <a:picLocks noChangeAspect="1"/>
-          </p:cNvPicPr>
-          <p:nvPr/>
-        </p:nvPicPr>
-        <p:blipFill>
-          <a:blip r:embed="rId9"/>
-          <a:stretch>
-            <a:fillRect/>
-          </a:stretch>
-        </p:blipFill>
-        <p:spPr>
-          <a:xfrm>
-            <a:off x="9157321" y="6439807"/>
-            <a:ext cx="2897700" cy="113487"/>
-          </a:xfrm>
-          <a:prstGeom prst="rect">
-            <a:avLst/>
-          </a:prstGeom>
-        </p:spPr>
-      </p:pic>
-      <p:pic>
-        <p:nvPicPr>
-          <p:cNvPr id="40" name="Picture 39">
-            <a:extLst>
-              <a:ext uri="{FF2B5EF4-FFF2-40B4-BE49-F238E27FC236}">
-                <a16:creationId xmlns:a16="http://schemas.microsoft.com/office/drawing/2014/main" id="{B45236B5-891A-4441-A5EB-A0A2C42EA80D}"/>
-              </a:ext>
-            </a:extLst>
-          </p:cNvPr>
-          <p:cNvPicPr>
-            <a:picLocks noChangeAspect="1"/>
-          </p:cNvPicPr>
-          <p:nvPr/>
-        </p:nvPicPr>
-        <p:blipFill>
-          <a:blip r:embed="rId10"/>
-          <a:stretch>
-            <a:fillRect/>
-          </a:stretch>
-        </p:blipFill>
-        <p:spPr>
-          <a:xfrm>
-            <a:off x="2871360" y="6452324"/>
-            <a:ext cx="2571363" cy="100970"/>
-          </a:xfrm>
-          <a:prstGeom prst="rect">
-            <a:avLst/>
-          </a:prstGeom>
-        </p:spPr>
-      </p:pic>
-      <p:pic>
-        <p:nvPicPr>
-          <p:cNvPr id="42" name="Picture 41">
-            <a:extLst>
-              <a:ext uri="{FF2B5EF4-FFF2-40B4-BE49-F238E27FC236}">
-                <a16:creationId xmlns:a16="http://schemas.microsoft.com/office/drawing/2014/main" id="{7A2A76C6-5018-FB46-B031-AB9B451E94AF}"/>
-              </a:ext>
-            </a:extLst>
-          </p:cNvPr>
-          <p:cNvPicPr>
-            <a:picLocks noChangeAspect="1"/>
-          </p:cNvPicPr>
-          <p:nvPr/>
-        </p:nvPicPr>
-        <p:blipFill>
-          <a:blip r:embed="rId11"/>
-          <a:stretch>
-            <a:fillRect/>
-          </a:stretch>
-        </p:blipFill>
-        <p:spPr>
-          <a:xfrm>
-            <a:off x="0" y="6452837"/>
-            <a:ext cx="2360740" cy="100457"/>
-          </a:xfrm>
-          <a:prstGeom prst="rect">
-            <a:avLst/>
-          </a:prstGeom>
-        </p:spPr>
-      </p:pic>
-      <p:pic>
-        <p:nvPicPr>
-          <p:cNvPr id="44" name="Picture 43">
-            <a:extLst>
-              <a:ext uri="{FF2B5EF4-FFF2-40B4-BE49-F238E27FC236}">
-                <a16:creationId xmlns:a16="http://schemas.microsoft.com/office/drawing/2014/main" id="{C000BAA9-1193-454D-A8DB-33E79C8D8F0D}"/>
-              </a:ext>
-            </a:extLst>
-          </p:cNvPr>
-          <p:cNvPicPr>
-            <a:picLocks noChangeAspect="1"/>
-          </p:cNvPicPr>
-          <p:nvPr/>
-        </p:nvPicPr>
-        <p:blipFill>
-          <a:blip r:embed="rId12"/>
-          <a:stretch>
-            <a:fillRect/>
-          </a:stretch>
-        </p:blipFill>
-        <p:spPr>
-          <a:xfrm>
-            <a:off x="6095999" y="6439807"/>
-            <a:ext cx="2631876" cy="115912"/>
+            <a:off x="1443555" y="1945715"/>
+            <a:ext cx="8977703" cy="4564736"/>
           </a:xfrm>
           <a:prstGeom prst="rect">
             <a:avLst/>
@@ -7193,7 +7212,7 @@
     </p:spTree>
     <p:extLst>
       <p:ext uri="{BB962C8B-B14F-4D97-AF65-F5344CB8AC3E}">
-        <p14:creationId xmlns:p14="http://schemas.microsoft.com/office/powerpoint/2010/main" val="3166028957"/>
+        <p14:creationId xmlns:p14="http://schemas.microsoft.com/office/powerpoint/2010/main" val="3851740515"/>
       </p:ext>
     </p:extLst>
   </p:cSld>
@@ -7307,7 +7326,7 @@
               <a:buChar char="o"/>
             </a:pPr>
             <a:r>
-              <a:rPr lang="en-NL" sz="2100"/>
+              <a:rPr lang="en-NL" sz="2300"/>
               <a:t>waar werk je nu, </a:t>
             </a:r>
           </a:p>
@@ -7317,7 +7336,7 @@
               <a:buChar char="o"/>
             </a:pPr>
             <a:r>
-              <a:rPr lang="en-NL" sz="2100"/>
+              <a:rPr lang="en-NL" sz="2300"/>
               <a:t>met welke software, </a:t>
             </a:r>
           </a:p>
@@ -7327,7 +7346,7 @@
               <a:buChar char="o"/>
             </a:pPr>
             <a:r>
-              <a:rPr lang="en-NL" sz="2100"/>
+              <a:rPr lang="en-NL" sz="2300"/>
               <a:t>gebruik je nu Python, </a:t>
             </a:r>
           </a:p>
@@ -7337,7 +7356,7 @@
               <a:buChar char="o"/>
             </a:pPr>
             <a:r>
-              <a:rPr lang="en-NL" sz="2100"/>
+              <a:rPr lang="en-NL" sz="2300"/>
               <a:t>en: wat wil je vandaag leren</a:t>
             </a:r>
           </a:p>
@@ -7402,7 +7421,7 @@
             </a:r>
             <a:r>
               <a:rPr lang="en-NL" sz="2600"/>
-              <a:t>df.plot()</a:t>
+              <a:t>px.scatter(df, x, y)</a:t>
             </a:r>
           </a:p>
           <a:p>
@@ -7471,6 +7490,2099 @@
     <p:extLst>
       <p:ext uri="{BB962C8B-B14F-4D97-AF65-F5344CB8AC3E}">
         <p14:creationId xmlns:p14="http://schemas.microsoft.com/office/powerpoint/2010/main" val="1512373698"/>
+      </p:ext>
+    </p:extLst>
+  </p:cSld>
+  <p:clrMapOvr>
+    <a:masterClrMapping/>
+  </p:clrMapOvr>
+</p:sld>
+</file>
+
+<file path=ppt/slides/slide20.xml><?xml version="1.0" encoding="utf-8"?>
+<p:sld xmlns:a="http://schemas.openxmlformats.org/drawingml/2006/main" xmlns:r="http://schemas.openxmlformats.org/officeDocument/2006/relationships" xmlns:p="http://schemas.openxmlformats.org/presentationml/2006/main">
+  <p:cSld>
+    <p:bg>
+      <p:bgPr>
+        <a:solidFill>
+          <a:schemeClr val="bg2"/>
+        </a:solidFill>
+        <a:effectLst/>
+      </p:bgPr>
+    </p:bg>
+    <p:spTree>
+      <p:nvGrpSpPr>
+        <p:cNvPr id="1" name=""/>
+        <p:cNvGrpSpPr/>
+        <p:nvPr/>
+      </p:nvGrpSpPr>
+      <p:grpSpPr>
+        <a:xfrm>
+          <a:off x="0" y="0"/>
+          <a:ext cx="0" cy="0"/>
+          <a:chOff x="0" y="0"/>
+          <a:chExt cx="0" cy="0"/>
+        </a:xfrm>
+      </p:grpSpPr>
+      <p:sp useBgFill="1">
+        <p:nvSpPr>
+          <p:cNvPr id="10" name="Rectangle 9">
+            <a:extLst>
+              <a:ext uri="{FF2B5EF4-FFF2-40B4-BE49-F238E27FC236}">
+                <a16:creationId xmlns:a16="http://schemas.microsoft.com/office/drawing/2014/main" id="{53F29798-D584-4792-9B62-3F5F5C36D619}"/>
+              </a:ext>
+              <a:ext uri="{C183D7F6-B498-43B3-948B-1728B52AA6E4}">
+                <adec:decorative xmlns:adec="http://schemas.microsoft.com/office/drawing/2017/decorative" val="1"/>
+              </a:ext>
+            </a:extLst>
+          </p:cNvPr>
+          <p:cNvSpPr>
+            <a:spLocks noGrp="1" noRot="1" noChangeAspect="1" noMove="1" noResize="1" noEditPoints="1" noAdjustHandles="1" noChangeArrowheads="1" noChangeShapeType="1" noTextEdit="1"/>
+          </p:cNvSpPr>
+          <p:nvPr>
+            <p:extLst>
+              <p:ext uri="{386F3935-93C4-4BCD-93E2-E3B085C9AB24}">
+                <p16:designElem xmlns:p16="http://schemas.microsoft.com/office/powerpoint/2015/main" val="1"/>
+              </p:ext>
+            </p:extLst>
+          </p:nvPr>
+        </p:nvSpPr>
+        <p:spPr>
+          <a:xfrm>
+            <a:off x="0" y="0"/>
+            <a:ext cx="12188952" cy="6858000"/>
+          </a:xfrm>
+          <a:prstGeom prst="rect">
+            <a:avLst/>
+          </a:prstGeom>
+          <a:ln>
+            <a:noFill/>
+          </a:ln>
+        </p:spPr>
+        <p:style>
+          <a:lnRef idx="2">
+            <a:schemeClr val="accent1">
+              <a:shade val="50000"/>
+            </a:schemeClr>
+          </a:lnRef>
+          <a:fillRef idx="1">
+            <a:schemeClr val="accent1"/>
+          </a:fillRef>
+          <a:effectRef idx="0">
+            <a:schemeClr val="accent1"/>
+          </a:effectRef>
+          <a:fontRef idx="minor">
+            <a:schemeClr val="lt1"/>
+          </a:fontRef>
+        </p:style>
+        <p:txBody>
+          <a:bodyPr rtlCol="0" anchor="ctr"/>
+          <a:lstStyle/>
+          <a:p>
+            <a:pPr algn="ctr"/>
+            <a:endParaRPr lang="en-US"/>
+          </a:p>
+        </p:txBody>
+      </p:sp>
+      <p:sp>
+        <p:nvSpPr>
+          <p:cNvPr id="47" name="Rectangle 46">
+            <a:extLst>
+              <a:ext uri="{FF2B5EF4-FFF2-40B4-BE49-F238E27FC236}">
+                <a16:creationId xmlns:a16="http://schemas.microsoft.com/office/drawing/2014/main" id="{E689BA12-C726-A842-A5F4-20EBD6F99509}"/>
+              </a:ext>
+            </a:extLst>
+          </p:cNvPr>
+          <p:cNvSpPr/>
+          <p:nvPr/>
+        </p:nvSpPr>
+        <p:spPr>
+          <a:xfrm>
+            <a:off x="6897919" y="1901369"/>
+            <a:ext cx="4840504" cy="4838649"/>
+          </a:xfrm>
+          <a:prstGeom prst="rect">
+            <a:avLst/>
+          </a:prstGeom>
+          <a:solidFill>
+            <a:schemeClr val="bg1"/>
+          </a:solidFill>
+        </p:spPr>
+        <p:style>
+          <a:lnRef idx="2">
+            <a:schemeClr val="accent1">
+              <a:shade val="50000"/>
+            </a:schemeClr>
+          </a:lnRef>
+          <a:fillRef idx="1">
+            <a:schemeClr val="accent1"/>
+          </a:fillRef>
+          <a:effectRef idx="0">
+            <a:schemeClr val="accent1"/>
+          </a:effectRef>
+          <a:fontRef idx="minor">
+            <a:schemeClr val="lt1"/>
+          </a:fontRef>
+        </p:style>
+        <p:txBody>
+          <a:bodyPr rtlCol="0" anchor="ctr"/>
+          <a:lstStyle/>
+          <a:p>
+            <a:pPr algn="ctr"/>
+            <a:endParaRPr lang="en-NL"/>
+          </a:p>
+        </p:txBody>
+      </p:sp>
+      <p:sp>
+        <p:nvSpPr>
+          <p:cNvPr id="41" name="Rectangle 40">
+            <a:extLst>
+              <a:ext uri="{FF2B5EF4-FFF2-40B4-BE49-F238E27FC236}">
+                <a16:creationId xmlns:a16="http://schemas.microsoft.com/office/drawing/2014/main" id="{B61828AE-5574-C14E-9CC2-15205B96045C}"/>
+              </a:ext>
+            </a:extLst>
+          </p:cNvPr>
+          <p:cNvSpPr/>
+          <p:nvPr/>
+        </p:nvSpPr>
+        <p:spPr>
+          <a:xfrm>
+            <a:off x="435427" y="1901370"/>
+            <a:ext cx="4840504" cy="4838649"/>
+          </a:xfrm>
+          <a:prstGeom prst="rect">
+            <a:avLst/>
+          </a:prstGeom>
+          <a:solidFill>
+            <a:schemeClr val="bg1"/>
+          </a:solidFill>
+        </p:spPr>
+        <p:style>
+          <a:lnRef idx="2">
+            <a:schemeClr val="accent1">
+              <a:shade val="50000"/>
+            </a:schemeClr>
+          </a:lnRef>
+          <a:fillRef idx="1">
+            <a:schemeClr val="accent1"/>
+          </a:fillRef>
+          <a:effectRef idx="0">
+            <a:schemeClr val="accent1"/>
+          </a:effectRef>
+          <a:fontRef idx="minor">
+            <a:schemeClr val="lt1"/>
+          </a:fontRef>
+        </p:style>
+        <p:txBody>
+          <a:bodyPr rtlCol="0" anchor="ctr"/>
+          <a:lstStyle/>
+          <a:p>
+            <a:pPr algn="ctr"/>
+            <a:endParaRPr lang="en-NL"/>
+          </a:p>
+        </p:txBody>
+      </p:sp>
+      <p:sp>
+        <p:nvSpPr>
+          <p:cNvPr id="2" name="Title 1">
+            <a:extLst>
+              <a:ext uri="{FF2B5EF4-FFF2-40B4-BE49-F238E27FC236}">
+                <a16:creationId xmlns:a16="http://schemas.microsoft.com/office/drawing/2014/main" id="{C8163A18-D894-FF42-A3CF-D81F0CB8B8FF}"/>
+              </a:ext>
+            </a:extLst>
+          </p:cNvPr>
+          <p:cNvSpPr>
+            <a:spLocks noGrp="1"/>
+          </p:cNvSpPr>
+          <p:nvPr>
+            <p:ph type="title"/>
+          </p:nvPr>
+        </p:nvSpPr>
+        <p:spPr>
+          <a:xfrm>
+            <a:off x="0" y="1"/>
+            <a:ext cx="12192000" cy="1690688"/>
+          </a:xfrm>
+          <a:solidFill>
+            <a:schemeClr val="bg1"/>
+          </a:solidFill>
+        </p:spPr>
+        <p:txBody>
+          <a:bodyPr vert="horz" lIns="91440" tIns="45720" rIns="91440" bIns="45720" rtlCol="0" anchor="ctr">
+            <a:normAutofit/>
+          </a:bodyPr>
+          <a:lstStyle/>
+          <a:p>
+            <a:pPr algn="ctr"/>
+            <a:r>
+              <a:rPr lang="en-US" sz="5200"/>
+              <a:t>So my advice is: only focus on these</a:t>
+            </a:r>
+          </a:p>
+        </p:txBody>
+      </p:sp>
+      <p:sp>
+        <p:nvSpPr>
+          <p:cNvPr id="4" name="Rounded Rectangle 3">
+            <a:extLst>
+              <a:ext uri="{FF2B5EF4-FFF2-40B4-BE49-F238E27FC236}">
+                <a16:creationId xmlns:a16="http://schemas.microsoft.com/office/drawing/2014/main" id="{5BE37FEB-4068-7849-B48A-BFC661116E64}"/>
+              </a:ext>
+            </a:extLst>
+          </p:cNvPr>
+          <p:cNvSpPr/>
+          <p:nvPr/>
+        </p:nvSpPr>
+        <p:spPr>
+          <a:xfrm>
+            <a:off x="769257" y="2119085"/>
+            <a:ext cx="4209143" cy="740229"/>
+          </a:xfrm>
+          <a:prstGeom prst="roundRect">
+            <a:avLst/>
+          </a:prstGeom>
+          <a:solidFill>
+            <a:schemeClr val="bg1"/>
+          </a:solidFill>
+        </p:spPr>
+        <p:style>
+          <a:lnRef idx="2">
+            <a:schemeClr val="accent1">
+              <a:shade val="50000"/>
+            </a:schemeClr>
+          </a:lnRef>
+          <a:fillRef idx="1">
+            <a:schemeClr val="accent1"/>
+          </a:fillRef>
+          <a:effectRef idx="0">
+            <a:schemeClr val="accent1"/>
+          </a:effectRef>
+          <a:fontRef idx="minor">
+            <a:schemeClr val="lt1"/>
+          </a:fontRef>
+        </p:style>
+        <p:txBody>
+          <a:bodyPr rtlCol="0" anchor="ctr"/>
+          <a:lstStyle/>
+          <a:p>
+            <a:pPr algn="ctr"/>
+            <a:r>
+              <a:rPr lang="en-NL">
+                <a:solidFill>
+                  <a:schemeClr val="tx1"/>
+                </a:solidFill>
+              </a:rPr>
+              <a:t>STATIC PLOTTING</a:t>
+            </a:r>
+          </a:p>
+        </p:txBody>
+      </p:sp>
+      <p:sp>
+        <p:nvSpPr>
+          <p:cNvPr id="7" name="Rounded Rectangle 6">
+            <a:extLst>
+              <a:ext uri="{FF2B5EF4-FFF2-40B4-BE49-F238E27FC236}">
+                <a16:creationId xmlns:a16="http://schemas.microsoft.com/office/drawing/2014/main" id="{917E8403-B738-424E-B6D5-752827693347}"/>
+              </a:ext>
+            </a:extLst>
+          </p:cNvPr>
+          <p:cNvSpPr/>
+          <p:nvPr/>
+        </p:nvSpPr>
+        <p:spPr>
+          <a:xfrm>
+            <a:off x="7213600" y="2119084"/>
+            <a:ext cx="4209143" cy="740229"/>
+          </a:xfrm>
+          <a:prstGeom prst="roundRect">
+            <a:avLst/>
+          </a:prstGeom>
+          <a:solidFill>
+            <a:schemeClr val="bg1"/>
+          </a:solidFill>
+        </p:spPr>
+        <p:style>
+          <a:lnRef idx="2">
+            <a:schemeClr val="accent1">
+              <a:shade val="50000"/>
+            </a:schemeClr>
+          </a:lnRef>
+          <a:fillRef idx="1">
+            <a:schemeClr val="accent1"/>
+          </a:fillRef>
+          <a:effectRef idx="0">
+            <a:schemeClr val="accent1"/>
+          </a:effectRef>
+          <a:fontRef idx="minor">
+            <a:schemeClr val="lt1"/>
+          </a:fontRef>
+        </p:style>
+        <p:txBody>
+          <a:bodyPr rtlCol="0" anchor="ctr"/>
+          <a:lstStyle/>
+          <a:p>
+            <a:pPr algn="ctr"/>
+            <a:r>
+              <a:rPr lang="en-NL">
+                <a:solidFill>
+                  <a:schemeClr val="tx1"/>
+                </a:solidFill>
+              </a:rPr>
+              <a:t>INTERACTIVE PLOTTING</a:t>
+            </a:r>
+          </a:p>
+        </p:txBody>
+      </p:sp>
+      <p:sp>
+        <p:nvSpPr>
+          <p:cNvPr id="8" name="Rounded Rectangle 7">
+            <a:extLst>
+              <a:ext uri="{FF2B5EF4-FFF2-40B4-BE49-F238E27FC236}">
+                <a16:creationId xmlns:a16="http://schemas.microsoft.com/office/drawing/2014/main" id="{606054F4-B789-3E47-9289-3EF05404C167}"/>
+              </a:ext>
+            </a:extLst>
+          </p:cNvPr>
+          <p:cNvSpPr/>
+          <p:nvPr/>
+        </p:nvSpPr>
+        <p:spPr>
+          <a:xfrm>
+            <a:off x="1988456" y="3812949"/>
+            <a:ext cx="1770743" cy="740229"/>
+          </a:xfrm>
+          <a:prstGeom prst="roundRect">
+            <a:avLst/>
+          </a:prstGeom>
+          <a:solidFill>
+            <a:schemeClr val="bg1"/>
+          </a:solidFill>
+        </p:spPr>
+        <p:style>
+          <a:lnRef idx="2">
+            <a:schemeClr val="accent1">
+              <a:shade val="50000"/>
+            </a:schemeClr>
+          </a:lnRef>
+          <a:fillRef idx="1">
+            <a:schemeClr val="accent1"/>
+          </a:fillRef>
+          <a:effectRef idx="0">
+            <a:schemeClr val="accent1"/>
+          </a:effectRef>
+          <a:fontRef idx="minor">
+            <a:schemeClr val="lt1"/>
+          </a:fontRef>
+        </p:style>
+        <p:txBody>
+          <a:bodyPr rtlCol="0" anchor="ctr"/>
+          <a:lstStyle/>
+          <a:p>
+            <a:pPr algn="ctr"/>
+            <a:r>
+              <a:rPr lang="en-NL">
+                <a:solidFill>
+                  <a:schemeClr val="tx1"/>
+                </a:solidFill>
+              </a:rPr>
+              <a:t>Matplotlib</a:t>
+            </a:r>
+          </a:p>
+        </p:txBody>
+      </p:sp>
+      <p:sp>
+        <p:nvSpPr>
+          <p:cNvPr id="11" name="Rounded Rectangle 10">
+            <a:extLst>
+              <a:ext uri="{FF2B5EF4-FFF2-40B4-BE49-F238E27FC236}">
+                <a16:creationId xmlns:a16="http://schemas.microsoft.com/office/drawing/2014/main" id="{B9F9B856-E690-DC47-8B21-875974C2DA33}"/>
+              </a:ext>
+            </a:extLst>
+          </p:cNvPr>
+          <p:cNvSpPr/>
+          <p:nvPr/>
+        </p:nvSpPr>
+        <p:spPr>
+          <a:xfrm>
+            <a:off x="769257" y="5168787"/>
+            <a:ext cx="1770743" cy="740229"/>
+          </a:xfrm>
+          <a:prstGeom prst="roundRect">
+            <a:avLst/>
+          </a:prstGeom>
+          <a:solidFill>
+            <a:schemeClr val="bg1"/>
+          </a:solidFill>
+        </p:spPr>
+        <p:style>
+          <a:lnRef idx="2">
+            <a:schemeClr val="accent1">
+              <a:shade val="50000"/>
+            </a:schemeClr>
+          </a:lnRef>
+          <a:fillRef idx="1">
+            <a:schemeClr val="accent1"/>
+          </a:fillRef>
+          <a:effectRef idx="0">
+            <a:schemeClr val="accent1"/>
+          </a:effectRef>
+          <a:fontRef idx="minor">
+            <a:schemeClr val="lt1"/>
+          </a:fontRef>
+        </p:style>
+        <p:txBody>
+          <a:bodyPr rtlCol="0" anchor="ctr"/>
+          <a:lstStyle/>
+          <a:p>
+            <a:pPr algn="ctr"/>
+            <a:r>
+              <a:rPr lang="en-NL">
+                <a:solidFill>
+                  <a:schemeClr val="tx1"/>
+                </a:solidFill>
+              </a:rPr>
+              <a:t>Seaborn</a:t>
+            </a:r>
+          </a:p>
+        </p:txBody>
+      </p:sp>
+      <p:sp>
+        <p:nvSpPr>
+          <p:cNvPr id="12" name="Rounded Rectangle 11">
+            <a:extLst>
+              <a:ext uri="{FF2B5EF4-FFF2-40B4-BE49-F238E27FC236}">
+                <a16:creationId xmlns:a16="http://schemas.microsoft.com/office/drawing/2014/main" id="{71BF929F-F7E7-7B46-A249-20543D5CE3C7}"/>
+              </a:ext>
+            </a:extLst>
+          </p:cNvPr>
+          <p:cNvSpPr/>
+          <p:nvPr/>
+        </p:nvSpPr>
+        <p:spPr>
+          <a:xfrm>
+            <a:off x="3207657" y="5168786"/>
+            <a:ext cx="1770743" cy="740229"/>
+          </a:xfrm>
+          <a:prstGeom prst="roundRect">
+            <a:avLst/>
+          </a:prstGeom>
+          <a:solidFill>
+            <a:schemeClr val="bg1"/>
+          </a:solidFill>
+        </p:spPr>
+        <p:style>
+          <a:lnRef idx="2">
+            <a:schemeClr val="accent1">
+              <a:shade val="50000"/>
+            </a:schemeClr>
+          </a:lnRef>
+          <a:fillRef idx="1">
+            <a:schemeClr val="accent1"/>
+          </a:fillRef>
+          <a:effectRef idx="0">
+            <a:schemeClr val="accent1"/>
+          </a:effectRef>
+          <a:fontRef idx="minor">
+            <a:schemeClr val="lt1"/>
+          </a:fontRef>
+        </p:style>
+        <p:txBody>
+          <a:bodyPr rtlCol="0" anchor="ctr"/>
+          <a:lstStyle/>
+          <a:p>
+            <a:pPr algn="ctr"/>
+            <a:r>
+              <a:rPr lang="en-NL">
+                <a:solidFill>
+                  <a:schemeClr val="tx1"/>
+                </a:solidFill>
+              </a:rPr>
+              <a:t>Pandas plotting</a:t>
+            </a:r>
+          </a:p>
+          <a:p>
+            <a:pPr algn="ctr"/>
+            <a:r>
+              <a:rPr lang="en-NL">
+                <a:solidFill>
+                  <a:schemeClr val="tx1"/>
+                </a:solidFill>
+              </a:rPr>
+              <a:t>df.plot()</a:t>
+            </a:r>
+          </a:p>
+        </p:txBody>
+      </p:sp>
+      <p:sp>
+        <p:nvSpPr>
+          <p:cNvPr id="13" name="Rounded Rectangle 12">
+            <a:extLst>
+              <a:ext uri="{FF2B5EF4-FFF2-40B4-BE49-F238E27FC236}">
+                <a16:creationId xmlns:a16="http://schemas.microsoft.com/office/drawing/2014/main" id="{18D8AA26-A088-FA4A-BFD8-69B20285BE7D}"/>
+              </a:ext>
+            </a:extLst>
+          </p:cNvPr>
+          <p:cNvSpPr/>
+          <p:nvPr/>
+        </p:nvSpPr>
+        <p:spPr>
+          <a:xfrm>
+            <a:off x="7213599" y="3816804"/>
+            <a:ext cx="1770743" cy="740229"/>
+          </a:xfrm>
+          <a:prstGeom prst="roundRect">
+            <a:avLst/>
+          </a:prstGeom>
+          <a:solidFill>
+            <a:schemeClr val="bg1"/>
+          </a:solidFill>
+        </p:spPr>
+        <p:style>
+          <a:lnRef idx="2">
+            <a:schemeClr val="accent1">
+              <a:shade val="50000"/>
+            </a:schemeClr>
+          </a:lnRef>
+          <a:fillRef idx="1">
+            <a:schemeClr val="accent1"/>
+          </a:fillRef>
+          <a:effectRef idx="0">
+            <a:schemeClr val="accent1"/>
+          </a:effectRef>
+          <a:fontRef idx="minor">
+            <a:schemeClr val="lt1"/>
+          </a:fontRef>
+        </p:style>
+        <p:txBody>
+          <a:bodyPr rtlCol="0" anchor="ctr"/>
+          <a:lstStyle/>
+          <a:p>
+            <a:pPr algn="ctr"/>
+            <a:r>
+              <a:rPr lang="en-NL">
+                <a:solidFill>
+                  <a:schemeClr val="tx1"/>
+                </a:solidFill>
+              </a:rPr>
+              <a:t>Plotly</a:t>
+            </a:r>
+          </a:p>
+        </p:txBody>
+      </p:sp>
+      <p:sp>
+        <p:nvSpPr>
+          <p:cNvPr id="14" name="Rounded Rectangle 13">
+            <a:extLst>
+              <a:ext uri="{FF2B5EF4-FFF2-40B4-BE49-F238E27FC236}">
+                <a16:creationId xmlns:a16="http://schemas.microsoft.com/office/drawing/2014/main" id="{B9F361CF-44BE-D247-A0CA-45DFA7FC17B1}"/>
+              </a:ext>
+            </a:extLst>
+          </p:cNvPr>
+          <p:cNvSpPr/>
+          <p:nvPr/>
+        </p:nvSpPr>
+        <p:spPr>
+          <a:xfrm>
+            <a:off x="9651998" y="3812949"/>
+            <a:ext cx="1770743" cy="740229"/>
+          </a:xfrm>
+          <a:prstGeom prst="roundRect">
+            <a:avLst/>
+          </a:prstGeom>
+          <a:solidFill>
+            <a:schemeClr val="bg1"/>
+          </a:solidFill>
+        </p:spPr>
+        <p:style>
+          <a:lnRef idx="2">
+            <a:schemeClr val="accent1">
+              <a:shade val="50000"/>
+            </a:schemeClr>
+          </a:lnRef>
+          <a:fillRef idx="1">
+            <a:schemeClr val="accent1"/>
+          </a:fillRef>
+          <a:effectRef idx="0">
+            <a:schemeClr val="accent1"/>
+          </a:effectRef>
+          <a:fontRef idx="minor">
+            <a:schemeClr val="lt1"/>
+          </a:fontRef>
+        </p:style>
+        <p:txBody>
+          <a:bodyPr rtlCol="0" anchor="ctr"/>
+          <a:lstStyle/>
+          <a:p>
+            <a:pPr algn="ctr"/>
+            <a:r>
+              <a:rPr lang="en-NL">
+                <a:solidFill>
+                  <a:schemeClr val="tx1"/>
+                </a:solidFill>
+              </a:rPr>
+              <a:t>Bokeh</a:t>
+            </a:r>
+          </a:p>
+        </p:txBody>
+      </p:sp>
+      <p:sp>
+        <p:nvSpPr>
+          <p:cNvPr id="15" name="Rounded Rectangle 14">
+            <a:extLst>
+              <a:ext uri="{FF2B5EF4-FFF2-40B4-BE49-F238E27FC236}">
+                <a16:creationId xmlns:a16="http://schemas.microsoft.com/office/drawing/2014/main" id="{C4B8F932-65C0-364C-A1F8-065FC81624F1}"/>
+              </a:ext>
+            </a:extLst>
+          </p:cNvPr>
+          <p:cNvSpPr/>
+          <p:nvPr/>
+        </p:nvSpPr>
+        <p:spPr>
+          <a:xfrm>
+            <a:off x="7213599" y="5168785"/>
+            <a:ext cx="1770743" cy="740229"/>
+          </a:xfrm>
+          <a:prstGeom prst="roundRect">
+            <a:avLst/>
+          </a:prstGeom>
+          <a:solidFill>
+            <a:schemeClr val="bg1"/>
+          </a:solidFill>
+        </p:spPr>
+        <p:style>
+          <a:lnRef idx="2">
+            <a:schemeClr val="accent1">
+              <a:shade val="50000"/>
+            </a:schemeClr>
+          </a:lnRef>
+          <a:fillRef idx="1">
+            <a:schemeClr val="accent1"/>
+          </a:fillRef>
+          <a:effectRef idx="0">
+            <a:schemeClr val="accent1"/>
+          </a:effectRef>
+          <a:fontRef idx="minor">
+            <a:schemeClr val="lt1"/>
+          </a:fontRef>
+        </p:style>
+        <p:txBody>
+          <a:bodyPr rtlCol="0" anchor="ctr"/>
+          <a:lstStyle/>
+          <a:p>
+            <a:pPr algn="ctr"/>
+            <a:r>
+              <a:rPr lang="en-NL">
+                <a:solidFill>
+                  <a:schemeClr val="tx1"/>
+                </a:solidFill>
+              </a:rPr>
+              <a:t>Plotly Express</a:t>
+            </a:r>
+          </a:p>
+        </p:txBody>
+      </p:sp>
+      <p:sp>
+        <p:nvSpPr>
+          <p:cNvPr id="16" name="Rounded Rectangle 15">
+            <a:extLst>
+              <a:ext uri="{FF2B5EF4-FFF2-40B4-BE49-F238E27FC236}">
+                <a16:creationId xmlns:a16="http://schemas.microsoft.com/office/drawing/2014/main" id="{115A7820-65D8-A14E-8E3F-BA4ABE5F3D4A}"/>
+              </a:ext>
+            </a:extLst>
+          </p:cNvPr>
+          <p:cNvSpPr/>
+          <p:nvPr/>
+        </p:nvSpPr>
+        <p:spPr>
+          <a:xfrm>
+            <a:off x="9651999" y="5168785"/>
+            <a:ext cx="1770743" cy="740229"/>
+          </a:xfrm>
+          <a:prstGeom prst="roundRect">
+            <a:avLst/>
+          </a:prstGeom>
+          <a:solidFill>
+            <a:schemeClr val="bg1"/>
+          </a:solidFill>
+        </p:spPr>
+        <p:style>
+          <a:lnRef idx="2">
+            <a:schemeClr val="accent1">
+              <a:shade val="50000"/>
+            </a:schemeClr>
+          </a:lnRef>
+          <a:fillRef idx="1">
+            <a:schemeClr val="accent1"/>
+          </a:fillRef>
+          <a:effectRef idx="0">
+            <a:schemeClr val="accent1"/>
+          </a:effectRef>
+          <a:fontRef idx="minor">
+            <a:schemeClr val="lt1"/>
+          </a:fontRef>
+        </p:style>
+        <p:txBody>
+          <a:bodyPr rtlCol="0" anchor="ctr"/>
+          <a:lstStyle/>
+          <a:p>
+            <a:pPr algn="ctr"/>
+            <a:r>
+              <a:rPr lang="en-NL">
+                <a:solidFill>
+                  <a:schemeClr val="tx1"/>
+                </a:solidFill>
+              </a:rPr>
+              <a:t>hvPlot</a:t>
+            </a:r>
+          </a:p>
+        </p:txBody>
+      </p:sp>
+      <p:cxnSp>
+        <p:nvCxnSpPr>
+          <p:cNvPr id="17" name="Straight Arrow Connector 16">
+            <a:extLst>
+              <a:ext uri="{FF2B5EF4-FFF2-40B4-BE49-F238E27FC236}">
+                <a16:creationId xmlns:a16="http://schemas.microsoft.com/office/drawing/2014/main" id="{A95021F4-308D-674F-A809-986678EEC2FA}"/>
+              </a:ext>
+            </a:extLst>
+          </p:cNvPr>
+          <p:cNvCxnSpPr>
+            <a:stCxn id="8" idx="2"/>
+            <a:endCxn id="11" idx="0"/>
+          </p:cNvCxnSpPr>
+          <p:nvPr/>
+        </p:nvCxnSpPr>
+        <p:spPr>
+          <a:xfrm flipH="1">
+            <a:off x="1654629" y="4553178"/>
+            <a:ext cx="1219199" cy="615609"/>
+          </a:xfrm>
+          <a:prstGeom prst="straightConnector1">
+            <a:avLst/>
+          </a:prstGeom>
+          <a:ln w="25400">
+            <a:tailEnd type="triangle"/>
+          </a:ln>
+        </p:spPr>
+        <p:style>
+          <a:lnRef idx="1">
+            <a:schemeClr val="accent1"/>
+          </a:lnRef>
+          <a:fillRef idx="0">
+            <a:schemeClr val="accent1"/>
+          </a:fillRef>
+          <a:effectRef idx="0">
+            <a:schemeClr val="accent1"/>
+          </a:effectRef>
+          <a:fontRef idx="minor">
+            <a:schemeClr val="tx1"/>
+          </a:fontRef>
+        </p:style>
+      </p:cxnSp>
+      <p:cxnSp>
+        <p:nvCxnSpPr>
+          <p:cNvPr id="20" name="Straight Arrow Connector 19">
+            <a:extLst>
+              <a:ext uri="{FF2B5EF4-FFF2-40B4-BE49-F238E27FC236}">
+                <a16:creationId xmlns:a16="http://schemas.microsoft.com/office/drawing/2014/main" id="{B2B3B61C-5960-2C43-AA68-365281AC531C}"/>
+              </a:ext>
+            </a:extLst>
+          </p:cNvPr>
+          <p:cNvCxnSpPr>
+            <a:cxnSpLocks/>
+            <a:stCxn id="8" idx="2"/>
+            <a:endCxn id="12" idx="0"/>
+          </p:cNvCxnSpPr>
+          <p:nvPr/>
+        </p:nvCxnSpPr>
+        <p:spPr>
+          <a:xfrm>
+            <a:off x="2873828" y="4553178"/>
+            <a:ext cx="1219201" cy="615608"/>
+          </a:xfrm>
+          <a:prstGeom prst="straightConnector1">
+            <a:avLst/>
+          </a:prstGeom>
+          <a:ln w="25400">
+            <a:tailEnd type="triangle"/>
+          </a:ln>
+        </p:spPr>
+        <p:style>
+          <a:lnRef idx="1">
+            <a:schemeClr val="accent1"/>
+          </a:lnRef>
+          <a:fillRef idx="0">
+            <a:schemeClr val="accent1"/>
+          </a:fillRef>
+          <a:effectRef idx="0">
+            <a:schemeClr val="accent1"/>
+          </a:effectRef>
+          <a:fontRef idx="minor">
+            <a:schemeClr val="tx1"/>
+          </a:fontRef>
+        </p:style>
+      </p:cxnSp>
+      <p:cxnSp>
+        <p:nvCxnSpPr>
+          <p:cNvPr id="23" name="Straight Arrow Connector 22">
+            <a:extLst>
+              <a:ext uri="{FF2B5EF4-FFF2-40B4-BE49-F238E27FC236}">
+                <a16:creationId xmlns:a16="http://schemas.microsoft.com/office/drawing/2014/main" id="{2E9CC23E-C945-7141-9F86-4E3951FD2235}"/>
+              </a:ext>
+            </a:extLst>
+          </p:cNvPr>
+          <p:cNvCxnSpPr>
+            <a:cxnSpLocks/>
+            <a:stCxn id="4" idx="2"/>
+            <a:endCxn id="8" idx="0"/>
+          </p:cNvCxnSpPr>
+          <p:nvPr/>
+        </p:nvCxnSpPr>
+        <p:spPr>
+          <a:xfrm flipH="1">
+            <a:off x="2873828" y="2859314"/>
+            <a:ext cx="1" cy="953635"/>
+          </a:xfrm>
+          <a:prstGeom prst="straightConnector1">
+            <a:avLst/>
+          </a:prstGeom>
+          <a:ln w="25400">
+            <a:tailEnd type="triangle"/>
+          </a:ln>
+        </p:spPr>
+        <p:style>
+          <a:lnRef idx="1">
+            <a:schemeClr val="accent1"/>
+          </a:lnRef>
+          <a:fillRef idx="0">
+            <a:schemeClr val="accent1"/>
+          </a:fillRef>
+          <a:effectRef idx="0">
+            <a:schemeClr val="accent1"/>
+          </a:effectRef>
+          <a:fontRef idx="minor">
+            <a:schemeClr val="tx1"/>
+          </a:fontRef>
+        </p:style>
+      </p:cxnSp>
+      <p:cxnSp>
+        <p:nvCxnSpPr>
+          <p:cNvPr id="26" name="Straight Arrow Connector 25">
+            <a:extLst>
+              <a:ext uri="{FF2B5EF4-FFF2-40B4-BE49-F238E27FC236}">
+                <a16:creationId xmlns:a16="http://schemas.microsoft.com/office/drawing/2014/main" id="{2DCCB25D-9827-E44C-85B4-8546030450D4}"/>
+              </a:ext>
+            </a:extLst>
+          </p:cNvPr>
+          <p:cNvCxnSpPr>
+            <a:cxnSpLocks/>
+            <a:stCxn id="7" idx="2"/>
+            <a:endCxn id="13" idx="0"/>
+          </p:cNvCxnSpPr>
+          <p:nvPr/>
+        </p:nvCxnSpPr>
+        <p:spPr>
+          <a:xfrm flipH="1">
+            <a:off x="8098971" y="2859313"/>
+            <a:ext cx="1219201" cy="957491"/>
+          </a:xfrm>
+          <a:prstGeom prst="straightConnector1">
+            <a:avLst/>
+          </a:prstGeom>
+          <a:ln w="25400">
+            <a:tailEnd type="triangle"/>
+          </a:ln>
+        </p:spPr>
+        <p:style>
+          <a:lnRef idx="1">
+            <a:schemeClr val="accent1"/>
+          </a:lnRef>
+          <a:fillRef idx="0">
+            <a:schemeClr val="accent1"/>
+          </a:fillRef>
+          <a:effectRef idx="0">
+            <a:schemeClr val="accent1"/>
+          </a:effectRef>
+          <a:fontRef idx="minor">
+            <a:schemeClr val="tx1"/>
+          </a:fontRef>
+        </p:style>
+      </p:cxnSp>
+      <p:cxnSp>
+        <p:nvCxnSpPr>
+          <p:cNvPr id="29" name="Straight Arrow Connector 28">
+            <a:extLst>
+              <a:ext uri="{FF2B5EF4-FFF2-40B4-BE49-F238E27FC236}">
+                <a16:creationId xmlns:a16="http://schemas.microsoft.com/office/drawing/2014/main" id="{3DA5E321-77E3-DC4A-A990-B34AC963D47C}"/>
+              </a:ext>
+            </a:extLst>
+          </p:cNvPr>
+          <p:cNvCxnSpPr>
+            <a:cxnSpLocks/>
+            <a:stCxn id="13" idx="2"/>
+            <a:endCxn id="15" idx="0"/>
+          </p:cNvCxnSpPr>
+          <p:nvPr/>
+        </p:nvCxnSpPr>
+        <p:spPr>
+          <a:xfrm>
+            <a:off x="8098971" y="4557033"/>
+            <a:ext cx="0" cy="611752"/>
+          </a:xfrm>
+          <a:prstGeom prst="straightConnector1">
+            <a:avLst/>
+          </a:prstGeom>
+          <a:ln w="25400">
+            <a:tailEnd type="triangle"/>
+          </a:ln>
+        </p:spPr>
+        <p:style>
+          <a:lnRef idx="1">
+            <a:schemeClr val="accent1"/>
+          </a:lnRef>
+          <a:fillRef idx="0">
+            <a:schemeClr val="accent1"/>
+          </a:fillRef>
+          <a:effectRef idx="0">
+            <a:schemeClr val="accent1"/>
+          </a:effectRef>
+          <a:fontRef idx="minor">
+            <a:schemeClr val="tx1"/>
+          </a:fontRef>
+        </p:style>
+      </p:cxnSp>
+      <p:cxnSp>
+        <p:nvCxnSpPr>
+          <p:cNvPr id="32" name="Straight Arrow Connector 31">
+            <a:extLst>
+              <a:ext uri="{FF2B5EF4-FFF2-40B4-BE49-F238E27FC236}">
+                <a16:creationId xmlns:a16="http://schemas.microsoft.com/office/drawing/2014/main" id="{50642BE9-05E2-3B41-8204-80E2B59480FB}"/>
+              </a:ext>
+            </a:extLst>
+          </p:cNvPr>
+          <p:cNvCxnSpPr>
+            <a:cxnSpLocks/>
+            <a:stCxn id="7" idx="2"/>
+            <a:endCxn id="14" idx="0"/>
+          </p:cNvCxnSpPr>
+          <p:nvPr/>
+        </p:nvCxnSpPr>
+        <p:spPr>
+          <a:xfrm>
+            <a:off x="9318172" y="2859313"/>
+            <a:ext cx="1219198" cy="953636"/>
+          </a:xfrm>
+          <a:prstGeom prst="straightConnector1">
+            <a:avLst/>
+          </a:prstGeom>
+          <a:ln w="25400">
+            <a:tailEnd type="triangle"/>
+          </a:ln>
+        </p:spPr>
+        <p:style>
+          <a:lnRef idx="1">
+            <a:schemeClr val="accent1"/>
+          </a:lnRef>
+          <a:fillRef idx="0">
+            <a:schemeClr val="accent1"/>
+          </a:fillRef>
+          <a:effectRef idx="0">
+            <a:schemeClr val="accent1"/>
+          </a:effectRef>
+          <a:fontRef idx="minor">
+            <a:schemeClr val="tx1"/>
+          </a:fontRef>
+        </p:style>
+      </p:cxnSp>
+      <p:cxnSp>
+        <p:nvCxnSpPr>
+          <p:cNvPr id="35" name="Straight Arrow Connector 34">
+            <a:extLst>
+              <a:ext uri="{FF2B5EF4-FFF2-40B4-BE49-F238E27FC236}">
+                <a16:creationId xmlns:a16="http://schemas.microsoft.com/office/drawing/2014/main" id="{4961CF21-4703-E04E-8F50-9D28559BEC4F}"/>
+              </a:ext>
+            </a:extLst>
+          </p:cNvPr>
+          <p:cNvCxnSpPr>
+            <a:cxnSpLocks/>
+            <a:stCxn id="14" idx="2"/>
+            <a:endCxn id="16" idx="0"/>
+          </p:cNvCxnSpPr>
+          <p:nvPr/>
+        </p:nvCxnSpPr>
+        <p:spPr>
+          <a:xfrm>
+            <a:off x="10537370" y="4553178"/>
+            <a:ext cx="1" cy="615607"/>
+          </a:xfrm>
+          <a:prstGeom prst="straightConnector1">
+            <a:avLst/>
+          </a:prstGeom>
+          <a:ln w="25400">
+            <a:tailEnd type="triangle"/>
+          </a:ln>
+        </p:spPr>
+        <p:style>
+          <a:lnRef idx="1">
+            <a:schemeClr val="accent1"/>
+          </a:lnRef>
+          <a:fillRef idx="0">
+            <a:schemeClr val="accent1"/>
+          </a:fillRef>
+          <a:effectRef idx="0">
+            <a:schemeClr val="accent1"/>
+          </a:effectRef>
+          <a:fontRef idx="minor">
+            <a:schemeClr val="tx1"/>
+          </a:fontRef>
+        </p:style>
+      </p:cxnSp>
+      <p:pic>
+        <p:nvPicPr>
+          <p:cNvPr id="1026" name="Picture 2" descr="Plotly - Wikipedia">
+            <a:extLst>
+              <a:ext uri="{FF2B5EF4-FFF2-40B4-BE49-F238E27FC236}">
+                <a16:creationId xmlns:a16="http://schemas.microsoft.com/office/drawing/2014/main" id="{5257B108-9086-864A-AD1B-DEFB47CF360E}"/>
+              </a:ext>
+            </a:extLst>
+          </p:cNvPr>
+          <p:cNvPicPr>
+            <a:picLocks noChangeAspect="1" noChangeArrowheads="1"/>
+          </p:cNvPicPr>
+          <p:nvPr/>
+        </p:nvPicPr>
+        <p:blipFill>
+          <a:blip r:embed="rId2">
+            <a:extLst>
+              <a:ext uri="{28A0092B-C50C-407E-A947-70E740481C1C}">
+                <a14:useLocalDpi xmlns:a14="http://schemas.microsoft.com/office/drawing/2010/main" val="0"/>
+              </a:ext>
+            </a:extLst>
+          </a:blip>
+          <a:srcRect/>
+          <a:stretch>
+            <a:fillRect/>
+          </a:stretch>
+        </p:blipFill>
+        <p:spPr bwMode="auto">
+          <a:xfrm>
+            <a:off x="7228113" y="6092307"/>
+            <a:ext cx="1756229" cy="582400"/>
+          </a:xfrm>
+          <a:prstGeom prst="rect">
+            <a:avLst/>
+          </a:prstGeom>
+          <a:noFill/>
+          <a:extLst>
+            <a:ext uri="{909E8E84-426E-40DD-AFC4-6F175D3DCCD1}">
+              <a14:hiddenFill xmlns:a14="http://schemas.microsoft.com/office/drawing/2010/main">
+                <a:solidFill>
+                  <a:srgbClr val="FFFFFF"/>
+                </a:solidFill>
+              </a14:hiddenFill>
+            </a:ext>
+          </a:extLst>
+        </p:spPr>
+      </p:pic>
+      <p:pic>
+        <p:nvPicPr>
+          <p:cNvPr id="1030" name="Picture 6" descr="hvPlot 0.7.0 documentation">
+            <a:extLst>
+              <a:ext uri="{FF2B5EF4-FFF2-40B4-BE49-F238E27FC236}">
+                <a16:creationId xmlns:a16="http://schemas.microsoft.com/office/drawing/2014/main" id="{DD961E71-3DF6-0F4B-8679-DB7B2C767F15}"/>
+              </a:ext>
+            </a:extLst>
+          </p:cNvPr>
+          <p:cNvPicPr>
+            <a:picLocks noChangeAspect="1" noChangeArrowheads="1"/>
+          </p:cNvPicPr>
+          <p:nvPr/>
+        </p:nvPicPr>
+        <p:blipFill>
+          <a:blip r:embed="rId3">
+            <a:extLst>
+              <a:ext uri="{28A0092B-C50C-407E-A947-70E740481C1C}">
+                <a14:useLocalDpi xmlns:a14="http://schemas.microsoft.com/office/drawing/2010/main" val="0"/>
+              </a:ext>
+            </a:extLst>
+          </a:blip>
+          <a:srcRect/>
+          <a:stretch>
+            <a:fillRect/>
+          </a:stretch>
+        </p:blipFill>
+        <p:spPr bwMode="auto">
+          <a:xfrm>
+            <a:off x="9753597" y="6122421"/>
+            <a:ext cx="1567545" cy="486211"/>
+          </a:xfrm>
+          <a:prstGeom prst="rect">
+            <a:avLst/>
+          </a:prstGeom>
+          <a:noFill/>
+          <a:extLst>
+            <a:ext uri="{909E8E84-426E-40DD-AFC4-6F175D3DCCD1}">
+              <a14:hiddenFill xmlns:a14="http://schemas.microsoft.com/office/drawing/2010/main">
+                <a:solidFill>
+                  <a:srgbClr val="FFFFFF"/>
+                </a:solidFill>
+              </a14:hiddenFill>
+            </a:ext>
+          </a:extLst>
+        </p:spPr>
+      </p:pic>
+      <p:pic>
+        <p:nvPicPr>
+          <p:cNvPr id="1032" name="Picture 8" descr="pandas (software) - Wikipedia">
+            <a:extLst>
+              <a:ext uri="{FF2B5EF4-FFF2-40B4-BE49-F238E27FC236}">
+                <a16:creationId xmlns:a16="http://schemas.microsoft.com/office/drawing/2014/main" id="{200A321B-48E5-4245-8232-20DC348555E1}"/>
+              </a:ext>
+            </a:extLst>
+          </p:cNvPr>
+          <p:cNvPicPr>
+            <a:picLocks noChangeAspect="1" noChangeArrowheads="1"/>
+          </p:cNvPicPr>
+          <p:nvPr/>
+        </p:nvPicPr>
+        <p:blipFill>
+          <a:blip r:embed="rId4">
+            <a:extLst>
+              <a:ext uri="{28A0092B-C50C-407E-A947-70E740481C1C}">
+                <a14:useLocalDpi xmlns:a14="http://schemas.microsoft.com/office/drawing/2010/main" val="0"/>
+              </a:ext>
+            </a:extLst>
+          </a:blip>
+          <a:srcRect/>
+          <a:stretch>
+            <a:fillRect/>
+          </a:stretch>
+        </p:blipFill>
+        <p:spPr bwMode="auto">
+          <a:xfrm>
+            <a:off x="3372534" y="6026232"/>
+            <a:ext cx="1440989" cy="582400"/>
+          </a:xfrm>
+          <a:prstGeom prst="rect">
+            <a:avLst/>
+          </a:prstGeom>
+          <a:solidFill>
+            <a:schemeClr val="bg1"/>
+          </a:solidFill>
+        </p:spPr>
+      </p:pic>
+      <p:pic>
+        <p:nvPicPr>
+          <p:cNvPr id="1034" name="Picture 10" descr="seaborn: statistical data visualization — seaborn 0.11.1 documentation">
+            <a:extLst>
+              <a:ext uri="{FF2B5EF4-FFF2-40B4-BE49-F238E27FC236}">
+                <a16:creationId xmlns:a16="http://schemas.microsoft.com/office/drawing/2014/main" id="{9E658D67-A7D2-6547-8108-60398FF58448}"/>
+              </a:ext>
+            </a:extLst>
+          </p:cNvPr>
+          <p:cNvPicPr>
+            <a:picLocks noChangeAspect="1" noChangeArrowheads="1"/>
+          </p:cNvPicPr>
+          <p:nvPr/>
+        </p:nvPicPr>
+        <p:blipFill>
+          <a:blip r:embed="rId5">
+            <a:extLst>
+              <a:ext uri="{28A0092B-C50C-407E-A947-70E740481C1C}">
+                <a14:useLocalDpi xmlns:a14="http://schemas.microsoft.com/office/drawing/2010/main" val="0"/>
+              </a:ext>
+            </a:extLst>
+          </a:blip>
+          <a:srcRect/>
+          <a:stretch>
+            <a:fillRect/>
+          </a:stretch>
+        </p:blipFill>
+        <p:spPr bwMode="auto">
+          <a:xfrm>
+            <a:off x="769261" y="6083773"/>
+            <a:ext cx="1770739" cy="505925"/>
+          </a:xfrm>
+          <a:prstGeom prst="rect">
+            <a:avLst/>
+          </a:prstGeom>
+          <a:noFill/>
+          <a:extLst>
+            <a:ext uri="{909E8E84-426E-40DD-AFC4-6F175D3DCCD1}">
+              <a14:hiddenFill xmlns:a14="http://schemas.microsoft.com/office/drawing/2010/main">
+                <a:solidFill>
+                  <a:srgbClr val="FFFFFF"/>
+                </a:solidFill>
+              </a14:hiddenFill>
+            </a:ext>
+          </a:extLst>
+        </p:spPr>
+      </p:pic>
+    </p:spTree>
+    <p:extLst>
+      <p:ext uri="{BB962C8B-B14F-4D97-AF65-F5344CB8AC3E}">
+        <p14:creationId xmlns:p14="http://schemas.microsoft.com/office/powerpoint/2010/main" val="1735477267"/>
+      </p:ext>
+    </p:extLst>
+  </p:cSld>
+  <p:clrMapOvr>
+    <a:masterClrMapping/>
+  </p:clrMapOvr>
+</p:sld>
+</file>
+
+<file path=ppt/slides/slide21.xml><?xml version="1.0" encoding="utf-8"?>
+<p:sld xmlns:a="http://schemas.openxmlformats.org/drawingml/2006/main" xmlns:r="http://schemas.openxmlformats.org/officeDocument/2006/relationships" xmlns:p="http://schemas.openxmlformats.org/presentationml/2006/main">
+  <p:cSld>
+    <p:spTree>
+      <p:nvGrpSpPr>
+        <p:cNvPr id="1" name=""/>
+        <p:cNvGrpSpPr/>
+        <p:nvPr/>
+      </p:nvGrpSpPr>
+      <p:grpSpPr>
+        <a:xfrm>
+          <a:off x="0" y="0"/>
+          <a:ext cx="0" cy="0"/>
+          <a:chOff x="0" y="0"/>
+          <a:chExt cx="0" cy="0"/>
+        </a:xfrm>
+      </p:grpSpPr>
+      <p:sp>
+        <p:nvSpPr>
+          <p:cNvPr id="2" name="Title 1">
+            <a:extLst>
+              <a:ext uri="{FF2B5EF4-FFF2-40B4-BE49-F238E27FC236}">
+                <a16:creationId xmlns:a16="http://schemas.microsoft.com/office/drawing/2014/main" id="{7542C562-6C8A-EA4C-AA34-115B8EFE2331}"/>
+              </a:ext>
+            </a:extLst>
+          </p:cNvPr>
+          <p:cNvSpPr>
+            <a:spLocks noGrp="1"/>
+          </p:cNvSpPr>
+          <p:nvPr>
+            <p:ph type="title"/>
+          </p:nvPr>
+        </p:nvSpPr>
+        <p:spPr>
+          <a:xfrm>
+            <a:off x="0" y="0"/>
+            <a:ext cx="12192000" cy="1325563"/>
+          </a:xfrm>
+          <a:solidFill>
+            <a:schemeClr val="bg1"/>
+          </a:solidFill>
+        </p:spPr>
+        <p:txBody>
+          <a:bodyPr/>
+          <a:lstStyle/>
+          <a:p>
+            <a:pPr algn="ctr"/>
+            <a:r>
+              <a:rPr lang="en-NL"/>
+              <a:t>Data aggregation</a:t>
+            </a:r>
+          </a:p>
+        </p:txBody>
+      </p:sp>
+      <p:sp>
+        <p:nvSpPr>
+          <p:cNvPr id="3" name="Content Placeholder 2">
+            <a:extLst>
+              <a:ext uri="{FF2B5EF4-FFF2-40B4-BE49-F238E27FC236}">
+                <a16:creationId xmlns:a16="http://schemas.microsoft.com/office/drawing/2014/main" id="{6193BE97-E656-F74F-9B05-8B879B054C6F}"/>
+              </a:ext>
+            </a:extLst>
+          </p:cNvPr>
+          <p:cNvSpPr>
+            <a:spLocks noGrp="1"/>
+          </p:cNvSpPr>
+          <p:nvPr>
+            <p:ph idx="1"/>
+          </p:nvPr>
+        </p:nvSpPr>
+        <p:spPr>
+          <a:xfrm>
+            <a:off x="783771" y="1843314"/>
+            <a:ext cx="10570029" cy="4775200"/>
+          </a:xfrm>
+          <a:solidFill>
+            <a:schemeClr val="bg1"/>
+          </a:solidFill>
+        </p:spPr>
+        <p:txBody>
+          <a:bodyPr>
+            <a:normAutofit/>
+          </a:bodyPr>
+          <a:lstStyle/>
+          <a:p>
+            <a:pPr marL="0" indent="0">
+              <a:buNone/>
+            </a:pPr>
+            <a:endParaRPr lang="en-NL" sz="2400"/>
+          </a:p>
+          <a:p>
+            <a:pPr marL="0" indent="0">
+              <a:buNone/>
+            </a:pPr>
+            <a:endParaRPr lang="en-NL" sz="2400"/>
+          </a:p>
+          <a:p>
+            <a:r>
+              <a:rPr lang="en-NL"/>
+              <a:t>Using groupby to aggregate:</a:t>
+            </a:r>
+          </a:p>
+          <a:p>
+            <a:pPr marL="0" indent="0">
+              <a:buNone/>
+            </a:pPr>
+            <a:endParaRPr lang="en-NL"/>
+          </a:p>
+          <a:p>
+            <a:pPr marL="0" indent="0">
+              <a:buNone/>
+            </a:pPr>
+            <a:r>
+              <a:rPr lang="en-NL"/>
+              <a:t>---&gt; </a:t>
+            </a:r>
+            <a:r>
+              <a:rPr lang="en-US"/>
+              <a:t>df.groupby(['startYear'])[['averageRating']].mean()</a:t>
+            </a:r>
+            <a:endParaRPr lang="en-NL"/>
+          </a:p>
+          <a:p>
+            <a:pPr marL="0" indent="0">
+              <a:buNone/>
+            </a:pPr>
+            <a:endParaRPr lang="en-NL"/>
+          </a:p>
+          <a:p>
+            <a:pPr lvl="1">
+              <a:buFont typeface="Courier New" panose="02070309020205020404" pitchFamily="49" charset="0"/>
+              <a:buChar char="o"/>
+            </a:pPr>
+            <a:endParaRPr lang="en-NL"/>
+          </a:p>
+        </p:txBody>
+      </p:sp>
+    </p:spTree>
+    <p:extLst>
+      <p:ext uri="{BB962C8B-B14F-4D97-AF65-F5344CB8AC3E}">
+        <p14:creationId xmlns:p14="http://schemas.microsoft.com/office/powerpoint/2010/main" val="2120964399"/>
+      </p:ext>
+    </p:extLst>
+  </p:cSld>
+  <p:clrMapOvr>
+    <a:masterClrMapping/>
+  </p:clrMapOvr>
+</p:sld>
+</file>
+
+<file path=ppt/slides/slide22.xml><?xml version="1.0" encoding="utf-8"?>
+<p:sld xmlns:a="http://schemas.openxmlformats.org/drawingml/2006/main" xmlns:r="http://schemas.openxmlformats.org/officeDocument/2006/relationships" xmlns:p="http://schemas.openxmlformats.org/presentationml/2006/main">
+  <p:cSld>
+    <p:bg>
+      <p:bgPr>
+        <a:solidFill>
+          <a:schemeClr val="bg2"/>
+        </a:solidFill>
+        <a:effectLst/>
+      </p:bgPr>
+    </p:bg>
+    <p:spTree>
+      <p:nvGrpSpPr>
+        <p:cNvPr id="1" name=""/>
+        <p:cNvGrpSpPr/>
+        <p:nvPr/>
+      </p:nvGrpSpPr>
+      <p:grpSpPr>
+        <a:xfrm>
+          <a:off x="0" y="0"/>
+          <a:ext cx="0" cy="0"/>
+          <a:chOff x="0" y="0"/>
+          <a:chExt cx="0" cy="0"/>
+        </a:xfrm>
+      </p:grpSpPr>
+      <p:sp useBgFill="1">
+        <p:nvSpPr>
+          <p:cNvPr id="10" name="Rectangle 9">
+            <a:extLst>
+              <a:ext uri="{FF2B5EF4-FFF2-40B4-BE49-F238E27FC236}">
+                <a16:creationId xmlns:a16="http://schemas.microsoft.com/office/drawing/2014/main" id="{53F29798-D584-4792-9B62-3F5F5C36D619}"/>
+              </a:ext>
+              <a:ext uri="{C183D7F6-B498-43B3-948B-1728B52AA6E4}">
+                <adec:decorative xmlns:adec="http://schemas.microsoft.com/office/drawing/2017/decorative" val="1"/>
+              </a:ext>
+            </a:extLst>
+          </p:cNvPr>
+          <p:cNvSpPr>
+            <a:spLocks noGrp="1" noRot="1" noChangeAspect="1" noMove="1" noResize="1" noEditPoints="1" noAdjustHandles="1" noChangeArrowheads="1" noChangeShapeType="1" noTextEdit="1"/>
+          </p:cNvSpPr>
+          <p:nvPr>
+            <p:extLst>
+              <p:ext uri="{386F3935-93C4-4BCD-93E2-E3B085C9AB24}">
+                <p16:designElem xmlns:p16="http://schemas.microsoft.com/office/powerpoint/2015/main" val="1"/>
+              </p:ext>
+            </p:extLst>
+          </p:nvPr>
+        </p:nvSpPr>
+        <p:spPr>
+          <a:xfrm>
+            <a:off x="0" y="0"/>
+            <a:ext cx="12188952" cy="6858000"/>
+          </a:xfrm>
+          <a:prstGeom prst="rect">
+            <a:avLst/>
+          </a:prstGeom>
+          <a:ln>
+            <a:noFill/>
+          </a:ln>
+        </p:spPr>
+        <p:style>
+          <a:lnRef idx="2">
+            <a:schemeClr val="accent1">
+              <a:shade val="50000"/>
+            </a:schemeClr>
+          </a:lnRef>
+          <a:fillRef idx="1">
+            <a:schemeClr val="accent1"/>
+          </a:fillRef>
+          <a:effectRef idx="0">
+            <a:schemeClr val="accent1"/>
+          </a:effectRef>
+          <a:fontRef idx="minor">
+            <a:schemeClr val="lt1"/>
+          </a:fontRef>
+        </p:style>
+        <p:txBody>
+          <a:bodyPr rtlCol="0" anchor="ctr"/>
+          <a:lstStyle/>
+          <a:p>
+            <a:pPr algn="ctr"/>
+            <a:endParaRPr lang="en-US"/>
+          </a:p>
+        </p:txBody>
+      </p:sp>
+      <p:sp>
+        <p:nvSpPr>
+          <p:cNvPr id="2" name="Title 1">
+            <a:extLst>
+              <a:ext uri="{FF2B5EF4-FFF2-40B4-BE49-F238E27FC236}">
+                <a16:creationId xmlns:a16="http://schemas.microsoft.com/office/drawing/2014/main" id="{C8163A18-D894-FF42-A3CF-D81F0CB8B8FF}"/>
+              </a:ext>
+            </a:extLst>
+          </p:cNvPr>
+          <p:cNvSpPr>
+            <a:spLocks noGrp="1"/>
+          </p:cNvSpPr>
+          <p:nvPr>
+            <p:ph type="title"/>
+          </p:nvPr>
+        </p:nvSpPr>
+        <p:spPr>
+          <a:xfrm>
+            <a:off x="0" y="1"/>
+            <a:ext cx="12192000" cy="1690688"/>
+          </a:xfrm>
+          <a:solidFill>
+            <a:schemeClr val="bg1"/>
+          </a:solidFill>
+        </p:spPr>
+        <p:txBody>
+          <a:bodyPr vert="horz" lIns="91440" tIns="45720" rIns="91440" bIns="45720" rtlCol="0" anchor="ctr">
+            <a:normAutofit/>
+          </a:bodyPr>
+          <a:lstStyle/>
+          <a:p>
+            <a:pPr algn="ctr"/>
+            <a:r>
+              <a:rPr lang="en-US" sz="5200"/>
+              <a:t>How groupby() works</a:t>
+            </a:r>
+          </a:p>
+        </p:txBody>
+      </p:sp>
+      <p:pic>
+        <p:nvPicPr>
+          <p:cNvPr id="9" name="Picture 8" descr="Graphical user interface&#10;&#10;Description automatically generated with low confidence">
+            <a:extLst>
+              <a:ext uri="{FF2B5EF4-FFF2-40B4-BE49-F238E27FC236}">
+                <a16:creationId xmlns:a16="http://schemas.microsoft.com/office/drawing/2014/main" id="{06B6FDF8-3F40-AA43-8EAC-15638AAD834D}"/>
+              </a:ext>
+            </a:extLst>
+          </p:cNvPr>
+          <p:cNvPicPr>
+            <a:picLocks noChangeAspect="1"/>
+          </p:cNvPicPr>
+          <p:nvPr/>
+        </p:nvPicPr>
+        <p:blipFill>
+          <a:blip r:embed="rId2"/>
+          <a:stretch>
+            <a:fillRect/>
+          </a:stretch>
+        </p:blipFill>
+        <p:spPr>
+          <a:xfrm>
+            <a:off x="946295" y="1916615"/>
+            <a:ext cx="10296361" cy="4715459"/>
+          </a:xfrm>
+          <a:prstGeom prst="rect">
+            <a:avLst/>
+          </a:prstGeom>
+        </p:spPr>
+      </p:pic>
+    </p:spTree>
+    <p:extLst>
+      <p:ext uri="{BB962C8B-B14F-4D97-AF65-F5344CB8AC3E}">
+        <p14:creationId xmlns:p14="http://schemas.microsoft.com/office/powerpoint/2010/main" val="1500885899"/>
+      </p:ext>
+    </p:extLst>
+  </p:cSld>
+  <p:clrMapOvr>
+    <a:masterClrMapping/>
+  </p:clrMapOvr>
+</p:sld>
+</file>
+
+<file path=ppt/slides/slide23.xml><?xml version="1.0" encoding="utf-8"?>
+<p:sld xmlns:a="http://schemas.openxmlformats.org/drawingml/2006/main" xmlns:r="http://schemas.openxmlformats.org/officeDocument/2006/relationships" xmlns:p="http://schemas.openxmlformats.org/presentationml/2006/main">
+  <p:cSld>
+    <p:spTree>
+      <p:nvGrpSpPr>
+        <p:cNvPr id="1" name=""/>
+        <p:cNvGrpSpPr/>
+        <p:nvPr/>
+      </p:nvGrpSpPr>
+      <p:grpSpPr>
+        <a:xfrm>
+          <a:off x="0" y="0"/>
+          <a:ext cx="0" cy="0"/>
+          <a:chOff x="0" y="0"/>
+          <a:chExt cx="0" cy="0"/>
+        </a:xfrm>
+      </p:grpSpPr>
+      <p:sp>
+        <p:nvSpPr>
+          <p:cNvPr id="2" name="Title 1">
+            <a:extLst>
+              <a:ext uri="{FF2B5EF4-FFF2-40B4-BE49-F238E27FC236}">
+                <a16:creationId xmlns:a16="http://schemas.microsoft.com/office/drawing/2014/main" id="{7542C562-6C8A-EA4C-AA34-115B8EFE2331}"/>
+              </a:ext>
+            </a:extLst>
+          </p:cNvPr>
+          <p:cNvSpPr>
+            <a:spLocks noGrp="1"/>
+          </p:cNvSpPr>
+          <p:nvPr>
+            <p:ph type="title"/>
+          </p:nvPr>
+        </p:nvSpPr>
+        <p:spPr>
+          <a:xfrm>
+            <a:off x="0" y="0"/>
+            <a:ext cx="12192000" cy="1325563"/>
+          </a:xfrm>
+          <a:solidFill>
+            <a:schemeClr val="bg1"/>
+          </a:solidFill>
+        </p:spPr>
+        <p:txBody>
+          <a:bodyPr/>
+          <a:lstStyle/>
+          <a:p>
+            <a:pPr algn="ctr"/>
+            <a:r>
+              <a:rPr lang="en-NL"/>
+              <a:t>Joining tables</a:t>
+            </a:r>
+          </a:p>
+        </p:txBody>
+      </p:sp>
+      <p:sp>
+        <p:nvSpPr>
+          <p:cNvPr id="3" name="Content Placeholder 2">
+            <a:extLst>
+              <a:ext uri="{FF2B5EF4-FFF2-40B4-BE49-F238E27FC236}">
+                <a16:creationId xmlns:a16="http://schemas.microsoft.com/office/drawing/2014/main" id="{6193BE97-E656-F74F-9B05-8B879B054C6F}"/>
+              </a:ext>
+            </a:extLst>
+          </p:cNvPr>
+          <p:cNvSpPr>
+            <a:spLocks noGrp="1"/>
+          </p:cNvSpPr>
+          <p:nvPr>
+            <p:ph idx="1"/>
+          </p:nvPr>
+        </p:nvSpPr>
+        <p:spPr>
+          <a:xfrm>
+            <a:off x="783771" y="1843314"/>
+            <a:ext cx="10570029" cy="4775200"/>
+          </a:xfrm>
+          <a:solidFill>
+            <a:schemeClr val="bg1"/>
+          </a:solidFill>
+        </p:spPr>
+        <p:txBody>
+          <a:bodyPr>
+            <a:normAutofit/>
+          </a:bodyPr>
+          <a:lstStyle/>
+          <a:p>
+            <a:pPr marL="0" indent="0">
+              <a:buNone/>
+            </a:pPr>
+            <a:endParaRPr lang="en-NL" sz="2400"/>
+          </a:p>
+          <a:p>
+            <a:pPr marL="0" indent="0">
+              <a:buNone/>
+            </a:pPr>
+            <a:endParaRPr lang="en-NL" sz="2400"/>
+          </a:p>
+          <a:p>
+            <a:r>
+              <a:rPr lang="en-NL"/>
+              <a:t>Using df.merg() to join tables:</a:t>
+            </a:r>
+          </a:p>
+          <a:p>
+            <a:pPr marL="0" indent="0">
+              <a:buNone/>
+            </a:pPr>
+            <a:endParaRPr lang="en-NL"/>
+          </a:p>
+          <a:p>
+            <a:pPr marL="0" indent="0">
+              <a:buNone/>
+            </a:pPr>
+            <a:r>
+              <a:rPr lang="en-NL"/>
+              <a:t>---&gt; </a:t>
+            </a:r>
+            <a:r>
+              <a:rPr lang="en-US"/>
+              <a:t>df.merge(df2, how=‘inner’, on=‘mutual_column’)</a:t>
+            </a:r>
+            <a:endParaRPr lang="en-NL"/>
+          </a:p>
+          <a:p>
+            <a:pPr marL="0" indent="0">
+              <a:buNone/>
+            </a:pPr>
+            <a:endParaRPr lang="en-NL"/>
+          </a:p>
+          <a:p>
+            <a:pPr lvl="1">
+              <a:buFont typeface="Courier New" panose="02070309020205020404" pitchFamily="49" charset="0"/>
+              <a:buChar char="o"/>
+            </a:pPr>
+            <a:endParaRPr lang="en-NL"/>
+          </a:p>
+        </p:txBody>
+      </p:sp>
+    </p:spTree>
+    <p:extLst>
+      <p:ext uri="{BB962C8B-B14F-4D97-AF65-F5344CB8AC3E}">
+        <p14:creationId xmlns:p14="http://schemas.microsoft.com/office/powerpoint/2010/main" val="2177699823"/>
+      </p:ext>
+    </p:extLst>
+  </p:cSld>
+  <p:clrMapOvr>
+    <a:masterClrMapping/>
+  </p:clrMapOvr>
+</p:sld>
+</file>
+
+<file path=ppt/slides/slide24.xml><?xml version="1.0" encoding="utf-8"?>
+<p:sld xmlns:a="http://schemas.openxmlformats.org/drawingml/2006/main" xmlns:r="http://schemas.openxmlformats.org/officeDocument/2006/relationships" xmlns:p="http://schemas.openxmlformats.org/presentationml/2006/main">
+  <p:cSld>
+    <p:spTree>
+      <p:nvGrpSpPr>
+        <p:cNvPr id="1" name=""/>
+        <p:cNvGrpSpPr/>
+        <p:nvPr/>
+      </p:nvGrpSpPr>
+      <p:grpSpPr>
+        <a:xfrm>
+          <a:off x="0" y="0"/>
+          <a:ext cx="0" cy="0"/>
+          <a:chOff x="0" y="0"/>
+          <a:chExt cx="0" cy="0"/>
+        </a:xfrm>
+      </p:grpSpPr>
+      <p:sp>
+        <p:nvSpPr>
+          <p:cNvPr id="2" name="Title 1">
+            <a:extLst>
+              <a:ext uri="{FF2B5EF4-FFF2-40B4-BE49-F238E27FC236}">
+                <a16:creationId xmlns:a16="http://schemas.microsoft.com/office/drawing/2014/main" id="{9C875679-4635-8D4A-9122-A34E64C4B8FB}"/>
+              </a:ext>
+            </a:extLst>
+          </p:cNvPr>
+          <p:cNvSpPr>
+            <a:spLocks noGrp="1"/>
+          </p:cNvSpPr>
+          <p:nvPr>
+            <p:ph type="title"/>
+          </p:nvPr>
+        </p:nvSpPr>
+        <p:spPr>
+          <a:xfrm>
+            <a:off x="0" y="1"/>
+            <a:ext cx="12192000" cy="760946"/>
+          </a:xfrm>
+        </p:spPr>
+        <p:txBody>
+          <a:bodyPr/>
+          <a:lstStyle/>
+          <a:p>
+            <a:pPr algn="ctr"/>
+            <a:r>
+              <a:rPr lang="en-US"/>
+              <a:t>Joining tables with df.merge()</a:t>
+            </a:r>
+            <a:endParaRPr lang="en-NL"/>
+          </a:p>
+        </p:txBody>
+      </p:sp>
+      <p:pic>
+        <p:nvPicPr>
+          <p:cNvPr id="15" name="Picture 14" descr="Table&#10;&#10;Description automatically generated">
+            <a:extLst>
+              <a:ext uri="{FF2B5EF4-FFF2-40B4-BE49-F238E27FC236}">
+                <a16:creationId xmlns:a16="http://schemas.microsoft.com/office/drawing/2014/main" id="{51575A50-8DBA-9D48-B45E-816768855A18}"/>
+              </a:ext>
+            </a:extLst>
+          </p:cNvPr>
+          <p:cNvPicPr>
+            <a:picLocks noChangeAspect="1"/>
+          </p:cNvPicPr>
+          <p:nvPr/>
+        </p:nvPicPr>
+        <p:blipFill>
+          <a:blip r:embed="rId2"/>
+          <a:stretch>
+            <a:fillRect/>
+          </a:stretch>
+        </p:blipFill>
+        <p:spPr>
+          <a:xfrm>
+            <a:off x="6095999" y="775611"/>
+            <a:ext cx="2859316" cy="1524969"/>
+          </a:xfrm>
+          <a:prstGeom prst="rect">
+            <a:avLst/>
+          </a:prstGeom>
+        </p:spPr>
+      </p:pic>
+      <p:pic>
+        <p:nvPicPr>
+          <p:cNvPr id="17" name="Picture 16" descr="Diagram&#10;&#10;Description automatically generated">
+            <a:extLst>
+              <a:ext uri="{FF2B5EF4-FFF2-40B4-BE49-F238E27FC236}">
+                <a16:creationId xmlns:a16="http://schemas.microsoft.com/office/drawing/2014/main" id="{64B65442-3C39-B94E-B10E-BB788DAB0F9B}"/>
+              </a:ext>
+            </a:extLst>
+          </p:cNvPr>
+          <p:cNvPicPr>
+            <a:picLocks noChangeAspect="1"/>
+          </p:cNvPicPr>
+          <p:nvPr/>
+        </p:nvPicPr>
+        <p:blipFill>
+          <a:blip r:embed="rId3"/>
+          <a:stretch>
+            <a:fillRect/>
+          </a:stretch>
+        </p:blipFill>
+        <p:spPr>
+          <a:xfrm>
+            <a:off x="239485" y="2365559"/>
+            <a:ext cx="11713029" cy="2324375"/>
+          </a:xfrm>
+          <a:prstGeom prst="rect">
+            <a:avLst/>
+          </a:prstGeom>
+        </p:spPr>
+      </p:pic>
+      <p:pic>
+        <p:nvPicPr>
+          <p:cNvPr id="19" name="Picture 18" descr="Table&#10;&#10;Description automatically generated with medium confidence">
+            <a:extLst>
+              <a:ext uri="{FF2B5EF4-FFF2-40B4-BE49-F238E27FC236}">
+                <a16:creationId xmlns:a16="http://schemas.microsoft.com/office/drawing/2014/main" id="{92FDE4AF-DE66-4647-AC97-B831C957AA71}"/>
+              </a:ext>
+            </a:extLst>
+          </p:cNvPr>
+          <p:cNvPicPr>
+            <a:picLocks noChangeAspect="1"/>
+          </p:cNvPicPr>
+          <p:nvPr/>
+        </p:nvPicPr>
+        <p:blipFill>
+          <a:blip r:embed="rId4"/>
+          <a:stretch>
+            <a:fillRect/>
+          </a:stretch>
+        </p:blipFill>
+        <p:spPr>
+          <a:xfrm>
+            <a:off x="3724595" y="1004976"/>
+            <a:ext cx="1718128" cy="1171451"/>
+          </a:xfrm>
+          <a:prstGeom prst="rect">
+            <a:avLst/>
+          </a:prstGeom>
+        </p:spPr>
+      </p:pic>
+      <p:pic>
+        <p:nvPicPr>
+          <p:cNvPr id="21" name="Picture 20" descr="Table&#10;&#10;Description automatically generated">
+            <a:extLst>
+              <a:ext uri="{FF2B5EF4-FFF2-40B4-BE49-F238E27FC236}">
+                <a16:creationId xmlns:a16="http://schemas.microsoft.com/office/drawing/2014/main" id="{B944551A-D74F-284E-83DC-B4913095FB1D}"/>
+              </a:ext>
+            </a:extLst>
+          </p:cNvPr>
+          <p:cNvPicPr>
+            <a:picLocks noChangeAspect="1"/>
+          </p:cNvPicPr>
+          <p:nvPr/>
+        </p:nvPicPr>
+        <p:blipFill>
+          <a:blip r:embed="rId5"/>
+          <a:stretch>
+            <a:fillRect/>
+          </a:stretch>
+        </p:blipFill>
+        <p:spPr>
+          <a:xfrm>
+            <a:off x="6095999" y="4754914"/>
+            <a:ext cx="2631876" cy="1020728"/>
+          </a:xfrm>
+          <a:prstGeom prst="rect">
+            <a:avLst/>
+          </a:prstGeom>
+        </p:spPr>
+      </p:pic>
+      <p:pic>
+        <p:nvPicPr>
+          <p:cNvPr id="30" name="Picture 29" descr="Table&#10;&#10;Description automatically generated">
+            <a:extLst>
+              <a:ext uri="{FF2B5EF4-FFF2-40B4-BE49-F238E27FC236}">
+                <a16:creationId xmlns:a16="http://schemas.microsoft.com/office/drawing/2014/main" id="{86FACDFA-550A-D247-8C22-1BDFCB08D421}"/>
+              </a:ext>
+            </a:extLst>
+          </p:cNvPr>
+          <p:cNvPicPr>
+            <a:picLocks noChangeAspect="1"/>
+          </p:cNvPicPr>
+          <p:nvPr/>
+        </p:nvPicPr>
+        <p:blipFill>
+          <a:blip r:embed="rId6"/>
+          <a:stretch>
+            <a:fillRect/>
+          </a:stretch>
+        </p:blipFill>
+        <p:spPr>
+          <a:xfrm>
+            <a:off x="0" y="4755821"/>
+            <a:ext cx="2360740" cy="1114550"/>
+          </a:xfrm>
+          <a:prstGeom prst="rect">
+            <a:avLst/>
+          </a:prstGeom>
+        </p:spPr>
+      </p:pic>
+      <p:pic>
+        <p:nvPicPr>
+          <p:cNvPr id="32" name="Picture 31" descr="Table&#10;&#10;Description automatically generated">
+            <a:extLst>
+              <a:ext uri="{FF2B5EF4-FFF2-40B4-BE49-F238E27FC236}">
+                <a16:creationId xmlns:a16="http://schemas.microsoft.com/office/drawing/2014/main" id="{89CCCCD2-BEB3-5247-AF84-0F1A03AD5ED2}"/>
+              </a:ext>
+            </a:extLst>
+          </p:cNvPr>
+          <p:cNvPicPr>
+            <a:picLocks noChangeAspect="1"/>
+          </p:cNvPicPr>
+          <p:nvPr/>
+        </p:nvPicPr>
+        <p:blipFill>
+          <a:blip r:embed="rId7"/>
+          <a:stretch>
+            <a:fillRect/>
+          </a:stretch>
+        </p:blipFill>
+        <p:spPr>
+          <a:xfrm>
+            <a:off x="2871360" y="4754914"/>
+            <a:ext cx="2571363" cy="1114550"/>
+          </a:xfrm>
+          <a:prstGeom prst="rect">
+            <a:avLst/>
+          </a:prstGeom>
+        </p:spPr>
+      </p:pic>
+      <p:pic>
+        <p:nvPicPr>
+          <p:cNvPr id="34" name="Picture 33">
+            <a:extLst>
+              <a:ext uri="{FF2B5EF4-FFF2-40B4-BE49-F238E27FC236}">
+                <a16:creationId xmlns:a16="http://schemas.microsoft.com/office/drawing/2014/main" id="{2EF50AA4-FC45-0043-BB69-17FA310964C5}"/>
+              </a:ext>
+            </a:extLst>
+          </p:cNvPr>
+          <p:cNvPicPr>
+            <a:picLocks noChangeAspect="1"/>
+          </p:cNvPicPr>
+          <p:nvPr/>
+        </p:nvPicPr>
+        <p:blipFill>
+          <a:blip r:embed="rId8"/>
+          <a:stretch>
+            <a:fillRect/>
+          </a:stretch>
+        </p:blipFill>
+        <p:spPr>
+          <a:xfrm>
+            <a:off x="9157321" y="4689934"/>
+            <a:ext cx="2795193" cy="1487611"/>
+          </a:xfrm>
+          <a:prstGeom prst="rect">
+            <a:avLst/>
+          </a:prstGeom>
+        </p:spPr>
+      </p:pic>
+      <p:pic>
+        <p:nvPicPr>
+          <p:cNvPr id="38" name="Picture 37">
+            <a:extLst>
+              <a:ext uri="{FF2B5EF4-FFF2-40B4-BE49-F238E27FC236}">
+                <a16:creationId xmlns:a16="http://schemas.microsoft.com/office/drawing/2014/main" id="{EDA5F37D-6241-5140-82DD-CE6DCB978C13}"/>
+              </a:ext>
+            </a:extLst>
+          </p:cNvPr>
+          <p:cNvPicPr>
+            <a:picLocks noChangeAspect="1"/>
+          </p:cNvPicPr>
+          <p:nvPr/>
+        </p:nvPicPr>
+        <p:blipFill>
+          <a:blip r:embed="rId9"/>
+          <a:stretch>
+            <a:fillRect/>
+          </a:stretch>
+        </p:blipFill>
+        <p:spPr>
+          <a:xfrm>
+            <a:off x="9157321" y="6439807"/>
+            <a:ext cx="2897700" cy="113487"/>
+          </a:xfrm>
+          <a:prstGeom prst="rect">
+            <a:avLst/>
+          </a:prstGeom>
+        </p:spPr>
+      </p:pic>
+      <p:pic>
+        <p:nvPicPr>
+          <p:cNvPr id="40" name="Picture 39">
+            <a:extLst>
+              <a:ext uri="{FF2B5EF4-FFF2-40B4-BE49-F238E27FC236}">
+                <a16:creationId xmlns:a16="http://schemas.microsoft.com/office/drawing/2014/main" id="{B45236B5-891A-4441-A5EB-A0A2C42EA80D}"/>
+              </a:ext>
+            </a:extLst>
+          </p:cNvPr>
+          <p:cNvPicPr>
+            <a:picLocks noChangeAspect="1"/>
+          </p:cNvPicPr>
+          <p:nvPr/>
+        </p:nvPicPr>
+        <p:blipFill>
+          <a:blip r:embed="rId10"/>
+          <a:stretch>
+            <a:fillRect/>
+          </a:stretch>
+        </p:blipFill>
+        <p:spPr>
+          <a:xfrm>
+            <a:off x="2871360" y="6452324"/>
+            <a:ext cx="2571363" cy="100970"/>
+          </a:xfrm>
+          <a:prstGeom prst="rect">
+            <a:avLst/>
+          </a:prstGeom>
+        </p:spPr>
+      </p:pic>
+      <p:pic>
+        <p:nvPicPr>
+          <p:cNvPr id="42" name="Picture 41">
+            <a:extLst>
+              <a:ext uri="{FF2B5EF4-FFF2-40B4-BE49-F238E27FC236}">
+                <a16:creationId xmlns:a16="http://schemas.microsoft.com/office/drawing/2014/main" id="{7A2A76C6-5018-FB46-B031-AB9B451E94AF}"/>
+              </a:ext>
+            </a:extLst>
+          </p:cNvPr>
+          <p:cNvPicPr>
+            <a:picLocks noChangeAspect="1"/>
+          </p:cNvPicPr>
+          <p:nvPr/>
+        </p:nvPicPr>
+        <p:blipFill>
+          <a:blip r:embed="rId11"/>
+          <a:stretch>
+            <a:fillRect/>
+          </a:stretch>
+        </p:blipFill>
+        <p:spPr>
+          <a:xfrm>
+            <a:off x="0" y="6452837"/>
+            <a:ext cx="2360740" cy="100457"/>
+          </a:xfrm>
+          <a:prstGeom prst="rect">
+            <a:avLst/>
+          </a:prstGeom>
+        </p:spPr>
+      </p:pic>
+      <p:pic>
+        <p:nvPicPr>
+          <p:cNvPr id="44" name="Picture 43">
+            <a:extLst>
+              <a:ext uri="{FF2B5EF4-FFF2-40B4-BE49-F238E27FC236}">
+                <a16:creationId xmlns:a16="http://schemas.microsoft.com/office/drawing/2014/main" id="{C000BAA9-1193-454D-A8DB-33E79C8D8F0D}"/>
+              </a:ext>
+            </a:extLst>
+          </p:cNvPr>
+          <p:cNvPicPr>
+            <a:picLocks noChangeAspect="1"/>
+          </p:cNvPicPr>
+          <p:nvPr/>
+        </p:nvPicPr>
+        <p:blipFill>
+          <a:blip r:embed="rId12"/>
+          <a:stretch>
+            <a:fillRect/>
+          </a:stretch>
+        </p:blipFill>
+        <p:spPr>
+          <a:xfrm>
+            <a:off x="6095999" y="6439807"/>
+            <a:ext cx="2631876" cy="115912"/>
+          </a:xfrm>
+          <a:prstGeom prst="rect">
+            <a:avLst/>
+          </a:prstGeom>
+        </p:spPr>
+      </p:pic>
+    </p:spTree>
+    <p:extLst>
+      <p:ext uri="{BB962C8B-B14F-4D97-AF65-F5344CB8AC3E}">
+        <p14:creationId xmlns:p14="http://schemas.microsoft.com/office/powerpoint/2010/main" val="3166028957"/>
       </p:ext>
     </p:extLst>
   </p:cSld>
@@ -7510,7 +9622,7 @@
           <p:cNvPr id="2" name="Title 1">
             <a:extLst>
               <a:ext uri="{FF2B5EF4-FFF2-40B4-BE49-F238E27FC236}">
-                <a16:creationId xmlns:a16="http://schemas.microsoft.com/office/drawing/2014/main" id="{84C5209A-0C9B-4A42-ABE6-6C5A9CEB6F51}"/>
+                <a16:creationId xmlns:a16="http://schemas.microsoft.com/office/drawing/2014/main" id="{7542C562-6C8A-EA4C-AA34-115B8EFE2331}"/>
               </a:ext>
             </a:extLst>
           </p:cNvPr>
@@ -7523,8 +9635,8 @@
         </p:nvSpPr>
         <p:spPr>
           <a:xfrm>
-            <a:off x="0" y="0"/>
-            <a:ext cx="12192000" cy="1532238"/>
+            <a:off x="0" y="18255"/>
+            <a:ext cx="12192000" cy="1325563"/>
           </a:xfrm>
           <a:solidFill>
             <a:schemeClr val="bg1"/>
@@ -7534,9 +9646,10 @@
           <a:bodyPr/>
           <a:lstStyle/>
           <a:p>
+            <a:pPr algn="ctr"/>
             <a:r>
               <a:rPr lang="en-NL"/>
-              <a:t>Why is it handy to know some python / pandas?</a:t>
+              <a:t>Introductie</a:t>
             </a:r>
           </a:p>
         </p:txBody>
@@ -7546,7 +9659,7 @@
           <p:cNvPr id="3" name="Content Placeholder 2">
             <a:extLst>
               <a:ext uri="{FF2B5EF4-FFF2-40B4-BE49-F238E27FC236}">
-                <a16:creationId xmlns:a16="http://schemas.microsoft.com/office/drawing/2014/main" id="{5B70B87F-8D1E-F04B-9D7C-D2C77F873AE9}"/>
+                <a16:creationId xmlns:a16="http://schemas.microsoft.com/office/drawing/2014/main" id="{6193BE97-E656-F74F-9B05-8B879B054C6F}"/>
               </a:ext>
             </a:extLst>
           </p:cNvPr>
@@ -7559,8 +9672,8 @@
         </p:nvSpPr>
         <p:spPr>
           <a:xfrm>
-            <a:off x="838200" y="2023333"/>
-            <a:ext cx="10515600" cy="4351338"/>
+            <a:off x="783771" y="1843314"/>
+            <a:ext cx="10570029" cy="4775200"/>
           </a:xfrm>
           <a:solidFill>
             <a:schemeClr val="bg1"/>
@@ -7568,73 +9681,81 @@
         </p:spPr>
         <p:txBody>
           <a:bodyPr>
-            <a:normAutofit fontScale="92500" lnSpcReduction="10000"/>
+            <a:normAutofit/>
           </a:bodyPr>
           <a:lstStyle/>
           <a:p>
-            <a:r>
-              <a:rPr lang="en-NL"/>
-              <a:t>veel gebruikt voor data analysis en machine learning</a:t>
-            </a:r>
-          </a:p>
-          <a:p>
-            <a:r>
-              <a:rPr lang="en-NL"/>
-              <a:t>steeds vaker ingezet voor data engineering: pandas en python zijn zeer flexibel voor data wrangling</a:t>
-            </a:r>
-          </a:p>
-          <a:p>
-            <a:r>
-              <a:rPr lang="en-NL"/>
-              <a:t>als je de pandas API enigszins kent, dan helpt dat bijv. ook weer met databricks / pyspark</a:t>
-            </a:r>
-          </a:p>
-          <a:p>
-            <a:r>
-              <a:rPr lang="en-NL"/>
-              <a:t>steeds groter Python data ecosystem, bijv. scheduling met Airflow</a:t>
-            </a:r>
-          </a:p>
-          <a:p>
-            <a:r>
-              <a:rPr lang="en-NL"/>
-              <a:t>makkelijk om met python API’s aan te spreken</a:t>
-            </a:r>
-          </a:p>
-          <a:p>
-            <a:r>
-              <a:rPr lang="en-NL"/>
-              <a:t>websites scrapen</a:t>
-            </a:r>
-          </a:p>
-          <a:p>
-            <a:r>
-              <a:rPr lang="en-NL"/>
-              <a:t>zeer leesbare code (relatief)</a:t>
-            </a:r>
-          </a:p>
-          <a:p>
-            <a:r>
-              <a:rPr lang="en-NL"/>
-              <a:t>en hopelijk: leuk om wat nieuws te leren </a:t>
-            </a:r>
-          </a:p>
-          <a:p>
-            <a:endParaRPr lang="en-NL"/>
-          </a:p>
-          <a:p>
-            <a:endParaRPr lang="en-NL"/>
-          </a:p>
-          <a:p>
-            <a:endParaRPr lang="en-NL"/>
+            <a:endParaRPr lang="en-NL" sz="2600"/>
+          </a:p>
+          <a:p>
+            <a:endParaRPr lang="en-NL" sz="2600"/>
+          </a:p>
+          <a:p>
+            <a:endParaRPr lang="en-NL" sz="2600"/>
+          </a:p>
+          <a:p>
+            <a:r>
+              <a:rPr lang="en-NL" sz="2600"/>
+              <a:t>Introductie: </a:t>
+            </a:r>
+          </a:p>
+          <a:p>
+            <a:pPr lvl="1">
+              <a:buFont typeface="Courier New" panose="02070309020205020404" pitchFamily="49" charset="0"/>
+              <a:buChar char="o"/>
+            </a:pPr>
+            <a:r>
+              <a:rPr lang="en-NL" sz="2300"/>
+              <a:t>waar werk je nu, </a:t>
+            </a:r>
+          </a:p>
+          <a:p>
+            <a:pPr lvl="1">
+              <a:buFont typeface="Courier New" panose="02070309020205020404" pitchFamily="49" charset="0"/>
+              <a:buChar char="o"/>
+            </a:pPr>
+            <a:r>
+              <a:rPr lang="en-NL" sz="2300"/>
+              <a:t>met welke software, </a:t>
+            </a:r>
+          </a:p>
+          <a:p>
+            <a:pPr lvl="1">
+              <a:buFont typeface="Courier New" panose="02070309020205020404" pitchFamily="49" charset="0"/>
+              <a:buChar char="o"/>
+            </a:pPr>
+            <a:r>
+              <a:rPr lang="en-NL" sz="2300"/>
+              <a:t>gebruik je nu Python, </a:t>
+            </a:r>
+          </a:p>
+          <a:p>
+            <a:pPr lvl="1">
+              <a:buFont typeface="Courier New" panose="02070309020205020404" pitchFamily="49" charset="0"/>
+              <a:buChar char="o"/>
+            </a:pPr>
+            <a:r>
+              <a:rPr lang="en-NL" sz="2300"/>
+              <a:t>en: wat wil je vandaag leren</a:t>
+            </a:r>
           </a:p>
           <a:p>
             <a:pPr marL="0" indent="0">
               <a:buNone/>
             </a:pPr>
-            <a:endParaRPr lang="en-NL"/>
-          </a:p>
-          <a:p>
+            <a:endParaRPr lang="en-NL" sz="2500"/>
+          </a:p>
+          <a:p>
+            <a:pPr marL="0" indent="0">
+              <a:buNone/>
+            </a:pPr>
+            <a:endParaRPr lang="en-NL"/>
+          </a:p>
+          <a:p>
+            <a:pPr lvl="1">
+              <a:buFont typeface="Courier New" panose="02070309020205020404" pitchFamily="49" charset="0"/>
+              <a:buChar char="o"/>
+            </a:pPr>
             <a:endParaRPr lang="en-NL"/>
           </a:p>
         </p:txBody>
@@ -7642,7 +9763,7 @@
     </p:spTree>
     <p:extLst>
       <p:ext uri="{BB962C8B-B14F-4D97-AF65-F5344CB8AC3E}">
-        <p14:creationId xmlns:p14="http://schemas.microsoft.com/office/powerpoint/2010/main" val="2818774513"/>
+        <p14:creationId xmlns:p14="http://schemas.microsoft.com/office/powerpoint/2010/main" val="1761222531"/>
       </p:ext>
     </p:extLst>
   </p:cSld>
@@ -7682,7 +9803,7 @@
           <p:cNvPr id="2" name="Title 1">
             <a:extLst>
               <a:ext uri="{FF2B5EF4-FFF2-40B4-BE49-F238E27FC236}">
-                <a16:creationId xmlns:a16="http://schemas.microsoft.com/office/drawing/2014/main" id="{84C5209A-0C9B-4A42-ABE6-6C5A9CEB6F51}"/>
+                <a16:creationId xmlns:a16="http://schemas.microsoft.com/office/drawing/2014/main" id="{7542C562-6C8A-EA4C-AA34-115B8EFE2331}"/>
               </a:ext>
             </a:extLst>
           </p:cNvPr>
@@ -7695,8 +9816,8 @@
         </p:nvSpPr>
         <p:spPr>
           <a:xfrm>
-            <a:off x="0" y="0"/>
-            <a:ext cx="12192000" cy="1532238"/>
+            <a:off x="0" y="18255"/>
+            <a:ext cx="12192000" cy="1325563"/>
           </a:xfrm>
           <a:solidFill>
             <a:schemeClr val="bg1"/>
@@ -7706,47 +9827,126 @@
           <a:bodyPr/>
           <a:lstStyle/>
           <a:p>
+            <a:pPr algn="ctr"/>
             <a:r>
               <a:rPr lang="en-NL"/>
-              <a:t>Python is eating the world</a:t>
-            </a:r>
-          </a:p>
-        </p:txBody>
-      </p:sp>
-      <p:pic>
-        <p:nvPicPr>
-          <p:cNvPr id="6" name="Picture 5" descr="Chart, line chart&#10;&#10;Description automatically generated">
-            <a:extLst>
-              <a:ext uri="{FF2B5EF4-FFF2-40B4-BE49-F238E27FC236}">
-                <a16:creationId xmlns:a16="http://schemas.microsoft.com/office/drawing/2014/main" id="{679BC395-9075-024C-8B09-DF3B11C4998D}"/>
-              </a:ext>
-            </a:extLst>
-          </p:cNvPr>
-          <p:cNvPicPr>
-            <a:picLocks noChangeAspect="1"/>
-          </p:cNvPicPr>
-          <p:nvPr/>
-        </p:nvPicPr>
-        <p:blipFill>
-          <a:blip r:embed="rId2"/>
-          <a:stretch>
-            <a:fillRect/>
-          </a:stretch>
-        </p:blipFill>
-        <p:spPr>
-          <a:xfrm>
-            <a:off x="2036734" y="1677344"/>
-            <a:ext cx="8118531" cy="4921164"/>
-          </a:xfrm>
-          <a:prstGeom prst="rect">
-            <a:avLst/>
-          </a:prstGeom>
-        </p:spPr>
-      </p:pic>
+              <a:t>Highover uitleg</a:t>
+            </a:r>
+          </a:p>
+        </p:txBody>
+      </p:sp>
+      <p:sp>
+        <p:nvSpPr>
+          <p:cNvPr id="3" name="Content Placeholder 2">
+            <a:extLst>
+              <a:ext uri="{FF2B5EF4-FFF2-40B4-BE49-F238E27FC236}">
+                <a16:creationId xmlns:a16="http://schemas.microsoft.com/office/drawing/2014/main" id="{6193BE97-E656-F74F-9B05-8B879B054C6F}"/>
+              </a:ext>
+            </a:extLst>
+          </p:cNvPr>
+          <p:cNvSpPr>
+            <a:spLocks noGrp="1"/>
+          </p:cNvSpPr>
+          <p:nvPr>
+            <p:ph idx="1"/>
+          </p:nvPr>
+        </p:nvSpPr>
+        <p:spPr>
+          <a:xfrm>
+            <a:off x="783771" y="1843314"/>
+            <a:ext cx="10570029" cy="4775200"/>
+          </a:xfrm>
+          <a:solidFill>
+            <a:schemeClr val="bg1"/>
+          </a:solidFill>
+        </p:spPr>
+        <p:txBody>
+          <a:bodyPr>
+            <a:normAutofit/>
+          </a:bodyPr>
+          <a:lstStyle/>
+          <a:p>
+            <a:endParaRPr lang="en-NL" sz="2400"/>
+          </a:p>
+          <a:p>
+            <a:endParaRPr lang="en-NL" sz="2400"/>
+          </a:p>
+          <a:p>
+            <a:endParaRPr lang="en-NL" sz="2400"/>
+          </a:p>
+          <a:p>
+            <a:endParaRPr lang="en-NL" sz="2400"/>
+          </a:p>
+          <a:p>
+            <a:r>
+              <a:rPr lang="en-NL" sz="2400"/>
+              <a:t>Highover uitleg:</a:t>
+            </a:r>
+          </a:p>
+          <a:p>
+            <a:pPr lvl="1">
+              <a:buFont typeface="Courier New" panose="02070309020205020404" pitchFamily="49" charset="0"/>
+              <a:buChar char="o"/>
+            </a:pPr>
+            <a:r>
+              <a:rPr lang="en-NL" sz="2000"/>
+              <a:t>Python</a:t>
+            </a:r>
+          </a:p>
+          <a:p>
+            <a:pPr lvl="1">
+              <a:buFont typeface="Courier New" panose="02070309020205020404" pitchFamily="49" charset="0"/>
+              <a:buChar char="o"/>
+            </a:pPr>
+            <a:r>
+              <a:rPr lang="en-NL" sz="2000"/>
+              <a:t>Pandas </a:t>
+            </a:r>
+          </a:p>
+          <a:p>
+            <a:pPr lvl="1">
+              <a:buFont typeface="Courier New" panose="02070309020205020404" pitchFamily="49" charset="0"/>
+              <a:buChar char="o"/>
+            </a:pPr>
+            <a:r>
+              <a:rPr lang="en-NL" sz="2000"/>
+              <a:t>en belangrijkste Python data libraries</a:t>
+            </a:r>
+          </a:p>
+          <a:p>
+            <a:endParaRPr lang="en-NL" sz="2400"/>
+          </a:p>
+          <a:p>
+            <a:pPr marL="0" indent="0">
+              <a:buNone/>
+            </a:pPr>
+            <a:endParaRPr lang="en-NL" sz="2400"/>
+          </a:p>
+          <a:p>
+            <a:pPr marL="0" indent="0">
+              <a:buNone/>
+            </a:pPr>
+            <a:endParaRPr lang="en-NL" sz="2500"/>
+          </a:p>
+          <a:p>
+            <a:pPr marL="0" indent="0">
+              <a:buNone/>
+            </a:pPr>
+            <a:endParaRPr lang="en-NL"/>
+          </a:p>
+          <a:p>
+            <a:pPr lvl="1">
+              <a:buFont typeface="Courier New" panose="02070309020205020404" pitchFamily="49" charset="0"/>
+              <a:buChar char="o"/>
+            </a:pPr>
+            <a:endParaRPr lang="en-NL"/>
+          </a:p>
+        </p:txBody>
+      </p:sp>
     </p:spTree>
     <p:extLst>
       <p:ext uri="{BB962C8B-B14F-4D97-AF65-F5344CB8AC3E}">
-        <p14:creationId xmlns:p14="http://schemas.microsoft.com/office/powerpoint/2010/main" val="3748415639"/>
+        <p14:creationId xmlns:p14="http://schemas.microsoft.com/office/powerpoint/2010/main" val="663178406"/>
       </p:ext>
     </p:extLst>
   </p:cSld>
@@ -7812,95 +10012,45 @@
           <a:p>
             <a:r>
               <a:rPr lang="en-NL"/>
-              <a:t>Main disadvantages of python / pandas</a:t>
-            </a:r>
-          </a:p>
-        </p:txBody>
-      </p:sp>
-      <p:sp>
-        <p:nvSpPr>
-          <p:cNvPr id="3" name="Content Placeholder 2">
-            <a:extLst>
-              <a:ext uri="{FF2B5EF4-FFF2-40B4-BE49-F238E27FC236}">
-                <a16:creationId xmlns:a16="http://schemas.microsoft.com/office/drawing/2014/main" id="{5B70B87F-8D1E-F04B-9D7C-D2C77F873AE9}"/>
-              </a:ext>
-            </a:extLst>
-          </p:cNvPr>
-          <p:cNvSpPr>
-            <a:spLocks noGrp="1"/>
-          </p:cNvSpPr>
-          <p:nvPr>
-            <p:ph idx="1"/>
-          </p:nvPr>
-        </p:nvSpPr>
-        <p:spPr>
-          <a:xfrm>
-            <a:off x="838200" y="2023333"/>
-            <a:ext cx="10515600" cy="4351338"/>
-          </a:xfrm>
-          <a:solidFill>
-            <a:schemeClr val="bg1"/>
-          </a:solidFill>
-        </p:spPr>
-        <p:txBody>
-          <a:bodyPr>
-            <a:normAutofit/>
-          </a:bodyPr>
-          <a:lstStyle/>
-          <a:p>
-            <a:endParaRPr lang="en-NL"/>
-          </a:p>
-          <a:p>
-            <a:r>
-              <a:rPr lang="en-NL"/>
-              <a:t>pandas doet alles in-memory, dus voor gedistribueerde oplossingen heb je bijv. Spark of Dask nodig</a:t>
-            </a:r>
-          </a:p>
-          <a:p>
-            <a:endParaRPr lang="en-NL"/>
-          </a:p>
-          <a:p>
-            <a:r>
-              <a:rPr lang="en-NL"/>
-              <a:t>higher-level language: gebouwd bovenop C. Omdat het higher-level is, is het ook langzamer</a:t>
-            </a:r>
-          </a:p>
-          <a:p>
-            <a:pPr marL="0" indent="0">
-              <a:buNone/>
-            </a:pPr>
-            <a:endParaRPr lang="en-NL"/>
-          </a:p>
-          <a:p>
-            <a:r>
-              <a:rPr lang="en-NL"/>
-              <a:t>niet geschikt voor mobile development</a:t>
-            </a:r>
-          </a:p>
-          <a:p>
-            <a:endParaRPr lang="en-NL"/>
-          </a:p>
-          <a:p>
-            <a:endParaRPr lang="en-NL"/>
-          </a:p>
-          <a:p>
-            <a:endParaRPr lang="en-NL"/>
-          </a:p>
-          <a:p>
-            <a:pPr marL="0" indent="0">
-              <a:buNone/>
-            </a:pPr>
-            <a:endParaRPr lang="en-NL"/>
-          </a:p>
-          <a:p>
-            <a:endParaRPr lang="en-NL"/>
-          </a:p>
-        </p:txBody>
-      </p:sp>
+              <a:t>Python is eating the world</a:t>
+            </a:r>
+          </a:p>
+        </p:txBody>
+      </p:sp>
+      <p:pic>
+        <p:nvPicPr>
+          <p:cNvPr id="6" name="Picture 5" descr="Chart, line chart&#10;&#10;Description automatically generated">
+            <a:extLst>
+              <a:ext uri="{FF2B5EF4-FFF2-40B4-BE49-F238E27FC236}">
+                <a16:creationId xmlns:a16="http://schemas.microsoft.com/office/drawing/2014/main" id="{679BC395-9075-024C-8B09-DF3B11C4998D}"/>
+              </a:ext>
+            </a:extLst>
+          </p:cNvPr>
+          <p:cNvPicPr>
+            <a:picLocks noChangeAspect="1"/>
+          </p:cNvPicPr>
+          <p:nvPr/>
+        </p:nvPicPr>
+        <p:blipFill>
+          <a:blip r:embed="rId2"/>
+          <a:stretch>
+            <a:fillRect/>
+          </a:stretch>
+        </p:blipFill>
+        <p:spPr>
+          <a:xfrm>
+            <a:off x="2036734" y="1677344"/>
+            <a:ext cx="8118531" cy="4921164"/>
+          </a:xfrm>
+          <a:prstGeom prst="rect">
+            <a:avLst/>
+          </a:prstGeom>
+        </p:spPr>
+      </p:pic>
     </p:spTree>
     <p:extLst>
       <p:ext uri="{BB962C8B-B14F-4D97-AF65-F5344CB8AC3E}">
-        <p14:creationId xmlns:p14="http://schemas.microsoft.com/office/powerpoint/2010/main" val="3600264871"/>
+        <p14:creationId xmlns:p14="http://schemas.microsoft.com/office/powerpoint/2010/main" val="3748415639"/>
       </p:ext>
     </p:extLst>
   </p:cSld>
@@ -7937,6 +10087,332 @@
       </p:grpSpPr>
       <p:sp>
         <p:nvSpPr>
+          <p:cNvPr id="2" name="Title 1">
+            <a:extLst>
+              <a:ext uri="{FF2B5EF4-FFF2-40B4-BE49-F238E27FC236}">
+                <a16:creationId xmlns:a16="http://schemas.microsoft.com/office/drawing/2014/main" id="{84C5209A-0C9B-4A42-ABE6-6C5A9CEB6F51}"/>
+              </a:ext>
+            </a:extLst>
+          </p:cNvPr>
+          <p:cNvSpPr>
+            <a:spLocks noGrp="1"/>
+          </p:cNvSpPr>
+          <p:nvPr>
+            <p:ph type="title"/>
+          </p:nvPr>
+        </p:nvSpPr>
+        <p:spPr>
+          <a:xfrm>
+            <a:off x="0" y="0"/>
+            <a:ext cx="12192000" cy="1532238"/>
+          </a:xfrm>
+          <a:solidFill>
+            <a:schemeClr val="bg1"/>
+          </a:solidFill>
+        </p:spPr>
+        <p:txBody>
+          <a:bodyPr/>
+          <a:lstStyle/>
+          <a:p>
+            <a:r>
+              <a:rPr lang="en-NL"/>
+              <a:t>Why is it handy to know some python / pandas?</a:t>
+            </a:r>
+          </a:p>
+        </p:txBody>
+      </p:sp>
+      <p:sp>
+        <p:nvSpPr>
+          <p:cNvPr id="3" name="Content Placeholder 2">
+            <a:extLst>
+              <a:ext uri="{FF2B5EF4-FFF2-40B4-BE49-F238E27FC236}">
+                <a16:creationId xmlns:a16="http://schemas.microsoft.com/office/drawing/2014/main" id="{5B70B87F-8D1E-F04B-9D7C-D2C77F873AE9}"/>
+              </a:ext>
+            </a:extLst>
+          </p:cNvPr>
+          <p:cNvSpPr>
+            <a:spLocks noGrp="1"/>
+          </p:cNvSpPr>
+          <p:nvPr>
+            <p:ph idx="1"/>
+          </p:nvPr>
+        </p:nvSpPr>
+        <p:spPr>
+          <a:xfrm>
+            <a:off x="838200" y="2023333"/>
+            <a:ext cx="10515600" cy="4351338"/>
+          </a:xfrm>
+          <a:solidFill>
+            <a:schemeClr val="bg1"/>
+          </a:solidFill>
+        </p:spPr>
+        <p:txBody>
+          <a:bodyPr>
+            <a:normAutofit fontScale="92500" lnSpcReduction="10000"/>
+          </a:bodyPr>
+          <a:lstStyle/>
+          <a:p>
+            <a:r>
+              <a:rPr lang="en-NL"/>
+              <a:t>veel gebruikt voor data analysis en machine learning</a:t>
+            </a:r>
+          </a:p>
+          <a:p>
+            <a:r>
+              <a:rPr lang="en-NL"/>
+              <a:t>steeds vaker ingezet voor data engineering: pandas en python zijn zeer flexibel voor data wrangling</a:t>
+            </a:r>
+          </a:p>
+          <a:p>
+            <a:r>
+              <a:rPr lang="en-NL"/>
+              <a:t>als je de pandas API enigszins kent, dan helpt dat bijv. ook weer met databricks / pyspark</a:t>
+            </a:r>
+          </a:p>
+          <a:p>
+            <a:r>
+              <a:rPr lang="en-NL"/>
+              <a:t>steeds groter Python data ecosystem, bijv. scheduling met Airflow</a:t>
+            </a:r>
+          </a:p>
+          <a:p>
+            <a:r>
+              <a:rPr lang="en-NL"/>
+              <a:t>makkelijk om met python API’s aan te spreken</a:t>
+            </a:r>
+          </a:p>
+          <a:p>
+            <a:r>
+              <a:rPr lang="en-NL"/>
+              <a:t>websites scrapen</a:t>
+            </a:r>
+          </a:p>
+          <a:p>
+            <a:r>
+              <a:rPr lang="en-NL"/>
+              <a:t>zeer leesbare code (relatief)</a:t>
+            </a:r>
+          </a:p>
+          <a:p>
+            <a:r>
+              <a:rPr lang="en-NL"/>
+              <a:t>en hopelijk: leuk om wat nieuws te leren </a:t>
+            </a:r>
+          </a:p>
+          <a:p>
+            <a:endParaRPr lang="en-NL"/>
+          </a:p>
+          <a:p>
+            <a:endParaRPr lang="en-NL"/>
+          </a:p>
+          <a:p>
+            <a:endParaRPr lang="en-NL"/>
+          </a:p>
+          <a:p>
+            <a:pPr marL="0" indent="0">
+              <a:buNone/>
+            </a:pPr>
+            <a:endParaRPr lang="en-NL"/>
+          </a:p>
+          <a:p>
+            <a:endParaRPr lang="en-NL"/>
+          </a:p>
+        </p:txBody>
+      </p:sp>
+    </p:spTree>
+    <p:extLst>
+      <p:ext uri="{BB962C8B-B14F-4D97-AF65-F5344CB8AC3E}">
+        <p14:creationId xmlns:p14="http://schemas.microsoft.com/office/powerpoint/2010/main" val="2818774513"/>
+      </p:ext>
+    </p:extLst>
+  </p:cSld>
+  <p:clrMapOvr>
+    <a:masterClrMapping/>
+  </p:clrMapOvr>
+</p:sld>
+</file>
+
+<file path=ppt/slides/slide7.xml><?xml version="1.0" encoding="utf-8"?>
+<p:sld xmlns:a="http://schemas.openxmlformats.org/drawingml/2006/main" xmlns:r="http://schemas.openxmlformats.org/officeDocument/2006/relationships" xmlns:p="http://schemas.openxmlformats.org/presentationml/2006/main">
+  <p:cSld>
+    <p:bg>
+      <p:bgPr>
+        <a:solidFill>
+          <a:schemeClr val="bg2"/>
+        </a:solidFill>
+        <a:effectLst/>
+      </p:bgPr>
+    </p:bg>
+    <p:spTree>
+      <p:nvGrpSpPr>
+        <p:cNvPr id="1" name=""/>
+        <p:cNvGrpSpPr/>
+        <p:nvPr/>
+      </p:nvGrpSpPr>
+      <p:grpSpPr>
+        <a:xfrm>
+          <a:off x="0" y="0"/>
+          <a:ext cx="0" cy="0"/>
+          <a:chOff x="0" y="0"/>
+          <a:chExt cx="0" cy="0"/>
+        </a:xfrm>
+      </p:grpSpPr>
+      <p:sp>
+        <p:nvSpPr>
+          <p:cNvPr id="2" name="Title 1">
+            <a:extLst>
+              <a:ext uri="{FF2B5EF4-FFF2-40B4-BE49-F238E27FC236}">
+                <a16:creationId xmlns:a16="http://schemas.microsoft.com/office/drawing/2014/main" id="{84C5209A-0C9B-4A42-ABE6-6C5A9CEB6F51}"/>
+              </a:ext>
+            </a:extLst>
+          </p:cNvPr>
+          <p:cNvSpPr>
+            <a:spLocks noGrp="1"/>
+          </p:cNvSpPr>
+          <p:nvPr>
+            <p:ph type="title"/>
+          </p:nvPr>
+        </p:nvSpPr>
+        <p:spPr>
+          <a:xfrm>
+            <a:off x="0" y="0"/>
+            <a:ext cx="12192000" cy="1532238"/>
+          </a:xfrm>
+          <a:solidFill>
+            <a:schemeClr val="bg1"/>
+          </a:solidFill>
+        </p:spPr>
+        <p:txBody>
+          <a:bodyPr/>
+          <a:lstStyle/>
+          <a:p>
+            <a:r>
+              <a:rPr lang="en-NL"/>
+              <a:t>Main disadvantages of python / pandas</a:t>
+            </a:r>
+          </a:p>
+        </p:txBody>
+      </p:sp>
+      <p:sp>
+        <p:nvSpPr>
+          <p:cNvPr id="3" name="Content Placeholder 2">
+            <a:extLst>
+              <a:ext uri="{FF2B5EF4-FFF2-40B4-BE49-F238E27FC236}">
+                <a16:creationId xmlns:a16="http://schemas.microsoft.com/office/drawing/2014/main" id="{5B70B87F-8D1E-F04B-9D7C-D2C77F873AE9}"/>
+              </a:ext>
+            </a:extLst>
+          </p:cNvPr>
+          <p:cNvSpPr>
+            <a:spLocks noGrp="1"/>
+          </p:cNvSpPr>
+          <p:nvPr>
+            <p:ph idx="1"/>
+          </p:nvPr>
+        </p:nvSpPr>
+        <p:spPr>
+          <a:xfrm>
+            <a:off x="838200" y="2023333"/>
+            <a:ext cx="10515600" cy="4351338"/>
+          </a:xfrm>
+          <a:solidFill>
+            <a:schemeClr val="bg1"/>
+          </a:solidFill>
+        </p:spPr>
+        <p:txBody>
+          <a:bodyPr>
+            <a:normAutofit/>
+          </a:bodyPr>
+          <a:lstStyle/>
+          <a:p>
+            <a:endParaRPr lang="en-NL"/>
+          </a:p>
+          <a:p>
+            <a:r>
+              <a:rPr lang="en-NL"/>
+              <a:t>pandas doet alles in-memory, dus voor gedistribueerde oplossingen heb je bijv. Spark of Dask nodig</a:t>
+            </a:r>
+          </a:p>
+          <a:p>
+            <a:endParaRPr lang="en-NL"/>
+          </a:p>
+          <a:p>
+            <a:r>
+              <a:rPr lang="en-NL"/>
+              <a:t>higher-level language: gebouwd bovenop C. Omdat het higher-level is, is het ook langzamer</a:t>
+            </a:r>
+          </a:p>
+          <a:p>
+            <a:pPr marL="0" indent="0">
+              <a:buNone/>
+            </a:pPr>
+            <a:endParaRPr lang="en-NL"/>
+          </a:p>
+          <a:p>
+            <a:r>
+              <a:rPr lang="en-NL"/>
+              <a:t>niet geschikt voor mobile development</a:t>
+            </a:r>
+          </a:p>
+          <a:p>
+            <a:endParaRPr lang="en-NL"/>
+          </a:p>
+          <a:p>
+            <a:endParaRPr lang="en-NL"/>
+          </a:p>
+          <a:p>
+            <a:endParaRPr lang="en-NL"/>
+          </a:p>
+          <a:p>
+            <a:pPr marL="0" indent="0">
+              <a:buNone/>
+            </a:pPr>
+            <a:endParaRPr lang="en-NL"/>
+          </a:p>
+          <a:p>
+            <a:endParaRPr lang="en-NL"/>
+          </a:p>
+        </p:txBody>
+      </p:sp>
+    </p:spTree>
+    <p:extLst>
+      <p:ext uri="{BB962C8B-B14F-4D97-AF65-F5344CB8AC3E}">
+        <p14:creationId xmlns:p14="http://schemas.microsoft.com/office/powerpoint/2010/main" val="3600264871"/>
+      </p:ext>
+    </p:extLst>
+  </p:cSld>
+  <p:clrMapOvr>
+    <a:masterClrMapping/>
+  </p:clrMapOvr>
+</p:sld>
+</file>
+
+<file path=ppt/slides/slide8.xml><?xml version="1.0" encoding="utf-8"?>
+<p:sld xmlns:a="http://schemas.openxmlformats.org/drawingml/2006/main" xmlns:r="http://schemas.openxmlformats.org/officeDocument/2006/relationships" xmlns:p="http://schemas.openxmlformats.org/presentationml/2006/main">
+  <p:cSld>
+    <p:bg>
+      <p:bgPr>
+        <a:solidFill>
+          <a:schemeClr val="bg2"/>
+        </a:solidFill>
+        <a:effectLst/>
+      </p:bgPr>
+    </p:bg>
+    <p:spTree>
+      <p:nvGrpSpPr>
+        <p:cNvPr id="1" name=""/>
+        <p:cNvGrpSpPr/>
+        <p:nvPr/>
+      </p:nvGrpSpPr>
+      <p:grpSpPr>
+        <a:xfrm>
+          <a:off x="0" y="0"/>
+          <a:ext cx="0" cy="0"/>
+          <a:chOff x="0" y="0"/>
+          <a:chExt cx="0" cy="0"/>
+        </a:xfrm>
+      </p:grpSpPr>
+      <p:sp>
+        <p:nvSpPr>
           <p:cNvPr id="13" name="Rectangle 15">
             <a:extLst>
               <a:ext uri="{FF2B5EF4-FFF2-40B4-BE49-F238E27FC236}">
@@ -8252,746 +10728,6 @@
     <p:extLst>
       <p:ext uri="{BB962C8B-B14F-4D97-AF65-F5344CB8AC3E}">
         <p14:creationId xmlns:p14="http://schemas.microsoft.com/office/powerpoint/2010/main" val="3152156881"/>
-      </p:ext>
-    </p:extLst>
-  </p:cSld>
-  <p:clrMapOvr>
-    <a:masterClrMapping/>
-  </p:clrMapOvr>
-</p:sld>
-</file>
-
-<file path=ppt/slides/slide7.xml><?xml version="1.0" encoding="utf-8"?>
-<p:sld xmlns:a="http://schemas.openxmlformats.org/drawingml/2006/main" xmlns:r="http://schemas.openxmlformats.org/officeDocument/2006/relationships" xmlns:p="http://schemas.openxmlformats.org/presentationml/2006/main">
-  <p:cSld>
-    <p:bg>
-      <p:bgPr>
-        <a:solidFill>
-          <a:schemeClr val="bg1"/>
-        </a:solidFill>
-        <a:effectLst/>
-      </p:bgPr>
-    </p:bg>
-    <p:spTree>
-      <p:nvGrpSpPr>
-        <p:cNvPr id="1" name=""/>
-        <p:cNvGrpSpPr/>
-        <p:nvPr/>
-      </p:nvGrpSpPr>
-      <p:grpSpPr>
-        <a:xfrm>
-          <a:off x="0" y="0"/>
-          <a:ext cx="0" cy="0"/>
-          <a:chOff x="0" y="0"/>
-          <a:chExt cx="0" cy="0"/>
-        </a:xfrm>
-      </p:grpSpPr>
-      <p:sp>
-        <p:nvSpPr>
-          <p:cNvPr id="7" name="TextBox 6">
-            <a:extLst>
-              <a:ext uri="{FF2B5EF4-FFF2-40B4-BE49-F238E27FC236}">
-                <a16:creationId xmlns:a16="http://schemas.microsoft.com/office/drawing/2014/main" id="{AA36F465-9DE2-D246-B562-24C196A6B2F5}"/>
-              </a:ext>
-            </a:extLst>
-          </p:cNvPr>
-          <p:cNvSpPr txBox="1"/>
-          <p:nvPr/>
-        </p:nvSpPr>
-        <p:spPr>
-          <a:xfrm>
-            <a:off x="645859" y="640081"/>
-            <a:ext cx="3494341" cy="3793488"/>
-          </a:xfrm>
-          <a:prstGeom prst="rect">
-            <a:avLst/>
-          </a:prstGeom>
-          <a:noFill/>
-        </p:spPr>
-        <p:txBody>
-          <a:bodyPr vert="horz" lIns="91440" tIns="45720" rIns="91440" bIns="45720" rtlCol="0" anchor="b">
-            <a:normAutofit/>
-          </a:bodyPr>
-          <a:lstStyle/>
-          <a:p>
-            <a:pPr>
-              <a:lnSpc>
-                <a:spcPct val="90000"/>
-              </a:lnSpc>
-              <a:spcBef>
-                <a:spcPct val="0"/>
-              </a:spcBef>
-              <a:spcAft>
-                <a:spcPts val="600"/>
-              </a:spcAft>
-            </a:pPr>
-            <a:r>
-              <a:rPr lang="en-US" sz="4600">
-                <a:latin typeface="+mj-lt"/>
-                <a:ea typeface="+mj-ea"/>
-                <a:cs typeface="+mj-cs"/>
-              </a:rPr>
-              <a:t>Python Data Science Libraries</a:t>
-            </a:r>
-          </a:p>
-        </p:txBody>
-      </p:sp>
-      <p:sp>
-        <p:nvSpPr>
-          <p:cNvPr id="12" name="Rectangle 11">
-            <a:extLst>
-              <a:ext uri="{FF2B5EF4-FFF2-40B4-BE49-F238E27FC236}">
-                <a16:creationId xmlns:a16="http://schemas.microsoft.com/office/drawing/2014/main" id="{71FC7D98-7B8B-402A-90FC-F027482F2142}"/>
-              </a:ext>
-              <a:ext uri="{C183D7F6-B498-43B3-948B-1728B52AA6E4}">
-                <adec:decorative xmlns:adec="http://schemas.microsoft.com/office/drawing/2017/decorative" val="1"/>
-              </a:ext>
-            </a:extLst>
-          </p:cNvPr>
-          <p:cNvSpPr>
-            <a:spLocks noGrp="1" noRot="1" noChangeAspect="1" noMove="1" noResize="1" noEditPoints="1" noAdjustHandles="1" noChangeArrowheads="1" noChangeShapeType="1" noTextEdit="1"/>
-          </p:cNvSpPr>
-          <p:nvPr>
-            <p:extLst>
-              <p:ext uri="{386F3935-93C4-4BCD-93E2-E3B085C9AB24}">
-                <p16:designElem xmlns:p16="http://schemas.microsoft.com/office/powerpoint/2015/main" val="1"/>
-              </p:ext>
-            </p:extLst>
-          </p:nvPr>
-        </p:nvSpPr>
-        <p:spPr>
-          <a:xfrm>
-            <a:off x="4625926" y="0"/>
-            <a:ext cx="7566074" cy="6858000"/>
-          </a:xfrm>
-          <a:prstGeom prst="rect">
-            <a:avLst/>
-          </a:prstGeom>
-          <a:solidFill>
-            <a:srgbClr val="C8CACA"/>
-          </a:solidFill>
-          <a:ln>
-            <a:noFill/>
-          </a:ln>
-        </p:spPr>
-        <p:style>
-          <a:lnRef idx="2">
-            <a:schemeClr val="accent1">
-              <a:shade val="50000"/>
-            </a:schemeClr>
-          </a:lnRef>
-          <a:fillRef idx="1">
-            <a:schemeClr val="accent1"/>
-          </a:fillRef>
-          <a:effectRef idx="0">
-            <a:schemeClr val="accent1"/>
-          </a:effectRef>
-          <a:fontRef idx="minor">
-            <a:schemeClr val="lt1"/>
-          </a:fontRef>
-        </p:style>
-        <p:txBody>
-          <a:bodyPr rtlCol="0" anchor="ctr"/>
-          <a:lstStyle/>
-          <a:p>
-            <a:pPr algn="ctr"/>
-            <a:endParaRPr lang="en-US"/>
-          </a:p>
-        </p:txBody>
-      </p:sp>
-      <p:sp>
-        <p:nvSpPr>
-          <p:cNvPr id="14" name="Rounded Rectangle 28">
-            <a:extLst>
-              <a:ext uri="{FF2B5EF4-FFF2-40B4-BE49-F238E27FC236}">
-                <a16:creationId xmlns:a16="http://schemas.microsoft.com/office/drawing/2014/main" id="{AD7356EA-285B-4E5D-8FEC-104659A4FD2C}"/>
-              </a:ext>
-              <a:ext uri="{C183D7F6-B498-43B3-948B-1728B52AA6E4}">
-                <adec:decorative xmlns:adec="http://schemas.microsoft.com/office/drawing/2017/decorative" val="1"/>
-              </a:ext>
-            </a:extLst>
-          </p:cNvPr>
-          <p:cNvSpPr>
-            <a:spLocks noGrp="1" noRot="1" noChangeAspect="1" noMove="1" noResize="1" noEditPoints="1" noAdjustHandles="1" noChangeArrowheads="1" noChangeShapeType="1" noTextEdit="1"/>
-          </p:cNvSpPr>
-          <p:nvPr>
-            <p:extLst>
-              <p:ext uri="{386F3935-93C4-4BCD-93E2-E3B085C9AB24}">
-                <p16:designElem xmlns:p16="http://schemas.microsoft.com/office/powerpoint/2015/main" val="1"/>
-              </p:ext>
-            </p:extLst>
-          </p:nvPr>
-        </p:nvSpPr>
-        <p:spPr>
-          <a:xfrm>
-            <a:off x="5275903" y="640091"/>
-            <a:ext cx="6266120" cy="5577818"/>
-          </a:xfrm>
-          <a:prstGeom prst="roundRect">
-            <a:avLst>
-              <a:gd name="adj" fmla="val 0"/>
-            </a:avLst>
-          </a:prstGeom>
-          <a:solidFill>
-            <a:srgbClr val="FFFFFF"/>
-          </a:solidFill>
-          <a:ln w="9525">
-            <a:solidFill>
-              <a:srgbClr val="C8CACA"/>
-            </a:solidFill>
-          </a:ln>
-          <a:effectLst>
-            <a:outerShdw blurRad="57150" dist="19050" dir="5400000" algn="t" rotWithShape="0">
-              <a:prstClr val="black">
-                <a:alpha val="63000"/>
-              </a:prstClr>
-            </a:outerShdw>
-          </a:effectLst>
-        </p:spPr>
-        <p:style>
-          <a:lnRef idx="2">
-            <a:schemeClr val="accent1">
-              <a:shade val="50000"/>
-            </a:schemeClr>
-          </a:lnRef>
-          <a:fillRef idx="1">
-            <a:schemeClr val="accent1"/>
-          </a:fillRef>
-          <a:effectRef idx="0">
-            <a:schemeClr val="accent1"/>
-          </a:effectRef>
-          <a:fontRef idx="minor">
-            <a:schemeClr val="lt1"/>
-          </a:fontRef>
-        </p:style>
-        <p:txBody>
-          <a:bodyPr rtlCol="0" anchor="ctr"/>
-          <a:lstStyle/>
-          <a:p>
-            <a:pPr algn="ctr"/>
-            <a:endParaRPr lang="en-US"/>
-          </a:p>
-        </p:txBody>
-      </p:sp>
-      <p:pic>
-        <p:nvPicPr>
-          <p:cNvPr id="3" name="Picture 2" descr="A picture containing diagram&#10;&#10;Description automatically generated">
-            <a:extLst>
-              <a:ext uri="{FF2B5EF4-FFF2-40B4-BE49-F238E27FC236}">
-                <a16:creationId xmlns:a16="http://schemas.microsoft.com/office/drawing/2014/main" id="{0A5DDF88-DAD1-E345-86DF-FAADDBFB57FD}"/>
-              </a:ext>
-            </a:extLst>
-          </p:cNvPr>
-          <p:cNvPicPr>
-            <a:picLocks noChangeAspect="1"/>
-          </p:cNvPicPr>
-          <p:nvPr/>
-        </p:nvPicPr>
-        <p:blipFill rotWithShape="1">
-          <a:blip r:embed="rId3"/>
-          <a:srcRect l="3611"/>
-          <a:stretch/>
-        </p:blipFill>
-        <p:spPr>
-          <a:xfrm>
-            <a:off x="5441735" y="804672"/>
-            <a:ext cx="5934456" cy="5248656"/>
-          </a:xfrm>
-          <a:prstGeom prst="rect">
-            <a:avLst/>
-          </a:prstGeom>
-          <a:effectLst/>
-        </p:spPr>
-      </p:pic>
-      <p:pic>
-        <p:nvPicPr>
-          <p:cNvPr id="2050" name="Picture 2" descr="Apache Airflow - Wikipedia">
-            <a:extLst>
-              <a:ext uri="{FF2B5EF4-FFF2-40B4-BE49-F238E27FC236}">
-                <a16:creationId xmlns:a16="http://schemas.microsoft.com/office/drawing/2014/main" id="{0125145F-4612-7744-AD0F-1A8154A3BBDE}"/>
-              </a:ext>
-            </a:extLst>
-          </p:cNvPr>
-          <p:cNvPicPr>
-            <a:picLocks noChangeAspect="1" noChangeArrowheads="1"/>
-          </p:cNvPicPr>
-          <p:nvPr/>
-        </p:nvPicPr>
-        <p:blipFill>
-          <a:blip r:embed="rId4">
-            <a:extLst>
-              <a:ext uri="{28A0092B-C50C-407E-A947-70E740481C1C}">
-                <a14:useLocalDpi xmlns:a14="http://schemas.microsoft.com/office/drawing/2010/main" val="0"/>
-              </a:ext>
-            </a:extLst>
-          </a:blip>
-          <a:srcRect/>
-          <a:stretch>
-            <a:fillRect/>
-          </a:stretch>
-        </p:blipFill>
-        <p:spPr bwMode="auto">
-          <a:xfrm>
-            <a:off x="10789902" y="3203878"/>
-            <a:ext cx="1172577" cy="450244"/>
-          </a:xfrm>
-          <a:prstGeom prst="rect">
-            <a:avLst/>
-          </a:prstGeom>
-          <a:noFill/>
-          <a:extLst>
-            <a:ext uri="{909E8E84-426E-40DD-AFC4-6F175D3DCCD1}">
-              <a14:hiddenFill xmlns:a14="http://schemas.microsoft.com/office/drawing/2010/main">
-                <a:solidFill>
-                  <a:srgbClr val="FFFFFF"/>
-                </a:solidFill>
-              </a14:hiddenFill>
-            </a:ext>
-          </a:extLst>
-        </p:spPr>
-      </p:pic>
-      <p:pic>
-        <p:nvPicPr>
-          <p:cNvPr id="2056" name="Picture 8">
-            <a:extLst>
-              <a:ext uri="{FF2B5EF4-FFF2-40B4-BE49-F238E27FC236}">
-                <a16:creationId xmlns:a16="http://schemas.microsoft.com/office/drawing/2014/main" id="{C798E593-BE81-D84E-9C9A-113BE0F1C23A}"/>
-              </a:ext>
-            </a:extLst>
-          </p:cNvPr>
-          <p:cNvPicPr>
-            <a:picLocks noChangeAspect="1" noChangeArrowheads="1"/>
-          </p:cNvPicPr>
-          <p:nvPr/>
-        </p:nvPicPr>
-        <p:blipFill>
-          <a:blip r:embed="rId5">
-            <a:extLst>
-              <a:ext uri="{28A0092B-C50C-407E-A947-70E740481C1C}">
-                <a14:useLocalDpi xmlns:a14="http://schemas.microsoft.com/office/drawing/2010/main" val="0"/>
-              </a:ext>
-            </a:extLst>
-          </a:blip>
-          <a:srcRect/>
-          <a:stretch>
-            <a:fillRect/>
-          </a:stretch>
-        </p:blipFill>
-        <p:spPr bwMode="auto">
-          <a:xfrm>
-            <a:off x="5402074" y="804672"/>
-            <a:ext cx="693926" cy="807356"/>
-          </a:xfrm>
-          <a:prstGeom prst="rect">
-            <a:avLst/>
-          </a:prstGeom>
-          <a:noFill/>
-          <a:extLst>
-            <a:ext uri="{909E8E84-426E-40DD-AFC4-6F175D3DCCD1}">
-              <a14:hiddenFill xmlns:a14="http://schemas.microsoft.com/office/drawing/2010/main">
-                <a:solidFill>
-                  <a:srgbClr val="FFFFFF"/>
-                </a:solidFill>
-              </a14:hiddenFill>
-            </a:ext>
-          </a:extLst>
-        </p:spPr>
-      </p:pic>
-      <p:pic>
-        <p:nvPicPr>
-          <p:cNvPr id="2058" name="Picture 10" descr="Unit Testing with PySpark. By David Illes, Vice President at… | by  Cambridge Spark | Cambridge Spark">
-            <a:extLst>
-              <a:ext uri="{FF2B5EF4-FFF2-40B4-BE49-F238E27FC236}">
-                <a16:creationId xmlns:a16="http://schemas.microsoft.com/office/drawing/2014/main" id="{ABB51496-6CBC-BC40-BA06-D75D4A194F2B}"/>
-              </a:ext>
-            </a:extLst>
-          </p:cNvPr>
-          <p:cNvPicPr>
-            <a:picLocks noChangeAspect="1" noChangeArrowheads="1"/>
-          </p:cNvPicPr>
-          <p:nvPr/>
-        </p:nvPicPr>
-        <p:blipFill>
-          <a:blip r:embed="rId6">
-            <a:extLst>
-              <a:ext uri="{28A0092B-C50C-407E-A947-70E740481C1C}">
-                <a14:useLocalDpi xmlns:a14="http://schemas.microsoft.com/office/drawing/2010/main" val="0"/>
-              </a:ext>
-            </a:extLst>
-          </a:blip>
-          <a:srcRect/>
-          <a:stretch>
-            <a:fillRect/>
-          </a:stretch>
-        </p:blipFill>
-        <p:spPr bwMode="auto">
-          <a:xfrm>
-            <a:off x="10087140" y="804672"/>
-            <a:ext cx="1289050" cy="724282"/>
-          </a:xfrm>
-          <a:prstGeom prst="rect">
-            <a:avLst/>
-          </a:prstGeom>
-          <a:noFill/>
-          <a:extLst>
-            <a:ext uri="{909E8E84-426E-40DD-AFC4-6F175D3DCCD1}">
-              <a14:hiddenFill xmlns:a14="http://schemas.microsoft.com/office/drawing/2010/main">
-                <a:solidFill>
-                  <a:srgbClr val="FFFFFF"/>
-                </a:solidFill>
-              </a14:hiddenFill>
-            </a:ext>
-          </a:extLst>
-        </p:spPr>
-      </p:pic>
-      <p:pic>
-        <p:nvPicPr>
-          <p:cNvPr id="11" name="Picture 10" descr="seaborn: statistical data visualization — seaborn 0.11.1 documentation">
-            <a:extLst>
-              <a:ext uri="{FF2B5EF4-FFF2-40B4-BE49-F238E27FC236}">
-                <a16:creationId xmlns:a16="http://schemas.microsoft.com/office/drawing/2014/main" id="{1FD05B8E-F514-6446-9020-81F21A8B7DFB}"/>
-              </a:ext>
-            </a:extLst>
-          </p:cNvPr>
-          <p:cNvPicPr>
-            <a:picLocks noChangeAspect="1" noChangeArrowheads="1"/>
-          </p:cNvPicPr>
-          <p:nvPr/>
-        </p:nvPicPr>
-        <p:blipFill>
-          <a:blip r:embed="rId7">
-            <a:extLst>
-              <a:ext uri="{28A0092B-C50C-407E-A947-70E740481C1C}">
-                <a14:useLocalDpi xmlns:a14="http://schemas.microsoft.com/office/drawing/2010/main" val="0"/>
-              </a:ext>
-            </a:extLst>
-          </a:blip>
-          <a:srcRect/>
-          <a:stretch>
-            <a:fillRect/>
-          </a:stretch>
-        </p:blipFill>
-        <p:spPr bwMode="auto">
-          <a:xfrm>
-            <a:off x="5749037" y="2644644"/>
-            <a:ext cx="885370" cy="252963"/>
-          </a:xfrm>
-          <a:prstGeom prst="rect">
-            <a:avLst/>
-          </a:prstGeom>
-          <a:noFill/>
-          <a:extLst>
-            <a:ext uri="{909E8E84-426E-40DD-AFC4-6F175D3DCCD1}">
-              <a14:hiddenFill xmlns:a14="http://schemas.microsoft.com/office/drawing/2010/main">
-                <a:solidFill>
-                  <a:srgbClr val="FFFFFF"/>
-                </a:solidFill>
-              </a14:hiddenFill>
-            </a:ext>
-          </a:extLst>
-        </p:spPr>
-      </p:pic>
-    </p:spTree>
-    <p:extLst>
-      <p:ext uri="{BB962C8B-B14F-4D97-AF65-F5344CB8AC3E}">
-        <p14:creationId xmlns:p14="http://schemas.microsoft.com/office/powerpoint/2010/main" val="2112928636"/>
-      </p:ext>
-    </p:extLst>
-  </p:cSld>
-  <p:clrMapOvr>
-    <a:masterClrMapping/>
-  </p:clrMapOvr>
-</p:sld>
-</file>
-
-<file path=ppt/slides/slide8.xml><?xml version="1.0" encoding="utf-8"?>
-<p:sld xmlns:a="http://schemas.openxmlformats.org/drawingml/2006/main" xmlns:r="http://schemas.openxmlformats.org/officeDocument/2006/relationships" xmlns:p="http://schemas.openxmlformats.org/presentationml/2006/main">
-  <p:cSld>
-    <p:bg>
-      <p:bgPr>
-        <a:solidFill>
-          <a:schemeClr val="bg1"/>
-        </a:solidFill>
-        <a:effectLst/>
-      </p:bgPr>
-    </p:bg>
-    <p:spTree>
-      <p:nvGrpSpPr>
-        <p:cNvPr id="1" name=""/>
-        <p:cNvGrpSpPr/>
-        <p:nvPr/>
-      </p:nvGrpSpPr>
-      <p:grpSpPr>
-        <a:xfrm>
-          <a:off x="0" y="0"/>
-          <a:ext cx="0" cy="0"/>
-          <a:chOff x="0" y="0"/>
-          <a:chExt cx="0" cy="0"/>
-        </a:xfrm>
-      </p:grpSpPr>
-      <p:sp>
-        <p:nvSpPr>
-          <p:cNvPr id="2" name="Title 1">
-            <a:extLst>
-              <a:ext uri="{FF2B5EF4-FFF2-40B4-BE49-F238E27FC236}">
-                <a16:creationId xmlns:a16="http://schemas.microsoft.com/office/drawing/2014/main" id="{1DE2D4B7-80C3-D443-8EFB-FFF4DF86F342}"/>
-              </a:ext>
-            </a:extLst>
-          </p:cNvPr>
-          <p:cNvSpPr>
-            <a:spLocks noGrp="1"/>
-          </p:cNvSpPr>
-          <p:nvPr>
-            <p:ph type="title"/>
-          </p:nvPr>
-        </p:nvSpPr>
-        <p:spPr>
-          <a:xfrm>
-            <a:off x="648928" y="338328"/>
-            <a:ext cx="10899944" cy="1608328"/>
-          </a:xfrm>
-        </p:spPr>
-        <p:txBody>
-          <a:bodyPr>
-            <a:normAutofit/>
-          </a:bodyPr>
-          <a:lstStyle/>
-          <a:p>
-            <a:r>
-              <a:rPr lang="en-NL" sz="3600"/>
-              <a:t>Jupyter Notebooks               vs          Visual Studio Code   </a:t>
-            </a:r>
-          </a:p>
-        </p:txBody>
-      </p:sp>
-      <p:sp>
-        <p:nvSpPr>
-          <p:cNvPr id="14" name="Rectangle 13">
-            <a:extLst>
-              <a:ext uri="{FF2B5EF4-FFF2-40B4-BE49-F238E27FC236}">
-                <a16:creationId xmlns:a16="http://schemas.microsoft.com/office/drawing/2014/main" id="{5AAE9118-0436-4488-AC4A-C14DF6A7B6B1}"/>
-              </a:ext>
-              <a:ext uri="{C183D7F6-B498-43B3-948B-1728B52AA6E4}">
-                <adec:decorative xmlns:adec="http://schemas.microsoft.com/office/drawing/2017/decorative" val="1"/>
-              </a:ext>
-            </a:extLst>
-          </p:cNvPr>
-          <p:cNvSpPr>
-            <a:spLocks noGrp="1" noRot="1" noChangeAspect="1" noMove="1" noResize="1" noEditPoints="1" noAdjustHandles="1" noChangeArrowheads="1" noChangeShapeType="1" noTextEdit="1"/>
-          </p:cNvSpPr>
-          <p:nvPr>
-            <p:extLst>
-              <p:ext uri="{386F3935-93C4-4BCD-93E2-E3B085C9AB24}">
-                <p16:designElem xmlns:p16="http://schemas.microsoft.com/office/powerpoint/2015/main" val="1"/>
-              </p:ext>
-            </p:extLst>
-          </p:nvPr>
-        </p:nvSpPr>
-        <p:spPr>
-          <a:xfrm>
-            <a:off x="-2" y="2211010"/>
-            <a:ext cx="12192002" cy="4646990"/>
-          </a:xfrm>
-          <a:prstGeom prst="rect">
-            <a:avLst/>
-          </a:prstGeom>
-          <a:solidFill>
-            <a:srgbClr val="C8CACA"/>
-          </a:solidFill>
-          <a:ln>
-            <a:noFill/>
-          </a:ln>
-        </p:spPr>
-        <p:style>
-          <a:lnRef idx="2">
-            <a:schemeClr val="accent1">
-              <a:shade val="50000"/>
-            </a:schemeClr>
-          </a:lnRef>
-          <a:fillRef idx="1">
-            <a:schemeClr val="accent1"/>
-          </a:fillRef>
-          <a:effectRef idx="0">
-            <a:schemeClr val="accent1"/>
-          </a:effectRef>
-          <a:fontRef idx="minor">
-            <a:schemeClr val="lt1"/>
-          </a:fontRef>
-        </p:style>
-        <p:txBody>
-          <a:bodyPr rtlCol="0" anchor="ctr"/>
-          <a:lstStyle/>
-          <a:p>
-            <a:pPr marL="0" marR="0" lvl="0" indent="0" algn="ctr" defTabSz="914400" rtl="0" eaLnBrk="1" fontAlgn="auto" latinLnBrk="0" hangingPunct="1">
-              <a:lnSpc>
-                <a:spcPct val="100000"/>
-              </a:lnSpc>
-              <a:spcBef>
-                <a:spcPts val="0"/>
-              </a:spcBef>
-              <a:spcAft>
-                <a:spcPts val="0"/>
-              </a:spcAft>
-              <a:buClrTx/>
-              <a:buSzTx/>
-              <a:buFontTx/>
-              <a:buNone/>
-              <a:tabLst/>
-              <a:defRPr/>
-            </a:pPr>
-            <a:endParaRPr kumimoji="0" lang="en-US" sz="1800" b="0" i="0" u="none" strike="noStrike" kern="1200" cap="none" spc="0" normalizeH="0" baseline="0" noProof="0">
-              <a:ln>
-                <a:noFill/>
-              </a:ln>
-              <a:solidFill>
-                <a:prstClr val="white"/>
-              </a:solidFill>
-              <a:effectLst/>
-              <a:uLnTx/>
-              <a:uFillTx/>
-              <a:latin typeface="Calibri" panose="020F0502020204030204"/>
-              <a:ea typeface="+mn-ea"/>
-              <a:cs typeface="+mn-cs"/>
-            </a:endParaRPr>
-          </a:p>
-        </p:txBody>
-      </p:sp>
-      <p:sp>
-        <p:nvSpPr>
-          <p:cNvPr id="16" name="Rounded Rectangle 26">
-            <a:extLst>
-              <a:ext uri="{FF2B5EF4-FFF2-40B4-BE49-F238E27FC236}">
-                <a16:creationId xmlns:a16="http://schemas.microsoft.com/office/drawing/2014/main" id="{48AADC38-41AB-482C-B8C3-6B9CD91B678A}"/>
-              </a:ext>
-              <a:ext uri="{C183D7F6-B498-43B3-948B-1728B52AA6E4}">
-                <adec:decorative xmlns:adec="http://schemas.microsoft.com/office/drawing/2017/decorative" val="1"/>
-              </a:ext>
-            </a:extLst>
-          </p:cNvPr>
-          <p:cNvSpPr>
-            <a:spLocks noGrp="1" noRot="1" noChangeAspect="1" noMove="1" noResize="1" noEditPoints="1" noAdjustHandles="1" noChangeArrowheads="1" noChangeShapeType="1" noTextEdit="1"/>
-          </p:cNvSpPr>
-          <p:nvPr>
-            <p:extLst>
-              <p:ext uri="{386F3935-93C4-4BCD-93E2-E3B085C9AB24}">
-                <p16:designElem xmlns:p16="http://schemas.microsoft.com/office/powerpoint/2015/main" val="1"/>
-              </p:ext>
-            </p:extLst>
-          </p:nvPr>
-        </p:nvSpPr>
-        <p:spPr>
-          <a:xfrm>
-            <a:off x="321564" y="2426035"/>
-            <a:ext cx="11548872" cy="3930315"/>
-          </a:xfrm>
-          <a:prstGeom prst="roundRect">
-            <a:avLst>
-              <a:gd name="adj" fmla="val 0"/>
-            </a:avLst>
-          </a:prstGeom>
-          <a:solidFill>
-            <a:srgbClr val="FFFFFF"/>
-          </a:solidFill>
-          <a:ln w="9525">
-            <a:solidFill>
-              <a:srgbClr val="C8CACA"/>
-            </a:solidFill>
-          </a:ln>
-          <a:effectLst>
-            <a:outerShdw blurRad="57150" dist="19050" dir="5400000" algn="t" rotWithShape="0">
-              <a:prstClr val="black">
-                <a:alpha val="63000"/>
-              </a:prstClr>
-            </a:outerShdw>
-          </a:effectLst>
-        </p:spPr>
-        <p:style>
-          <a:lnRef idx="2">
-            <a:schemeClr val="accent1">
-              <a:shade val="50000"/>
-            </a:schemeClr>
-          </a:lnRef>
-          <a:fillRef idx="1">
-            <a:schemeClr val="accent1"/>
-          </a:fillRef>
-          <a:effectRef idx="0">
-            <a:schemeClr val="accent1"/>
-          </a:effectRef>
-          <a:fontRef idx="minor">
-            <a:schemeClr val="lt1"/>
-          </a:fontRef>
-        </p:style>
-        <p:txBody>
-          <a:bodyPr rtlCol="0" anchor="ctr"/>
-          <a:lstStyle/>
-          <a:p>
-            <a:pPr algn="ctr"/>
-            <a:endParaRPr lang="en-US"/>
-          </a:p>
-        </p:txBody>
-      </p:sp>
-      <p:pic>
-        <p:nvPicPr>
-          <p:cNvPr id="5" name="Content Placeholder 4" descr="Graphical user interface, text, application&#10;&#10;Description automatically generated">
-            <a:extLst>
-              <a:ext uri="{FF2B5EF4-FFF2-40B4-BE49-F238E27FC236}">
-                <a16:creationId xmlns:a16="http://schemas.microsoft.com/office/drawing/2014/main" id="{384CA356-7F85-FD40-B3B6-4837AE989AA6}"/>
-              </a:ext>
-            </a:extLst>
-          </p:cNvPr>
-          <p:cNvPicPr>
-            <a:picLocks noChangeAspect="1"/>
-          </p:cNvPicPr>
-          <p:nvPr/>
-        </p:nvPicPr>
-        <p:blipFill rotWithShape="1">
-          <a:blip r:embed="rId3"/>
-          <a:srcRect r="9841" b="-3"/>
-          <a:stretch/>
-        </p:blipFill>
-        <p:spPr>
-          <a:xfrm>
-            <a:off x="643128" y="3082753"/>
-            <a:ext cx="4783038" cy="2984218"/>
-          </a:xfrm>
-          <a:prstGeom prst="rect">
-            <a:avLst/>
-          </a:prstGeom>
-        </p:spPr>
-      </p:pic>
-      <p:pic>
-        <p:nvPicPr>
-          <p:cNvPr id="7" name="Picture 6" descr="A screenshot of a computer&#10;&#10;Description automatically generated with medium confidence">
-            <a:extLst>
-              <a:ext uri="{FF2B5EF4-FFF2-40B4-BE49-F238E27FC236}">
-                <a16:creationId xmlns:a16="http://schemas.microsoft.com/office/drawing/2014/main" id="{1284C0E4-3462-8442-8BFF-5F8225C5CC99}"/>
-              </a:ext>
-            </a:extLst>
-          </p:cNvPr>
-          <p:cNvPicPr>
-            <a:picLocks noChangeAspect="1"/>
-          </p:cNvPicPr>
-          <p:nvPr/>
-        </p:nvPicPr>
-        <p:blipFill rotWithShape="1">
-          <a:blip r:embed="rId4"/>
-          <a:srcRect t="4013" r="-2" b="-2"/>
-          <a:stretch/>
-        </p:blipFill>
-        <p:spPr>
-          <a:xfrm>
-            <a:off x="6765834" y="3082753"/>
-            <a:ext cx="4783038" cy="2984218"/>
-          </a:xfrm>
-          <a:prstGeom prst="rect">
-            <a:avLst/>
-          </a:prstGeom>
-        </p:spPr>
-      </p:pic>
-    </p:spTree>
-    <p:extLst>
-      <p:ext uri="{BB962C8B-B14F-4D97-AF65-F5344CB8AC3E}">
-        <p14:creationId xmlns:p14="http://schemas.microsoft.com/office/powerpoint/2010/main" val="1164312314"/>
       </p:ext>
     </p:extLst>
   </p:cSld>
@@ -9028,45 +10764,60 @@
       </p:grpSpPr>
       <p:sp>
         <p:nvSpPr>
-          <p:cNvPr id="2" name="Title 1">
-            <a:extLst>
-              <a:ext uri="{FF2B5EF4-FFF2-40B4-BE49-F238E27FC236}">
-                <a16:creationId xmlns:a16="http://schemas.microsoft.com/office/drawing/2014/main" id="{1DE2D4B7-80C3-D443-8EFB-FFF4DF86F342}"/>
-              </a:ext>
-            </a:extLst>
-          </p:cNvPr>
-          <p:cNvSpPr>
-            <a:spLocks noGrp="1"/>
-          </p:cNvSpPr>
-          <p:nvPr>
-            <p:ph type="title"/>
-          </p:nvPr>
-        </p:nvSpPr>
-        <p:spPr>
-          <a:xfrm>
-            <a:off x="648928" y="338328"/>
-            <a:ext cx="10899944" cy="1608328"/>
-          </a:xfrm>
-        </p:spPr>
-        <p:txBody>
-          <a:bodyPr>
+          <p:cNvPr id="7" name="TextBox 6">
+            <a:extLst>
+              <a:ext uri="{FF2B5EF4-FFF2-40B4-BE49-F238E27FC236}">
+                <a16:creationId xmlns:a16="http://schemas.microsoft.com/office/drawing/2014/main" id="{AA36F465-9DE2-D246-B562-24C196A6B2F5}"/>
+              </a:ext>
+            </a:extLst>
+          </p:cNvPr>
+          <p:cNvSpPr txBox="1"/>
+          <p:nvPr/>
+        </p:nvSpPr>
+        <p:spPr>
+          <a:xfrm>
+            <a:off x="645859" y="640081"/>
+            <a:ext cx="3494341" cy="3793488"/>
+          </a:xfrm>
+          <a:prstGeom prst="rect">
+            <a:avLst/>
+          </a:prstGeom>
+          <a:noFill/>
+        </p:spPr>
+        <p:txBody>
+          <a:bodyPr vert="horz" lIns="91440" tIns="45720" rIns="91440" bIns="45720" rtlCol="0" anchor="b">
             <a:normAutofit/>
           </a:bodyPr>
           <a:lstStyle/>
           <a:p>
-            <a:r>
-              <a:rPr lang="en-NL" sz="3600"/>
-              <a:t>Jupyter Notebooks tips and tricks</a:t>
-            </a:r>
-          </a:p>
-        </p:txBody>
-      </p:sp>
-      <p:sp>
-        <p:nvSpPr>
-          <p:cNvPr id="14" name="Rectangle 13">
-            <a:extLst>
-              <a:ext uri="{FF2B5EF4-FFF2-40B4-BE49-F238E27FC236}">
-                <a16:creationId xmlns:a16="http://schemas.microsoft.com/office/drawing/2014/main" id="{5AAE9118-0436-4488-AC4A-C14DF6A7B6B1}"/>
+            <a:pPr>
+              <a:lnSpc>
+                <a:spcPct val="90000"/>
+              </a:lnSpc>
+              <a:spcBef>
+                <a:spcPct val="0"/>
+              </a:spcBef>
+              <a:spcAft>
+                <a:spcPts val="600"/>
+              </a:spcAft>
+            </a:pPr>
+            <a:r>
+              <a:rPr lang="en-US" sz="4600">
+                <a:latin typeface="+mj-lt"/>
+                <a:ea typeface="+mj-ea"/>
+                <a:cs typeface="+mj-cs"/>
+              </a:rPr>
+              <a:t>Python Data Science Libraries</a:t>
+            </a:r>
+          </a:p>
+        </p:txBody>
+      </p:sp>
+      <p:sp>
+        <p:nvSpPr>
+          <p:cNvPr id="12" name="Rectangle 11">
+            <a:extLst>
+              <a:ext uri="{FF2B5EF4-FFF2-40B4-BE49-F238E27FC236}">
+                <a16:creationId xmlns:a16="http://schemas.microsoft.com/office/drawing/2014/main" id="{71FC7D98-7B8B-402A-90FC-F027482F2142}"/>
               </a:ext>
               <a:ext uri="{C183D7F6-B498-43B3-948B-1728B52AA6E4}">
                 <adec:decorative xmlns:adec="http://schemas.microsoft.com/office/drawing/2017/decorative" val="1"/>
@@ -9086,8 +10837,8 @@
         </p:nvSpPr>
         <p:spPr>
           <a:xfrm>
-            <a:off x="-2" y="2211010"/>
-            <a:ext cx="12192002" cy="4646990"/>
+            <a:off x="4625926" y="0"/>
+            <a:ext cx="7566074" cy="6858000"/>
           </a:xfrm>
           <a:prstGeom prst="rect">
             <a:avLst/>
@@ -9119,46 +10870,17 @@
           <a:bodyPr rtlCol="0" anchor="ctr"/>
           <a:lstStyle/>
           <a:p>
-            <a:pPr marL="0" marR="0" lvl="0" indent="0" algn="ctr" defTabSz="914400" rtl="0" eaLnBrk="1" fontAlgn="auto" latinLnBrk="0" hangingPunct="1">
-              <a:lnSpc>
-                <a:spcPct val="100000"/>
-              </a:lnSpc>
-              <a:spcBef>
-                <a:spcPts val="0"/>
-              </a:spcBef>
-              <a:spcAft>
-                <a:spcPts val="0"/>
-              </a:spcAft>
-              <a:buClrTx/>
-              <a:buSzTx/>
-              <a:buFontTx/>
-              <a:buNone/>
-              <a:tabLst/>
-              <a:defRPr/>
-            </a:pPr>
-            <a:endParaRPr kumimoji="0" lang="en-US" sz="1800" b="0" i="0" u="none" strike="noStrike" kern="1200" cap="none" spc="0" normalizeH="0" baseline="0" noProof="0">
-              <a:ln>
-                <a:noFill/>
-              </a:ln>
-              <a:solidFill>
-                <a:prstClr val="white"/>
-              </a:solidFill>
-              <a:effectLst/>
-              <a:uLnTx/>
-              <a:uFillTx/>
-              <a:latin typeface="Calibri" panose="020F0502020204030204"/>
-              <a:ea typeface="+mn-ea"/>
-              <a:cs typeface="+mn-cs"/>
-            </a:endParaRPr>
-          </a:p>
-        </p:txBody>
-      </p:sp>
-      <p:sp>
-        <p:nvSpPr>
-          <p:cNvPr id="16" name="Rounded Rectangle 26">
-            <a:extLst>
-              <a:ext uri="{FF2B5EF4-FFF2-40B4-BE49-F238E27FC236}">
-                <a16:creationId xmlns:a16="http://schemas.microsoft.com/office/drawing/2014/main" id="{48AADC38-41AB-482C-B8C3-6B9CD91B678A}"/>
+            <a:pPr algn="ctr"/>
+            <a:endParaRPr lang="en-US"/>
+          </a:p>
+        </p:txBody>
+      </p:sp>
+      <p:sp>
+        <p:nvSpPr>
+          <p:cNvPr id="14" name="Rounded Rectangle 28">
+            <a:extLst>
+              <a:ext uri="{FF2B5EF4-FFF2-40B4-BE49-F238E27FC236}">
+                <a16:creationId xmlns:a16="http://schemas.microsoft.com/office/drawing/2014/main" id="{AD7356EA-285B-4E5D-8FEC-104659A4FD2C}"/>
               </a:ext>
               <a:ext uri="{C183D7F6-B498-43B3-948B-1728B52AA6E4}">
                 <adec:decorative xmlns:adec="http://schemas.microsoft.com/office/drawing/2017/decorative" val="1"/>
@@ -9178,8 +10900,8 @@
         </p:nvSpPr>
         <p:spPr>
           <a:xfrm>
-            <a:off x="321564" y="2426035"/>
-            <a:ext cx="11548872" cy="3930315"/>
+            <a:off x="5275903" y="640091"/>
+            <a:ext cx="6266120" cy="5577818"/>
           </a:xfrm>
           <a:prstGeom prst="roundRect">
             <a:avLst>
@@ -9227,122 +10949,228 @@
           </a:p>
         </p:txBody>
       </p:sp>
-      <p:sp>
-        <p:nvSpPr>
-          <p:cNvPr id="3" name="TextBox 2">
-            <a:extLst>
-              <a:ext uri="{FF2B5EF4-FFF2-40B4-BE49-F238E27FC236}">
-                <a16:creationId xmlns:a16="http://schemas.microsoft.com/office/drawing/2014/main" id="{AED121E7-ABF1-1D4F-9FE2-C91E5F3BCB4A}"/>
-              </a:ext>
-            </a:extLst>
-          </p:cNvPr>
-          <p:cNvSpPr txBox="1"/>
+      <p:pic>
+        <p:nvPicPr>
+          <p:cNvPr id="3" name="Picture 2" descr="A picture containing diagram&#10;&#10;Description automatically generated">
+            <a:extLst>
+              <a:ext uri="{FF2B5EF4-FFF2-40B4-BE49-F238E27FC236}">
+                <a16:creationId xmlns:a16="http://schemas.microsoft.com/office/drawing/2014/main" id="{0A5DDF88-DAD1-E345-86DF-FAADDBFB57FD}"/>
+              </a:ext>
+            </a:extLst>
+          </p:cNvPr>
+          <p:cNvPicPr>
+            <a:picLocks noChangeAspect="1"/>
+          </p:cNvPicPr>
           <p:nvPr/>
-        </p:nvSpPr>
-        <p:spPr>
-          <a:xfrm>
-            <a:off x="769257" y="2714171"/>
-            <a:ext cx="10580914" cy="3139321"/>
+        </p:nvPicPr>
+        <p:blipFill rotWithShape="1">
+          <a:blip r:embed="rId3"/>
+          <a:srcRect l="3611"/>
+          <a:stretch/>
+        </p:blipFill>
+        <p:spPr>
+          <a:xfrm>
+            <a:off x="5441735" y="804672"/>
+            <a:ext cx="5934456" cy="5248656"/>
+          </a:xfrm>
+          <a:prstGeom prst="rect">
+            <a:avLst/>
+          </a:prstGeom>
+          <a:effectLst/>
+        </p:spPr>
+      </p:pic>
+      <p:pic>
+        <p:nvPicPr>
+          <p:cNvPr id="2050" name="Picture 2" descr="Apache Airflow - Wikipedia">
+            <a:extLst>
+              <a:ext uri="{FF2B5EF4-FFF2-40B4-BE49-F238E27FC236}">
+                <a16:creationId xmlns:a16="http://schemas.microsoft.com/office/drawing/2014/main" id="{0125145F-4612-7744-AD0F-1A8154A3BBDE}"/>
+              </a:ext>
+            </a:extLst>
+          </p:cNvPr>
+          <p:cNvPicPr>
+            <a:picLocks noChangeAspect="1" noChangeArrowheads="1"/>
+          </p:cNvPicPr>
+          <p:nvPr/>
+        </p:nvPicPr>
+        <p:blipFill>
+          <a:blip r:embed="rId4">
+            <a:extLst>
+              <a:ext uri="{28A0092B-C50C-407E-A947-70E740481C1C}">
+                <a14:useLocalDpi xmlns:a14="http://schemas.microsoft.com/office/drawing/2010/main" val="0"/>
+              </a:ext>
+            </a:extLst>
+          </a:blip>
+          <a:srcRect/>
+          <a:stretch>
+            <a:fillRect/>
+          </a:stretch>
+        </p:blipFill>
+        <p:spPr bwMode="auto">
+          <a:xfrm>
+            <a:off x="10789902" y="3203878"/>
+            <a:ext cx="1172577" cy="450244"/>
           </a:xfrm>
           <a:prstGeom prst="rect">
             <a:avLst/>
           </a:prstGeom>
           <a:noFill/>
-        </p:spPr>
-        <p:txBody>
-          <a:bodyPr wrap="square" rtlCol="0">
-            <a:spAutoFit/>
-          </a:bodyPr>
-          <a:lstStyle/>
-          <a:p>
-            <a:pPr marL="285750" indent="-285750">
-              <a:buFont typeface="Arial" panose="020B0604020202020204" pitchFamily="34" charset="0"/>
-              <a:buChar char="•"/>
-            </a:pPr>
-            <a:r>
-              <a:rPr lang="en-NL"/>
-              <a:t>Shift + Enter to run code</a:t>
-            </a:r>
-          </a:p>
-          <a:p>
-            <a:pPr marL="285750" indent="-285750">
-              <a:buFont typeface="Arial" panose="020B0604020202020204" pitchFamily="34" charset="0"/>
-              <a:buChar char="•"/>
-            </a:pPr>
-            <a:endParaRPr lang="en-NL"/>
-          </a:p>
-          <a:p>
-            <a:pPr marL="285750" indent="-285750">
-              <a:buFont typeface="Arial" panose="020B0604020202020204" pitchFamily="34" charset="0"/>
-              <a:buChar char="•"/>
-            </a:pPr>
-            <a:r>
-              <a:rPr lang="en-NL"/>
-              <a:t>Tab completion</a:t>
-            </a:r>
-          </a:p>
-          <a:p>
-            <a:endParaRPr lang="en-NL"/>
-          </a:p>
-          <a:p>
-            <a:pPr marL="342900" indent="-342900">
-              <a:buFont typeface="Arial" panose="020B0604020202020204" pitchFamily="34" charset="0"/>
-              <a:buChar char="•"/>
-            </a:pPr>
-            <a:r>
-              <a:rPr lang="en-NL"/>
-              <a:t>Nieuwe cell: Escape gevolgd door a (above) of b (below) of dd (delete)</a:t>
-            </a:r>
-          </a:p>
-          <a:p>
-            <a:endParaRPr lang="en-NL"/>
-          </a:p>
-          <a:p>
-            <a:pPr marL="285750" indent="-285750">
-              <a:buFont typeface="Arial" panose="020B0604020202020204" pitchFamily="34" charset="0"/>
-              <a:buChar char="•"/>
-            </a:pPr>
-            <a:r>
-              <a:rPr lang="en-NL"/>
-              <a:t>Shift Tab to see arguments and information about methods, functions or classes</a:t>
-            </a:r>
-          </a:p>
-          <a:p>
-            <a:endParaRPr lang="en-NL"/>
-          </a:p>
-          <a:p>
-            <a:pPr marL="285750" indent="-285750">
-              <a:buFont typeface="Arial" panose="020B0604020202020204" pitchFamily="34" charset="0"/>
-              <a:buChar char="•"/>
-            </a:pPr>
-            <a:r>
-              <a:rPr lang="en-NL"/>
-              <a:t>Magic commands, such as ls</a:t>
-            </a:r>
-          </a:p>
-          <a:p>
-            <a:pPr marL="285750" indent="-285750">
-              <a:buFont typeface="Arial" panose="020B0604020202020204" pitchFamily="34" charset="0"/>
-              <a:buChar char="•"/>
-            </a:pPr>
-            <a:endParaRPr lang="en-NL"/>
-          </a:p>
-          <a:p>
-            <a:pPr marL="285750" indent="-285750">
-              <a:buFont typeface="Arial" panose="020B0604020202020204" pitchFamily="34" charset="0"/>
-              <a:buChar char="•"/>
-            </a:pPr>
-            <a:r>
-              <a:rPr lang="en-NL"/>
-              <a:t>? or ?? to get extra help and info</a:t>
-            </a:r>
-          </a:p>
-        </p:txBody>
-      </p:sp>
+          <a:extLst>
+            <a:ext uri="{909E8E84-426E-40DD-AFC4-6F175D3DCCD1}">
+              <a14:hiddenFill xmlns:a14="http://schemas.microsoft.com/office/drawing/2010/main">
+                <a:solidFill>
+                  <a:srgbClr val="FFFFFF"/>
+                </a:solidFill>
+              </a14:hiddenFill>
+            </a:ext>
+          </a:extLst>
+        </p:spPr>
+      </p:pic>
+      <p:pic>
+        <p:nvPicPr>
+          <p:cNvPr id="2056" name="Picture 8">
+            <a:extLst>
+              <a:ext uri="{FF2B5EF4-FFF2-40B4-BE49-F238E27FC236}">
+                <a16:creationId xmlns:a16="http://schemas.microsoft.com/office/drawing/2014/main" id="{C798E593-BE81-D84E-9C9A-113BE0F1C23A}"/>
+              </a:ext>
+            </a:extLst>
+          </p:cNvPr>
+          <p:cNvPicPr>
+            <a:picLocks noChangeAspect="1" noChangeArrowheads="1"/>
+          </p:cNvPicPr>
+          <p:nvPr/>
+        </p:nvPicPr>
+        <p:blipFill>
+          <a:blip r:embed="rId5">
+            <a:extLst>
+              <a:ext uri="{28A0092B-C50C-407E-A947-70E740481C1C}">
+                <a14:useLocalDpi xmlns:a14="http://schemas.microsoft.com/office/drawing/2010/main" val="0"/>
+              </a:ext>
+            </a:extLst>
+          </a:blip>
+          <a:srcRect/>
+          <a:stretch>
+            <a:fillRect/>
+          </a:stretch>
+        </p:blipFill>
+        <p:spPr bwMode="auto">
+          <a:xfrm>
+            <a:off x="5402074" y="804672"/>
+            <a:ext cx="693926" cy="807356"/>
+          </a:xfrm>
+          <a:prstGeom prst="rect">
+            <a:avLst/>
+          </a:prstGeom>
+          <a:noFill/>
+          <a:extLst>
+            <a:ext uri="{909E8E84-426E-40DD-AFC4-6F175D3DCCD1}">
+              <a14:hiddenFill xmlns:a14="http://schemas.microsoft.com/office/drawing/2010/main">
+                <a:solidFill>
+                  <a:srgbClr val="FFFFFF"/>
+                </a:solidFill>
+              </a14:hiddenFill>
+            </a:ext>
+          </a:extLst>
+        </p:spPr>
+      </p:pic>
+      <p:pic>
+        <p:nvPicPr>
+          <p:cNvPr id="2058" name="Picture 10" descr="Unit Testing with PySpark. By David Illes, Vice President at… | by  Cambridge Spark | Cambridge Spark">
+            <a:extLst>
+              <a:ext uri="{FF2B5EF4-FFF2-40B4-BE49-F238E27FC236}">
+                <a16:creationId xmlns:a16="http://schemas.microsoft.com/office/drawing/2014/main" id="{ABB51496-6CBC-BC40-BA06-D75D4A194F2B}"/>
+              </a:ext>
+            </a:extLst>
+          </p:cNvPr>
+          <p:cNvPicPr>
+            <a:picLocks noChangeAspect="1" noChangeArrowheads="1"/>
+          </p:cNvPicPr>
+          <p:nvPr/>
+        </p:nvPicPr>
+        <p:blipFill>
+          <a:blip r:embed="rId6">
+            <a:extLst>
+              <a:ext uri="{28A0092B-C50C-407E-A947-70E740481C1C}">
+                <a14:useLocalDpi xmlns:a14="http://schemas.microsoft.com/office/drawing/2010/main" val="0"/>
+              </a:ext>
+            </a:extLst>
+          </a:blip>
+          <a:srcRect/>
+          <a:stretch>
+            <a:fillRect/>
+          </a:stretch>
+        </p:blipFill>
+        <p:spPr bwMode="auto">
+          <a:xfrm>
+            <a:off x="10087140" y="804672"/>
+            <a:ext cx="1289050" cy="724282"/>
+          </a:xfrm>
+          <a:prstGeom prst="rect">
+            <a:avLst/>
+          </a:prstGeom>
+          <a:noFill/>
+          <a:extLst>
+            <a:ext uri="{909E8E84-426E-40DD-AFC4-6F175D3DCCD1}">
+              <a14:hiddenFill xmlns:a14="http://schemas.microsoft.com/office/drawing/2010/main">
+                <a:solidFill>
+                  <a:srgbClr val="FFFFFF"/>
+                </a:solidFill>
+              </a14:hiddenFill>
+            </a:ext>
+          </a:extLst>
+        </p:spPr>
+      </p:pic>
+      <p:pic>
+        <p:nvPicPr>
+          <p:cNvPr id="11" name="Picture 10" descr="seaborn: statistical data visualization — seaborn 0.11.1 documentation">
+            <a:extLst>
+              <a:ext uri="{FF2B5EF4-FFF2-40B4-BE49-F238E27FC236}">
+                <a16:creationId xmlns:a16="http://schemas.microsoft.com/office/drawing/2014/main" id="{1FD05B8E-F514-6446-9020-81F21A8B7DFB}"/>
+              </a:ext>
+            </a:extLst>
+          </p:cNvPr>
+          <p:cNvPicPr>
+            <a:picLocks noChangeAspect="1" noChangeArrowheads="1"/>
+          </p:cNvPicPr>
+          <p:nvPr/>
+        </p:nvPicPr>
+        <p:blipFill>
+          <a:blip r:embed="rId7">
+            <a:extLst>
+              <a:ext uri="{28A0092B-C50C-407E-A947-70E740481C1C}">
+                <a14:useLocalDpi xmlns:a14="http://schemas.microsoft.com/office/drawing/2010/main" val="0"/>
+              </a:ext>
+            </a:extLst>
+          </a:blip>
+          <a:srcRect/>
+          <a:stretch>
+            <a:fillRect/>
+          </a:stretch>
+        </p:blipFill>
+        <p:spPr bwMode="auto">
+          <a:xfrm>
+            <a:off x="5749037" y="2644644"/>
+            <a:ext cx="885370" cy="252963"/>
+          </a:xfrm>
+          <a:prstGeom prst="rect">
+            <a:avLst/>
+          </a:prstGeom>
+          <a:noFill/>
+          <a:extLst>
+            <a:ext uri="{909E8E84-426E-40DD-AFC4-6F175D3DCCD1}">
+              <a14:hiddenFill xmlns:a14="http://schemas.microsoft.com/office/drawing/2010/main">
+                <a:solidFill>
+                  <a:srgbClr val="FFFFFF"/>
+                </a:solidFill>
+              </a14:hiddenFill>
+            </a:ext>
+          </a:extLst>
+        </p:spPr>
+      </p:pic>
     </p:spTree>
     <p:extLst>
       <p:ext uri="{BB962C8B-B14F-4D97-AF65-F5344CB8AC3E}">
-        <p14:creationId xmlns:p14="http://schemas.microsoft.com/office/powerpoint/2010/main" val="2485366165"/>
+        <p14:creationId xmlns:p14="http://schemas.microsoft.com/office/powerpoint/2010/main" val="2112928636"/>
       </p:ext>
     </p:extLst>
   </p:cSld>

--- a/Pandas_Training_Slides.pptx
+++ b/Pandas_Training_Slides.pptx
@@ -219,7 +219,7 @@
           </a:lstStyle>
           <a:p>
             <a:fld id="{E57A08F2-BB89-A243-B58E-EF977EF4C386}" type="datetimeFigureOut">
-              <a:t>26/01/2021</a:t>
+              <a:t>27/01/2021</a:t>
             </a:fld>
             <a:endParaRPr lang="en-NL"/>
           </a:p>
@@ -1863,7 +1863,7 @@
           <a:lstStyle/>
           <a:p>
             <a:fld id="{595B5CFB-66E7-284C-9A5B-718B2335AB36}" type="datetimeFigureOut">
-              <a:t>26/01/2021</a:t>
+              <a:t>27/01/2021</a:t>
             </a:fld>
             <a:endParaRPr lang="en-NL"/>
           </a:p>
@@ -2061,7 +2061,7 @@
           <a:lstStyle/>
           <a:p>
             <a:fld id="{595B5CFB-66E7-284C-9A5B-718B2335AB36}" type="datetimeFigureOut">
-              <a:t>26/01/2021</a:t>
+              <a:t>27/01/2021</a:t>
             </a:fld>
             <a:endParaRPr lang="en-NL"/>
           </a:p>
@@ -2269,7 +2269,7 @@
           <a:lstStyle/>
           <a:p>
             <a:fld id="{595B5CFB-66E7-284C-9A5B-718B2335AB36}" type="datetimeFigureOut">
-              <a:t>26/01/2021</a:t>
+              <a:t>27/01/2021</a:t>
             </a:fld>
             <a:endParaRPr lang="en-NL"/>
           </a:p>
@@ -2467,7 +2467,7 @@
           <a:lstStyle/>
           <a:p>
             <a:fld id="{595B5CFB-66E7-284C-9A5B-718B2335AB36}" type="datetimeFigureOut">
-              <a:t>26/01/2021</a:t>
+              <a:t>27/01/2021</a:t>
             </a:fld>
             <a:endParaRPr lang="en-NL"/>
           </a:p>
@@ -2741,7 +2741,7 @@
           <a:lstStyle/>
           <a:p>
             <a:fld id="{595B5CFB-66E7-284C-9A5B-718B2335AB36}" type="datetimeFigureOut">
-              <a:t>26/01/2021</a:t>
+              <a:t>27/01/2021</a:t>
             </a:fld>
             <a:endParaRPr lang="en-NL"/>
           </a:p>
@@ -3007,7 +3007,7 @@
           <a:lstStyle/>
           <a:p>
             <a:fld id="{595B5CFB-66E7-284C-9A5B-718B2335AB36}" type="datetimeFigureOut">
-              <a:t>26/01/2021</a:t>
+              <a:t>27/01/2021</a:t>
             </a:fld>
             <a:endParaRPr lang="en-NL"/>
           </a:p>
@@ -3420,7 +3420,7 @@
           <a:lstStyle/>
           <a:p>
             <a:fld id="{595B5CFB-66E7-284C-9A5B-718B2335AB36}" type="datetimeFigureOut">
-              <a:t>26/01/2021</a:t>
+              <a:t>27/01/2021</a:t>
             </a:fld>
             <a:endParaRPr lang="en-NL"/>
           </a:p>
@@ -3560,7 +3560,7 @@
           <a:lstStyle/>
           <a:p>
             <a:fld id="{595B5CFB-66E7-284C-9A5B-718B2335AB36}" type="datetimeFigureOut">
-              <a:t>26/01/2021</a:t>
+              <a:t>27/01/2021</a:t>
             </a:fld>
             <a:endParaRPr lang="en-NL"/>
           </a:p>
@@ -3671,7 +3671,7 @@
           <a:lstStyle/>
           <a:p>
             <a:fld id="{595B5CFB-66E7-284C-9A5B-718B2335AB36}" type="datetimeFigureOut">
-              <a:t>26/01/2021</a:t>
+              <a:t>27/01/2021</a:t>
             </a:fld>
             <a:endParaRPr lang="en-NL"/>
           </a:p>
@@ -3982,7 +3982,7 @@
           <a:lstStyle/>
           <a:p>
             <a:fld id="{595B5CFB-66E7-284C-9A5B-718B2335AB36}" type="datetimeFigureOut">
-              <a:t>26/01/2021</a:t>
+              <a:t>27/01/2021</a:t>
             </a:fld>
             <a:endParaRPr lang="en-NL"/>
           </a:p>
@@ -4269,7 +4269,7 @@
           <a:lstStyle/>
           <a:p>
             <a:fld id="{595B5CFB-66E7-284C-9A5B-718B2335AB36}" type="datetimeFigureOut">
-              <a:t>26/01/2021</a:t>
+              <a:t>27/01/2021</a:t>
             </a:fld>
             <a:endParaRPr lang="en-NL"/>
           </a:p>
@@ -4510,7 +4510,7 @@
           </a:lstStyle>
           <a:p>
             <a:fld id="{595B5CFB-66E7-284C-9A5B-718B2335AB36}" type="datetimeFigureOut">
-              <a:t>26/01/2021</a:t>
+              <a:t>27/01/2021</a:t>
             </a:fld>
             <a:endParaRPr lang="en-NL"/>
           </a:p>
@@ -6608,6 +6608,60 @@
           <a:effectLst/>
         </p:spPr>
       </p:pic>
+      <p:sp>
+        <p:nvSpPr>
+          <p:cNvPr id="3" name="Rectangle 2">
+            <a:extLst>
+              <a:ext uri="{FF2B5EF4-FFF2-40B4-BE49-F238E27FC236}">
+                <a16:creationId xmlns:a16="http://schemas.microsoft.com/office/drawing/2014/main" id="{CBFD795B-564A-3343-85B7-FC84E768D458}"/>
+              </a:ext>
+            </a:extLst>
+          </p:cNvPr>
+          <p:cNvSpPr/>
+          <p:nvPr/>
+        </p:nvSpPr>
+        <p:spPr>
+          <a:xfrm>
+            <a:off x="6874476" y="5955956"/>
+            <a:ext cx="5185624" cy="839187"/>
+          </a:xfrm>
+          <a:prstGeom prst="rect">
+            <a:avLst/>
+          </a:prstGeom>
+        </p:spPr>
+        <p:style>
+          <a:lnRef idx="2">
+            <a:schemeClr val="accent6"/>
+          </a:lnRef>
+          <a:fillRef idx="1">
+            <a:schemeClr val="lt1"/>
+          </a:fillRef>
+          <a:effectRef idx="0">
+            <a:schemeClr val="accent6"/>
+          </a:effectRef>
+          <a:fontRef idx="minor">
+            <a:schemeClr val="dk1"/>
+          </a:fontRef>
+        </p:style>
+        <p:txBody>
+          <a:bodyPr rtlCol="0" anchor="ctr"/>
+          <a:lstStyle/>
+          <a:p>
+            <a:pPr algn="ctr"/>
+            <a:r>
+              <a:rPr lang="en-NL"/>
+              <a:t>All calculations are done vectorized.</a:t>
+            </a:r>
+          </a:p>
+          <a:p>
+            <a:pPr algn="ctr"/>
+            <a:r>
+              <a:rPr lang="en-NL"/>
+              <a:t>Don’t use for loops with pandas!!!</a:t>
+            </a:r>
+          </a:p>
+        </p:txBody>
+      </p:sp>
     </p:spTree>
     <p:extLst>
       <p:ext uri="{BB962C8B-B14F-4D97-AF65-F5344CB8AC3E}">
@@ -7011,7 +7065,7 @@
             </a:r>
             <a:r>
               <a:rPr lang="en-US"/>
-              <a:t>sns.scatterplot(data=df, x, y)</a:t>
+              <a:t>sns.scatterplot(df, x, y)</a:t>
             </a:r>
             <a:endParaRPr lang="en-NL"/>
           </a:p>

--- a/Pandas_Training_Slides.pptx
+++ b/Pandas_Training_Slides.pptx
@@ -219,7 +219,7 @@
           </a:lstStyle>
           <a:p>
             <a:fld id="{E57A08F2-BB89-A243-B58E-EF977EF4C386}" type="datetimeFigureOut">
-              <a:t>27/01/2021</a:t>
+              <a:t>28/01/2021</a:t>
             </a:fld>
             <a:endParaRPr lang="en-NL"/>
           </a:p>
@@ -1863,7 +1863,7 @@
           <a:lstStyle/>
           <a:p>
             <a:fld id="{595B5CFB-66E7-284C-9A5B-718B2335AB36}" type="datetimeFigureOut">
-              <a:t>27/01/2021</a:t>
+              <a:t>28/01/2021</a:t>
             </a:fld>
             <a:endParaRPr lang="en-NL"/>
           </a:p>
@@ -2061,7 +2061,7 @@
           <a:lstStyle/>
           <a:p>
             <a:fld id="{595B5CFB-66E7-284C-9A5B-718B2335AB36}" type="datetimeFigureOut">
-              <a:t>27/01/2021</a:t>
+              <a:t>28/01/2021</a:t>
             </a:fld>
             <a:endParaRPr lang="en-NL"/>
           </a:p>
@@ -2269,7 +2269,7 @@
           <a:lstStyle/>
           <a:p>
             <a:fld id="{595B5CFB-66E7-284C-9A5B-718B2335AB36}" type="datetimeFigureOut">
-              <a:t>27/01/2021</a:t>
+              <a:t>28/01/2021</a:t>
             </a:fld>
             <a:endParaRPr lang="en-NL"/>
           </a:p>
@@ -2467,7 +2467,7 @@
           <a:lstStyle/>
           <a:p>
             <a:fld id="{595B5CFB-66E7-284C-9A5B-718B2335AB36}" type="datetimeFigureOut">
-              <a:t>27/01/2021</a:t>
+              <a:t>28/01/2021</a:t>
             </a:fld>
             <a:endParaRPr lang="en-NL"/>
           </a:p>
@@ -2741,7 +2741,7 @@
           <a:lstStyle/>
           <a:p>
             <a:fld id="{595B5CFB-66E7-284C-9A5B-718B2335AB36}" type="datetimeFigureOut">
-              <a:t>27/01/2021</a:t>
+              <a:t>28/01/2021</a:t>
             </a:fld>
             <a:endParaRPr lang="en-NL"/>
           </a:p>
@@ -3007,7 +3007,7 @@
           <a:lstStyle/>
           <a:p>
             <a:fld id="{595B5CFB-66E7-284C-9A5B-718B2335AB36}" type="datetimeFigureOut">
-              <a:t>27/01/2021</a:t>
+              <a:t>28/01/2021</a:t>
             </a:fld>
             <a:endParaRPr lang="en-NL"/>
           </a:p>
@@ -3420,7 +3420,7 @@
           <a:lstStyle/>
           <a:p>
             <a:fld id="{595B5CFB-66E7-284C-9A5B-718B2335AB36}" type="datetimeFigureOut">
-              <a:t>27/01/2021</a:t>
+              <a:t>28/01/2021</a:t>
             </a:fld>
             <a:endParaRPr lang="en-NL"/>
           </a:p>
@@ -3560,7 +3560,7 @@
           <a:lstStyle/>
           <a:p>
             <a:fld id="{595B5CFB-66E7-284C-9A5B-718B2335AB36}" type="datetimeFigureOut">
-              <a:t>27/01/2021</a:t>
+              <a:t>28/01/2021</a:t>
             </a:fld>
             <a:endParaRPr lang="en-NL"/>
           </a:p>
@@ -3671,7 +3671,7 @@
           <a:lstStyle/>
           <a:p>
             <a:fld id="{595B5CFB-66E7-284C-9A5B-718B2335AB36}" type="datetimeFigureOut">
-              <a:t>27/01/2021</a:t>
+              <a:t>28/01/2021</a:t>
             </a:fld>
             <a:endParaRPr lang="en-NL"/>
           </a:p>
@@ -3982,7 +3982,7 @@
           <a:lstStyle/>
           <a:p>
             <a:fld id="{595B5CFB-66E7-284C-9A5B-718B2335AB36}" type="datetimeFigureOut">
-              <a:t>27/01/2021</a:t>
+              <a:t>28/01/2021</a:t>
             </a:fld>
             <a:endParaRPr lang="en-NL"/>
           </a:p>
@@ -4269,7 +4269,7 @@
           <a:lstStyle/>
           <a:p>
             <a:fld id="{595B5CFB-66E7-284C-9A5B-718B2335AB36}" type="datetimeFigureOut">
-              <a:t>27/01/2021</a:t>
+              <a:t>28/01/2021</a:t>
             </a:fld>
             <a:endParaRPr lang="en-NL"/>
           </a:p>
@@ -4510,7 +4510,7 @@
           </a:lstStyle>
           <a:p>
             <a:fld id="{595B5CFB-66E7-284C-9A5B-718B2335AB36}" type="datetimeFigureOut">
-              <a:t>27/01/2021</a:t>
+              <a:t>28/01/2021</a:t>
             </a:fld>
             <a:endParaRPr lang="en-NL"/>
           </a:p>
@@ -5435,7 +5435,7 @@
           <a:p>
             <a:r>
               <a:rPr lang="en-NL" sz="3600"/>
-              <a:t>Jupyter Notebooks               vs          Visual Studio Code   </a:t>
+              <a:t>Jupyter Notebooks               or          Visual Studio Code   </a:t>
             </a:r>
           </a:p>
         </p:txBody>
@@ -9200,7 +9200,7 @@
           <a:p>
             <a:r>
               <a:rPr lang="en-NL"/>
-              <a:t>Using df.merg() to join tables:</a:t>
+              <a:t>Using df.merge() to join tables:</a:t>
             </a:r>
           </a:p>
           <a:p>
